--- a/Scheme/Scheme.pptx
+++ b/Scheme/Scheme.pptx
@@ -7,6 +7,7 @@
   <p:sldIdLst>
     <p:sldId id="256" r:id="rId2"/>
     <p:sldId id="257" r:id="rId3"/>
+    <p:sldId id="258" r:id="rId4"/>
   </p:sldIdLst>
   <p:sldSz cx="9144000" cy="6858000" type="screen4x3"/>
   <p:notesSz cx="6858000" cy="9144000"/>
@@ -244,7 +245,7 @@
           <a:p>
             <a:fld id="{6149BA01-7448-4321-80DC-7E91E834C80B}" type="datetimeFigureOut">
               <a:rPr lang="en-US" smtClean="0"/>
-              <a:t>3/23/2019</a:t>
+              <a:t>4/5/2019</a:t>
             </a:fld>
             <a:endParaRPr lang="en-US"/>
           </a:p>
@@ -414,7 +415,7 @@
           <a:p>
             <a:fld id="{6149BA01-7448-4321-80DC-7E91E834C80B}" type="datetimeFigureOut">
               <a:rPr lang="en-US" smtClean="0"/>
-              <a:t>3/23/2019</a:t>
+              <a:t>4/5/2019</a:t>
             </a:fld>
             <a:endParaRPr lang="en-US"/>
           </a:p>
@@ -594,7 +595,7 @@
           <a:p>
             <a:fld id="{6149BA01-7448-4321-80DC-7E91E834C80B}" type="datetimeFigureOut">
               <a:rPr lang="en-US" smtClean="0"/>
-              <a:t>3/23/2019</a:t>
+              <a:t>4/5/2019</a:t>
             </a:fld>
             <a:endParaRPr lang="en-US"/>
           </a:p>
@@ -764,7 +765,7 @@
           <a:p>
             <a:fld id="{6149BA01-7448-4321-80DC-7E91E834C80B}" type="datetimeFigureOut">
               <a:rPr lang="en-US" smtClean="0"/>
-              <a:t>3/23/2019</a:t>
+              <a:t>4/5/2019</a:t>
             </a:fld>
             <a:endParaRPr lang="en-US"/>
           </a:p>
@@ -1008,7 +1009,7 @@
           <a:p>
             <a:fld id="{6149BA01-7448-4321-80DC-7E91E834C80B}" type="datetimeFigureOut">
               <a:rPr lang="en-US" smtClean="0"/>
-              <a:t>3/23/2019</a:t>
+              <a:t>4/5/2019</a:t>
             </a:fld>
             <a:endParaRPr lang="en-US"/>
           </a:p>
@@ -1240,7 +1241,7 @@
           <a:p>
             <a:fld id="{6149BA01-7448-4321-80DC-7E91E834C80B}" type="datetimeFigureOut">
               <a:rPr lang="en-US" smtClean="0"/>
-              <a:t>3/23/2019</a:t>
+              <a:t>4/5/2019</a:t>
             </a:fld>
             <a:endParaRPr lang="en-US"/>
           </a:p>
@@ -1607,7 +1608,7 @@
           <a:p>
             <a:fld id="{6149BA01-7448-4321-80DC-7E91E834C80B}" type="datetimeFigureOut">
               <a:rPr lang="en-US" smtClean="0"/>
-              <a:t>3/23/2019</a:t>
+              <a:t>4/5/2019</a:t>
             </a:fld>
             <a:endParaRPr lang="en-US"/>
           </a:p>
@@ -1725,7 +1726,7 @@
           <a:p>
             <a:fld id="{6149BA01-7448-4321-80DC-7E91E834C80B}" type="datetimeFigureOut">
               <a:rPr lang="en-US" smtClean="0"/>
-              <a:t>3/23/2019</a:t>
+              <a:t>4/5/2019</a:t>
             </a:fld>
             <a:endParaRPr lang="en-US"/>
           </a:p>
@@ -1820,7 +1821,7 @@
           <a:p>
             <a:fld id="{6149BA01-7448-4321-80DC-7E91E834C80B}" type="datetimeFigureOut">
               <a:rPr lang="en-US" smtClean="0"/>
-              <a:t>3/23/2019</a:t>
+              <a:t>4/5/2019</a:t>
             </a:fld>
             <a:endParaRPr lang="en-US"/>
           </a:p>
@@ -2097,7 +2098,7 @@
           <a:p>
             <a:fld id="{6149BA01-7448-4321-80DC-7E91E834C80B}" type="datetimeFigureOut">
               <a:rPr lang="en-US" smtClean="0"/>
-              <a:t>3/23/2019</a:t>
+              <a:t>4/5/2019</a:t>
             </a:fld>
             <a:endParaRPr lang="en-US"/>
           </a:p>
@@ -2354,7 +2355,7 @@
           <a:p>
             <a:fld id="{6149BA01-7448-4321-80DC-7E91E834C80B}" type="datetimeFigureOut">
               <a:rPr lang="en-US" smtClean="0"/>
-              <a:t>3/23/2019</a:t>
+              <a:t>4/5/2019</a:t>
             </a:fld>
             <a:endParaRPr lang="en-US"/>
           </a:p>
@@ -2567,7 +2568,7 @@
           <a:p>
             <a:fld id="{6149BA01-7448-4321-80DC-7E91E834C80B}" type="datetimeFigureOut">
               <a:rPr lang="en-US" smtClean="0"/>
-              <a:t>3/23/2019</a:t>
+              <a:t>4/5/2019</a:t>
             </a:fld>
             <a:endParaRPr lang="en-US"/>
           </a:p>
@@ -9037,6 +9038,4112 @@
 </p:sld>
 </file>
 
+<file path=ppt/slides/slide3.xml><?xml version="1.0" encoding="utf-8"?>
+<p:sld xmlns:a="http://schemas.openxmlformats.org/drawingml/2006/main" xmlns:r="http://schemas.openxmlformats.org/officeDocument/2006/relationships" xmlns:p="http://schemas.openxmlformats.org/presentationml/2006/main">
+  <p:cSld>
+    <p:spTree>
+      <p:nvGrpSpPr>
+        <p:cNvPr id="1" name=""/>
+        <p:cNvGrpSpPr/>
+        <p:nvPr/>
+      </p:nvGrpSpPr>
+      <p:grpSpPr>
+        <a:xfrm>
+          <a:off x="0" y="0"/>
+          <a:ext cx="0" cy="0"/>
+          <a:chOff x="0" y="0"/>
+          <a:chExt cx="0" cy="0"/>
+        </a:xfrm>
+      </p:grpSpPr>
+      <p:sp>
+        <p:nvSpPr>
+          <p:cNvPr id="3" name="Rectangle 2"/>
+          <p:cNvSpPr/>
+          <p:nvPr/>
+        </p:nvSpPr>
+        <p:spPr>
+          <a:xfrm>
+            <a:off x="3620196" y="1047403"/>
+            <a:ext cx="1812174" cy="157943"/>
+          </a:xfrm>
+          <a:prstGeom prst="rect">
+            <a:avLst/>
+          </a:prstGeom>
+          <a:solidFill>
+            <a:schemeClr val="accent3">
+              <a:lumMod val="40000"/>
+              <a:lumOff val="60000"/>
+            </a:schemeClr>
+          </a:solidFill>
+          <a:ln>
+            <a:solidFill>
+              <a:schemeClr val="accent3">
+                <a:lumMod val="75000"/>
+              </a:schemeClr>
+            </a:solidFill>
+          </a:ln>
+        </p:spPr>
+        <p:style>
+          <a:lnRef idx="2">
+            <a:schemeClr val="accent1">
+              <a:shade val="50000"/>
+            </a:schemeClr>
+          </a:lnRef>
+          <a:fillRef idx="1">
+            <a:schemeClr val="accent1"/>
+          </a:fillRef>
+          <a:effectRef idx="0">
+            <a:schemeClr val="accent1"/>
+          </a:effectRef>
+          <a:fontRef idx="minor">
+            <a:schemeClr val="lt1"/>
+          </a:fontRef>
+        </p:style>
+        <p:txBody>
+          <a:bodyPr rtlCol="0" anchor="ctr"/>
+          <a:lstStyle/>
+          <a:p>
+            <a:pPr algn="ctr"/>
+            <a:endParaRPr lang="en-US"/>
+          </a:p>
+        </p:txBody>
+      </p:sp>
+      <p:sp>
+        <p:nvSpPr>
+          <p:cNvPr id="4" name="Rectangle 3"/>
+          <p:cNvSpPr/>
+          <p:nvPr/>
+        </p:nvSpPr>
+        <p:spPr>
+          <a:xfrm>
+            <a:off x="3620196" y="1288473"/>
+            <a:ext cx="1812174" cy="157943"/>
+          </a:xfrm>
+          <a:prstGeom prst="rect">
+            <a:avLst/>
+          </a:prstGeom>
+          <a:solidFill>
+            <a:schemeClr val="accent3">
+              <a:lumMod val="40000"/>
+              <a:lumOff val="60000"/>
+            </a:schemeClr>
+          </a:solidFill>
+          <a:ln>
+            <a:solidFill>
+              <a:schemeClr val="accent3">
+                <a:lumMod val="75000"/>
+              </a:schemeClr>
+            </a:solidFill>
+          </a:ln>
+        </p:spPr>
+        <p:style>
+          <a:lnRef idx="2">
+            <a:schemeClr val="accent1">
+              <a:shade val="50000"/>
+            </a:schemeClr>
+          </a:lnRef>
+          <a:fillRef idx="1">
+            <a:schemeClr val="accent1"/>
+          </a:fillRef>
+          <a:effectRef idx="0">
+            <a:schemeClr val="accent1"/>
+          </a:effectRef>
+          <a:fontRef idx="minor">
+            <a:schemeClr val="lt1"/>
+          </a:fontRef>
+        </p:style>
+        <p:txBody>
+          <a:bodyPr rtlCol="0" anchor="ctr"/>
+          <a:lstStyle/>
+          <a:p>
+            <a:pPr algn="ctr"/>
+            <a:endParaRPr lang="en-US"/>
+          </a:p>
+        </p:txBody>
+      </p:sp>
+      <p:sp>
+        <p:nvSpPr>
+          <p:cNvPr id="5" name="Rectangle 4"/>
+          <p:cNvSpPr/>
+          <p:nvPr/>
+        </p:nvSpPr>
+        <p:spPr>
+          <a:xfrm>
+            <a:off x="3620196" y="1529543"/>
+            <a:ext cx="1812174" cy="157943"/>
+          </a:xfrm>
+          <a:prstGeom prst="rect">
+            <a:avLst/>
+          </a:prstGeom>
+          <a:solidFill>
+            <a:schemeClr val="accent3">
+              <a:lumMod val="40000"/>
+              <a:lumOff val="60000"/>
+            </a:schemeClr>
+          </a:solidFill>
+          <a:ln>
+            <a:solidFill>
+              <a:schemeClr val="accent3">
+                <a:lumMod val="75000"/>
+              </a:schemeClr>
+            </a:solidFill>
+          </a:ln>
+        </p:spPr>
+        <p:style>
+          <a:lnRef idx="2">
+            <a:schemeClr val="accent1">
+              <a:shade val="50000"/>
+            </a:schemeClr>
+          </a:lnRef>
+          <a:fillRef idx="1">
+            <a:schemeClr val="accent1"/>
+          </a:fillRef>
+          <a:effectRef idx="0">
+            <a:schemeClr val="accent1"/>
+          </a:effectRef>
+          <a:fontRef idx="minor">
+            <a:schemeClr val="lt1"/>
+          </a:fontRef>
+        </p:style>
+        <p:txBody>
+          <a:bodyPr rtlCol="0" anchor="ctr"/>
+          <a:lstStyle/>
+          <a:p>
+            <a:pPr algn="ctr"/>
+            <a:endParaRPr lang="en-US" b="1" dirty="0"/>
+          </a:p>
+        </p:txBody>
+      </p:sp>
+      <p:sp>
+        <p:nvSpPr>
+          <p:cNvPr id="6" name="Rectangle 5"/>
+          <p:cNvSpPr/>
+          <p:nvPr/>
+        </p:nvSpPr>
+        <p:spPr>
+          <a:xfrm>
+            <a:off x="3620196" y="1770613"/>
+            <a:ext cx="1812174" cy="157943"/>
+          </a:xfrm>
+          <a:prstGeom prst="rect">
+            <a:avLst/>
+          </a:prstGeom>
+          <a:solidFill>
+            <a:schemeClr val="accent3">
+              <a:lumMod val="40000"/>
+              <a:lumOff val="60000"/>
+            </a:schemeClr>
+          </a:solidFill>
+          <a:ln>
+            <a:solidFill>
+              <a:schemeClr val="accent3">
+                <a:lumMod val="75000"/>
+              </a:schemeClr>
+            </a:solidFill>
+          </a:ln>
+        </p:spPr>
+        <p:style>
+          <a:lnRef idx="2">
+            <a:schemeClr val="accent1">
+              <a:shade val="50000"/>
+            </a:schemeClr>
+          </a:lnRef>
+          <a:fillRef idx="1">
+            <a:schemeClr val="accent1"/>
+          </a:fillRef>
+          <a:effectRef idx="0">
+            <a:schemeClr val="accent1"/>
+          </a:effectRef>
+          <a:fontRef idx="minor">
+            <a:schemeClr val="lt1"/>
+          </a:fontRef>
+        </p:style>
+        <p:txBody>
+          <a:bodyPr rtlCol="0" anchor="ctr"/>
+          <a:lstStyle/>
+          <a:p>
+            <a:pPr algn="ctr"/>
+            <a:endParaRPr lang="en-US"/>
+          </a:p>
+        </p:txBody>
+      </p:sp>
+      <p:sp>
+        <p:nvSpPr>
+          <p:cNvPr id="7" name="Rectangle 6"/>
+          <p:cNvSpPr/>
+          <p:nvPr/>
+        </p:nvSpPr>
+        <p:spPr>
+          <a:xfrm>
+            <a:off x="3620196" y="2011683"/>
+            <a:ext cx="1812174" cy="157943"/>
+          </a:xfrm>
+          <a:prstGeom prst="rect">
+            <a:avLst/>
+          </a:prstGeom>
+          <a:solidFill>
+            <a:schemeClr val="accent3">
+              <a:lumMod val="40000"/>
+              <a:lumOff val="60000"/>
+            </a:schemeClr>
+          </a:solidFill>
+          <a:ln>
+            <a:solidFill>
+              <a:schemeClr val="accent3">
+                <a:lumMod val="75000"/>
+              </a:schemeClr>
+            </a:solidFill>
+          </a:ln>
+        </p:spPr>
+        <p:style>
+          <a:lnRef idx="2">
+            <a:schemeClr val="accent1">
+              <a:shade val="50000"/>
+            </a:schemeClr>
+          </a:lnRef>
+          <a:fillRef idx="1">
+            <a:schemeClr val="accent1"/>
+          </a:fillRef>
+          <a:effectRef idx="0">
+            <a:schemeClr val="accent1"/>
+          </a:effectRef>
+          <a:fontRef idx="minor">
+            <a:schemeClr val="lt1"/>
+          </a:fontRef>
+        </p:style>
+        <p:txBody>
+          <a:bodyPr rtlCol="0" anchor="ctr"/>
+          <a:lstStyle/>
+          <a:p>
+            <a:pPr algn="ctr"/>
+            <a:endParaRPr lang="en-US"/>
+          </a:p>
+        </p:txBody>
+      </p:sp>
+      <p:sp>
+        <p:nvSpPr>
+          <p:cNvPr id="8" name="Rectangle 7"/>
+          <p:cNvSpPr/>
+          <p:nvPr/>
+        </p:nvSpPr>
+        <p:spPr>
+          <a:xfrm>
+            <a:off x="3620196" y="2252753"/>
+            <a:ext cx="1812174" cy="157943"/>
+          </a:xfrm>
+          <a:prstGeom prst="rect">
+            <a:avLst/>
+          </a:prstGeom>
+          <a:solidFill>
+            <a:schemeClr val="accent3">
+              <a:lumMod val="40000"/>
+              <a:lumOff val="60000"/>
+            </a:schemeClr>
+          </a:solidFill>
+          <a:ln>
+            <a:solidFill>
+              <a:schemeClr val="accent3">
+                <a:lumMod val="75000"/>
+              </a:schemeClr>
+            </a:solidFill>
+          </a:ln>
+        </p:spPr>
+        <p:style>
+          <a:lnRef idx="2">
+            <a:schemeClr val="accent1">
+              <a:shade val="50000"/>
+            </a:schemeClr>
+          </a:lnRef>
+          <a:fillRef idx="1">
+            <a:schemeClr val="accent1"/>
+          </a:fillRef>
+          <a:effectRef idx="0">
+            <a:schemeClr val="accent1"/>
+          </a:effectRef>
+          <a:fontRef idx="minor">
+            <a:schemeClr val="lt1"/>
+          </a:fontRef>
+        </p:style>
+        <p:txBody>
+          <a:bodyPr rtlCol="0" anchor="ctr"/>
+          <a:lstStyle/>
+          <a:p>
+            <a:pPr algn="ctr"/>
+            <a:endParaRPr lang="en-US"/>
+          </a:p>
+        </p:txBody>
+      </p:sp>
+      <p:sp>
+        <p:nvSpPr>
+          <p:cNvPr id="9" name="Rectangle 8"/>
+          <p:cNvSpPr/>
+          <p:nvPr/>
+        </p:nvSpPr>
+        <p:spPr>
+          <a:xfrm>
+            <a:off x="3620196" y="2493823"/>
+            <a:ext cx="1812174" cy="157943"/>
+          </a:xfrm>
+          <a:prstGeom prst="rect">
+            <a:avLst/>
+          </a:prstGeom>
+          <a:solidFill>
+            <a:schemeClr val="accent3">
+              <a:lumMod val="40000"/>
+              <a:lumOff val="60000"/>
+            </a:schemeClr>
+          </a:solidFill>
+          <a:ln>
+            <a:solidFill>
+              <a:schemeClr val="accent3">
+                <a:lumMod val="75000"/>
+              </a:schemeClr>
+            </a:solidFill>
+          </a:ln>
+        </p:spPr>
+        <p:style>
+          <a:lnRef idx="2">
+            <a:schemeClr val="accent1">
+              <a:shade val="50000"/>
+            </a:schemeClr>
+          </a:lnRef>
+          <a:fillRef idx="1">
+            <a:schemeClr val="accent1"/>
+          </a:fillRef>
+          <a:effectRef idx="0">
+            <a:schemeClr val="accent1"/>
+          </a:effectRef>
+          <a:fontRef idx="minor">
+            <a:schemeClr val="lt1"/>
+          </a:fontRef>
+        </p:style>
+        <p:txBody>
+          <a:bodyPr rtlCol="0" anchor="ctr"/>
+          <a:lstStyle/>
+          <a:p>
+            <a:pPr algn="ctr"/>
+            <a:endParaRPr lang="en-US"/>
+          </a:p>
+        </p:txBody>
+      </p:sp>
+      <p:sp>
+        <p:nvSpPr>
+          <p:cNvPr id="10" name="Rectangle 9"/>
+          <p:cNvSpPr/>
+          <p:nvPr/>
+        </p:nvSpPr>
+        <p:spPr>
+          <a:xfrm>
+            <a:off x="3620196" y="2734893"/>
+            <a:ext cx="1812174" cy="157943"/>
+          </a:xfrm>
+          <a:prstGeom prst="rect">
+            <a:avLst/>
+          </a:prstGeom>
+          <a:solidFill>
+            <a:schemeClr val="accent3">
+              <a:lumMod val="40000"/>
+              <a:lumOff val="60000"/>
+            </a:schemeClr>
+          </a:solidFill>
+          <a:ln>
+            <a:solidFill>
+              <a:schemeClr val="accent3">
+                <a:lumMod val="75000"/>
+              </a:schemeClr>
+            </a:solidFill>
+          </a:ln>
+        </p:spPr>
+        <p:style>
+          <a:lnRef idx="2">
+            <a:schemeClr val="accent1">
+              <a:shade val="50000"/>
+            </a:schemeClr>
+          </a:lnRef>
+          <a:fillRef idx="1">
+            <a:schemeClr val="accent1"/>
+          </a:fillRef>
+          <a:effectRef idx="0">
+            <a:schemeClr val="accent1"/>
+          </a:effectRef>
+          <a:fontRef idx="minor">
+            <a:schemeClr val="lt1"/>
+          </a:fontRef>
+        </p:style>
+        <p:txBody>
+          <a:bodyPr rtlCol="0" anchor="ctr"/>
+          <a:lstStyle/>
+          <a:p>
+            <a:pPr algn="ctr"/>
+            <a:endParaRPr lang="en-US"/>
+          </a:p>
+        </p:txBody>
+      </p:sp>
+      <p:sp>
+        <p:nvSpPr>
+          <p:cNvPr id="11" name="Rectangle 10"/>
+          <p:cNvSpPr/>
+          <p:nvPr/>
+        </p:nvSpPr>
+        <p:spPr>
+          <a:xfrm>
+            <a:off x="3620196" y="2980110"/>
+            <a:ext cx="1812174" cy="157943"/>
+          </a:xfrm>
+          <a:prstGeom prst="rect">
+            <a:avLst/>
+          </a:prstGeom>
+          <a:solidFill>
+            <a:schemeClr val="accent3">
+              <a:lumMod val="40000"/>
+              <a:lumOff val="60000"/>
+            </a:schemeClr>
+          </a:solidFill>
+          <a:ln>
+            <a:solidFill>
+              <a:schemeClr val="accent3">
+                <a:lumMod val="75000"/>
+              </a:schemeClr>
+            </a:solidFill>
+          </a:ln>
+        </p:spPr>
+        <p:style>
+          <a:lnRef idx="2">
+            <a:schemeClr val="accent1">
+              <a:shade val="50000"/>
+            </a:schemeClr>
+          </a:lnRef>
+          <a:fillRef idx="1">
+            <a:schemeClr val="accent1"/>
+          </a:fillRef>
+          <a:effectRef idx="0">
+            <a:schemeClr val="accent1"/>
+          </a:effectRef>
+          <a:fontRef idx="minor">
+            <a:schemeClr val="lt1"/>
+          </a:fontRef>
+        </p:style>
+        <p:txBody>
+          <a:bodyPr rtlCol="0" anchor="ctr"/>
+          <a:lstStyle/>
+          <a:p>
+            <a:pPr algn="ctr"/>
+            <a:endParaRPr lang="en-US"/>
+          </a:p>
+        </p:txBody>
+      </p:sp>
+      <p:sp>
+        <p:nvSpPr>
+          <p:cNvPr id="12" name="Rectangle 11"/>
+          <p:cNvSpPr/>
+          <p:nvPr/>
+        </p:nvSpPr>
+        <p:spPr>
+          <a:xfrm>
+            <a:off x="3620196" y="3225327"/>
+            <a:ext cx="1812174" cy="157943"/>
+          </a:xfrm>
+          <a:prstGeom prst="rect">
+            <a:avLst/>
+          </a:prstGeom>
+          <a:solidFill>
+            <a:schemeClr val="accent3">
+              <a:lumMod val="40000"/>
+              <a:lumOff val="60000"/>
+            </a:schemeClr>
+          </a:solidFill>
+          <a:ln>
+            <a:solidFill>
+              <a:schemeClr val="accent3">
+                <a:lumMod val="75000"/>
+              </a:schemeClr>
+            </a:solidFill>
+          </a:ln>
+        </p:spPr>
+        <p:style>
+          <a:lnRef idx="2">
+            <a:schemeClr val="accent1">
+              <a:shade val="50000"/>
+            </a:schemeClr>
+          </a:lnRef>
+          <a:fillRef idx="1">
+            <a:schemeClr val="accent1"/>
+          </a:fillRef>
+          <a:effectRef idx="0">
+            <a:schemeClr val="accent1"/>
+          </a:effectRef>
+          <a:fontRef idx="minor">
+            <a:schemeClr val="lt1"/>
+          </a:fontRef>
+        </p:style>
+        <p:txBody>
+          <a:bodyPr rtlCol="0" anchor="ctr"/>
+          <a:lstStyle/>
+          <a:p>
+            <a:pPr algn="ctr"/>
+            <a:endParaRPr lang="en-US"/>
+          </a:p>
+        </p:txBody>
+      </p:sp>
+      <p:sp>
+        <p:nvSpPr>
+          <p:cNvPr id="13" name="Rectangle 12"/>
+          <p:cNvSpPr/>
+          <p:nvPr/>
+        </p:nvSpPr>
+        <p:spPr>
+          <a:xfrm>
+            <a:off x="3620196" y="3470544"/>
+            <a:ext cx="1812174" cy="157943"/>
+          </a:xfrm>
+          <a:prstGeom prst="rect">
+            <a:avLst/>
+          </a:prstGeom>
+          <a:solidFill>
+            <a:schemeClr val="accent3">
+              <a:lumMod val="40000"/>
+              <a:lumOff val="60000"/>
+            </a:schemeClr>
+          </a:solidFill>
+          <a:ln>
+            <a:solidFill>
+              <a:schemeClr val="accent3">
+                <a:lumMod val="75000"/>
+              </a:schemeClr>
+            </a:solidFill>
+          </a:ln>
+        </p:spPr>
+        <p:style>
+          <a:lnRef idx="2">
+            <a:schemeClr val="accent1">
+              <a:shade val="50000"/>
+            </a:schemeClr>
+          </a:lnRef>
+          <a:fillRef idx="1">
+            <a:schemeClr val="accent1"/>
+          </a:fillRef>
+          <a:effectRef idx="0">
+            <a:schemeClr val="accent1"/>
+          </a:effectRef>
+          <a:fontRef idx="minor">
+            <a:schemeClr val="lt1"/>
+          </a:fontRef>
+        </p:style>
+        <p:txBody>
+          <a:bodyPr rtlCol="0" anchor="ctr"/>
+          <a:lstStyle/>
+          <a:p>
+            <a:pPr algn="ctr"/>
+            <a:endParaRPr lang="en-US"/>
+          </a:p>
+        </p:txBody>
+      </p:sp>
+      <p:sp>
+        <p:nvSpPr>
+          <p:cNvPr id="14" name="Rectangle 13"/>
+          <p:cNvSpPr/>
+          <p:nvPr/>
+        </p:nvSpPr>
+        <p:spPr>
+          <a:xfrm>
+            <a:off x="3620196" y="3715761"/>
+            <a:ext cx="1812174" cy="157943"/>
+          </a:xfrm>
+          <a:prstGeom prst="rect">
+            <a:avLst/>
+          </a:prstGeom>
+          <a:solidFill>
+            <a:schemeClr val="accent3">
+              <a:lumMod val="40000"/>
+              <a:lumOff val="60000"/>
+            </a:schemeClr>
+          </a:solidFill>
+          <a:ln>
+            <a:solidFill>
+              <a:schemeClr val="accent3">
+                <a:lumMod val="75000"/>
+              </a:schemeClr>
+            </a:solidFill>
+          </a:ln>
+        </p:spPr>
+        <p:style>
+          <a:lnRef idx="2">
+            <a:schemeClr val="accent1">
+              <a:shade val="50000"/>
+            </a:schemeClr>
+          </a:lnRef>
+          <a:fillRef idx="1">
+            <a:schemeClr val="accent1"/>
+          </a:fillRef>
+          <a:effectRef idx="0">
+            <a:schemeClr val="accent1"/>
+          </a:effectRef>
+          <a:fontRef idx="minor">
+            <a:schemeClr val="lt1"/>
+          </a:fontRef>
+        </p:style>
+        <p:txBody>
+          <a:bodyPr rtlCol="0" anchor="ctr"/>
+          <a:lstStyle/>
+          <a:p>
+            <a:pPr algn="ctr"/>
+            <a:endParaRPr lang="en-US"/>
+          </a:p>
+        </p:txBody>
+      </p:sp>
+      <p:sp>
+        <p:nvSpPr>
+          <p:cNvPr id="15" name="Rectangle 14"/>
+          <p:cNvSpPr/>
+          <p:nvPr/>
+        </p:nvSpPr>
+        <p:spPr>
+          <a:xfrm>
+            <a:off x="3620196" y="3960978"/>
+            <a:ext cx="1812174" cy="157943"/>
+          </a:xfrm>
+          <a:prstGeom prst="rect">
+            <a:avLst/>
+          </a:prstGeom>
+          <a:solidFill>
+            <a:schemeClr val="accent3">
+              <a:lumMod val="40000"/>
+              <a:lumOff val="60000"/>
+            </a:schemeClr>
+          </a:solidFill>
+          <a:ln>
+            <a:solidFill>
+              <a:schemeClr val="accent3">
+                <a:lumMod val="75000"/>
+              </a:schemeClr>
+            </a:solidFill>
+          </a:ln>
+        </p:spPr>
+        <p:style>
+          <a:lnRef idx="2">
+            <a:schemeClr val="accent1">
+              <a:shade val="50000"/>
+            </a:schemeClr>
+          </a:lnRef>
+          <a:fillRef idx="1">
+            <a:schemeClr val="accent1"/>
+          </a:fillRef>
+          <a:effectRef idx="0">
+            <a:schemeClr val="accent1"/>
+          </a:effectRef>
+          <a:fontRef idx="minor">
+            <a:schemeClr val="lt1"/>
+          </a:fontRef>
+        </p:style>
+        <p:txBody>
+          <a:bodyPr rtlCol="0" anchor="ctr"/>
+          <a:lstStyle/>
+          <a:p>
+            <a:pPr algn="ctr"/>
+            <a:endParaRPr lang="en-US"/>
+          </a:p>
+        </p:txBody>
+      </p:sp>
+      <p:sp>
+        <p:nvSpPr>
+          <p:cNvPr id="16" name="Rectangle 15"/>
+          <p:cNvSpPr/>
+          <p:nvPr/>
+        </p:nvSpPr>
+        <p:spPr>
+          <a:xfrm>
+            <a:off x="3620196" y="4206195"/>
+            <a:ext cx="1812174" cy="157943"/>
+          </a:xfrm>
+          <a:prstGeom prst="rect">
+            <a:avLst/>
+          </a:prstGeom>
+          <a:solidFill>
+            <a:schemeClr val="accent3">
+              <a:lumMod val="40000"/>
+              <a:lumOff val="60000"/>
+            </a:schemeClr>
+          </a:solidFill>
+          <a:ln>
+            <a:solidFill>
+              <a:schemeClr val="accent3">
+                <a:lumMod val="75000"/>
+              </a:schemeClr>
+            </a:solidFill>
+          </a:ln>
+        </p:spPr>
+        <p:style>
+          <a:lnRef idx="2">
+            <a:schemeClr val="accent1">
+              <a:shade val="50000"/>
+            </a:schemeClr>
+          </a:lnRef>
+          <a:fillRef idx="1">
+            <a:schemeClr val="accent1"/>
+          </a:fillRef>
+          <a:effectRef idx="0">
+            <a:schemeClr val="accent1"/>
+          </a:effectRef>
+          <a:fontRef idx="minor">
+            <a:schemeClr val="lt1"/>
+          </a:fontRef>
+        </p:style>
+        <p:txBody>
+          <a:bodyPr rtlCol="0" anchor="ctr"/>
+          <a:lstStyle/>
+          <a:p>
+            <a:pPr algn="ctr"/>
+            <a:endParaRPr lang="en-US"/>
+          </a:p>
+        </p:txBody>
+      </p:sp>
+      <p:sp>
+        <p:nvSpPr>
+          <p:cNvPr id="17" name="Rectangle 16"/>
+          <p:cNvSpPr/>
+          <p:nvPr/>
+        </p:nvSpPr>
+        <p:spPr>
+          <a:xfrm>
+            <a:off x="3620196" y="5187251"/>
+            <a:ext cx="1812174" cy="157943"/>
+          </a:xfrm>
+          <a:prstGeom prst="rect">
+            <a:avLst/>
+          </a:prstGeom>
+          <a:solidFill>
+            <a:schemeClr val="accent3">
+              <a:lumMod val="40000"/>
+              <a:lumOff val="60000"/>
+            </a:schemeClr>
+          </a:solidFill>
+          <a:ln>
+            <a:solidFill>
+              <a:schemeClr val="accent3">
+                <a:lumMod val="75000"/>
+              </a:schemeClr>
+            </a:solidFill>
+          </a:ln>
+        </p:spPr>
+        <p:style>
+          <a:lnRef idx="2">
+            <a:schemeClr val="accent1">
+              <a:shade val="50000"/>
+            </a:schemeClr>
+          </a:lnRef>
+          <a:fillRef idx="1">
+            <a:schemeClr val="accent1"/>
+          </a:fillRef>
+          <a:effectRef idx="0">
+            <a:schemeClr val="accent1"/>
+          </a:effectRef>
+          <a:fontRef idx="minor">
+            <a:schemeClr val="lt1"/>
+          </a:fontRef>
+        </p:style>
+        <p:txBody>
+          <a:bodyPr rtlCol="0" anchor="ctr"/>
+          <a:lstStyle/>
+          <a:p>
+            <a:pPr algn="ctr"/>
+            <a:endParaRPr lang="en-US"/>
+          </a:p>
+        </p:txBody>
+      </p:sp>
+      <p:sp>
+        <p:nvSpPr>
+          <p:cNvPr id="18" name="Rectangle 17"/>
+          <p:cNvSpPr/>
+          <p:nvPr/>
+        </p:nvSpPr>
+        <p:spPr>
+          <a:xfrm>
+            <a:off x="3620196" y="4696723"/>
+            <a:ext cx="1812174" cy="157943"/>
+          </a:xfrm>
+          <a:prstGeom prst="rect">
+            <a:avLst/>
+          </a:prstGeom>
+          <a:solidFill>
+            <a:schemeClr val="accent3">
+              <a:lumMod val="40000"/>
+              <a:lumOff val="60000"/>
+            </a:schemeClr>
+          </a:solidFill>
+          <a:ln>
+            <a:solidFill>
+              <a:schemeClr val="accent3">
+                <a:lumMod val="75000"/>
+              </a:schemeClr>
+            </a:solidFill>
+          </a:ln>
+        </p:spPr>
+        <p:style>
+          <a:lnRef idx="2">
+            <a:schemeClr val="accent1">
+              <a:shade val="50000"/>
+            </a:schemeClr>
+          </a:lnRef>
+          <a:fillRef idx="1">
+            <a:schemeClr val="accent1"/>
+          </a:fillRef>
+          <a:effectRef idx="0">
+            <a:schemeClr val="accent1"/>
+          </a:effectRef>
+          <a:fontRef idx="minor">
+            <a:schemeClr val="lt1"/>
+          </a:fontRef>
+        </p:style>
+        <p:txBody>
+          <a:bodyPr rtlCol="0" anchor="ctr"/>
+          <a:lstStyle/>
+          <a:p>
+            <a:pPr algn="ctr"/>
+            <a:endParaRPr lang="en-US"/>
+          </a:p>
+        </p:txBody>
+      </p:sp>
+      <p:sp>
+        <p:nvSpPr>
+          <p:cNvPr id="19" name="Rectangle 18"/>
+          <p:cNvSpPr/>
+          <p:nvPr/>
+        </p:nvSpPr>
+        <p:spPr>
+          <a:xfrm>
+            <a:off x="3620196" y="4941987"/>
+            <a:ext cx="1812174" cy="157943"/>
+          </a:xfrm>
+          <a:prstGeom prst="rect">
+            <a:avLst/>
+          </a:prstGeom>
+          <a:solidFill>
+            <a:schemeClr val="accent3">
+              <a:lumMod val="40000"/>
+              <a:lumOff val="60000"/>
+            </a:schemeClr>
+          </a:solidFill>
+          <a:ln>
+            <a:solidFill>
+              <a:schemeClr val="accent3">
+                <a:lumMod val="75000"/>
+              </a:schemeClr>
+            </a:solidFill>
+          </a:ln>
+        </p:spPr>
+        <p:style>
+          <a:lnRef idx="2">
+            <a:schemeClr val="accent1">
+              <a:shade val="50000"/>
+            </a:schemeClr>
+          </a:lnRef>
+          <a:fillRef idx="1">
+            <a:schemeClr val="accent1"/>
+          </a:fillRef>
+          <a:effectRef idx="0">
+            <a:schemeClr val="accent1"/>
+          </a:effectRef>
+          <a:fontRef idx="minor">
+            <a:schemeClr val="lt1"/>
+          </a:fontRef>
+        </p:style>
+        <p:txBody>
+          <a:bodyPr rtlCol="0" anchor="ctr"/>
+          <a:lstStyle/>
+          <a:p>
+            <a:pPr algn="ctr"/>
+            <a:endParaRPr lang="en-US"/>
+          </a:p>
+        </p:txBody>
+      </p:sp>
+      <p:sp>
+        <p:nvSpPr>
+          <p:cNvPr id="20" name="Rectangle 19"/>
+          <p:cNvSpPr/>
+          <p:nvPr/>
+        </p:nvSpPr>
+        <p:spPr>
+          <a:xfrm>
+            <a:off x="3620196" y="4451459"/>
+            <a:ext cx="1812174" cy="157943"/>
+          </a:xfrm>
+          <a:prstGeom prst="rect">
+            <a:avLst/>
+          </a:prstGeom>
+          <a:solidFill>
+            <a:schemeClr val="accent3">
+              <a:lumMod val="40000"/>
+              <a:lumOff val="60000"/>
+            </a:schemeClr>
+          </a:solidFill>
+          <a:ln>
+            <a:solidFill>
+              <a:schemeClr val="accent3">
+                <a:lumMod val="75000"/>
+              </a:schemeClr>
+            </a:solidFill>
+          </a:ln>
+        </p:spPr>
+        <p:style>
+          <a:lnRef idx="2">
+            <a:schemeClr val="accent1">
+              <a:shade val="50000"/>
+            </a:schemeClr>
+          </a:lnRef>
+          <a:fillRef idx="1">
+            <a:schemeClr val="accent1"/>
+          </a:fillRef>
+          <a:effectRef idx="0">
+            <a:schemeClr val="accent1"/>
+          </a:effectRef>
+          <a:fontRef idx="minor">
+            <a:schemeClr val="lt1"/>
+          </a:fontRef>
+        </p:style>
+        <p:txBody>
+          <a:bodyPr rtlCol="0" anchor="ctr"/>
+          <a:lstStyle/>
+          <a:p>
+            <a:pPr algn="ctr"/>
+            <a:endParaRPr lang="en-US"/>
+          </a:p>
+        </p:txBody>
+      </p:sp>
+      <p:sp>
+        <p:nvSpPr>
+          <p:cNvPr id="21" name="Rectangle 20"/>
+          <p:cNvSpPr/>
+          <p:nvPr/>
+        </p:nvSpPr>
+        <p:spPr>
+          <a:xfrm>
+            <a:off x="3620196" y="5432421"/>
+            <a:ext cx="1812174" cy="157943"/>
+          </a:xfrm>
+          <a:prstGeom prst="rect">
+            <a:avLst/>
+          </a:prstGeom>
+          <a:solidFill>
+            <a:schemeClr val="accent3">
+              <a:lumMod val="40000"/>
+              <a:lumOff val="60000"/>
+            </a:schemeClr>
+          </a:solidFill>
+          <a:ln>
+            <a:solidFill>
+              <a:schemeClr val="accent3">
+                <a:lumMod val="75000"/>
+              </a:schemeClr>
+            </a:solidFill>
+          </a:ln>
+        </p:spPr>
+        <p:style>
+          <a:lnRef idx="2">
+            <a:schemeClr val="accent1">
+              <a:shade val="50000"/>
+            </a:schemeClr>
+          </a:lnRef>
+          <a:fillRef idx="1">
+            <a:schemeClr val="accent1"/>
+          </a:fillRef>
+          <a:effectRef idx="0">
+            <a:schemeClr val="accent1"/>
+          </a:effectRef>
+          <a:fontRef idx="minor">
+            <a:schemeClr val="lt1"/>
+          </a:fontRef>
+        </p:style>
+        <p:txBody>
+          <a:bodyPr rtlCol="0" anchor="ctr"/>
+          <a:lstStyle/>
+          <a:p>
+            <a:pPr algn="ctr"/>
+            <a:endParaRPr lang="en-US"/>
+          </a:p>
+        </p:txBody>
+      </p:sp>
+      <p:sp>
+        <p:nvSpPr>
+          <p:cNvPr id="22" name="Rectangle 21"/>
+          <p:cNvSpPr/>
+          <p:nvPr/>
+        </p:nvSpPr>
+        <p:spPr>
+          <a:xfrm>
+            <a:off x="3620196" y="5677591"/>
+            <a:ext cx="1812174" cy="157943"/>
+          </a:xfrm>
+          <a:prstGeom prst="rect">
+            <a:avLst/>
+          </a:prstGeom>
+          <a:solidFill>
+            <a:schemeClr val="accent3">
+              <a:lumMod val="40000"/>
+              <a:lumOff val="60000"/>
+            </a:schemeClr>
+          </a:solidFill>
+          <a:ln>
+            <a:solidFill>
+              <a:schemeClr val="accent3">
+                <a:lumMod val="75000"/>
+              </a:schemeClr>
+            </a:solidFill>
+          </a:ln>
+        </p:spPr>
+        <p:style>
+          <a:lnRef idx="2">
+            <a:schemeClr val="accent1">
+              <a:shade val="50000"/>
+            </a:schemeClr>
+          </a:lnRef>
+          <a:fillRef idx="1">
+            <a:schemeClr val="accent1"/>
+          </a:fillRef>
+          <a:effectRef idx="0">
+            <a:schemeClr val="accent1"/>
+          </a:effectRef>
+          <a:fontRef idx="minor">
+            <a:schemeClr val="lt1"/>
+          </a:fontRef>
+        </p:style>
+        <p:txBody>
+          <a:bodyPr rtlCol="0" anchor="ctr"/>
+          <a:lstStyle/>
+          <a:p>
+            <a:pPr algn="ctr"/>
+            <a:endParaRPr lang="en-US"/>
+          </a:p>
+        </p:txBody>
+      </p:sp>
+      <p:sp>
+        <p:nvSpPr>
+          <p:cNvPr id="2" name="Rectangle 1"/>
+          <p:cNvSpPr/>
+          <p:nvPr/>
+        </p:nvSpPr>
+        <p:spPr>
+          <a:xfrm>
+            <a:off x="3715792" y="964275"/>
+            <a:ext cx="1620982" cy="4946074"/>
+          </a:xfrm>
+          <a:prstGeom prst="rect">
+            <a:avLst/>
+          </a:prstGeom>
+          <a:solidFill>
+            <a:schemeClr val="bg1"/>
+          </a:solidFill>
+          <a:ln w="25400">
+            <a:solidFill>
+              <a:schemeClr val="tx1"/>
+            </a:solidFill>
+          </a:ln>
+        </p:spPr>
+        <p:style>
+          <a:lnRef idx="2">
+            <a:schemeClr val="accent1">
+              <a:shade val="50000"/>
+            </a:schemeClr>
+          </a:lnRef>
+          <a:fillRef idx="1">
+            <a:schemeClr val="accent1"/>
+          </a:fillRef>
+          <a:effectRef idx="0">
+            <a:schemeClr val="accent1"/>
+          </a:effectRef>
+          <a:fontRef idx="minor">
+            <a:schemeClr val="lt1"/>
+          </a:fontRef>
+        </p:style>
+        <p:txBody>
+          <a:bodyPr vert="vert" rtlCol="0" anchor="ctr"/>
+          <a:lstStyle/>
+          <a:p>
+            <a:pPr algn="ctr"/>
+            <a:r>
+              <a:rPr lang="en-US" dirty="0" smtClean="0">
+                <a:solidFill>
+                  <a:schemeClr val="tx1"/>
+                </a:solidFill>
+                <a:latin typeface="Consolas" panose="020B0609020204030204" pitchFamily="49" charset="0"/>
+              </a:rPr>
+              <a:t>RP2</a:t>
+            </a:r>
+            <a:r>
+              <a:rPr lang="ro-MD" dirty="0" smtClean="0">
+                <a:solidFill>
+                  <a:schemeClr val="tx1"/>
+                </a:solidFill>
+                <a:latin typeface="Consolas" panose="020B0609020204030204" pitchFamily="49" charset="0"/>
+              </a:rPr>
+              <a:t>C</a:t>
+            </a:r>
+            <a:r>
+              <a:rPr lang="en-US" dirty="0" smtClean="0">
+                <a:solidFill>
+                  <a:schemeClr val="tx1"/>
+                </a:solidFill>
+                <a:latin typeface="Consolas" panose="020B0609020204030204" pitchFamily="49" charset="0"/>
+              </a:rPr>
+              <a:t>0</a:t>
+            </a:r>
+            <a:r>
+              <a:rPr lang="ro-MD" dirty="0" smtClean="0">
+                <a:solidFill>
+                  <a:schemeClr val="tx1"/>
+                </a:solidFill>
+                <a:latin typeface="Consolas" panose="020B0609020204030204" pitchFamily="49" charset="0"/>
+              </a:rPr>
+              <a:t>2</a:t>
+            </a:r>
+            <a:r>
+              <a:rPr lang="en-US" dirty="0" smtClean="0">
+                <a:solidFill>
+                  <a:schemeClr val="tx1"/>
+                </a:solidFill>
+                <a:latin typeface="Consolas" panose="020B0609020204030204" pitchFamily="49" charset="0"/>
+              </a:rPr>
+              <a:t> </a:t>
+            </a:r>
+            <a:r>
+              <a:rPr lang="en-US" dirty="0" smtClean="0">
+                <a:solidFill>
+                  <a:schemeClr val="tx1"/>
+                </a:solidFill>
+                <a:latin typeface="Consolas" panose="020B0609020204030204" pitchFamily="49" charset="0"/>
+              </a:rPr>
+              <a:t>/ </a:t>
+            </a:r>
+            <a:r>
+              <a:rPr lang="en-US" dirty="0" smtClean="0">
+                <a:solidFill>
+                  <a:schemeClr val="tx1"/>
+                </a:solidFill>
+                <a:latin typeface="Consolas" panose="020B0609020204030204" pitchFamily="49" charset="0"/>
+              </a:rPr>
+              <a:t>RP2</a:t>
+            </a:r>
+            <a:r>
+              <a:rPr lang="ro-MD" dirty="0" smtClean="0">
+                <a:solidFill>
+                  <a:schemeClr val="tx1"/>
+                </a:solidFill>
+                <a:latin typeface="Consolas" panose="020B0609020204030204" pitchFamily="49" charset="0"/>
+              </a:rPr>
+              <a:t>C</a:t>
+            </a:r>
+            <a:r>
+              <a:rPr lang="en-US" dirty="0" smtClean="0">
+                <a:solidFill>
+                  <a:schemeClr val="tx1"/>
+                </a:solidFill>
+                <a:latin typeface="Consolas" panose="020B0609020204030204" pitchFamily="49" charset="0"/>
+              </a:rPr>
+              <a:t>07</a:t>
+            </a:r>
+            <a:endParaRPr lang="en-US" dirty="0">
+              <a:solidFill>
+                <a:schemeClr val="tx1"/>
+              </a:solidFill>
+              <a:latin typeface="Consolas" panose="020B0609020204030204" pitchFamily="49" charset="0"/>
+            </a:endParaRPr>
+          </a:p>
+        </p:txBody>
+      </p:sp>
+      <p:sp>
+        <p:nvSpPr>
+          <p:cNvPr id="23" name="TextBox 22"/>
+          <p:cNvSpPr txBox="1"/>
+          <p:nvPr/>
+        </p:nvSpPr>
+        <p:spPr>
+          <a:xfrm>
+            <a:off x="3715792" y="995569"/>
+            <a:ext cx="261610" cy="261610"/>
+          </a:xfrm>
+          <a:prstGeom prst="rect">
+            <a:avLst/>
+          </a:prstGeom>
+          <a:noFill/>
+        </p:spPr>
+        <p:txBody>
+          <a:bodyPr wrap="none" rtlCol="0">
+            <a:spAutoFit/>
+          </a:bodyPr>
+          <a:lstStyle/>
+          <a:p>
+            <a:r>
+              <a:rPr lang="en-US" sz="1100" dirty="0" smtClean="0">
+                <a:latin typeface="Consolas" panose="020B0609020204030204" pitchFamily="49" charset="0"/>
+              </a:rPr>
+              <a:t>1</a:t>
+            </a:r>
+            <a:endParaRPr lang="en-US" sz="1400" dirty="0">
+              <a:latin typeface="Consolas" panose="020B0609020204030204" pitchFamily="49" charset="0"/>
+            </a:endParaRPr>
+          </a:p>
+        </p:txBody>
+      </p:sp>
+      <p:sp>
+        <p:nvSpPr>
+          <p:cNvPr id="24" name="TextBox 23"/>
+          <p:cNvSpPr txBox="1"/>
+          <p:nvPr/>
+        </p:nvSpPr>
+        <p:spPr>
+          <a:xfrm>
+            <a:off x="3715792" y="1241040"/>
+            <a:ext cx="261610" cy="261610"/>
+          </a:xfrm>
+          <a:prstGeom prst="rect">
+            <a:avLst/>
+          </a:prstGeom>
+          <a:noFill/>
+        </p:spPr>
+        <p:txBody>
+          <a:bodyPr wrap="none" rtlCol="0">
+            <a:spAutoFit/>
+          </a:bodyPr>
+          <a:lstStyle/>
+          <a:p>
+            <a:r>
+              <a:rPr lang="en-US" sz="1100" dirty="0">
+                <a:latin typeface="Consolas" panose="020B0609020204030204" pitchFamily="49" charset="0"/>
+              </a:rPr>
+              <a:t>2</a:t>
+            </a:r>
+            <a:endParaRPr lang="en-US" sz="1400" dirty="0">
+              <a:latin typeface="Consolas" panose="020B0609020204030204" pitchFamily="49" charset="0"/>
+            </a:endParaRPr>
+          </a:p>
+        </p:txBody>
+      </p:sp>
+      <p:sp>
+        <p:nvSpPr>
+          <p:cNvPr id="25" name="TextBox 24"/>
+          <p:cNvSpPr txBox="1"/>
+          <p:nvPr/>
+        </p:nvSpPr>
+        <p:spPr>
+          <a:xfrm>
+            <a:off x="3715792" y="1478758"/>
+            <a:ext cx="261610" cy="261610"/>
+          </a:xfrm>
+          <a:prstGeom prst="rect">
+            <a:avLst/>
+          </a:prstGeom>
+          <a:noFill/>
+        </p:spPr>
+        <p:txBody>
+          <a:bodyPr wrap="none" rtlCol="0">
+            <a:spAutoFit/>
+          </a:bodyPr>
+          <a:lstStyle/>
+          <a:p>
+            <a:r>
+              <a:rPr lang="en-US" sz="1100" dirty="0">
+                <a:latin typeface="Consolas" panose="020B0609020204030204" pitchFamily="49" charset="0"/>
+              </a:rPr>
+              <a:t>3</a:t>
+            </a:r>
+            <a:endParaRPr lang="en-US" sz="1400" dirty="0">
+              <a:latin typeface="Consolas" panose="020B0609020204030204" pitchFamily="49" charset="0"/>
+            </a:endParaRPr>
+          </a:p>
+        </p:txBody>
+      </p:sp>
+      <p:sp>
+        <p:nvSpPr>
+          <p:cNvPr id="26" name="TextBox 25"/>
+          <p:cNvSpPr txBox="1"/>
+          <p:nvPr/>
+        </p:nvSpPr>
+        <p:spPr>
+          <a:xfrm>
+            <a:off x="3715792" y="1718779"/>
+            <a:ext cx="261610" cy="261610"/>
+          </a:xfrm>
+          <a:prstGeom prst="rect">
+            <a:avLst/>
+          </a:prstGeom>
+          <a:noFill/>
+        </p:spPr>
+        <p:txBody>
+          <a:bodyPr wrap="none" rtlCol="0">
+            <a:spAutoFit/>
+          </a:bodyPr>
+          <a:lstStyle/>
+          <a:p>
+            <a:r>
+              <a:rPr lang="en-US" sz="1100" dirty="0">
+                <a:latin typeface="Consolas" panose="020B0609020204030204" pitchFamily="49" charset="0"/>
+              </a:rPr>
+              <a:t>4</a:t>
+            </a:r>
+            <a:endParaRPr lang="en-US" sz="1400" dirty="0">
+              <a:latin typeface="Consolas" panose="020B0609020204030204" pitchFamily="49" charset="0"/>
+            </a:endParaRPr>
+          </a:p>
+        </p:txBody>
+      </p:sp>
+      <p:sp>
+        <p:nvSpPr>
+          <p:cNvPr id="27" name="TextBox 26"/>
+          <p:cNvSpPr txBox="1"/>
+          <p:nvPr/>
+        </p:nvSpPr>
+        <p:spPr>
+          <a:xfrm>
+            <a:off x="3715792" y="1959849"/>
+            <a:ext cx="261610" cy="261610"/>
+          </a:xfrm>
+          <a:prstGeom prst="rect">
+            <a:avLst/>
+          </a:prstGeom>
+          <a:noFill/>
+        </p:spPr>
+        <p:txBody>
+          <a:bodyPr wrap="none" rtlCol="0">
+            <a:spAutoFit/>
+          </a:bodyPr>
+          <a:lstStyle/>
+          <a:p>
+            <a:r>
+              <a:rPr lang="en-US" sz="1100" dirty="0">
+                <a:latin typeface="Consolas" panose="020B0609020204030204" pitchFamily="49" charset="0"/>
+              </a:rPr>
+              <a:t>5</a:t>
+            </a:r>
+            <a:endParaRPr lang="en-US" sz="1400" dirty="0">
+              <a:latin typeface="Consolas" panose="020B0609020204030204" pitchFamily="49" charset="0"/>
+            </a:endParaRPr>
+          </a:p>
+        </p:txBody>
+      </p:sp>
+      <p:sp>
+        <p:nvSpPr>
+          <p:cNvPr id="28" name="TextBox 27"/>
+          <p:cNvSpPr txBox="1"/>
+          <p:nvPr/>
+        </p:nvSpPr>
+        <p:spPr>
+          <a:xfrm>
+            <a:off x="3715792" y="2200920"/>
+            <a:ext cx="261610" cy="261610"/>
+          </a:xfrm>
+          <a:prstGeom prst="rect">
+            <a:avLst/>
+          </a:prstGeom>
+          <a:noFill/>
+        </p:spPr>
+        <p:txBody>
+          <a:bodyPr wrap="none" rtlCol="0">
+            <a:spAutoFit/>
+          </a:bodyPr>
+          <a:lstStyle/>
+          <a:p>
+            <a:r>
+              <a:rPr lang="en-US" sz="1100" dirty="0">
+                <a:latin typeface="Consolas" panose="020B0609020204030204" pitchFamily="49" charset="0"/>
+              </a:rPr>
+              <a:t>6</a:t>
+            </a:r>
+            <a:endParaRPr lang="en-US" sz="1400" dirty="0">
+              <a:latin typeface="Consolas" panose="020B0609020204030204" pitchFamily="49" charset="0"/>
+            </a:endParaRPr>
+          </a:p>
+        </p:txBody>
+      </p:sp>
+      <p:sp>
+        <p:nvSpPr>
+          <p:cNvPr id="29" name="TextBox 28"/>
+          <p:cNvSpPr txBox="1"/>
+          <p:nvPr/>
+        </p:nvSpPr>
+        <p:spPr>
+          <a:xfrm>
+            <a:off x="3715792" y="2441990"/>
+            <a:ext cx="261610" cy="261610"/>
+          </a:xfrm>
+          <a:prstGeom prst="rect">
+            <a:avLst/>
+          </a:prstGeom>
+          <a:noFill/>
+        </p:spPr>
+        <p:txBody>
+          <a:bodyPr wrap="none" rtlCol="0">
+            <a:spAutoFit/>
+          </a:bodyPr>
+          <a:lstStyle/>
+          <a:p>
+            <a:r>
+              <a:rPr lang="en-US" sz="1100" dirty="0">
+                <a:latin typeface="Consolas" panose="020B0609020204030204" pitchFamily="49" charset="0"/>
+              </a:rPr>
+              <a:t>7</a:t>
+            </a:r>
+            <a:endParaRPr lang="en-US" sz="1400" dirty="0">
+              <a:latin typeface="Consolas" panose="020B0609020204030204" pitchFamily="49" charset="0"/>
+            </a:endParaRPr>
+          </a:p>
+        </p:txBody>
+      </p:sp>
+      <p:sp>
+        <p:nvSpPr>
+          <p:cNvPr id="30" name="TextBox 29"/>
+          <p:cNvSpPr txBox="1"/>
+          <p:nvPr/>
+        </p:nvSpPr>
+        <p:spPr>
+          <a:xfrm>
+            <a:off x="3715792" y="2683059"/>
+            <a:ext cx="261610" cy="261610"/>
+          </a:xfrm>
+          <a:prstGeom prst="rect">
+            <a:avLst/>
+          </a:prstGeom>
+          <a:noFill/>
+        </p:spPr>
+        <p:txBody>
+          <a:bodyPr wrap="none" rtlCol="0">
+            <a:spAutoFit/>
+          </a:bodyPr>
+          <a:lstStyle/>
+          <a:p>
+            <a:r>
+              <a:rPr lang="en-US" sz="1100" dirty="0" smtClean="0">
+                <a:latin typeface="Consolas" panose="020B0609020204030204" pitchFamily="49" charset="0"/>
+              </a:rPr>
+              <a:t>8</a:t>
+            </a:r>
+            <a:endParaRPr lang="en-US" sz="1400" dirty="0">
+              <a:latin typeface="Consolas" panose="020B0609020204030204" pitchFamily="49" charset="0"/>
+            </a:endParaRPr>
+          </a:p>
+        </p:txBody>
+      </p:sp>
+      <p:sp>
+        <p:nvSpPr>
+          <p:cNvPr id="31" name="TextBox 30"/>
+          <p:cNvSpPr txBox="1"/>
+          <p:nvPr/>
+        </p:nvSpPr>
+        <p:spPr>
+          <a:xfrm>
+            <a:off x="3715792" y="2928276"/>
+            <a:ext cx="261610" cy="261610"/>
+          </a:xfrm>
+          <a:prstGeom prst="rect">
+            <a:avLst/>
+          </a:prstGeom>
+          <a:noFill/>
+        </p:spPr>
+        <p:txBody>
+          <a:bodyPr wrap="none" rtlCol="0">
+            <a:spAutoFit/>
+          </a:bodyPr>
+          <a:lstStyle/>
+          <a:p>
+            <a:r>
+              <a:rPr lang="en-US" sz="1100" dirty="0">
+                <a:latin typeface="Consolas" panose="020B0609020204030204" pitchFamily="49" charset="0"/>
+              </a:rPr>
+              <a:t>9</a:t>
+            </a:r>
+            <a:endParaRPr lang="en-US" sz="1400" dirty="0">
+              <a:latin typeface="Consolas" panose="020B0609020204030204" pitchFamily="49" charset="0"/>
+            </a:endParaRPr>
+          </a:p>
+        </p:txBody>
+      </p:sp>
+      <p:sp>
+        <p:nvSpPr>
+          <p:cNvPr id="32" name="TextBox 31"/>
+          <p:cNvSpPr txBox="1"/>
+          <p:nvPr/>
+        </p:nvSpPr>
+        <p:spPr>
+          <a:xfrm>
+            <a:off x="3715792" y="3173493"/>
+            <a:ext cx="338554" cy="261610"/>
+          </a:xfrm>
+          <a:prstGeom prst="rect">
+            <a:avLst/>
+          </a:prstGeom>
+          <a:noFill/>
+        </p:spPr>
+        <p:txBody>
+          <a:bodyPr wrap="none" rtlCol="0">
+            <a:spAutoFit/>
+          </a:bodyPr>
+          <a:lstStyle/>
+          <a:p>
+            <a:r>
+              <a:rPr lang="en-US" sz="1100" dirty="0" smtClean="0">
+                <a:latin typeface="Consolas" panose="020B0609020204030204" pitchFamily="49" charset="0"/>
+              </a:rPr>
+              <a:t>10</a:t>
+            </a:r>
+            <a:endParaRPr lang="en-US" sz="1400" dirty="0">
+              <a:latin typeface="Consolas" panose="020B0609020204030204" pitchFamily="49" charset="0"/>
+            </a:endParaRPr>
+          </a:p>
+        </p:txBody>
+      </p:sp>
+      <p:sp>
+        <p:nvSpPr>
+          <p:cNvPr id="33" name="TextBox 32"/>
+          <p:cNvSpPr txBox="1"/>
+          <p:nvPr/>
+        </p:nvSpPr>
+        <p:spPr>
+          <a:xfrm>
+            <a:off x="3715792" y="3414556"/>
+            <a:ext cx="338554" cy="261610"/>
+          </a:xfrm>
+          <a:prstGeom prst="rect">
+            <a:avLst/>
+          </a:prstGeom>
+          <a:noFill/>
+        </p:spPr>
+        <p:txBody>
+          <a:bodyPr wrap="none" rtlCol="0">
+            <a:spAutoFit/>
+          </a:bodyPr>
+          <a:lstStyle/>
+          <a:p>
+            <a:r>
+              <a:rPr lang="en-US" sz="1100" dirty="0" smtClean="0">
+                <a:latin typeface="Consolas" panose="020B0609020204030204" pitchFamily="49" charset="0"/>
+              </a:rPr>
+              <a:t>11</a:t>
+            </a:r>
+            <a:endParaRPr lang="en-US" sz="1400" dirty="0">
+              <a:latin typeface="Consolas" panose="020B0609020204030204" pitchFamily="49" charset="0"/>
+            </a:endParaRPr>
+          </a:p>
+        </p:txBody>
+      </p:sp>
+      <p:sp>
+        <p:nvSpPr>
+          <p:cNvPr id="34" name="TextBox 33"/>
+          <p:cNvSpPr txBox="1"/>
+          <p:nvPr/>
+        </p:nvSpPr>
+        <p:spPr>
+          <a:xfrm>
+            <a:off x="3715792" y="3667855"/>
+            <a:ext cx="338554" cy="261610"/>
+          </a:xfrm>
+          <a:prstGeom prst="rect">
+            <a:avLst/>
+          </a:prstGeom>
+          <a:noFill/>
+        </p:spPr>
+        <p:txBody>
+          <a:bodyPr wrap="none" rtlCol="0">
+            <a:spAutoFit/>
+          </a:bodyPr>
+          <a:lstStyle/>
+          <a:p>
+            <a:r>
+              <a:rPr lang="en-US" sz="1100" dirty="0" smtClean="0">
+                <a:latin typeface="Consolas" panose="020B0609020204030204" pitchFamily="49" charset="0"/>
+              </a:rPr>
+              <a:t>12</a:t>
+            </a:r>
+            <a:endParaRPr lang="en-US" sz="1400" dirty="0">
+              <a:latin typeface="Consolas" panose="020B0609020204030204" pitchFamily="49" charset="0"/>
+            </a:endParaRPr>
+          </a:p>
+        </p:txBody>
+      </p:sp>
+      <p:sp>
+        <p:nvSpPr>
+          <p:cNvPr id="35" name="TextBox 34"/>
+          <p:cNvSpPr txBox="1"/>
+          <p:nvPr/>
+        </p:nvSpPr>
+        <p:spPr>
+          <a:xfrm>
+            <a:off x="3715792" y="3909144"/>
+            <a:ext cx="338554" cy="261610"/>
+          </a:xfrm>
+          <a:prstGeom prst="rect">
+            <a:avLst/>
+          </a:prstGeom>
+          <a:noFill/>
+        </p:spPr>
+        <p:txBody>
+          <a:bodyPr wrap="none" rtlCol="0">
+            <a:spAutoFit/>
+          </a:bodyPr>
+          <a:lstStyle/>
+          <a:p>
+            <a:r>
+              <a:rPr lang="en-US" sz="1100" dirty="0" smtClean="0">
+                <a:latin typeface="Consolas" panose="020B0609020204030204" pitchFamily="49" charset="0"/>
+              </a:rPr>
+              <a:t>13</a:t>
+            </a:r>
+            <a:endParaRPr lang="en-US" sz="1400" dirty="0">
+              <a:latin typeface="Consolas" panose="020B0609020204030204" pitchFamily="49" charset="0"/>
+            </a:endParaRPr>
+          </a:p>
+        </p:txBody>
+      </p:sp>
+      <p:sp>
+        <p:nvSpPr>
+          <p:cNvPr id="36" name="TextBox 35"/>
+          <p:cNvSpPr txBox="1"/>
+          <p:nvPr/>
+        </p:nvSpPr>
+        <p:spPr>
+          <a:xfrm>
+            <a:off x="3715792" y="4154361"/>
+            <a:ext cx="338554" cy="261610"/>
+          </a:xfrm>
+          <a:prstGeom prst="rect">
+            <a:avLst/>
+          </a:prstGeom>
+          <a:noFill/>
+        </p:spPr>
+        <p:txBody>
+          <a:bodyPr wrap="none" rtlCol="0">
+            <a:spAutoFit/>
+          </a:bodyPr>
+          <a:lstStyle/>
+          <a:p>
+            <a:r>
+              <a:rPr lang="en-US" sz="1100" dirty="0" smtClean="0">
+                <a:latin typeface="Consolas" panose="020B0609020204030204" pitchFamily="49" charset="0"/>
+              </a:rPr>
+              <a:t>14</a:t>
+            </a:r>
+            <a:endParaRPr lang="en-US" sz="1400" dirty="0">
+              <a:latin typeface="Consolas" panose="020B0609020204030204" pitchFamily="49" charset="0"/>
+            </a:endParaRPr>
+          </a:p>
+        </p:txBody>
+      </p:sp>
+      <p:sp>
+        <p:nvSpPr>
+          <p:cNvPr id="37" name="TextBox 36"/>
+          <p:cNvSpPr txBox="1"/>
+          <p:nvPr/>
+        </p:nvSpPr>
+        <p:spPr>
+          <a:xfrm>
+            <a:off x="3715792" y="4399625"/>
+            <a:ext cx="338554" cy="261610"/>
+          </a:xfrm>
+          <a:prstGeom prst="rect">
+            <a:avLst/>
+          </a:prstGeom>
+          <a:noFill/>
+        </p:spPr>
+        <p:txBody>
+          <a:bodyPr wrap="none" rtlCol="0">
+            <a:spAutoFit/>
+          </a:bodyPr>
+          <a:lstStyle/>
+          <a:p>
+            <a:r>
+              <a:rPr lang="en-US" sz="1100" dirty="0" smtClean="0">
+                <a:latin typeface="Consolas" panose="020B0609020204030204" pitchFamily="49" charset="0"/>
+              </a:rPr>
+              <a:t>15</a:t>
+            </a:r>
+            <a:endParaRPr lang="en-US" sz="1400" dirty="0">
+              <a:latin typeface="Consolas" panose="020B0609020204030204" pitchFamily="49" charset="0"/>
+            </a:endParaRPr>
+          </a:p>
+        </p:txBody>
+      </p:sp>
+      <p:sp>
+        <p:nvSpPr>
+          <p:cNvPr id="38" name="TextBox 37"/>
+          <p:cNvSpPr txBox="1"/>
+          <p:nvPr/>
+        </p:nvSpPr>
+        <p:spPr>
+          <a:xfrm>
+            <a:off x="3715792" y="4644889"/>
+            <a:ext cx="338554" cy="261610"/>
+          </a:xfrm>
+          <a:prstGeom prst="rect">
+            <a:avLst/>
+          </a:prstGeom>
+          <a:noFill/>
+        </p:spPr>
+        <p:txBody>
+          <a:bodyPr wrap="none" rtlCol="0">
+            <a:spAutoFit/>
+          </a:bodyPr>
+          <a:lstStyle/>
+          <a:p>
+            <a:r>
+              <a:rPr lang="en-US" sz="1100" dirty="0" smtClean="0">
+                <a:latin typeface="Consolas" panose="020B0609020204030204" pitchFamily="49" charset="0"/>
+              </a:rPr>
+              <a:t>16</a:t>
+            </a:r>
+            <a:endParaRPr lang="en-US" sz="1400" dirty="0">
+              <a:latin typeface="Consolas" panose="020B0609020204030204" pitchFamily="49" charset="0"/>
+            </a:endParaRPr>
+          </a:p>
+        </p:txBody>
+      </p:sp>
+      <p:sp>
+        <p:nvSpPr>
+          <p:cNvPr id="39" name="TextBox 38"/>
+          <p:cNvSpPr txBox="1"/>
+          <p:nvPr/>
+        </p:nvSpPr>
+        <p:spPr>
+          <a:xfrm>
+            <a:off x="3715792" y="4890153"/>
+            <a:ext cx="338554" cy="261610"/>
+          </a:xfrm>
+          <a:prstGeom prst="rect">
+            <a:avLst/>
+          </a:prstGeom>
+          <a:noFill/>
+        </p:spPr>
+        <p:txBody>
+          <a:bodyPr wrap="none" rtlCol="0">
+            <a:spAutoFit/>
+          </a:bodyPr>
+          <a:lstStyle/>
+          <a:p>
+            <a:r>
+              <a:rPr lang="en-US" sz="1100" dirty="0" smtClean="0">
+                <a:latin typeface="Consolas" panose="020B0609020204030204" pitchFamily="49" charset="0"/>
+              </a:rPr>
+              <a:t>17</a:t>
+            </a:r>
+            <a:endParaRPr lang="en-US" sz="1400" dirty="0">
+              <a:latin typeface="Consolas" panose="020B0609020204030204" pitchFamily="49" charset="0"/>
+            </a:endParaRPr>
+          </a:p>
+        </p:txBody>
+      </p:sp>
+      <p:sp>
+        <p:nvSpPr>
+          <p:cNvPr id="40" name="TextBox 39"/>
+          <p:cNvSpPr txBox="1"/>
+          <p:nvPr/>
+        </p:nvSpPr>
+        <p:spPr>
+          <a:xfrm>
+            <a:off x="3715792" y="5135417"/>
+            <a:ext cx="338554" cy="261610"/>
+          </a:xfrm>
+          <a:prstGeom prst="rect">
+            <a:avLst/>
+          </a:prstGeom>
+          <a:noFill/>
+        </p:spPr>
+        <p:txBody>
+          <a:bodyPr wrap="none" rtlCol="0">
+            <a:spAutoFit/>
+          </a:bodyPr>
+          <a:lstStyle/>
+          <a:p>
+            <a:r>
+              <a:rPr lang="en-US" sz="1100" dirty="0" smtClean="0">
+                <a:latin typeface="Consolas" panose="020B0609020204030204" pitchFamily="49" charset="0"/>
+              </a:rPr>
+              <a:t>18</a:t>
+            </a:r>
+            <a:endParaRPr lang="en-US" sz="1400" dirty="0">
+              <a:latin typeface="Consolas" panose="020B0609020204030204" pitchFamily="49" charset="0"/>
+            </a:endParaRPr>
+          </a:p>
+        </p:txBody>
+      </p:sp>
+      <p:sp>
+        <p:nvSpPr>
+          <p:cNvPr id="41" name="TextBox 40"/>
+          <p:cNvSpPr txBox="1"/>
+          <p:nvPr/>
+        </p:nvSpPr>
+        <p:spPr>
+          <a:xfrm>
+            <a:off x="3715792" y="5384559"/>
+            <a:ext cx="338554" cy="261610"/>
+          </a:xfrm>
+          <a:prstGeom prst="rect">
+            <a:avLst/>
+          </a:prstGeom>
+          <a:noFill/>
+        </p:spPr>
+        <p:txBody>
+          <a:bodyPr wrap="none" rtlCol="0">
+            <a:spAutoFit/>
+          </a:bodyPr>
+          <a:lstStyle/>
+          <a:p>
+            <a:r>
+              <a:rPr lang="en-US" sz="1100" dirty="0" smtClean="0">
+                <a:latin typeface="Consolas" panose="020B0609020204030204" pitchFamily="49" charset="0"/>
+              </a:rPr>
+              <a:t>19</a:t>
+            </a:r>
+            <a:endParaRPr lang="en-US" sz="1400" dirty="0">
+              <a:latin typeface="Consolas" panose="020B0609020204030204" pitchFamily="49" charset="0"/>
+            </a:endParaRPr>
+          </a:p>
+        </p:txBody>
+      </p:sp>
+      <p:sp>
+        <p:nvSpPr>
+          <p:cNvPr id="42" name="TextBox 41"/>
+          <p:cNvSpPr txBox="1"/>
+          <p:nvPr/>
+        </p:nvSpPr>
+        <p:spPr>
+          <a:xfrm>
+            <a:off x="3715792" y="5625757"/>
+            <a:ext cx="338554" cy="261610"/>
+          </a:xfrm>
+          <a:prstGeom prst="rect">
+            <a:avLst/>
+          </a:prstGeom>
+          <a:noFill/>
+        </p:spPr>
+        <p:txBody>
+          <a:bodyPr wrap="none" rtlCol="0">
+            <a:spAutoFit/>
+          </a:bodyPr>
+          <a:lstStyle/>
+          <a:p>
+            <a:r>
+              <a:rPr lang="en-US" sz="1100" dirty="0" smtClean="0">
+                <a:latin typeface="Consolas" panose="020B0609020204030204" pitchFamily="49" charset="0"/>
+              </a:rPr>
+              <a:t>20</a:t>
+            </a:r>
+            <a:endParaRPr lang="en-US" sz="1400" dirty="0">
+              <a:latin typeface="Consolas" panose="020B0609020204030204" pitchFamily="49" charset="0"/>
+            </a:endParaRPr>
+          </a:p>
+        </p:txBody>
+      </p:sp>
+      <p:sp>
+        <p:nvSpPr>
+          <p:cNvPr id="44" name="TextBox 43"/>
+          <p:cNvSpPr txBox="1"/>
+          <p:nvPr/>
+        </p:nvSpPr>
+        <p:spPr>
+          <a:xfrm>
+            <a:off x="4998220" y="5625757"/>
+            <a:ext cx="338554" cy="261610"/>
+          </a:xfrm>
+          <a:prstGeom prst="rect">
+            <a:avLst/>
+          </a:prstGeom>
+          <a:noFill/>
+        </p:spPr>
+        <p:txBody>
+          <a:bodyPr wrap="none" rtlCol="0">
+            <a:spAutoFit/>
+          </a:bodyPr>
+          <a:lstStyle/>
+          <a:p>
+            <a:r>
+              <a:rPr lang="en-US" sz="1100" dirty="0" smtClean="0">
+                <a:latin typeface="Consolas" panose="020B0609020204030204" pitchFamily="49" charset="0"/>
+              </a:rPr>
+              <a:t>21</a:t>
+            </a:r>
+            <a:endParaRPr lang="en-US" sz="1400" dirty="0">
+              <a:latin typeface="Consolas" panose="020B0609020204030204" pitchFamily="49" charset="0"/>
+            </a:endParaRPr>
+          </a:p>
+        </p:txBody>
+      </p:sp>
+      <p:sp>
+        <p:nvSpPr>
+          <p:cNvPr id="45" name="TextBox 44"/>
+          <p:cNvSpPr txBox="1"/>
+          <p:nvPr/>
+        </p:nvSpPr>
+        <p:spPr>
+          <a:xfrm>
+            <a:off x="4998220" y="5385504"/>
+            <a:ext cx="338554" cy="261610"/>
+          </a:xfrm>
+          <a:prstGeom prst="rect">
+            <a:avLst/>
+          </a:prstGeom>
+          <a:noFill/>
+        </p:spPr>
+        <p:txBody>
+          <a:bodyPr wrap="none" rtlCol="0">
+            <a:spAutoFit/>
+          </a:bodyPr>
+          <a:lstStyle/>
+          <a:p>
+            <a:r>
+              <a:rPr lang="en-US" sz="1100" dirty="0" smtClean="0">
+                <a:latin typeface="Consolas" panose="020B0609020204030204" pitchFamily="49" charset="0"/>
+              </a:rPr>
+              <a:t>22</a:t>
+            </a:r>
+            <a:endParaRPr lang="en-US" sz="1400" dirty="0">
+              <a:latin typeface="Consolas" panose="020B0609020204030204" pitchFamily="49" charset="0"/>
+            </a:endParaRPr>
+          </a:p>
+        </p:txBody>
+      </p:sp>
+      <p:sp>
+        <p:nvSpPr>
+          <p:cNvPr id="46" name="TextBox 45"/>
+          <p:cNvSpPr txBox="1"/>
+          <p:nvPr/>
+        </p:nvSpPr>
+        <p:spPr>
+          <a:xfrm>
+            <a:off x="4998030" y="5135417"/>
+            <a:ext cx="338554" cy="261610"/>
+          </a:xfrm>
+          <a:prstGeom prst="rect">
+            <a:avLst/>
+          </a:prstGeom>
+          <a:noFill/>
+        </p:spPr>
+        <p:txBody>
+          <a:bodyPr wrap="none" rtlCol="0">
+            <a:spAutoFit/>
+          </a:bodyPr>
+          <a:lstStyle/>
+          <a:p>
+            <a:r>
+              <a:rPr lang="en-US" sz="1100" dirty="0" smtClean="0">
+                <a:latin typeface="Consolas" panose="020B0609020204030204" pitchFamily="49" charset="0"/>
+              </a:rPr>
+              <a:t>23</a:t>
+            </a:r>
+            <a:endParaRPr lang="en-US" sz="1400" dirty="0">
+              <a:latin typeface="Consolas" panose="020B0609020204030204" pitchFamily="49" charset="0"/>
+            </a:endParaRPr>
+          </a:p>
+        </p:txBody>
+      </p:sp>
+      <p:sp>
+        <p:nvSpPr>
+          <p:cNvPr id="47" name="TextBox 46"/>
+          <p:cNvSpPr txBox="1"/>
+          <p:nvPr/>
+        </p:nvSpPr>
+        <p:spPr>
+          <a:xfrm>
+            <a:off x="4998030" y="4890153"/>
+            <a:ext cx="338554" cy="261610"/>
+          </a:xfrm>
+          <a:prstGeom prst="rect">
+            <a:avLst/>
+          </a:prstGeom>
+          <a:noFill/>
+        </p:spPr>
+        <p:txBody>
+          <a:bodyPr wrap="none" rtlCol="0">
+            <a:spAutoFit/>
+          </a:bodyPr>
+          <a:lstStyle/>
+          <a:p>
+            <a:r>
+              <a:rPr lang="en-US" sz="1100" dirty="0" smtClean="0">
+                <a:latin typeface="Consolas" panose="020B0609020204030204" pitchFamily="49" charset="0"/>
+              </a:rPr>
+              <a:t>24</a:t>
+            </a:r>
+            <a:endParaRPr lang="en-US" sz="1400" dirty="0">
+              <a:latin typeface="Consolas" panose="020B0609020204030204" pitchFamily="49" charset="0"/>
+            </a:endParaRPr>
+          </a:p>
+        </p:txBody>
+      </p:sp>
+      <p:sp>
+        <p:nvSpPr>
+          <p:cNvPr id="48" name="TextBox 47"/>
+          <p:cNvSpPr txBox="1"/>
+          <p:nvPr/>
+        </p:nvSpPr>
+        <p:spPr>
+          <a:xfrm>
+            <a:off x="4998030" y="4649712"/>
+            <a:ext cx="338554" cy="261610"/>
+          </a:xfrm>
+          <a:prstGeom prst="rect">
+            <a:avLst/>
+          </a:prstGeom>
+          <a:noFill/>
+        </p:spPr>
+        <p:txBody>
+          <a:bodyPr wrap="none" rtlCol="0">
+            <a:spAutoFit/>
+          </a:bodyPr>
+          <a:lstStyle/>
+          <a:p>
+            <a:r>
+              <a:rPr lang="en-US" sz="1100" dirty="0" smtClean="0">
+                <a:latin typeface="Consolas" panose="020B0609020204030204" pitchFamily="49" charset="0"/>
+              </a:rPr>
+              <a:t>25</a:t>
+            </a:r>
+            <a:endParaRPr lang="en-US" sz="1400" dirty="0">
+              <a:latin typeface="Consolas" panose="020B0609020204030204" pitchFamily="49" charset="0"/>
+            </a:endParaRPr>
+          </a:p>
+        </p:txBody>
+      </p:sp>
+      <p:sp>
+        <p:nvSpPr>
+          <p:cNvPr id="49" name="TextBox 48"/>
+          <p:cNvSpPr txBox="1"/>
+          <p:nvPr/>
+        </p:nvSpPr>
+        <p:spPr>
+          <a:xfrm>
+            <a:off x="4998030" y="4400730"/>
+            <a:ext cx="338554" cy="261610"/>
+          </a:xfrm>
+          <a:prstGeom prst="rect">
+            <a:avLst/>
+          </a:prstGeom>
+          <a:noFill/>
+        </p:spPr>
+        <p:txBody>
+          <a:bodyPr wrap="none" rtlCol="0">
+            <a:spAutoFit/>
+          </a:bodyPr>
+          <a:lstStyle/>
+          <a:p>
+            <a:r>
+              <a:rPr lang="en-US" sz="1100" dirty="0" smtClean="0">
+                <a:latin typeface="Consolas" panose="020B0609020204030204" pitchFamily="49" charset="0"/>
+              </a:rPr>
+              <a:t>26</a:t>
+            </a:r>
+            <a:endParaRPr lang="en-US" sz="1400" dirty="0">
+              <a:latin typeface="Consolas" panose="020B0609020204030204" pitchFamily="49" charset="0"/>
+            </a:endParaRPr>
+          </a:p>
+        </p:txBody>
+      </p:sp>
+      <p:sp>
+        <p:nvSpPr>
+          <p:cNvPr id="50" name="TextBox 49"/>
+          <p:cNvSpPr txBox="1"/>
+          <p:nvPr/>
+        </p:nvSpPr>
+        <p:spPr>
+          <a:xfrm>
+            <a:off x="4998030" y="4159184"/>
+            <a:ext cx="338554" cy="261610"/>
+          </a:xfrm>
+          <a:prstGeom prst="rect">
+            <a:avLst/>
+          </a:prstGeom>
+          <a:noFill/>
+        </p:spPr>
+        <p:txBody>
+          <a:bodyPr wrap="none" rtlCol="0">
+            <a:spAutoFit/>
+          </a:bodyPr>
+          <a:lstStyle/>
+          <a:p>
+            <a:r>
+              <a:rPr lang="en-US" sz="1100" dirty="0" smtClean="0">
+                <a:latin typeface="Consolas" panose="020B0609020204030204" pitchFamily="49" charset="0"/>
+              </a:rPr>
+              <a:t>27</a:t>
+            </a:r>
+            <a:endParaRPr lang="en-US" sz="1400" dirty="0">
+              <a:latin typeface="Consolas" panose="020B0609020204030204" pitchFamily="49" charset="0"/>
+            </a:endParaRPr>
+          </a:p>
+        </p:txBody>
+      </p:sp>
+      <p:sp>
+        <p:nvSpPr>
+          <p:cNvPr id="51" name="TextBox 50"/>
+          <p:cNvSpPr txBox="1"/>
+          <p:nvPr/>
+        </p:nvSpPr>
+        <p:spPr>
+          <a:xfrm>
+            <a:off x="5003237" y="3911500"/>
+            <a:ext cx="338554" cy="261610"/>
+          </a:xfrm>
+          <a:prstGeom prst="rect">
+            <a:avLst/>
+          </a:prstGeom>
+          <a:noFill/>
+        </p:spPr>
+        <p:txBody>
+          <a:bodyPr wrap="none" rtlCol="0">
+            <a:spAutoFit/>
+          </a:bodyPr>
+          <a:lstStyle/>
+          <a:p>
+            <a:r>
+              <a:rPr lang="en-US" sz="1100" dirty="0" smtClean="0">
+                <a:latin typeface="Consolas" panose="020B0609020204030204" pitchFamily="49" charset="0"/>
+              </a:rPr>
+              <a:t>28</a:t>
+            </a:r>
+            <a:endParaRPr lang="en-US" sz="1400" dirty="0">
+              <a:latin typeface="Consolas" panose="020B0609020204030204" pitchFamily="49" charset="0"/>
+            </a:endParaRPr>
+          </a:p>
+        </p:txBody>
+      </p:sp>
+      <p:sp>
+        <p:nvSpPr>
+          <p:cNvPr id="52" name="TextBox 51"/>
+          <p:cNvSpPr txBox="1"/>
+          <p:nvPr/>
+        </p:nvSpPr>
+        <p:spPr>
+          <a:xfrm>
+            <a:off x="5008444" y="3659058"/>
+            <a:ext cx="338554" cy="261610"/>
+          </a:xfrm>
+          <a:prstGeom prst="rect">
+            <a:avLst/>
+          </a:prstGeom>
+          <a:noFill/>
+        </p:spPr>
+        <p:txBody>
+          <a:bodyPr wrap="none" rtlCol="0">
+            <a:spAutoFit/>
+          </a:bodyPr>
+          <a:lstStyle/>
+          <a:p>
+            <a:r>
+              <a:rPr lang="en-US" sz="1100" dirty="0" smtClean="0">
+                <a:latin typeface="Consolas" panose="020B0609020204030204" pitchFamily="49" charset="0"/>
+              </a:rPr>
+              <a:t>29</a:t>
+            </a:r>
+            <a:endParaRPr lang="en-US" sz="1400" dirty="0">
+              <a:latin typeface="Consolas" panose="020B0609020204030204" pitchFamily="49" charset="0"/>
+            </a:endParaRPr>
+          </a:p>
+        </p:txBody>
+      </p:sp>
+      <p:sp>
+        <p:nvSpPr>
+          <p:cNvPr id="53" name="TextBox 52"/>
+          <p:cNvSpPr txBox="1"/>
+          <p:nvPr/>
+        </p:nvSpPr>
+        <p:spPr>
+          <a:xfrm>
+            <a:off x="5008444" y="3417537"/>
+            <a:ext cx="338554" cy="261610"/>
+          </a:xfrm>
+          <a:prstGeom prst="rect">
+            <a:avLst/>
+          </a:prstGeom>
+          <a:noFill/>
+        </p:spPr>
+        <p:txBody>
+          <a:bodyPr wrap="none" rtlCol="0">
+            <a:spAutoFit/>
+          </a:bodyPr>
+          <a:lstStyle/>
+          <a:p>
+            <a:r>
+              <a:rPr lang="en-US" sz="1100" dirty="0" smtClean="0">
+                <a:latin typeface="Consolas" panose="020B0609020204030204" pitchFamily="49" charset="0"/>
+              </a:rPr>
+              <a:t>30</a:t>
+            </a:r>
+            <a:endParaRPr lang="en-US" sz="1400" dirty="0">
+              <a:latin typeface="Consolas" panose="020B0609020204030204" pitchFamily="49" charset="0"/>
+            </a:endParaRPr>
+          </a:p>
+        </p:txBody>
+      </p:sp>
+      <p:sp>
+        <p:nvSpPr>
+          <p:cNvPr id="54" name="TextBox 53"/>
+          <p:cNvSpPr txBox="1"/>
+          <p:nvPr/>
+        </p:nvSpPr>
+        <p:spPr>
+          <a:xfrm>
+            <a:off x="4998030" y="3173493"/>
+            <a:ext cx="338554" cy="261610"/>
+          </a:xfrm>
+          <a:prstGeom prst="rect">
+            <a:avLst/>
+          </a:prstGeom>
+          <a:noFill/>
+        </p:spPr>
+        <p:txBody>
+          <a:bodyPr wrap="none" rtlCol="0">
+            <a:spAutoFit/>
+          </a:bodyPr>
+          <a:lstStyle/>
+          <a:p>
+            <a:r>
+              <a:rPr lang="en-US" sz="1100" dirty="0" smtClean="0">
+                <a:latin typeface="Consolas" panose="020B0609020204030204" pitchFamily="49" charset="0"/>
+              </a:rPr>
+              <a:t>31</a:t>
+            </a:r>
+            <a:endParaRPr lang="en-US" sz="1400" dirty="0">
+              <a:latin typeface="Consolas" panose="020B0609020204030204" pitchFamily="49" charset="0"/>
+            </a:endParaRPr>
+          </a:p>
+        </p:txBody>
+      </p:sp>
+      <p:sp>
+        <p:nvSpPr>
+          <p:cNvPr id="55" name="TextBox 54"/>
+          <p:cNvSpPr txBox="1"/>
+          <p:nvPr/>
+        </p:nvSpPr>
+        <p:spPr>
+          <a:xfrm>
+            <a:off x="5008444" y="2926575"/>
+            <a:ext cx="338554" cy="261610"/>
+          </a:xfrm>
+          <a:prstGeom prst="rect">
+            <a:avLst/>
+          </a:prstGeom>
+          <a:noFill/>
+        </p:spPr>
+        <p:txBody>
+          <a:bodyPr wrap="none" rtlCol="0">
+            <a:spAutoFit/>
+          </a:bodyPr>
+          <a:lstStyle/>
+          <a:p>
+            <a:r>
+              <a:rPr lang="en-US" sz="1100" dirty="0" smtClean="0">
+                <a:latin typeface="Consolas" panose="020B0609020204030204" pitchFamily="49" charset="0"/>
+              </a:rPr>
+              <a:t>32</a:t>
+            </a:r>
+            <a:endParaRPr lang="en-US" sz="1400" dirty="0">
+              <a:latin typeface="Consolas" panose="020B0609020204030204" pitchFamily="49" charset="0"/>
+            </a:endParaRPr>
+          </a:p>
+        </p:txBody>
+      </p:sp>
+      <p:sp>
+        <p:nvSpPr>
+          <p:cNvPr id="56" name="TextBox 55"/>
+          <p:cNvSpPr txBox="1"/>
+          <p:nvPr/>
+        </p:nvSpPr>
+        <p:spPr>
+          <a:xfrm>
+            <a:off x="5008444" y="2683059"/>
+            <a:ext cx="338554" cy="261610"/>
+          </a:xfrm>
+          <a:prstGeom prst="rect">
+            <a:avLst/>
+          </a:prstGeom>
+          <a:noFill/>
+        </p:spPr>
+        <p:txBody>
+          <a:bodyPr wrap="none" rtlCol="0">
+            <a:spAutoFit/>
+          </a:bodyPr>
+          <a:lstStyle/>
+          <a:p>
+            <a:r>
+              <a:rPr lang="en-US" sz="1100" dirty="0" smtClean="0">
+                <a:latin typeface="Consolas" panose="020B0609020204030204" pitchFamily="49" charset="0"/>
+              </a:rPr>
+              <a:t>33</a:t>
+            </a:r>
+            <a:endParaRPr lang="en-US" sz="1400" dirty="0">
+              <a:latin typeface="Consolas" panose="020B0609020204030204" pitchFamily="49" charset="0"/>
+            </a:endParaRPr>
+          </a:p>
+        </p:txBody>
+      </p:sp>
+      <p:sp>
+        <p:nvSpPr>
+          <p:cNvPr id="57" name="TextBox 56"/>
+          <p:cNvSpPr txBox="1"/>
+          <p:nvPr/>
+        </p:nvSpPr>
+        <p:spPr>
+          <a:xfrm>
+            <a:off x="5008444" y="2447743"/>
+            <a:ext cx="338554" cy="261610"/>
+          </a:xfrm>
+          <a:prstGeom prst="rect">
+            <a:avLst/>
+          </a:prstGeom>
+          <a:noFill/>
+        </p:spPr>
+        <p:txBody>
+          <a:bodyPr wrap="none" rtlCol="0">
+            <a:spAutoFit/>
+          </a:bodyPr>
+          <a:lstStyle/>
+          <a:p>
+            <a:r>
+              <a:rPr lang="en-US" sz="1100" dirty="0" smtClean="0">
+                <a:latin typeface="Consolas" panose="020B0609020204030204" pitchFamily="49" charset="0"/>
+              </a:rPr>
+              <a:t>34</a:t>
+            </a:r>
+            <a:endParaRPr lang="en-US" sz="1400" dirty="0">
+              <a:latin typeface="Consolas" panose="020B0609020204030204" pitchFamily="49" charset="0"/>
+            </a:endParaRPr>
+          </a:p>
+        </p:txBody>
+      </p:sp>
+      <p:sp>
+        <p:nvSpPr>
+          <p:cNvPr id="58" name="TextBox 57"/>
+          <p:cNvSpPr txBox="1"/>
+          <p:nvPr/>
+        </p:nvSpPr>
+        <p:spPr>
+          <a:xfrm>
+            <a:off x="5008444" y="2206673"/>
+            <a:ext cx="338554" cy="261610"/>
+          </a:xfrm>
+          <a:prstGeom prst="rect">
+            <a:avLst/>
+          </a:prstGeom>
+          <a:noFill/>
+        </p:spPr>
+        <p:txBody>
+          <a:bodyPr wrap="none" rtlCol="0">
+            <a:spAutoFit/>
+          </a:bodyPr>
+          <a:lstStyle/>
+          <a:p>
+            <a:r>
+              <a:rPr lang="en-US" sz="1100" dirty="0" smtClean="0">
+                <a:latin typeface="Consolas" panose="020B0609020204030204" pitchFamily="49" charset="0"/>
+              </a:rPr>
+              <a:t>35</a:t>
+            </a:r>
+            <a:endParaRPr lang="en-US" sz="1400" dirty="0">
+              <a:latin typeface="Consolas" panose="020B0609020204030204" pitchFamily="49" charset="0"/>
+            </a:endParaRPr>
+          </a:p>
+        </p:txBody>
+      </p:sp>
+      <p:sp>
+        <p:nvSpPr>
+          <p:cNvPr id="59" name="TextBox 58"/>
+          <p:cNvSpPr txBox="1"/>
+          <p:nvPr/>
+        </p:nvSpPr>
+        <p:spPr>
+          <a:xfrm>
+            <a:off x="5008444" y="1961641"/>
+            <a:ext cx="338554" cy="261610"/>
+          </a:xfrm>
+          <a:prstGeom prst="rect">
+            <a:avLst/>
+          </a:prstGeom>
+          <a:noFill/>
+        </p:spPr>
+        <p:txBody>
+          <a:bodyPr wrap="none" rtlCol="0">
+            <a:spAutoFit/>
+          </a:bodyPr>
+          <a:lstStyle/>
+          <a:p>
+            <a:r>
+              <a:rPr lang="en-US" sz="1100" dirty="0" smtClean="0">
+                <a:latin typeface="Consolas" panose="020B0609020204030204" pitchFamily="49" charset="0"/>
+              </a:rPr>
+              <a:t>36</a:t>
+            </a:r>
+            <a:endParaRPr lang="en-US" sz="1400" dirty="0">
+              <a:latin typeface="Consolas" panose="020B0609020204030204" pitchFamily="49" charset="0"/>
+            </a:endParaRPr>
+          </a:p>
+        </p:txBody>
+      </p:sp>
+      <p:sp>
+        <p:nvSpPr>
+          <p:cNvPr id="60" name="TextBox 59"/>
+          <p:cNvSpPr txBox="1"/>
+          <p:nvPr/>
+        </p:nvSpPr>
+        <p:spPr>
+          <a:xfrm>
+            <a:off x="5008444" y="1720571"/>
+            <a:ext cx="338554" cy="261610"/>
+          </a:xfrm>
+          <a:prstGeom prst="rect">
+            <a:avLst/>
+          </a:prstGeom>
+          <a:noFill/>
+        </p:spPr>
+        <p:txBody>
+          <a:bodyPr wrap="none" rtlCol="0">
+            <a:spAutoFit/>
+          </a:bodyPr>
+          <a:lstStyle/>
+          <a:p>
+            <a:r>
+              <a:rPr lang="en-US" sz="1100" dirty="0" smtClean="0">
+                <a:latin typeface="Consolas" panose="020B0609020204030204" pitchFamily="49" charset="0"/>
+              </a:rPr>
+              <a:t>37</a:t>
+            </a:r>
+            <a:endParaRPr lang="en-US" sz="1400" dirty="0">
+              <a:latin typeface="Consolas" panose="020B0609020204030204" pitchFamily="49" charset="0"/>
+            </a:endParaRPr>
+          </a:p>
+        </p:txBody>
+      </p:sp>
+      <p:sp>
+        <p:nvSpPr>
+          <p:cNvPr id="61" name="TextBox 60"/>
+          <p:cNvSpPr txBox="1"/>
+          <p:nvPr/>
+        </p:nvSpPr>
+        <p:spPr>
+          <a:xfrm>
+            <a:off x="5007164" y="1482821"/>
+            <a:ext cx="338554" cy="261610"/>
+          </a:xfrm>
+          <a:prstGeom prst="rect">
+            <a:avLst/>
+          </a:prstGeom>
+          <a:noFill/>
+        </p:spPr>
+        <p:txBody>
+          <a:bodyPr wrap="none" rtlCol="0">
+            <a:spAutoFit/>
+          </a:bodyPr>
+          <a:lstStyle/>
+          <a:p>
+            <a:r>
+              <a:rPr lang="en-US" sz="1100" dirty="0" smtClean="0">
+                <a:latin typeface="Consolas" panose="020B0609020204030204" pitchFamily="49" charset="0"/>
+              </a:rPr>
+              <a:t>38</a:t>
+            </a:r>
+            <a:endParaRPr lang="en-US" sz="1400" dirty="0">
+              <a:latin typeface="Consolas" panose="020B0609020204030204" pitchFamily="49" charset="0"/>
+            </a:endParaRPr>
+          </a:p>
+        </p:txBody>
+      </p:sp>
+      <p:sp>
+        <p:nvSpPr>
+          <p:cNvPr id="62" name="TextBox 61"/>
+          <p:cNvSpPr txBox="1"/>
+          <p:nvPr/>
+        </p:nvSpPr>
+        <p:spPr>
+          <a:xfrm>
+            <a:off x="5007164" y="1244639"/>
+            <a:ext cx="338554" cy="261610"/>
+          </a:xfrm>
+          <a:prstGeom prst="rect">
+            <a:avLst/>
+          </a:prstGeom>
+          <a:noFill/>
+        </p:spPr>
+        <p:txBody>
+          <a:bodyPr wrap="none" rtlCol="0">
+            <a:spAutoFit/>
+          </a:bodyPr>
+          <a:lstStyle/>
+          <a:p>
+            <a:r>
+              <a:rPr lang="en-US" sz="1100" dirty="0" smtClean="0">
+                <a:latin typeface="Consolas" panose="020B0609020204030204" pitchFamily="49" charset="0"/>
+              </a:rPr>
+              <a:t>39</a:t>
+            </a:r>
+            <a:endParaRPr lang="en-US" sz="1400" dirty="0">
+              <a:latin typeface="Consolas" panose="020B0609020204030204" pitchFamily="49" charset="0"/>
+            </a:endParaRPr>
+          </a:p>
+        </p:txBody>
+      </p:sp>
+      <p:sp>
+        <p:nvSpPr>
+          <p:cNvPr id="63" name="TextBox 62"/>
+          <p:cNvSpPr txBox="1"/>
+          <p:nvPr/>
+        </p:nvSpPr>
+        <p:spPr>
+          <a:xfrm>
+            <a:off x="5007164" y="989721"/>
+            <a:ext cx="338554" cy="261610"/>
+          </a:xfrm>
+          <a:prstGeom prst="rect">
+            <a:avLst/>
+          </a:prstGeom>
+          <a:noFill/>
+        </p:spPr>
+        <p:txBody>
+          <a:bodyPr wrap="none" rtlCol="0">
+            <a:spAutoFit/>
+          </a:bodyPr>
+          <a:lstStyle/>
+          <a:p>
+            <a:r>
+              <a:rPr lang="en-US" sz="1100" dirty="0" smtClean="0">
+                <a:latin typeface="Consolas" panose="020B0609020204030204" pitchFamily="49" charset="0"/>
+              </a:rPr>
+              <a:t>40</a:t>
+            </a:r>
+            <a:endParaRPr lang="en-US" sz="1400" dirty="0">
+              <a:latin typeface="Consolas" panose="020B0609020204030204" pitchFamily="49" charset="0"/>
+            </a:endParaRPr>
+          </a:p>
+        </p:txBody>
+      </p:sp>
+      <p:sp>
+        <p:nvSpPr>
+          <p:cNvPr id="64" name="Oval 63"/>
+          <p:cNvSpPr/>
+          <p:nvPr/>
+        </p:nvSpPr>
+        <p:spPr>
+          <a:xfrm>
+            <a:off x="4454283" y="1170754"/>
+            <a:ext cx="144000" cy="144000"/>
+          </a:xfrm>
+          <a:prstGeom prst="ellipse">
+            <a:avLst/>
+          </a:prstGeom>
+          <a:solidFill>
+            <a:schemeClr val="bg1"/>
+          </a:solidFill>
+          <a:ln w="25400">
+            <a:solidFill>
+              <a:schemeClr val="tx1"/>
+            </a:solidFill>
+          </a:ln>
+        </p:spPr>
+        <p:style>
+          <a:lnRef idx="2">
+            <a:schemeClr val="accent1">
+              <a:shade val="50000"/>
+            </a:schemeClr>
+          </a:lnRef>
+          <a:fillRef idx="1">
+            <a:schemeClr val="accent1"/>
+          </a:fillRef>
+          <a:effectRef idx="0">
+            <a:schemeClr val="accent1"/>
+          </a:effectRef>
+          <a:fontRef idx="minor">
+            <a:schemeClr val="lt1"/>
+          </a:fontRef>
+        </p:style>
+        <p:txBody>
+          <a:bodyPr rtlCol="0" anchor="ctr"/>
+          <a:lstStyle/>
+          <a:p>
+            <a:pPr algn="ctr"/>
+            <a:endParaRPr lang="en-US"/>
+          </a:p>
+        </p:txBody>
+      </p:sp>
+      <p:sp>
+        <p:nvSpPr>
+          <p:cNvPr id="65" name="TextBox 64"/>
+          <p:cNvSpPr txBox="1"/>
+          <p:nvPr/>
+        </p:nvSpPr>
+        <p:spPr>
+          <a:xfrm>
+            <a:off x="3021663" y="994521"/>
+            <a:ext cx="646331" cy="261610"/>
+          </a:xfrm>
+          <a:prstGeom prst="rect">
+            <a:avLst/>
+          </a:prstGeom>
+          <a:noFill/>
+        </p:spPr>
+        <p:txBody>
+          <a:bodyPr wrap="none" rtlCol="0">
+            <a:spAutoFit/>
+          </a:bodyPr>
+          <a:lstStyle/>
+          <a:p>
+            <a:r>
+              <a:rPr lang="ro-MD" sz="1100" dirty="0" smtClean="0">
+                <a:latin typeface="Consolas" panose="020B0609020204030204" pitchFamily="49" charset="0"/>
+              </a:rPr>
+              <a:t>R/W</a:t>
+            </a:r>
+            <a:r>
+              <a:rPr lang="en-US" sz="1100" smtClean="0">
+                <a:latin typeface="Consolas" panose="020B0609020204030204" pitchFamily="49" charset="0"/>
+              </a:rPr>
+              <a:t> -&gt;</a:t>
+            </a:r>
+            <a:endParaRPr lang="en-US" sz="1400" dirty="0">
+              <a:latin typeface="Consolas" panose="020B0609020204030204" pitchFamily="49" charset="0"/>
+            </a:endParaRPr>
+          </a:p>
+        </p:txBody>
+      </p:sp>
+      <p:sp>
+        <p:nvSpPr>
+          <p:cNvPr id="66" name="TextBox 65"/>
+          <p:cNvSpPr txBox="1"/>
+          <p:nvPr/>
+        </p:nvSpPr>
+        <p:spPr>
+          <a:xfrm>
+            <a:off x="2787628" y="1234194"/>
+            <a:ext cx="877163" cy="261610"/>
+          </a:xfrm>
+          <a:prstGeom prst="rect">
+            <a:avLst/>
+          </a:prstGeom>
+          <a:noFill/>
+        </p:spPr>
+        <p:txBody>
+          <a:bodyPr wrap="none" rtlCol="0">
+            <a:spAutoFit/>
+          </a:bodyPr>
+          <a:lstStyle/>
+          <a:p>
+            <a:r>
+              <a:rPr lang="ro-MD" sz="1100" dirty="0" smtClean="0">
+                <a:latin typeface="Consolas" panose="020B0609020204030204" pitchFamily="49" charset="0"/>
+              </a:rPr>
+              <a:t>CPU D0</a:t>
+            </a:r>
+            <a:r>
+              <a:rPr lang="en-US" sz="1100" dirty="0" smtClean="0">
+                <a:latin typeface="Consolas" panose="020B0609020204030204" pitchFamily="49" charset="0"/>
+              </a:rPr>
+              <a:t> &lt;</a:t>
+            </a:r>
+            <a:r>
+              <a:rPr lang="en-US" sz="1100" dirty="0">
+                <a:latin typeface="Consolas" panose="020B0609020204030204" pitchFamily="49" charset="0"/>
+              </a:rPr>
+              <a:t>&gt;</a:t>
+            </a:r>
+            <a:endParaRPr lang="en-US" sz="1400" dirty="0">
+              <a:latin typeface="Consolas" panose="020B0609020204030204" pitchFamily="49" charset="0"/>
+            </a:endParaRPr>
+          </a:p>
+        </p:txBody>
+      </p:sp>
+      <p:sp>
+        <p:nvSpPr>
+          <p:cNvPr id="67" name="TextBox 66"/>
+          <p:cNvSpPr txBox="1"/>
+          <p:nvPr/>
+        </p:nvSpPr>
+        <p:spPr>
+          <a:xfrm>
+            <a:off x="2784100" y="1471956"/>
+            <a:ext cx="877163" cy="261610"/>
+          </a:xfrm>
+          <a:prstGeom prst="rect">
+            <a:avLst/>
+          </a:prstGeom>
+          <a:noFill/>
+        </p:spPr>
+        <p:txBody>
+          <a:bodyPr wrap="none" rtlCol="0">
+            <a:spAutoFit/>
+          </a:bodyPr>
+          <a:lstStyle/>
+          <a:p>
+            <a:r>
+              <a:rPr lang="en-US" sz="1100" dirty="0" smtClean="0">
+                <a:latin typeface="Consolas" panose="020B0609020204030204" pitchFamily="49" charset="0"/>
+              </a:rPr>
+              <a:t>CPU D1 &lt;&gt;</a:t>
+            </a:r>
+            <a:endParaRPr lang="en-US" sz="1400" dirty="0">
+              <a:latin typeface="Consolas" panose="020B0609020204030204" pitchFamily="49" charset="0"/>
+            </a:endParaRPr>
+          </a:p>
+        </p:txBody>
+      </p:sp>
+      <p:sp>
+        <p:nvSpPr>
+          <p:cNvPr id="68" name="TextBox 67"/>
+          <p:cNvSpPr txBox="1"/>
+          <p:nvPr/>
+        </p:nvSpPr>
+        <p:spPr>
+          <a:xfrm>
+            <a:off x="2782323" y="1951651"/>
+            <a:ext cx="877163" cy="261610"/>
+          </a:xfrm>
+          <a:prstGeom prst="rect">
+            <a:avLst/>
+          </a:prstGeom>
+          <a:noFill/>
+        </p:spPr>
+        <p:txBody>
+          <a:bodyPr wrap="none" rtlCol="0">
+            <a:spAutoFit/>
+          </a:bodyPr>
+          <a:lstStyle/>
+          <a:p>
+            <a:r>
+              <a:rPr lang="en-US" sz="1100" dirty="0" smtClean="0">
+                <a:latin typeface="Consolas" panose="020B0609020204030204" pitchFamily="49" charset="0"/>
+              </a:rPr>
+              <a:t>CPU D3 &lt;&gt;</a:t>
+            </a:r>
+            <a:endParaRPr lang="en-US" sz="1400" dirty="0">
+              <a:latin typeface="Consolas" panose="020B0609020204030204" pitchFamily="49" charset="0"/>
+            </a:endParaRPr>
+          </a:p>
+        </p:txBody>
+      </p:sp>
+      <p:sp>
+        <p:nvSpPr>
+          <p:cNvPr id="69" name="TextBox 68"/>
+          <p:cNvSpPr txBox="1"/>
+          <p:nvPr/>
+        </p:nvSpPr>
+        <p:spPr>
+          <a:xfrm>
+            <a:off x="2782325" y="1706413"/>
+            <a:ext cx="877163" cy="261610"/>
+          </a:xfrm>
+          <a:prstGeom prst="rect">
+            <a:avLst/>
+          </a:prstGeom>
+          <a:noFill/>
+        </p:spPr>
+        <p:txBody>
+          <a:bodyPr wrap="none" rtlCol="0">
+            <a:spAutoFit/>
+          </a:bodyPr>
+          <a:lstStyle/>
+          <a:p>
+            <a:r>
+              <a:rPr lang="en-US" sz="1100" dirty="0" smtClean="0">
+                <a:latin typeface="Consolas" panose="020B0609020204030204" pitchFamily="49" charset="0"/>
+              </a:rPr>
+              <a:t>CPU D2 &lt;&gt;</a:t>
+            </a:r>
+            <a:endParaRPr lang="en-US" sz="1400" dirty="0">
+              <a:latin typeface="Consolas" panose="020B0609020204030204" pitchFamily="49" charset="0"/>
+            </a:endParaRPr>
+          </a:p>
+        </p:txBody>
+      </p:sp>
+      <p:sp>
+        <p:nvSpPr>
+          <p:cNvPr id="70" name="TextBox 69"/>
+          <p:cNvSpPr txBox="1"/>
+          <p:nvPr/>
+        </p:nvSpPr>
+        <p:spPr>
+          <a:xfrm>
+            <a:off x="3007051" y="5376616"/>
+            <a:ext cx="646331" cy="261610"/>
+          </a:xfrm>
+          <a:prstGeom prst="rect">
+            <a:avLst/>
+          </a:prstGeom>
+          <a:noFill/>
+        </p:spPr>
+        <p:txBody>
+          <a:bodyPr wrap="none" rtlCol="0">
+            <a:spAutoFit/>
+          </a:bodyPr>
+          <a:lstStyle/>
+          <a:p>
+            <a:r>
+              <a:rPr lang="en-US" sz="1100" dirty="0" smtClean="0">
+                <a:latin typeface="Consolas" panose="020B0609020204030204" pitchFamily="49" charset="0"/>
+              </a:rPr>
+              <a:t>INT </a:t>
+            </a:r>
+            <a:r>
+              <a:rPr lang="en-US" sz="1100" dirty="0" smtClean="0">
+                <a:latin typeface="Consolas" panose="020B0609020204030204" pitchFamily="49" charset="0"/>
+              </a:rPr>
+              <a:t>&lt;-</a:t>
+            </a:r>
+            <a:endParaRPr lang="en-US" sz="1400" dirty="0">
+              <a:latin typeface="Consolas" panose="020B0609020204030204" pitchFamily="49" charset="0"/>
+            </a:endParaRPr>
+          </a:p>
+        </p:txBody>
+      </p:sp>
+      <p:sp>
+        <p:nvSpPr>
+          <p:cNvPr id="71" name="TextBox 70"/>
+          <p:cNvSpPr txBox="1"/>
+          <p:nvPr/>
+        </p:nvSpPr>
+        <p:spPr>
+          <a:xfrm>
+            <a:off x="3007051" y="5128678"/>
+            <a:ext cx="646331" cy="261610"/>
+          </a:xfrm>
+          <a:prstGeom prst="rect">
+            <a:avLst/>
+          </a:prstGeom>
+          <a:noFill/>
+        </p:spPr>
+        <p:txBody>
+          <a:bodyPr wrap="none" rtlCol="0">
+            <a:spAutoFit/>
+          </a:bodyPr>
+          <a:lstStyle/>
+          <a:p>
+            <a:r>
+              <a:rPr lang="en-US" sz="1100" dirty="0" smtClean="0">
+                <a:latin typeface="Consolas" panose="020B0609020204030204" pitchFamily="49" charset="0"/>
+              </a:rPr>
+              <a:t>CLK -&gt;</a:t>
+            </a:r>
+            <a:endParaRPr lang="en-US" sz="1400" dirty="0">
+              <a:latin typeface="Consolas" panose="020B0609020204030204" pitchFamily="49" charset="0"/>
+            </a:endParaRPr>
+          </a:p>
+        </p:txBody>
+      </p:sp>
+      <p:sp>
+        <p:nvSpPr>
+          <p:cNvPr id="72" name="TextBox 71"/>
+          <p:cNvSpPr txBox="1"/>
+          <p:nvPr/>
+        </p:nvSpPr>
+        <p:spPr>
+          <a:xfrm>
+            <a:off x="2928469" y="4889049"/>
+            <a:ext cx="723275" cy="261610"/>
+          </a:xfrm>
+          <a:prstGeom prst="rect">
+            <a:avLst/>
+          </a:prstGeom>
+          <a:noFill/>
+        </p:spPr>
+        <p:txBody>
+          <a:bodyPr wrap="none" rtlCol="0">
+            <a:spAutoFit/>
+          </a:bodyPr>
+          <a:lstStyle/>
+          <a:p>
+            <a:r>
+              <a:rPr lang="en-US" sz="1100" dirty="0" smtClean="0">
+                <a:latin typeface="Consolas" panose="020B0609020204030204" pitchFamily="49" charset="0"/>
+              </a:rPr>
+              <a:t>EXT3 &lt;&gt;</a:t>
+            </a:r>
+            <a:endParaRPr lang="en-US" sz="1400" dirty="0">
+              <a:latin typeface="Consolas" panose="020B0609020204030204" pitchFamily="49" charset="0"/>
+            </a:endParaRPr>
+          </a:p>
+        </p:txBody>
+      </p:sp>
+      <p:sp>
+        <p:nvSpPr>
+          <p:cNvPr id="73" name="TextBox 72"/>
+          <p:cNvSpPr txBox="1"/>
+          <p:nvPr/>
+        </p:nvSpPr>
+        <p:spPr>
+          <a:xfrm>
+            <a:off x="2926089" y="4639879"/>
+            <a:ext cx="723275" cy="261610"/>
+          </a:xfrm>
+          <a:prstGeom prst="rect">
+            <a:avLst/>
+          </a:prstGeom>
+          <a:noFill/>
+        </p:spPr>
+        <p:txBody>
+          <a:bodyPr wrap="none" rtlCol="0">
+            <a:spAutoFit/>
+          </a:bodyPr>
+          <a:lstStyle/>
+          <a:p>
+            <a:r>
+              <a:rPr lang="en-US" sz="1100" dirty="0" smtClean="0">
+                <a:latin typeface="Consolas" panose="020B0609020204030204" pitchFamily="49" charset="0"/>
+              </a:rPr>
+              <a:t>EXT2</a:t>
+            </a:r>
+            <a:r>
+              <a:rPr lang="en-US" sz="1100" dirty="0" smtClean="0">
+                <a:latin typeface="Consolas" panose="020B0609020204030204" pitchFamily="49" charset="0"/>
+              </a:rPr>
+              <a:t> &lt;&gt;</a:t>
+            </a:r>
+            <a:endParaRPr lang="en-US" sz="1400" dirty="0">
+              <a:latin typeface="Consolas" panose="020B0609020204030204" pitchFamily="49" charset="0"/>
+            </a:endParaRPr>
+          </a:p>
+        </p:txBody>
+      </p:sp>
+      <p:sp>
+        <p:nvSpPr>
+          <p:cNvPr id="74" name="TextBox 73"/>
+          <p:cNvSpPr txBox="1"/>
+          <p:nvPr/>
+        </p:nvSpPr>
+        <p:spPr>
+          <a:xfrm>
+            <a:off x="2926278" y="4391427"/>
+            <a:ext cx="723275" cy="261610"/>
+          </a:xfrm>
+          <a:prstGeom prst="rect">
+            <a:avLst/>
+          </a:prstGeom>
+          <a:noFill/>
+        </p:spPr>
+        <p:txBody>
+          <a:bodyPr wrap="none" rtlCol="0">
+            <a:spAutoFit/>
+          </a:bodyPr>
+          <a:lstStyle/>
+          <a:p>
+            <a:r>
+              <a:rPr lang="en-US" sz="1100" dirty="0" smtClean="0">
+                <a:latin typeface="Consolas" panose="020B0609020204030204" pitchFamily="49" charset="0"/>
+              </a:rPr>
+              <a:t>EXT1 &lt;&gt;</a:t>
+            </a:r>
+            <a:endParaRPr lang="en-US" sz="1400" dirty="0">
+              <a:latin typeface="Consolas" panose="020B0609020204030204" pitchFamily="49" charset="0"/>
+            </a:endParaRPr>
+          </a:p>
+        </p:txBody>
+      </p:sp>
+      <p:sp>
+        <p:nvSpPr>
+          <p:cNvPr id="75" name="TextBox 74"/>
+          <p:cNvSpPr txBox="1"/>
+          <p:nvPr/>
+        </p:nvSpPr>
+        <p:spPr>
+          <a:xfrm>
+            <a:off x="3086010" y="3904275"/>
+            <a:ext cx="569387" cy="261610"/>
+          </a:xfrm>
+          <a:prstGeom prst="rect">
+            <a:avLst/>
+          </a:prstGeom>
+          <a:noFill/>
+        </p:spPr>
+        <p:txBody>
+          <a:bodyPr wrap="none" rtlCol="0">
+            <a:spAutoFit/>
+          </a:bodyPr>
+          <a:lstStyle/>
+          <a:p>
+            <a:r>
+              <a:rPr lang="en-US" sz="1100" dirty="0" smtClean="0">
+                <a:latin typeface="Consolas" panose="020B0609020204030204" pitchFamily="49" charset="0"/>
+              </a:rPr>
+              <a:t>CS -&gt;</a:t>
+            </a:r>
+            <a:endParaRPr lang="en-US" sz="1400" dirty="0">
+              <a:latin typeface="Consolas" panose="020B0609020204030204" pitchFamily="49" charset="0"/>
+            </a:endParaRPr>
+          </a:p>
+        </p:txBody>
+      </p:sp>
+      <p:sp>
+        <p:nvSpPr>
+          <p:cNvPr id="76" name="TextBox 75"/>
+          <p:cNvSpPr txBox="1"/>
+          <p:nvPr/>
+        </p:nvSpPr>
+        <p:spPr>
+          <a:xfrm>
+            <a:off x="2786542" y="3165274"/>
+            <a:ext cx="877163" cy="261610"/>
+          </a:xfrm>
+          <a:prstGeom prst="rect">
+            <a:avLst/>
+          </a:prstGeom>
+          <a:noFill/>
+        </p:spPr>
+        <p:txBody>
+          <a:bodyPr wrap="none" rtlCol="0">
+            <a:spAutoFit/>
+          </a:bodyPr>
+          <a:lstStyle/>
+          <a:p>
+            <a:r>
+              <a:rPr lang="en-US" sz="1100" dirty="0" smtClean="0">
+                <a:latin typeface="Consolas" panose="020B0609020204030204" pitchFamily="49" charset="0"/>
+              </a:rPr>
+              <a:t>CPU A2 -&gt;</a:t>
+            </a:r>
+            <a:endParaRPr lang="en-US" sz="1400" dirty="0">
+              <a:latin typeface="Consolas" panose="020B0609020204030204" pitchFamily="49" charset="0"/>
+            </a:endParaRPr>
+          </a:p>
+        </p:txBody>
+      </p:sp>
+      <p:sp>
+        <p:nvSpPr>
+          <p:cNvPr id="77" name="TextBox 76"/>
+          <p:cNvSpPr txBox="1"/>
+          <p:nvPr/>
+        </p:nvSpPr>
+        <p:spPr>
+          <a:xfrm>
+            <a:off x="2784705" y="2676475"/>
+            <a:ext cx="877163" cy="261610"/>
+          </a:xfrm>
+          <a:prstGeom prst="rect">
+            <a:avLst/>
+          </a:prstGeom>
+          <a:noFill/>
+        </p:spPr>
+        <p:txBody>
+          <a:bodyPr wrap="none" rtlCol="0">
+            <a:spAutoFit/>
+          </a:bodyPr>
+          <a:lstStyle/>
+          <a:p>
+            <a:r>
+              <a:rPr lang="en-US" sz="1100" dirty="0" smtClean="0">
+                <a:latin typeface="Consolas" panose="020B0609020204030204" pitchFamily="49" charset="0"/>
+              </a:rPr>
+              <a:t>CPU D6 &lt;&gt;</a:t>
+            </a:r>
+            <a:endParaRPr lang="en-US" sz="1400" dirty="0">
+              <a:latin typeface="Consolas" panose="020B0609020204030204" pitchFamily="49" charset="0"/>
+            </a:endParaRPr>
+          </a:p>
+        </p:txBody>
+      </p:sp>
+      <p:sp>
+        <p:nvSpPr>
+          <p:cNvPr id="78" name="TextBox 77"/>
+          <p:cNvSpPr txBox="1"/>
+          <p:nvPr/>
+        </p:nvSpPr>
+        <p:spPr>
+          <a:xfrm>
+            <a:off x="2783598" y="2194067"/>
+            <a:ext cx="877163" cy="261610"/>
+          </a:xfrm>
+          <a:prstGeom prst="rect">
+            <a:avLst/>
+          </a:prstGeom>
+          <a:noFill/>
+        </p:spPr>
+        <p:txBody>
+          <a:bodyPr wrap="none" rtlCol="0">
+            <a:spAutoFit/>
+          </a:bodyPr>
+          <a:lstStyle/>
+          <a:p>
+            <a:r>
+              <a:rPr lang="en-US" sz="1100" dirty="0" smtClean="0">
+                <a:latin typeface="Consolas" panose="020B0609020204030204" pitchFamily="49" charset="0"/>
+              </a:rPr>
+              <a:t>CPU D4 &lt;&gt;</a:t>
+            </a:r>
+            <a:endParaRPr lang="en-US" sz="1400" dirty="0">
+              <a:latin typeface="Consolas" panose="020B0609020204030204" pitchFamily="49" charset="0"/>
+            </a:endParaRPr>
+          </a:p>
+        </p:txBody>
+      </p:sp>
+      <p:sp>
+        <p:nvSpPr>
+          <p:cNvPr id="79" name="TextBox 78"/>
+          <p:cNvSpPr txBox="1"/>
+          <p:nvPr/>
+        </p:nvSpPr>
+        <p:spPr>
+          <a:xfrm>
+            <a:off x="2783598" y="2432785"/>
+            <a:ext cx="877163" cy="261610"/>
+          </a:xfrm>
+          <a:prstGeom prst="rect">
+            <a:avLst/>
+          </a:prstGeom>
+          <a:noFill/>
+        </p:spPr>
+        <p:txBody>
+          <a:bodyPr wrap="none" rtlCol="0">
+            <a:spAutoFit/>
+          </a:bodyPr>
+          <a:lstStyle/>
+          <a:p>
+            <a:r>
+              <a:rPr lang="en-US" sz="1100" dirty="0" smtClean="0">
+                <a:latin typeface="Consolas" panose="020B0609020204030204" pitchFamily="49" charset="0"/>
+              </a:rPr>
+              <a:t>CPU D5 &lt;&gt;</a:t>
+            </a:r>
+            <a:endParaRPr lang="en-US" sz="1400" dirty="0">
+              <a:latin typeface="Consolas" panose="020B0609020204030204" pitchFamily="49" charset="0"/>
+            </a:endParaRPr>
+          </a:p>
+        </p:txBody>
+      </p:sp>
+      <p:sp>
+        <p:nvSpPr>
+          <p:cNvPr id="80" name="TextBox 79"/>
+          <p:cNvSpPr txBox="1"/>
+          <p:nvPr/>
+        </p:nvSpPr>
+        <p:spPr>
+          <a:xfrm>
+            <a:off x="2786544" y="2914729"/>
+            <a:ext cx="877163" cy="261610"/>
+          </a:xfrm>
+          <a:prstGeom prst="rect">
+            <a:avLst/>
+          </a:prstGeom>
+          <a:noFill/>
+        </p:spPr>
+        <p:txBody>
+          <a:bodyPr wrap="none" rtlCol="0">
+            <a:spAutoFit/>
+          </a:bodyPr>
+          <a:lstStyle/>
+          <a:p>
+            <a:r>
+              <a:rPr lang="en-US" sz="1100" dirty="0" smtClean="0">
+                <a:latin typeface="Consolas" panose="020B0609020204030204" pitchFamily="49" charset="0"/>
+              </a:rPr>
+              <a:t>CPU D7 &lt;&gt;</a:t>
+            </a:r>
+            <a:endParaRPr lang="en-US" sz="1400" dirty="0">
+              <a:latin typeface="Consolas" panose="020B0609020204030204" pitchFamily="49" charset="0"/>
+            </a:endParaRPr>
+          </a:p>
+        </p:txBody>
+      </p:sp>
+      <p:sp>
+        <p:nvSpPr>
+          <p:cNvPr id="81" name="TextBox 80"/>
+          <p:cNvSpPr txBox="1"/>
+          <p:nvPr/>
+        </p:nvSpPr>
+        <p:spPr>
+          <a:xfrm>
+            <a:off x="2786354" y="3399962"/>
+            <a:ext cx="877163" cy="261610"/>
+          </a:xfrm>
+          <a:prstGeom prst="rect">
+            <a:avLst/>
+          </a:prstGeom>
+          <a:noFill/>
+        </p:spPr>
+        <p:txBody>
+          <a:bodyPr wrap="none" rtlCol="0">
+            <a:spAutoFit/>
+          </a:bodyPr>
+          <a:lstStyle/>
+          <a:p>
+            <a:r>
+              <a:rPr lang="en-US" sz="1100" dirty="0" smtClean="0">
+                <a:latin typeface="Consolas" panose="020B0609020204030204" pitchFamily="49" charset="0"/>
+              </a:rPr>
+              <a:t>CPU A1 -&gt;</a:t>
+            </a:r>
+            <a:endParaRPr lang="en-US" sz="1400" dirty="0">
+              <a:latin typeface="Consolas" panose="020B0609020204030204" pitchFamily="49" charset="0"/>
+            </a:endParaRPr>
+          </a:p>
+        </p:txBody>
+      </p:sp>
+      <p:sp>
+        <p:nvSpPr>
+          <p:cNvPr id="82" name="TextBox 81"/>
+          <p:cNvSpPr txBox="1"/>
+          <p:nvPr/>
+        </p:nvSpPr>
+        <p:spPr>
+          <a:xfrm>
+            <a:off x="2786163" y="3654073"/>
+            <a:ext cx="877163" cy="261610"/>
+          </a:xfrm>
+          <a:prstGeom prst="rect">
+            <a:avLst/>
+          </a:prstGeom>
+          <a:noFill/>
+        </p:spPr>
+        <p:txBody>
+          <a:bodyPr wrap="none" rtlCol="0">
+            <a:spAutoFit/>
+          </a:bodyPr>
+          <a:lstStyle/>
+          <a:p>
+            <a:r>
+              <a:rPr lang="en-US" sz="1100" dirty="0" smtClean="0">
+                <a:latin typeface="Consolas" panose="020B0609020204030204" pitchFamily="49" charset="0"/>
+              </a:rPr>
+              <a:t>CPU A0 -&gt;</a:t>
+            </a:r>
+            <a:endParaRPr lang="en-US" sz="1400" dirty="0">
+              <a:latin typeface="Consolas" panose="020B0609020204030204" pitchFamily="49" charset="0"/>
+            </a:endParaRPr>
+          </a:p>
+        </p:txBody>
+      </p:sp>
+      <p:sp>
+        <p:nvSpPr>
+          <p:cNvPr id="83" name="TextBox 82"/>
+          <p:cNvSpPr txBox="1"/>
+          <p:nvPr/>
+        </p:nvSpPr>
+        <p:spPr>
+          <a:xfrm>
+            <a:off x="2928660" y="4146189"/>
+            <a:ext cx="723275" cy="261610"/>
+          </a:xfrm>
+          <a:prstGeom prst="rect">
+            <a:avLst/>
+          </a:prstGeom>
+          <a:noFill/>
+        </p:spPr>
+        <p:txBody>
+          <a:bodyPr wrap="none" rtlCol="0">
+            <a:spAutoFit/>
+          </a:bodyPr>
+          <a:lstStyle/>
+          <a:p>
+            <a:r>
+              <a:rPr lang="en-US" sz="1100" dirty="0" smtClean="0">
+                <a:latin typeface="Consolas" panose="020B0609020204030204" pitchFamily="49" charset="0"/>
+              </a:rPr>
+              <a:t>EXT0 &lt;&gt;</a:t>
+            </a:r>
+            <a:endParaRPr lang="en-US" sz="1400" dirty="0">
+              <a:latin typeface="Consolas" panose="020B0609020204030204" pitchFamily="49" charset="0"/>
+            </a:endParaRPr>
+          </a:p>
+        </p:txBody>
+      </p:sp>
+      <p:sp>
+        <p:nvSpPr>
+          <p:cNvPr id="84" name="TextBox 83"/>
+          <p:cNvSpPr txBox="1"/>
+          <p:nvPr/>
+        </p:nvSpPr>
+        <p:spPr>
+          <a:xfrm>
+            <a:off x="3007050" y="5628036"/>
+            <a:ext cx="646331" cy="261610"/>
+          </a:xfrm>
+          <a:prstGeom prst="rect">
+            <a:avLst/>
+          </a:prstGeom>
+          <a:noFill/>
+        </p:spPr>
+        <p:txBody>
+          <a:bodyPr wrap="none" rtlCol="0">
+            <a:spAutoFit/>
+          </a:bodyPr>
+          <a:lstStyle/>
+          <a:p>
+            <a:r>
+              <a:rPr lang="en-US" sz="1100" dirty="0" smtClean="0">
+                <a:latin typeface="Consolas" panose="020B0609020204030204" pitchFamily="49" charset="0"/>
+              </a:rPr>
+              <a:t>GND --</a:t>
+            </a:r>
+            <a:endParaRPr lang="en-US" sz="1400" dirty="0">
+              <a:latin typeface="Consolas" panose="020B0609020204030204" pitchFamily="49" charset="0"/>
+            </a:endParaRPr>
+          </a:p>
+        </p:txBody>
+      </p:sp>
+      <p:sp>
+        <p:nvSpPr>
+          <p:cNvPr id="85" name="TextBox 84"/>
+          <p:cNvSpPr txBox="1"/>
+          <p:nvPr/>
+        </p:nvSpPr>
+        <p:spPr>
+          <a:xfrm>
+            <a:off x="5396417" y="989721"/>
+            <a:ext cx="646331" cy="261610"/>
+          </a:xfrm>
+          <a:prstGeom prst="rect">
+            <a:avLst/>
+          </a:prstGeom>
+          <a:noFill/>
+        </p:spPr>
+        <p:txBody>
+          <a:bodyPr wrap="none" rtlCol="0">
+            <a:spAutoFit/>
+          </a:bodyPr>
+          <a:lstStyle/>
+          <a:p>
+            <a:r>
+              <a:rPr lang="en-US" sz="1100" dirty="0" smtClean="0">
+                <a:latin typeface="Consolas" panose="020B0609020204030204" pitchFamily="49" charset="0"/>
+              </a:rPr>
+              <a:t>-- +5V</a:t>
+            </a:r>
+            <a:endParaRPr lang="en-US" sz="1400" dirty="0">
+              <a:latin typeface="Consolas" panose="020B0609020204030204" pitchFamily="49" charset="0"/>
+            </a:endParaRPr>
+          </a:p>
+        </p:txBody>
+      </p:sp>
+      <p:sp>
+        <p:nvSpPr>
+          <p:cNvPr id="86" name="TextBox 85"/>
+          <p:cNvSpPr txBox="1"/>
+          <p:nvPr/>
+        </p:nvSpPr>
+        <p:spPr>
+          <a:xfrm>
+            <a:off x="5396417" y="1232642"/>
+            <a:ext cx="646331" cy="261610"/>
+          </a:xfrm>
+          <a:prstGeom prst="rect">
+            <a:avLst/>
+          </a:prstGeom>
+          <a:noFill/>
+        </p:spPr>
+        <p:txBody>
+          <a:bodyPr wrap="none" rtlCol="0">
+            <a:spAutoFit/>
+          </a:bodyPr>
+          <a:lstStyle/>
+          <a:p>
+            <a:r>
+              <a:rPr lang="en-US" sz="1100" dirty="0" smtClean="0">
+                <a:latin typeface="Consolas" panose="020B0609020204030204" pitchFamily="49" charset="0"/>
+              </a:rPr>
+              <a:t>-&gt; </a:t>
+            </a:r>
+            <a:r>
+              <a:rPr lang="en-US" sz="1100" dirty="0" smtClean="0">
+                <a:latin typeface="Consolas" panose="020B0609020204030204" pitchFamily="49" charset="0"/>
+              </a:rPr>
+              <a:t>ALE</a:t>
+            </a:r>
+            <a:endParaRPr lang="en-US" sz="1400" dirty="0">
+              <a:latin typeface="Consolas" panose="020B0609020204030204" pitchFamily="49" charset="0"/>
+            </a:endParaRPr>
+          </a:p>
+        </p:txBody>
+      </p:sp>
+      <p:sp>
+        <p:nvSpPr>
+          <p:cNvPr id="87" name="TextBox 86"/>
+          <p:cNvSpPr txBox="1"/>
+          <p:nvPr/>
+        </p:nvSpPr>
+        <p:spPr>
+          <a:xfrm>
+            <a:off x="5398114" y="1478432"/>
+            <a:ext cx="954107" cy="261610"/>
+          </a:xfrm>
+          <a:prstGeom prst="rect">
+            <a:avLst/>
+          </a:prstGeom>
+          <a:noFill/>
+        </p:spPr>
+        <p:txBody>
+          <a:bodyPr wrap="none" rtlCol="0">
+            <a:spAutoFit/>
+          </a:bodyPr>
+          <a:lstStyle/>
+          <a:p>
+            <a:r>
+              <a:rPr lang="en-US" sz="1100" dirty="0">
+                <a:latin typeface="Consolas" panose="020B0609020204030204" pitchFamily="49" charset="0"/>
+              </a:rPr>
+              <a:t>&lt;</a:t>
+            </a:r>
+            <a:r>
+              <a:rPr lang="en-US" sz="1100" dirty="0" smtClean="0">
+                <a:latin typeface="Consolas" panose="020B0609020204030204" pitchFamily="49" charset="0"/>
+              </a:rPr>
+              <a:t>&gt; PPU AD0</a:t>
+            </a:r>
+            <a:endParaRPr lang="en-US" sz="1400" dirty="0">
+              <a:latin typeface="Consolas" panose="020B0609020204030204" pitchFamily="49" charset="0"/>
+            </a:endParaRPr>
+          </a:p>
+        </p:txBody>
+      </p:sp>
+      <p:sp>
+        <p:nvSpPr>
+          <p:cNvPr id="88" name="TextBox 87"/>
+          <p:cNvSpPr txBox="1"/>
+          <p:nvPr/>
+        </p:nvSpPr>
+        <p:spPr>
+          <a:xfrm>
+            <a:off x="5396417" y="1711020"/>
+            <a:ext cx="954107" cy="261610"/>
+          </a:xfrm>
+          <a:prstGeom prst="rect">
+            <a:avLst/>
+          </a:prstGeom>
+          <a:noFill/>
+        </p:spPr>
+        <p:txBody>
+          <a:bodyPr wrap="none" rtlCol="0">
+            <a:spAutoFit/>
+          </a:bodyPr>
+          <a:lstStyle/>
+          <a:p>
+            <a:r>
+              <a:rPr lang="en-US" sz="1100" dirty="0">
+                <a:latin typeface="Consolas" panose="020B0609020204030204" pitchFamily="49" charset="0"/>
+              </a:rPr>
+              <a:t>&lt;</a:t>
+            </a:r>
+            <a:r>
+              <a:rPr lang="en-US" sz="1100" dirty="0" smtClean="0">
+                <a:latin typeface="Consolas" panose="020B0609020204030204" pitchFamily="49" charset="0"/>
+              </a:rPr>
+              <a:t>&gt; PPU AD1</a:t>
+            </a:r>
+            <a:endParaRPr lang="en-US" sz="1400" dirty="0">
+              <a:latin typeface="Consolas" panose="020B0609020204030204" pitchFamily="49" charset="0"/>
+            </a:endParaRPr>
+          </a:p>
+        </p:txBody>
+      </p:sp>
+      <p:sp>
+        <p:nvSpPr>
+          <p:cNvPr id="89" name="TextBox 88"/>
+          <p:cNvSpPr txBox="1"/>
+          <p:nvPr/>
+        </p:nvSpPr>
+        <p:spPr>
+          <a:xfrm>
+            <a:off x="5396417" y="1948486"/>
+            <a:ext cx="954107" cy="261610"/>
+          </a:xfrm>
+          <a:prstGeom prst="rect">
+            <a:avLst/>
+          </a:prstGeom>
+          <a:noFill/>
+        </p:spPr>
+        <p:txBody>
+          <a:bodyPr wrap="none" rtlCol="0">
+            <a:spAutoFit/>
+          </a:bodyPr>
+          <a:lstStyle/>
+          <a:p>
+            <a:r>
+              <a:rPr lang="en-US" sz="1100" dirty="0">
+                <a:latin typeface="Consolas" panose="020B0609020204030204" pitchFamily="49" charset="0"/>
+              </a:rPr>
+              <a:t>&lt;</a:t>
+            </a:r>
+            <a:r>
+              <a:rPr lang="en-US" sz="1100" dirty="0" smtClean="0">
+                <a:latin typeface="Consolas" panose="020B0609020204030204" pitchFamily="49" charset="0"/>
+              </a:rPr>
+              <a:t>&gt; PPU AD2</a:t>
+            </a:r>
+            <a:endParaRPr lang="en-US" sz="1400" dirty="0">
+              <a:latin typeface="Consolas" panose="020B0609020204030204" pitchFamily="49" charset="0"/>
+            </a:endParaRPr>
+          </a:p>
+        </p:txBody>
+      </p:sp>
+      <p:sp>
+        <p:nvSpPr>
+          <p:cNvPr id="90" name="TextBox 89"/>
+          <p:cNvSpPr txBox="1"/>
+          <p:nvPr/>
+        </p:nvSpPr>
+        <p:spPr>
+          <a:xfrm>
+            <a:off x="5396417" y="2190650"/>
+            <a:ext cx="954107" cy="261610"/>
+          </a:xfrm>
+          <a:prstGeom prst="rect">
+            <a:avLst/>
+          </a:prstGeom>
+          <a:noFill/>
+        </p:spPr>
+        <p:txBody>
+          <a:bodyPr wrap="none" rtlCol="0">
+            <a:spAutoFit/>
+          </a:bodyPr>
+          <a:lstStyle/>
+          <a:p>
+            <a:r>
+              <a:rPr lang="en-US" sz="1100" dirty="0">
+                <a:latin typeface="Consolas" panose="020B0609020204030204" pitchFamily="49" charset="0"/>
+              </a:rPr>
+              <a:t>&lt;</a:t>
+            </a:r>
+            <a:r>
+              <a:rPr lang="en-US" sz="1100" dirty="0" smtClean="0">
+                <a:latin typeface="Consolas" panose="020B0609020204030204" pitchFamily="49" charset="0"/>
+              </a:rPr>
+              <a:t>&gt; PPU AD3</a:t>
+            </a:r>
+            <a:endParaRPr lang="en-US" sz="1400" dirty="0">
+              <a:latin typeface="Consolas" panose="020B0609020204030204" pitchFamily="49" charset="0"/>
+            </a:endParaRPr>
+          </a:p>
+        </p:txBody>
+      </p:sp>
+      <p:sp>
+        <p:nvSpPr>
+          <p:cNvPr id="91" name="TextBox 90"/>
+          <p:cNvSpPr txBox="1"/>
+          <p:nvPr/>
+        </p:nvSpPr>
+        <p:spPr>
+          <a:xfrm>
+            <a:off x="5396417" y="2436691"/>
+            <a:ext cx="954107" cy="261610"/>
+          </a:xfrm>
+          <a:prstGeom prst="rect">
+            <a:avLst/>
+          </a:prstGeom>
+          <a:noFill/>
+        </p:spPr>
+        <p:txBody>
+          <a:bodyPr wrap="none" rtlCol="0">
+            <a:spAutoFit/>
+          </a:bodyPr>
+          <a:lstStyle/>
+          <a:p>
+            <a:r>
+              <a:rPr lang="en-US" sz="1100" dirty="0">
+                <a:latin typeface="Consolas" panose="020B0609020204030204" pitchFamily="49" charset="0"/>
+              </a:rPr>
+              <a:t>&lt;</a:t>
+            </a:r>
+            <a:r>
+              <a:rPr lang="en-US" sz="1100" dirty="0" smtClean="0">
+                <a:latin typeface="Consolas" panose="020B0609020204030204" pitchFamily="49" charset="0"/>
+              </a:rPr>
+              <a:t>&gt; PPU AD4</a:t>
+            </a:r>
+            <a:endParaRPr lang="en-US" sz="1400" dirty="0">
+              <a:latin typeface="Consolas" panose="020B0609020204030204" pitchFamily="49" charset="0"/>
+            </a:endParaRPr>
+          </a:p>
+        </p:txBody>
+      </p:sp>
+      <p:sp>
+        <p:nvSpPr>
+          <p:cNvPr id="92" name="TextBox 91"/>
+          <p:cNvSpPr txBox="1"/>
+          <p:nvPr/>
+        </p:nvSpPr>
+        <p:spPr>
+          <a:xfrm>
+            <a:off x="5399545" y="2674330"/>
+            <a:ext cx="954107" cy="261610"/>
+          </a:xfrm>
+          <a:prstGeom prst="rect">
+            <a:avLst/>
+          </a:prstGeom>
+          <a:noFill/>
+        </p:spPr>
+        <p:txBody>
+          <a:bodyPr wrap="none" rtlCol="0">
+            <a:spAutoFit/>
+          </a:bodyPr>
+          <a:lstStyle/>
+          <a:p>
+            <a:r>
+              <a:rPr lang="en-US" sz="1100" dirty="0" smtClean="0">
+                <a:latin typeface="Consolas" panose="020B0609020204030204" pitchFamily="49" charset="0"/>
+              </a:rPr>
+              <a:t>&lt;&gt; PPU AD5</a:t>
+            </a:r>
+            <a:endParaRPr lang="en-US" sz="1400" dirty="0">
+              <a:latin typeface="Consolas" panose="020B0609020204030204" pitchFamily="49" charset="0"/>
+            </a:endParaRPr>
+          </a:p>
+        </p:txBody>
+      </p:sp>
+      <p:sp>
+        <p:nvSpPr>
+          <p:cNvPr id="93" name="TextBox 92"/>
+          <p:cNvSpPr txBox="1"/>
+          <p:nvPr/>
+        </p:nvSpPr>
+        <p:spPr>
+          <a:xfrm>
+            <a:off x="5400637" y="2911027"/>
+            <a:ext cx="954107" cy="261610"/>
+          </a:xfrm>
+          <a:prstGeom prst="rect">
+            <a:avLst/>
+          </a:prstGeom>
+          <a:noFill/>
+        </p:spPr>
+        <p:txBody>
+          <a:bodyPr wrap="none" rtlCol="0">
+            <a:spAutoFit/>
+          </a:bodyPr>
+          <a:lstStyle/>
+          <a:p>
+            <a:r>
+              <a:rPr lang="en-US" sz="1100" dirty="0" smtClean="0">
+                <a:latin typeface="Consolas" panose="020B0609020204030204" pitchFamily="49" charset="0"/>
+              </a:rPr>
+              <a:t>&lt;&gt; PPU AD6</a:t>
+            </a:r>
+            <a:endParaRPr lang="en-US" sz="1400" dirty="0">
+              <a:latin typeface="Consolas" panose="020B0609020204030204" pitchFamily="49" charset="0"/>
+            </a:endParaRPr>
+          </a:p>
+        </p:txBody>
+      </p:sp>
+      <p:sp>
+        <p:nvSpPr>
+          <p:cNvPr id="94" name="TextBox 93"/>
+          <p:cNvSpPr txBox="1"/>
+          <p:nvPr/>
+        </p:nvSpPr>
+        <p:spPr>
+          <a:xfrm>
+            <a:off x="5396417" y="3164566"/>
+            <a:ext cx="954107" cy="261610"/>
+          </a:xfrm>
+          <a:prstGeom prst="rect">
+            <a:avLst/>
+          </a:prstGeom>
+          <a:noFill/>
+        </p:spPr>
+        <p:txBody>
+          <a:bodyPr wrap="none" rtlCol="0">
+            <a:spAutoFit/>
+          </a:bodyPr>
+          <a:lstStyle/>
+          <a:p>
+            <a:r>
+              <a:rPr lang="en-US" sz="1100" dirty="0" smtClean="0">
+                <a:latin typeface="Consolas" panose="020B0609020204030204" pitchFamily="49" charset="0"/>
+              </a:rPr>
+              <a:t>&lt;&gt; PPU AD7</a:t>
+            </a:r>
+            <a:endParaRPr lang="en-US" sz="1400" dirty="0">
+              <a:latin typeface="Consolas" panose="020B0609020204030204" pitchFamily="49" charset="0"/>
+            </a:endParaRPr>
+          </a:p>
+        </p:txBody>
+      </p:sp>
+      <p:sp>
+        <p:nvSpPr>
+          <p:cNvPr id="95" name="TextBox 94"/>
+          <p:cNvSpPr txBox="1"/>
+          <p:nvPr/>
+        </p:nvSpPr>
+        <p:spPr>
+          <a:xfrm>
+            <a:off x="5405067" y="3410491"/>
+            <a:ext cx="877163" cy="261610"/>
+          </a:xfrm>
+          <a:prstGeom prst="rect">
+            <a:avLst/>
+          </a:prstGeom>
+          <a:noFill/>
+        </p:spPr>
+        <p:txBody>
+          <a:bodyPr wrap="none" rtlCol="0">
+            <a:spAutoFit/>
+          </a:bodyPr>
+          <a:lstStyle/>
+          <a:p>
+            <a:r>
+              <a:rPr lang="en-US" sz="1100" dirty="0" smtClean="0">
+                <a:latin typeface="Consolas" panose="020B0609020204030204" pitchFamily="49" charset="0"/>
+              </a:rPr>
+              <a:t>-&gt; PPU A8</a:t>
+            </a:r>
+            <a:endParaRPr lang="en-US" sz="1400" dirty="0">
+              <a:latin typeface="Consolas" panose="020B0609020204030204" pitchFamily="49" charset="0"/>
+            </a:endParaRPr>
+          </a:p>
+        </p:txBody>
+      </p:sp>
+      <p:sp>
+        <p:nvSpPr>
+          <p:cNvPr id="96" name="TextBox 95"/>
+          <p:cNvSpPr txBox="1"/>
+          <p:nvPr/>
+        </p:nvSpPr>
+        <p:spPr>
+          <a:xfrm>
+            <a:off x="5405067" y="3663927"/>
+            <a:ext cx="877163" cy="261610"/>
+          </a:xfrm>
+          <a:prstGeom prst="rect">
+            <a:avLst/>
+          </a:prstGeom>
+          <a:noFill/>
+        </p:spPr>
+        <p:txBody>
+          <a:bodyPr wrap="none" rtlCol="0">
+            <a:spAutoFit/>
+          </a:bodyPr>
+          <a:lstStyle/>
+          <a:p>
+            <a:r>
+              <a:rPr lang="en-US" sz="1100" dirty="0" smtClean="0">
+                <a:latin typeface="Consolas" panose="020B0609020204030204" pitchFamily="49" charset="0"/>
+              </a:rPr>
+              <a:t>-&gt;</a:t>
+            </a:r>
+            <a:r>
+              <a:rPr lang="en-US" sz="1100" dirty="0" smtClean="0">
+                <a:latin typeface="Consolas" panose="020B0609020204030204" pitchFamily="49" charset="0"/>
+              </a:rPr>
+              <a:t> PPU A9</a:t>
+            </a:r>
+            <a:endParaRPr lang="en-US" sz="1400" dirty="0">
+              <a:latin typeface="Consolas" panose="020B0609020204030204" pitchFamily="49" charset="0"/>
+            </a:endParaRPr>
+          </a:p>
+        </p:txBody>
+      </p:sp>
+      <p:sp>
+        <p:nvSpPr>
+          <p:cNvPr id="97" name="TextBox 96"/>
+          <p:cNvSpPr txBox="1"/>
+          <p:nvPr/>
+        </p:nvSpPr>
+        <p:spPr>
+          <a:xfrm>
+            <a:off x="5405067" y="3898696"/>
+            <a:ext cx="954107" cy="261610"/>
+          </a:xfrm>
+          <a:prstGeom prst="rect">
+            <a:avLst/>
+          </a:prstGeom>
+          <a:noFill/>
+        </p:spPr>
+        <p:txBody>
+          <a:bodyPr wrap="none" rtlCol="0">
+            <a:spAutoFit/>
+          </a:bodyPr>
+          <a:lstStyle/>
+          <a:p>
+            <a:r>
+              <a:rPr lang="en-US" sz="1100" dirty="0">
+                <a:latin typeface="Consolas" panose="020B0609020204030204" pitchFamily="49" charset="0"/>
+              </a:rPr>
+              <a:t>-</a:t>
+            </a:r>
+            <a:r>
+              <a:rPr lang="en-US" sz="1100" dirty="0" smtClean="0">
+                <a:latin typeface="Consolas" panose="020B0609020204030204" pitchFamily="49" charset="0"/>
+              </a:rPr>
+              <a:t>&gt; PPU A10</a:t>
+            </a:r>
+            <a:endParaRPr lang="en-US" sz="1400" dirty="0">
+              <a:latin typeface="Consolas" panose="020B0609020204030204" pitchFamily="49" charset="0"/>
+            </a:endParaRPr>
+          </a:p>
+        </p:txBody>
+      </p:sp>
+      <p:sp>
+        <p:nvSpPr>
+          <p:cNvPr id="98" name="TextBox 97"/>
+          <p:cNvSpPr txBox="1"/>
+          <p:nvPr/>
+        </p:nvSpPr>
+        <p:spPr>
+          <a:xfrm>
+            <a:off x="5405067" y="4144100"/>
+            <a:ext cx="954107" cy="261610"/>
+          </a:xfrm>
+          <a:prstGeom prst="rect">
+            <a:avLst/>
+          </a:prstGeom>
+          <a:noFill/>
+        </p:spPr>
+        <p:txBody>
+          <a:bodyPr wrap="none" rtlCol="0">
+            <a:spAutoFit/>
+          </a:bodyPr>
+          <a:lstStyle/>
+          <a:p>
+            <a:r>
+              <a:rPr lang="en-US" sz="1100" dirty="0">
+                <a:latin typeface="Consolas" panose="020B0609020204030204" pitchFamily="49" charset="0"/>
+              </a:rPr>
+              <a:t>-</a:t>
+            </a:r>
+            <a:r>
+              <a:rPr lang="en-US" sz="1100" dirty="0" smtClean="0">
+                <a:latin typeface="Consolas" panose="020B0609020204030204" pitchFamily="49" charset="0"/>
+              </a:rPr>
+              <a:t>&gt; PPU A11</a:t>
+            </a:r>
+            <a:endParaRPr lang="en-US" sz="1400" dirty="0">
+              <a:latin typeface="Consolas" panose="020B0609020204030204" pitchFamily="49" charset="0"/>
+            </a:endParaRPr>
+          </a:p>
+        </p:txBody>
+      </p:sp>
+      <p:sp>
+        <p:nvSpPr>
+          <p:cNvPr id="99" name="TextBox 98"/>
+          <p:cNvSpPr txBox="1"/>
+          <p:nvPr/>
+        </p:nvSpPr>
+        <p:spPr>
+          <a:xfrm>
+            <a:off x="5405066" y="4393629"/>
+            <a:ext cx="954107" cy="261610"/>
+          </a:xfrm>
+          <a:prstGeom prst="rect">
+            <a:avLst/>
+          </a:prstGeom>
+          <a:noFill/>
+        </p:spPr>
+        <p:txBody>
+          <a:bodyPr wrap="none" rtlCol="0">
+            <a:spAutoFit/>
+          </a:bodyPr>
+          <a:lstStyle/>
+          <a:p>
+            <a:r>
+              <a:rPr lang="en-US" sz="1100" dirty="0">
+                <a:latin typeface="Consolas" panose="020B0609020204030204" pitchFamily="49" charset="0"/>
+              </a:rPr>
+              <a:t>-</a:t>
+            </a:r>
+            <a:r>
+              <a:rPr lang="en-US" sz="1100" dirty="0" smtClean="0">
+                <a:latin typeface="Consolas" panose="020B0609020204030204" pitchFamily="49" charset="0"/>
+              </a:rPr>
+              <a:t>&gt; PPU A12</a:t>
+            </a:r>
+            <a:endParaRPr lang="en-US" sz="1400" dirty="0">
+              <a:latin typeface="Consolas" panose="020B0609020204030204" pitchFamily="49" charset="0"/>
+            </a:endParaRPr>
+          </a:p>
+        </p:txBody>
+      </p:sp>
+      <p:sp>
+        <p:nvSpPr>
+          <p:cNvPr id="100" name="TextBox 99"/>
+          <p:cNvSpPr txBox="1"/>
+          <p:nvPr/>
+        </p:nvSpPr>
+        <p:spPr>
+          <a:xfrm>
+            <a:off x="5405066" y="4634004"/>
+            <a:ext cx="954107" cy="261610"/>
+          </a:xfrm>
+          <a:prstGeom prst="rect">
+            <a:avLst/>
+          </a:prstGeom>
+          <a:noFill/>
+        </p:spPr>
+        <p:txBody>
+          <a:bodyPr wrap="none" rtlCol="0">
+            <a:spAutoFit/>
+          </a:bodyPr>
+          <a:lstStyle/>
+          <a:p>
+            <a:r>
+              <a:rPr lang="en-US" sz="1100" dirty="0">
+                <a:latin typeface="Consolas" panose="020B0609020204030204" pitchFamily="49" charset="0"/>
+              </a:rPr>
+              <a:t>-</a:t>
+            </a:r>
+            <a:r>
+              <a:rPr lang="en-US" sz="1100" dirty="0" smtClean="0">
+                <a:latin typeface="Consolas" panose="020B0609020204030204" pitchFamily="49" charset="0"/>
+              </a:rPr>
+              <a:t>&gt; PPU A13</a:t>
+            </a:r>
+            <a:endParaRPr lang="en-US" sz="1400" dirty="0">
+              <a:latin typeface="Consolas" panose="020B0609020204030204" pitchFamily="49" charset="0"/>
+            </a:endParaRPr>
+          </a:p>
+        </p:txBody>
+      </p:sp>
+      <p:sp>
+        <p:nvSpPr>
+          <p:cNvPr id="101" name="TextBox 100"/>
+          <p:cNvSpPr txBox="1"/>
+          <p:nvPr/>
+        </p:nvSpPr>
+        <p:spPr>
+          <a:xfrm>
+            <a:off x="5405066" y="4885331"/>
+            <a:ext cx="569387" cy="261610"/>
+          </a:xfrm>
+          <a:prstGeom prst="rect">
+            <a:avLst/>
+          </a:prstGeom>
+          <a:noFill/>
+        </p:spPr>
+        <p:txBody>
+          <a:bodyPr wrap="none" rtlCol="0">
+            <a:spAutoFit/>
+          </a:bodyPr>
+          <a:lstStyle/>
+          <a:p>
+            <a:r>
+              <a:rPr lang="en-US" sz="1100" dirty="0">
+                <a:latin typeface="Consolas" panose="020B0609020204030204" pitchFamily="49" charset="0"/>
+              </a:rPr>
+              <a:t>-</a:t>
+            </a:r>
+            <a:r>
+              <a:rPr lang="en-US" sz="1100" dirty="0" smtClean="0">
+                <a:latin typeface="Consolas" panose="020B0609020204030204" pitchFamily="49" charset="0"/>
+              </a:rPr>
+              <a:t>&gt; RD</a:t>
+            </a:r>
+            <a:endParaRPr lang="en-US" sz="1400" dirty="0">
+              <a:latin typeface="Consolas" panose="020B0609020204030204" pitchFamily="49" charset="0"/>
+            </a:endParaRPr>
+          </a:p>
+        </p:txBody>
+      </p:sp>
+      <p:sp>
+        <p:nvSpPr>
+          <p:cNvPr id="102" name="TextBox 101"/>
+          <p:cNvSpPr txBox="1"/>
+          <p:nvPr/>
+        </p:nvSpPr>
+        <p:spPr>
+          <a:xfrm>
+            <a:off x="5404876" y="5622285"/>
+            <a:ext cx="723275" cy="261610"/>
+          </a:xfrm>
+          <a:prstGeom prst="rect">
+            <a:avLst/>
+          </a:prstGeom>
+          <a:noFill/>
+        </p:spPr>
+        <p:txBody>
+          <a:bodyPr wrap="none" rtlCol="0">
+            <a:spAutoFit/>
+          </a:bodyPr>
+          <a:lstStyle/>
+          <a:p>
+            <a:r>
+              <a:rPr lang="en-US" sz="1100" dirty="0">
+                <a:latin typeface="Consolas" panose="020B0609020204030204" pitchFamily="49" charset="0"/>
+              </a:rPr>
+              <a:t>-</a:t>
+            </a:r>
+            <a:r>
+              <a:rPr lang="en-US" sz="1100" dirty="0" smtClean="0">
+                <a:latin typeface="Consolas" panose="020B0609020204030204" pitchFamily="49" charset="0"/>
+              </a:rPr>
+              <a:t>&gt; VOUT</a:t>
+            </a:r>
+            <a:endParaRPr lang="en-US" sz="1400" dirty="0">
+              <a:latin typeface="Consolas" panose="020B0609020204030204" pitchFamily="49" charset="0"/>
+            </a:endParaRPr>
+          </a:p>
+        </p:txBody>
+      </p:sp>
+      <p:sp>
+        <p:nvSpPr>
+          <p:cNvPr id="103" name="TextBox 102"/>
+          <p:cNvSpPr txBox="1"/>
+          <p:nvPr/>
+        </p:nvSpPr>
+        <p:spPr>
+          <a:xfrm>
+            <a:off x="5404876" y="5375671"/>
+            <a:ext cx="646331" cy="261610"/>
+          </a:xfrm>
+          <a:prstGeom prst="rect">
+            <a:avLst/>
+          </a:prstGeom>
+          <a:noFill/>
+        </p:spPr>
+        <p:txBody>
+          <a:bodyPr wrap="none" rtlCol="0">
+            <a:spAutoFit/>
+          </a:bodyPr>
+          <a:lstStyle/>
+          <a:p>
+            <a:r>
+              <a:rPr lang="en-US" sz="1100" dirty="0" smtClean="0">
+                <a:latin typeface="Consolas" panose="020B0609020204030204" pitchFamily="49" charset="0"/>
+              </a:rPr>
+              <a:t>&lt;- RST</a:t>
+            </a:r>
+            <a:endParaRPr lang="en-US" sz="1400" dirty="0">
+              <a:latin typeface="Consolas" panose="020B0609020204030204" pitchFamily="49" charset="0"/>
+            </a:endParaRPr>
+          </a:p>
+        </p:txBody>
+      </p:sp>
+      <p:sp>
+        <p:nvSpPr>
+          <p:cNvPr id="104" name="TextBox 103"/>
+          <p:cNvSpPr txBox="1"/>
+          <p:nvPr/>
+        </p:nvSpPr>
+        <p:spPr>
+          <a:xfrm>
+            <a:off x="5404876" y="5131945"/>
+            <a:ext cx="569387" cy="261610"/>
+          </a:xfrm>
+          <a:prstGeom prst="rect">
+            <a:avLst/>
+          </a:prstGeom>
+          <a:noFill/>
+        </p:spPr>
+        <p:txBody>
+          <a:bodyPr wrap="none" rtlCol="0">
+            <a:spAutoFit/>
+          </a:bodyPr>
+          <a:lstStyle/>
+          <a:p>
+            <a:r>
+              <a:rPr lang="en-US" sz="1100" dirty="0">
+                <a:latin typeface="Consolas" panose="020B0609020204030204" pitchFamily="49" charset="0"/>
+              </a:rPr>
+              <a:t>-</a:t>
+            </a:r>
+            <a:r>
+              <a:rPr lang="en-US" sz="1100" dirty="0" smtClean="0">
+                <a:latin typeface="Consolas" panose="020B0609020204030204" pitchFamily="49" charset="0"/>
+              </a:rPr>
+              <a:t>&gt; WR</a:t>
+            </a:r>
+            <a:endParaRPr lang="en-US" sz="1400" dirty="0">
+              <a:latin typeface="Consolas" panose="020B0609020204030204" pitchFamily="49" charset="0"/>
+            </a:endParaRPr>
+          </a:p>
+        </p:txBody>
+      </p:sp>
+    </p:spTree>
+    <p:extLst>
+      <p:ext uri="{BB962C8B-B14F-4D97-AF65-F5344CB8AC3E}">
+        <p14:creationId xmlns:p14="http://schemas.microsoft.com/office/powerpoint/2010/main" val="700801687"/>
+      </p:ext>
+    </p:extLst>
+  </p:cSld>
+  <p:clrMapOvr>
+    <a:masterClrMapping/>
+  </p:clrMapOvr>
+</p:sld>
+</file>
+
 <file path=ppt/theme/theme1.xml><?xml version="1.0" encoding="utf-8"?>
 <a:theme xmlns:a="http://schemas.openxmlformats.org/drawingml/2006/main" name="Office Theme">
   <a:themeElements>

--- a/Scheme/Scheme.pptx
+++ b/Scheme/Scheme.pptx
@@ -4,10 +4,14 @@
   <p:sldMasterIdLst>
     <p:sldMasterId id="2147483660" r:id="rId1"/>
   </p:sldMasterIdLst>
+  <p:notesMasterIdLst>
+    <p:notesMasterId r:id="rId6"/>
+  </p:notesMasterIdLst>
   <p:sldIdLst>
     <p:sldId id="256" r:id="rId2"/>
     <p:sldId id="257" r:id="rId3"/>
     <p:sldId id="258" r:id="rId4"/>
+    <p:sldId id="259" r:id="rId5"/>
   </p:sldIdLst>
   <p:sldSz cx="9144000" cy="6858000" type="screen4x3"/>
   <p:notesSz cx="6858000" cy="9144000"/>
@@ -114,6 +118,356 @@
 </p:presentation>
 </file>
 
+<file path=ppt/notesMasters/notesMaster1.xml><?xml version="1.0" encoding="utf-8"?>
+<p:notesMaster xmlns:a="http://schemas.openxmlformats.org/drawingml/2006/main" xmlns:r="http://schemas.openxmlformats.org/officeDocument/2006/relationships" xmlns:p="http://schemas.openxmlformats.org/presentationml/2006/main">
+  <p:cSld>
+    <p:bg>
+      <p:bgRef idx="1001">
+        <a:schemeClr val="bg1"/>
+      </p:bgRef>
+    </p:bg>
+    <p:spTree>
+      <p:nvGrpSpPr>
+        <p:cNvPr id="1" name=""/>
+        <p:cNvGrpSpPr/>
+        <p:nvPr/>
+      </p:nvGrpSpPr>
+      <p:grpSpPr>
+        <a:xfrm>
+          <a:off x="0" y="0"/>
+          <a:ext cx="0" cy="0"/>
+          <a:chOff x="0" y="0"/>
+          <a:chExt cx="0" cy="0"/>
+        </a:xfrm>
+      </p:grpSpPr>
+      <p:sp>
+        <p:nvSpPr>
+          <p:cNvPr id="2" name="Header Placeholder 1"/>
+          <p:cNvSpPr>
+            <a:spLocks noGrp="1"/>
+          </p:cNvSpPr>
+          <p:nvPr>
+            <p:ph type="hdr" sz="quarter"/>
+          </p:nvPr>
+        </p:nvSpPr>
+        <p:spPr>
+          <a:xfrm>
+            <a:off x="0" y="0"/>
+            <a:ext cx="2971800" cy="458788"/>
+          </a:xfrm>
+          <a:prstGeom prst="rect">
+            <a:avLst/>
+          </a:prstGeom>
+        </p:spPr>
+        <p:txBody>
+          <a:bodyPr vert="horz" lIns="91440" tIns="45720" rIns="91440" bIns="45720" rtlCol="0"/>
+          <a:lstStyle>
+            <a:lvl1pPr algn="l">
+              <a:defRPr sz="1200"/>
+            </a:lvl1pPr>
+          </a:lstStyle>
+          <a:p>
+            <a:endParaRPr lang="en-US"/>
+          </a:p>
+        </p:txBody>
+      </p:sp>
+      <p:sp>
+        <p:nvSpPr>
+          <p:cNvPr id="3" name="Date Placeholder 2"/>
+          <p:cNvSpPr>
+            <a:spLocks noGrp="1"/>
+          </p:cNvSpPr>
+          <p:nvPr>
+            <p:ph type="dt" idx="1"/>
+          </p:nvPr>
+        </p:nvSpPr>
+        <p:spPr>
+          <a:xfrm>
+            <a:off x="3884613" y="0"/>
+            <a:ext cx="2971800" cy="458788"/>
+          </a:xfrm>
+          <a:prstGeom prst="rect">
+            <a:avLst/>
+          </a:prstGeom>
+        </p:spPr>
+        <p:txBody>
+          <a:bodyPr vert="horz" lIns="91440" tIns="45720" rIns="91440" bIns="45720" rtlCol="0"/>
+          <a:lstStyle>
+            <a:lvl1pPr algn="r">
+              <a:defRPr sz="1200"/>
+            </a:lvl1pPr>
+          </a:lstStyle>
+          <a:p>
+            <a:fld id="{5DE9CCF9-CE14-4118-B675-AC72CDF038E6}" type="datetimeFigureOut">
+              <a:rPr lang="en-US" smtClean="0"/>
+              <a:t>4/13/2019</a:t>
+            </a:fld>
+            <a:endParaRPr lang="en-US"/>
+          </a:p>
+        </p:txBody>
+      </p:sp>
+      <p:sp>
+        <p:nvSpPr>
+          <p:cNvPr id="4" name="Slide Image Placeholder 3"/>
+          <p:cNvSpPr>
+            <a:spLocks noGrp="1" noRot="1" noChangeAspect="1"/>
+          </p:cNvSpPr>
+          <p:nvPr>
+            <p:ph type="sldImg" idx="2"/>
+          </p:nvPr>
+        </p:nvSpPr>
+        <p:spPr>
+          <a:xfrm>
+            <a:off x="1371600" y="1143000"/>
+            <a:ext cx="4114800" cy="3086100"/>
+          </a:xfrm>
+          <a:prstGeom prst="rect">
+            <a:avLst/>
+          </a:prstGeom>
+          <a:noFill/>
+          <a:ln w="12700">
+            <a:solidFill>
+              <a:prstClr val="black"/>
+            </a:solidFill>
+          </a:ln>
+        </p:spPr>
+        <p:txBody>
+          <a:bodyPr vert="horz" lIns="91440" tIns="45720" rIns="91440" bIns="45720" rtlCol="0" anchor="ctr"/>
+          <a:lstStyle/>
+          <a:p>
+            <a:endParaRPr lang="en-US"/>
+          </a:p>
+        </p:txBody>
+      </p:sp>
+      <p:sp>
+        <p:nvSpPr>
+          <p:cNvPr id="5" name="Notes Placeholder 4"/>
+          <p:cNvSpPr>
+            <a:spLocks noGrp="1"/>
+          </p:cNvSpPr>
+          <p:nvPr>
+            <p:ph type="body" sz="quarter" idx="3"/>
+          </p:nvPr>
+        </p:nvSpPr>
+        <p:spPr>
+          <a:xfrm>
+            <a:off x="685800" y="4400550"/>
+            <a:ext cx="5486400" cy="3600450"/>
+          </a:xfrm>
+          <a:prstGeom prst="rect">
+            <a:avLst/>
+          </a:prstGeom>
+        </p:spPr>
+        <p:txBody>
+          <a:bodyPr vert="horz" lIns="91440" tIns="45720" rIns="91440" bIns="45720" rtlCol="0"/>
+          <a:lstStyle/>
+          <a:p>
+            <a:pPr lvl="0"/>
+            <a:r>
+              <a:rPr lang="en-US" smtClean="0"/>
+              <a:t>Edit Master text styles</a:t>
+            </a:r>
+          </a:p>
+          <a:p>
+            <a:pPr lvl="1"/>
+            <a:r>
+              <a:rPr lang="en-US" smtClean="0"/>
+              <a:t>Second level</a:t>
+            </a:r>
+          </a:p>
+          <a:p>
+            <a:pPr lvl="2"/>
+            <a:r>
+              <a:rPr lang="en-US" smtClean="0"/>
+              <a:t>Third level</a:t>
+            </a:r>
+          </a:p>
+          <a:p>
+            <a:pPr lvl="3"/>
+            <a:r>
+              <a:rPr lang="en-US" smtClean="0"/>
+              <a:t>Fourth level</a:t>
+            </a:r>
+          </a:p>
+          <a:p>
+            <a:pPr lvl="4"/>
+            <a:r>
+              <a:rPr lang="en-US" smtClean="0"/>
+              <a:t>Fifth level</a:t>
+            </a:r>
+            <a:endParaRPr lang="en-US"/>
+          </a:p>
+        </p:txBody>
+      </p:sp>
+      <p:sp>
+        <p:nvSpPr>
+          <p:cNvPr id="6" name="Footer Placeholder 5"/>
+          <p:cNvSpPr>
+            <a:spLocks noGrp="1"/>
+          </p:cNvSpPr>
+          <p:nvPr>
+            <p:ph type="ftr" sz="quarter" idx="4"/>
+          </p:nvPr>
+        </p:nvSpPr>
+        <p:spPr>
+          <a:xfrm>
+            <a:off x="0" y="8685213"/>
+            <a:ext cx="2971800" cy="458787"/>
+          </a:xfrm>
+          <a:prstGeom prst="rect">
+            <a:avLst/>
+          </a:prstGeom>
+        </p:spPr>
+        <p:txBody>
+          <a:bodyPr vert="horz" lIns="91440" tIns="45720" rIns="91440" bIns="45720" rtlCol="0" anchor="b"/>
+          <a:lstStyle>
+            <a:lvl1pPr algn="l">
+              <a:defRPr sz="1200"/>
+            </a:lvl1pPr>
+          </a:lstStyle>
+          <a:p>
+            <a:endParaRPr lang="en-US"/>
+          </a:p>
+        </p:txBody>
+      </p:sp>
+      <p:sp>
+        <p:nvSpPr>
+          <p:cNvPr id="7" name="Slide Number Placeholder 6"/>
+          <p:cNvSpPr>
+            <a:spLocks noGrp="1"/>
+          </p:cNvSpPr>
+          <p:nvPr>
+            <p:ph type="sldNum" sz="quarter" idx="5"/>
+          </p:nvPr>
+        </p:nvSpPr>
+        <p:spPr>
+          <a:xfrm>
+            <a:off x="3884613" y="8685213"/>
+            <a:ext cx="2971800" cy="458787"/>
+          </a:xfrm>
+          <a:prstGeom prst="rect">
+            <a:avLst/>
+          </a:prstGeom>
+        </p:spPr>
+        <p:txBody>
+          <a:bodyPr vert="horz" lIns="91440" tIns="45720" rIns="91440" bIns="45720" rtlCol="0" anchor="b"/>
+          <a:lstStyle>
+            <a:lvl1pPr algn="r">
+              <a:defRPr sz="1200"/>
+            </a:lvl1pPr>
+          </a:lstStyle>
+          <a:p>
+            <a:fld id="{E4D6523C-5747-403A-9CC7-683D90EE6A91}" type="slidenum">
+              <a:rPr lang="en-US" smtClean="0"/>
+              <a:t>‹#›</a:t>
+            </a:fld>
+            <a:endParaRPr lang="en-US"/>
+          </a:p>
+        </p:txBody>
+      </p:sp>
+    </p:spTree>
+    <p:extLst>
+      <p:ext uri="{BB962C8B-B14F-4D97-AF65-F5344CB8AC3E}">
+        <p14:creationId xmlns:p14="http://schemas.microsoft.com/office/powerpoint/2010/main" val="2753909377"/>
+      </p:ext>
+    </p:extLst>
+  </p:cSld>
+  <p:clrMap bg1="lt1" tx1="dk1" bg2="lt2" tx2="dk2" accent1="accent1" accent2="accent2" accent3="accent3" accent4="accent4" accent5="accent5" accent6="accent6" hlink="hlink" folHlink="folHlink"/>
+  <p:notesStyle>
+    <a:lvl1pPr marL="0" algn="l" defTabSz="914400" rtl="0" eaLnBrk="1" latinLnBrk="0" hangingPunct="1">
+      <a:defRPr sz="1200" kern="1200">
+        <a:solidFill>
+          <a:schemeClr val="tx1"/>
+        </a:solidFill>
+        <a:latin typeface="+mn-lt"/>
+        <a:ea typeface="+mn-ea"/>
+        <a:cs typeface="+mn-cs"/>
+      </a:defRPr>
+    </a:lvl1pPr>
+    <a:lvl2pPr marL="457200" algn="l" defTabSz="914400" rtl="0" eaLnBrk="1" latinLnBrk="0" hangingPunct="1">
+      <a:defRPr sz="1200" kern="1200">
+        <a:solidFill>
+          <a:schemeClr val="tx1"/>
+        </a:solidFill>
+        <a:latin typeface="+mn-lt"/>
+        <a:ea typeface="+mn-ea"/>
+        <a:cs typeface="+mn-cs"/>
+      </a:defRPr>
+    </a:lvl2pPr>
+    <a:lvl3pPr marL="914400" algn="l" defTabSz="914400" rtl="0" eaLnBrk="1" latinLnBrk="0" hangingPunct="1">
+      <a:defRPr sz="1200" kern="1200">
+        <a:solidFill>
+          <a:schemeClr val="tx1"/>
+        </a:solidFill>
+        <a:latin typeface="+mn-lt"/>
+        <a:ea typeface="+mn-ea"/>
+        <a:cs typeface="+mn-cs"/>
+      </a:defRPr>
+    </a:lvl3pPr>
+    <a:lvl4pPr marL="1371600" algn="l" defTabSz="914400" rtl="0" eaLnBrk="1" latinLnBrk="0" hangingPunct="1">
+      <a:defRPr sz="1200" kern="1200">
+        <a:solidFill>
+          <a:schemeClr val="tx1"/>
+        </a:solidFill>
+        <a:latin typeface="+mn-lt"/>
+        <a:ea typeface="+mn-ea"/>
+        <a:cs typeface="+mn-cs"/>
+      </a:defRPr>
+    </a:lvl4pPr>
+    <a:lvl5pPr marL="1828800" algn="l" defTabSz="914400" rtl="0" eaLnBrk="1" latinLnBrk="0" hangingPunct="1">
+      <a:defRPr sz="1200" kern="1200">
+        <a:solidFill>
+          <a:schemeClr val="tx1"/>
+        </a:solidFill>
+        <a:latin typeface="+mn-lt"/>
+        <a:ea typeface="+mn-ea"/>
+        <a:cs typeface="+mn-cs"/>
+      </a:defRPr>
+    </a:lvl5pPr>
+    <a:lvl6pPr marL="2286000" algn="l" defTabSz="914400" rtl="0" eaLnBrk="1" latinLnBrk="0" hangingPunct="1">
+      <a:defRPr sz="1200" kern="1200">
+        <a:solidFill>
+          <a:schemeClr val="tx1"/>
+        </a:solidFill>
+        <a:latin typeface="+mn-lt"/>
+        <a:ea typeface="+mn-ea"/>
+        <a:cs typeface="+mn-cs"/>
+      </a:defRPr>
+    </a:lvl6pPr>
+    <a:lvl7pPr marL="2743200" algn="l" defTabSz="914400" rtl="0" eaLnBrk="1" latinLnBrk="0" hangingPunct="1">
+      <a:defRPr sz="1200" kern="1200">
+        <a:solidFill>
+          <a:schemeClr val="tx1"/>
+        </a:solidFill>
+        <a:latin typeface="+mn-lt"/>
+        <a:ea typeface="+mn-ea"/>
+        <a:cs typeface="+mn-cs"/>
+      </a:defRPr>
+    </a:lvl7pPr>
+    <a:lvl8pPr marL="3200400" algn="l" defTabSz="914400" rtl="0" eaLnBrk="1" latinLnBrk="0" hangingPunct="1">
+      <a:defRPr sz="1200" kern="1200">
+        <a:solidFill>
+          <a:schemeClr val="tx1"/>
+        </a:solidFill>
+        <a:latin typeface="+mn-lt"/>
+        <a:ea typeface="+mn-ea"/>
+        <a:cs typeface="+mn-cs"/>
+      </a:defRPr>
+    </a:lvl8pPr>
+    <a:lvl9pPr marL="3657600" algn="l" defTabSz="914400" rtl="0" eaLnBrk="1" latinLnBrk="0" hangingPunct="1">
+      <a:defRPr sz="1200" kern="1200">
+        <a:solidFill>
+          <a:schemeClr val="tx1"/>
+        </a:solidFill>
+        <a:latin typeface="+mn-lt"/>
+        <a:ea typeface="+mn-ea"/>
+        <a:cs typeface="+mn-cs"/>
+      </a:defRPr>
+    </a:lvl9pPr>
+  </p:notesStyle>
+</p:notesMaster>
+</file>
+
 <file path=ppt/slideLayouts/slideLayout1.xml><?xml version="1.0" encoding="utf-8"?>
 <p:sldLayout xmlns:a="http://schemas.openxmlformats.org/drawingml/2006/main" xmlns:r="http://schemas.openxmlformats.org/officeDocument/2006/relationships" xmlns:p="http://schemas.openxmlformats.org/presentationml/2006/main" type="title" preserve="1">
   <p:cSld name="Title Slide">
@@ -245,7 +599,7 @@
           <a:p>
             <a:fld id="{6149BA01-7448-4321-80DC-7E91E834C80B}" type="datetimeFigureOut">
               <a:rPr lang="en-US" smtClean="0"/>
-              <a:t>4/5/2019</a:t>
+              <a:t>4/13/2019</a:t>
             </a:fld>
             <a:endParaRPr lang="en-US"/>
           </a:p>
@@ -415,7 +769,7 @@
           <a:p>
             <a:fld id="{6149BA01-7448-4321-80DC-7E91E834C80B}" type="datetimeFigureOut">
               <a:rPr lang="en-US" smtClean="0"/>
-              <a:t>4/5/2019</a:t>
+              <a:t>4/13/2019</a:t>
             </a:fld>
             <a:endParaRPr lang="en-US"/>
           </a:p>
@@ -595,7 +949,7 @@
           <a:p>
             <a:fld id="{6149BA01-7448-4321-80DC-7E91E834C80B}" type="datetimeFigureOut">
               <a:rPr lang="en-US" smtClean="0"/>
-              <a:t>4/5/2019</a:t>
+              <a:t>4/13/2019</a:t>
             </a:fld>
             <a:endParaRPr lang="en-US"/>
           </a:p>
@@ -765,7 +1119,7 @@
           <a:p>
             <a:fld id="{6149BA01-7448-4321-80DC-7E91E834C80B}" type="datetimeFigureOut">
               <a:rPr lang="en-US" smtClean="0"/>
-              <a:t>4/5/2019</a:t>
+              <a:t>4/13/2019</a:t>
             </a:fld>
             <a:endParaRPr lang="en-US"/>
           </a:p>
@@ -1009,7 +1363,7 @@
           <a:p>
             <a:fld id="{6149BA01-7448-4321-80DC-7E91E834C80B}" type="datetimeFigureOut">
               <a:rPr lang="en-US" smtClean="0"/>
-              <a:t>4/5/2019</a:t>
+              <a:t>4/13/2019</a:t>
             </a:fld>
             <a:endParaRPr lang="en-US"/>
           </a:p>
@@ -1241,7 +1595,7 @@
           <a:p>
             <a:fld id="{6149BA01-7448-4321-80DC-7E91E834C80B}" type="datetimeFigureOut">
               <a:rPr lang="en-US" smtClean="0"/>
-              <a:t>4/5/2019</a:t>
+              <a:t>4/13/2019</a:t>
             </a:fld>
             <a:endParaRPr lang="en-US"/>
           </a:p>
@@ -1608,7 +1962,7 @@
           <a:p>
             <a:fld id="{6149BA01-7448-4321-80DC-7E91E834C80B}" type="datetimeFigureOut">
               <a:rPr lang="en-US" smtClean="0"/>
-              <a:t>4/5/2019</a:t>
+              <a:t>4/13/2019</a:t>
             </a:fld>
             <a:endParaRPr lang="en-US"/>
           </a:p>
@@ -1726,7 +2080,7 @@
           <a:p>
             <a:fld id="{6149BA01-7448-4321-80DC-7E91E834C80B}" type="datetimeFigureOut">
               <a:rPr lang="en-US" smtClean="0"/>
-              <a:t>4/5/2019</a:t>
+              <a:t>4/13/2019</a:t>
             </a:fld>
             <a:endParaRPr lang="en-US"/>
           </a:p>
@@ -1821,7 +2175,7 @@
           <a:p>
             <a:fld id="{6149BA01-7448-4321-80DC-7E91E834C80B}" type="datetimeFigureOut">
               <a:rPr lang="en-US" smtClean="0"/>
-              <a:t>4/5/2019</a:t>
+              <a:t>4/13/2019</a:t>
             </a:fld>
             <a:endParaRPr lang="en-US"/>
           </a:p>
@@ -2098,7 +2452,7 @@
           <a:p>
             <a:fld id="{6149BA01-7448-4321-80DC-7E91E834C80B}" type="datetimeFigureOut">
               <a:rPr lang="en-US" smtClean="0"/>
-              <a:t>4/5/2019</a:t>
+              <a:t>4/13/2019</a:t>
             </a:fld>
             <a:endParaRPr lang="en-US"/>
           </a:p>
@@ -2355,7 +2709,7 @@
           <a:p>
             <a:fld id="{6149BA01-7448-4321-80DC-7E91E834C80B}" type="datetimeFigureOut">
               <a:rPr lang="en-US" smtClean="0"/>
-              <a:t>4/5/2019</a:t>
+              <a:t>4/13/2019</a:t>
             </a:fld>
             <a:endParaRPr lang="en-US"/>
           </a:p>
@@ -2568,7 +2922,7 @@
           <a:p>
             <a:fld id="{6149BA01-7448-4321-80DC-7E91E834C80B}" type="datetimeFigureOut">
               <a:rPr lang="en-US" smtClean="0"/>
-              <a:t>4/5/2019</a:t>
+              <a:t>4/13/2019</a:t>
             </a:fld>
             <a:endParaRPr lang="en-US"/>
           </a:p>
@@ -10202,25 +10556,7 @@
                 </a:solidFill>
                 <a:latin typeface="Consolas" panose="020B0609020204030204" pitchFamily="49" charset="0"/>
               </a:rPr>
-              <a:t> </a:t>
-            </a:r>
-            <a:r>
-              <a:rPr lang="en-US" dirty="0" smtClean="0">
-                <a:solidFill>
-                  <a:schemeClr val="tx1"/>
-                </a:solidFill>
-                <a:latin typeface="Consolas" panose="020B0609020204030204" pitchFamily="49" charset="0"/>
-              </a:rPr>
-              <a:t>/ </a:t>
-            </a:r>
-            <a:r>
-              <a:rPr lang="en-US" dirty="0" smtClean="0">
-                <a:solidFill>
-                  <a:schemeClr val="tx1"/>
-                </a:solidFill>
-                <a:latin typeface="Consolas" panose="020B0609020204030204" pitchFamily="49" charset="0"/>
-              </a:rPr>
-              <a:t>RP2</a:t>
+              <a:t> / RP2</a:t>
             </a:r>
             <a:r>
               <a:rPr lang="ro-MD" dirty="0" smtClean="0">
@@ -11871,13 +12207,7 @@
               <a:rPr lang="en-US" sz="1100" dirty="0" smtClean="0">
                 <a:latin typeface="Consolas" panose="020B0609020204030204" pitchFamily="49" charset="0"/>
               </a:rPr>
-              <a:t>INT </a:t>
-            </a:r>
-            <a:r>
-              <a:rPr lang="en-US" sz="1100" dirty="0" smtClean="0">
-                <a:latin typeface="Consolas" panose="020B0609020204030204" pitchFamily="49" charset="0"/>
-              </a:rPr>
-              <a:t>&lt;-</a:t>
+              <a:t>INT &lt;-</a:t>
             </a:r>
             <a:endParaRPr lang="en-US" sz="1400" dirty="0">
               <a:latin typeface="Consolas" panose="020B0609020204030204" pitchFamily="49" charset="0"/>
@@ -11979,13 +12309,7 @@
               <a:rPr lang="en-US" sz="1100" dirty="0" smtClean="0">
                 <a:latin typeface="Consolas" panose="020B0609020204030204" pitchFamily="49" charset="0"/>
               </a:rPr>
-              <a:t>EXT2</a:t>
-            </a:r>
-            <a:r>
-              <a:rPr lang="en-US" sz="1100" dirty="0" smtClean="0">
-                <a:latin typeface="Consolas" panose="020B0609020204030204" pitchFamily="49" charset="0"/>
-              </a:rPr>
-              <a:t> &lt;&gt;</a:t>
+              <a:t>EXT2 &lt;&gt;</a:t>
             </a:r>
             <a:endParaRPr lang="en-US" sz="1400" dirty="0">
               <a:latin typeface="Consolas" panose="020B0609020204030204" pitchFamily="49" charset="0"/>
@@ -12427,13 +12751,7 @@
               <a:rPr lang="en-US" sz="1100" dirty="0" smtClean="0">
                 <a:latin typeface="Consolas" panose="020B0609020204030204" pitchFamily="49" charset="0"/>
               </a:rPr>
-              <a:t>-&gt; </a:t>
-            </a:r>
-            <a:r>
-              <a:rPr lang="en-US" sz="1100" dirty="0" smtClean="0">
-                <a:latin typeface="Consolas" panose="020B0609020204030204" pitchFamily="49" charset="0"/>
-              </a:rPr>
-              <a:t>ALE</a:t>
+              <a:t>-&gt; ALE</a:t>
             </a:r>
             <a:endParaRPr lang="en-US" sz="1400" dirty="0">
               <a:latin typeface="Consolas" panose="020B0609020204030204" pitchFamily="49" charset="0"/>
@@ -12803,13 +13121,7 @@
               <a:rPr lang="en-US" sz="1100" dirty="0" smtClean="0">
                 <a:latin typeface="Consolas" panose="020B0609020204030204" pitchFamily="49" charset="0"/>
               </a:rPr>
-              <a:t>-&gt;</a:t>
-            </a:r>
-            <a:r>
-              <a:rPr lang="en-US" sz="1100" dirty="0" smtClean="0">
-                <a:latin typeface="Consolas" panose="020B0609020204030204" pitchFamily="49" charset="0"/>
-              </a:rPr>
-              <a:t> PPU A9</a:t>
+              <a:t>-&gt; PPU A9</a:t>
             </a:r>
             <a:endParaRPr lang="en-US" sz="1400" dirty="0">
               <a:latin typeface="Consolas" panose="020B0609020204030204" pitchFamily="49" charset="0"/>
@@ -13135,6 +13447,3492 @@
     <p:extLst>
       <p:ext uri="{BB962C8B-B14F-4D97-AF65-F5344CB8AC3E}">
         <p14:creationId xmlns:p14="http://schemas.microsoft.com/office/powerpoint/2010/main" val="700801687"/>
+      </p:ext>
+    </p:extLst>
+  </p:cSld>
+  <p:clrMapOvr>
+    <a:masterClrMapping/>
+  </p:clrMapOvr>
+</p:sld>
+</file>
+
+<file path=ppt/slides/slide4.xml><?xml version="1.0" encoding="utf-8"?>
+<p:sld xmlns:a="http://schemas.openxmlformats.org/drawingml/2006/main" xmlns:r="http://schemas.openxmlformats.org/officeDocument/2006/relationships" xmlns:p="http://schemas.openxmlformats.org/presentationml/2006/main">
+  <p:cSld>
+    <p:spTree>
+      <p:nvGrpSpPr>
+        <p:cNvPr id="1" name=""/>
+        <p:cNvGrpSpPr/>
+        <p:nvPr/>
+      </p:nvGrpSpPr>
+      <p:grpSpPr>
+        <a:xfrm>
+          <a:off x="0" y="0"/>
+          <a:ext cx="0" cy="0"/>
+          <a:chOff x="0" y="0"/>
+          <a:chExt cx="0" cy="0"/>
+        </a:xfrm>
+      </p:grpSpPr>
+      <p:sp>
+        <p:nvSpPr>
+          <p:cNvPr id="2" name="Rectangle 1"/>
+          <p:cNvSpPr/>
+          <p:nvPr/>
+        </p:nvSpPr>
+        <p:spPr>
+          <a:xfrm>
+            <a:off x="299259" y="299259"/>
+            <a:ext cx="540000" cy="540000"/>
+          </a:xfrm>
+          <a:prstGeom prst="rect">
+            <a:avLst/>
+          </a:prstGeom>
+          <a:solidFill>
+            <a:srgbClr val="666666"/>
+          </a:solidFill>
+          <a:ln>
+            <a:noFill/>
+          </a:ln>
+        </p:spPr>
+        <p:style>
+          <a:lnRef idx="2">
+            <a:schemeClr val="accent1">
+              <a:shade val="50000"/>
+            </a:schemeClr>
+          </a:lnRef>
+          <a:fillRef idx="1">
+            <a:schemeClr val="accent1"/>
+          </a:fillRef>
+          <a:effectRef idx="0">
+            <a:schemeClr val="accent1"/>
+          </a:effectRef>
+          <a:fontRef idx="minor">
+            <a:schemeClr val="lt1"/>
+          </a:fontRef>
+        </p:style>
+        <p:txBody>
+          <a:bodyPr rtlCol="0" anchor="ctr"/>
+          <a:lstStyle/>
+          <a:p>
+            <a:pPr algn="ctr"/>
+            <a:r>
+              <a:rPr lang="ro-MD" dirty="0" smtClean="0">
+                <a:solidFill>
+                  <a:schemeClr val="tx1"/>
+                </a:solidFill>
+              </a:rPr>
+              <a:t>00</a:t>
+            </a:r>
+            <a:endParaRPr lang="en-US" dirty="0">
+              <a:solidFill>
+                <a:schemeClr val="tx1"/>
+              </a:solidFill>
+            </a:endParaRPr>
+          </a:p>
+        </p:txBody>
+      </p:sp>
+      <p:sp>
+        <p:nvSpPr>
+          <p:cNvPr id="3" name="Rectangle 2"/>
+          <p:cNvSpPr/>
+          <p:nvPr/>
+        </p:nvSpPr>
+        <p:spPr>
+          <a:xfrm>
+            <a:off x="839259" y="299259"/>
+            <a:ext cx="540000" cy="540000"/>
+          </a:xfrm>
+          <a:prstGeom prst="rect">
+            <a:avLst/>
+          </a:prstGeom>
+          <a:solidFill>
+            <a:srgbClr val="002A88"/>
+          </a:solidFill>
+          <a:ln>
+            <a:noFill/>
+          </a:ln>
+        </p:spPr>
+        <p:style>
+          <a:lnRef idx="2">
+            <a:schemeClr val="accent1">
+              <a:shade val="50000"/>
+            </a:schemeClr>
+          </a:lnRef>
+          <a:fillRef idx="1">
+            <a:schemeClr val="accent1"/>
+          </a:fillRef>
+          <a:effectRef idx="0">
+            <a:schemeClr val="accent1"/>
+          </a:effectRef>
+          <a:fontRef idx="minor">
+            <a:schemeClr val="lt1"/>
+          </a:fontRef>
+        </p:style>
+        <p:txBody>
+          <a:bodyPr rtlCol="0" anchor="ctr"/>
+          <a:lstStyle/>
+          <a:p>
+            <a:pPr algn="ctr"/>
+            <a:r>
+              <a:rPr lang="ro-MD" dirty="0" smtClean="0">
+                <a:solidFill>
+                  <a:schemeClr val="tx1"/>
+                </a:solidFill>
+              </a:rPr>
+              <a:t>01</a:t>
+            </a:r>
+            <a:endParaRPr lang="en-US" dirty="0">
+              <a:solidFill>
+                <a:schemeClr val="tx1"/>
+              </a:solidFill>
+            </a:endParaRPr>
+          </a:p>
+        </p:txBody>
+      </p:sp>
+      <p:sp>
+        <p:nvSpPr>
+          <p:cNvPr id="4" name="Rectangle 3"/>
+          <p:cNvSpPr/>
+          <p:nvPr/>
+        </p:nvSpPr>
+        <p:spPr>
+          <a:xfrm>
+            <a:off x="4079259" y="299259"/>
+            <a:ext cx="540000" cy="540000"/>
+          </a:xfrm>
+          <a:prstGeom prst="rect">
+            <a:avLst/>
+          </a:prstGeom>
+          <a:solidFill>
+            <a:srgbClr val="561D00"/>
+          </a:solidFill>
+          <a:ln>
+            <a:noFill/>
+          </a:ln>
+        </p:spPr>
+        <p:style>
+          <a:lnRef idx="2">
+            <a:schemeClr val="accent1">
+              <a:shade val="50000"/>
+            </a:schemeClr>
+          </a:lnRef>
+          <a:fillRef idx="1">
+            <a:schemeClr val="accent1"/>
+          </a:fillRef>
+          <a:effectRef idx="0">
+            <a:schemeClr val="accent1"/>
+          </a:effectRef>
+          <a:fontRef idx="minor">
+            <a:schemeClr val="lt1"/>
+          </a:fontRef>
+        </p:style>
+        <p:txBody>
+          <a:bodyPr rtlCol="0" anchor="ctr"/>
+          <a:lstStyle/>
+          <a:p>
+            <a:pPr algn="ctr"/>
+            <a:r>
+              <a:rPr lang="ro-MD" dirty="0" smtClean="0">
+                <a:solidFill>
+                  <a:schemeClr val="tx1"/>
+                </a:solidFill>
+              </a:rPr>
+              <a:t>07</a:t>
+            </a:r>
+            <a:endParaRPr lang="en-US" dirty="0">
+              <a:solidFill>
+                <a:schemeClr val="tx1"/>
+              </a:solidFill>
+            </a:endParaRPr>
+          </a:p>
+        </p:txBody>
+      </p:sp>
+      <p:sp>
+        <p:nvSpPr>
+          <p:cNvPr id="5" name="Rectangle 4"/>
+          <p:cNvSpPr/>
+          <p:nvPr/>
+        </p:nvSpPr>
+        <p:spPr>
+          <a:xfrm>
+            <a:off x="5159259" y="299259"/>
+            <a:ext cx="540000" cy="540000"/>
+          </a:xfrm>
+          <a:prstGeom prst="rect">
+            <a:avLst/>
+          </a:prstGeom>
+          <a:solidFill>
+            <a:srgbClr val="0B4800"/>
+          </a:solidFill>
+          <a:ln>
+            <a:noFill/>
+          </a:ln>
+        </p:spPr>
+        <p:style>
+          <a:lnRef idx="2">
+            <a:schemeClr val="accent1">
+              <a:shade val="50000"/>
+            </a:schemeClr>
+          </a:lnRef>
+          <a:fillRef idx="1">
+            <a:schemeClr val="accent1"/>
+          </a:fillRef>
+          <a:effectRef idx="0">
+            <a:schemeClr val="accent1"/>
+          </a:effectRef>
+          <a:fontRef idx="minor">
+            <a:schemeClr val="lt1"/>
+          </a:fontRef>
+        </p:style>
+        <p:txBody>
+          <a:bodyPr rtlCol="0" anchor="ctr"/>
+          <a:lstStyle/>
+          <a:p>
+            <a:pPr algn="ctr"/>
+            <a:r>
+              <a:rPr lang="ro-MD" dirty="0" smtClean="0"/>
+              <a:t>09</a:t>
+            </a:r>
+            <a:endParaRPr lang="en-US" dirty="0"/>
+          </a:p>
+        </p:txBody>
+      </p:sp>
+      <p:sp>
+        <p:nvSpPr>
+          <p:cNvPr id="6" name="Rectangle 5"/>
+          <p:cNvSpPr/>
+          <p:nvPr/>
+        </p:nvSpPr>
+        <p:spPr>
+          <a:xfrm>
+            <a:off x="7319259" y="299259"/>
+            <a:ext cx="540000" cy="540000"/>
+          </a:xfrm>
+          <a:prstGeom prst="rect">
+            <a:avLst/>
+          </a:prstGeom>
+          <a:solidFill>
+            <a:srgbClr val="000000"/>
+          </a:solidFill>
+          <a:ln>
+            <a:noFill/>
+          </a:ln>
+        </p:spPr>
+        <p:style>
+          <a:lnRef idx="2">
+            <a:schemeClr val="accent1">
+              <a:shade val="50000"/>
+            </a:schemeClr>
+          </a:lnRef>
+          <a:fillRef idx="1">
+            <a:schemeClr val="accent1"/>
+          </a:fillRef>
+          <a:effectRef idx="0">
+            <a:schemeClr val="accent1"/>
+          </a:effectRef>
+          <a:fontRef idx="minor">
+            <a:schemeClr val="lt1"/>
+          </a:fontRef>
+        </p:style>
+        <p:txBody>
+          <a:bodyPr rtlCol="0" anchor="ctr"/>
+          <a:lstStyle/>
+          <a:p>
+            <a:pPr algn="ctr"/>
+            <a:r>
+              <a:rPr lang="ro-MD" dirty="0" smtClean="0"/>
+              <a:t>0D</a:t>
+            </a:r>
+            <a:endParaRPr lang="en-US" dirty="0"/>
+          </a:p>
+        </p:txBody>
+      </p:sp>
+      <p:sp>
+        <p:nvSpPr>
+          <p:cNvPr id="7" name="Rectangle 6"/>
+          <p:cNvSpPr/>
+          <p:nvPr/>
+        </p:nvSpPr>
+        <p:spPr>
+          <a:xfrm>
+            <a:off x="3539259" y="299259"/>
+            <a:ext cx="540000" cy="540000"/>
+          </a:xfrm>
+          <a:prstGeom prst="rect">
+            <a:avLst/>
+          </a:prstGeom>
+          <a:solidFill>
+            <a:srgbClr val="6C0600"/>
+          </a:solidFill>
+          <a:ln>
+            <a:noFill/>
+          </a:ln>
+        </p:spPr>
+        <p:style>
+          <a:lnRef idx="2">
+            <a:schemeClr val="accent1">
+              <a:shade val="50000"/>
+            </a:schemeClr>
+          </a:lnRef>
+          <a:fillRef idx="1">
+            <a:schemeClr val="accent1"/>
+          </a:fillRef>
+          <a:effectRef idx="0">
+            <a:schemeClr val="accent1"/>
+          </a:effectRef>
+          <a:fontRef idx="minor">
+            <a:schemeClr val="lt1"/>
+          </a:fontRef>
+        </p:style>
+        <p:txBody>
+          <a:bodyPr rtlCol="0" anchor="ctr"/>
+          <a:lstStyle/>
+          <a:p>
+            <a:pPr algn="ctr"/>
+            <a:r>
+              <a:rPr lang="ro-MD" dirty="0" smtClean="0">
+                <a:solidFill>
+                  <a:schemeClr val="tx1"/>
+                </a:solidFill>
+              </a:rPr>
+              <a:t>06</a:t>
+            </a:r>
+            <a:endParaRPr lang="en-US" dirty="0">
+              <a:solidFill>
+                <a:schemeClr val="tx1"/>
+              </a:solidFill>
+            </a:endParaRPr>
+          </a:p>
+        </p:txBody>
+      </p:sp>
+      <p:sp>
+        <p:nvSpPr>
+          <p:cNvPr id="8" name="Rectangle 7"/>
+          <p:cNvSpPr/>
+          <p:nvPr/>
+        </p:nvSpPr>
+        <p:spPr>
+          <a:xfrm>
+            <a:off x="4619259" y="299259"/>
+            <a:ext cx="540000" cy="540000"/>
+          </a:xfrm>
+          <a:prstGeom prst="rect">
+            <a:avLst/>
+          </a:prstGeom>
+          <a:solidFill>
+            <a:srgbClr val="333500"/>
+          </a:solidFill>
+          <a:ln>
+            <a:noFill/>
+          </a:ln>
+        </p:spPr>
+        <p:style>
+          <a:lnRef idx="2">
+            <a:schemeClr val="accent1">
+              <a:shade val="50000"/>
+            </a:schemeClr>
+          </a:lnRef>
+          <a:fillRef idx="1">
+            <a:schemeClr val="accent1"/>
+          </a:fillRef>
+          <a:effectRef idx="0">
+            <a:schemeClr val="accent1"/>
+          </a:effectRef>
+          <a:fontRef idx="minor">
+            <a:schemeClr val="lt1"/>
+          </a:fontRef>
+        </p:style>
+        <p:txBody>
+          <a:bodyPr rtlCol="0" anchor="ctr"/>
+          <a:lstStyle/>
+          <a:p>
+            <a:pPr algn="ctr"/>
+            <a:r>
+              <a:rPr lang="ro-MD" dirty="0" smtClean="0"/>
+              <a:t>08</a:t>
+            </a:r>
+            <a:endParaRPr lang="en-US" dirty="0"/>
+          </a:p>
+        </p:txBody>
+      </p:sp>
+      <p:sp>
+        <p:nvSpPr>
+          <p:cNvPr id="9" name="Rectangle 8"/>
+          <p:cNvSpPr/>
+          <p:nvPr/>
+        </p:nvSpPr>
+        <p:spPr>
+          <a:xfrm>
+            <a:off x="1379259" y="299259"/>
+            <a:ext cx="540000" cy="540000"/>
+          </a:xfrm>
+          <a:prstGeom prst="rect">
+            <a:avLst/>
+          </a:prstGeom>
+          <a:solidFill>
+            <a:srgbClr val="1412A7"/>
+          </a:solidFill>
+          <a:ln>
+            <a:noFill/>
+          </a:ln>
+        </p:spPr>
+        <p:style>
+          <a:lnRef idx="2">
+            <a:schemeClr val="accent1">
+              <a:shade val="50000"/>
+            </a:schemeClr>
+          </a:lnRef>
+          <a:fillRef idx="1">
+            <a:schemeClr val="accent1"/>
+          </a:fillRef>
+          <a:effectRef idx="0">
+            <a:schemeClr val="accent1"/>
+          </a:effectRef>
+          <a:fontRef idx="minor">
+            <a:schemeClr val="lt1"/>
+          </a:fontRef>
+        </p:style>
+        <p:txBody>
+          <a:bodyPr rtlCol="0" anchor="ctr"/>
+          <a:lstStyle/>
+          <a:p>
+            <a:pPr algn="ctr"/>
+            <a:r>
+              <a:rPr lang="ro-MD" dirty="0" smtClean="0">
+                <a:solidFill>
+                  <a:schemeClr val="tx1"/>
+                </a:solidFill>
+              </a:rPr>
+              <a:t>02</a:t>
+            </a:r>
+            <a:endParaRPr lang="en-US" dirty="0">
+              <a:solidFill>
+                <a:schemeClr val="tx1"/>
+              </a:solidFill>
+            </a:endParaRPr>
+          </a:p>
+        </p:txBody>
+      </p:sp>
+      <p:sp>
+        <p:nvSpPr>
+          <p:cNvPr id="10" name="Rectangle 9"/>
+          <p:cNvSpPr/>
+          <p:nvPr/>
+        </p:nvSpPr>
+        <p:spPr>
+          <a:xfrm>
+            <a:off x="1919259" y="299259"/>
+            <a:ext cx="540000" cy="540000"/>
+          </a:xfrm>
+          <a:prstGeom prst="rect">
+            <a:avLst/>
+          </a:prstGeom>
+          <a:solidFill>
+            <a:srgbClr val="3B00A4"/>
+          </a:solidFill>
+          <a:ln>
+            <a:noFill/>
+          </a:ln>
+        </p:spPr>
+        <p:style>
+          <a:lnRef idx="2">
+            <a:schemeClr val="accent1">
+              <a:shade val="50000"/>
+            </a:schemeClr>
+          </a:lnRef>
+          <a:fillRef idx="1">
+            <a:schemeClr val="accent1"/>
+          </a:fillRef>
+          <a:effectRef idx="0">
+            <a:schemeClr val="accent1"/>
+          </a:effectRef>
+          <a:fontRef idx="minor">
+            <a:schemeClr val="lt1"/>
+          </a:fontRef>
+        </p:style>
+        <p:txBody>
+          <a:bodyPr rtlCol="0" anchor="ctr"/>
+          <a:lstStyle/>
+          <a:p>
+            <a:pPr algn="ctr"/>
+            <a:r>
+              <a:rPr lang="ro-MD" dirty="0" smtClean="0">
+                <a:solidFill>
+                  <a:schemeClr val="tx1"/>
+                </a:solidFill>
+              </a:rPr>
+              <a:t>03</a:t>
+            </a:r>
+            <a:endParaRPr lang="en-US" dirty="0">
+              <a:solidFill>
+                <a:schemeClr val="tx1"/>
+              </a:solidFill>
+            </a:endParaRPr>
+          </a:p>
+        </p:txBody>
+      </p:sp>
+      <p:sp>
+        <p:nvSpPr>
+          <p:cNvPr id="11" name="Rectangle 10"/>
+          <p:cNvSpPr/>
+          <p:nvPr/>
+        </p:nvSpPr>
+        <p:spPr>
+          <a:xfrm>
+            <a:off x="2999259" y="299259"/>
+            <a:ext cx="540000" cy="540000"/>
+          </a:xfrm>
+          <a:prstGeom prst="rect">
+            <a:avLst/>
+          </a:prstGeom>
+          <a:solidFill>
+            <a:srgbClr val="6E0040"/>
+          </a:solidFill>
+          <a:ln>
+            <a:noFill/>
+          </a:ln>
+        </p:spPr>
+        <p:style>
+          <a:lnRef idx="2">
+            <a:schemeClr val="accent1">
+              <a:shade val="50000"/>
+            </a:schemeClr>
+          </a:lnRef>
+          <a:fillRef idx="1">
+            <a:schemeClr val="accent1"/>
+          </a:fillRef>
+          <a:effectRef idx="0">
+            <a:schemeClr val="accent1"/>
+          </a:effectRef>
+          <a:fontRef idx="minor">
+            <a:schemeClr val="lt1"/>
+          </a:fontRef>
+        </p:style>
+        <p:txBody>
+          <a:bodyPr rtlCol="0" anchor="ctr"/>
+          <a:lstStyle/>
+          <a:p>
+            <a:pPr algn="ctr"/>
+            <a:r>
+              <a:rPr lang="ro-MD" dirty="0" smtClean="0">
+                <a:solidFill>
+                  <a:schemeClr val="tx1"/>
+                </a:solidFill>
+              </a:rPr>
+              <a:t>05</a:t>
+            </a:r>
+            <a:endParaRPr lang="en-US" dirty="0">
+              <a:solidFill>
+                <a:schemeClr val="tx1"/>
+              </a:solidFill>
+            </a:endParaRPr>
+          </a:p>
+        </p:txBody>
+      </p:sp>
+      <p:sp>
+        <p:nvSpPr>
+          <p:cNvPr id="12" name="Rectangle 11"/>
+          <p:cNvSpPr/>
+          <p:nvPr/>
+        </p:nvSpPr>
+        <p:spPr>
+          <a:xfrm>
+            <a:off x="2459259" y="299259"/>
+            <a:ext cx="540000" cy="540000"/>
+          </a:xfrm>
+          <a:prstGeom prst="rect">
+            <a:avLst/>
+          </a:prstGeom>
+          <a:solidFill>
+            <a:srgbClr val="5C007E"/>
+          </a:solidFill>
+          <a:ln>
+            <a:noFill/>
+          </a:ln>
+        </p:spPr>
+        <p:style>
+          <a:lnRef idx="2">
+            <a:schemeClr val="accent1">
+              <a:shade val="50000"/>
+            </a:schemeClr>
+          </a:lnRef>
+          <a:fillRef idx="1">
+            <a:schemeClr val="accent1"/>
+          </a:fillRef>
+          <a:effectRef idx="0">
+            <a:schemeClr val="accent1"/>
+          </a:effectRef>
+          <a:fontRef idx="minor">
+            <a:schemeClr val="lt1"/>
+          </a:fontRef>
+        </p:style>
+        <p:txBody>
+          <a:bodyPr rtlCol="0" anchor="ctr"/>
+          <a:lstStyle/>
+          <a:p>
+            <a:pPr algn="ctr"/>
+            <a:r>
+              <a:rPr lang="ro-MD" dirty="0" smtClean="0">
+                <a:solidFill>
+                  <a:schemeClr val="tx1"/>
+                </a:solidFill>
+              </a:rPr>
+              <a:t>04</a:t>
+            </a:r>
+            <a:endParaRPr lang="en-US" dirty="0">
+              <a:solidFill>
+                <a:schemeClr val="tx1"/>
+              </a:solidFill>
+            </a:endParaRPr>
+          </a:p>
+        </p:txBody>
+      </p:sp>
+      <p:sp>
+        <p:nvSpPr>
+          <p:cNvPr id="13" name="Rectangle 12"/>
+          <p:cNvSpPr/>
+          <p:nvPr/>
+        </p:nvSpPr>
+        <p:spPr>
+          <a:xfrm>
+            <a:off x="5699259" y="299259"/>
+            <a:ext cx="540000" cy="540000"/>
+          </a:xfrm>
+          <a:prstGeom prst="rect">
+            <a:avLst/>
+          </a:prstGeom>
+          <a:solidFill>
+            <a:srgbClr val="005200"/>
+          </a:solidFill>
+          <a:ln>
+            <a:noFill/>
+          </a:ln>
+        </p:spPr>
+        <p:style>
+          <a:lnRef idx="2">
+            <a:schemeClr val="accent1">
+              <a:shade val="50000"/>
+            </a:schemeClr>
+          </a:lnRef>
+          <a:fillRef idx="1">
+            <a:schemeClr val="accent1"/>
+          </a:fillRef>
+          <a:effectRef idx="0">
+            <a:schemeClr val="accent1"/>
+          </a:effectRef>
+          <a:fontRef idx="minor">
+            <a:schemeClr val="lt1"/>
+          </a:fontRef>
+        </p:style>
+        <p:txBody>
+          <a:bodyPr rtlCol="0" anchor="ctr"/>
+          <a:lstStyle/>
+          <a:p>
+            <a:pPr algn="ctr"/>
+            <a:r>
+              <a:rPr lang="ro-MD" dirty="0" smtClean="0"/>
+              <a:t>0A</a:t>
+            </a:r>
+            <a:endParaRPr lang="en-US" dirty="0"/>
+          </a:p>
+        </p:txBody>
+      </p:sp>
+      <p:sp>
+        <p:nvSpPr>
+          <p:cNvPr id="14" name="Rectangle 13"/>
+          <p:cNvSpPr/>
+          <p:nvPr/>
+        </p:nvSpPr>
+        <p:spPr>
+          <a:xfrm>
+            <a:off x="6239259" y="299259"/>
+            <a:ext cx="540000" cy="540000"/>
+          </a:xfrm>
+          <a:prstGeom prst="rect">
+            <a:avLst/>
+          </a:prstGeom>
+          <a:solidFill>
+            <a:srgbClr val="004F08"/>
+          </a:solidFill>
+          <a:ln>
+            <a:noFill/>
+          </a:ln>
+        </p:spPr>
+        <p:style>
+          <a:lnRef idx="2">
+            <a:schemeClr val="accent1">
+              <a:shade val="50000"/>
+            </a:schemeClr>
+          </a:lnRef>
+          <a:fillRef idx="1">
+            <a:schemeClr val="accent1"/>
+          </a:fillRef>
+          <a:effectRef idx="0">
+            <a:schemeClr val="accent1"/>
+          </a:effectRef>
+          <a:fontRef idx="minor">
+            <a:schemeClr val="lt1"/>
+          </a:fontRef>
+        </p:style>
+        <p:txBody>
+          <a:bodyPr rtlCol="0" anchor="ctr"/>
+          <a:lstStyle/>
+          <a:p>
+            <a:pPr algn="ctr"/>
+            <a:r>
+              <a:rPr lang="ro-MD" dirty="0" smtClean="0"/>
+              <a:t>0B</a:t>
+            </a:r>
+            <a:endParaRPr lang="en-US" dirty="0"/>
+          </a:p>
+        </p:txBody>
+      </p:sp>
+      <p:sp>
+        <p:nvSpPr>
+          <p:cNvPr id="15" name="Rectangle 14"/>
+          <p:cNvSpPr/>
+          <p:nvPr/>
+        </p:nvSpPr>
+        <p:spPr>
+          <a:xfrm>
+            <a:off x="6779259" y="299259"/>
+            <a:ext cx="540000" cy="540000"/>
+          </a:xfrm>
+          <a:prstGeom prst="rect">
+            <a:avLst/>
+          </a:prstGeom>
+          <a:solidFill>
+            <a:srgbClr val="00404D"/>
+          </a:solidFill>
+          <a:ln>
+            <a:noFill/>
+          </a:ln>
+        </p:spPr>
+        <p:style>
+          <a:lnRef idx="2">
+            <a:schemeClr val="accent1">
+              <a:shade val="50000"/>
+            </a:schemeClr>
+          </a:lnRef>
+          <a:fillRef idx="1">
+            <a:schemeClr val="accent1"/>
+          </a:fillRef>
+          <a:effectRef idx="0">
+            <a:schemeClr val="accent1"/>
+          </a:effectRef>
+          <a:fontRef idx="minor">
+            <a:schemeClr val="lt1"/>
+          </a:fontRef>
+        </p:style>
+        <p:txBody>
+          <a:bodyPr rtlCol="0" anchor="ctr"/>
+          <a:lstStyle/>
+          <a:p>
+            <a:pPr algn="ctr"/>
+            <a:r>
+              <a:rPr lang="ro-MD" dirty="0" smtClean="0"/>
+              <a:t>0C</a:t>
+            </a:r>
+            <a:endParaRPr lang="en-US" dirty="0"/>
+          </a:p>
+        </p:txBody>
+      </p:sp>
+      <p:sp>
+        <p:nvSpPr>
+          <p:cNvPr id="16" name="Rectangle 15"/>
+          <p:cNvSpPr/>
+          <p:nvPr/>
+        </p:nvSpPr>
+        <p:spPr>
+          <a:xfrm>
+            <a:off x="8399259" y="299259"/>
+            <a:ext cx="540000" cy="540000"/>
+          </a:xfrm>
+          <a:prstGeom prst="rect">
+            <a:avLst/>
+          </a:prstGeom>
+          <a:solidFill>
+            <a:srgbClr val="000000"/>
+          </a:solidFill>
+          <a:ln>
+            <a:noFill/>
+          </a:ln>
+        </p:spPr>
+        <p:style>
+          <a:lnRef idx="2">
+            <a:schemeClr val="accent1">
+              <a:shade val="50000"/>
+            </a:schemeClr>
+          </a:lnRef>
+          <a:fillRef idx="1">
+            <a:schemeClr val="accent1"/>
+          </a:fillRef>
+          <a:effectRef idx="0">
+            <a:schemeClr val="accent1"/>
+          </a:effectRef>
+          <a:fontRef idx="minor">
+            <a:schemeClr val="lt1"/>
+          </a:fontRef>
+        </p:style>
+        <p:txBody>
+          <a:bodyPr rtlCol="0" anchor="ctr"/>
+          <a:lstStyle/>
+          <a:p>
+            <a:pPr algn="ctr"/>
+            <a:r>
+              <a:rPr lang="ro-MD" dirty="0" smtClean="0"/>
+              <a:t>0F</a:t>
+            </a:r>
+            <a:endParaRPr lang="en-US" dirty="0"/>
+          </a:p>
+        </p:txBody>
+      </p:sp>
+      <p:sp>
+        <p:nvSpPr>
+          <p:cNvPr id="17" name="Rectangle 16"/>
+          <p:cNvSpPr/>
+          <p:nvPr/>
+        </p:nvSpPr>
+        <p:spPr>
+          <a:xfrm>
+            <a:off x="7859259" y="299259"/>
+            <a:ext cx="540000" cy="540000"/>
+          </a:xfrm>
+          <a:prstGeom prst="rect">
+            <a:avLst/>
+          </a:prstGeom>
+          <a:solidFill>
+            <a:srgbClr val="000000"/>
+          </a:solidFill>
+          <a:ln>
+            <a:noFill/>
+          </a:ln>
+        </p:spPr>
+        <p:style>
+          <a:lnRef idx="2">
+            <a:schemeClr val="accent1">
+              <a:shade val="50000"/>
+            </a:schemeClr>
+          </a:lnRef>
+          <a:fillRef idx="1">
+            <a:schemeClr val="accent1"/>
+          </a:fillRef>
+          <a:effectRef idx="0">
+            <a:schemeClr val="accent1"/>
+          </a:effectRef>
+          <a:fontRef idx="minor">
+            <a:schemeClr val="lt1"/>
+          </a:fontRef>
+        </p:style>
+        <p:txBody>
+          <a:bodyPr rtlCol="0" anchor="ctr"/>
+          <a:lstStyle/>
+          <a:p>
+            <a:pPr algn="ctr"/>
+            <a:r>
+              <a:rPr lang="ro-MD" dirty="0" smtClean="0"/>
+              <a:t>0E</a:t>
+            </a:r>
+            <a:endParaRPr lang="en-US" dirty="0"/>
+          </a:p>
+        </p:txBody>
+      </p:sp>
+      <p:sp>
+        <p:nvSpPr>
+          <p:cNvPr id="18" name="Rectangle 17"/>
+          <p:cNvSpPr/>
+          <p:nvPr/>
+        </p:nvSpPr>
+        <p:spPr>
+          <a:xfrm>
+            <a:off x="299259" y="839259"/>
+            <a:ext cx="540000" cy="540000"/>
+          </a:xfrm>
+          <a:prstGeom prst="rect">
+            <a:avLst/>
+          </a:prstGeom>
+          <a:solidFill>
+            <a:srgbClr val="ADADAD"/>
+          </a:solidFill>
+          <a:ln>
+            <a:noFill/>
+          </a:ln>
+        </p:spPr>
+        <p:style>
+          <a:lnRef idx="2">
+            <a:schemeClr val="accent1">
+              <a:shade val="50000"/>
+            </a:schemeClr>
+          </a:lnRef>
+          <a:fillRef idx="1">
+            <a:schemeClr val="accent1"/>
+          </a:fillRef>
+          <a:effectRef idx="0">
+            <a:schemeClr val="accent1"/>
+          </a:effectRef>
+          <a:fontRef idx="minor">
+            <a:schemeClr val="lt1"/>
+          </a:fontRef>
+        </p:style>
+        <p:txBody>
+          <a:bodyPr rtlCol="0" anchor="ctr"/>
+          <a:lstStyle/>
+          <a:p>
+            <a:pPr algn="ctr"/>
+            <a:r>
+              <a:rPr lang="ro-MD" dirty="0" smtClean="0">
+                <a:solidFill>
+                  <a:schemeClr val="tx1"/>
+                </a:solidFill>
+              </a:rPr>
+              <a:t>10</a:t>
+            </a:r>
+            <a:endParaRPr lang="en-US" dirty="0">
+              <a:solidFill>
+                <a:schemeClr val="tx1"/>
+              </a:solidFill>
+            </a:endParaRPr>
+          </a:p>
+        </p:txBody>
+      </p:sp>
+      <p:sp>
+        <p:nvSpPr>
+          <p:cNvPr id="19" name="Rectangle 18"/>
+          <p:cNvSpPr/>
+          <p:nvPr/>
+        </p:nvSpPr>
+        <p:spPr>
+          <a:xfrm>
+            <a:off x="839259" y="839259"/>
+            <a:ext cx="540000" cy="540000"/>
+          </a:xfrm>
+          <a:prstGeom prst="rect">
+            <a:avLst/>
+          </a:prstGeom>
+          <a:solidFill>
+            <a:srgbClr val="155FD9"/>
+          </a:solidFill>
+          <a:ln>
+            <a:noFill/>
+          </a:ln>
+        </p:spPr>
+        <p:style>
+          <a:lnRef idx="2">
+            <a:schemeClr val="accent1">
+              <a:shade val="50000"/>
+            </a:schemeClr>
+          </a:lnRef>
+          <a:fillRef idx="1">
+            <a:schemeClr val="accent1"/>
+          </a:fillRef>
+          <a:effectRef idx="0">
+            <a:schemeClr val="accent1"/>
+          </a:effectRef>
+          <a:fontRef idx="minor">
+            <a:schemeClr val="lt1"/>
+          </a:fontRef>
+        </p:style>
+        <p:txBody>
+          <a:bodyPr rtlCol="0" anchor="ctr"/>
+          <a:lstStyle/>
+          <a:p>
+            <a:pPr algn="ctr"/>
+            <a:r>
+              <a:rPr lang="ro-MD" dirty="0" smtClean="0">
+                <a:solidFill>
+                  <a:schemeClr val="tx1"/>
+                </a:solidFill>
+              </a:rPr>
+              <a:t>11</a:t>
+            </a:r>
+            <a:endParaRPr lang="en-US" dirty="0">
+              <a:solidFill>
+                <a:schemeClr val="tx1"/>
+              </a:solidFill>
+            </a:endParaRPr>
+          </a:p>
+        </p:txBody>
+      </p:sp>
+      <p:sp>
+        <p:nvSpPr>
+          <p:cNvPr id="20" name="Rectangle 19"/>
+          <p:cNvSpPr/>
+          <p:nvPr/>
+        </p:nvSpPr>
+        <p:spPr>
+          <a:xfrm>
+            <a:off x="4079259" y="839259"/>
+            <a:ext cx="540000" cy="540000"/>
+          </a:xfrm>
+          <a:prstGeom prst="rect">
+            <a:avLst/>
+          </a:prstGeom>
+          <a:solidFill>
+            <a:srgbClr val="994E00"/>
+          </a:solidFill>
+          <a:ln>
+            <a:noFill/>
+          </a:ln>
+        </p:spPr>
+        <p:style>
+          <a:lnRef idx="2">
+            <a:schemeClr val="accent1">
+              <a:shade val="50000"/>
+            </a:schemeClr>
+          </a:lnRef>
+          <a:fillRef idx="1">
+            <a:schemeClr val="accent1"/>
+          </a:fillRef>
+          <a:effectRef idx="0">
+            <a:schemeClr val="accent1"/>
+          </a:effectRef>
+          <a:fontRef idx="minor">
+            <a:schemeClr val="lt1"/>
+          </a:fontRef>
+        </p:style>
+        <p:txBody>
+          <a:bodyPr rtlCol="0" anchor="ctr"/>
+          <a:lstStyle/>
+          <a:p>
+            <a:pPr algn="ctr"/>
+            <a:r>
+              <a:rPr lang="ro-MD" dirty="0" smtClean="0">
+                <a:solidFill>
+                  <a:schemeClr val="tx1"/>
+                </a:solidFill>
+              </a:rPr>
+              <a:t>17</a:t>
+            </a:r>
+            <a:endParaRPr lang="en-US" dirty="0">
+              <a:solidFill>
+                <a:schemeClr val="tx1"/>
+              </a:solidFill>
+            </a:endParaRPr>
+          </a:p>
+        </p:txBody>
+      </p:sp>
+      <p:sp>
+        <p:nvSpPr>
+          <p:cNvPr id="21" name="Rectangle 20"/>
+          <p:cNvSpPr/>
+          <p:nvPr/>
+        </p:nvSpPr>
+        <p:spPr>
+          <a:xfrm>
+            <a:off x="5159259" y="839259"/>
+            <a:ext cx="540000" cy="540000"/>
+          </a:xfrm>
+          <a:prstGeom prst="rect">
+            <a:avLst/>
+          </a:prstGeom>
+          <a:solidFill>
+            <a:srgbClr val="388700"/>
+          </a:solidFill>
+          <a:ln>
+            <a:noFill/>
+          </a:ln>
+        </p:spPr>
+        <p:style>
+          <a:lnRef idx="2">
+            <a:schemeClr val="accent1">
+              <a:shade val="50000"/>
+            </a:schemeClr>
+          </a:lnRef>
+          <a:fillRef idx="1">
+            <a:schemeClr val="accent1"/>
+          </a:fillRef>
+          <a:effectRef idx="0">
+            <a:schemeClr val="accent1"/>
+          </a:effectRef>
+          <a:fontRef idx="minor">
+            <a:schemeClr val="lt1"/>
+          </a:fontRef>
+        </p:style>
+        <p:txBody>
+          <a:bodyPr rtlCol="0" anchor="ctr"/>
+          <a:lstStyle/>
+          <a:p>
+            <a:pPr algn="ctr"/>
+            <a:r>
+              <a:rPr lang="ro-MD" dirty="0" smtClean="0"/>
+              <a:t>19</a:t>
+            </a:r>
+            <a:endParaRPr lang="en-US" dirty="0"/>
+          </a:p>
+        </p:txBody>
+      </p:sp>
+      <p:sp>
+        <p:nvSpPr>
+          <p:cNvPr id="22" name="Rectangle 21"/>
+          <p:cNvSpPr/>
+          <p:nvPr/>
+        </p:nvSpPr>
+        <p:spPr>
+          <a:xfrm>
+            <a:off x="7319259" y="839259"/>
+            <a:ext cx="540000" cy="540000"/>
+          </a:xfrm>
+          <a:prstGeom prst="rect">
+            <a:avLst/>
+          </a:prstGeom>
+          <a:solidFill>
+            <a:srgbClr val="000000"/>
+          </a:solidFill>
+          <a:ln>
+            <a:noFill/>
+          </a:ln>
+        </p:spPr>
+        <p:style>
+          <a:lnRef idx="2">
+            <a:schemeClr val="accent1">
+              <a:shade val="50000"/>
+            </a:schemeClr>
+          </a:lnRef>
+          <a:fillRef idx="1">
+            <a:schemeClr val="accent1"/>
+          </a:fillRef>
+          <a:effectRef idx="0">
+            <a:schemeClr val="accent1"/>
+          </a:effectRef>
+          <a:fontRef idx="minor">
+            <a:schemeClr val="lt1"/>
+          </a:fontRef>
+        </p:style>
+        <p:txBody>
+          <a:bodyPr rtlCol="0" anchor="ctr"/>
+          <a:lstStyle/>
+          <a:p>
+            <a:pPr algn="ctr"/>
+            <a:r>
+              <a:rPr lang="ro-MD" dirty="0" smtClean="0"/>
+              <a:t>1D</a:t>
+            </a:r>
+            <a:endParaRPr lang="en-US" dirty="0"/>
+          </a:p>
+        </p:txBody>
+      </p:sp>
+      <p:sp>
+        <p:nvSpPr>
+          <p:cNvPr id="23" name="Rectangle 22"/>
+          <p:cNvSpPr/>
+          <p:nvPr/>
+        </p:nvSpPr>
+        <p:spPr>
+          <a:xfrm>
+            <a:off x="3539259" y="839259"/>
+            <a:ext cx="540000" cy="540000"/>
+          </a:xfrm>
+          <a:prstGeom prst="rect">
+            <a:avLst/>
+          </a:prstGeom>
+          <a:solidFill>
+            <a:srgbClr val="B53120"/>
+          </a:solidFill>
+          <a:ln>
+            <a:noFill/>
+          </a:ln>
+        </p:spPr>
+        <p:style>
+          <a:lnRef idx="2">
+            <a:schemeClr val="accent1">
+              <a:shade val="50000"/>
+            </a:schemeClr>
+          </a:lnRef>
+          <a:fillRef idx="1">
+            <a:schemeClr val="accent1"/>
+          </a:fillRef>
+          <a:effectRef idx="0">
+            <a:schemeClr val="accent1"/>
+          </a:effectRef>
+          <a:fontRef idx="minor">
+            <a:schemeClr val="lt1"/>
+          </a:fontRef>
+        </p:style>
+        <p:txBody>
+          <a:bodyPr rtlCol="0" anchor="ctr"/>
+          <a:lstStyle/>
+          <a:p>
+            <a:pPr algn="ctr"/>
+            <a:r>
+              <a:rPr lang="ro-MD" dirty="0" smtClean="0">
+                <a:solidFill>
+                  <a:schemeClr val="tx1"/>
+                </a:solidFill>
+              </a:rPr>
+              <a:t>16</a:t>
+            </a:r>
+            <a:endParaRPr lang="en-US" dirty="0">
+              <a:solidFill>
+                <a:schemeClr val="tx1"/>
+              </a:solidFill>
+            </a:endParaRPr>
+          </a:p>
+        </p:txBody>
+      </p:sp>
+      <p:sp>
+        <p:nvSpPr>
+          <p:cNvPr id="24" name="Rectangle 23"/>
+          <p:cNvSpPr/>
+          <p:nvPr/>
+        </p:nvSpPr>
+        <p:spPr>
+          <a:xfrm>
+            <a:off x="4619259" y="839259"/>
+            <a:ext cx="540000" cy="540000"/>
+          </a:xfrm>
+          <a:prstGeom prst="rect">
+            <a:avLst/>
+          </a:prstGeom>
+          <a:solidFill>
+            <a:srgbClr val="6B6D00"/>
+          </a:solidFill>
+          <a:ln>
+            <a:noFill/>
+          </a:ln>
+        </p:spPr>
+        <p:style>
+          <a:lnRef idx="2">
+            <a:schemeClr val="accent1">
+              <a:shade val="50000"/>
+            </a:schemeClr>
+          </a:lnRef>
+          <a:fillRef idx="1">
+            <a:schemeClr val="accent1"/>
+          </a:fillRef>
+          <a:effectRef idx="0">
+            <a:schemeClr val="accent1"/>
+          </a:effectRef>
+          <a:fontRef idx="minor">
+            <a:schemeClr val="lt1"/>
+          </a:fontRef>
+        </p:style>
+        <p:txBody>
+          <a:bodyPr rtlCol="0" anchor="ctr"/>
+          <a:lstStyle/>
+          <a:p>
+            <a:pPr algn="ctr"/>
+            <a:r>
+              <a:rPr lang="ro-MD" dirty="0" smtClean="0"/>
+              <a:t>18</a:t>
+            </a:r>
+            <a:endParaRPr lang="en-US" dirty="0"/>
+          </a:p>
+        </p:txBody>
+      </p:sp>
+      <p:sp>
+        <p:nvSpPr>
+          <p:cNvPr id="25" name="Rectangle 24"/>
+          <p:cNvSpPr/>
+          <p:nvPr/>
+        </p:nvSpPr>
+        <p:spPr>
+          <a:xfrm>
+            <a:off x="1379259" y="839259"/>
+            <a:ext cx="540000" cy="540000"/>
+          </a:xfrm>
+          <a:prstGeom prst="rect">
+            <a:avLst/>
+          </a:prstGeom>
+          <a:solidFill>
+            <a:srgbClr val="4240FF"/>
+          </a:solidFill>
+          <a:ln>
+            <a:noFill/>
+          </a:ln>
+        </p:spPr>
+        <p:style>
+          <a:lnRef idx="2">
+            <a:schemeClr val="accent1">
+              <a:shade val="50000"/>
+            </a:schemeClr>
+          </a:lnRef>
+          <a:fillRef idx="1">
+            <a:schemeClr val="accent1"/>
+          </a:fillRef>
+          <a:effectRef idx="0">
+            <a:schemeClr val="accent1"/>
+          </a:effectRef>
+          <a:fontRef idx="minor">
+            <a:schemeClr val="lt1"/>
+          </a:fontRef>
+        </p:style>
+        <p:txBody>
+          <a:bodyPr rtlCol="0" anchor="ctr"/>
+          <a:lstStyle/>
+          <a:p>
+            <a:pPr algn="ctr"/>
+            <a:r>
+              <a:rPr lang="ro-MD" dirty="0" smtClean="0">
+                <a:solidFill>
+                  <a:schemeClr val="tx1"/>
+                </a:solidFill>
+              </a:rPr>
+              <a:t>12</a:t>
+            </a:r>
+            <a:endParaRPr lang="en-US" dirty="0">
+              <a:solidFill>
+                <a:schemeClr val="tx1"/>
+              </a:solidFill>
+            </a:endParaRPr>
+          </a:p>
+        </p:txBody>
+      </p:sp>
+      <p:sp>
+        <p:nvSpPr>
+          <p:cNvPr id="26" name="Rectangle 25"/>
+          <p:cNvSpPr/>
+          <p:nvPr/>
+        </p:nvSpPr>
+        <p:spPr>
+          <a:xfrm>
+            <a:off x="1919259" y="839259"/>
+            <a:ext cx="540000" cy="540000"/>
+          </a:xfrm>
+          <a:prstGeom prst="rect">
+            <a:avLst/>
+          </a:prstGeom>
+          <a:solidFill>
+            <a:srgbClr val="7527FE"/>
+          </a:solidFill>
+          <a:ln>
+            <a:noFill/>
+          </a:ln>
+        </p:spPr>
+        <p:style>
+          <a:lnRef idx="2">
+            <a:schemeClr val="accent1">
+              <a:shade val="50000"/>
+            </a:schemeClr>
+          </a:lnRef>
+          <a:fillRef idx="1">
+            <a:schemeClr val="accent1"/>
+          </a:fillRef>
+          <a:effectRef idx="0">
+            <a:schemeClr val="accent1"/>
+          </a:effectRef>
+          <a:fontRef idx="minor">
+            <a:schemeClr val="lt1"/>
+          </a:fontRef>
+        </p:style>
+        <p:txBody>
+          <a:bodyPr rtlCol="0" anchor="ctr"/>
+          <a:lstStyle/>
+          <a:p>
+            <a:pPr algn="ctr"/>
+            <a:r>
+              <a:rPr lang="ro-MD" dirty="0" smtClean="0">
+                <a:solidFill>
+                  <a:schemeClr val="tx1"/>
+                </a:solidFill>
+              </a:rPr>
+              <a:t>13</a:t>
+            </a:r>
+            <a:endParaRPr lang="en-US" dirty="0">
+              <a:solidFill>
+                <a:schemeClr val="tx1"/>
+              </a:solidFill>
+            </a:endParaRPr>
+          </a:p>
+        </p:txBody>
+      </p:sp>
+      <p:sp>
+        <p:nvSpPr>
+          <p:cNvPr id="27" name="Rectangle 26"/>
+          <p:cNvSpPr/>
+          <p:nvPr/>
+        </p:nvSpPr>
+        <p:spPr>
+          <a:xfrm>
+            <a:off x="2999259" y="839259"/>
+            <a:ext cx="540000" cy="540000"/>
+          </a:xfrm>
+          <a:prstGeom prst="rect">
+            <a:avLst/>
+          </a:prstGeom>
+          <a:solidFill>
+            <a:srgbClr val="B71E7B"/>
+          </a:solidFill>
+          <a:ln>
+            <a:noFill/>
+          </a:ln>
+        </p:spPr>
+        <p:style>
+          <a:lnRef idx="2">
+            <a:schemeClr val="accent1">
+              <a:shade val="50000"/>
+            </a:schemeClr>
+          </a:lnRef>
+          <a:fillRef idx="1">
+            <a:schemeClr val="accent1"/>
+          </a:fillRef>
+          <a:effectRef idx="0">
+            <a:schemeClr val="accent1"/>
+          </a:effectRef>
+          <a:fontRef idx="minor">
+            <a:schemeClr val="lt1"/>
+          </a:fontRef>
+        </p:style>
+        <p:txBody>
+          <a:bodyPr rtlCol="0" anchor="ctr"/>
+          <a:lstStyle/>
+          <a:p>
+            <a:pPr algn="ctr"/>
+            <a:r>
+              <a:rPr lang="ro-MD" dirty="0" smtClean="0">
+                <a:solidFill>
+                  <a:schemeClr val="tx1"/>
+                </a:solidFill>
+              </a:rPr>
+              <a:t>15</a:t>
+            </a:r>
+            <a:endParaRPr lang="en-US" dirty="0">
+              <a:solidFill>
+                <a:schemeClr val="tx1"/>
+              </a:solidFill>
+            </a:endParaRPr>
+          </a:p>
+        </p:txBody>
+      </p:sp>
+      <p:sp>
+        <p:nvSpPr>
+          <p:cNvPr id="28" name="Rectangle 27"/>
+          <p:cNvSpPr/>
+          <p:nvPr/>
+        </p:nvSpPr>
+        <p:spPr>
+          <a:xfrm>
+            <a:off x="2459259" y="839259"/>
+            <a:ext cx="540000" cy="540000"/>
+          </a:xfrm>
+          <a:prstGeom prst="rect">
+            <a:avLst/>
+          </a:prstGeom>
+          <a:solidFill>
+            <a:srgbClr val="A01ACC"/>
+          </a:solidFill>
+          <a:ln>
+            <a:noFill/>
+          </a:ln>
+        </p:spPr>
+        <p:style>
+          <a:lnRef idx="2">
+            <a:schemeClr val="accent1">
+              <a:shade val="50000"/>
+            </a:schemeClr>
+          </a:lnRef>
+          <a:fillRef idx="1">
+            <a:schemeClr val="accent1"/>
+          </a:fillRef>
+          <a:effectRef idx="0">
+            <a:schemeClr val="accent1"/>
+          </a:effectRef>
+          <a:fontRef idx="minor">
+            <a:schemeClr val="lt1"/>
+          </a:fontRef>
+        </p:style>
+        <p:txBody>
+          <a:bodyPr rtlCol="0" anchor="ctr"/>
+          <a:lstStyle/>
+          <a:p>
+            <a:pPr algn="ctr"/>
+            <a:r>
+              <a:rPr lang="ro-MD" dirty="0" smtClean="0">
+                <a:solidFill>
+                  <a:schemeClr val="tx1"/>
+                </a:solidFill>
+              </a:rPr>
+              <a:t>14</a:t>
+            </a:r>
+            <a:endParaRPr lang="en-US" dirty="0">
+              <a:solidFill>
+                <a:schemeClr val="tx1"/>
+              </a:solidFill>
+            </a:endParaRPr>
+          </a:p>
+        </p:txBody>
+      </p:sp>
+      <p:sp>
+        <p:nvSpPr>
+          <p:cNvPr id="29" name="Rectangle 28"/>
+          <p:cNvSpPr/>
+          <p:nvPr/>
+        </p:nvSpPr>
+        <p:spPr>
+          <a:xfrm>
+            <a:off x="5699259" y="839259"/>
+            <a:ext cx="540000" cy="540000"/>
+          </a:xfrm>
+          <a:prstGeom prst="rect">
+            <a:avLst/>
+          </a:prstGeom>
+          <a:solidFill>
+            <a:srgbClr val="0C9300"/>
+          </a:solidFill>
+          <a:ln>
+            <a:noFill/>
+          </a:ln>
+        </p:spPr>
+        <p:style>
+          <a:lnRef idx="2">
+            <a:schemeClr val="accent1">
+              <a:shade val="50000"/>
+            </a:schemeClr>
+          </a:lnRef>
+          <a:fillRef idx="1">
+            <a:schemeClr val="accent1"/>
+          </a:fillRef>
+          <a:effectRef idx="0">
+            <a:schemeClr val="accent1"/>
+          </a:effectRef>
+          <a:fontRef idx="minor">
+            <a:schemeClr val="lt1"/>
+          </a:fontRef>
+        </p:style>
+        <p:txBody>
+          <a:bodyPr rtlCol="0" anchor="ctr"/>
+          <a:lstStyle/>
+          <a:p>
+            <a:pPr algn="ctr"/>
+            <a:r>
+              <a:rPr lang="ro-MD" dirty="0" smtClean="0"/>
+              <a:t>1A</a:t>
+            </a:r>
+            <a:endParaRPr lang="en-US" dirty="0"/>
+          </a:p>
+        </p:txBody>
+      </p:sp>
+      <p:sp>
+        <p:nvSpPr>
+          <p:cNvPr id="30" name="Rectangle 29"/>
+          <p:cNvSpPr/>
+          <p:nvPr/>
+        </p:nvSpPr>
+        <p:spPr>
+          <a:xfrm>
+            <a:off x="6239259" y="839259"/>
+            <a:ext cx="540000" cy="540000"/>
+          </a:xfrm>
+          <a:prstGeom prst="rect">
+            <a:avLst/>
+          </a:prstGeom>
+          <a:solidFill>
+            <a:srgbClr val="008F32"/>
+          </a:solidFill>
+          <a:ln>
+            <a:noFill/>
+          </a:ln>
+        </p:spPr>
+        <p:style>
+          <a:lnRef idx="2">
+            <a:schemeClr val="accent1">
+              <a:shade val="50000"/>
+            </a:schemeClr>
+          </a:lnRef>
+          <a:fillRef idx="1">
+            <a:schemeClr val="accent1"/>
+          </a:fillRef>
+          <a:effectRef idx="0">
+            <a:schemeClr val="accent1"/>
+          </a:effectRef>
+          <a:fontRef idx="minor">
+            <a:schemeClr val="lt1"/>
+          </a:fontRef>
+        </p:style>
+        <p:txBody>
+          <a:bodyPr rtlCol="0" anchor="ctr"/>
+          <a:lstStyle/>
+          <a:p>
+            <a:pPr algn="ctr"/>
+            <a:r>
+              <a:rPr lang="ro-MD" dirty="0" smtClean="0"/>
+              <a:t>1B</a:t>
+            </a:r>
+            <a:endParaRPr lang="en-US" dirty="0"/>
+          </a:p>
+        </p:txBody>
+      </p:sp>
+      <p:sp>
+        <p:nvSpPr>
+          <p:cNvPr id="31" name="Rectangle 30"/>
+          <p:cNvSpPr/>
+          <p:nvPr/>
+        </p:nvSpPr>
+        <p:spPr>
+          <a:xfrm>
+            <a:off x="6779259" y="839259"/>
+            <a:ext cx="540000" cy="540000"/>
+          </a:xfrm>
+          <a:prstGeom prst="rect">
+            <a:avLst/>
+          </a:prstGeom>
+          <a:solidFill>
+            <a:srgbClr val="007C8D"/>
+          </a:solidFill>
+          <a:ln>
+            <a:noFill/>
+          </a:ln>
+        </p:spPr>
+        <p:style>
+          <a:lnRef idx="2">
+            <a:schemeClr val="accent1">
+              <a:shade val="50000"/>
+            </a:schemeClr>
+          </a:lnRef>
+          <a:fillRef idx="1">
+            <a:schemeClr val="accent1"/>
+          </a:fillRef>
+          <a:effectRef idx="0">
+            <a:schemeClr val="accent1"/>
+          </a:effectRef>
+          <a:fontRef idx="minor">
+            <a:schemeClr val="lt1"/>
+          </a:fontRef>
+        </p:style>
+        <p:txBody>
+          <a:bodyPr rtlCol="0" anchor="ctr"/>
+          <a:lstStyle/>
+          <a:p>
+            <a:pPr algn="ctr"/>
+            <a:r>
+              <a:rPr lang="ro-MD" dirty="0" smtClean="0"/>
+              <a:t>1C</a:t>
+            </a:r>
+            <a:endParaRPr lang="en-US" dirty="0"/>
+          </a:p>
+        </p:txBody>
+      </p:sp>
+      <p:sp>
+        <p:nvSpPr>
+          <p:cNvPr id="32" name="Rectangle 31"/>
+          <p:cNvSpPr/>
+          <p:nvPr/>
+        </p:nvSpPr>
+        <p:spPr>
+          <a:xfrm>
+            <a:off x="8399259" y="839259"/>
+            <a:ext cx="540000" cy="540000"/>
+          </a:xfrm>
+          <a:prstGeom prst="rect">
+            <a:avLst/>
+          </a:prstGeom>
+          <a:solidFill>
+            <a:srgbClr val="000000"/>
+          </a:solidFill>
+          <a:ln>
+            <a:noFill/>
+          </a:ln>
+        </p:spPr>
+        <p:style>
+          <a:lnRef idx="2">
+            <a:schemeClr val="accent1">
+              <a:shade val="50000"/>
+            </a:schemeClr>
+          </a:lnRef>
+          <a:fillRef idx="1">
+            <a:schemeClr val="accent1"/>
+          </a:fillRef>
+          <a:effectRef idx="0">
+            <a:schemeClr val="accent1"/>
+          </a:effectRef>
+          <a:fontRef idx="minor">
+            <a:schemeClr val="lt1"/>
+          </a:fontRef>
+        </p:style>
+        <p:txBody>
+          <a:bodyPr rtlCol="0" anchor="ctr"/>
+          <a:lstStyle/>
+          <a:p>
+            <a:pPr algn="ctr"/>
+            <a:r>
+              <a:rPr lang="ro-MD" dirty="0" smtClean="0"/>
+              <a:t>1F</a:t>
+            </a:r>
+            <a:endParaRPr lang="en-US" dirty="0"/>
+          </a:p>
+        </p:txBody>
+      </p:sp>
+      <p:sp>
+        <p:nvSpPr>
+          <p:cNvPr id="33" name="Rectangle 32"/>
+          <p:cNvSpPr/>
+          <p:nvPr/>
+        </p:nvSpPr>
+        <p:spPr>
+          <a:xfrm>
+            <a:off x="7859259" y="839259"/>
+            <a:ext cx="540000" cy="540000"/>
+          </a:xfrm>
+          <a:prstGeom prst="rect">
+            <a:avLst/>
+          </a:prstGeom>
+          <a:solidFill>
+            <a:srgbClr val="000000"/>
+          </a:solidFill>
+          <a:ln>
+            <a:noFill/>
+          </a:ln>
+        </p:spPr>
+        <p:style>
+          <a:lnRef idx="2">
+            <a:schemeClr val="accent1">
+              <a:shade val="50000"/>
+            </a:schemeClr>
+          </a:lnRef>
+          <a:fillRef idx="1">
+            <a:schemeClr val="accent1"/>
+          </a:fillRef>
+          <a:effectRef idx="0">
+            <a:schemeClr val="accent1"/>
+          </a:effectRef>
+          <a:fontRef idx="minor">
+            <a:schemeClr val="lt1"/>
+          </a:fontRef>
+        </p:style>
+        <p:txBody>
+          <a:bodyPr rtlCol="0" anchor="ctr"/>
+          <a:lstStyle/>
+          <a:p>
+            <a:pPr algn="ctr"/>
+            <a:r>
+              <a:rPr lang="ro-MD" dirty="0" smtClean="0"/>
+              <a:t>1E</a:t>
+            </a:r>
+            <a:endParaRPr lang="en-US" dirty="0"/>
+          </a:p>
+        </p:txBody>
+      </p:sp>
+      <p:sp>
+        <p:nvSpPr>
+          <p:cNvPr id="34" name="Rectangle 33"/>
+          <p:cNvSpPr/>
+          <p:nvPr/>
+        </p:nvSpPr>
+        <p:spPr>
+          <a:xfrm>
+            <a:off x="299259" y="1379259"/>
+            <a:ext cx="540000" cy="540000"/>
+          </a:xfrm>
+          <a:prstGeom prst="rect">
+            <a:avLst/>
+          </a:prstGeom>
+          <a:solidFill>
+            <a:srgbClr val="FFFEFF"/>
+          </a:solidFill>
+          <a:ln>
+            <a:noFill/>
+          </a:ln>
+        </p:spPr>
+        <p:style>
+          <a:lnRef idx="2">
+            <a:schemeClr val="accent1">
+              <a:shade val="50000"/>
+            </a:schemeClr>
+          </a:lnRef>
+          <a:fillRef idx="1">
+            <a:schemeClr val="accent1"/>
+          </a:fillRef>
+          <a:effectRef idx="0">
+            <a:schemeClr val="accent1"/>
+          </a:effectRef>
+          <a:fontRef idx="minor">
+            <a:schemeClr val="lt1"/>
+          </a:fontRef>
+        </p:style>
+        <p:txBody>
+          <a:bodyPr rtlCol="0" anchor="ctr"/>
+          <a:lstStyle/>
+          <a:p>
+            <a:pPr algn="ctr"/>
+            <a:r>
+              <a:rPr lang="ro-MD" dirty="0" smtClean="0">
+                <a:solidFill>
+                  <a:schemeClr val="tx1"/>
+                </a:solidFill>
+              </a:rPr>
+              <a:t>20</a:t>
+            </a:r>
+            <a:endParaRPr lang="en-US" dirty="0">
+              <a:solidFill>
+                <a:schemeClr val="tx1"/>
+              </a:solidFill>
+            </a:endParaRPr>
+          </a:p>
+        </p:txBody>
+      </p:sp>
+      <p:sp>
+        <p:nvSpPr>
+          <p:cNvPr id="35" name="Rectangle 34"/>
+          <p:cNvSpPr/>
+          <p:nvPr/>
+        </p:nvSpPr>
+        <p:spPr>
+          <a:xfrm>
+            <a:off x="839259" y="1379259"/>
+            <a:ext cx="540000" cy="540000"/>
+          </a:xfrm>
+          <a:prstGeom prst="rect">
+            <a:avLst/>
+          </a:prstGeom>
+          <a:solidFill>
+            <a:srgbClr val="64B0FF"/>
+          </a:solidFill>
+          <a:ln>
+            <a:noFill/>
+          </a:ln>
+        </p:spPr>
+        <p:style>
+          <a:lnRef idx="2">
+            <a:schemeClr val="accent1">
+              <a:shade val="50000"/>
+            </a:schemeClr>
+          </a:lnRef>
+          <a:fillRef idx="1">
+            <a:schemeClr val="accent1"/>
+          </a:fillRef>
+          <a:effectRef idx="0">
+            <a:schemeClr val="accent1"/>
+          </a:effectRef>
+          <a:fontRef idx="minor">
+            <a:schemeClr val="lt1"/>
+          </a:fontRef>
+        </p:style>
+        <p:txBody>
+          <a:bodyPr rtlCol="0" anchor="ctr"/>
+          <a:lstStyle/>
+          <a:p>
+            <a:pPr algn="ctr"/>
+            <a:r>
+              <a:rPr lang="ro-MD" dirty="0" smtClean="0">
+                <a:solidFill>
+                  <a:schemeClr val="tx1"/>
+                </a:solidFill>
+              </a:rPr>
+              <a:t>21</a:t>
+            </a:r>
+            <a:endParaRPr lang="en-US" dirty="0">
+              <a:solidFill>
+                <a:schemeClr val="tx1"/>
+              </a:solidFill>
+            </a:endParaRPr>
+          </a:p>
+        </p:txBody>
+      </p:sp>
+      <p:sp>
+        <p:nvSpPr>
+          <p:cNvPr id="36" name="Rectangle 35"/>
+          <p:cNvSpPr/>
+          <p:nvPr/>
+        </p:nvSpPr>
+        <p:spPr>
+          <a:xfrm>
+            <a:off x="4079259" y="1379259"/>
+            <a:ext cx="540000" cy="540000"/>
+          </a:xfrm>
+          <a:prstGeom prst="rect">
+            <a:avLst/>
+          </a:prstGeom>
+          <a:solidFill>
+            <a:srgbClr val="EA9E22"/>
+          </a:solidFill>
+          <a:ln>
+            <a:noFill/>
+          </a:ln>
+        </p:spPr>
+        <p:style>
+          <a:lnRef idx="2">
+            <a:schemeClr val="accent1">
+              <a:shade val="50000"/>
+            </a:schemeClr>
+          </a:lnRef>
+          <a:fillRef idx="1">
+            <a:schemeClr val="accent1"/>
+          </a:fillRef>
+          <a:effectRef idx="0">
+            <a:schemeClr val="accent1"/>
+          </a:effectRef>
+          <a:fontRef idx="minor">
+            <a:schemeClr val="lt1"/>
+          </a:fontRef>
+        </p:style>
+        <p:txBody>
+          <a:bodyPr rtlCol="0" anchor="ctr"/>
+          <a:lstStyle/>
+          <a:p>
+            <a:pPr algn="ctr"/>
+            <a:r>
+              <a:rPr lang="ro-MD" dirty="0" smtClean="0">
+                <a:solidFill>
+                  <a:schemeClr val="tx1"/>
+                </a:solidFill>
+              </a:rPr>
+              <a:t>27</a:t>
+            </a:r>
+            <a:endParaRPr lang="en-US" dirty="0">
+              <a:solidFill>
+                <a:schemeClr val="tx1"/>
+              </a:solidFill>
+            </a:endParaRPr>
+          </a:p>
+        </p:txBody>
+      </p:sp>
+      <p:sp>
+        <p:nvSpPr>
+          <p:cNvPr id="37" name="Rectangle 36"/>
+          <p:cNvSpPr/>
+          <p:nvPr/>
+        </p:nvSpPr>
+        <p:spPr>
+          <a:xfrm>
+            <a:off x="5159259" y="1379259"/>
+            <a:ext cx="540000" cy="540000"/>
+          </a:xfrm>
+          <a:prstGeom prst="rect">
+            <a:avLst/>
+          </a:prstGeom>
+          <a:solidFill>
+            <a:srgbClr val="88D800"/>
+          </a:solidFill>
+          <a:ln>
+            <a:noFill/>
+          </a:ln>
+        </p:spPr>
+        <p:style>
+          <a:lnRef idx="2">
+            <a:schemeClr val="accent1">
+              <a:shade val="50000"/>
+            </a:schemeClr>
+          </a:lnRef>
+          <a:fillRef idx="1">
+            <a:schemeClr val="accent1"/>
+          </a:fillRef>
+          <a:effectRef idx="0">
+            <a:schemeClr val="accent1"/>
+          </a:effectRef>
+          <a:fontRef idx="minor">
+            <a:schemeClr val="lt1"/>
+          </a:fontRef>
+        </p:style>
+        <p:txBody>
+          <a:bodyPr rtlCol="0" anchor="ctr"/>
+          <a:lstStyle/>
+          <a:p>
+            <a:pPr algn="ctr"/>
+            <a:r>
+              <a:rPr lang="ro-MD" dirty="0" smtClean="0"/>
+              <a:t>29</a:t>
+            </a:r>
+            <a:endParaRPr lang="en-US" dirty="0"/>
+          </a:p>
+        </p:txBody>
+      </p:sp>
+      <p:sp>
+        <p:nvSpPr>
+          <p:cNvPr id="38" name="Rectangle 37"/>
+          <p:cNvSpPr/>
+          <p:nvPr/>
+        </p:nvSpPr>
+        <p:spPr>
+          <a:xfrm>
+            <a:off x="7319259" y="1379259"/>
+            <a:ext cx="540000" cy="540000"/>
+          </a:xfrm>
+          <a:prstGeom prst="rect">
+            <a:avLst/>
+          </a:prstGeom>
+          <a:solidFill>
+            <a:srgbClr val="4F4F4F"/>
+          </a:solidFill>
+          <a:ln>
+            <a:noFill/>
+          </a:ln>
+        </p:spPr>
+        <p:style>
+          <a:lnRef idx="2">
+            <a:schemeClr val="accent1">
+              <a:shade val="50000"/>
+            </a:schemeClr>
+          </a:lnRef>
+          <a:fillRef idx="1">
+            <a:schemeClr val="accent1"/>
+          </a:fillRef>
+          <a:effectRef idx="0">
+            <a:schemeClr val="accent1"/>
+          </a:effectRef>
+          <a:fontRef idx="minor">
+            <a:schemeClr val="lt1"/>
+          </a:fontRef>
+        </p:style>
+        <p:txBody>
+          <a:bodyPr rtlCol="0" anchor="ctr"/>
+          <a:lstStyle/>
+          <a:p>
+            <a:pPr algn="ctr"/>
+            <a:r>
+              <a:rPr lang="ro-MD" dirty="0" smtClean="0"/>
+              <a:t>2D</a:t>
+            </a:r>
+            <a:endParaRPr lang="en-US" dirty="0"/>
+          </a:p>
+        </p:txBody>
+      </p:sp>
+      <p:sp>
+        <p:nvSpPr>
+          <p:cNvPr id="39" name="Rectangle 38"/>
+          <p:cNvSpPr/>
+          <p:nvPr/>
+        </p:nvSpPr>
+        <p:spPr>
+          <a:xfrm>
+            <a:off x="3539259" y="1379259"/>
+            <a:ext cx="540000" cy="540000"/>
+          </a:xfrm>
+          <a:prstGeom prst="rect">
+            <a:avLst/>
+          </a:prstGeom>
+          <a:solidFill>
+            <a:srgbClr val="FE8170"/>
+          </a:solidFill>
+          <a:ln>
+            <a:noFill/>
+          </a:ln>
+        </p:spPr>
+        <p:style>
+          <a:lnRef idx="2">
+            <a:schemeClr val="accent1">
+              <a:shade val="50000"/>
+            </a:schemeClr>
+          </a:lnRef>
+          <a:fillRef idx="1">
+            <a:schemeClr val="accent1"/>
+          </a:fillRef>
+          <a:effectRef idx="0">
+            <a:schemeClr val="accent1"/>
+          </a:effectRef>
+          <a:fontRef idx="minor">
+            <a:schemeClr val="lt1"/>
+          </a:fontRef>
+        </p:style>
+        <p:txBody>
+          <a:bodyPr rtlCol="0" anchor="ctr"/>
+          <a:lstStyle/>
+          <a:p>
+            <a:pPr algn="ctr"/>
+            <a:r>
+              <a:rPr lang="ro-MD" dirty="0" smtClean="0">
+                <a:solidFill>
+                  <a:schemeClr val="tx1"/>
+                </a:solidFill>
+              </a:rPr>
+              <a:t>26</a:t>
+            </a:r>
+            <a:endParaRPr lang="en-US" dirty="0">
+              <a:solidFill>
+                <a:schemeClr val="tx1"/>
+              </a:solidFill>
+            </a:endParaRPr>
+          </a:p>
+        </p:txBody>
+      </p:sp>
+      <p:sp>
+        <p:nvSpPr>
+          <p:cNvPr id="40" name="Rectangle 39"/>
+          <p:cNvSpPr/>
+          <p:nvPr/>
+        </p:nvSpPr>
+        <p:spPr>
+          <a:xfrm>
+            <a:off x="4619259" y="1379259"/>
+            <a:ext cx="540000" cy="540000"/>
+          </a:xfrm>
+          <a:prstGeom prst="rect">
+            <a:avLst/>
+          </a:prstGeom>
+          <a:solidFill>
+            <a:srgbClr val="BCBE00"/>
+          </a:solidFill>
+          <a:ln>
+            <a:noFill/>
+          </a:ln>
+        </p:spPr>
+        <p:style>
+          <a:lnRef idx="2">
+            <a:schemeClr val="accent1">
+              <a:shade val="50000"/>
+            </a:schemeClr>
+          </a:lnRef>
+          <a:fillRef idx="1">
+            <a:schemeClr val="accent1"/>
+          </a:fillRef>
+          <a:effectRef idx="0">
+            <a:schemeClr val="accent1"/>
+          </a:effectRef>
+          <a:fontRef idx="minor">
+            <a:schemeClr val="lt1"/>
+          </a:fontRef>
+        </p:style>
+        <p:txBody>
+          <a:bodyPr rtlCol="0" anchor="ctr"/>
+          <a:lstStyle/>
+          <a:p>
+            <a:pPr algn="ctr"/>
+            <a:r>
+              <a:rPr lang="ro-MD" dirty="0" smtClean="0"/>
+              <a:t>28</a:t>
+            </a:r>
+            <a:endParaRPr lang="en-US" dirty="0"/>
+          </a:p>
+        </p:txBody>
+      </p:sp>
+      <p:sp>
+        <p:nvSpPr>
+          <p:cNvPr id="41" name="Rectangle 40"/>
+          <p:cNvSpPr/>
+          <p:nvPr/>
+        </p:nvSpPr>
+        <p:spPr>
+          <a:xfrm>
+            <a:off x="1379259" y="1379259"/>
+            <a:ext cx="540000" cy="540000"/>
+          </a:xfrm>
+          <a:prstGeom prst="rect">
+            <a:avLst/>
+          </a:prstGeom>
+          <a:solidFill>
+            <a:srgbClr val="9290FF"/>
+          </a:solidFill>
+          <a:ln>
+            <a:noFill/>
+          </a:ln>
+        </p:spPr>
+        <p:style>
+          <a:lnRef idx="2">
+            <a:schemeClr val="accent1">
+              <a:shade val="50000"/>
+            </a:schemeClr>
+          </a:lnRef>
+          <a:fillRef idx="1">
+            <a:schemeClr val="accent1"/>
+          </a:fillRef>
+          <a:effectRef idx="0">
+            <a:schemeClr val="accent1"/>
+          </a:effectRef>
+          <a:fontRef idx="minor">
+            <a:schemeClr val="lt1"/>
+          </a:fontRef>
+        </p:style>
+        <p:txBody>
+          <a:bodyPr rtlCol="0" anchor="ctr"/>
+          <a:lstStyle/>
+          <a:p>
+            <a:pPr algn="ctr"/>
+            <a:r>
+              <a:rPr lang="ro-MD" dirty="0" smtClean="0">
+                <a:solidFill>
+                  <a:schemeClr val="tx1"/>
+                </a:solidFill>
+              </a:rPr>
+              <a:t>22</a:t>
+            </a:r>
+            <a:endParaRPr lang="en-US" dirty="0">
+              <a:solidFill>
+                <a:schemeClr val="tx1"/>
+              </a:solidFill>
+            </a:endParaRPr>
+          </a:p>
+        </p:txBody>
+      </p:sp>
+      <p:sp>
+        <p:nvSpPr>
+          <p:cNvPr id="42" name="Rectangle 41"/>
+          <p:cNvSpPr/>
+          <p:nvPr/>
+        </p:nvSpPr>
+        <p:spPr>
+          <a:xfrm>
+            <a:off x="1919259" y="1379259"/>
+            <a:ext cx="540000" cy="540000"/>
+          </a:xfrm>
+          <a:prstGeom prst="rect">
+            <a:avLst/>
+          </a:prstGeom>
+          <a:solidFill>
+            <a:srgbClr val="C676FF"/>
+          </a:solidFill>
+          <a:ln>
+            <a:noFill/>
+          </a:ln>
+        </p:spPr>
+        <p:style>
+          <a:lnRef idx="2">
+            <a:schemeClr val="accent1">
+              <a:shade val="50000"/>
+            </a:schemeClr>
+          </a:lnRef>
+          <a:fillRef idx="1">
+            <a:schemeClr val="accent1"/>
+          </a:fillRef>
+          <a:effectRef idx="0">
+            <a:schemeClr val="accent1"/>
+          </a:effectRef>
+          <a:fontRef idx="minor">
+            <a:schemeClr val="lt1"/>
+          </a:fontRef>
+        </p:style>
+        <p:txBody>
+          <a:bodyPr rtlCol="0" anchor="ctr"/>
+          <a:lstStyle/>
+          <a:p>
+            <a:pPr algn="ctr"/>
+            <a:r>
+              <a:rPr lang="ro-MD" dirty="0" smtClean="0">
+                <a:solidFill>
+                  <a:schemeClr val="tx1"/>
+                </a:solidFill>
+              </a:rPr>
+              <a:t>23</a:t>
+            </a:r>
+            <a:endParaRPr lang="en-US" dirty="0">
+              <a:solidFill>
+                <a:schemeClr val="tx1"/>
+              </a:solidFill>
+            </a:endParaRPr>
+          </a:p>
+        </p:txBody>
+      </p:sp>
+      <p:sp>
+        <p:nvSpPr>
+          <p:cNvPr id="43" name="Rectangle 42"/>
+          <p:cNvSpPr/>
+          <p:nvPr/>
+        </p:nvSpPr>
+        <p:spPr>
+          <a:xfrm>
+            <a:off x="2999259" y="1379259"/>
+            <a:ext cx="540000" cy="540000"/>
+          </a:xfrm>
+          <a:prstGeom prst="rect">
+            <a:avLst/>
+          </a:prstGeom>
+          <a:solidFill>
+            <a:srgbClr val="FE6ECC"/>
+          </a:solidFill>
+          <a:ln>
+            <a:noFill/>
+          </a:ln>
+        </p:spPr>
+        <p:style>
+          <a:lnRef idx="2">
+            <a:schemeClr val="accent1">
+              <a:shade val="50000"/>
+            </a:schemeClr>
+          </a:lnRef>
+          <a:fillRef idx="1">
+            <a:schemeClr val="accent1"/>
+          </a:fillRef>
+          <a:effectRef idx="0">
+            <a:schemeClr val="accent1"/>
+          </a:effectRef>
+          <a:fontRef idx="minor">
+            <a:schemeClr val="lt1"/>
+          </a:fontRef>
+        </p:style>
+        <p:txBody>
+          <a:bodyPr rtlCol="0" anchor="ctr"/>
+          <a:lstStyle/>
+          <a:p>
+            <a:pPr algn="ctr"/>
+            <a:r>
+              <a:rPr lang="ro-MD" dirty="0" smtClean="0">
+                <a:solidFill>
+                  <a:schemeClr val="tx1"/>
+                </a:solidFill>
+              </a:rPr>
+              <a:t>25</a:t>
+            </a:r>
+            <a:endParaRPr lang="en-US" dirty="0">
+              <a:solidFill>
+                <a:schemeClr val="tx1"/>
+              </a:solidFill>
+            </a:endParaRPr>
+          </a:p>
+        </p:txBody>
+      </p:sp>
+      <p:sp>
+        <p:nvSpPr>
+          <p:cNvPr id="44" name="Rectangle 43"/>
+          <p:cNvSpPr/>
+          <p:nvPr/>
+        </p:nvSpPr>
+        <p:spPr>
+          <a:xfrm>
+            <a:off x="2459259" y="1379259"/>
+            <a:ext cx="540000" cy="540000"/>
+          </a:xfrm>
+          <a:prstGeom prst="rect">
+            <a:avLst/>
+          </a:prstGeom>
+          <a:solidFill>
+            <a:srgbClr val="F36AFF"/>
+          </a:solidFill>
+          <a:ln>
+            <a:noFill/>
+          </a:ln>
+        </p:spPr>
+        <p:style>
+          <a:lnRef idx="2">
+            <a:schemeClr val="accent1">
+              <a:shade val="50000"/>
+            </a:schemeClr>
+          </a:lnRef>
+          <a:fillRef idx="1">
+            <a:schemeClr val="accent1"/>
+          </a:fillRef>
+          <a:effectRef idx="0">
+            <a:schemeClr val="accent1"/>
+          </a:effectRef>
+          <a:fontRef idx="minor">
+            <a:schemeClr val="lt1"/>
+          </a:fontRef>
+        </p:style>
+        <p:txBody>
+          <a:bodyPr rtlCol="0" anchor="ctr"/>
+          <a:lstStyle/>
+          <a:p>
+            <a:pPr algn="ctr"/>
+            <a:r>
+              <a:rPr lang="ro-MD" dirty="0" smtClean="0">
+                <a:solidFill>
+                  <a:schemeClr val="tx1"/>
+                </a:solidFill>
+              </a:rPr>
+              <a:t>24</a:t>
+            </a:r>
+            <a:endParaRPr lang="en-US" dirty="0">
+              <a:solidFill>
+                <a:schemeClr val="tx1"/>
+              </a:solidFill>
+            </a:endParaRPr>
+          </a:p>
+        </p:txBody>
+      </p:sp>
+      <p:sp>
+        <p:nvSpPr>
+          <p:cNvPr id="45" name="Rectangle 44"/>
+          <p:cNvSpPr/>
+          <p:nvPr/>
+        </p:nvSpPr>
+        <p:spPr>
+          <a:xfrm>
+            <a:off x="5699259" y="1379259"/>
+            <a:ext cx="540000" cy="540000"/>
+          </a:xfrm>
+          <a:prstGeom prst="rect">
+            <a:avLst/>
+          </a:prstGeom>
+          <a:solidFill>
+            <a:srgbClr val="5CE430"/>
+          </a:solidFill>
+          <a:ln>
+            <a:noFill/>
+          </a:ln>
+        </p:spPr>
+        <p:style>
+          <a:lnRef idx="2">
+            <a:schemeClr val="accent1">
+              <a:shade val="50000"/>
+            </a:schemeClr>
+          </a:lnRef>
+          <a:fillRef idx="1">
+            <a:schemeClr val="accent1"/>
+          </a:fillRef>
+          <a:effectRef idx="0">
+            <a:schemeClr val="accent1"/>
+          </a:effectRef>
+          <a:fontRef idx="minor">
+            <a:schemeClr val="lt1"/>
+          </a:fontRef>
+        </p:style>
+        <p:txBody>
+          <a:bodyPr rtlCol="0" anchor="ctr"/>
+          <a:lstStyle/>
+          <a:p>
+            <a:pPr algn="ctr"/>
+            <a:r>
+              <a:rPr lang="ro-MD" dirty="0" smtClean="0"/>
+              <a:t>2A</a:t>
+            </a:r>
+            <a:endParaRPr lang="en-US" dirty="0"/>
+          </a:p>
+        </p:txBody>
+      </p:sp>
+      <p:sp>
+        <p:nvSpPr>
+          <p:cNvPr id="46" name="Rectangle 45"/>
+          <p:cNvSpPr/>
+          <p:nvPr/>
+        </p:nvSpPr>
+        <p:spPr>
+          <a:xfrm>
+            <a:off x="6239259" y="1379259"/>
+            <a:ext cx="540000" cy="540000"/>
+          </a:xfrm>
+          <a:prstGeom prst="rect">
+            <a:avLst/>
+          </a:prstGeom>
+          <a:solidFill>
+            <a:srgbClr val="45E082"/>
+          </a:solidFill>
+          <a:ln>
+            <a:noFill/>
+          </a:ln>
+        </p:spPr>
+        <p:style>
+          <a:lnRef idx="2">
+            <a:schemeClr val="accent1">
+              <a:shade val="50000"/>
+            </a:schemeClr>
+          </a:lnRef>
+          <a:fillRef idx="1">
+            <a:schemeClr val="accent1"/>
+          </a:fillRef>
+          <a:effectRef idx="0">
+            <a:schemeClr val="accent1"/>
+          </a:effectRef>
+          <a:fontRef idx="minor">
+            <a:schemeClr val="lt1"/>
+          </a:fontRef>
+        </p:style>
+        <p:txBody>
+          <a:bodyPr rtlCol="0" anchor="ctr"/>
+          <a:lstStyle/>
+          <a:p>
+            <a:pPr algn="ctr"/>
+            <a:r>
+              <a:rPr lang="ro-MD" dirty="0" smtClean="0"/>
+              <a:t>2B</a:t>
+            </a:r>
+            <a:endParaRPr lang="en-US" dirty="0"/>
+          </a:p>
+        </p:txBody>
+      </p:sp>
+      <p:sp>
+        <p:nvSpPr>
+          <p:cNvPr id="47" name="Rectangle 46"/>
+          <p:cNvSpPr/>
+          <p:nvPr/>
+        </p:nvSpPr>
+        <p:spPr>
+          <a:xfrm>
+            <a:off x="6779259" y="1379259"/>
+            <a:ext cx="540000" cy="540000"/>
+          </a:xfrm>
+          <a:prstGeom prst="rect">
+            <a:avLst/>
+          </a:prstGeom>
+          <a:solidFill>
+            <a:srgbClr val="48CDDE"/>
+          </a:solidFill>
+          <a:ln>
+            <a:noFill/>
+          </a:ln>
+        </p:spPr>
+        <p:style>
+          <a:lnRef idx="2">
+            <a:schemeClr val="accent1">
+              <a:shade val="50000"/>
+            </a:schemeClr>
+          </a:lnRef>
+          <a:fillRef idx="1">
+            <a:schemeClr val="accent1"/>
+          </a:fillRef>
+          <a:effectRef idx="0">
+            <a:schemeClr val="accent1"/>
+          </a:effectRef>
+          <a:fontRef idx="minor">
+            <a:schemeClr val="lt1"/>
+          </a:fontRef>
+        </p:style>
+        <p:txBody>
+          <a:bodyPr rtlCol="0" anchor="ctr"/>
+          <a:lstStyle/>
+          <a:p>
+            <a:pPr algn="ctr"/>
+            <a:r>
+              <a:rPr lang="ro-MD" dirty="0" smtClean="0"/>
+              <a:t>2C</a:t>
+            </a:r>
+            <a:endParaRPr lang="en-US" dirty="0"/>
+          </a:p>
+        </p:txBody>
+      </p:sp>
+      <p:sp>
+        <p:nvSpPr>
+          <p:cNvPr id="48" name="Rectangle 47"/>
+          <p:cNvSpPr/>
+          <p:nvPr/>
+        </p:nvSpPr>
+        <p:spPr>
+          <a:xfrm>
+            <a:off x="8399259" y="1379259"/>
+            <a:ext cx="540000" cy="540000"/>
+          </a:xfrm>
+          <a:prstGeom prst="rect">
+            <a:avLst/>
+          </a:prstGeom>
+          <a:solidFill>
+            <a:srgbClr val="000000"/>
+          </a:solidFill>
+          <a:ln>
+            <a:noFill/>
+          </a:ln>
+        </p:spPr>
+        <p:style>
+          <a:lnRef idx="2">
+            <a:schemeClr val="accent1">
+              <a:shade val="50000"/>
+            </a:schemeClr>
+          </a:lnRef>
+          <a:fillRef idx="1">
+            <a:schemeClr val="accent1"/>
+          </a:fillRef>
+          <a:effectRef idx="0">
+            <a:schemeClr val="accent1"/>
+          </a:effectRef>
+          <a:fontRef idx="minor">
+            <a:schemeClr val="lt1"/>
+          </a:fontRef>
+        </p:style>
+        <p:txBody>
+          <a:bodyPr rtlCol="0" anchor="ctr"/>
+          <a:lstStyle/>
+          <a:p>
+            <a:pPr algn="ctr"/>
+            <a:r>
+              <a:rPr lang="ro-MD" dirty="0" smtClean="0"/>
+              <a:t>2F</a:t>
+            </a:r>
+            <a:endParaRPr lang="en-US" dirty="0"/>
+          </a:p>
+        </p:txBody>
+      </p:sp>
+      <p:sp>
+        <p:nvSpPr>
+          <p:cNvPr id="49" name="Rectangle 48"/>
+          <p:cNvSpPr/>
+          <p:nvPr/>
+        </p:nvSpPr>
+        <p:spPr>
+          <a:xfrm>
+            <a:off x="7859259" y="1379259"/>
+            <a:ext cx="540000" cy="540000"/>
+          </a:xfrm>
+          <a:prstGeom prst="rect">
+            <a:avLst/>
+          </a:prstGeom>
+          <a:solidFill>
+            <a:srgbClr val="000000"/>
+          </a:solidFill>
+          <a:ln>
+            <a:noFill/>
+          </a:ln>
+        </p:spPr>
+        <p:style>
+          <a:lnRef idx="2">
+            <a:schemeClr val="accent1">
+              <a:shade val="50000"/>
+            </a:schemeClr>
+          </a:lnRef>
+          <a:fillRef idx="1">
+            <a:schemeClr val="accent1"/>
+          </a:fillRef>
+          <a:effectRef idx="0">
+            <a:schemeClr val="accent1"/>
+          </a:effectRef>
+          <a:fontRef idx="minor">
+            <a:schemeClr val="lt1"/>
+          </a:fontRef>
+        </p:style>
+        <p:txBody>
+          <a:bodyPr rtlCol="0" anchor="ctr"/>
+          <a:lstStyle/>
+          <a:p>
+            <a:pPr algn="ctr"/>
+            <a:r>
+              <a:rPr lang="ro-MD" dirty="0" smtClean="0"/>
+              <a:t>2E</a:t>
+            </a:r>
+            <a:endParaRPr lang="en-US" dirty="0"/>
+          </a:p>
+        </p:txBody>
+      </p:sp>
+      <p:sp>
+        <p:nvSpPr>
+          <p:cNvPr id="50" name="Rectangle 49"/>
+          <p:cNvSpPr/>
+          <p:nvPr/>
+        </p:nvSpPr>
+        <p:spPr>
+          <a:xfrm>
+            <a:off x="299259" y="1919259"/>
+            <a:ext cx="540000" cy="540000"/>
+          </a:xfrm>
+          <a:prstGeom prst="rect">
+            <a:avLst/>
+          </a:prstGeom>
+          <a:solidFill>
+            <a:srgbClr val="FFFEFF"/>
+          </a:solidFill>
+          <a:ln>
+            <a:noFill/>
+          </a:ln>
+        </p:spPr>
+        <p:style>
+          <a:lnRef idx="2">
+            <a:schemeClr val="accent1">
+              <a:shade val="50000"/>
+            </a:schemeClr>
+          </a:lnRef>
+          <a:fillRef idx="1">
+            <a:schemeClr val="accent1"/>
+          </a:fillRef>
+          <a:effectRef idx="0">
+            <a:schemeClr val="accent1"/>
+          </a:effectRef>
+          <a:fontRef idx="minor">
+            <a:schemeClr val="lt1"/>
+          </a:fontRef>
+        </p:style>
+        <p:txBody>
+          <a:bodyPr rtlCol="0" anchor="ctr"/>
+          <a:lstStyle/>
+          <a:p>
+            <a:pPr algn="ctr"/>
+            <a:r>
+              <a:rPr lang="ro-MD" dirty="0" smtClean="0">
+                <a:solidFill>
+                  <a:schemeClr val="tx1"/>
+                </a:solidFill>
+              </a:rPr>
+              <a:t>30</a:t>
+            </a:r>
+            <a:endParaRPr lang="en-US" dirty="0">
+              <a:solidFill>
+                <a:schemeClr val="tx1"/>
+              </a:solidFill>
+            </a:endParaRPr>
+          </a:p>
+        </p:txBody>
+      </p:sp>
+      <p:sp>
+        <p:nvSpPr>
+          <p:cNvPr id="51" name="Rectangle 50"/>
+          <p:cNvSpPr/>
+          <p:nvPr/>
+        </p:nvSpPr>
+        <p:spPr>
+          <a:xfrm>
+            <a:off x="839259" y="1919259"/>
+            <a:ext cx="540000" cy="540000"/>
+          </a:xfrm>
+          <a:prstGeom prst="rect">
+            <a:avLst/>
+          </a:prstGeom>
+          <a:solidFill>
+            <a:srgbClr val="C0DFFF"/>
+          </a:solidFill>
+          <a:ln>
+            <a:noFill/>
+          </a:ln>
+        </p:spPr>
+        <p:style>
+          <a:lnRef idx="2">
+            <a:schemeClr val="accent1">
+              <a:shade val="50000"/>
+            </a:schemeClr>
+          </a:lnRef>
+          <a:fillRef idx="1">
+            <a:schemeClr val="accent1"/>
+          </a:fillRef>
+          <a:effectRef idx="0">
+            <a:schemeClr val="accent1"/>
+          </a:effectRef>
+          <a:fontRef idx="minor">
+            <a:schemeClr val="lt1"/>
+          </a:fontRef>
+        </p:style>
+        <p:txBody>
+          <a:bodyPr rtlCol="0" anchor="ctr"/>
+          <a:lstStyle/>
+          <a:p>
+            <a:pPr algn="ctr"/>
+            <a:r>
+              <a:rPr lang="ro-MD" dirty="0" smtClean="0">
+                <a:solidFill>
+                  <a:schemeClr val="tx1"/>
+                </a:solidFill>
+              </a:rPr>
+              <a:t>31</a:t>
+            </a:r>
+            <a:endParaRPr lang="en-US" dirty="0">
+              <a:solidFill>
+                <a:schemeClr val="tx1"/>
+              </a:solidFill>
+            </a:endParaRPr>
+          </a:p>
+        </p:txBody>
+      </p:sp>
+      <p:sp>
+        <p:nvSpPr>
+          <p:cNvPr id="52" name="Rectangle 51"/>
+          <p:cNvSpPr/>
+          <p:nvPr/>
+        </p:nvSpPr>
+        <p:spPr>
+          <a:xfrm>
+            <a:off x="4079259" y="1919259"/>
+            <a:ext cx="540000" cy="540000"/>
+          </a:xfrm>
+          <a:prstGeom prst="rect">
+            <a:avLst/>
+          </a:prstGeom>
+          <a:solidFill>
+            <a:srgbClr val="F7D8A5"/>
+          </a:solidFill>
+          <a:ln>
+            <a:noFill/>
+          </a:ln>
+        </p:spPr>
+        <p:style>
+          <a:lnRef idx="2">
+            <a:schemeClr val="accent1">
+              <a:shade val="50000"/>
+            </a:schemeClr>
+          </a:lnRef>
+          <a:fillRef idx="1">
+            <a:schemeClr val="accent1"/>
+          </a:fillRef>
+          <a:effectRef idx="0">
+            <a:schemeClr val="accent1"/>
+          </a:effectRef>
+          <a:fontRef idx="minor">
+            <a:schemeClr val="lt1"/>
+          </a:fontRef>
+        </p:style>
+        <p:txBody>
+          <a:bodyPr rtlCol="0" anchor="ctr"/>
+          <a:lstStyle/>
+          <a:p>
+            <a:pPr algn="ctr"/>
+            <a:r>
+              <a:rPr lang="ro-MD" dirty="0" smtClean="0">
+                <a:solidFill>
+                  <a:schemeClr val="tx1"/>
+                </a:solidFill>
+              </a:rPr>
+              <a:t>37</a:t>
+            </a:r>
+            <a:endParaRPr lang="en-US" dirty="0">
+              <a:solidFill>
+                <a:schemeClr val="tx1"/>
+              </a:solidFill>
+            </a:endParaRPr>
+          </a:p>
+        </p:txBody>
+      </p:sp>
+      <p:sp>
+        <p:nvSpPr>
+          <p:cNvPr id="53" name="Rectangle 52"/>
+          <p:cNvSpPr/>
+          <p:nvPr/>
+        </p:nvSpPr>
+        <p:spPr>
+          <a:xfrm>
+            <a:off x="5159259" y="1919259"/>
+            <a:ext cx="540000" cy="540000"/>
+          </a:xfrm>
+          <a:prstGeom prst="rect">
+            <a:avLst/>
+          </a:prstGeom>
+          <a:solidFill>
+            <a:srgbClr val="CFEF96"/>
+          </a:solidFill>
+          <a:ln>
+            <a:noFill/>
+          </a:ln>
+        </p:spPr>
+        <p:style>
+          <a:lnRef idx="2">
+            <a:schemeClr val="accent1">
+              <a:shade val="50000"/>
+            </a:schemeClr>
+          </a:lnRef>
+          <a:fillRef idx="1">
+            <a:schemeClr val="accent1"/>
+          </a:fillRef>
+          <a:effectRef idx="0">
+            <a:schemeClr val="accent1"/>
+          </a:effectRef>
+          <a:fontRef idx="minor">
+            <a:schemeClr val="lt1"/>
+          </a:fontRef>
+        </p:style>
+        <p:txBody>
+          <a:bodyPr rtlCol="0" anchor="ctr"/>
+          <a:lstStyle/>
+          <a:p>
+            <a:pPr algn="ctr"/>
+            <a:r>
+              <a:rPr lang="ro-MD" dirty="0" smtClean="0"/>
+              <a:t>39</a:t>
+            </a:r>
+            <a:endParaRPr lang="en-US" dirty="0"/>
+          </a:p>
+        </p:txBody>
+      </p:sp>
+      <p:sp>
+        <p:nvSpPr>
+          <p:cNvPr id="54" name="Rectangle 53"/>
+          <p:cNvSpPr/>
+          <p:nvPr/>
+        </p:nvSpPr>
+        <p:spPr>
+          <a:xfrm>
+            <a:off x="7319259" y="1919259"/>
+            <a:ext cx="540000" cy="540000"/>
+          </a:xfrm>
+          <a:prstGeom prst="rect">
+            <a:avLst/>
+          </a:prstGeom>
+          <a:solidFill>
+            <a:srgbClr val="B8B8B8"/>
+          </a:solidFill>
+          <a:ln>
+            <a:noFill/>
+          </a:ln>
+        </p:spPr>
+        <p:style>
+          <a:lnRef idx="2">
+            <a:schemeClr val="accent1">
+              <a:shade val="50000"/>
+            </a:schemeClr>
+          </a:lnRef>
+          <a:fillRef idx="1">
+            <a:schemeClr val="accent1"/>
+          </a:fillRef>
+          <a:effectRef idx="0">
+            <a:schemeClr val="accent1"/>
+          </a:effectRef>
+          <a:fontRef idx="minor">
+            <a:schemeClr val="lt1"/>
+          </a:fontRef>
+        </p:style>
+        <p:txBody>
+          <a:bodyPr rtlCol="0" anchor="ctr"/>
+          <a:lstStyle/>
+          <a:p>
+            <a:pPr algn="ctr"/>
+            <a:r>
+              <a:rPr lang="ro-MD" dirty="0" smtClean="0"/>
+              <a:t>3D</a:t>
+            </a:r>
+            <a:endParaRPr lang="en-US" dirty="0"/>
+          </a:p>
+        </p:txBody>
+      </p:sp>
+      <p:sp>
+        <p:nvSpPr>
+          <p:cNvPr id="55" name="Rectangle 54"/>
+          <p:cNvSpPr/>
+          <p:nvPr/>
+        </p:nvSpPr>
+        <p:spPr>
+          <a:xfrm>
+            <a:off x="3539259" y="1919259"/>
+            <a:ext cx="540000" cy="540000"/>
+          </a:xfrm>
+          <a:prstGeom prst="rect">
+            <a:avLst/>
+          </a:prstGeom>
+          <a:solidFill>
+            <a:srgbClr val="FECCC5"/>
+          </a:solidFill>
+          <a:ln>
+            <a:noFill/>
+          </a:ln>
+        </p:spPr>
+        <p:style>
+          <a:lnRef idx="2">
+            <a:schemeClr val="accent1">
+              <a:shade val="50000"/>
+            </a:schemeClr>
+          </a:lnRef>
+          <a:fillRef idx="1">
+            <a:schemeClr val="accent1"/>
+          </a:fillRef>
+          <a:effectRef idx="0">
+            <a:schemeClr val="accent1"/>
+          </a:effectRef>
+          <a:fontRef idx="minor">
+            <a:schemeClr val="lt1"/>
+          </a:fontRef>
+        </p:style>
+        <p:txBody>
+          <a:bodyPr rtlCol="0" anchor="ctr"/>
+          <a:lstStyle/>
+          <a:p>
+            <a:pPr algn="ctr"/>
+            <a:r>
+              <a:rPr lang="ro-MD" dirty="0" smtClean="0">
+                <a:solidFill>
+                  <a:schemeClr val="tx1"/>
+                </a:solidFill>
+              </a:rPr>
+              <a:t>36</a:t>
+            </a:r>
+            <a:endParaRPr lang="en-US" dirty="0">
+              <a:solidFill>
+                <a:schemeClr val="tx1"/>
+              </a:solidFill>
+            </a:endParaRPr>
+          </a:p>
+        </p:txBody>
+      </p:sp>
+      <p:sp>
+        <p:nvSpPr>
+          <p:cNvPr id="56" name="Rectangle 55"/>
+          <p:cNvSpPr/>
+          <p:nvPr/>
+        </p:nvSpPr>
+        <p:spPr>
+          <a:xfrm>
+            <a:off x="4619259" y="1919259"/>
+            <a:ext cx="540000" cy="540000"/>
+          </a:xfrm>
+          <a:prstGeom prst="rect">
+            <a:avLst/>
+          </a:prstGeom>
+          <a:solidFill>
+            <a:srgbClr val="E4E594"/>
+          </a:solidFill>
+          <a:ln>
+            <a:noFill/>
+          </a:ln>
+        </p:spPr>
+        <p:style>
+          <a:lnRef idx="2">
+            <a:schemeClr val="accent1">
+              <a:shade val="50000"/>
+            </a:schemeClr>
+          </a:lnRef>
+          <a:fillRef idx="1">
+            <a:schemeClr val="accent1"/>
+          </a:fillRef>
+          <a:effectRef idx="0">
+            <a:schemeClr val="accent1"/>
+          </a:effectRef>
+          <a:fontRef idx="minor">
+            <a:schemeClr val="lt1"/>
+          </a:fontRef>
+        </p:style>
+        <p:txBody>
+          <a:bodyPr rtlCol="0" anchor="ctr"/>
+          <a:lstStyle/>
+          <a:p>
+            <a:pPr algn="ctr"/>
+            <a:r>
+              <a:rPr lang="ro-MD" dirty="0" smtClean="0"/>
+              <a:t>38</a:t>
+            </a:r>
+            <a:endParaRPr lang="en-US" dirty="0"/>
+          </a:p>
+        </p:txBody>
+      </p:sp>
+      <p:sp>
+        <p:nvSpPr>
+          <p:cNvPr id="57" name="Rectangle 56"/>
+          <p:cNvSpPr/>
+          <p:nvPr/>
+        </p:nvSpPr>
+        <p:spPr>
+          <a:xfrm>
+            <a:off x="1379259" y="1919259"/>
+            <a:ext cx="540000" cy="540000"/>
+          </a:xfrm>
+          <a:prstGeom prst="rect">
+            <a:avLst/>
+          </a:prstGeom>
+          <a:solidFill>
+            <a:srgbClr val="D3D2FF"/>
+          </a:solidFill>
+          <a:ln>
+            <a:noFill/>
+          </a:ln>
+        </p:spPr>
+        <p:style>
+          <a:lnRef idx="2">
+            <a:schemeClr val="accent1">
+              <a:shade val="50000"/>
+            </a:schemeClr>
+          </a:lnRef>
+          <a:fillRef idx="1">
+            <a:schemeClr val="accent1"/>
+          </a:fillRef>
+          <a:effectRef idx="0">
+            <a:schemeClr val="accent1"/>
+          </a:effectRef>
+          <a:fontRef idx="minor">
+            <a:schemeClr val="lt1"/>
+          </a:fontRef>
+        </p:style>
+        <p:txBody>
+          <a:bodyPr rtlCol="0" anchor="ctr"/>
+          <a:lstStyle/>
+          <a:p>
+            <a:pPr algn="ctr"/>
+            <a:r>
+              <a:rPr lang="ro-MD" dirty="0" smtClean="0">
+                <a:solidFill>
+                  <a:schemeClr val="tx1"/>
+                </a:solidFill>
+              </a:rPr>
+              <a:t>32</a:t>
+            </a:r>
+            <a:endParaRPr lang="en-US" dirty="0">
+              <a:solidFill>
+                <a:schemeClr val="tx1"/>
+              </a:solidFill>
+            </a:endParaRPr>
+          </a:p>
+        </p:txBody>
+      </p:sp>
+      <p:sp>
+        <p:nvSpPr>
+          <p:cNvPr id="58" name="Rectangle 57"/>
+          <p:cNvSpPr/>
+          <p:nvPr/>
+        </p:nvSpPr>
+        <p:spPr>
+          <a:xfrm>
+            <a:off x="1919259" y="1919259"/>
+            <a:ext cx="540000" cy="540000"/>
+          </a:xfrm>
+          <a:prstGeom prst="rect">
+            <a:avLst/>
+          </a:prstGeom>
+          <a:solidFill>
+            <a:srgbClr val="E8C8FF"/>
+          </a:solidFill>
+          <a:ln>
+            <a:noFill/>
+          </a:ln>
+        </p:spPr>
+        <p:style>
+          <a:lnRef idx="2">
+            <a:schemeClr val="accent1">
+              <a:shade val="50000"/>
+            </a:schemeClr>
+          </a:lnRef>
+          <a:fillRef idx="1">
+            <a:schemeClr val="accent1"/>
+          </a:fillRef>
+          <a:effectRef idx="0">
+            <a:schemeClr val="accent1"/>
+          </a:effectRef>
+          <a:fontRef idx="minor">
+            <a:schemeClr val="lt1"/>
+          </a:fontRef>
+        </p:style>
+        <p:txBody>
+          <a:bodyPr rtlCol="0" anchor="ctr"/>
+          <a:lstStyle/>
+          <a:p>
+            <a:pPr algn="ctr"/>
+            <a:r>
+              <a:rPr lang="ro-MD" dirty="0" smtClean="0">
+                <a:solidFill>
+                  <a:schemeClr val="tx1"/>
+                </a:solidFill>
+              </a:rPr>
+              <a:t>33</a:t>
+            </a:r>
+            <a:endParaRPr lang="en-US" dirty="0">
+              <a:solidFill>
+                <a:schemeClr val="tx1"/>
+              </a:solidFill>
+            </a:endParaRPr>
+          </a:p>
+        </p:txBody>
+      </p:sp>
+      <p:sp>
+        <p:nvSpPr>
+          <p:cNvPr id="59" name="Rectangle 58"/>
+          <p:cNvSpPr/>
+          <p:nvPr/>
+        </p:nvSpPr>
+        <p:spPr>
+          <a:xfrm>
+            <a:off x="2999259" y="1919259"/>
+            <a:ext cx="540000" cy="540000"/>
+          </a:xfrm>
+          <a:prstGeom prst="rect">
+            <a:avLst/>
+          </a:prstGeom>
+          <a:solidFill>
+            <a:srgbClr val="FFC4EA"/>
+          </a:solidFill>
+          <a:ln>
+            <a:noFill/>
+          </a:ln>
+        </p:spPr>
+        <p:style>
+          <a:lnRef idx="2">
+            <a:schemeClr val="accent1">
+              <a:shade val="50000"/>
+            </a:schemeClr>
+          </a:lnRef>
+          <a:fillRef idx="1">
+            <a:schemeClr val="accent1"/>
+          </a:fillRef>
+          <a:effectRef idx="0">
+            <a:schemeClr val="accent1"/>
+          </a:effectRef>
+          <a:fontRef idx="minor">
+            <a:schemeClr val="lt1"/>
+          </a:fontRef>
+        </p:style>
+        <p:txBody>
+          <a:bodyPr rtlCol="0" anchor="ctr"/>
+          <a:lstStyle/>
+          <a:p>
+            <a:pPr algn="ctr"/>
+            <a:r>
+              <a:rPr lang="ro-MD" dirty="0" smtClean="0">
+                <a:solidFill>
+                  <a:schemeClr val="tx1"/>
+                </a:solidFill>
+              </a:rPr>
+              <a:t>35</a:t>
+            </a:r>
+            <a:endParaRPr lang="en-US" dirty="0">
+              <a:solidFill>
+                <a:schemeClr val="tx1"/>
+              </a:solidFill>
+            </a:endParaRPr>
+          </a:p>
+        </p:txBody>
+      </p:sp>
+      <p:sp>
+        <p:nvSpPr>
+          <p:cNvPr id="60" name="Rectangle 59"/>
+          <p:cNvSpPr/>
+          <p:nvPr/>
+        </p:nvSpPr>
+        <p:spPr>
+          <a:xfrm>
+            <a:off x="2459259" y="1919259"/>
+            <a:ext cx="540000" cy="540000"/>
+          </a:xfrm>
+          <a:prstGeom prst="rect">
+            <a:avLst/>
+          </a:prstGeom>
+          <a:solidFill>
+            <a:srgbClr val="FBC2FF"/>
+          </a:solidFill>
+          <a:ln>
+            <a:noFill/>
+          </a:ln>
+        </p:spPr>
+        <p:style>
+          <a:lnRef idx="2">
+            <a:schemeClr val="accent1">
+              <a:shade val="50000"/>
+            </a:schemeClr>
+          </a:lnRef>
+          <a:fillRef idx="1">
+            <a:schemeClr val="accent1"/>
+          </a:fillRef>
+          <a:effectRef idx="0">
+            <a:schemeClr val="accent1"/>
+          </a:effectRef>
+          <a:fontRef idx="minor">
+            <a:schemeClr val="lt1"/>
+          </a:fontRef>
+        </p:style>
+        <p:txBody>
+          <a:bodyPr rtlCol="0" anchor="ctr"/>
+          <a:lstStyle/>
+          <a:p>
+            <a:pPr algn="ctr"/>
+            <a:r>
+              <a:rPr lang="ro-MD" dirty="0" smtClean="0">
+                <a:solidFill>
+                  <a:schemeClr val="tx1"/>
+                </a:solidFill>
+              </a:rPr>
+              <a:t>34</a:t>
+            </a:r>
+            <a:endParaRPr lang="en-US" dirty="0">
+              <a:solidFill>
+                <a:schemeClr val="tx1"/>
+              </a:solidFill>
+            </a:endParaRPr>
+          </a:p>
+        </p:txBody>
+      </p:sp>
+      <p:sp>
+        <p:nvSpPr>
+          <p:cNvPr id="61" name="Rectangle 60"/>
+          <p:cNvSpPr/>
+          <p:nvPr/>
+        </p:nvSpPr>
+        <p:spPr>
+          <a:xfrm>
+            <a:off x="5699259" y="1919259"/>
+            <a:ext cx="540000" cy="540000"/>
+          </a:xfrm>
+          <a:prstGeom prst="rect">
+            <a:avLst/>
+          </a:prstGeom>
+          <a:solidFill>
+            <a:srgbClr val="BDF4AB"/>
+          </a:solidFill>
+          <a:ln>
+            <a:noFill/>
+          </a:ln>
+        </p:spPr>
+        <p:style>
+          <a:lnRef idx="2">
+            <a:schemeClr val="accent1">
+              <a:shade val="50000"/>
+            </a:schemeClr>
+          </a:lnRef>
+          <a:fillRef idx="1">
+            <a:schemeClr val="accent1"/>
+          </a:fillRef>
+          <a:effectRef idx="0">
+            <a:schemeClr val="accent1"/>
+          </a:effectRef>
+          <a:fontRef idx="minor">
+            <a:schemeClr val="lt1"/>
+          </a:fontRef>
+        </p:style>
+        <p:txBody>
+          <a:bodyPr rtlCol="0" anchor="ctr"/>
+          <a:lstStyle/>
+          <a:p>
+            <a:pPr algn="ctr"/>
+            <a:r>
+              <a:rPr lang="ro-MD" dirty="0" smtClean="0"/>
+              <a:t>3A</a:t>
+            </a:r>
+            <a:endParaRPr lang="en-US" dirty="0"/>
+          </a:p>
+        </p:txBody>
+      </p:sp>
+      <p:sp>
+        <p:nvSpPr>
+          <p:cNvPr id="62" name="Rectangle 61"/>
+          <p:cNvSpPr/>
+          <p:nvPr/>
+        </p:nvSpPr>
+        <p:spPr>
+          <a:xfrm>
+            <a:off x="6239259" y="1919259"/>
+            <a:ext cx="540000" cy="540000"/>
+          </a:xfrm>
+          <a:prstGeom prst="rect">
+            <a:avLst/>
+          </a:prstGeom>
+          <a:solidFill>
+            <a:srgbClr val="B3F3CC"/>
+          </a:solidFill>
+          <a:ln>
+            <a:noFill/>
+          </a:ln>
+        </p:spPr>
+        <p:style>
+          <a:lnRef idx="2">
+            <a:schemeClr val="accent1">
+              <a:shade val="50000"/>
+            </a:schemeClr>
+          </a:lnRef>
+          <a:fillRef idx="1">
+            <a:schemeClr val="accent1"/>
+          </a:fillRef>
+          <a:effectRef idx="0">
+            <a:schemeClr val="accent1"/>
+          </a:effectRef>
+          <a:fontRef idx="minor">
+            <a:schemeClr val="lt1"/>
+          </a:fontRef>
+        </p:style>
+        <p:txBody>
+          <a:bodyPr rtlCol="0" anchor="ctr"/>
+          <a:lstStyle/>
+          <a:p>
+            <a:pPr algn="ctr"/>
+            <a:r>
+              <a:rPr lang="ro-MD" dirty="0" smtClean="0"/>
+              <a:t>3B</a:t>
+            </a:r>
+            <a:endParaRPr lang="en-US" dirty="0"/>
+          </a:p>
+        </p:txBody>
+      </p:sp>
+      <p:sp>
+        <p:nvSpPr>
+          <p:cNvPr id="63" name="Rectangle 62"/>
+          <p:cNvSpPr/>
+          <p:nvPr/>
+        </p:nvSpPr>
+        <p:spPr>
+          <a:xfrm>
+            <a:off x="6779259" y="1919259"/>
+            <a:ext cx="540000" cy="540000"/>
+          </a:xfrm>
+          <a:prstGeom prst="rect">
+            <a:avLst/>
+          </a:prstGeom>
+          <a:solidFill>
+            <a:srgbClr val="B5EBF2"/>
+          </a:solidFill>
+          <a:ln>
+            <a:noFill/>
+          </a:ln>
+        </p:spPr>
+        <p:style>
+          <a:lnRef idx="2">
+            <a:schemeClr val="accent1">
+              <a:shade val="50000"/>
+            </a:schemeClr>
+          </a:lnRef>
+          <a:fillRef idx="1">
+            <a:schemeClr val="accent1"/>
+          </a:fillRef>
+          <a:effectRef idx="0">
+            <a:schemeClr val="accent1"/>
+          </a:effectRef>
+          <a:fontRef idx="minor">
+            <a:schemeClr val="lt1"/>
+          </a:fontRef>
+        </p:style>
+        <p:txBody>
+          <a:bodyPr rtlCol="0" anchor="ctr"/>
+          <a:lstStyle/>
+          <a:p>
+            <a:pPr algn="ctr"/>
+            <a:r>
+              <a:rPr lang="ro-MD" dirty="0" smtClean="0"/>
+              <a:t>3C</a:t>
+            </a:r>
+            <a:endParaRPr lang="en-US" dirty="0"/>
+          </a:p>
+        </p:txBody>
+      </p:sp>
+      <p:sp>
+        <p:nvSpPr>
+          <p:cNvPr id="64" name="Rectangle 63"/>
+          <p:cNvSpPr/>
+          <p:nvPr/>
+        </p:nvSpPr>
+        <p:spPr>
+          <a:xfrm>
+            <a:off x="8399259" y="1919259"/>
+            <a:ext cx="540000" cy="540000"/>
+          </a:xfrm>
+          <a:prstGeom prst="rect">
+            <a:avLst/>
+          </a:prstGeom>
+          <a:solidFill>
+            <a:srgbClr val="000000"/>
+          </a:solidFill>
+          <a:ln>
+            <a:noFill/>
+          </a:ln>
+        </p:spPr>
+        <p:style>
+          <a:lnRef idx="2">
+            <a:schemeClr val="accent1">
+              <a:shade val="50000"/>
+            </a:schemeClr>
+          </a:lnRef>
+          <a:fillRef idx="1">
+            <a:schemeClr val="accent1"/>
+          </a:fillRef>
+          <a:effectRef idx="0">
+            <a:schemeClr val="accent1"/>
+          </a:effectRef>
+          <a:fontRef idx="minor">
+            <a:schemeClr val="lt1"/>
+          </a:fontRef>
+        </p:style>
+        <p:txBody>
+          <a:bodyPr rtlCol="0" anchor="ctr"/>
+          <a:lstStyle/>
+          <a:p>
+            <a:pPr algn="ctr"/>
+            <a:r>
+              <a:rPr lang="ro-MD" dirty="0" smtClean="0"/>
+              <a:t>3F</a:t>
+            </a:r>
+            <a:endParaRPr lang="en-US" dirty="0"/>
+          </a:p>
+        </p:txBody>
+      </p:sp>
+      <p:sp>
+        <p:nvSpPr>
+          <p:cNvPr id="65" name="Rectangle 64"/>
+          <p:cNvSpPr/>
+          <p:nvPr/>
+        </p:nvSpPr>
+        <p:spPr>
+          <a:xfrm>
+            <a:off x="7859259" y="1919259"/>
+            <a:ext cx="540000" cy="540000"/>
+          </a:xfrm>
+          <a:prstGeom prst="rect">
+            <a:avLst/>
+          </a:prstGeom>
+          <a:solidFill>
+            <a:srgbClr val="000000"/>
+          </a:solidFill>
+          <a:ln>
+            <a:noFill/>
+          </a:ln>
+        </p:spPr>
+        <p:style>
+          <a:lnRef idx="2">
+            <a:schemeClr val="accent1">
+              <a:shade val="50000"/>
+            </a:schemeClr>
+          </a:lnRef>
+          <a:fillRef idx="1">
+            <a:schemeClr val="accent1"/>
+          </a:fillRef>
+          <a:effectRef idx="0">
+            <a:schemeClr val="accent1"/>
+          </a:effectRef>
+          <a:fontRef idx="minor">
+            <a:schemeClr val="lt1"/>
+          </a:fontRef>
+        </p:style>
+        <p:txBody>
+          <a:bodyPr rtlCol="0" anchor="ctr"/>
+          <a:lstStyle/>
+          <a:p>
+            <a:pPr algn="ctr"/>
+            <a:r>
+              <a:rPr lang="ro-MD" dirty="0" smtClean="0"/>
+              <a:t>3E</a:t>
+            </a:r>
+            <a:endParaRPr lang="en-US" dirty="0"/>
+          </a:p>
+        </p:txBody>
+      </p:sp>
+    </p:spTree>
+    <p:extLst>
+      <p:ext uri="{BB962C8B-B14F-4D97-AF65-F5344CB8AC3E}">
+        <p14:creationId xmlns:p14="http://schemas.microsoft.com/office/powerpoint/2010/main" val="3208586159"/>
       </p:ext>
     </p:extLst>
   </p:cSld>
@@ -13403,4 +17201,265 @@
     </a:ext>
   </a:extLst>
 </a:theme>
+</file>
+
+<file path=ppt/theme/theme2.xml><?xml version="1.0" encoding="utf-8"?>
+<a:theme xmlns:a="http://schemas.openxmlformats.org/drawingml/2006/main" name="Office Theme">
+  <a:themeElements>
+    <a:clrScheme name="Office">
+      <a:dk1>
+        <a:sysClr val="windowText" lastClr="000000"/>
+      </a:dk1>
+      <a:lt1>
+        <a:sysClr val="window" lastClr="FFFFFF"/>
+      </a:lt1>
+      <a:dk2>
+        <a:srgbClr val="44546A"/>
+      </a:dk2>
+      <a:lt2>
+        <a:srgbClr val="E7E6E6"/>
+      </a:lt2>
+      <a:accent1>
+        <a:srgbClr val="5B9BD5"/>
+      </a:accent1>
+      <a:accent2>
+        <a:srgbClr val="ED7D31"/>
+      </a:accent2>
+      <a:accent3>
+        <a:srgbClr val="A5A5A5"/>
+      </a:accent3>
+      <a:accent4>
+        <a:srgbClr val="FFC000"/>
+      </a:accent4>
+      <a:accent5>
+        <a:srgbClr val="4472C4"/>
+      </a:accent5>
+      <a:accent6>
+        <a:srgbClr val="70AD47"/>
+      </a:accent6>
+      <a:hlink>
+        <a:srgbClr val="0563C1"/>
+      </a:hlink>
+      <a:folHlink>
+        <a:srgbClr val="954F72"/>
+      </a:folHlink>
+    </a:clrScheme>
+    <a:fontScheme name="Office">
+      <a:majorFont>
+        <a:latin typeface="Calibri Light" panose="020F0302020204030204"/>
+        <a:ea typeface=""/>
+        <a:cs typeface=""/>
+        <a:font script="Jpan" typeface="游ゴシック Light"/>
+        <a:font script="Hang" typeface="맑은 고딕"/>
+        <a:font script="Hans" typeface="等线 Light"/>
+        <a:font script="Hant" typeface="新細明體"/>
+        <a:font script="Arab" typeface="Times New Roman"/>
+        <a:font script="Hebr" typeface="Times New Roman"/>
+        <a:font script="Thai" typeface="Angsana New"/>
+        <a:font script="Ethi" typeface="Nyala"/>
+        <a:font script="Beng" typeface="Vrinda"/>
+        <a:font script="Gujr" typeface="Shruti"/>
+        <a:font script="Khmr" typeface="MoolBoran"/>
+        <a:font script="Knda" typeface="Tunga"/>
+        <a:font script="Guru" typeface="Raavi"/>
+        <a:font script="Cans" typeface="Euphemia"/>
+        <a:font script="Cher" typeface="Plantagenet Cherokee"/>
+        <a:font script="Yiii" typeface="Microsoft Yi Baiti"/>
+        <a:font script="Tibt" typeface="Microsoft Himalaya"/>
+        <a:font script="Thaa" typeface="MV Boli"/>
+        <a:font script="Deva" typeface="Mangal"/>
+        <a:font script="Telu" typeface="Gautami"/>
+        <a:font script="Taml" typeface="Latha"/>
+        <a:font script="Syrc" typeface="Estrangelo Edessa"/>
+        <a:font script="Orya" typeface="Kalinga"/>
+        <a:font script="Mlym" typeface="Kartika"/>
+        <a:font script="Laoo" typeface="DokChampa"/>
+        <a:font script="Sinh" typeface="Iskoola Pota"/>
+        <a:font script="Mong" typeface="Mongolian Baiti"/>
+        <a:font script="Viet" typeface="Times New Roman"/>
+        <a:font script="Uigh" typeface="Microsoft Uighur"/>
+        <a:font script="Geor" typeface="Sylfaen"/>
+      </a:majorFont>
+      <a:minorFont>
+        <a:latin typeface="Calibri" panose="020F0502020204030204"/>
+        <a:ea typeface=""/>
+        <a:cs typeface=""/>
+        <a:font script="Jpan" typeface="游ゴシック"/>
+        <a:font script="Hang" typeface="맑은 고딕"/>
+        <a:font script="Hans" typeface="等线"/>
+        <a:font script="Hant" typeface="新細明體"/>
+        <a:font script="Arab" typeface="Arial"/>
+        <a:font script="Hebr" typeface="Arial"/>
+        <a:font script="Thai" typeface="Cordia New"/>
+        <a:font script="Ethi" typeface="Nyala"/>
+        <a:font script="Beng" typeface="Vrinda"/>
+        <a:font script="Gujr" typeface="Shruti"/>
+        <a:font script="Khmr" typeface="DaunPenh"/>
+        <a:font script="Knda" typeface="Tunga"/>
+        <a:font script="Guru" typeface="Raavi"/>
+        <a:font script="Cans" typeface="Euphemia"/>
+        <a:font script="Cher" typeface="Plantagenet Cherokee"/>
+        <a:font script="Yiii" typeface="Microsoft Yi Baiti"/>
+        <a:font script="Tibt" typeface="Microsoft Himalaya"/>
+        <a:font script="Thaa" typeface="MV Boli"/>
+        <a:font script="Deva" typeface="Mangal"/>
+        <a:font script="Telu" typeface="Gautami"/>
+        <a:font script="Taml" typeface="Latha"/>
+        <a:font script="Syrc" typeface="Estrangelo Edessa"/>
+        <a:font script="Orya" typeface="Kalinga"/>
+        <a:font script="Mlym" typeface="Kartika"/>
+        <a:font script="Laoo" typeface="DokChampa"/>
+        <a:font script="Sinh" typeface="Iskoola Pota"/>
+        <a:font script="Mong" typeface="Mongolian Baiti"/>
+        <a:font script="Viet" typeface="Arial"/>
+        <a:font script="Uigh" typeface="Microsoft Uighur"/>
+        <a:font script="Geor" typeface="Sylfaen"/>
+      </a:minorFont>
+    </a:fontScheme>
+    <a:fmtScheme name="Office">
+      <a:fillStyleLst>
+        <a:solidFill>
+          <a:schemeClr val="phClr"/>
+        </a:solidFill>
+        <a:gradFill rotWithShape="1">
+          <a:gsLst>
+            <a:gs pos="0">
+              <a:schemeClr val="phClr">
+                <a:lumMod val="110000"/>
+                <a:satMod val="105000"/>
+                <a:tint val="67000"/>
+              </a:schemeClr>
+            </a:gs>
+            <a:gs pos="50000">
+              <a:schemeClr val="phClr">
+                <a:lumMod val="105000"/>
+                <a:satMod val="103000"/>
+                <a:tint val="73000"/>
+              </a:schemeClr>
+            </a:gs>
+            <a:gs pos="100000">
+              <a:schemeClr val="phClr">
+                <a:lumMod val="105000"/>
+                <a:satMod val="109000"/>
+                <a:tint val="81000"/>
+              </a:schemeClr>
+            </a:gs>
+          </a:gsLst>
+          <a:lin ang="5400000" scaled="0"/>
+        </a:gradFill>
+        <a:gradFill rotWithShape="1">
+          <a:gsLst>
+            <a:gs pos="0">
+              <a:schemeClr val="phClr">
+                <a:satMod val="103000"/>
+                <a:lumMod val="102000"/>
+                <a:tint val="94000"/>
+              </a:schemeClr>
+            </a:gs>
+            <a:gs pos="50000">
+              <a:schemeClr val="phClr">
+                <a:satMod val="110000"/>
+                <a:lumMod val="100000"/>
+                <a:shade val="100000"/>
+              </a:schemeClr>
+            </a:gs>
+            <a:gs pos="100000">
+              <a:schemeClr val="phClr">
+                <a:lumMod val="99000"/>
+                <a:satMod val="120000"/>
+                <a:shade val="78000"/>
+              </a:schemeClr>
+            </a:gs>
+          </a:gsLst>
+          <a:lin ang="5400000" scaled="0"/>
+        </a:gradFill>
+      </a:fillStyleLst>
+      <a:lnStyleLst>
+        <a:ln w="6350" cap="flat" cmpd="sng" algn="ctr">
+          <a:solidFill>
+            <a:schemeClr val="phClr"/>
+          </a:solidFill>
+          <a:prstDash val="solid"/>
+          <a:miter lim="800000"/>
+        </a:ln>
+        <a:ln w="12700" cap="flat" cmpd="sng" algn="ctr">
+          <a:solidFill>
+            <a:schemeClr val="phClr"/>
+          </a:solidFill>
+          <a:prstDash val="solid"/>
+          <a:miter lim="800000"/>
+        </a:ln>
+        <a:ln w="19050" cap="flat" cmpd="sng" algn="ctr">
+          <a:solidFill>
+            <a:schemeClr val="phClr"/>
+          </a:solidFill>
+          <a:prstDash val="solid"/>
+          <a:miter lim="800000"/>
+        </a:ln>
+      </a:lnStyleLst>
+      <a:effectStyleLst>
+        <a:effectStyle>
+          <a:effectLst/>
+        </a:effectStyle>
+        <a:effectStyle>
+          <a:effectLst/>
+        </a:effectStyle>
+        <a:effectStyle>
+          <a:effectLst>
+            <a:outerShdw blurRad="57150" dist="19050" dir="5400000" algn="ctr" rotWithShape="0">
+              <a:srgbClr val="000000">
+                <a:alpha val="63000"/>
+              </a:srgbClr>
+            </a:outerShdw>
+          </a:effectLst>
+        </a:effectStyle>
+      </a:effectStyleLst>
+      <a:bgFillStyleLst>
+        <a:solidFill>
+          <a:schemeClr val="phClr"/>
+        </a:solidFill>
+        <a:solidFill>
+          <a:schemeClr val="phClr">
+            <a:tint val="95000"/>
+            <a:satMod val="170000"/>
+          </a:schemeClr>
+        </a:solidFill>
+        <a:gradFill rotWithShape="1">
+          <a:gsLst>
+            <a:gs pos="0">
+              <a:schemeClr val="phClr">
+                <a:tint val="93000"/>
+                <a:satMod val="150000"/>
+                <a:shade val="98000"/>
+                <a:lumMod val="102000"/>
+              </a:schemeClr>
+            </a:gs>
+            <a:gs pos="50000">
+              <a:schemeClr val="phClr">
+                <a:tint val="98000"/>
+                <a:satMod val="130000"/>
+                <a:shade val="90000"/>
+                <a:lumMod val="103000"/>
+              </a:schemeClr>
+            </a:gs>
+            <a:gs pos="100000">
+              <a:schemeClr val="phClr">
+                <a:shade val="63000"/>
+                <a:satMod val="120000"/>
+              </a:schemeClr>
+            </a:gs>
+          </a:gsLst>
+          <a:lin ang="5400000" scaled="0"/>
+        </a:gradFill>
+      </a:bgFillStyleLst>
+    </a:fmtScheme>
+  </a:themeElements>
+  <a:objectDefaults/>
+  <a:extraClrSchemeLst/>
+  <a:extLst>
+    <a:ext uri="{05A4C25C-085E-4340-85A3-A5531E510DB2}">
+      <thm15:themeFamily xmlns:thm15="http://schemas.microsoft.com/office/thememl/2012/main" name="Office Theme" id="{62F939B6-93AF-4DB8-9C6B-D6C7DFDC589F}" vid="{4A3C46E8-61CC-4603-A589-7422A47A8E4A}"/>
+    </a:ext>
+  </a:extLst>
+</a:theme>
 </file>
--- a/Scheme/Scheme.pptx
+++ b/Scheme/Scheme.pptx
@@ -5,13 +5,16 @@
     <p:sldMasterId id="2147483660" r:id="rId1"/>
   </p:sldMasterIdLst>
   <p:notesMasterIdLst>
-    <p:notesMasterId r:id="rId6"/>
+    <p:notesMasterId r:id="rId9"/>
   </p:notesMasterIdLst>
   <p:sldIdLst>
     <p:sldId id="256" r:id="rId2"/>
     <p:sldId id="257" r:id="rId3"/>
     <p:sldId id="258" r:id="rId4"/>
     <p:sldId id="259" r:id="rId5"/>
+    <p:sldId id="260" r:id="rId6"/>
+    <p:sldId id="261" r:id="rId7"/>
+    <p:sldId id="263" r:id="rId8"/>
   </p:sldIdLst>
   <p:sldSz cx="9144000" cy="6858000" type="screen4x3"/>
   <p:notesSz cx="6858000" cy="9144000"/>
@@ -200,7 +203,7 @@
           <a:p>
             <a:fld id="{5DE9CCF9-CE14-4118-B675-AC72CDF038E6}" type="datetimeFigureOut">
               <a:rPr lang="en-US" smtClean="0"/>
-              <a:t>4/13/2019</a:t>
+              <a:t>4/14/2019</a:t>
             </a:fld>
             <a:endParaRPr lang="en-US"/>
           </a:p>
@@ -599,7 +602,7 @@
           <a:p>
             <a:fld id="{6149BA01-7448-4321-80DC-7E91E834C80B}" type="datetimeFigureOut">
               <a:rPr lang="en-US" smtClean="0"/>
-              <a:t>4/13/2019</a:t>
+              <a:t>4/14/2019</a:t>
             </a:fld>
             <a:endParaRPr lang="en-US"/>
           </a:p>
@@ -769,7 +772,7 @@
           <a:p>
             <a:fld id="{6149BA01-7448-4321-80DC-7E91E834C80B}" type="datetimeFigureOut">
               <a:rPr lang="en-US" smtClean="0"/>
-              <a:t>4/13/2019</a:t>
+              <a:t>4/14/2019</a:t>
             </a:fld>
             <a:endParaRPr lang="en-US"/>
           </a:p>
@@ -949,7 +952,7 @@
           <a:p>
             <a:fld id="{6149BA01-7448-4321-80DC-7E91E834C80B}" type="datetimeFigureOut">
               <a:rPr lang="en-US" smtClean="0"/>
-              <a:t>4/13/2019</a:t>
+              <a:t>4/14/2019</a:t>
             </a:fld>
             <a:endParaRPr lang="en-US"/>
           </a:p>
@@ -1119,7 +1122,7 @@
           <a:p>
             <a:fld id="{6149BA01-7448-4321-80DC-7E91E834C80B}" type="datetimeFigureOut">
               <a:rPr lang="en-US" smtClean="0"/>
-              <a:t>4/13/2019</a:t>
+              <a:t>4/14/2019</a:t>
             </a:fld>
             <a:endParaRPr lang="en-US"/>
           </a:p>
@@ -1363,7 +1366,7 @@
           <a:p>
             <a:fld id="{6149BA01-7448-4321-80DC-7E91E834C80B}" type="datetimeFigureOut">
               <a:rPr lang="en-US" smtClean="0"/>
-              <a:t>4/13/2019</a:t>
+              <a:t>4/14/2019</a:t>
             </a:fld>
             <a:endParaRPr lang="en-US"/>
           </a:p>
@@ -1595,7 +1598,7 @@
           <a:p>
             <a:fld id="{6149BA01-7448-4321-80DC-7E91E834C80B}" type="datetimeFigureOut">
               <a:rPr lang="en-US" smtClean="0"/>
-              <a:t>4/13/2019</a:t>
+              <a:t>4/14/2019</a:t>
             </a:fld>
             <a:endParaRPr lang="en-US"/>
           </a:p>
@@ -1962,7 +1965,7 @@
           <a:p>
             <a:fld id="{6149BA01-7448-4321-80DC-7E91E834C80B}" type="datetimeFigureOut">
               <a:rPr lang="en-US" smtClean="0"/>
-              <a:t>4/13/2019</a:t>
+              <a:t>4/14/2019</a:t>
             </a:fld>
             <a:endParaRPr lang="en-US"/>
           </a:p>
@@ -2080,7 +2083,7 @@
           <a:p>
             <a:fld id="{6149BA01-7448-4321-80DC-7E91E834C80B}" type="datetimeFigureOut">
               <a:rPr lang="en-US" smtClean="0"/>
-              <a:t>4/13/2019</a:t>
+              <a:t>4/14/2019</a:t>
             </a:fld>
             <a:endParaRPr lang="en-US"/>
           </a:p>
@@ -2175,7 +2178,7 @@
           <a:p>
             <a:fld id="{6149BA01-7448-4321-80DC-7E91E834C80B}" type="datetimeFigureOut">
               <a:rPr lang="en-US" smtClean="0"/>
-              <a:t>4/13/2019</a:t>
+              <a:t>4/14/2019</a:t>
             </a:fld>
             <a:endParaRPr lang="en-US"/>
           </a:p>
@@ -2452,7 +2455,7 @@
           <a:p>
             <a:fld id="{6149BA01-7448-4321-80DC-7E91E834C80B}" type="datetimeFigureOut">
               <a:rPr lang="en-US" smtClean="0"/>
-              <a:t>4/13/2019</a:t>
+              <a:t>4/14/2019</a:t>
             </a:fld>
             <a:endParaRPr lang="en-US"/>
           </a:p>
@@ -2709,7 +2712,7 @@
           <a:p>
             <a:fld id="{6149BA01-7448-4321-80DC-7E91E834C80B}" type="datetimeFigureOut">
               <a:rPr lang="en-US" smtClean="0"/>
-              <a:t>4/13/2019</a:t>
+              <a:t>4/14/2019</a:t>
             </a:fld>
             <a:endParaRPr lang="en-US"/>
           </a:p>
@@ -2922,7 +2925,7 @@
           <a:p>
             <a:fld id="{6149BA01-7448-4321-80DC-7E91E834C80B}" type="datetimeFigureOut">
               <a:rPr lang="en-US" smtClean="0"/>
-              <a:t>4/13/2019</a:t>
+              <a:t>4/14/2019</a:t>
             </a:fld>
             <a:endParaRPr lang="en-US"/>
           </a:p>
@@ -16933,6 +16936,2707 @@
     <p:extLst>
       <p:ext uri="{BB962C8B-B14F-4D97-AF65-F5344CB8AC3E}">
         <p14:creationId xmlns:p14="http://schemas.microsoft.com/office/powerpoint/2010/main" val="3208586159"/>
+      </p:ext>
+    </p:extLst>
+  </p:cSld>
+  <p:clrMapOvr>
+    <a:masterClrMapping/>
+  </p:clrMapOvr>
+</p:sld>
+</file>
+
+<file path=ppt/slides/slide5.xml><?xml version="1.0" encoding="utf-8"?>
+<p:sld xmlns:a="http://schemas.openxmlformats.org/drawingml/2006/main" xmlns:r="http://schemas.openxmlformats.org/officeDocument/2006/relationships" xmlns:p="http://schemas.openxmlformats.org/presentationml/2006/main">
+  <p:cSld>
+    <p:spTree>
+      <p:nvGrpSpPr>
+        <p:cNvPr id="1" name=""/>
+        <p:cNvGrpSpPr/>
+        <p:nvPr/>
+      </p:nvGrpSpPr>
+      <p:grpSpPr>
+        <a:xfrm>
+          <a:off x="0" y="0"/>
+          <a:ext cx="0" cy="0"/>
+          <a:chOff x="0" y="0"/>
+          <a:chExt cx="0" cy="0"/>
+        </a:xfrm>
+      </p:grpSpPr>
+      <p:sp>
+        <p:nvSpPr>
+          <p:cNvPr id="2" name="Rectangle 1"/>
+          <p:cNvSpPr/>
+          <p:nvPr/>
+        </p:nvSpPr>
+        <p:spPr>
+          <a:xfrm>
+            <a:off x="3125585" y="1712422"/>
+            <a:ext cx="1512000" cy="1512000"/>
+          </a:xfrm>
+          <a:prstGeom prst="rect">
+            <a:avLst/>
+          </a:prstGeom>
+          <a:solidFill>
+            <a:schemeClr val="bg1"/>
+          </a:solidFill>
+          <a:ln w="22225">
+            <a:solidFill>
+              <a:schemeClr val="tx1"/>
+            </a:solidFill>
+          </a:ln>
+        </p:spPr>
+        <p:style>
+          <a:lnRef idx="2">
+            <a:schemeClr val="accent1">
+              <a:shade val="50000"/>
+            </a:schemeClr>
+          </a:lnRef>
+          <a:fillRef idx="1">
+            <a:schemeClr val="accent1"/>
+          </a:fillRef>
+          <a:effectRef idx="0">
+            <a:schemeClr val="accent1"/>
+          </a:effectRef>
+          <a:fontRef idx="minor">
+            <a:schemeClr val="lt1"/>
+          </a:fontRef>
+        </p:style>
+        <p:txBody>
+          <a:bodyPr rtlCol="0" anchor="ctr"/>
+          <a:lstStyle/>
+          <a:p>
+            <a:pPr algn="ctr"/>
+            <a:r>
+              <a:rPr lang="ro-MD" dirty="0" smtClean="0">
+                <a:solidFill>
+                  <a:schemeClr val="tx1"/>
+                </a:solidFill>
+                <a:latin typeface="Consolas" panose="020B0609020204030204" pitchFamily="49" charset="0"/>
+              </a:rPr>
+              <a:t>$2000</a:t>
+            </a:r>
+            <a:endParaRPr lang="en-US" dirty="0">
+              <a:solidFill>
+                <a:schemeClr val="tx1"/>
+              </a:solidFill>
+              <a:latin typeface="Consolas" panose="020B0609020204030204" pitchFamily="49" charset="0"/>
+            </a:endParaRPr>
+          </a:p>
+        </p:txBody>
+      </p:sp>
+      <p:sp>
+        <p:nvSpPr>
+          <p:cNvPr id="3" name="Rectangle 2"/>
+          <p:cNvSpPr/>
+          <p:nvPr/>
+        </p:nvSpPr>
+        <p:spPr>
+          <a:xfrm>
+            <a:off x="3125585" y="3228677"/>
+            <a:ext cx="1512000" cy="1512000"/>
+          </a:xfrm>
+          <a:prstGeom prst="rect">
+            <a:avLst/>
+          </a:prstGeom>
+          <a:solidFill>
+            <a:schemeClr val="bg1"/>
+          </a:solidFill>
+          <a:ln w="22225">
+            <a:solidFill>
+              <a:schemeClr val="tx1"/>
+            </a:solidFill>
+          </a:ln>
+        </p:spPr>
+        <p:style>
+          <a:lnRef idx="2">
+            <a:schemeClr val="accent1">
+              <a:shade val="50000"/>
+            </a:schemeClr>
+          </a:lnRef>
+          <a:fillRef idx="1">
+            <a:schemeClr val="accent1"/>
+          </a:fillRef>
+          <a:effectRef idx="0">
+            <a:schemeClr val="accent1"/>
+          </a:effectRef>
+          <a:fontRef idx="minor">
+            <a:schemeClr val="lt1"/>
+          </a:fontRef>
+        </p:style>
+        <p:txBody>
+          <a:bodyPr rtlCol="0" anchor="ctr"/>
+          <a:lstStyle/>
+          <a:p>
+            <a:pPr algn="ctr"/>
+            <a:r>
+              <a:rPr lang="ro-MD" dirty="0">
+                <a:solidFill>
+                  <a:schemeClr val="tx1"/>
+                </a:solidFill>
+                <a:latin typeface="Consolas" panose="020B0609020204030204" pitchFamily="49" charset="0"/>
+              </a:rPr>
+              <a:t>$</a:t>
+            </a:r>
+            <a:r>
+              <a:rPr lang="ro-MD" dirty="0" smtClean="0">
+                <a:solidFill>
+                  <a:schemeClr val="tx1"/>
+                </a:solidFill>
+                <a:latin typeface="Consolas" panose="020B0609020204030204" pitchFamily="49" charset="0"/>
+              </a:rPr>
+              <a:t>2800</a:t>
+            </a:r>
+            <a:endParaRPr lang="en-US" dirty="0"/>
+          </a:p>
+        </p:txBody>
+      </p:sp>
+      <p:sp>
+        <p:nvSpPr>
+          <p:cNvPr id="4" name="Rectangle 3"/>
+          <p:cNvSpPr/>
+          <p:nvPr/>
+        </p:nvSpPr>
+        <p:spPr>
+          <a:xfrm>
+            <a:off x="4637585" y="1712422"/>
+            <a:ext cx="1512000" cy="1512000"/>
+          </a:xfrm>
+          <a:prstGeom prst="rect">
+            <a:avLst/>
+          </a:prstGeom>
+          <a:solidFill>
+            <a:schemeClr val="bg1"/>
+          </a:solidFill>
+          <a:ln w="22225">
+            <a:solidFill>
+              <a:schemeClr val="tx1"/>
+            </a:solidFill>
+          </a:ln>
+        </p:spPr>
+        <p:style>
+          <a:lnRef idx="2">
+            <a:schemeClr val="accent1">
+              <a:shade val="50000"/>
+            </a:schemeClr>
+          </a:lnRef>
+          <a:fillRef idx="1">
+            <a:schemeClr val="accent1"/>
+          </a:fillRef>
+          <a:effectRef idx="0">
+            <a:schemeClr val="accent1"/>
+          </a:effectRef>
+          <a:fontRef idx="minor">
+            <a:schemeClr val="lt1"/>
+          </a:fontRef>
+        </p:style>
+        <p:txBody>
+          <a:bodyPr rtlCol="0" anchor="ctr"/>
+          <a:lstStyle/>
+          <a:p>
+            <a:pPr algn="ctr"/>
+            <a:r>
+              <a:rPr lang="ro-MD" dirty="0">
+                <a:solidFill>
+                  <a:schemeClr val="tx1"/>
+                </a:solidFill>
+                <a:latin typeface="Consolas" panose="020B0609020204030204" pitchFamily="49" charset="0"/>
+              </a:rPr>
+              <a:t>$</a:t>
+            </a:r>
+            <a:r>
+              <a:rPr lang="ro-MD" dirty="0" smtClean="0">
+                <a:solidFill>
+                  <a:schemeClr val="tx1"/>
+                </a:solidFill>
+                <a:latin typeface="Consolas" panose="020B0609020204030204" pitchFamily="49" charset="0"/>
+              </a:rPr>
+              <a:t>2400</a:t>
+            </a:r>
+            <a:endParaRPr lang="en-US" dirty="0">
+              <a:solidFill>
+                <a:schemeClr val="tx1"/>
+              </a:solidFill>
+              <a:latin typeface="Consolas" panose="020B0609020204030204" pitchFamily="49" charset="0"/>
+            </a:endParaRPr>
+          </a:p>
+        </p:txBody>
+      </p:sp>
+      <p:sp>
+        <p:nvSpPr>
+          <p:cNvPr id="5" name="Rectangle 4"/>
+          <p:cNvSpPr/>
+          <p:nvPr/>
+        </p:nvSpPr>
+        <p:spPr>
+          <a:xfrm>
+            <a:off x="4637585" y="3228677"/>
+            <a:ext cx="1512000" cy="1512000"/>
+          </a:xfrm>
+          <a:prstGeom prst="rect">
+            <a:avLst/>
+          </a:prstGeom>
+          <a:solidFill>
+            <a:schemeClr val="bg1"/>
+          </a:solidFill>
+          <a:ln w="22225">
+            <a:solidFill>
+              <a:schemeClr val="tx1"/>
+            </a:solidFill>
+          </a:ln>
+        </p:spPr>
+        <p:style>
+          <a:lnRef idx="2">
+            <a:schemeClr val="accent1">
+              <a:shade val="50000"/>
+            </a:schemeClr>
+          </a:lnRef>
+          <a:fillRef idx="1">
+            <a:schemeClr val="accent1"/>
+          </a:fillRef>
+          <a:effectRef idx="0">
+            <a:schemeClr val="accent1"/>
+          </a:effectRef>
+          <a:fontRef idx="minor">
+            <a:schemeClr val="lt1"/>
+          </a:fontRef>
+        </p:style>
+        <p:txBody>
+          <a:bodyPr rtlCol="0" anchor="ctr"/>
+          <a:lstStyle/>
+          <a:p>
+            <a:pPr algn="ctr"/>
+            <a:r>
+              <a:rPr lang="ro-MD" dirty="0">
+                <a:solidFill>
+                  <a:schemeClr val="tx1"/>
+                </a:solidFill>
+                <a:latin typeface="Consolas" panose="020B0609020204030204" pitchFamily="49" charset="0"/>
+              </a:rPr>
+              <a:t>$</a:t>
+            </a:r>
+            <a:r>
+              <a:rPr lang="ro-MD" dirty="0" smtClean="0">
+                <a:solidFill>
+                  <a:schemeClr val="tx1"/>
+                </a:solidFill>
+                <a:latin typeface="Consolas" panose="020B0609020204030204" pitchFamily="49" charset="0"/>
+              </a:rPr>
+              <a:t>2C00</a:t>
+            </a:r>
+            <a:endParaRPr lang="en-US" dirty="0"/>
+          </a:p>
+        </p:txBody>
+      </p:sp>
+      <p:sp>
+        <p:nvSpPr>
+          <p:cNvPr id="12" name="Half Frame 11"/>
+          <p:cNvSpPr/>
+          <p:nvPr/>
+        </p:nvSpPr>
+        <p:spPr>
+          <a:xfrm rot="10800000">
+            <a:off x="3089585" y="1677206"/>
+            <a:ext cx="36000" cy="36000"/>
+          </a:xfrm>
+          <a:prstGeom prst="halfFrame">
+            <a:avLst>
+              <a:gd name="adj1" fmla="val 0"/>
+              <a:gd name="adj2" fmla="val 0"/>
+            </a:avLst>
+          </a:prstGeom>
+          <a:solidFill>
+            <a:schemeClr val="tx1"/>
+          </a:solidFill>
+          <a:ln>
+            <a:solidFill>
+              <a:schemeClr val="tx1"/>
+            </a:solidFill>
+          </a:ln>
+        </p:spPr>
+        <p:style>
+          <a:lnRef idx="2">
+            <a:schemeClr val="accent1">
+              <a:shade val="50000"/>
+            </a:schemeClr>
+          </a:lnRef>
+          <a:fillRef idx="1">
+            <a:schemeClr val="accent1"/>
+          </a:fillRef>
+          <a:effectRef idx="0">
+            <a:schemeClr val="accent1"/>
+          </a:effectRef>
+          <a:fontRef idx="minor">
+            <a:schemeClr val="lt1"/>
+          </a:fontRef>
+        </p:style>
+        <p:txBody>
+          <a:bodyPr rtlCol="0" anchor="ctr"/>
+          <a:lstStyle/>
+          <a:p>
+            <a:pPr algn="ctr"/>
+            <a:endParaRPr lang="en-US">
+              <a:solidFill>
+                <a:schemeClr val="tx1"/>
+              </a:solidFill>
+            </a:endParaRPr>
+          </a:p>
+        </p:txBody>
+      </p:sp>
+      <p:sp>
+        <p:nvSpPr>
+          <p:cNvPr id="13" name="Half Frame 12"/>
+          <p:cNvSpPr/>
+          <p:nvPr/>
+        </p:nvSpPr>
+        <p:spPr>
+          <a:xfrm rot="5400000">
+            <a:off x="3089585" y="4740677"/>
+            <a:ext cx="36000" cy="36000"/>
+          </a:xfrm>
+          <a:prstGeom prst="halfFrame">
+            <a:avLst>
+              <a:gd name="adj1" fmla="val 0"/>
+              <a:gd name="adj2" fmla="val 0"/>
+            </a:avLst>
+          </a:prstGeom>
+          <a:solidFill>
+            <a:schemeClr val="tx1"/>
+          </a:solidFill>
+          <a:ln>
+            <a:solidFill>
+              <a:schemeClr val="tx1"/>
+            </a:solidFill>
+          </a:ln>
+        </p:spPr>
+        <p:style>
+          <a:lnRef idx="2">
+            <a:schemeClr val="accent1">
+              <a:shade val="50000"/>
+            </a:schemeClr>
+          </a:lnRef>
+          <a:fillRef idx="1">
+            <a:schemeClr val="accent1"/>
+          </a:fillRef>
+          <a:effectRef idx="0">
+            <a:schemeClr val="accent1"/>
+          </a:effectRef>
+          <a:fontRef idx="minor">
+            <a:schemeClr val="lt1"/>
+          </a:fontRef>
+        </p:style>
+        <p:txBody>
+          <a:bodyPr rtlCol="0" anchor="ctr"/>
+          <a:lstStyle/>
+          <a:p>
+            <a:pPr algn="ctr"/>
+            <a:endParaRPr lang="en-US">
+              <a:solidFill>
+                <a:schemeClr val="tx1"/>
+              </a:solidFill>
+            </a:endParaRPr>
+          </a:p>
+        </p:txBody>
+      </p:sp>
+      <p:sp>
+        <p:nvSpPr>
+          <p:cNvPr id="14" name="Half Frame 13"/>
+          <p:cNvSpPr/>
+          <p:nvPr/>
+        </p:nvSpPr>
+        <p:spPr>
+          <a:xfrm rot="16200000">
+            <a:off x="6149585" y="1677206"/>
+            <a:ext cx="36000" cy="36000"/>
+          </a:xfrm>
+          <a:prstGeom prst="halfFrame">
+            <a:avLst>
+              <a:gd name="adj1" fmla="val 0"/>
+              <a:gd name="adj2" fmla="val 0"/>
+            </a:avLst>
+          </a:prstGeom>
+          <a:solidFill>
+            <a:schemeClr val="tx1"/>
+          </a:solidFill>
+          <a:ln>
+            <a:solidFill>
+              <a:schemeClr val="tx1"/>
+            </a:solidFill>
+          </a:ln>
+        </p:spPr>
+        <p:style>
+          <a:lnRef idx="2">
+            <a:schemeClr val="accent1">
+              <a:shade val="50000"/>
+            </a:schemeClr>
+          </a:lnRef>
+          <a:fillRef idx="1">
+            <a:schemeClr val="accent1"/>
+          </a:fillRef>
+          <a:effectRef idx="0">
+            <a:schemeClr val="accent1"/>
+          </a:effectRef>
+          <a:fontRef idx="minor">
+            <a:schemeClr val="lt1"/>
+          </a:fontRef>
+        </p:style>
+        <p:txBody>
+          <a:bodyPr rtlCol="0" anchor="ctr"/>
+          <a:lstStyle/>
+          <a:p>
+            <a:pPr algn="ctr"/>
+            <a:endParaRPr lang="en-US">
+              <a:solidFill>
+                <a:schemeClr val="tx1"/>
+              </a:solidFill>
+            </a:endParaRPr>
+          </a:p>
+        </p:txBody>
+      </p:sp>
+      <p:sp>
+        <p:nvSpPr>
+          <p:cNvPr id="15" name="Half Frame 14"/>
+          <p:cNvSpPr/>
+          <p:nvPr/>
+        </p:nvSpPr>
+        <p:spPr>
+          <a:xfrm>
+            <a:off x="6149585" y="4740677"/>
+            <a:ext cx="36000" cy="36000"/>
+          </a:xfrm>
+          <a:prstGeom prst="halfFrame">
+            <a:avLst>
+              <a:gd name="adj1" fmla="val 0"/>
+              <a:gd name="adj2" fmla="val 0"/>
+            </a:avLst>
+          </a:prstGeom>
+          <a:solidFill>
+            <a:schemeClr val="tx1"/>
+          </a:solidFill>
+          <a:ln>
+            <a:solidFill>
+              <a:schemeClr val="tx1"/>
+            </a:solidFill>
+          </a:ln>
+        </p:spPr>
+        <p:style>
+          <a:lnRef idx="2">
+            <a:schemeClr val="accent1">
+              <a:shade val="50000"/>
+            </a:schemeClr>
+          </a:lnRef>
+          <a:fillRef idx="1">
+            <a:schemeClr val="accent1"/>
+          </a:fillRef>
+          <a:effectRef idx="0">
+            <a:schemeClr val="accent1"/>
+          </a:effectRef>
+          <a:fontRef idx="minor">
+            <a:schemeClr val="lt1"/>
+          </a:fontRef>
+        </p:style>
+        <p:txBody>
+          <a:bodyPr rtlCol="0" anchor="ctr"/>
+          <a:lstStyle/>
+          <a:p>
+            <a:pPr algn="ctr"/>
+            <a:endParaRPr lang="en-US">
+              <a:solidFill>
+                <a:schemeClr val="tx1"/>
+              </a:solidFill>
+            </a:endParaRPr>
+          </a:p>
+        </p:txBody>
+      </p:sp>
+      <p:sp>
+        <p:nvSpPr>
+          <p:cNvPr id="16" name="TextBox 15"/>
+          <p:cNvSpPr txBox="1"/>
+          <p:nvPr/>
+        </p:nvSpPr>
+        <p:spPr>
+          <a:xfrm>
+            <a:off x="2705100" y="1454207"/>
+            <a:ext cx="473206" cy="276999"/>
+          </a:xfrm>
+          <a:prstGeom prst="rect">
+            <a:avLst/>
+          </a:prstGeom>
+          <a:noFill/>
+        </p:spPr>
+        <p:txBody>
+          <a:bodyPr wrap="none" rtlCol="0">
+            <a:spAutoFit/>
+          </a:bodyPr>
+          <a:lstStyle/>
+          <a:p>
+            <a:r>
+              <a:rPr lang="ro-MD" sz="1200" dirty="0" smtClean="0"/>
+              <a:t>(0,0)</a:t>
+            </a:r>
+            <a:endParaRPr lang="en-US" sz="1200" dirty="0"/>
+          </a:p>
+        </p:txBody>
+      </p:sp>
+      <p:sp>
+        <p:nvSpPr>
+          <p:cNvPr id="17" name="TextBox 16"/>
+          <p:cNvSpPr txBox="1"/>
+          <p:nvPr/>
+        </p:nvSpPr>
+        <p:spPr>
+          <a:xfrm>
+            <a:off x="4269713" y="1431168"/>
+            <a:ext cx="630301" cy="276999"/>
+          </a:xfrm>
+          <a:prstGeom prst="rect">
+            <a:avLst/>
+          </a:prstGeom>
+          <a:noFill/>
+        </p:spPr>
+        <p:txBody>
+          <a:bodyPr wrap="none" rtlCol="0">
+            <a:spAutoFit/>
+          </a:bodyPr>
+          <a:lstStyle/>
+          <a:p>
+            <a:r>
+              <a:rPr lang="ro-MD" sz="1200" dirty="0" smtClean="0"/>
+              <a:t>(256,0)</a:t>
+            </a:r>
+            <a:endParaRPr lang="en-US" sz="1200" dirty="0"/>
+          </a:p>
+        </p:txBody>
+      </p:sp>
+      <p:sp>
+        <p:nvSpPr>
+          <p:cNvPr id="18" name="TextBox 17"/>
+          <p:cNvSpPr txBox="1"/>
+          <p:nvPr/>
+        </p:nvSpPr>
+        <p:spPr>
+          <a:xfrm>
+            <a:off x="6081185" y="1454207"/>
+            <a:ext cx="630301" cy="276999"/>
+          </a:xfrm>
+          <a:prstGeom prst="rect">
+            <a:avLst/>
+          </a:prstGeom>
+          <a:noFill/>
+        </p:spPr>
+        <p:txBody>
+          <a:bodyPr wrap="none" rtlCol="0">
+            <a:spAutoFit/>
+          </a:bodyPr>
+          <a:lstStyle/>
+          <a:p>
+            <a:r>
+              <a:rPr lang="ro-MD" sz="1200" dirty="0" smtClean="0"/>
+              <a:t>(511,0)</a:t>
+            </a:r>
+            <a:endParaRPr lang="en-US" sz="1200" dirty="0"/>
+          </a:p>
+        </p:txBody>
+      </p:sp>
+      <p:sp>
+        <p:nvSpPr>
+          <p:cNvPr id="19" name="TextBox 18"/>
+          <p:cNvSpPr txBox="1"/>
+          <p:nvPr/>
+        </p:nvSpPr>
+        <p:spPr>
+          <a:xfrm>
+            <a:off x="2548005" y="3085922"/>
+            <a:ext cx="630301" cy="276999"/>
+          </a:xfrm>
+          <a:prstGeom prst="rect">
+            <a:avLst/>
+          </a:prstGeom>
+          <a:noFill/>
+        </p:spPr>
+        <p:txBody>
+          <a:bodyPr wrap="none" rtlCol="0">
+            <a:spAutoFit/>
+          </a:bodyPr>
+          <a:lstStyle/>
+          <a:p>
+            <a:r>
+              <a:rPr lang="ro-MD" sz="1200" dirty="0" smtClean="0"/>
+              <a:t>(0,240)</a:t>
+            </a:r>
+            <a:endParaRPr lang="en-US" sz="1200" dirty="0"/>
+          </a:p>
+        </p:txBody>
+      </p:sp>
+      <p:sp>
+        <p:nvSpPr>
+          <p:cNvPr id="20" name="TextBox 19"/>
+          <p:cNvSpPr txBox="1"/>
+          <p:nvPr/>
+        </p:nvSpPr>
+        <p:spPr>
+          <a:xfrm>
+            <a:off x="2554355" y="4717637"/>
+            <a:ext cx="630301" cy="276999"/>
+          </a:xfrm>
+          <a:prstGeom prst="rect">
+            <a:avLst/>
+          </a:prstGeom>
+          <a:noFill/>
+        </p:spPr>
+        <p:txBody>
+          <a:bodyPr wrap="none" rtlCol="0">
+            <a:spAutoFit/>
+          </a:bodyPr>
+          <a:lstStyle/>
+          <a:p>
+            <a:r>
+              <a:rPr lang="ro-MD" sz="1200" dirty="0" smtClean="0"/>
+              <a:t>(0,479)</a:t>
+            </a:r>
+            <a:endParaRPr lang="en-US" sz="1200" dirty="0"/>
+          </a:p>
+        </p:txBody>
+      </p:sp>
+      <p:sp>
+        <p:nvSpPr>
+          <p:cNvPr id="21" name="TextBox 20"/>
+          <p:cNvSpPr txBox="1"/>
+          <p:nvPr/>
+        </p:nvSpPr>
+        <p:spPr>
+          <a:xfrm>
+            <a:off x="4250237" y="4717636"/>
+            <a:ext cx="787395" cy="276999"/>
+          </a:xfrm>
+          <a:prstGeom prst="rect">
+            <a:avLst/>
+          </a:prstGeom>
+          <a:noFill/>
+        </p:spPr>
+        <p:txBody>
+          <a:bodyPr wrap="none" rtlCol="0">
+            <a:spAutoFit/>
+          </a:bodyPr>
+          <a:lstStyle/>
+          <a:p>
+            <a:r>
+              <a:rPr lang="ro-MD" sz="1200" dirty="0" smtClean="0"/>
+              <a:t>(256,479)</a:t>
+            </a:r>
+            <a:endParaRPr lang="en-US" sz="1200" dirty="0"/>
+          </a:p>
+        </p:txBody>
+      </p:sp>
+      <p:sp>
+        <p:nvSpPr>
+          <p:cNvPr id="22" name="TextBox 21"/>
+          <p:cNvSpPr txBox="1"/>
+          <p:nvPr/>
+        </p:nvSpPr>
+        <p:spPr>
+          <a:xfrm>
+            <a:off x="6096864" y="3085921"/>
+            <a:ext cx="787395" cy="276999"/>
+          </a:xfrm>
+          <a:prstGeom prst="rect">
+            <a:avLst/>
+          </a:prstGeom>
+          <a:noFill/>
+        </p:spPr>
+        <p:txBody>
+          <a:bodyPr wrap="none" rtlCol="0">
+            <a:spAutoFit/>
+          </a:bodyPr>
+          <a:lstStyle/>
+          <a:p>
+            <a:r>
+              <a:rPr lang="ro-MD" sz="1200" dirty="0" smtClean="0"/>
+              <a:t>(511,240)</a:t>
+            </a:r>
+            <a:endParaRPr lang="en-US" sz="1200" dirty="0"/>
+          </a:p>
+        </p:txBody>
+      </p:sp>
+      <p:sp>
+        <p:nvSpPr>
+          <p:cNvPr id="23" name="TextBox 22"/>
+          <p:cNvSpPr txBox="1"/>
+          <p:nvPr/>
+        </p:nvSpPr>
+        <p:spPr>
+          <a:xfrm>
+            <a:off x="6081185" y="4721192"/>
+            <a:ext cx="787395" cy="276999"/>
+          </a:xfrm>
+          <a:prstGeom prst="rect">
+            <a:avLst/>
+          </a:prstGeom>
+          <a:noFill/>
+        </p:spPr>
+        <p:txBody>
+          <a:bodyPr wrap="none" rtlCol="0">
+            <a:spAutoFit/>
+          </a:bodyPr>
+          <a:lstStyle/>
+          <a:p>
+            <a:r>
+              <a:rPr lang="ro-MD" sz="1200" dirty="0" smtClean="0"/>
+              <a:t>(511,479)</a:t>
+            </a:r>
+            <a:endParaRPr lang="en-US" sz="1200" dirty="0"/>
+          </a:p>
+        </p:txBody>
+      </p:sp>
+    </p:spTree>
+    <p:extLst>
+      <p:ext uri="{BB962C8B-B14F-4D97-AF65-F5344CB8AC3E}">
+        <p14:creationId xmlns:p14="http://schemas.microsoft.com/office/powerpoint/2010/main" val="1504684361"/>
+      </p:ext>
+    </p:extLst>
+  </p:cSld>
+  <p:clrMapOvr>
+    <a:masterClrMapping/>
+  </p:clrMapOvr>
+</p:sld>
+</file>
+
+<file path=ppt/slides/slide6.xml><?xml version="1.0" encoding="utf-8"?>
+<p:sld xmlns:a="http://schemas.openxmlformats.org/drawingml/2006/main" xmlns:r="http://schemas.openxmlformats.org/officeDocument/2006/relationships" xmlns:p="http://schemas.openxmlformats.org/presentationml/2006/main">
+  <p:cSld>
+    <p:spTree>
+      <p:nvGrpSpPr>
+        <p:cNvPr id="1" name=""/>
+        <p:cNvGrpSpPr/>
+        <p:nvPr/>
+      </p:nvGrpSpPr>
+      <p:grpSpPr>
+        <a:xfrm>
+          <a:off x="0" y="0"/>
+          <a:ext cx="0" cy="0"/>
+          <a:chOff x="0" y="0"/>
+          <a:chExt cx="0" cy="0"/>
+        </a:xfrm>
+      </p:grpSpPr>
+      <p:sp>
+        <p:nvSpPr>
+          <p:cNvPr id="2" name="Rectangle 1"/>
+          <p:cNvSpPr/>
+          <p:nvPr/>
+        </p:nvSpPr>
+        <p:spPr>
+          <a:xfrm>
+            <a:off x="1485237" y="1712422"/>
+            <a:ext cx="1512000" cy="1512000"/>
+          </a:xfrm>
+          <a:prstGeom prst="rect">
+            <a:avLst/>
+          </a:prstGeom>
+          <a:blipFill dpi="0" rotWithShape="1">
+            <a:blip r:embed="rId2">
+              <a:duotone>
+                <a:prstClr val="black"/>
+                <a:schemeClr val="accent1">
+                  <a:tint val="45000"/>
+                  <a:satMod val="400000"/>
+                </a:schemeClr>
+              </a:duotone>
+            </a:blip>
+            <a:srcRect/>
+            <a:stretch>
+              <a:fillRect/>
+            </a:stretch>
+          </a:blipFill>
+          <a:ln w="22225">
+            <a:solidFill>
+              <a:schemeClr val="tx1"/>
+            </a:solidFill>
+          </a:ln>
+        </p:spPr>
+        <p:style>
+          <a:lnRef idx="2">
+            <a:schemeClr val="accent1">
+              <a:shade val="50000"/>
+            </a:schemeClr>
+          </a:lnRef>
+          <a:fillRef idx="1">
+            <a:schemeClr val="accent1"/>
+          </a:fillRef>
+          <a:effectRef idx="0">
+            <a:schemeClr val="accent1"/>
+          </a:effectRef>
+          <a:fontRef idx="minor">
+            <a:schemeClr val="lt1"/>
+          </a:fontRef>
+        </p:style>
+        <p:txBody>
+          <a:bodyPr rtlCol="0" anchor="t" anchorCtr="0"/>
+          <a:lstStyle/>
+          <a:p>
+            <a:r>
+              <a:rPr lang="ro-MD" sz="1600" dirty="0" smtClean="0">
+                <a:solidFill>
+                  <a:schemeClr val="tx1"/>
+                </a:solidFill>
+                <a:latin typeface="Consolas" panose="020B0609020204030204" pitchFamily="49" charset="0"/>
+              </a:rPr>
+              <a:t>$2000</a:t>
+            </a:r>
+            <a:endParaRPr lang="en-US" sz="1600" dirty="0">
+              <a:solidFill>
+                <a:schemeClr val="tx1"/>
+              </a:solidFill>
+              <a:latin typeface="Consolas" panose="020B0609020204030204" pitchFamily="49" charset="0"/>
+            </a:endParaRPr>
+          </a:p>
+        </p:txBody>
+      </p:sp>
+      <p:sp>
+        <p:nvSpPr>
+          <p:cNvPr id="3" name="Rectangle 2"/>
+          <p:cNvSpPr/>
+          <p:nvPr/>
+        </p:nvSpPr>
+        <p:spPr>
+          <a:xfrm>
+            <a:off x="1485237" y="3228677"/>
+            <a:ext cx="1512000" cy="1512000"/>
+          </a:xfrm>
+          <a:prstGeom prst="rect">
+            <a:avLst/>
+          </a:prstGeom>
+          <a:blipFill dpi="0" rotWithShape="1">
+            <a:blip r:embed="rId2">
+              <a:duotone>
+                <a:prstClr val="black"/>
+                <a:schemeClr val="accent2">
+                  <a:tint val="45000"/>
+                  <a:satMod val="400000"/>
+                </a:schemeClr>
+              </a:duotone>
+            </a:blip>
+            <a:srcRect/>
+            <a:stretch>
+              <a:fillRect/>
+            </a:stretch>
+          </a:blipFill>
+          <a:ln w="22225">
+            <a:solidFill>
+              <a:schemeClr val="tx1"/>
+            </a:solidFill>
+          </a:ln>
+        </p:spPr>
+        <p:style>
+          <a:lnRef idx="2">
+            <a:schemeClr val="accent1">
+              <a:shade val="50000"/>
+            </a:schemeClr>
+          </a:lnRef>
+          <a:fillRef idx="1">
+            <a:schemeClr val="accent1"/>
+          </a:fillRef>
+          <a:effectRef idx="0">
+            <a:schemeClr val="accent1"/>
+          </a:effectRef>
+          <a:fontRef idx="minor">
+            <a:schemeClr val="lt1"/>
+          </a:fontRef>
+        </p:style>
+        <p:txBody>
+          <a:bodyPr rtlCol="0" anchor="t" anchorCtr="0"/>
+          <a:lstStyle/>
+          <a:p>
+            <a:r>
+              <a:rPr lang="ro-MD" sz="1600" dirty="0">
+                <a:solidFill>
+                  <a:schemeClr val="tx1"/>
+                </a:solidFill>
+                <a:latin typeface="Consolas" panose="020B0609020204030204" pitchFamily="49" charset="0"/>
+              </a:rPr>
+              <a:t>$</a:t>
+            </a:r>
+            <a:r>
+              <a:rPr lang="ro-MD" sz="1600" dirty="0" smtClean="0">
+                <a:solidFill>
+                  <a:schemeClr val="tx1"/>
+                </a:solidFill>
+                <a:latin typeface="Consolas" panose="020B0609020204030204" pitchFamily="49" charset="0"/>
+              </a:rPr>
+              <a:t>2800</a:t>
+            </a:r>
+            <a:endParaRPr lang="en-US" sz="1600" dirty="0"/>
+          </a:p>
+        </p:txBody>
+      </p:sp>
+      <p:sp>
+        <p:nvSpPr>
+          <p:cNvPr id="4" name="Rectangle 3"/>
+          <p:cNvSpPr/>
+          <p:nvPr/>
+        </p:nvSpPr>
+        <p:spPr>
+          <a:xfrm>
+            <a:off x="2997237" y="1712422"/>
+            <a:ext cx="1512000" cy="1512000"/>
+          </a:xfrm>
+          <a:prstGeom prst="rect">
+            <a:avLst/>
+          </a:prstGeom>
+          <a:blipFill dpi="0" rotWithShape="1">
+            <a:blip r:embed="rId2">
+              <a:alphaModFix amt="50000"/>
+              <a:duotone>
+                <a:prstClr val="black"/>
+                <a:schemeClr val="accent1">
+                  <a:tint val="45000"/>
+                  <a:satMod val="400000"/>
+                </a:schemeClr>
+              </a:duotone>
+            </a:blip>
+            <a:srcRect/>
+            <a:stretch>
+              <a:fillRect/>
+            </a:stretch>
+          </a:blipFill>
+          <a:ln w="22225">
+            <a:solidFill>
+              <a:schemeClr val="tx1"/>
+            </a:solidFill>
+          </a:ln>
+        </p:spPr>
+        <p:style>
+          <a:lnRef idx="2">
+            <a:schemeClr val="accent1">
+              <a:shade val="50000"/>
+            </a:schemeClr>
+          </a:lnRef>
+          <a:fillRef idx="1">
+            <a:schemeClr val="accent1"/>
+          </a:fillRef>
+          <a:effectRef idx="0">
+            <a:schemeClr val="accent1"/>
+          </a:effectRef>
+          <a:fontRef idx="minor">
+            <a:schemeClr val="lt1"/>
+          </a:fontRef>
+        </p:style>
+        <p:txBody>
+          <a:bodyPr rtlCol="0" anchor="t" anchorCtr="0"/>
+          <a:lstStyle/>
+          <a:p>
+            <a:r>
+              <a:rPr lang="ro-MD" sz="1600" dirty="0">
+                <a:solidFill>
+                  <a:schemeClr val="tx1"/>
+                </a:solidFill>
+                <a:latin typeface="Consolas" panose="020B0609020204030204" pitchFamily="49" charset="0"/>
+              </a:rPr>
+              <a:t>$</a:t>
+            </a:r>
+            <a:r>
+              <a:rPr lang="ro-MD" sz="1600" dirty="0" smtClean="0">
+                <a:solidFill>
+                  <a:schemeClr val="tx1"/>
+                </a:solidFill>
+                <a:latin typeface="Consolas" panose="020B0609020204030204" pitchFamily="49" charset="0"/>
+              </a:rPr>
+              <a:t>2400</a:t>
+            </a:r>
+            <a:endParaRPr lang="en-US" sz="1600" dirty="0">
+              <a:solidFill>
+                <a:schemeClr val="tx1"/>
+              </a:solidFill>
+              <a:latin typeface="Consolas" panose="020B0609020204030204" pitchFamily="49" charset="0"/>
+            </a:endParaRPr>
+          </a:p>
+        </p:txBody>
+      </p:sp>
+      <p:sp>
+        <p:nvSpPr>
+          <p:cNvPr id="5" name="Rectangle 4"/>
+          <p:cNvSpPr/>
+          <p:nvPr/>
+        </p:nvSpPr>
+        <p:spPr>
+          <a:xfrm>
+            <a:off x="2997237" y="3228677"/>
+            <a:ext cx="1512000" cy="1512000"/>
+          </a:xfrm>
+          <a:prstGeom prst="rect">
+            <a:avLst/>
+          </a:prstGeom>
+          <a:blipFill dpi="0" rotWithShape="1">
+            <a:blip r:embed="rId2">
+              <a:alphaModFix amt="50000"/>
+              <a:duotone>
+                <a:prstClr val="black"/>
+                <a:schemeClr val="accent2">
+                  <a:tint val="45000"/>
+                  <a:satMod val="400000"/>
+                </a:schemeClr>
+              </a:duotone>
+            </a:blip>
+            <a:srcRect/>
+            <a:stretch>
+              <a:fillRect/>
+            </a:stretch>
+          </a:blipFill>
+          <a:ln w="22225">
+            <a:solidFill>
+              <a:schemeClr val="tx1"/>
+            </a:solidFill>
+          </a:ln>
+        </p:spPr>
+        <p:style>
+          <a:lnRef idx="2">
+            <a:schemeClr val="accent1">
+              <a:shade val="50000"/>
+            </a:schemeClr>
+          </a:lnRef>
+          <a:fillRef idx="1">
+            <a:schemeClr val="accent1"/>
+          </a:fillRef>
+          <a:effectRef idx="0">
+            <a:schemeClr val="accent1"/>
+          </a:effectRef>
+          <a:fontRef idx="minor">
+            <a:schemeClr val="lt1"/>
+          </a:fontRef>
+        </p:style>
+        <p:txBody>
+          <a:bodyPr rtlCol="0" anchor="t" anchorCtr="0"/>
+          <a:lstStyle/>
+          <a:p>
+            <a:r>
+              <a:rPr lang="ro-MD" sz="1600" dirty="0">
+                <a:solidFill>
+                  <a:schemeClr val="tx1"/>
+                </a:solidFill>
+                <a:latin typeface="Consolas" panose="020B0609020204030204" pitchFamily="49" charset="0"/>
+              </a:rPr>
+              <a:t>$</a:t>
+            </a:r>
+            <a:r>
+              <a:rPr lang="ro-MD" sz="1600" dirty="0" smtClean="0">
+                <a:solidFill>
+                  <a:schemeClr val="tx1"/>
+                </a:solidFill>
+                <a:latin typeface="Consolas" panose="020B0609020204030204" pitchFamily="49" charset="0"/>
+              </a:rPr>
+              <a:t>2C00</a:t>
+            </a:r>
+            <a:endParaRPr lang="en-US" sz="1600" dirty="0"/>
+          </a:p>
+        </p:txBody>
+      </p:sp>
+      <p:sp>
+        <p:nvSpPr>
+          <p:cNvPr id="18" name="TextBox 17"/>
+          <p:cNvSpPr txBox="1"/>
+          <p:nvPr/>
+        </p:nvSpPr>
+        <p:spPr>
+          <a:xfrm>
+            <a:off x="1819486" y="1914424"/>
+            <a:ext cx="843501" cy="1107996"/>
+          </a:xfrm>
+          <a:prstGeom prst="rect">
+            <a:avLst/>
+          </a:prstGeom>
+          <a:noFill/>
+        </p:spPr>
+        <p:txBody>
+          <a:bodyPr wrap="none" rtlCol="0">
+            <a:spAutoFit/>
+          </a:bodyPr>
+          <a:lstStyle/>
+          <a:p>
+            <a:r>
+              <a:rPr lang="ro-MD" sz="6600" dirty="0" smtClean="0">
+                <a:solidFill>
+                  <a:schemeClr val="bg1"/>
+                </a:solidFill>
+                <a:latin typeface="Arial Black" panose="020B0A04020102020204" pitchFamily="34" charset="0"/>
+              </a:rPr>
+              <a:t>A</a:t>
+            </a:r>
+            <a:endParaRPr lang="en-US" dirty="0">
+              <a:solidFill>
+                <a:schemeClr val="bg1"/>
+              </a:solidFill>
+              <a:latin typeface="Arial Black" panose="020B0A04020102020204" pitchFamily="34" charset="0"/>
+            </a:endParaRPr>
+          </a:p>
+        </p:txBody>
+      </p:sp>
+      <p:sp>
+        <p:nvSpPr>
+          <p:cNvPr id="20" name="TextBox 19"/>
+          <p:cNvSpPr txBox="1"/>
+          <p:nvPr/>
+        </p:nvSpPr>
+        <p:spPr>
+          <a:xfrm>
+            <a:off x="3331486" y="1914424"/>
+            <a:ext cx="843501" cy="1107996"/>
+          </a:xfrm>
+          <a:prstGeom prst="rect">
+            <a:avLst/>
+          </a:prstGeom>
+          <a:noFill/>
+        </p:spPr>
+        <p:txBody>
+          <a:bodyPr wrap="none" rtlCol="0">
+            <a:spAutoFit/>
+          </a:bodyPr>
+          <a:lstStyle/>
+          <a:p>
+            <a:r>
+              <a:rPr lang="ro-MD" sz="6600" dirty="0" smtClean="0">
+                <a:solidFill>
+                  <a:schemeClr val="bg1"/>
+                </a:solidFill>
+                <a:latin typeface="Arial Black" panose="020B0A04020102020204" pitchFamily="34" charset="0"/>
+              </a:rPr>
+              <a:t>A</a:t>
+            </a:r>
+            <a:endParaRPr lang="en-US" dirty="0">
+              <a:solidFill>
+                <a:schemeClr val="bg1"/>
+              </a:solidFill>
+              <a:latin typeface="Arial Black" panose="020B0A04020102020204" pitchFamily="34" charset="0"/>
+            </a:endParaRPr>
+          </a:p>
+        </p:txBody>
+      </p:sp>
+      <p:sp>
+        <p:nvSpPr>
+          <p:cNvPr id="21" name="TextBox 20"/>
+          <p:cNvSpPr txBox="1"/>
+          <p:nvPr/>
+        </p:nvSpPr>
+        <p:spPr>
+          <a:xfrm>
+            <a:off x="1819485" y="3426424"/>
+            <a:ext cx="843501" cy="1107996"/>
+          </a:xfrm>
+          <a:prstGeom prst="rect">
+            <a:avLst/>
+          </a:prstGeom>
+          <a:noFill/>
+        </p:spPr>
+        <p:txBody>
+          <a:bodyPr wrap="none" rtlCol="0">
+            <a:spAutoFit/>
+          </a:bodyPr>
+          <a:lstStyle/>
+          <a:p>
+            <a:r>
+              <a:rPr lang="ro-MD" sz="6600" dirty="0" smtClean="0">
+                <a:solidFill>
+                  <a:schemeClr val="bg1"/>
+                </a:solidFill>
+                <a:latin typeface="Arial Black" panose="020B0A04020102020204" pitchFamily="34" charset="0"/>
+              </a:rPr>
+              <a:t>B</a:t>
+            </a:r>
+            <a:endParaRPr lang="en-US" dirty="0">
+              <a:solidFill>
+                <a:schemeClr val="bg1"/>
+              </a:solidFill>
+              <a:latin typeface="Arial Black" panose="020B0A04020102020204" pitchFamily="34" charset="0"/>
+            </a:endParaRPr>
+          </a:p>
+        </p:txBody>
+      </p:sp>
+      <p:sp>
+        <p:nvSpPr>
+          <p:cNvPr id="22" name="TextBox 21"/>
+          <p:cNvSpPr txBox="1"/>
+          <p:nvPr/>
+        </p:nvSpPr>
+        <p:spPr>
+          <a:xfrm>
+            <a:off x="3331485" y="3426424"/>
+            <a:ext cx="843501" cy="1107996"/>
+          </a:xfrm>
+          <a:prstGeom prst="rect">
+            <a:avLst/>
+          </a:prstGeom>
+          <a:noFill/>
+        </p:spPr>
+        <p:txBody>
+          <a:bodyPr wrap="none" rtlCol="0">
+            <a:spAutoFit/>
+          </a:bodyPr>
+          <a:lstStyle/>
+          <a:p>
+            <a:r>
+              <a:rPr lang="ro-MD" sz="6600" dirty="0" smtClean="0">
+                <a:solidFill>
+                  <a:schemeClr val="bg1"/>
+                </a:solidFill>
+                <a:latin typeface="Arial Black" panose="020B0A04020102020204" pitchFamily="34" charset="0"/>
+              </a:rPr>
+              <a:t>B</a:t>
+            </a:r>
+            <a:endParaRPr lang="en-US" dirty="0">
+              <a:solidFill>
+                <a:schemeClr val="bg1"/>
+              </a:solidFill>
+              <a:latin typeface="Arial Black" panose="020B0A04020102020204" pitchFamily="34" charset="0"/>
+            </a:endParaRPr>
+          </a:p>
+        </p:txBody>
+      </p:sp>
+      <p:sp>
+        <p:nvSpPr>
+          <p:cNvPr id="23" name="Rectangle 22"/>
+          <p:cNvSpPr/>
+          <p:nvPr/>
+        </p:nvSpPr>
+        <p:spPr>
+          <a:xfrm>
+            <a:off x="4792152" y="1712422"/>
+            <a:ext cx="1512000" cy="1512000"/>
+          </a:xfrm>
+          <a:prstGeom prst="rect">
+            <a:avLst/>
+          </a:prstGeom>
+          <a:blipFill dpi="0" rotWithShape="1">
+            <a:blip r:embed="rId2">
+              <a:duotone>
+                <a:prstClr val="black"/>
+                <a:schemeClr val="accent1">
+                  <a:tint val="45000"/>
+                  <a:satMod val="400000"/>
+                </a:schemeClr>
+              </a:duotone>
+            </a:blip>
+            <a:srcRect/>
+            <a:stretch>
+              <a:fillRect/>
+            </a:stretch>
+          </a:blipFill>
+          <a:ln w="22225">
+            <a:solidFill>
+              <a:schemeClr val="tx1"/>
+            </a:solidFill>
+          </a:ln>
+        </p:spPr>
+        <p:style>
+          <a:lnRef idx="2">
+            <a:schemeClr val="accent1">
+              <a:shade val="50000"/>
+            </a:schemeClr>
+          </a:lnRef>
+          <a:fillRef idx="1">
+            <a:schemeClr val="accent1"/>
+          </a:fillRef>
+          <a:effectRef idx="0">
+            <a:schemeClr val="accent1"/>
+          </a:effectRef>
+          <a:fontRef idx="minor">
+            <a:schemeClr val="lt1"/>
+          </a:fontRef>
+        </p:style>
+        <p:txBody>
+          <a:bodyPr rtlCol="0" anchor="t" anchorCtr="0"/>
+          <a:lstStyle/>
+          <a:p>
+            <a:r>
+              <a:rPr lang="ro-MD" sz="1600" dirty="0" smtClean="0">
+                <a:solidFill>
+                  <a:schemeClr val="tx1"/>
+                </a:solidFill>
+                <a:latin typeface="Consolas" panose="020B0609020204030204" pitchFamily="49" charset="0"/>
+              </a:rPr>
+              <a:t>$2000</a:t>
+            </a:r>
+            <a:endParaRPr lang="en-US" sz="1600" dirty="0">
+              <a:solidFill>
+                <a:schemeClr val="tx1"/>
+              </a:solidFill>
+              <a:latin typeface="Consolas" panose="020B0609020204030204" pitchFamily="49" charset="0"/>
+            </a:endParaRPr>
+          </a:p>
+        </p:txBody>
+      </p:sp>
+      <p:sp>
+        <p:nvSpPr>
+          <p:cNvPr id="24" name="Rectangle 23"/>
+          <p:cNvSpPr/>
+          <p:nvPr/>
+        </p:nvSpPr>
+        <p:spPr>
+          <a:xfrm>
+            <a:off x="4792152" y="3228677"/>
+            <a:ext cx="1512000" cy="1512000"/>
+          </a:xfrm>
+          <a:prstGeom prst="rect">
+            <a:avLst/>
+          </a:prstGeom>
+          <a:blipFill dpi="0" rotWithShape="1">
+            <a:blip r:embed="rId2">
+              <a:alphaModFix amt="50000"/>
+              <a:duotone>
+                <a:prstClr val="black"/>
+                <a:schemeClr val="accent1">
+                  <a:tint val="45000"/>
+                  <a:satMod val="400000"/>
+                </a:schemeClr>
+              </a:duotone>
+            </a:blip>
+            <a:srcRect/>
+            <a:stretch>
+              <a:fillRect/>
+            </a:stretch>
+          </a:blipFill>
+          <a:ln w="22225">
+            <a:solidFill>
+              <a:schemeClr val="tx1"/>
+            </a:solidFill>
+          </a:ln>
+        </p:spPr>
+        <p:style>
+          <a:lnRef idx="2">
+            <a:schemeClr val="accent1">
+              <a:shade val="50000"/>
+            </a:schemeClr>
+          </a:lnRef>
+          <a:fillRef idx="1">
+            <a:schemeClr val="accent1"/>
+          </a:fillRef>
+          <a:effectRef idx="0">
+            <a:schemeClr val="accent1"/>
+          </a:effectRef>
+          <a:fontRef idx="minor">
+            <a:schemeClr val="lt1"/>
+          </a:fontRef>
+        </p:style>
+        <p:txBody>
+          <a:bodyPr rtlCol="0" anchor="t" anchorCtr="0"/>
+          <a:lstStyle/>
+          <a:p>
+            <a:r>
+              <a:rPr lang="ro-MD" sz="1600" dirty="0">
+                <a:solidFill>
+                  <a:schemeClr val="tx1"/>
+                </a:solidFill>
+                <a:latin typeface="Consolas" panose="020B0609020204030204" pitchFamily="49" charset="0"/>
+              </a:rPr>
+              <a:t>$</a:t>
+            </a:r>
+            <a:r>
+              <a:rPr lang="ro-MD" sz="1600" dirty="0" smtClean="0">
+                <a:solidFill>
+                  <a:schemeClr val="tx1"/>
+                </a:solidFill>
+                <a:latin typeface="Consolas" panose="020B0609020204030204" pitchFamily="49" charset="0"/>
+              </a:rPr>
+              <a:t>2800</a:t>
+            </a:r>
+            <a:endParaRPr lang="en-US" sz="1600" dirty="0"/>
+          </a:p>
+        </p:txBody>
+      </p:sp>
+      <p:sp>
+        <p:nvSpPr>
+          <p:cNvPr id="25" name="Rectangle 24"/>
+          <p:cNvSpPr/>
+          <p:nvPr/>
+        </p:nvSpPr>
+        <p:spPr>
+          <a:xfrm>
+            <a:off x="6304152" y="1712422"/>
+            <a:ext cx="1512000" cy="1512000"/>
+          </a:xfrm>
+          <a:prstGeom prst="rect">
+            <a:avLst/>
+          </a:prstGeom>
+          <a:blipFill dpi="0" rotWithShape="1">
+            <a:blip r:embed="rId2">
+              <a:duotone>
+                <a:prstClr val="black"/>
+                <a:schemeClr val="accent2">
+                  <a:tint val="45000"/>
+                  <a:satMod val="400000"/>
+                </a:schemeClr>
+              </a:duotone>
+            </a:blip>
+            <a:srcRect/>
+            <a:stretch>
+              <a:fillRect/>
+            </a:stretch>
+          </a:blipFill>
+          <a:ln w="22225">
+            <a:solidFill>
+              <a:schemeClr val="tx1"/>
+            </a:solidFill>
+          </a:ln>
+        </p:spPr>
+        <p:style>
+          <a:lnRef idx="2">
+            <a:schemeClr val="accent1">
+              <a:shade val="50000"/>
+            </a:schemeClr>
+          </a:lnRef>
+          <a:fillRef idx="1">
+            <a:schemeClr val="accent1"/>
+          </a:fillRef>
+          <a:effectRef idx="0">
+            <a:schemeClr val="accent1"/>
+          </a:effectRef>
+          <a:fontRef idx="minor">
+            <a:schemeClr val="lt1"/>
+          </a:fontRef>
+        </p:style>
+        <p:txBody>
+          <a:bodyPr rtlCol="0" anchor="t" anchorCtr="0"/>
+          <a:lstStyle/>
+          <a:p>
+            <a:r>
+              <a:rPr lang="ro-MD" sz="1600" dirty="0">
+                <a:solidFill>
+                  <a:schemeClr val="tx1"/>
+                </a:solidFill>
+                <a:latin typeface="Consolas" panose="020B0609020204030204" pitchFamily="49" charset="0"/>
+              </a:rPr>
+              <a:t>$</a:t>
+            </a:r>
+            <a:r>
+              <a:rPr lang="ro-MD" sz="1600" dirty="0" smtClean="0">
+                <a:solidFill>
+                  <a:schemeClr val="tx1"/>
+                </a:solidFill>
+                <a:latin typeface="Consolas" panose="020B0609020204030204" pitchFamily="49" charset="0"/>
+              </a:rPr>
+              <a:t>2400</a:t>
+            </a:r>
+            <a:endParaRPr lang="en-US" sz="1600" dirty="0">
+              <a:solidFill>
+                <a:schemeClr val="tx1"/>
+              </a:solidFill>
+              <a:latin typeface="Consolas" panose="020B0609020204030204" pitchFamily="49" charset="0"/>
+            </a:endParaRPr>
+          </a:p>
+        </p:txBody>
+      </p:sp>
+      <p:sp>
+        <p:nvSpPr>
+          <p:cNvPr id="26" name="Rectangle 25"/>
+          <p:cNvSpPr/>
+          <p:nvPr/>
+        </p:nvSpPr>
+        <p:spPr>
+          <a:xfrm>
+            <a:off x="6304152" y="3228677"/>
+            <a:ext cx="1512000" cy="1512000"/>
+          </a:xfrm>
+          <a:prstGeom prst="rect">
+            <a:avLst/>
+          </a:prstGeom>
+          <a:blipFill dpi="0" rotWithShape="1">
+            <a:blip r:embed="rId2">
+              <a:alphaModFix amt="50000"/>
+              <a:duotone>
+                <a:prstClr val="black"/>
+                <a:schemeClr val="accent2">
+                  <a:tint val="45000"/>
+                  <a:satMod val="400000"/>
+                </a:schemeClr>
+              </a:duotone>
+            </a:blip>
+            <a:srcRect/>
+            <a:stretch>
+              <a:fillRect/>
+            </a:stretch>
+          </a:blipFill>
+          <a:ln w="22225">
+            <a:solidFill>
+              <a:schemeClr val="tx1"/>
+            </a:solidFill>
+          </a:ln>
+        </p:spPr>
+        <p:style>
+          <a:lnRef idx="2">
+            <a:schemeClr val="accent1">
+              <a:shade val="50000"/>
+            </a:schemeClr>
+          </a:lnRef>
+          <a:fillRef idx="1">
+            <a:schemeClr val="accent1"/>
+          </a:fillRef>
+          <a:effectRef idx="0">
+            <a:schemeClr val="accent1"/>
+          </a:effectRef>
+          <a:fontRef idx="minor">
+            <a:schemeClr val="lt1"/>
+          </a:fontRef>
+        </p:style>
+        <p:txBody>
+          <a:bodyPr rtlCol="0" anchor="t" anchorCtr="0"/>
+          <a:lstStyle/>
+          <a:p>
+            <a:r>
+              <a:rPr lang="ro-MD" sz="1600" dirty="0">
+                <a:solidFill>
+                  <a:schemeClr val="tx1"/>
+                </a:solidFill>
+                <a:latin typeface="Consolas" panose="020B0609020204030204" pitchFamily="49" charset="0"/>
+              </a:rPr>
+              <a:t>$</a:t>
+            </a:r>
+            <a:r>
+              <a:rPr lang="ro-MD" sz="1600" dirty="0" smtClean="0">
+                <a:solidFill>
+                  <a:schemeClr val="tx1"/>
+                </a:solidFill>
+                <a:latin typeface="Consolas" panose="020B0609020204030204" pitchFamily="49" charset="0"/>
+              </a:rPr>
+              <a:t>2C00</a:t>
+            </a:r>
+            <a:endParaRPr lang="en-US" sz="1600" dirty="0"/>
+          </a:p>
+        </p:txBody>
+      </p:sp>
+      <p:sp>
+        <p:nvSpPr>
+          <p:cNvPr id="27" name="TextBox 26"/>
+          <p:cNvSpPr txBox="1"/>
+          <p:nvPr/>
+        </p:nvSpPr>
+        <p:spPr>
+          <a:xfrm>
+            <a:off x="5126401" y="1914424"/>
+            <a:ext cx="843501" cy="1107996"/>
+          </a:xfrm>
+          <a:prstGeom prst="rect">
+            <a:avLst/>
+          </a:prstGeom>
+          <a:noFill/>
+        </p:spPr>
+        <p:txBody>
+          <a:bodyPr wrap="none" rtlCol="0">
+            <a:spAutoFit/>
+          </a:bodyPr>
+          <a:lstStyle/>
+          <a:p>
+            <a:r>
+              <a:rPr lang="ro-MD" sz="6600" dirty="0" smtClean="0">
+                <a:solidFill>
+                  <a:schemeClr val="bg1"/>
+                </a:solidFill>
+                <a:latin typeface="Arial Black" panose="020B0A04020102020204" pitchFamily="34" charset="0"/>
+              </a:rPr>
+              <a:t>A</a:t>
+            </a:r>
+            <a:endParaRPr lang="en-US" dirty="0">
+              <a:solidFill>
+                <a:schemeClr val="bg1"/>
+              </a:solidFill>
+              <a:latin typeface="Arial Black" panose="020B0A04020102020204" pitchFamily="34" charset="0"/>
+            </a:endParaRPr>
+          </a:p>
+        </p:txBody>
+      </p:sp>
+      <p:sp>
+        <p:nvSpPr>
+          <p:cNvPr id="28" name="TextBox 27"/>
+          <p:cNvSpPr txBox="1"/>
+          <p:nvPr/>
+        </p:nvSpPr>
+        <p:spPr>
+          <a:xfrm>
+            <a:off x="6638401" y="1914424"/>
+            <a:ext cx="843501" cy="1107996"/>
+          </a:xfrm>
+          <a:prstGeom prst="rect">
+            <a:avLst/>
+          </a:prstGeom>
+          <a:noFill/>
+        </p:spPr>
+        <p:txBody>
+          <a:bodyPr wrap="none" rtlCol="0">
+            <a:spAutoFit/>
+          </a:bodyPr>
+          <a:lstStyle/>
+          <a:p>
+            <a:r>
+              <a:rPr lang="ro-MD" sz="6600" dirty="0" smtClean="0">
+                <a:solidFill>
+                  <a:schemeClr val="bg1"/>
+                </a:solidFill>
+                <a:latin typeface="Arial Black" panose="020B0A04020102020204" pitchFamily="34" charset="0"/>
+              </a:rPr>
+              <a:t>B</a:t>
+            </a:r>
+            <a:endParaRPr lang="en-US" dirty="0">
+              <a:solidFill>
+                <a:schemeClr val="bg1"/>
+              </a:solidFill>
+              <a:latin typeface="Arial Black" panose="020B0A04020102020204" pitchFamily="34" charset="0"/>
+            </a:endParaRPr>
+          </a:p>
+        </p:txBody>
+      </p:sp>
+      <p:sp>
+        <p:nvSpPr>
+          <p:cNvPr id="29" name="TextBox 28"/>
+          <p:cNvSpPr txBox="1"/>
+          <p:nvPr/>
+        </p:nvSpPr>
+        <p:spPr>
+          <a:xfrm>
+            <a:off x="5126400" y="3426424"/>
+            <a:ext cx="843501" cy="1107996"/>
+          </a:xfrm>
+          <a:prstGeom prst="rect">
+            <a:avLst/>
+          </a:prstGeom>
+          <a:noFill/>
+        </p:spPr>
+        <p:txBody>
+          <a:bodyPr wrap="none" rtlCol="0">
+            <a:spAutoFit/>
+          </a:bodyPr>
+          <a:lstStyle/>
+          <a:p>
+            <a:r>
+              <a:rPr lang="ro-MD" sz="6600" dirty="0" smtClean="0">
+                <a:solidFill>
+                  <a:schemeClr val="bg1"/>
+                </a:solidFill>
+                <a:latin typeface="Arial Black" panose="020B0A04020102020204" pitchFamily="34" charset="0"/>
+              </a:rPr>
+              <a:t>A</a:t>
+            </a:r>
+            <a:endParaRPr lang="en-US" dirty="0">
+              <a:solidFill>
+                <a:schemeClr val="bg1"/>
+              </a:solidFill>
+              <a:latin typeface="Arial Black" panose="020B0A04020102020204" pitchFamily="34" charset="0"/>
+            </a:endParaRPr>
+          </a:p>
+        </p:txBody>
+      </p:sp>
+      <p:sp>
+        <p:nvSpPr>
+          <p:cNvPr id="30" name="TextBox 29"/>
+          <p:cNvSpPr txBox="1"/>
+          <p:nvPr/>
+        </p:nvSpPr>
+        <p:spPr>
+          <a:xfrm>
+            <a:off x="6638400" y="3426424"/>
+            <a:ext cx="843501" cy="1107996"/>
+          </a:xfrm>
+          <a:prstGeom prst="rect">
+            <a:avLst/>
+          </a:prstGeom>
+          <a:noFill/>
+        </p:spPr>
+        <p:txBody>
+          <a:bodyPr wrap="none" rtlCol="0">
+            <a:spAutoFit/>
+          </a:bodyPr>
+          <a:lstStyle/>
+          <a:p>
+            <a:r>
+              <a:rPr lang="ro-MD" sz="6600" dirty="0" smtClean="0">
+                <a:solidFill>
+                  <a:schemeClr val="bg1"/>
+                </a:solidFill>
+                <a:latin typeface="Arial Black" panose="020B0A04020102020204" pitchFamily="34" charset="0"/>
+              </a:rPr>
+              <a:t>B</a:t>
+            </a:r>
+            <a:endParaRPr lang="en-US" dirty="0">
+              <a:solidFill>
+                <a:schemeClr val="bg1"/>
+              </a:solidFill>
+              <a:latin typeface="Arial Black" panose="020B0A04020102020204" pitchFamily="34" charset="0"/>
+            </a:endParaRPr>
+          </a:p>
+        </p:txBody>
+      </p:sp>
+    </p:spTree>
+    <p:extLst>
+      <p:ext uri="{BB962C8B-B14F-4D97-AF65-F5344CB8AC3E}">
+        <p14:creationId xmlns:p14="http://schemas.microsoft.com/office/powerpoint/2010/main" val="3728404270"/>
+      </p:ext>
+    </p:extLst>
+  </p:cSld>
+  <p:clrMapOvr>
+    <a:masterClrMapping/>
+  </p:clrMapOvr>
+</p:sld>
+</file>
+
+<file path=ppt/slides/slide7.xml><?xml version="1.0" encoding="utf-8"?>
+<p:sld xmlns:a="http://schemas.openxmlformats.org/drawingml/2006/main" xmlns:r="http://schemas.openxmlformats.org/officeDocument/2006/relationships" xmlns:p="http://schemas.openxmlformats.org/presentationml/2006/main">
+  <p:cSld>
+    <p:spTree>
+      <p:nvGrpSpPr>
+        <p:cNvPr id="1" name=""/>
+        <p:cNvGrpSpPr/>
+        <p:nvPr/>
+      </p:nvGrpSpPr>
+      <p:grpSpPr>
+        <a:xfrm>
+          <a:off x="0" y="0"/>
+          <a:ext cx="0" cy="0"/>
+          <a:chOff x="0" y="0"/>
+          <a:chExt cx="0" cy="0"/>
+        </a:xfrm>
+      </p:grpSpPr>
+      <p:sp>
+        <p:nvSpPr>
+          <p:cNvPr id="2" name="Rectangle 1"/>
+          <p:cNvSpPr/>
+          <p:nvPr/>
+        </p:nvSpPr>
+        <p:spPr>
+          <a:xfrm>
+            <a:off x="1481136" y="1712422"/>
+            <a:ext cx="1512000" cy="1512000"/>
+          </a:xfrm>
+          <a:prstGeom prst="rect">
+            <a:avLst/>
+          </a:prstGeom>
+          <a:blipFill dpi="0" rotWithShape="1">
+            <a:blip r:embed="rId2">
+              <a:duotone>
+                <a:prstClr val="black"/>
+                <a:schemeClr val="accent2">
+                  <a:tint val="45000"/>
+                  <a:satMod val="400000"/>
+                </a:schemeClr>
+              </a:duotone>
+            </a:blip>
+            <a:srcRect/>
+            <a:stretch>
+              <a:fillRect/>
+            </a:stretch>
+          </a:blipFill>
+          <a:ln w="22225">
+            <a:solidFill>
+              <a:schemeClr val="tx1"/>
+            </a:solidFill>
+          </a:ln>
+        </p:spPr>
+        <p:style>
+          <a:lnRef idx="2">
+            <a:schemeClr val="accent1">
+              <a:shade val="50000"/>
+            </a:schemeClr>
+          </a:lnRef>
+          <a:fillRef idx="1">
+            <a:schemeClr val="accent1"/>
+          </a:fillRef>
+          <a:effectRef idx="0">
+            <a:schemeClr val="accent1"/>
+          </a:effectRef>
+          <a:fontRef idx="minor">
+            <a:schemeClr val="lt1"/>
+          </a:fontRef>
+        </p:style>
+        <p:txBody>
+          <a:bodyPr rtlCol="0" anchor="t" anchorCtr="0"/>
+          <a:lstStyle/>
+          <a:p>
+            <a:r>
+              <a:rPr lang="ro-MD" sz="1600" dirty="0" smtClean="0">
+                <a:solidFill>
+                  <a:schemeClr val="tx1"/>
+                </a:solidFill>
+                <a:latin typeface="Consolas" panose="020B0609020204030204" pitchFamily="49" charset="0"/>
+              </a:rPr>
+              <a:t>$2000</a:t>
+            </a:r>
+            <a:endParaRPr lang="en-US" sz="1600" dirty="0">
+              <a:solidFill>
+                <a:schemeClr val="tx1"/>
+              </a:solidFill>
+              <a:latin typeface="Consolas" panose="020B0609020204030204" pitchFamily="49" charset="0"/>
+            </a:endParaRPr>
+          </a:p>
+        </p:txBody>
+      </p:sp>
+      <p:sp>
+        <p:nvSpPr>
+          <p:cNvPr id="3" name="Rectangle 2"/>
+          <p:cNvSpPr/>
+          <p:nvPr/>
+        </p:nvSpPr>
+        <p:spPr>
+          <a:xfrm>
+            <a:off x="1481136" y="3228677"/>
+            <a:ext cx="1512000" cy="1512000"/>
+          </a:xfrm>
+          <a:prstGeom prst="rect">
+            <a:avLst/>
+          </a:prstGeom>
+          <a:blipFill dpi="0" rotWithShape="1">
+            <a:blip r:embed="rId2">
+              <a:alphaModFix amt="50000"/>
+              <a:duotone>
+                <a:prstClr val="black"/>
+                <a:schemeClr val="accent2">
+                  <a:tint val="45000"/>
+                  <a:satMod val="400000"/>
+                </a:schemeClr>
+              </a:duotone>
+            </a:blip>
+            <a:srcRect/>
+            <a:stretch>
+              <a:fillRect/>
+            </a:stretch>
+          </a:blipFill>
+          <a:ln w="22225">
+            <a:solidFill>
+              <a:schemeClr val="tx1"/>
+            </a:solidFill>
+          </a:ln>
+        </p:spPr>
+        <p:style>
+          <a:lnRef idx="2">
+            <a:schemeClr val="accent1">
+              <a:shade val="50000"/>
+            </a:schemeClr>
+          </a:lnRef>
+          <a:fillRef idx="1">
+            <a:schemeClr val="accent1"/>
+          </a:fillRef>
+          <a:effectRef idx="0">
+            <a:schemeClr val="accent1"/>
+          </a:effectRef>
+          <a:fontRef idx="minor">
+            <a:schemeClr val="lt1"/>
+          </a:fontRef>
+        </p:style>
+        <p:txBody>
+          <a:bodyPr rtlCol="0" anchor="t" anchorCtr="0"/>
+          <a:lstStyle/>
+          <a:p>
+            <a:r>
+              <a:rPr lang="ro-MD" sz="1600" dirty="0">
+                <a:solidFill>
+                  <a:schemeClr val="tx1"/>
+                </a:solidFill>
+                <a:latin typeface="Consolas" panose="020B0609020204030204" pitchFamily="49" charset="0"/>
+              </a:rPr>
+              <a:t>$</a:t>
+            </a:r>
+            <a:r>
+              <a:rPr lang="ro-MD" sz="1600" dirty="0" smtClean="0">
+                <a:solidFill>
+                  <a:schemeClr val="tx1"/>
+                </a:solidFill>
+                <a:latin typeface="Consolas" panose="020B0609020204030204" pitchFamily="49" charset="0"/>
+              </a:rPr>
+              <a:t>2800</a:t>
+            </a:r>
+            <a:endParaRPr lang="en-US" sz="1600" dirty="0"/>
+          </a:p>
+        </p:txBody>
+      </p:sp>
+      <p:sp>
+        <p:nvSpPr>
+          <p:cNvPr id="4" name="Rectangle 3"/>
+          <p:cNvSpPr/>
+          <p:nvPr/>
+        </p:nvSpPr>
+        <p:spPr>
+          <a:xfrm>
+            <a:off x="2993136" y="1712422"/>
+            <a:ext cx="1512000" cy="1512000"/>
+          </a:xfrm>
+          <a:prstGeom prst="rect">
+            <a:avLst/>
+          </a:prstGeom>
+          <a:blipFill dpi="0" rotWithShape="1">
+            <a:blip r:embed="rId2">
+              <a:alphaModFix amt="50000"/>
+              <a:duotone>
+                <a:prstClr val="black"/>
+                <a:schemeClr val="accent2">
+                  <a:tint val="45000"/>
+                  <a:satMod val="400000"/>
+                </a:schemeClr>
+              </a:duotone>
+            </a:blip>
+            <a:srcRect/>
+            <a:stretch>
+              <a:fillRect/>
+            </a:stretch>
+          </a:blipFill>
+          <a:ln w="22225">
+            <a:solidFill>
+              <a:schemeClr val="tx1"/>
+            </a:solidFill>
+          </a:ln>
+        </p:spPr>
+        <p:style>
+          <a:lnRef idx="2">
+            <a:schemeClr val="accent1">
+              <a:shade val="50000"/>
+            </a:schemeClr>
+          </a:lnRef>
+          <a:fillRef idx="1">
+            <a:schemeClr val="accent1"/>
+          </a:fillRef>
+          <a:effectRef idx="0">
+            <a:schemeClr val="accent1"/>
+          </a:effectRef>
+          <a:fontRef idx="minor">
+            <a:schemeClr val="lt1"/>
+          </a:fontRef>
+        </p:style>
+        <p:txBody>
+          <a:bodyPr rtlCol="0" anchor="t" anchorCtr="0"/>
+          <a:lstStyle/>
+          <a:p>
+            <a:r>
+              <a:rPr lang="ro-MD" sz="1600" dirty="0">
+                <a:solidFill>
+                  <a:schemeClr val="tx1"/>
+                </a:solidFill>
+                <a:latin typeface="Consolas" panose="020B0609020204030204" pitchFamily="49" charset="0"/>
+              </a:rPr>
+              <a:t>$</a:t>
+            </a:r>
+            <a:r>
+              <a:rPr lang="ro-MD" sz="1600" dirty="0" smtClean="0">
+                <a:solidFill>
+                  <a:schemeClr val="tx1"/>
+                </a:solidFill>
+                <a:latin typeface="Consolas" panose="020B0609020204030204" pitchFamily="49" charset="0"/>
+              </a:rPr>
+              <a:t>2400</a:t>
+            </a:r>
+            <a:endParaRPr lang="en-US" sz="1600" dirty="0">
+              <a:solidFill>
+                <a:schemeClr val="tx1"/>
+              </a:solidFill>
+              <a:latin typeface="Consolas" panose="020B0609020204030204" pitchFamily="49" charset="0"/>
+            </a:endParaRPr>
+          </a:p>
+        </p:txBody>
+      </p:sp>
+      <p:sp>
+        <p:nvSpPr>
+          <p:cNvPr id="5" name="Rectangle 4"/>
+          <p:cNvSpPr/>
+          <p:nvPr/>
+        </p:nvSpPr>
+        <p:spPr>
+          <a:xfrm>
+            <a:off x="2993136" y="3228677"/>
+            <a:ext cx="1512000" cy="1512000"/>
+          </a:xfrm>
+          <a:prstGeom prst="rect">
+            <a:avLst/>
+          </a:prstGeom>
+          <a:blipFill dpi="0" rotWithShape="1">
+            <a:blip r:embed="rId2">
+              <a:alphaModFix amt="50000"/>
+              <a:duotone>
+                <a:prstClr val="black"/>
+                <a:schemeClr val="accent2">
+                  <a:tint val="45000"/>
+                  <a:satMod val="400000"/>
+                </a:schemeClr>
+              </a:duotone>
+            </a:blip>
+            <a:srcRect/>
+            <a:stretch>
+              <a:fillRect/>
+            </a:stretch>
+          </a:blipFill>
+          <a:ln w="22225">
+            <a:solidFill>
+              <a:schemeClr val="tx1"/>
+            </a:solidFill>
+          </a:ln>
+        </p:spPr>
+        <p:style>
+          <a:lnRef idx="2">
+            <a:schemeClr val="accent1">
+              <a:shade val="50000"/>
+            </a:schemeClr>
+          </a:lnRef>
+          <a:fillRef idx="1">
+            <a:schemeClr val="accent1"/>
+          </a:fillRef>
+          <a:effectRef idx="0">
+            <a:schemeClr val="accent1"/>
+          </a:effectRef>
+          <a:fontRef idx="minor">
+            <a:schemeClr val="lt1"/>
+          </a:fontRef>
+        </p:style>
+        <p:txBody>
+          <a:bodyPr rtlCol="0" anchor="t" anchorCtr="0"/>
+          <a:lstStyle/>
+          <a:p>
+            <a:r>
+              <a:rPr lang="ro-MD" sz="1600" dirty="0">
+                <a:solidFill>
+                  <a:schemeClr val="tx1"/>
+                </a:solidFill>
+                <a:latin typeface="Consolas" panose="020B0609020204030204" pitchFamily="49" charset="0"/>
+              </a:rPr>
+              <a:t>$</a:t>
+            </a:r>
+            <a:r>
+              <a:rPr lang="ro-MD" sz="1600" dirty="0" smtClean="0">
+                <a:solidFill>
+                  <a:schemeClr val="tx1"/>
+                </a:solidFill>
+                <a:latin typeface="Consolas" panose="020B0609020204030204" pitchFamily="49" charset="0"/>
+              </a:rPr>
+              <a:t>2C00</a:t>
+            </a:r>
+            <a:endParaRPr lang="en-US" sz="1600" dirty="0"/>
+          </a:p>
+        </p:txBody>
+      </p:sp>
+      <p:sp>
+        <p:nvSpPr>
+          <p:cNvPr id="18" name="TextBox 17"/>
+          <p:cNvSpPr txBox="1"/>
+          <p:nvPr/>
+        </p:nvSpPr>
+        <p:spPr>
+          <a:xfrm>
+            <a:off x="1815385" y="1914424"/>
+            <a:ext cx="843501" cy="1107996"/>
+          </a:xfrm>
+          <a:prstGeom prst="rect">
+            <a:avLst/>
+          </a:prstGeom>
+          <a:noFill/>
+        </p:spPr>
+        <p:txBody>
+          <a:bodyPr wrap="none" rtlCol="0">
+            <a:spAutoFit/>
+          </a:bodyPr>
+          <a:lstStyle/>
+          <a:p>
+            <a:r>
+              <a:rPr lang="ro-MD" sz="6600" dirty="0" smtClean="0">
+                <a:solidFill>
+                  <a:schemeClr val="bg1"/>
+                </a:solidFill>
+                <a:latin typeface="Arial Black" panose="020B0A04020102020204" pitchFamily="34" charset="0"/>
+              </a:rPr>
+              <a:t>B</a:t>
+            </a:r>
+            <a:endParaRPr lang="en-US" dirty="0">
+              <a:solidFill>
+                <a:schemeClr val="bg1"/>
+              </a:solidFill>
+              <a:latin typeface="Arial Black" panose="020B0A04020102020204" pitchFamily="34" charset="0"/>
+            </a:endParaRPr>
+          </a:p>
+        </p:txBody>
+      </p:sp>
+      <p:sp>
+        <p:nvSpPr>
+          <p:cNvPr id="20" name="TextBox 19"/>
+          <p:cNvSpPr txBox="1"/>
+          <p:nvPr/>
+        </p:nvSpPr>
+        <p:spPr>
+          <a:xfrm>
+            <a:off x="3327385" y="1914424"/>
+            <a:ext cx="843501" cy="1107996"/>
+          </a:xfrm>
+          <a:prstGeom prst="rect">
+            <a:avLst/>
+          </a:prstGeom>
+          <a:noFill/>
+        </p:spPr>
+        <p:txBody>
+          <a:bodyPr wrap="none" rtlCol="0">
+            <a:spAutoFit/>
+          </a:bodyPr>
+          <a:lstStyle/>
+          <a:p>
+            <a:r>
+              <a:rPr lang="ro-MD" sz="6600" dirty="0" smtClean="0">
+                <a:solidFill>
+                  <a:schemeClr val="bg1"/>
+                </a:solidFill>
+                <a:latin typeface="Arial Black" panose="020B0A04020102020204" pitchFamily="34" charset="0"/>
+              </a:rPr>
+              <a:t>B</a:t>
+            </a:r>
+            <a:endParaRPr lang="en-US" dirty="0">
+              <a:solidFill>
+                <a:schemeClr val="bg1"/>
+              </a:solidFill>
+              <a:latin typeface="Arial Black" panose="020B0A04020102020204" pitchFamily="34" charset="0"/>
+            </a:endParaRPr>
+          </a:p>
+        </p:txBody>
+      </p:sp>
+      <p:sp>
+        <p:nvSpPr>
+          <p:cNvPr id="21" name="TextBox 20"/>
+          <p:cNvSpPr txBox="1"/>
+          <p:nvPr/>
+        </p:nvSpPr>
+        <p:spPr>
+          <a:xfrm>
+            <a:off x="1815384" y="3426424"/>
+            <a:ext cx="843501" cy="1107996"/>
+          </a:xfrm>
+          <a:prstGeom prst="rect">
+            <a:avLst/>
+          </a:prstGeom>
+          <a:noFill/>
+        </p:spPr>
+        <p:txBody>
+          <a:bodyPr wrap="none" rtlCol="0">
+            <a:spAutoFit/>
+          </a:bodyPr>
+          <a:lstStyle/>
+          <a:p>
+            <a:r>
+              <a:rPr lang="ro-MD" sz="6600" dirty="0" smtClean="0">
+                <a:solidFill>
+                  <a:schemeClr val="bg1"/>
+                </a:solidFill>
+                <a:latin typeface="Arial Black" panose="020B0A04020102020204" pitchFamily="34" charset="0"/>
+              </a:rPr>
+              <a:t>B</a:t>
+            </a:r>
+            <a:endParaRPr lang="en-US" dirty="0">
+              <a:solidFill>
+                <a:schemeClr val="bg1"/>
+              </a:solidFill>
+              <a:latin typeface="Arial Black" panose="020B0A04020102020204" pitchFamily="34" charset="0"/>
+            </a:endParaRPr>
+          </a:p>
+        </p:txBody>
+      </p:sp>
+      <p:sp>
+        <p:nvSpPr>
+          <p:cNvPr id="22" name="TextBox 21"/>
+          <p:cNvSpPr txBox="1"/>
+          <p:nvPr/>
+        </p:nvSpPr>
+        <p:spPr>
+          <a:xfrm>
+            <a:off x="3327384" y="3426424"/>
+            <a:ext cx="843501" cy="1107996"/>
+          </a:xfrm>
+          <a:prstGeom prst="rect">
+            <a:avLst/>
+          </a:prstGeom>
+          <a:noFill/>
+        </p:spPr>
+        <p:txBody>
+          <a:bodyPr wrap="none" rtlCol="0">
+            <a:spAutoFit/>
+          </a:bodyPr>
+          <a:lstStyle/>
+          <a:p>
+            <a:r>
+              <a:rPr lang="ro-MD" sz="6600" dirty="0" smtClean="0">
+                <a:solidFill>
+                  <a:schemeClr val="bg1"/>
+                </a:solidFill>
+                <a:latin typeface="Arial Black" panose="020B0A04020102020204" pitchFamily="34" charset="0"/>
+              </a:rPr>
+              <a:t>B</a:t>
+            </a:r>
+            <a:endParaRPr lang="en-US" dirty="0">
+              <a:solidFill>
+                <a:schemeClr val="bg1"/>
+              </a:solidFill>
+              <a:latin typeface="Arial Black" panose="020B0A04020102020204" pitchFamily="34" charset="0"/>
+            </a:endParaRPr>
+          </a:p>
+        </p:txBody>
+      </p:sp>
+      <p:sp>
+        <p:nvSpPr>
+          <p:cNvPr id="10" name="Rectangle 9"/>
+          <p:cNvSpPr/>
+          <p:nvPr/>
+        </p:nvSpPr>
+        <p:spPr>
+          <a:xfrm>
+            <a:off x="4792148" y="1712422"/>
+            <a:ext cx="1512000" cy="1512000"/>
+          </a:xfrm>
+          <a:prstGeom prst="rect">
+            <a:avLst/>
+          </a:prstGeom>
+          <a:blipFill dpi="0" rotWithShape="1">
+            <a:blip r:embed="rId2">
+              <a:duotone>
+                <a:prstClr val="black"/>
+                <a:schemeClr val="accent1">
+                  <a:tint val="45000"/>
+                  <a:satMod val="400000"/>
+                </a:schemeClr>
+              </a:duotone>
+            </a:blip>
+            <a:srcRect/>
+            <a:stretch>
+              <a:fillRect/>
+            </a:stretch>
+          </a:blipFill>
+          <a:ln w="22225">
+            <a:solidFill>
+              <a:schemeClr val="tx1"/>
+            </a:solidFill>
+          </a:ln>
+        </p:spPr>
+        <p:style>
+          <a:lnRef idx="2">
+            <a:schemeClr val="accent1">
+              <a:shade val="50000"/>
+            </a:schemeClr>
+          </a:lnRef>
+          <a:fillRef idx="1">
+            <a:schemeClr val="accent1"/>
+          </a:fillRef>
+          <a:effectRef idx="0">
+            <a:schemeClr val="accent1"/>
+          </a:effectRef>
+          <a:fontRef idx="minor">
+            <a:schemeClr val="lt1"/>
+          </a:fontRef>
+        </p:style>
+        <p:txBody>
+          <a:bodyPr rtlCol="0" anchor="t" anchorCtr="0"/>
+          <a:lstStyle/>
+          <a:p>
+            <a:r>
+              <a:rPr lang="ro-MD" sz="1600" dirty="0" smtClean="0">
+                <a:solidFill>
+                  <a:schemeClr val="tx1"/>
+                </a:solidFill>
+                <a:latin typeface="Consolas" panose="020B0609020204030204" pitchFamily="49" charset="0"/>
+              </a:rPr>
+              <a:t>$2000</a:t>
+            </a:r>
+            <a:endParaRPr lang="en-US" sz="1600" dirty="0">
+              <a:solidFill>
+                <a:schemeClr val="tx1"/>
+              </a:solidFill>
+              <a:latin typeface="Consolas" panose="020B0609020204030204" pitchFamily="49" charset="0"/>
+            </a:endParaRPr>
+          </a:p>
+        </p:txBody>
+      </p:sp>
+      <p:sp>
+        <p:nvSpPr>
+          <p:cNvPr id="11" name="Rectangle 10"/>
+          <p:cNvSpPr/>
+          <p:nvPr/>
+        </p:nvSpPr>
+        <p:spPr>
+          <a:xfrm>
+            <a:off x="4792148" y="3228677"/>
+            <a:ext cx="1512000" cy="1512000"/>
+          </a:xfrm>
+          <a:prstGeom prst="rect">
+            <a:avLst/>
+          </a:prstGeom>
+          <a:blipFill dpi="0" rotWithShape="1">
+            <a:blip r:embed="rId2">
+              <a:alphaModFix amt="50000"/>
+              <a:duotone>
+                <a:prstClr val="black"/>
+                <a:schemeClr val="accent1">
+                  <a:tint val="45000"/>
+                  <a:satMod val="400000"/>
+                </a:schemeClr>
+              </a:duotone>
+            </a:blip>
+            <a:srcRect/>
+            <a:stretch>
+              <a:fillRect/>
+            </a:stretch>
+          </a:blipFill>
+          <a:ln w="22225">
+            <a:solidFill>
+              <a:schemeClr val="tx1"/>
+            </a:solidFill>
+          </a:ln>
+        </p:spPr>
+        <p:style>
+          <a:lnRef idx="2">
+            <a:schemeClr val="accent1">
+              <a:shade val="50000"/>
+            </a:schemeClr>
+          </a:lnRef>
+          <a:fillRef idx="1">
+            <a:schemeClr val="accent1"/>
+          </a:fillRef>
+          <a:effectRef idx="0">
+            <a:schemeClr val="accent1"/>
+          </a:effectRef>
+          <a:fontRef idx="minor">
+            <a:schemeClr val="lt1"/>
+          </a:fontRef>
+        </p:style>
+        <p:txBody>
+          <a:bodyPr rtlCol="0" anchor="t" anchorCtr="0"/>
+          <a:lstStyle/>
+          <a:p>
+            <a:r>
+              <a:rPr lang="ro-MD" sz="1600" dirty="0">
+                <a:solidFill>
+                  <a:schemeClr val="tx1"/>
+                </a:solidFill>
+                <a:latin typeface="Consolas" panose="020B0609020204030204" pitchFamily="49" charset="0"/>
+              </a:rPr>
+              <a:t>$</a:t>
+            </a:r>
+            <a:r>
+              <a:rPr lang="ro-MD" sz="1600" dirty="0" smtClean="0">
+                <a:solidFill>
+                  <a:schemeClr val="tx1"/>
+                </a:solidFill>
+                <a:latin typeface="Consolas" panose="020B0609020204030204" pitchFamily="49" charset="0"/>
+              </a:rPr>
+              <a:t>2800</a:t>
+            </a:r>
+            <a:endParaRPr lang="en-US" sz="1600" dirty="0"/>
+          </a:p>
+        </p:txBody>
+      </p:sp>
+      <p:sp>
+        <p:nvSpPr>
+          <p:cNvPr id="12" name="Rectangle 11"/>
+          <p:cNvSpPr/>
+          <p:nvPr/>
+        </p:nvSpPr>
+        <p:spPr>
+          <a:xfrm>
+            <a:off x="6304148" y="1712422"/>
+            <a:ext cx="1512000" cy="1512000"/>
+          </a:xfrm>
+          <a:prstGeom prst="rect">
+            <a:avLst/>
+          </a:prstGeom>
+          <a:blipFill dpi="0" rotWithShape="1">
+            <a:blip r:embed="rId2">
+              <a:alphaModFix amt="50000"/>
+              <a:duotone>
+                <a:prstClr val="black"/>
+                <a:schemeClr val="accent1">
+                  <a:tint val="45000"/>
+                  <a:satMod val="400000"/>
+                </a:schemeClr>
+              </a:duotone>
+            </a:blip>
+            <a:srcRect/>
+            <a:stretch>
+              <a:fillRect/>
+            </a:stretch>
+          </a:blipFill>
+          <a:ln w="22225">
+            <a:solidFill>
+              <a:schemeClr val="tx1"/>
+            </a:solidFill>
+          </a:ln>
+        </p:spPr>
+        <p:style>
+          <a:lnRef idx="2">
+            <a:schemeClr val="accent1">
+              <a:shade val="50000"/>
+            </a:schemeClr>
+          </a:lnRef>
+          <a:fillRef idx="1">
+            <a:schemeClr val="accent1"/>
+          </a:fillRef>
+          <a:effectRef idx="0">
+            <a:schemeClr val="accent1"/>
+          </a:effectRef>
+          <a:fontRef idx="minor">
+            <a:schemeClr val="lt1"/>
+          </a:fontRef>
+        </p:style>
+        <p:txBody>
+          <a:bodyPr rtlCol="0" anchor="t" anchorCtr="0"/>
+          <a:lstStyle/>
+          <a:p>
+            <a:r>
+              <a:rPr lang="ro-MD" sz="1600" dirty="0">
+                <a:solidFill>
+                  <a:schemeClr val="tx1"/>
+                </a:solidFill>
+                <a:latin typeface="Consolas" panose="020B0609020204030204" pitchFamily="49" charset="0"/>
+              </a:rPr>
+              <a:t>$</a:t>
+            </a:r>
+            <a:r>
+              <a:rPr lang="ro-MD" sz="1600" dirty="0" smtClean="0">
+                <a:solidFill>
+                  <a:schemeClr val="tx1"/>
+                </a:solidFill>
+                <a:latin typeface="Consolas" panose="020B0609020204030204" pitchFamily="49" charset="0"/>
+              </a:rPr>
+              <a:t>2400</a:t>
+            </a:r>
+            <a:endParaRPr lang="en-US" sz="1600" dirty="0">
+              <a:solidFill>
+                <a:schemeClr val="tx1"/>
+              </a:solidFill>
+              <a:latin typeface="Consolas" panose="020B0609020204030204" pitchFamily="49" charset="0"/>
+            </a:endParaRPr>
+          </a:p>
+        </p:txBody>
+      </p:sp>
+      <p:sp>
+        <p:nvSpPr>
+          <p:cNvPr id="13" name="Rectangle 12"/>
+          <p:cNvSpPr/>
+          <p:nvPr/>
+        </p:nvSpPr>
+        <p:spPr>
+          <a:xfrm>
+            <a:off x="6304148" y="3228677"/>
+            <a:ext cx="1512000" cy="1512000"/>
+          </a:xfrm>
+          <a:prstGeom prst="rect">
+            <a:avLst/>
+          </a:prstGeom>
+          <a:blipFill dpi="0" rotWithShape="1">
+            <a:blip r:embed="rId2">
+              <a:alphaModFix amt="50000"/>
+              <a:duotone>
+                <a:prstClr val="black"/>
+                <a:schemeClr val="accent1">
+                  <a:tint val="45000"/>
+                  <a:satMod val="400000"/>
+                </a:schemeClr>
+              </a:duotone>
+            </a:blip>
+            <a:srcRect/>
+            <a:stretch>
+              <a:fillRect/>
+            </a:stretch>
+          </a:blipFill>
+          <a:ln w="22225">
+            <a:solidFill>
+              <a:schemeClr val="tx1"/>
+            </a:solidFill>
+          </a:ln>
+        </p:spPr>
+        <p:style>
+          <a:lnRef idx="2">
+            <a:schemeClr val="accent1">
+              <a:shade val="50000"/>
+            </a:schemeClr>
+          </a:lnRef>
+          <a:fillRef idx="1">
+            <a:schemeClr val="accent1"/>
+          </a:fillRef>
+          <a:effectRef idx="0">
+            <a:schemeClr val="accent1"/>
+          </a:effectRef>
+          <a:fontRef idx="minor">
+            <a:schemeClr val="lt1"/>
+          </a:fontRef>
+        </p:style>
+        <p:txBody>
+          <a:bodyPr rtlCol="0" anchor="t" anchorCtr="0"/>
+          <a:lstStyle/>
+          <a:p>
+            <a:r>
+              <a:rPr lang="ro-MD" sz="1600" dirty="0">
+                <a:solidFill>
+                  <a:schemeClr val="tx1"/>
+                </a:solidFill>
+                <a:latin typeface="Consolas" panose="020B0609020204030204" pitchFamily="49" charset="0"/>
+              </a:rPr>
+              <a:t>$</a:t>
+            </a:r>
+            <a:r>
+              <a:rPr lang="ro-MD" sz="1600" dirty="0" smtClean="0">
+                <a:solidFill>
+                  <a:schemeClr val="tx1"/>
+                </a:solidFill>
+                <a:latin typeface="Consolas" panose="020B0609020204030204" pitchFamily="49" charset="0"/>
+              </a:rPr>
+              <a:t>2C00</a:t>
+            </a:r>
+            <a:endParaRPr lang="en-US" sz="1600" dirty="0"/>
+          </a:p>
+        </p:txBody>
+      </p:sp>
+      <p:sp>
+        <p:nvSpPr>
+          <p:cNvPr id="14" name="TextBox 13"/>
+          <p:cNvSpPr txBox="1"/>
+          <p:nvPr/>
+        </p:nvSpPr>
+        <p:spPr>
+          <a:xfrm>
+            <a:off x="5126397" y="1914424"/>
+            <a:ext cx="843501" cy="1107996"/>
+          </a:xfrm>
+          <a:prstGeom prst="rect">
+            <a:avLst/>
+          </a:prstGeom>
+          <a:noFill/>
+        </p:spPr>
+        <p:txBody>
+          <a:bodyPr wrap="none" rtlCol="0">
+            <a:spAutoFit/>
+          </a:bodyPr>
+          <a:lstStyle/>
+          <a:p>
+            <a:r>
+              <a:rPr lang="ro-MD" sz="6600" dirty="0" smtClean="0">
+                <a:solidFill>
+                  <a:schemeClr val="bg1"/>
+                </a:solidFill>
+                <a:latin typeface="Arial Black" panose="020B0A04020102020204" pitchFamily="34" charset="0"/>
+              </a:rPr>
+              <a:t>A</a:t>
+            </a:r>
+            <a:endParaRPr lang="en-US" dirty="0">
+              <a:solidFill>
+                <a:schemeClr val="bg1"/>
+              </a:solidFill>
+              <a:latin typeface="Arial Black" panose="020B0A04020102020204" pitchFamily="34" charset="0"/>
+            </a:endParaRPr>
+          </a:p>
+        </p:txBody>
+      </p:sp>
+      <p:sp>
+        <p:nvSpPr>
+          <p:cNvPr id="15" name="TextBox 14"/>
+          <p:cNvSpPr txBox="1"/>
+          <p:nvPr/>
+        </p:nvSpPr>
+        <p:spPr>
+          <a:xfrm>
+            <a:off x="6638397" y="1914424"/>
+            <a:ext cx="843501" cy="1107996"/>
+          </a:xfrm>
+          <a:prstGeom prst="rect">
+            <a:avLst/>
+          </a:prstGeom>
+          <a:noFill/>
+        </p:spPr>
+        <p:txBody>
+          <a:bodyPr wrap="none" rtlCol="0">
+            <a:spAutoFit/>
+          </a:bodyPr>
+          <a:lstStyle/>
+          <a:p>
+            <a:r>
+              <a:rPr lang="ro-MD" sz="6600" dirty="0" smtClean="0">
+                <a:solidFill>
+                  <a:schemeClr val="bg1"/>
+                </a:solidFill>
+                <a:latin typeface="Arial Black" panose="020B0A04020102020204" pitchFamily="34" charset="0"/>
+              </a:rPr>
+              <a:t>A</a:t>
+            </a:r>
+            <a:endParaRPr lang="en-US" dirty="0">
+              <a:solidFill>
+                <a:schemeClr val="bg1"/>
+              </a:solidFill>
+              <a:latin typeface="Arial Black" panose="020B0A04020102020204" pitchFamily="34" charset="0"/>
+            </a:endParaRPr>
+          </a:p>
+        </p:txBody>
+      </p:sp>
+      <p:sp>
+        <p:nvSpPr>
+          <p:cNvPr id="16" name="TextBox 15"/>
+          <p:cNvSpPr txBox="1"/>
+          <p:nvPr/>
+        </p:nvSpPr>
+        <p:spPr>
+          <a:xfrm>
+            <a:off x="5126396" y="3426424"/>
+            <a:ext cx="843501" cy="1107996"/>
+          </a:xfrm>
+          <a:prstGeom prst="rect">
+            <a:avLst/>
+          </a:prstGeom>
+          <a:noFill/>
+        </p:spPr>
+        <p:txBody>
+          <a:bodyPr wrap="none" rtlCol="0">
+            <a:spAutoFit/>
+          </a:bodyPr>
+          <a:lstStyle/>
+          <a:p>
+            <a:r>
+              <a:rPr lang="ro-MD" sz="6600" dirty="0" smtClean="0">
+                <a:solidFill>
+                  <a:schemeClr val="bg1"/>
+                </a:solidFill>
+                <a:latin typeface="Arial Black" panose="020B0A04020102020204" pitchFamily="34" charset="0"/>
+              </a:rPr>
+              <a:t>A</a:t>
+            </a:r>
+            <a:endParaRPr lang="en-US" dirty="0">
+              <a:solidFill>
+                <a:schemeClr val="bg1"/>
+              </a:solidFill>
+              <a:latin typeface="Arial Black" panose="020B0A04020102020204" pitchFamily="34" charset="0"/>
+            </a:endParaRPr>
+          </a:p>
+        </p:txBody>
+      </p:sp>
+      <p:sp>
+        <p:nvSpPr>
+          <p:cNvPr id="17" name="TextBox 16"/>
+          <p:cNvSpPr txBox="1"/>
+          <p:nvPr/>
+        </p:nvSpPr>
+        <p:spPr>
+          <a:xfrm>
+            <a:off x="6638396" y="3426424"/>
+            <a:ext cx="843501" cy="1107996"/>
+          </a:xfrm>
+          <a:prstGeom prst="rect">
+            <a:avLst/>
+          </a:prstGeom>
+          <a:noFill/>
+        </p:spPr>
+        <p:txBody>
+          <a:bodyPr wrap="none" rtlCol="0">
+            <a:spAutoFit/>
+          </a:bodyPr>
+          <a:lstStyle/>
+          <a:p>
+            <a:r>
+              <a:rPr lang="ro-MD" sz="6600" dirty="0" smtClean="0">
+                <a:solidFill>
+                  <a:schemeClr val="bg1"/>
+                </a:solidFill>
+                <a:latin typeface="Arial Black" panose="020B0A04020102020204" pitchFamily="34" charset="0"/>
+              </a:rPr>
+              <a:t>A</a:t>
+            </a:r>
+            <a:endParaRPr lang="en-US" dirty="0">
+              <a:solidFill>
+                <a:schemeClr val="bg1"/>
+              </a:solidFill>
+              <a:latin typeface="Arial Black" panose="020B0A04020102020204" pitchFamily="34" charset="0"/>
+            </a:endParaRPr>
+          </a:p>
+        </p:txBody>
+      </p:sp>
+    </p:spTree>
+    <p:extLst>
+      <p:ext uri="{BB962C8B-B14F-4D97-AF65-F5344CB8AC3E}">
+        <p14:creationId xmlns:p14="http://schemas.microsoft.com/office/powerpoint/2010/main" val="2974765029"/>
       </p:ext>
     </p:extLst>
   </p:cSld>

--- a/Scheme/Scheme.pptx
+++ b/Scheme/Scheme.pptx
@@ -5,7 +5,7 @@
     <p:sldMasterId id="2147483660" r:id="rId1"/>
   </p:sldMasterIdLst>
   <p:notesMasterIdLst>
-    <p:notesMasterId r:id="rId9"/>
+    <p:notesMasterId r:id="rId11"/>
   </p:notesMasterIdLst>
   <p:sldIdLst>
     <p:sldId id="256" r:id="rId2"/>
@@ -15,6 +15,8 @@
     <p:sldId id="260" r:id="rId6"/>
     <p:sldId id="261" r:id="rId7"/>
     <p:sldId id="263" r:id="rId8"/>
+    <p:sldId id="264" r:id="rId9"/>
+    <p:sldId id="265" r:id="rId10"/>
   </p:sldIdLst>
   <p:sldSz cx="9144000" cy="6858000" type="screen4x3"/>
   <p:notesSz cx="6858000" cy="9144000"/>
@@ -203,7 +205,7 @@
           <a:p>
             <a:fld id="{5DE9CCF9-CE14-4118-B675-AC72CDF038E6}" type="datetimeFigureOut">
               <a:rPr lang="en-US" smtClean="0"/>
-              <a:t>4/14/2019</a:t>
+              <a:t>4/17/2019</a:t>
             </a:fld>
             <a:endParaRPr lang="en-US"/>
           </a:p>
@@ -602,7 +604,7 @@
           <a:p>
             <a:fld id="{6149BA01-7448-4321-80DC-7E91E834C80B}" type="datetimeFigureOut">
               <a:rPr lang="en-US" smtClean="0"/>
-              <a:t>4/14/2019</a:t>
+              <a:t>4/17/2019</a:t>
             </a:fld>
             <a:endParaRPr lang="en-US"/>
           </a:p>
@@ -772,7 +774,7 @@
           <a:p>
             <a:fld id="{6149BA01-7448-4321-80DC-7E91E834C80B}" type="datetimeFigureOut">
               <a:rPr lang="en-US" smtClean="0"/>
-              <a:t>4/14/2019</a:t>
+              <a:t>4/17/2019</a:t>
             </a:fld>
             <a:endParaRPr lang="en-US"/>
           </a:p>
@@ -952,7 +954,7 @@
           <a:p>
             <a:fld id="{6149BA01-7448-4321-80DC-7E91E834C80B}" type="datetimeFigureOut">
               <a:rPr lang="en-US" smtClean="0"/>
-              <a:t>4/14/2019</a:t>
+              <a:t>4/17/2019</a:t>
             </a:fld>
             <a:endParaRPr lang="en-US"/>
           </a:p>
@@ -1122,7 +1124,7 @@
           <a:p>
             <a:fld id="{6149BA01-7448-4321-80DC-7E91E834C80B}" type="datetimeFigureOut">
               <a:rPr lang="en-US" smtClean="0"/>
-              <a:t>4/14/2019</a:t>
+              <a:t>4/17/2019</a:t>
             </a:fld>
             <a:endParaRPr lang="en-US"/>
           </a:p>
@@ -1366,7 +1368,7 @@
           <a:p>
             <a:fld id="{6149BA01-7448-4321-80DC-7E91E834C80B}" type="datetimeFigureOut">
               <a:rPr lang="en-US" smtClean="0"/>
-              <a:t>4/14/2019</a:t>
+              <a:t>4/17/2019</a:t>
             </a:fld>
             <a:endParaRPr lang="en-US"/>
           </a:p>
@@ -1598,7 +1600,7 @@
           <a:p>
             <a:fld id="{6149BA01-7448-4321-80DC-7E91E834C80B}" type="datetimeFigureOut">
               <a:rPr lang="en-US" smtClean="0"/>
-              <a:t>4/14/2019</a:t>
+              <a:t>4/17/2019</a:t>
             </a:fld>
             <a:endParaRPr lang="en-US"/>
           </a:p>
@@ -1965,7 +1967,7 @@
           <a:p>
             <a:fld id="{6149BA01-7448-4321-80DC-7E91E834C80B}" type="datetimeFigureOut">
               <a:rPr lang="en-US" smtClean="0"/>
-              <a:t>4/14/2019</a:t>
+              <a:t>4/17/2019</a:t>
             </a:fld>
             <a:endParaRPr lang="en-US"/>
           </a:p>
@@ -2083,7 +2085,7 @@
           <a:p>
             <a:fld id="{6149BA01-7448-4321-80DC-7E91E834C80B}" type="datetimeFigureOut">
               <a:rPr lang="en-US" smtClean="0"/>
-              <a:t>4/14/2019</a:t>
+              <a:t>4/17/2019</a:t>
             </a:fld>
             <a:endParaRPr lang="en-US"/>
           </a:p>
@@ -2178,7 +2180,7 @@
           <a:p>
             <a:fld id="{6149BA01-7448-4321-80DC-7E91E834C80B}" type="datetimeFigureOut">
               <a:rPr lang="en-US" smtClean="0"/>
-              <a:t>4/14/2019</a:t>
+              <a:t>4/17/2019</a:t>
             </a:fld>
             <a:endParaRPr lang="en-US"/>
           </a:p>
@@ -2455,7 +2457,7 @@
           <a:p>
             <a:fld id="{6149BA01-7448-4321-80DC-7E91E834C80B}" type="datetimeFigureOut">
               <a:rPr lang="en-US" smtClean="0"/>
-              <a:t>4/14/2019</a:t>
+              <a:t>4/17/2019</a:t>
             </a:fld>
             <a:endParaRPr lang="en-US"/>
           </a:p>
@@ -2712,7 +2714,7 @@
           <a:p>
             <a:fld id="{6149BA01-7448-4321-80DC-7E91E834C80B}" type="datetimeFigureOut">
               <a:rPr lang="en-US" smtClean="0"/>
-              <a:t>4/14/2019</a:t>
+              <a:t>4/17/2019</a:t>
             </a:fld>
             <a:endParaRPr lang="en-US"/>
           </a:p>
@@ -2925,7 +2927,7 @@
           <a:p>
             <a:fld id="{6149BA01-7448-4321-80DC-7E91E834C80B}" type="datetimeFigureOut">
               <a:rPr lang="en-US" smtClean="0"/>
-              <a:t>4/14/2019</a:t>
+              <a:t>4/17/2019</a:t>
             </a:fld>
             <a:endParaRPr lang="en-US"/>
           </a:p>
@@ -19637,6 +19639,2744 @@
     <p:extLst>
       <p:ext uri="{BB962C8B-B14F-4D97-AF65-F5344CB8AC3E}">
         <p14:creationId xmlns:p14="http://schemas.microsoft.com/office/powerpoint/2010/main" val="2974765029"/>
+      </p:ext>
+    </p:extLst>
+  </p:cSld>
+  <p:clrMapOvr>
+    <a:masterClrMapping/>
+  </p:clrMapOvr>
+</p:sld>
+</file>
+
+<file path=ppt/slides/slide8.xml><?xml version="1.0" encoding="utf-8"?>
+<p:sld xmlns:a="http://schemas.openxmlformats.org/drawingml/2006/main" xmlns:r="http://schemas.openxmlformats.org/officeDocument/2006/relationships" xmlns:p="http://schemas.openxmlformats.org/presentationml/2006/main">
+  <p:cSld>
+    <p:spTree>
+      <p:nvGrpSpPr>
+        <p:cNvPr id="1" name=""/>
+        <p:cNvGrpSpPr/>
+        <p:nvPr/>
+      </p:nvGrpSpPr>
+      <p:grpSpPr>
+        <a:xfrm>
+          <a:off x="0" y="0"/>
+          <a:ext cx="0" cy="0"/>
+          <a:chOff x="0" y="0"/>
+          <a:chExt cx="0" cy="0"/>
+        </a:xfrm>
+      </p:grpSpPr>
+      <p:sp>
+        <p:nvSpPr>
+          <p:cNvPr id="2" name="Parallelogram 1"/>
+          <p:cNvSpPr/>
+          <p:nvPr/>
+        </p:nvSpPr>
+        <p:spPr>
+          <a:xfrm rot="16200000" flipV="1">
+            <a:off x="1263532" y="1587730"/>
+            <a:ext cx="3632661" cy="2901144"/>
+          </a:xfrm>
+          <a:prstGeom prst="parallelogram">
+            <a:avLst>
+              <a:gd name="adj" fmla="val 24210"/>
+            </a:avLst>
+          </a:prstGeom>
+          <a:solidFill>
+            <a:schemeClr val="tx1">
+              <a:lumMod val="75000"/>
+              <a:lumOff val="25000"/>
+            </a:schemeClr>
+          </a:solidFill>
+          <a:ln>
+            <a:noFill/>
+          </a:ln>
+          <a:effectLst>
+            <a:outerShdw blurRad="50800" dist="38100" dir="8100000" algn="tr" rotWithShape="0">
+              <a:prstClr val="black">
+                <a:alpha val="40000"/>
+              </a:prstClr>
+            </a:outerShdw>
+          </a:effectLst>
+        </p:spPr>
+        <p:style>
+          <a:lnRef idx="2">
+            <a:schemeClr val="accent1">
+              <a:shade val="50000"/>
+            </a:schemeClr>
+          </a:lnRef>
+          <a:fillRef idx="1">
+            <a:schemeClr val="accent1"/>
+          </a:fillRef>
+          <a:effectRef idx="0">
+            <a:schemeClr val="accent1"/>
+          </a:effectRef>
+          <a:fontRef idx="minor">
+            <a:schemeClr val="lt1"/>
+          </a:fontRef>
+        </p:style>
+        <p:txBody>
+          <a:bodyPr rtlCol="0" anchor="b" anchorCtr="0"/>
+          <a:lstStyle/>
+          <a:p>
+            <a:pPr algn="ctr"/>
+            <a:endParaRPr lang="ro-MD" dirty="0">
+              <a:solidFill>
+                <a:schemeClr val="bg1"/>
+              </a:solidFill>
+            </a:endParaRPr>
+          </a:p>
+        </p:txBody>
+      </p:sp>
+      <p:sp>
+        <p:nvSpPr>
+          <p:cNvPr id="3" name="Parallelogram 2"/>
+          <p:cNvSpPr/>
+          <p:nvPr/>
+        </p:nvSpPr>
+        <p:spPr>
+          <a:xfrm rot="16200000" flipV="1">
+            <a:off x="1831568" y="1587729"/>
+            <a:ext cx="3632661" cy="2901144"/>
+          </a:xfrm>
+          <a:prstGeom prst="parallelogram">
+            <a:avLst>
+              <a:gd name="adj" fmla="val 24210"/>
+            </a:avLst>
+          </a:prstGeom>
+          <a:solidFill>
+            <a:srgbClr val="FF3342"/>
+          </a:solidFill>
+          <a:ln>
+            <a:noFill/>
+          </a:ln>
+          <a:effectLst>
+            <a:outerShdw blurRad="50800" dist="38100" dir="8100000" algn="tr" rotWithShape="0">
+              <a:prstClr val="black">
+                <a:alpha val="40000"/>
+              </a:prstClr>
+            </a:outerShdw>
+          </a:effectLst>
+        </p:spPr>
+        <p:style>
+          <a:lnRef idx="2">
+            <a:schemeClr val="accent1">
+              <a:shade val="50000"/>
+            </a:schemeClr>
+          </a:lnRef>
+          <a:fillRef idx="1">
+            <a:schemeClr val="accent1"/>
+          </a:fillRef>
+          <a:effectRef idx="0">
+            <a:schemeClr val="accent1"/>
+          </a:effectRef>
+          <a:fontRef idx="minor">
+            <a:schemeClr val="lt1"/>
+          </a:fontRef>
+        </p:style>
+        <p:txBody>
+          <a:bodyPr rtlCol="0" anchor="ctr"/>
+          <a:lstStyle/>
+          <a:p>
+            <a:pPr algn="ctr"/>
+            <a:endParaRPr lang="en-US"/>
+          </a:p>
+        </p:txBody>
+      </p:sp>
+      <p:sp>
+        <p:nvSpPr>
+          <p:cNvPr id="4" name="Parallelogram 3"/>
+          <p:cNvSpPr/>
+          <p:nvPr/>
+        </p:nvSpPr>
+        <p:spPr>
+          <a:xfrm rot="16200000" flipV="1">
+            <a:off x="2432854" y="1587729"/>
+            <a:ext cx="3632661" cy="2901144"/>
+          </a:xfrm>
+          <a:prstGeom prst="parallelogram">
+            <a:avLst>
+              <a:gd name="adj" fmla="val 24210"/>
+            </a:avLst>
+          </a:prstGeom>
+          <a:solidFill>
+            <a:schemeClr val="accent6">
+              <a:lumMod val="60000"/>
+              <a:lumOff val="40000"/>
+            </a:schemeClr>
+          </a:solidFill>
+          <a:ln>
+            <a:noFill/>
+          </a:ln>
+          <a:effectLst>
+            <a:outerShdw blurRad="50800" dist="38100" dir="8100000" algn="tr" rotWithShape="0">
+              <a:prstClr val="black">
+                <a:alpha val="40000"/>
+              </a:prstClr>
+            </a:outerShdw>
+          </a:effectLst>
+        </p:spPr>
+        <p:style>
+          <a:lnRef idx="2">
+            <a:schemeClr val="accent1">
+              <a:shade val="50000"/>
+            </a:schemeClr>
+          </a:lnRef>
+          <a:fillRef idx="1">
+            <a:schemeClr val="accent1"/>
+          </a:fillRef>
+          <a:effectRef idx="0">
+            <a:schemeClr val="accent1"/>
+          </a:effectRef>
+          <a:fontRef idx="minor">
+            <a:schemeClr val="lt1"/>
+          </a:fontRef>
+        </p:style>
+        <p:txBody>
+          <a:bodyPr rtlCol="0" anchor="ctr"/>
+          <a:lstStyle/>
+          <a:p>
+            <a:pPr algn="ctr"/>
+            <a:endParaRPr lang="en-US"/>
+          </a:p>
+        </p:txBody>
+      </p:sp>
+      <p:sp>
+        <p:nvSpPr>
+          <p:cNvPr id="5" name="Parallelogram 4"/>
+          <p:cNvSpPr/>
+          <p:nvPr/>
+        </p:nvSpPr>
+        <p:spPr>
+          <a:xfrm rot="16200000" flipV="1">
+            <a:off x="3047992" y="1587729"/>
+            <a:ext cx="3632661" cy="2901144"/>
+          </a:xfrm>
+          <a:prstGeom prst="parallelogram">
+            <a:avLst>
+              <a:gd name="adj" fmla="val 24210"/>
+            </a:avLst>
+          </a:prstGeom>
+          <a:solidFill>
+            <a:schemeClr val="accent1">
+              <a:lumMod val="60000"/>
+              <a:lumOff val="40000"/>
+            </a:schemeClr>
+          </a:solidFill>
+          <a:ln>
+            <a:noFill/>
+          </a:ln>
+          <a:effectLst>
+            <a:outerShdw blurRad="50800" dist="38100" dir="8100000" algn="tr" rotWithShape="0">
+              <a:prstClr val="black">
+                <a:alpha val="40000"/>
+              </a:prstClr>
+            </a:outerShdw>
+          </a:effectLst>
+        </p:spPr>
+        <p:style>
+          <a:lnRef idx="2">
+            <a:schemeClr val="accent1">
+              <a:shade val="50000"/>
+            </a:schemeClr>
+          </a:lnRef>
+          <a:fillRef idx="1">
+            <a:schemeClr val="accent1"/>
+          </a:fillRef>
+          <a:effectRef idx="0">
+            <a:schemeClr val="accent1"/>
+          </a:effectRef>
+          <a:fontRef idx="minor">
+            <a:schemeClr val="lt1"/>
+          </a:fontRef>
+        </p:style>
+        <p:txBody>
+          <a:bodyPr rtlCol="0" anchor="ctr"/>
+          <a:lstStyle/>
+          <a:p>
+            <a:pPr algn="ctr"/>
+            <a:endParaRPr lang="en-US"/>
+          </a:p>
+        </p:txBody>
+      </p:sp>
+      <p:cxnSp>
+        <p:nvCxnSpPr>
+          <p:cNvPr id="7" name="Straight Connector 6"/>
+          <p:cNvCxnSpPr/>
+          <p:nvPr/>
+        </p:nvCxnSpPr>
+        <p:spPr>
+          <a:xfrm>
+            <a:off x="1629290" y="1926590"/>
+            <a:ext cx="1784460" cy="0"/>
+          </a:xfrm>
+          <a:prstGeom prst="line">
+            <a:avLst/>
+          </a:prstGeom>
+          <a:ln>
+            <a:solidFill>
+              <a:schemeClr val="tx1"/>
+            </a:solidFill>
+          </a:ln>
+        </p:spPr>
+        <p:style>
+          <a:lnRef idx="1">
+            <a:schemeClr val="accent1"/>
+          </a:lnRef>
+          <a:fillRef idx="0">
+            <a:schemeClr val="accent1"/>
+          </a:fillRef>
+          <a:effectRef idx="0">
+            <a:schemeClr val="accent1"/>
+          </a:effectRef>
+          <a:fontRef idx="minor">
+            <a:schemeClr val="tx1"/>
+          </a:fontRef>
+        </p:style>
+      </p:cxnSp>
+      <p:cxnSp>
+        <p:nvCxnSpPr>
+          <p:cNvPr id="10" name="Straight Connector 9"/>
+          <p:cNvCxnSpPr/>
+          <p:nvPr/>
+        </p:nvCxnSpPr>
+        <p:spPr>
+          <a:xfrm>
+            <a:off x="1629290" y="4860290"/>
+            <a:ext cx="1784460" cy="0"/>
+          </a:xfrm>
+          <a:prstGeom prst="line">
+            <a:avLst/>
+          </a:prstGeom>
+          <a:ln>
+            <a:solidFill>
+              <a:schemeClr val="tx1"/>
+            </a:solidFill>
+          </a:ln>
+        </p:spPr>
+        <p:style>
+          <a:lnRef idx="1">
+            <a:schemeClr val="accent1"/>
+          </a:lnRef>
+          <a:fillRef idx="0">
+            <a:schemeClr val="accent1"/>
+          </a:fillRef>
+          <a:effectRef idx="0">
+            <a:schemeClr val="accent1"/>
+          </a:effectRef>
+          <a:fontRef idx="minor">
+            <a:schemeClr val="tx1"/>
+          </a:fontRef>
+        </p:style>
+      </p:cxnSp>
+      <p:cxnSp>
+        <p:nvCxnSpPr>
+          <p:cNvPr id="11" name="Straight Connector 10"/>
+          <p:cNvCxnSpPr/>
+          <p:nvPr/>
+        </p:nvCxnSpPr>
+        <p:spPr>
+          <a:xfrm>
+            <a:off x="4524085" y="1221970"/>
+            <a:ext cx="1784460" cy="0"/>
+          </a:xfrm>
+          <a:prstGeom prst="line">
+            <a:avLst/>
+          </a:prstGeom>
+          <a:ln>
+            <a:solidFill>
+              <a:schemeClr val="tx1"/>
+            </a:solidFill>
+          </a:ln>
+        </p:spPr>
+        <p:style>
+          <a:lnRef idx="1">
+            <a:schemeClr val="accent1"/>
+          </a:lnRef>
+          <a:fillRef idx="0">
+            <a:schemeClr val="accent1"/>
+          </a:fillRef>
+          <a:effectRef idx="0">
+            <a:schemeClr val="accent1"/>
+          </a:effectRef>
+          <a:fontRef idx="minor">
+            <a:schemeClr val="tx1"/>
+          </a:fontRef>
+        </p:style>
+      </p:cxnSp>
+      <p:sp>
+        <p:nvSpPr>
+          <p:cNvPr id="12" name="TextBox 11"/>
+          <p:cNvSpPr txBox="1"/>
+          <p:nvPr/>
+        </p:nvSpPr>
+        <p:spPr>
+          <a:xfrm rot="16200000">
+            <a:off x="484680" y="3164895"/>
+            <a:ext cx="2857257" cy="369332"/>
+          </a:xfrm>
+          <a:prstGeom prst="rect">
+            <a:avLst/>
+          </a:prstGeom>
+          <a:noFill/>
+        </p:spPr>
+        <p:txBody>
+          <a:bodyPr wrap="none" rtlCol="0">
+            <a:spAutoFit/>
+          </a:bodyPr>
+          <a:lstStyle/>
+          <a:p>
+            <a:r>
+              <a:rPr lang="ro-MD" dirty="0" smtClean="0">
+                <a:solidFill>
+                  <a:schemeClr val="bg1"/>
+                </a:solidFill>
+              </a:rPr>
+              <a:t>Culoare universală de fundal</a:t>
+            </a:r>
+            <a:endParaRPr lang="en-US" dirty="0">
+              <a:solidFill>
+                <a:schemeClr val="bg1"/>
+              </a:solidFill>
+            </a:endParaRPr>
+          </a:p>
+        </p:txBody>
+      </p:sp>
+      <p:sp>
+        <p:nvSpPr>
+          <p:cNvPr id="13" name="TextBox 12"/>
+          <p:cNvSpPr txBox="1"/>
+          <p:nvPr/>
+        </p:nvSpPr>
+        <p:spPr>
+          <a:xfrm rot="16200000">
+            <a:off x="1096452" y="3164894"/>
+            <a:ext cx="2808461" cy="369332"/>
+          </a:xfrm>
+          <a:prstGeom prst="rect">
+            <a:avLst/>
+          </a:prstGeom>
+          <a:noFill/>
+        </p:spPr>
+        <p:txBody>
+          <a:bodyPr wrap="none" rtlCol="0">
+            <a:spAutoFit/>
+          </a:bodyPr>
+          <a:lstStyle/>
+          <a:p>
+            <a:r>
+              <a:rPr lang="ro-MD" dirty="0" err="1" smtClean="0">
+                <a:solidFill>
+                  <a:schemeClr val="bg1"/>
+                </a:solidFill>
+              </a:rPr>
+              <a:t>Sprite</a:t>
+            </a:r>
+            <a:r>
+              <a:rPr lang="ro-MD" dirty="0" smtClean="0">
+                <a:solidFill>
+                  <a:schemeClr val="bg1"/>
+                </a:solidFill>
+              </a:rPr>
+              <a:t>-uri cu prioritate joasă</a:t>
+            </a:r>
+            <a:endParaRPr lang="en-US" dirty="0">
+              <a:solidFill>
+                <a:schemeClr val="bg1"/>
+              </a:solidFill>
+            </a:endParaRPr>
+          </a:p>
+        </p:txBody>
+      </p:sp>
+      <p:sp>
+        <p:nvSpPr>
+          <p:cNvPr id="14" name="TextBox 13"/>
+          <p:cNvSpPr txBox="1"/>
+          <p:nvPr/>
+        </p:nvSpPr>
+        <p:spPr>
+          <a:xfrm rot="16200000">
+            <a:off x="2696454" y="3164893"/>
+            <a:ext cx="819455" cy="369332"/>
+          </a:xfrm>
+          <a:prstGeom prst="rect">
+            <a:avLst/>
+          </a:prstGeom>
+          <a:noFill/>
+        </p:spPr>
+        <p:txBody>
+          <a:bodyPr wrap="none" rtlCol="0">
+            <a:spAutoFit/>
+          </a:bodyPr>
+          <a:lstStyle/>
+          <a:p>
+            <a:r>
+              <a:rPr lang="ro-MD" dirty="0" smtClean="0">
+                <a:solidFill>
+                  <a:schemeClr val="bg1"/>
+                </a:solidFill>
+              </a:rPr>
+              <a:t>Fundal</a:t>
+            </a:r>
+            <a:endParaRPr lang="en-US" dirty="0">
+              <a:solidFill>
+                <a:schemeClr val="bg1"/>
+              </a:solidFill>
+            </a:endParaRPr>
+          </a:p>
+        </p:txBody>
+      </p:sp>
+      <p:sp>
+        <p:nvSpPr>
+          <p:cNvPr id="15" name="TextBox 14"/>
+          <p:cNvSpPr txBox="1"/>
+          <p:nvPr/>
+        </p:nvSpPr>
+        <p:spPr>
+          <a:xfrm rot="16200000">
+            <a:off x="2303141" y="3158448"/>
+            <a:ext cx="2808654" cy="369332"/>
+          </a:xfrm>
+          <a:prstGeom prst="rect">
+            <a:avLst/>
+          </a:prstGeom>
+          <a:noFill/>
+        </p:spPr>
+        <p:txBody>
+          <a:bodyPr wrap="none" rtlCol="0">
+            <a:spAutoFit/>
+          </a:bodyPr>
+          <a:lstStyle/>
+          <a:p>
+            <a:r>
+              <a:rPr lang="ro-MD" dirty="0" err="1" smtClean="0">
+                <a:solidFill>
+                  <a:schemeClr val="bg1"/>
+                </a:solidFill>
+              </a:rPr>
+              <a:t>Sprite</a:t>
+            </a:r>
+            <a:r>
+              <a:rPr lang="ro-MD" dirty="0" smtClean="0">
+                <a:solidFill>
+                  <a:schemeClr val="bg1"/>
+                </a:solidFill>
+              </a:rPr>
+              <a:t>-uri cu prioritate mare</a:t>
+            </a:r>
+            <a:endParaRPr lang="en-US" dirty="0">
+              <a:solidFill>
+                <a:schemeClr val="bg1"/>
+              </a:solidFill>
+            </a:endParaRPr>
+          </a:p>
+        </p:txBody>
+      </p:sp>
+    </p:spTree>
+    <p:extLst>
+      <p:ext uri="{BB962C8B-B14F-4D97-AF65-F5344CB8AC3E}">
+        <p14:creationId xmlns:p14="http://schemas.microsoft.com/office/powerpoint/2010/main" val="1548310840"/>
+      </p:ext>
+    </p:extLst>
+  </p:cSld>
+  <p:clrMapOvr>
+    <a:masterClrMapping/>
+  </p:clrMapOvr>
+</p:sld>
+</file>
+
+<file path=ppt/slides/slide9.xml><?xml version="1.0" encoding="utf-8"?>
+<p:sld xmlns:a="http://schemas.openxmlformats.org/drawingml/2006/main" xmlns:r="http://schemas.openxmlformats.org/officeDocument/2006/relationships" xmlns:p="http://schemas.openxmlformats.org/presentationml/2006/main">
+  <p:cSld>
+    <p:spTree>
+      <p:nvGrpSpPr>
+        <p:cNvPr id="1" name=""/>
+        <p:cNvGrpSpPr/>
+        <p:nvPr/>
+      </p:nvGrpSpPr>
+      <p:grpSpPr>
+        <a:xfrm>
+          <a:off x="0" y="0"/>
+          <a:ext cx="0" cy="0"/>
+          <a:chOff x="0" y="0"/>
+          <a:chExt cx="0" cy="0"/>
+        </a:xfrm>
+      </p:grpSpPr>
+      <p:sp>
+        <p:nvSpPr>
+          <p:cNvPr id="2" name="Rectangle 1"/>
+          <p:cNvSpPr/>
+          <p:nvPr/>
+        </p:nvSpPr>
+        <p:spPr>
+          <a:xfrm>
+            <a:off x="2488758" y="2329731"/>
+            <a:ext cx="477078" cy="294198"/>
+          </a:xfrm>
+          <a:prstGeom prst="rect">
+            <a:avLst/>
+          </a:prstGeom>
+          <a:solidFill>
+            <a:schemeClr val="bg1"/>
+          </a:solidFill>
+          <a:ln>
+            <a:solidFill>
+              <a:schemeClr val="tx1"/>
+            </a:solidFill>
+          </a:ln>
+        </p:spPr>
+        <p:style>
+          <a:lnRef idx="2">
+            <a:schemeClr val="accent1">
+              <a:shade val="50000"/>
+            </a:schemeClr>
+          </a:lnRef>
+          <a:fillRef idx="1">
+            <a:schemeClr val="accent1"/>
+          </a:fillRef>
+          <a:effectRef idx="0">
+            <a:schemeClr val="accent1"/>
+          </a:effectRef>
+          <a:fontRef idx="minor">
+            <a:schemeClr val="lt1"/>
+          </a:fontRef>
+        </p:style>
+        <p:txBody>
+          <a:bodyPr rtlCol="0" anchor="ctr" anchorCtr="0"/>
+          <a:lstStyle/>
+          <a:p>
+            <a:pPr algn="ctr"/>
+            <a:r>
+              <a:rPr lang="ro-MD" sz="900" dirty="0" smtClean="0">
+                <a:solidFill>
+                  <a:schemeClr val="tx1"/>
+                </a:solidFill>
+              </a:rPr>
+              <a:t>1 ciclu</a:t>
+            </a:r>
+            <a:endParaRPr lang="en-US" sz="900" dirty="0">
+              <a:solidFill>
+                <a:schemeClr val="tx1"/>
+              </a:solidFill>
+            </a:endParaRPr>
+          </a:p>
+        </p:txBody>
+      </p:sp>
+      <p:sp>
+        <p:nvSpPr>
+          <p:cNvPr id="3" name="Rectangle 2"/>
+          <p:cNvSpPr/>
+          <p:nvPr/>
+        </p:nvSpPr>
+        <p:spPr>
+          <a:xfrm>
+            <a:off x="2965835" y="2329731"/>
+            <a:ext cx="3267988" cy="294198"/>
+          </a:xfrm>
+          <a:prstGeom prst="rect">
+            <a:avLst/>
+          </a:prstGeom>
+          <a:solidFill>
+            <a:schemeClr val="bg1"/>
+          </a:solidFill>
+          <a:ln>
+            <a:solidFill>
+              <a:schemeClr val="tx1"/>
+            </a:solidFill>
+          </a:ln>
+        </p:spPr>
+        <p:style>
+          <a:lnRef idx="2">
+            <a:schemeClr val="accent1">
+              <a:shade val="50000"/>
+            </a:schemeClr>
+          </a:lnRef>
+          <a:fillRef idx="1">
+            <a:schemeClr val="accent1"/>
+          </a:fillRef>
+          <a:effectRef idx="0">
+            <a:schemeClr val="accent1"/>
+          </a:effectRef>
+          <a:fontRef idx="minor">
+            <a:schemeClr val="lt1"/>
+          </a:fontRef>
+        </p:style>
+        <p:txBody>
+          <a:bodyPr rtlCol="0" anchor="ctr" anchorCtr="0"/>
+          <a:lstStyle/>
+          <a:p>
+            <a:pPr algn="ctr"/>
+            <a:r>
+              <a:rPr lang="ro-MD" sz="900" dirty="0" smtClean="0">
+                <a:solidFill>
+                  <a:schemeClr val="tx1"/>
+                </a:solidFill>
+              </a:rPr>
+              <a:t>256 </a:t>
+            </a:r>
+            <a:r>
+              <a:rPr lang="ro-MD" sz="900" dirty="0" err="1" smtClean="0">
+                <a:solidFill>
+                  <a:schemeClr val="tx1"/>
+                </a:solidFill>
+              </a:rPr>
+              <a:t>cicli</a:t>
+            </a:r>
+            <a:endParaRPr lang="en-US" sz="900" dirty="0">
+              <a:solidFill>
+                <a:schemeClr val="tx1"/>
+              </a:solidFill>
+            </a:endParaRPr>
+          </a:p>
+        </p:txBody>
+      </p:sp>
+      <p:sp>
+        <p:nvSpPr>
+          <p:cNvPr id="4" name="Rectangle 3"/>
+          <p:cNvSpPr/>
+          <p:nvPr/>
+        </p:nvSpPr>
+        <p:spPr>
+          <a:xfrm>
+            <a:off x="2003729" y="2329731"/>
+            <a:ext cx="477078" cy="294198"/>
+          </a:xfrm>
+          <a:prstGeom prst="rect">
+            <a:avLst/>
+          </a:prstGeom>
+          <a:solidFill>
+            <a:schemeClr val="bg1"/>
+          </a:solidFill>
+          <a:ln>
+            <a:solidFill>
+              <a:schemeClr val="tx1">
+                <a:alpha val="0"/>
+              </a:schemeClr>
+            </a:solidFill>
+          </a:ln>
+        </p:spPr>
+        <p:style>
+          <a:lnRef idx="2">
+            <a:schemeClr val="accent1">
+              <a:shade val="50000"/>
+            </a:schemeClr>
+          </a:lnRef>
+          <a:fillRef idx="1">
+            <a:schemeClr val="accent1"/>
+          </a:fillRef>
+          <a:effectRef idx="0">
+            <a:schemeClr val="accent1"/>
+          </a:effectRef>
+          <a:fontRef idx="minor">
+            <a:schemeClr val="lt1"/>
+          </a:fontRef>
+        </p:style>
+        <p:txBody>
+          <a:bodyPr rtlCol="0" anchor="ctr" anchorCtr="0"/>
+          <a:lstStyle/>
+          <a:p>
+            <a:pPr algn="ctr"/>
+            <a:r>
+              <a:rPr lang="ro-MD" sz="900" dirty="0" smtClean="0">
+                <a:solidFill>
+                  <a:schemeClr val="tx1"/>
+                </a:solidFill>
+              </a:rPr>
+              <a:t>linia 0</a:t>
+            </a:r>
+            <a:endParaRPr lang="en-US" sz="900" dirty="0">
+              <a:solidFill>
+                <a:schemeClr val="tx1"/>
+              </a:solidFill>
+            </a:endParaRPr>
+          </a:p>
+        </p:txBody>
+      </p:sp>
+      <p:sp>
+        <p:nvSpPr>
+          <p:cNvPr id="5" name="Rectangle 4"/>
+          <p:cNvSpPr/>
+          <p:nvPr/>
+        </p:nvSpPr>
+        <p:spPr>
+          <a:xfrm>
+            <a:off x="6233823" y="2329731"/>
+            <a:ext cx="1160890" cy="294198"/>
+          </a:xfrm>
+          <a:prstGeom prst="rect">
+            <a:avLst/>
+          </a:prstGeom>
+          <a:solidFill>
+            <a:schemeClr val="bg1"/>
+          </a:solidFill>
+          <a:ln>
+            <a:solidFill>
+              <a:schemeClr val="tx1"/>
+            </a:solidFill>
+          </a:ln>
+        </p:spPr>
+        <p:style>
+          <a:lnRef idx="2">
+            <a:schemeClr val="accent1">
+              <a:shade val="50000"/>
+            </a:schemeClr>
+          </a:lnRef>
+          <a:fillRef idx="1">
+            <a:schemeClr val="accent1"/>
+          </a:fillRef>
+          <a:effectRef idx="0">
+            <a:schemeClr val="accent1"/>
+          </a:effectRef>
+          <a:fontRef idx="minor">
+            <a:schemeClr val="lt1"/>
+          </a:fontRef>
+        </p:style>
+        <p:txBody>
+          <a:bodyPr rtlCol="0" anchor="ctr" anchorCtr="0"/>
+          <a:lstStyle/>
+          <a:p>
+            <a:pPr algn="ctr"/>
+            <a:r>
+              <a:rPr lang="ro-MD" sz="900" dirty="0" smtClean="0">
+                <a:solidFill>
+                  <a:schemeClr val="tx1"/>
+                </a:solidFill>
+              </a:rPr>
+              <a:t>64 </a:t>
+            </a:r>
+            <a:r>
+              <a:rPr lang="ro-MD" sz="900" dirty="0" err="1" smtClean="0">
+                <a:solidFill>
+                  <a:schemeClr val="tx1"/>
+                </a:solidFill>
+              </a:rPr>
+              <a:t>cicli</a:t>
+            </a:r>
+            <a:endParaRPr lang="en-US" sz="900" dirty="0">
+              <a:solidFill>
+                <a:schemeClr val="tx1"/>
+              </a:solidFill>
+            </a:endParaRPr>
+          </a:p>
+        </p:txBody>
+      </p:sp>
+      <p:sp>
+        <p:nvSpPr>
+          <p:cNvPr id="6" name="Rectangle 5"/>
+          <p:cNvSpPr/>
+          <p:nvPr/>
+        </p:nvSpPr>
+        <p:spPr>
+          <a:xfrm>
+            <a:off x="7394713" y="2329731"/>
+            <a:ext cx="787179" cy="294198"/>
+          </a:xfrm>
+          <a:prstGeom prst="rect">
+            <a:avLst/>
+          </a:prstGeom>
+          <a:solidFill>
+            <a:schemeClr val="bg1"/>
+          </a:solidFill>
+          <a:ln>
+            <a:solidFill>
+              <a:schemeClr val="tx1"/>
+            </a:solidFill>
+          </a:ln>
+        </p:spPr>
+        <p:style>
+          <a:lnRef idx="2">
+            <a:schemeClr val="accent1">
+              <a:shade val="50000"/>
+            </a:schemeClr>
+          </a:lnRef>
+          <a:fillRef idx="1">
+            <a:schemeClr val="accent1"/>
+          </a:fillRef>
+          <a:effectRef idx="0">
+            <a:schemeClr val="accent1"/>
+          </a:effectRef>
+          <a:fontRef idx="minor">
+            <a:schemeClr val="lt1"/>
+          </a:fontRef>
+        </p:style>
+        <p:txBody>
+          <a:bodyPr rtlCol="0" anchor="ctr" anchorCtr="0"/>
+          <a:lstStyle/>
+          <a:p>
+            <a:pPr algn="ctr"/>
+            <a:r>
+              <a:rPr lang="ro-MD" sz="900" dirty="0" smtClean="0">
+                <a:solidFill>
+                  <a:schemeClr val="tx1"/>
+                </a:solidFill>
+              </a:rPr>
+              <a:t>16 </a:t>
+            </a:r>
+            <a:r>
+              <a:rPr lang="ro-MD" sz="900" dirty="0" err="1" smtClean="0">
+                <a:solidFill>
+                  <a:schemeClr val="tx1"/>
+                </a:solidFill>
+              </a:rPr>
+              <a:t>cicli</a:t>
+            </a:r>
+            <a:endParaRPr lang="en-US" sz="900" dirty="0">
+              <a:solidFill>
+                <a:schemeClr val="tx1"/>
+              </a:solidFill>
+            </a:endParaRPr>
+          </a:p>
+        </p:txBody>
+      </p:sp>
+      <p:sp>
+        <p:nvSpPr>
+          <p:cNvPr id="7" name="Rectangle 6"/>
+          <p:cNvSpPr/>
+          <p:nvPr/>
+        </p:nvSpPr>
+        <p:spPr>
+          <a:xfrm>
+            <a:off x="8181892" y="2329731"/>
+            <a:ext cx="445273" cy="294198"/>
+          </a:xfrm>
+          <a:prstGeom prst="rect">
+            <a:avLst/>
+          </a:prstGeom>
+          <a:solidFill>
+            <a:schemeClr val="bg1"/>
+          </a:solidFill>
+          <a:ln>
+            <a:solidFill>
+              <a:schemeClr val="tx1"/>
+            </a:solidFill>
+          </a:ln>
+        </p:spPr>
+        <p:style>
+          <a:lnRef idx="2">
+            <a:schemeClr val="accent1">
+              <a:shade val="50000"/>
+            </a:schemeClr>
+          </a:lnRef>
+          <a:fillRef idx="1">
+            <a:schemeClr val="accent1"/>
+          </a:fillRef>
+          <a:effectRef idx="0">
+            <a:schemeClr val="accent1"/>
+          </a:effectRef>
+          <a:fontRef idx="minor">
+            <a:schemeClr val="lt1"/>
+          </a:fontRef>
+        </p:style>
+        <p:txBody>
+          <a:bodyPr rtlCol="0" anchor="ctr" anchorCtr="0"/>
+          <a:lstStyle/>
+          <a:p>
+            <a:pPr algn="ctr"/>
+            <a:r>
+              <a:rPr lang="ro-MD" sz="900" dirty="0" smtClean="0">
+                <a:solidFill>
+                  <a:schemeClr val="tx1"/>
+                </a:solidFill>
+              </a:rPr>
+              <a:t>4 </a:t>
+            </a:r>
+            <a:r>
+              <a:rPr lang="ro-MD" sz="900" dirty="0" err="1" smtClean="0">
+                <a:solidFill>
+                  <a:schemeClr val="tx1"/>
+                </a:solidFill>
+              </a:rPr>
+              <a:t>cicli</a:t>
+            </a:r>
+            <a:endParaRPr lang="en-US" sz="900" dirty="0">
+              <a:solidFill>
+                <a:schemeClr val="tx1"/>
+              </a:solidFill>
+            </a:endParaRPr>
+          </a:p>
+        </p:txBody>
+      </p:sp>
+      <p:sp>
+        <p:nvSpPr>
+          <p:cNvPr id="8" name="Rectangle 7"/>
+          <p:cNvSpPr/>
+          <p:nvPr/>
+        </p:nvSpPr>
+        <p:spPr>
+          <a:xfrm>
+            <a:off x="2488758" y="2623929"/>
+            <a:ext cx="477078" cy="294198"/>
+          </a:xfrm>
+          <a:prstGeom prst="rect">
+            <a:avLst/>
+          </a:prstGeom>
+          <a:solidFill>
+            <a:schemeClr val="bg1"/>
+          </a:solidFill>
+          <a:ln>
+            <a:solidFill>
+              <a:schemeClr val="tx1"/>
+            </a:solidFill>
+          </a:ln>
+        </p:spPr>
+        <p:style>
+          <a:lnRef idx="2">
+            <a:schemeClr val="accent1">
+              <a:shade val="50000"/>
+            </a:schemeClr>
+          </a:lnRef>
+          <a:fillRef idx="1">
+            <a:schemeClr val="accent1"/>
+          </a:fillRef>
+          <a:effectRef idx="0">
+            <a:schemeClr val="accent1"/>
+          </a:effectRef>
+          <a:fontRef idx="minor">
+            <a:schemeClr val="lt1"/>
+          </a:fontRef>
+        </p:style>
+        <p:txBody>
+          <a:bodyPr rtlCol="0" anchor="ctr" anchorCtr="0"/>
+          <a:lstStyle/>
+          <a:p>
+            <a:pPr algn="ctr"/>
+            <a:r>
+              <a:rPr lang="ro-MD" sz="900" dirty="0" smtClean="0">
+                <a:solidFill>
+                  <a:schemeClr val="tx1"/>
+                </a:solidFill>
+              </a:rPr>
+              <a:t>1 ciclu</a:t>
+            </a:r>
+            <a:endParaRPr lang="en-US" sz="900" dirty="0">
+              <a:solidFill>
+                <a:schemeClr val="tx1"/>
+              </a:solidFill>
+            </a:endParaRPr>
+          </a:p>
+        </p:txBody>
+      </p:sp>
+      <p:sp>
+        <p:nvSpPr>
+          <p:cNvPr id="9" name="Rectangle 8"/>
+          <p:cNvSpPr/>
+          <p:nvPr/>
+        </p:nvSpPr>
+        <p:spPr>
+          <a:xfrm>
+            <a:off x="2965835" y="2623929"/>
+            <a:ext cx="3267988" cy="294198"/>
+          </a:xfrm>
+          <a:prstGeom prst="rect">
+            <a:avLst/>
+          </a:prstGeom>
+          <a:solidFill>
+            <a:schemeClr val="bg1"/>
+          </a:solidFill>
+          <a:ln>
+            <a:solidFill>
+              <a:schemeClr val="tx1"/>
+            </a:solidFill>
+          </a:ln>
+        </p:spPr>
+        <p:style>
+          <a:lnRef idx="2">
+            <a:schemeClr val="accent1">
+              <a:shade val="50000"/>
+            </a:schemeClr>
+          </a:lnRef>
+          <a:fillRef idx="1">
+            <a:schemeClr val="accent1"/>
+          </a:fillRef>
+          <a:effectRef idx="0">
+            <a:schemeClr val="accent1"/>
+          </a:effectRef>
+          <a:fontRef idx="minor">
+            <a:schemeClr val="lt1"/>
+          </a:fontRef>
+        </p:style>
+        <p:txBody>
+          <a:bodyPr rtlCol="0" anchor="ctr" anchorCtr="0"/>
+          <a:lstStyle/>
+          <a:p>
+            <a:pPr algn="ctr"/>
+            <a:r>
+              <a:rPr lang="ro-MD" sz="900" dirty="0" smtClean="0">
+                <a:solidFill>
+                  <a:schemeClr val="tx1"/>
+                </a:solidFill>
+              </a:rPr>
+              <a:t>256 </a:t>
+            </a:r>
+            <a:r>
+              <a:rPr lang="ro-MD" sz="900" dirty="0" err="1" smtClean="0">
+                <a:solidFill>
+                  <a:schemeClr val="tx1"/>
+                </a:solidFill>
+              </a:rPr>
+              <a:t>cicli</a:t>
+            </a:r>
+            <a:endParaRPr lang="en-US" sz="900" dirty="0">
+              <a:solidFill>
+                <a:schemeClr val="tx1"/>
+              </a:solidFill>
+            </a:endParaRPr>
+          </a:p>
+        </p:txBody>
+      </p:sp>
+      <p:sp>
+        <p:nvSpPr>
+          <p:cNvPr id="10" name="Rectangle 9"/>
+          <p:cNvSpPr/>
+          <p:nvPr/>
+        </p:nvSpPr>
+        <p:spPr>
+          <a:xfrm>
+            <a:off x="2003729" y="2623929"/>
+            <a:ext cx="477078" cy="294198"/>
+          </a:xfrm>
+          <a:prstGeom prst="rect">
+            <a:avLst/>
+          </a:prstGeom>
+          <a:solidFill>
+            <a:schemeClr val="bg1"/>
+          </a:solidFill>
+          <a:ln>
+            <a:solidFill>
+              <a:schemeClr val="tx1">
+                <a:alpha val="0"/>
+              </a:schemeClr>
+            </a:solidFill>
+          </a:ln>
+        </p:spPr>
+        <p:style>
+          <a:lnRef idx="2">
+            <a:schemeClr val="accent1">
+              <a:shade val="50000"/>
+            </a:schemeClr>
+          </a:lnRef>
+          <a:fillRef idx="1">
+            <a:schemeClr val="accent1"/>
+          </a:fillRef>
+          <a:effectRef idx="0">
+            <a:schemeClr val="accent1"/>
+          </a:effectRef>
+          <a:fontRef idx="minor">
+            <a:schemeClr val="lt1"/>
+          </a:fontRef>
+        </p:style>
+        <p:txBody>
+          <a:bodyPr rtlCol="0" anchor="ctr" anchorCtr="0"/>
+          <a:lstStyle/>
+          <a:p>
+            <a:pPr algn="ctr"/>
+            <a:r>
+              <a:rPr lang="ro-MD" sz="900" dirty="0" smtClean="0">
+                <a:solidFill>
+                  <a:schemeClr val="tx1"/>
+                </a:solidFill>
+              </a:rPr>
+              <a:t>linia 1</a:t>
+            </a:r>
+            <a:endParaRPr lang="en-US" sz="900" dirty="0">
+              <a:solidFill>
+                <a:schemeClr val="tx1"/>
+              </a:solidFill>
+            </a:endParaRPr>
+          </a:p>
+        </p:txBody>
+      </p:sp>
+      <p:sp>
+        <p:nvSpPr>
+          <p:cNvPr id="11" name="Rectangle 10"/>
+          <p:cNvSpPr/>
+          <p:nvPr/>
+        </p:nvSpPr>
+        <p:spPr>
+          <a:xfrm>
+            <a:off x="6233823" y="2623929"/>
+            <a:ext cx="1160890" cy="294198"/>
+          </a:xfrm>
+          <a:prstGeom prst="rect">
+            <a:avLst/>
+          </a:prstGeom>
+          <a:solidFill>
+            <a:schemeClr val="bg1"/>
+          </a:solidFill>
+          <a:ln>
+            <a:solidFill>
+              <a:schemeClr val="tx1"/>
+            </a:solidFill>
+          </a:ln>
+        </p:spPr>
+        <p:style>
+          <a:lnRef idx="2">
+            <a:schemeClr val="accent1">
+              <a:shade val="50000"/>
+            </a:schemeClr>
+          </a:lnRef>
+          <a:fillRef idx="1">
+            <a:schemeClr val="accent1"/>
+          </a:fillRef>
+          <a:effectRef idx="0">
+            <a:schemeClr val="accent1"/>
+          </a:effectRef>
+          <a:fontRef idx="minor">
+            <a:schemeClr val="lt1"/>
+          </a:fontRef>
+        </p:style>
+        <p:txBody>
+          <a:bodyPr rtlCol="0" anchor="ctr" anchorCtr="0"/>
+          <a:lstStyle/>
+          <a:p>
+            <a:pPr algn="ctr"/>
+            <a:r>
+              <a:rPr lang="ro-MD" sz="900" dirty="0" smtClean="0">
+                <a:solidFill>
+                  <a:schemeClr val="tx1"/>
+                </a:solidFill>
+              </a:rPr>
+              <a:t>64 </a:t>
+            </a:r>
+            <a:r>
+              <a:rPr lang="ro-MD" sz="900" dirty="0" err="1" smtClean="0">
+                <a:solidFill>
+                  <a:schemeClr val="tx1"/>
+                </a:solidFill>
+              </a:rPr>
+              <a:t>cicli</a:t>
+            </a:r>
+            <a:endParaRPr lang="en-US" sz="900" dirty="0">
+              <a:solidFill>
+                <a:schemeClr val="tx1"/>
+              </a:solidFill>
+            </a:endParaRPr>
+          </a:p>
+        </p:txBody>
+      </p:sp>
+      <p:sp>
+        <p:nvSpPr>
+          <p:cNvPr id="12" name="Rectangle 11"/>
+          <p:cNvSpPr/>
+          <p:nvPr/>
+        </p:nvSpPr>
+        <p:spPr>
+          <a:xfrm>
+            <a:off x="7394713" y="2623929"/>
+            <a:ext cx="787179" cy="294198"/>
+          </a:xfrm>
+          <a:prstGeom prst="rect">
+            <a:avLst/>
+          </a:prstGeom>
+          <a:solidFill>
+            <a:schemeClr val="bg1"/>
+          </a:solidFill>
+          <a:ln>
+            <a:solidFill>
+              <a:schemeClr val="tx1"/>
+            </a:solidFill>
+          </a:ln>
+        </p:spPr>
+        <p:style>
+          <a:lnRef idx="2">
+            <a:schemeClr val="accent1">
+              <a:shade val="50000"/>
+            </a:schemeClr>
+          </a:lnRef>
+          <a:fillRef idx="1">
+            <a:schemeClr val="accent1"/>
+          </a:fillRef>
+          <a:effectRef idx="0">
+            <a:schemeClr val="accent1"/>
+          </a:effectRef>
+          <a:fontRef idx="minor">
+            <a:schemeClr val="lt1"/>
+          </a:fontRef>
+        </p:style>
+        <p:txBody>
+          <a:bodyPr rtlCol="0" anchor="ctr" anchorCtr="0"/>
+          <a:lstStyle/>
+          <a:p>
+            <a:pPr algn="ctr"/>
+            <a:r>
+              <a:rPr lang="ro-MD" sz="900" dirty="0" smtClean="0">
+                <a:solidFill>
+                  <a:schemeClr val="tx1"/>
+                </a:solidFill>
+              </a:rPr>
+              <a:t>16 </a:t>
+            </a:r>
+            <a:r>
+              <a:rPr lang="ro-MD" sz="900" dirty="0" err="1" smtClean="0">
+                <a:solidFill>
+                  <a:schemeClr val="tx1"/>
+                </a:solidFill>
+              </a:rPr>
+              <a:t>cicli</a:t>
+            </a:r>
+            <a:endParaRPr lang="en-US" sz="900" dirty="0">
+              <a:solidFill>
+                <a:schemeClr val="tx1"/>
+              </a:solidFill>
+            </a:endParaRPr>
+          </a:p>
+        </p:txBody>
+      </p:sp>
+      <p:sp>
+        <p:nvSpPr>
+          <p:cNvPr id="13" name="Rectangle 12"/>
+          <p:cNvSpPr/>
+          <p:nvPr/>
+        </p:nvSpPr>
+        <p:spPr>
+          <a:xfrm>
+            <a:off x="8181892" y="2623929"/>
+            <a:ext cx="445273" cy="294198"/>
+          </a:xfrm>
+          <a:prstGeom prst="rect">
+            <a:avLst/>
+          </a:prstGeom>
+          <a:solidFill>
+            <a:schemeClr val="bg1"/>
+          </a:solidFill>
+          <a:ln>
+            <a:solidFill>
+              <a:schemeClr val="tx1"/>
+            </a:solidFill>
+          </a:ln>
+        </p:spPr>
+        <p:style>
+          <a:lnRef idx="2">
+            <a:schemeClr val="accent1">
+              <a:shade val="50000"/>
+            </a:schemeClr>
+          </a:lnRef>
+          <a:fillRef idx="1">
+            <a:schemeClr val="accent1"/>
+          </a:fillRef>
+          <a:effectRef idx="0">
+            <a:schemeClr val="accent1"/>
+          </a:effectRef>
+          <a:fontRef idx="minor">
+            <a:schemeClr val="lt1"/>
+          </a:fontRef>
+        </p:style>
+        <p:txBody>
+          <a:bodyPr rtlCol="0" anchor="ctr" anchorCtr="0"/>
+          <a:lstStyle/>
+          <a:p>
+            <a:pPr algn="ctr"/>
+            <a:r>
+              <a:rPr lang="ro-MD" sz="900" dirty="0" smtClean="0">
+                <a:solidFill>
+                  <a:schemeClr val="tx1"/>
+                </a:solidFill>
+              </a:rPr>
+              <a:t>4 </a:t>
+            </a:r>
+            <a:r>
+              <a:rPr lang="ro-MD" sz="900" dirty="0" err="1" smtClean="0">
+                <a:solidFill>
+                  <a:schemeClr val="tx1"/>
+                </a:solidFill>
+              </a:rPr>
+              <a:t>cicli</a:t>
+            </a:r>
+            <a:endParaRPr lang="en-US" sz="900" dirty="0">
+              <a:solidFill>
+                <a:schemeClr val="tx1"/>
+              </a:solidFill>
+            </a:endParaRPr>
+          </a:p>
+        </p:txBody>
+      </p:sp>
+      <p:sp>
+        <p:nvSpPr>
+          <p:cNvPr id="14" name="Rectangle 13"/>
+          <p:cNvSpPr/>
+          <p:nvPr/>
+        </p:nvSpPr>
+        <p:spPr>
+          <a:xfrm>
+            <a:off x="2488758" y="3118236"/>
+            <a:ext cx="477078" cy="294198"/>
+          </a:xfrm>
+          <a:prstGeom prst="rect">
+            <a:avLst/>
+          </a:prstGeom>
+          <a:solidFill>
+            <a:schemeClr val="bg1"/>
+          </a:solidFill>
+          <a:ln>
+            <a:solidFill>
+              <a:schemeClr val="tx1"/>
+            </a:solidFill>
+          </a:ln>
+        </p:spPr>
+        <p:style>
+          <a:lnRef idx="2">
+            <a:schemeClr val="accent1">
+              <a:shade val="50000"/>
+            </a:schemeClr>
+          </a:lnRef>
+          <a:fillRef idx="1">
+            <a:schemeClr val="accent1"/>
+          </a:fillRef>
+          <a:effectRef idx="0">
+            <a:schemeClr val="accent1"/>
+          </a:effectRef>
+          <a:fontRef idx="minor">
+            <a:schemeClr val="lt1"/>
+          </a:fontRef>
+        </p:style>
+        <p:txBody>
+          <a:bodyPr rtlCol="0" anchor="ctr" anchorCtr="0"/>
+          <a:lstStyle/>
+          <a:p>
+            <a:pPr algn="ctr"/>
+            <a:r>
+              <a:rPr lang="ro-MD" sz="900" dirty="0" smtClean="0">
+                <a:solidFill>
+                  <a:schemeClr val="tx1"/>
+                </a:solidFill>
+              </a:rPr>
+              <a:t>1 ciclu</a:t>
+            </a:r>
+            <a:endParaRPr lang="en-US" sz="900" dirty="0">
+              <a:solidFill>
+                <a:schemeClr val="tx1"/>
+              </a:solidFill>
+            </a:endParaRPr>
+          </a:p>
+        </p:txBody>
+      </p:sp>
+      <p:sp>
+        <p:nvSpPr>
+          <p:cNvPr id="15" name="Rectangle 14"/>
+          <p:cNvSpPr/>
+          <p:nvPr/>
+        </p:nvSpPr>
+        <p:spPr>
+          <a:xfrm>
+            <a:off x="2965835" y="3118236"/>
+            <a:ext cx="3267988" cy="294198"/>
+          </a:xfrm>
+          <a:prstGeom prst="rect">
+            <a:avLst/>
+          </a:prstGeom>
+          <a:solidFill>
+            <a:schemeClr val="bg1"/>
+          </a:solidFill>
+          <a:ln>
+            <a:solidFill>
+              <a:schemeClr val="tx1"/>
+            </a:solidFill>
+          </a:ln>
+        </p:spPr>
+        <p:style>
+          <a:lnRef idx="2">
+            <a:schemeClr val="accent1">
+              <a:shade val="50000"/>
+            </a:schemeClr>
+          </a:lnRef>
+          <a:fillRef idx="1">
+            <a:schemeClr val="accent1"/>
+          </a:fillRef>
+          <a:effectRef idx="0">
+            <a:schemeClr val="accent1"/>
+          </a:effectRef>
+          <a:fontRef idx="minor">
+            <a:schemeClr val="lt1"/>
+          </a:fontRef>
+        </p:style>
+        <p:txBody>
+          <a:bodyPr rtlCol="0" anchor="ctr" anchorCtr="0"/>
+          <a:lstStyle/>
+          <a:p>
+            <a:pPr algn="ctr"/>
+            <a:r>
+              <a:rPr lang="ro-MD" sz="900" dirty="0" smtClean="0">
+                <a:solidFill>
+                  <a:schemeClr val="tx1"/>
+                </a:solidFill>
+              </a:rPr>
+              <a:t>256 </a:t>
+            </a:r>
+            <a:r>
+              <a:rPr lang="ro-MD" sz="900" dirty="0" err="1" smtClean="0">
+                <a:solidFill>
+                  <a:schemeClr val="tx1"/>
+                </a:solidFill>
+              </a:rPr>
+              <a:t>cicli</a:t>
+            </a:r>
+            <a:endParaRPr lang="en-US" sz="900" dirty="0">
+              <a:solidFill>
+                <a:schemeClr val="tx1"/>
+              </a:solidFill>
+            </a:endParaRPr>
+          </a:p>
+        </p:txBody>
+      </p:sp>
+      <p:sp>
+        <p:nvSpPr>
+          <p:cNvPr id="16" name="Rectangle 15"/>
+          <p:cNvSpPr/>
+          <p:nvPr/>
+        </p:nvSpPr>
+        <p:spPr>
+          <a:xfrm>
+            <a:off x="1900361" y="3118236"/>
+            <a:ext cx="580445" cy="294198"/>
+          </a:xfrm>
+          <a:prstGeom prst="rect">
+            <a:avLst/>
+          </a:prstGeom>
+          <a:solidFill>
+            <a:schemeClr val="bg1"/>
+          </a:solidFill>
+          <a:ln>
+            <a:solidFill>
+              <a:schemeClr val="tx1">
+                <a:alpha val="0"/>
+              </a:schemeClr>
+            </a:solidFill>
+          </a:ln>
+        </p:spPr>
+        <p:style>
+          <a:lnRef idx="2">
+            <a:schemeClr val="accent1">
+              <a:shade val="50000"/>
+            </a:schemeClr>
+          </a:lnRef>
+          <a:fillRef idx="1">
+            <a:schemeClr val="accent1"/>
+          </a:fillRef>
+          <a:effectRef idx="0">
+            <a:schemeClr val="accent1"/>
+          </a:effectRef>
+          <a:fontRef idx="minor">
+            <a:schemeClr val="lt1"/>
+          </a:fontRef>
+        </p:style>
+        <p:txBody>
+          <a:bodyPr rtlCol="0" anchor="ctr" anchorCtr="0"/>
+          <a:lstStyle/>
+          <a:p>
+            <a:pPr algn="ctr"/>
+            <a:r>
+              <a:rPr lang="ro-MD" sz="900" dirty="0" smtClean="0">
+                <a:solidFill>
+                  <a:schemeClr val="tx1"/>
+                </a:solidFill>
+              </a:rPr>
+              <a:t>linia 239</a:t>
+            </a:r>
+            <a:endParaRPr lang="en-US" sz="900" dirty="0">
+              <a:solidFill>
+                <a:schemeClr val="tx1"/>
+              </a:solidFill>
+            </a:endParaRPr>
+          </a:p>
+        </p:txBody>
+      </p:sp>
+      <p:sp>
+        <p:nvSpPr>
+          <p:cNvPr id="17" name="Rectangle 16"/>
+          <p:cNvSpPr/>
+          <p:nvPr/>
+        </p:nvSpPr>
+        <p:spPr>
+          <a:xfrm>
+            <a:off x="6233823" y="3118236"/>
+            <a:ext cx="1160890" cy="294198"/>
+          </a:xfrm>
+          <a:prstGeom prst="rect">
+            <a:avLst/>
+          </a:prstGeom>
+          <a:solidFill>
+            <a:schemeClr val="bg1"/>
+          </a:solidFill>
+          <a:ln>
+            <a:solidFill>
+              <a:schemeClr val="tx1"/>
+            </a:solidFill>
+          </a:ln>
+        </p:spPr>
+        <p:style>
+          <a:lnRef idx="2">
+            <a:schemeClr val="accent1">
+              <a:shade val="50000"/>
+            </a:schemeClr>
+          </a:lnRef>
+          <a:fillRef idx="1">
+            <a:schemeClr val="accent1"/>
+          </a:fillRef>
+          <a:effectRef idx="0">
+            <a:schemeClr val="accent1"/>
+          </a:effectRef>
+          <a:fontRef idx="minor">
+            <a:schemeClr val="lt1"/>
+          </a:fontRef>
+        </p:style>
+        <p:txBody>
+          <a:bodyPr rtlCol="0" anchor="ctr" anchorCtr="0"/>
+          <a:lstStyle/>
+          <a:p>
+            <a:pPr algn="ctr"/>
+            <a:r>
+              <a:rPr lang="ro-MD" sz="900" dirty="0" smtClean="0">
+                <a:solidFill>
+                  <a:schemeClr val="tx1"/>
+                </a:solidFill>
+              </a:rPr>
+              <a:t>64 </a:t>
+            </a:r>
+            <a:r>
+              <a:rPr lang="ro-MD" sz="900" dirty="0" err="1" smtClean="0">
+                <a:solidFill>
+                  <a:schemeClr val="tx1"/>
+                </a:solidFill>
+              </a:rPr>
+              <a:t>cicli</a:t>
+            </a:r>
+            <a:endParaRPr lang="en-US" sz="900" dirty="0">
+              <a:solidFill>
+                <a:schemeClr val="tx1"/>
+              </a:solidFill>
+            </a:endParaRPr>
+          </a:p>
+        </p:txBody>
+      </p:sp>
+      <p:sp>
+        <p:nvSpPr>
+          <p:cNvPr id="18" name="Rectangle 17"/>
+          <p:cNvSpPr/>
+          <p:nvPr/>
+        </p:nvSpPr>
+        <p:spPr>
+          <a:xfrm>
+            <a:off x="7394713" y="3118236"/>
+            <a:ext cx="787179" cy="294198"/>
+          </a:xfrm>
+          <a:prstGeom prst="rect">
+            <a:avLst/>
+          </a:prstGeom>
+          <a:solidFill>
+            <a:schemeClr val="bg1"/>
+          </a:solidFill>
+          <a:ln>
+            <a:solidFill>
+              <a:schemeClr val="tx1"/>
+            </a:solidFill>
+          </a:ln>
+        </p:spPr>
+        <p:style>
+          <a:lnRef idx="2">
+            <a:schemeClr val="accent1">
+              <a:shade val="50000"/>
+            </a:schemeClr>
+          </a:lnRef>
+          <a:fillRef idx="1">
+            <a:schemeClr val="accent1"/>
+          </a:fillRef>
+          <a:effectRef idx="0">
+            <a:schemeClr val="accent1"/>
+          </a:effectRef>
+          <a:fontRef idx="minor">
+            <a:schemeClr val="lt1"/>
+          </a:fontRef>
+        </p:style>
+        <p:txBody>
+          <a:bodyPr rtlCol="0" anchor="ctr" anchorCtr="0"/>
+          <a:lstStyle/>
+          <a:p>
+            <a:pPr algn="ctr"/>
+            <a:r>
+              <a:rPr lang="ro-MD" sz="900" dirty="0" smtClean="0">
+                <a:solidFill>
+                  <a:schemeClr val="tx1"/>
+                </a:solidFill>
+              </a:rPr>
+              <a:t>16 </a:t>
+            </a:r>
+            <a:r>
+              <a:rPr lang="ro-MD" sz="900" dirty="0" err="1" smtClean="0">
+                <a:solidFill>
+                  <a:schemeClr val="tx1"/>
+                </a:solidFill>
+              </a:rPr>
+              <a:t>cicli</a:t>
+            </a:r>
+            <a:endParaRPr lang="en-US" sz="900" dirty="0">
+              <a:solidFill>
+                <a:schemeClr val="tx1"/>
+              </a:solidFill>
+            </a:endParaRPr>
+          </a:p>
+        </p:txBody>
+      </p:sp>
+      <p:sp>
+        <p:nvSpPr>
+          <p:cNvPr id="19" name="Rectangle 18"/>
+          <p:cNvSpPr/>
+          <p:nvPr/>
+        </p:nvSpPr>
+        <p:spPr>
+          <a:xfrm>
+            <a:off x="8181892" y="3118236"/>
+            <a:ext cx="445273" cy="294198"/>
+          </a:xfrm>
+          <a:prstGeom prst="rect">
+            <a:avLst/>
+          </a:prstGeom>
+          <a:solidFill>
+            <a:schemeClr val="bg1"/>
+          </a:solidFill>
+          <a:ln>
+            <a:solidFill>
+              <a:schemeClr val="tx1"/>
+            </a:solidFill>
+          </a:ln>
+        </p:spPr>
+        <p:style>
+          <a:lnRef idx="2">
+            <a:schemeClr val="accent1">
+              <a:shade val="50000"/>
+            </a:schemeClr>
+          </a:lnRef>
+          <a:fillRef idx="1">
+            <a:schemeClr val="accent1"/>
+          </a:fillRef>
+          <a:effectRef idx="0">
+            <a:schemeClr val="accent1"/>
+          </a:effectRef>
+          <a:fontRef idx="minor">
+            <a:schemeClr val="lt1"/>
+          </a:fontRef>
+        </p:style>
+        <p:txBody>
+          <a:bodyPr rtlCol="0" anchor="ctr" anchorCtr="0"/>
+          <a:lstStyle/>
+          <a:p>
+            <a:pPr algn="ctr"/>
+            <a:r>
+              <a:rPr lang="ro-MD" sz="900" dirty="0" smtClean="0">
+                <a:solidFill>
+                  <a:schemeClr val="tx1"/>
+                </a:solidFill>
+              </a:rPr>
+              <a:t>4 </a:t>
+            </a:r>
+            <a:r>
+              <a:rPr lang="ro-MD" sz="900" dirty="0" err="1" smtClean="0">
+                <a:solidFill>
+                  <a:schemeClr val="tx1"/>
+                </a:solidFill>
+              </a:rPr>
+              <a:t>cicli</a:t>
+            </a:r>
+            <a:endParaRPr lang="en-US" sz="900" dirty="0">
+              <a:solidFill>
+                <a:schemeClr val="tx1"/>
+              </a:solidFill>
+            </a:endParaRPr>
+          </a:p>
+        </p:txBody>
+      </p:sp>
+      <p:sp>
+        <p:nvSpPr>
+          <p:cNvPr id="20" name="TextBox 19"/>
+          <p:cNvSpPr txBox="1"/>
+          <p:nvPr/>
+        </p:nvSpPr>
+        <p:spPr>
+          <a:xfrm>
+            <a:off x="2456954" y="2771028"/>
+            <a:ext cx="6186309" cy="369332"/>
+          </a:xfrm>
+          <a:prstGeom prst="rect">
+            <a:avLst/>
+          </a:prstGeom>
+          <a:noFill/>
+        </p:spPr>
+        <p:txBody>
+          <a:bodyPr wrap="none" rtlCol="0">
+            <a:spAutoFit/>
+          </a:bodyPr>
+          <a:lstStyle/>
+          <a:p>
+            <a:r>
+              <a:rPr lang="ro-MD" dirty="0" smtClean="0"/>
+              <a:t>.........................................................................................................</a:t>
+            </a:r>
+            <a:endParaRPr lang="en-US" dirty="0"/>
+          </a:p>
+        </p:txBody>
+      </p:sp>
+      <p:sp>
+        <p:nvSpPr>
+          <p:cNvPr id="21" name="Rectangle 20"/>
+          <p:cNvSpPr/>
+          <p:nvPr/>
+        </p:nvSpPr>
+        <p:spPr>
+          <a:xfrm>
+            <a:off x="2488757" y="3412434"/>
+            <a:ext cx="6138407" cy="294198"/>
+          </a:xfrm>
+          <a:prstGeom prst="rect">
+            <a:avLst/>
+          </a:prstGeom>
+          <a:solidFill>
+            <a:schemeClr val="bg1"/>
+          </a:solidFill>
+          <a:ln>
+            <a:solidFill>
+              <a:schemeClr val="tx1"/>
+            </a:solidFill>
+          </a:ln>
+        </p:spPr>
+        <p:style>
+          <a:lnRef idx="2">
+            <a:schemeClr val="accent1">
+              <a:shade val="50000"/>
+            </a:schemeClr>
+          </a:lnRef>
+          <a:fillRef idx="1">
+            <a:schemeClr val="accent1"/>
+          </a:fillRef>
+          <a:effectRef idx="0">
+            <a:schemeClr val="accent1"/>
+          </a:effectRef>
+          <a:fontRef idx="minor">
+            <a:schemeClr val="lt1"/>
+          </a:fontRef>
+        </p:style>
+        <p:txBody>
+          <a:bodyPr rtlCol="0" anchor="ctr" anchorCtr="0"/>
+          <a:lstStyle/>
+          <a:p>
+            <a:pPr algn="ctr"/>
+            <a:r>
+              <a:rPr lang="ro-MD" sz="900" dirty="0" smtClean="0">
+                <a:solidFill>
+                  <a:schemeClr val="tx1"/>
+                </a:solidFill>
+              </a:rPr>
+              <a:t>341 </a:t>
+            </a:r>
+            <a:r>
+              <a:rPr lang="ro-MD" sz="900" dirty="0" err="1" smtClean="0">
+                <a:solidFill>
+                  <a:schemeClr val="tx1"/>
+                </a:solidFill>
+              </a:rPr>
+              <a:t>cicli</a:t>
+            </a:r>
+            <a:endParaRPr lang="en-US" sz="900" dirty="0">
+              <a:solidFill>
+                <a:schemeClr val="tx1"/>
+              </a:solidFill>
+            </a:endParaRPr>
+          </a:p>
+        </p:txBody>
+      </p:sp>
+      <p:sp>
+        <p:nvSpPr>
+          <p:cNvPr id="23" name="Rectangle 22"/>
+          <p:cNvSpPr/>
+          <p:nvPr/>
+        </p:nvSpPr>
+        <p:spPr>
+          <a:xfrm>
+            <a:off x="1900360" y="3412434"/>
+            <a:ext cx="580447" cy="294198"/>
+          </a:xfrm>
+          <a:prstGeom prst="rect">
+            <a:avLst/>
+          </a:prstGeom>
+          <a:solidFill>
+            <a:schemeClr val="bg1"/>
+          </a:solidFill>
+          <a:ln>
+            <a:solidFill>
+              <a:schemeClr val="tx1">
+                <a:alpha val="0"/>
+              </a:schemeClr>
+            </a:solidFill>
+          </a:ln>
+        </p:spPr>
+        <p:style>
+          <a:lnRef idx="2">
+            <a:schemeClr val="accent1">
+              <a:shade val="50000"/>
+            </a:schemeClr>
+          </a:lnRef>
+          <a:fillRef idx="1">
+            <a:schemeClr val="accent1"/>
+          </a:fillRef>
+          <a:effectRef idx="0">
+            <a:schemeClr val="accent1"/>
+          </a:effectRef>
+          <a:fontRef idx="minor">
+            <a:schemeClr val="lt1"/>
+          </a:fontRef>
+        </p:style>
+        <p:txBody>
+          <a:bodyPr rtlCol="0" anchor="ctr" anchorCtr="0"/>
+          <a:lstStyle/>
+          <a:p>
+            <a:pPr algn="ctr"/>
+            <a:r>
+              <a:rPr lang="ro-MD" sz="900" dirty="0" smtClean="0">
+                <a:solidFill>
+                  <a:schemeClr val="tx1"/>
+                </a:solidFill>
+              </a:rPr>
+              <a:t>linia 240</a:t>
+            </a:r>
+            <a:endParaRPr lang="en-US" sz="900" dirty="0">
+              <a:solidFill>
+                <a:schemeClr val="tx1"/>
+              </a:solidFill>
+            </a:endParaRPr>
+          </a:p>
+        </p:txBody>
+      </p:sp>
+      <p:sp>
+        <p:nvSpPr>
+          <p:cNvPr id="27" name="Rectangle 26"/>
+          <p:cNvSpPr/>
+          <p:nvPr/>
+        </p:nvSpPr>
+        <p:spPr>
+          <a:xfrm>
+            <a:off x="2488757" y="3906741"/>
+            <a:ext cx="6138407" cy="294198"/>
+          </a:xfrm>
+          <a:prstGeom prst="rect">
+            <a:avLst/>
+          </a:prstGeom>
+          <a:solidFill>
+            <a:schemeClr val="bg1"/>
+          </a:solidFill>
+          <a:ln>
+            <a:solidFill>
+              <a:schemeClr val="tx1"/>
+            </a:solidFill>
+          </a:ln>
+        </p:spPr>
+        <p:style>
+          <a:lnRef idx="2">
+            <a:schemeClr val="accent1">
+              <a:shade val="50000"/>
+            </a:schemeClr>
+          </a:lnRef>
+          <a:fillRef idx="1">
+            <a:schemeClr val="accent1"/>
+          </a:fillRef>
+          <a:effectRef idx="0">
+            <a:schemeClr val="accent1"/>
+          </a:effectRef>
+          <a:fontRef idx="minor">
+            <a:schemeClr val="lt1"/>
+          </a:fontRef>
+        </p:style>
+        <p:txBody>
+          <a:bodyPr rtlCol="0" anchor="ctr" anchorCtr="0"/>
+          <a:lstStyle/>
+          <a:p>
+            <a:pPr algn="ctr"/>
+            <a:r>
+              <a:rPr lang="ro-MD" sz="900" dirty="0" smtClean="0">
+                <a:solidFill>
+                  <a:schemeClr val="tx1"/>
+                </a:solidFill>
+              </a:rPr>
+              <a:t>341 </a:t>
+            </a:r>
+            <a:r>
+              <a:rPr lang="ro-MD" sz="900" dirty="0" err="1" smtClean="0">
+                <a:solidFill>
+                  <a:schemeClr val="tx1"/>
+                </a:solidFill>
+              </a:rPr>
+              <a:t>cicli</a:t>
+            </a:r>
+            <a:endParaRPr lang="en-US" sz="900" dirty="0">
+              <a:solidFill>
+                <a:schemeClr val="tx1"/>
+              </a:solidFill>
+            </a:endParaRPr>
+          </a:p>
+        </p:txBody>
+      </p:sp>
+      <p:sp>
+        <p:nvSpPr>
+          <p:cNvPr id="28" name="Rectangle 27"/>
+          <p:cNvSpPr/>
+          <p:nvPr/>
+        </p:nvSpPr>
+        <p:spPr>
+          <a:xfrm>
+            <a:off x="1900360" y="3906741"/>
+            <a:ext cx="580447" cy="294198"/>
+          </a:xfrm>
+          <a:prstGeom prst="rect">
+            <a:avLst/>
+          </a:prstGeom>
+          <a:solidFill>
+            <a:schemeClr val="bg1"/>
+          </a:solidFill>
+          <a:ln>
+            <a:solidFill>
+              <a:schemeClr val="tx1">
+                <a:alpha val="0"/>
+              </a:schemeClr>
+            </a:solidFill>
+          </a:ln>
+        </p:spPr>
+        <p:style>
+          <a:lnRef idx="2">
+            <a:schemeClr val="accent1">
+              <a:shade val="50000"/>
+            </a:schemeClr>
+          </a:lnRef>
+          <a:fillRef idx="1">
+            <a:schemeClr val="accent1"/>
+          </a:fillRef>
+          <a:effectRef idx="0">
+            <a:schemeClr val="accent1"/>
+          </a:effectRef>
+          <a:fontRef idx="minor">
+            <a:schemeClr val="lt1"/>
+          </a:fontRef>
+        </p:style>
+        <p:txBody>
+          <a:bodyPr rtlCol="0" anchor="ctr" anchorCtr="0"/>
+          <a:lstStyle/>
+          <a:p>
+            <a:pPr algn="ctr"/>
+            <a:r>
+              <a:rPr lang="ro-MD" sz="900" dirty="0" smtClean="0">
+                <a:solidFill>
+                  <a:schemeClr val="tx1"/>
+                </a:solidFill>
+              </a:rPr>
+              <a:t>linia 261</a:t>
+            </a:r>
+            <a:endParaRPr lang="en-US" sz="900" dirty="0">
+              <a:solidFill>
+                <a:schemeClr val="tx1"/>
+              </a:solidFill>
+            </a:endParaRPr>
+          </a:p>
+        </p:txBody>
+      </p:sp>
+      <p:sp>
+        <p:nvSpPr>
+          <p:cNvPr id="31" name="TextBox 30"/>
+          <p:cNvSpPr txBox="1"/>
+          <p:nvPr/>
+        </p:nvSpPr>
+        <p:spPr>
+          <a:xfrm>
+            <a:off x="2456954" y="3559533"/>
+            <a:ext cx="6186309" cy="369332"/>
+          </a:xfrm>
+          <a:prstGeom prst="rect">
+            <a:avLst/>
+          </a:prstGeom>
+          <a:noFill/>
+        </p:spPr>
+        <p:txBody>
+          <a:bodyPr wrap="none" rtlCol="0">
+            <a:spAutoFit/>
+          </a:bodyPr>
+          <a:lstStyle/>
+          <a:p>
+            <a:r>
+              <a:rPr lang="ro-MD" dirty="0" smtClean="0"/>
+              <a:t>.........................................................................................................</a:t>
+            </a:r>
+            <a:endParaRPr lang="en-US" dirty="0"/>
+          </a:p>
+        </p:txBody>
+      </p:sp>
+      <p:sp>
+        <p:nvSpPr>
+          <p:cNvPr id="32" name="Left Brace 31"/>
+          <p:cNvSpPr/>
+          <p:nvPr/>
+        </p:nvSpPr>
+        <p:spPr>
+          <a:xfrm rot="5400000">
+            <a:off x="2664808" y="2028704"/>
+            <a:ext cx="124975" cy="477077"/>
+          </a:xfrm>
+          <a:prstGeom prst="leftBrace">
+            <a:avLst/>
+          </a:prstGeom>
+          <a:ln>
+            <a:solidFill>
+              <a:schemeClr val="tx1"/>
+            </a:solidFill>
+          </a:ln>
+        </p:spPr>
+        <p:style>
+          <a:lnRef idx="1">
+            <a:schemeClr val="accent1"/>
+          </a:lnRef>
+          <a:fillRef idx="0">
+            <a:schemeClr val="accent1"/>
+          </a:fillRef>
+          <a:effectRef idx="0">
+            <a:schemeClr val="accent1"/>
+          </a:effectRef>
+          <a:fontRef idx="minor">
+            <a:schemeClr val="tx1"/>
+          </a:fontRef>
+        </p:style>
+        <p:txBody>
+          <a:bodyPr rtlCol="0" anchor="ctr"/>
+          <a:lstStyle/>
+          <a:p>
+            <a:pPr algn="ctr"/>
+            <a:endParaRPr lang="en-US"/>
+          </a:p>
+        </p:txBody>
+      </p:sp>
+      <p:sp>
+        <p:nvSpPr>
+          <p:cNvPr id="33" name="TextBox 32"/>
+          <p:cNvSpPr txBox="1"/>
+          <p:nvPr/>
+        </p:nvSpPr>
+        <p:spPr>
+          <a:xfrm rot="16200000">
+            <a:off x="2331994" y="1695876"/>
+            <a:ext cx="790601" cy="276999"/>
+          </a:xfrm>
+          <a:prstGeom prst="rect">
+            <a:avLst/>
+          </a:prstGeom>
+          <a:noFill/>
+        </p:spPr>
+        <p:txBody>
+          <a:bodyPr wrap="none" rtlCol="0">
+            <a:spAutoFit/>
+          </a:bodyPr>
+          <a:lstStyle/>
+          <a:p>
+            <a:r>
+              <a:rPr lang="ro-MD" sz="1200" dirty="0" smtClean="0"/>
+              <a:t>Așteptare</a:t>
+            </a:r>
+            <a:endParaRPr lang="en-US" sz="1200" dirty="0"/>
+          </a:p>
+        </p:txBody>
+      </p:sp>
+      <p:sp>
+        <p:nvSpPr>
+          <p:cNvPr id="34" name="Left Brace 33"/>
+          <p:cNvSpPr/>
+          <p:nvPr/>
+        </p:nvSpPr>
+        <p:spPr>
+          <a:xfrm rot="5400000">
+            <a:off x="4537338" y="633248"/>
+            <a:ext cx="124976" cy="3267989"/>
+          </a:xfrm>
+          <a:prstGeom prst="leftBrace">
+            <a:avLst/>
+          </a:prstGeom>
+          <a:ln>
+            <a:solidFill>
+              <a:schemeClr val="tx1"/>
+            </a:solidFill>
+          </a:ln>
+        </p:spPr>
+        <p:style>
+          <a:lnRef idx="1">
+            <a:schemeClr val="accent1"/>
+          </a:lnRef>
+          <a:fillRef idx="0">
+            <a:schemeClr val="accent1"/>
+          </a:fillRef>
+          <a:effectRef idx="0">
+            <a:schemeClr val="accent1"/>
+          </a:effectRef>
+          <a:fontRef idx="minor">
+            <a:schemeClr val="tx1"/>
+          </a:fontRef>
+        </p:style>
+        <p:txBody>
+          <a:bodyPr rtlCol="0" anchor="ctr"/>
+          <a:lstStyle/>
+          <a:p>
+            <a:pPr algn="ctr"/>
+            <a:endParaRPr lang="en-US"/>
+          </a:p>
+        </p:txBody>
+      </p:sp>
+      <p:sp>
+        <p:nvSpPr>
+          <p:cNvPr id="35" name="TextBox 34"/>
+          <p:cNvSpPr txBox="1"/>
+          <p:nvPr/>
+        </p:nvSpPr>
+        <p:spPr>
+          <a:xfrm>
+            <a:off x="4141431" y="1952677"/>
+            <a:ext cx="916789" cy="276999"/>
+          </a:xfrm>
+          <a:prstGeom prst="rect">
+            <a:avLst/>
+          </a:prstGeom>
+          <a:noFill/>
+        </p:spPr>
+        <p:txBody>
+          <a:bodyPr wrap="none" rtlCol="0">
+            <a:spAutoFit/>
+          </a:bodyPr>
+          <a:lstStyle/>
+          <a:p>
+            <a:r>
+              <a:rPr lang="ro-MD" sz="1200" dirty="0" smtClean="0"/>
+              <a:t>Afișare linie</a:t>
+            </a:r>
+            <a:endParaRPr lang="en-US" sz="1200" dirty="0"/>
+          </a:p>
+        </p:txBody>
+      </p:sp>
+      <p:sp>
+        <p:nvSpPr>
+          <p:cNvPr id="36" name="Left Brace 35"/>
+          <p:cNvSpPr/>
+          <p:nvPr/>
+        </p:nvSpPr>
+        <p:spPr>
+          <a:xfrm rot="5400000">
+            <a:off x="6749150" y="1689421"/>
+            <a:ext cx="130228" cy="1160894"/>
+          </a:xfrm>
+          <a:prstGeom prst="leftBrace">
+            <a:avLst/>
+          </a:prstGeom>
+          <a:ln>
+            <a:solidFill>
+              <a:schemeClr val="tx1"/>
+            </a:solidFill>
+          </a:ln>
+        </p:spPr>
+        <p:style>
+          <a:lnRef idx="1">
+            <a:schemeClr val="accent1"/>
+          </a:lnRef>
+          <a:fillRef idx="0">
+            <a:schemeClr val="accent1"/>
+          </a:fillRef>
+          <a:effectRef idx="0">
+            <a:schemeClr val="accent1"/>
+          </a:effectRef>
+          <a:fontRef idx="minor">
+            <a:schemeClr val="tx1"/>
+          </a:fontRef>
+        </p:style>
+        <p:txBody>
+          <a:bodyPr rtlCol="0" anchor="ctr"/>
+          <a:lstStyle/>
+          <a:p>
+            <a:pPr algn="ctr"/>
+            <a:endParaRPr lang="en-US"/>
+          </a:p>
+        </p:txBody>
+      </p:sp>
+      <p:sp>
+        <p:nvSpPr>
+          <p:cNvPr id="37" name="TextBox 36"/>
+          <p:cNvSpPr txBox="1"/>
+          <p:nvPr/>
+        </p:nvSpPr>
+        <p:spPr>
+          <a:xfrm>
+            <a:off x="6233815" y="1214013"/>
+            <a:ext cx="1160895" cy="1015663"/>
+          </a:xfrm>
+          <a:prstGeom prst="rect">
+            <a:avLst/>
+          </a:prstGeom>
+          <a:noFill/>
+        </p:spPr>
+        <p:txBody>
+          <a:bodyPr wrap="square" rtlCol="0">
+            <a:spAutoFit/>
+          </a:bodyPr>
+          <a:lstStyle/>
+          <a:p>
+            <a:pPr algn="ctr"/>
+            <a:r>
+              <a:rPr lang="ro-MD" sz="1200" dirty="0" smtClean="0"/>
+              <a:t>Încărcare </a:t>
+            </a:r>
+            <a:r>
+              <a:rPr lang="ro-MD" sz="1200" dirty="0" err="1" smtClean="0"/>
+              <a:t>sprite</a:t>
+            </a:r>
+            <a:r>
+              <a:rPr lang="ro-MD" sz="1200" dirty="0" smtClean="0"/>
+              <a:t>-uri pentru următoarea linie</a:t>
+            </a:r>
+            <a:endParaRPr lang="en-US" sz="1200" dirty="0"/>
+          </a:p>
+        </p:txBody>
+      </p:sp>
+      <p:sp>
+        <p:nvSpPr>
+          <p:cNvPr id="38" name="Left Brace 37"/>
+          <p:cNvSpPr/>
+          <p:nvPr/>
+        </p:nvSpPr>
+        <p:spPr>
+          <a:xfrm rot="5400000">
+            <a:off x="7725811" y="1873653"/>
+            <a:ext cx="124976" cy="787179"/>
+          </a:xfrm>
+          <a:prstGeom prst="leftBrace">
+            <a:avLst/>
+          </a:prstGeom>
+          <a:ln>
+            <a:solidFill>
+              <a:schemeClr val="tx1"/>
+            </a:solidFill>
+          </a:ln>
+        </p:spPr>
+        <p:style>
+          <a:lnRef idx="1">
+            <a:schemeClr val="accent1"/>
+          </a:lnRef>
+          <a:fillRef idx="0">
+            <a:schemeClr val="accent1"/>
+          </a:fillRef>
+          <a:effectRef idx="0">
+            <a:schemeClr val="accent1"/>
+          </a:effectRef>
+          <a:fontRef idx="minor">
+            <a:schemeClr val="tx1"/>
+          </a:fontRef>
+        </p:style>
+        <p:txBody>
+          <a:bodyPr rtlCol="0" anchor="ctr"/>
+          <a:lstStyle/>
+          <a:p>
+            <a:pPr algn="ctr"/>
+            <a:endParaRPr lang="en-US"/>
+          </a:p>
+        </p:txBody>
+      </p:sp>
+      <p:sp>
+        <p:nvSpPr>
+          <p:cNvPr id="39" name="TextBox 38"/>
+          <p:cNvSpPr txBox="1"/>
+          <p:nvPr/>
+        </p:nvSpPr>
+        <p:spPr>
+          <a:xfrm rot="16200000">
+            <a:off x="6864231" y="1167109"/>
+            <a:ext cx="1848135" cy="276999"/>
+          </a:xfrm>
+          <a:prstGeom prst="rect">
+            <a:avLst/>
+          </a:prstGeom>
+          <a:noFill/>
+        </p:spPr>
+        <p:txBody>
+          <a:bodyPr wrap="none" rtlCol="0">
+            <a:spAutoFit/>
+          </a:bodyPr>
+          <a:lstStyle/>
+          <a:p>
+            <a:r>
+              <a:rPr lang="ro-MD" sz="1200" dirty="0" smtClean="0"/>
+              <a:t>Încărcare blocuri de fundal</a:t>
+            </a:r>
+            <a:endParaRPr lang="en-US" sz="1200" dirty="0"/>
+          </a:p>
+        </p:txBody>
+      </p:sp>
+      <p:sp>
+        <p:nvSpPr>
+          <p:cNvPr id="40" name="Left Brace 39"/>
+          <p:cNvSpPr/>
+          <p:nvPr/>
+        </p:nvSpPr>
+        <p:spPr>
+          <a:xfrm rot="5400000">
+            <a:off x="8342319" y="2044886"/>
+            <a:ext cx="130227" cy="439462"/>
+          </a:xfrm>
+          <a:prstGeom prst="leftBrace">
+            <a:avLst/>
+          </a:prstGeom>
+          <a:ln>
+            <a:solidFill>
+              <a:schemeClr val="tx1"/>
+            </a:solidFill>
+          </a:ln>
+        </p:spPr>
+        <p:style>
+          <a:lnRef idx="1">
+            <a:schemeClr val="accent1"/>
+          </a:lnRef>
+          <a:fillRef idx="0">
+            <a:schemeClr val="accent1"/>
+          </a:fillRef>
+          <a:effectRef idx="0">
+            <a:schemeClr val="accent1"/>
+          </a:effectRef>
+          <a:fontRef idx="minor">
+            <a:schemeClr val="tx1"/>
+          </a:fontRef>
+        </p:style>
+        <p:txBody>
+          <a:bodyPr rtlCol="0" anchor="ctr"/>
+          <a:lstStyle/>
+          <a:p>
+            <a:pPr algn="ctr"/>
+            <a:endParaRPr lang="en-US"/>
+          </a:p>
+        </p:txBody>
+      </p:sp>
+      <p:sp>
+        <p:nvSpPr>
+          <p:cNvPr id="41" name="TextBox 40"/>
+          <p:cNvSpPr txBox="1"/>
+          <p:nvPr/>
+        </p:nvSpPr>
+        <p:spPr>
+          <a:xfrm rot="16200000">
+            <a:off x="8009227" y="1695875"/>
+            <a:ext cx="790601" cy="276999"/>
+          </a:xfrm>
+          <a:prstGeom prst="rect">
+            <a:avLst/>
+          </a:prstGeom>
+          <a:noFill/>
+        </p:spPr>
+        <p:txBody>
+          <a:bodyPr wrap="none" rtlCol="0">
+            <a:spAutoFit/>
+          </a:bodyPr>
+          <a:lstStyle/>
+          <a:p>
+            <a:r>
+              <a:rPr lang="ro-MD" sz="1200" dirty="0" smtClean="0"/>
+              <a:t>Așteptare</a:t>
+            </a:r>
+            <a:endParaRPr lang="en-US" sz="1200" dirty="0"/>
+          </a:p>
+        </p:txBody>
+      </p:sp>
+      <p:sp>
+        <p:nvSpPr>
+          <p:cNvPr id="42" name="Left Brace 41"/>
+          <p:cNvSpPr/>
+          <p:nvPr/>
+        </p:nvSpPr>
+        <p:spPr>
+          <a:xfrm rot="16200000">
+            <a:off x="7356940" y="3077813"/>
+            <a:ext cx="147099" cy="2393349"/>
+          </a:xfrm>
+          <a:prstGeom prst="leftBrace">
+            <a:avLst/>
+          </a:prstGeom>
+          <a:ln>
+            <a:solidFill>
+              <a:schemeClr val="tx1"/>
+            </a:solidFill>
+          </a:ln>
+        </p:spPr>
+        <p:style>
+          <a:lnRef idx="1">
+            <a:schemeClr val="accent1"/>
+          </a:lnRef>
+          <a:fillRef idx="0">
+            <a:schemeClr val="accent1"/>
+          </a:fillRef>
+          <a:effectRef idx="0">
+            <a:schemeClr val="accent1"/>
+          </a:effectRef>
+          <a:fontRef idx="minor">
+            <a:schemeClr val="tx1"/>
+          </a:fontRef>
+        </p:style>
+        <p:txBody>
+          <a:bodyPr rtlCol="0" anchor="ctr"/>
+          <a:lstStyle/>
+          <a:p>
+            <a:pPr algn="ctr"/>
+            <a:endParaRPr lang="en-US"/>
+          </a:p>
+        </p:txBody>
+      </p:sp>
+      <p:sp>
+        <p:nvSpPr>
+          <p:cNvPr id="43" name="TextBox 42"/>
+          <p:cNvSpPr txBox="1"/>
+          <p:nvPr/>
+        </p:nvSpPr>
+        <p:spPr>
+          <a:xfrm>
+            <a:off x="6829330" y="4348037"/>
+            <a:ext cx="1202317" cy="276999"/>
+          </a:xfrm>
+          <a:prstGeom prst="rect">
+            <a:avLst/>
+          </a:prstGeom>
+          <a:noFill/>
+        </p:spPr>
+        <p:txBody>
+          <a:bodyPr wrap="none" rtlCol="0">
+            <a:spAutoFit/>
+          </a:bodyPr>
+          <a:lstStyle/>
+          <a:p>
+            <a:r>
+              <a:rPr lang="ro-MD" sz="1200" dirty="0" err="1" smtClean="0"/>
+              <a:t>Horizontal</a:t>
+            </a:r>
+            <a:r>
+              <a:rPr lang="ro-MD" sz="1200" dirty="0" smtClean="0"/>
+              <a:t> </a:t>
+            </a:r>
+            <a:r>
+              <a:rPr lang="ro-MD" sz="1200" dirty="0" err="1" smtClean="0"/>
+              <a:t>blank</a:t>
+            </a:r>
+            <a:endParaRPr lang="en-US" sz="1200" dirty="0"/>
+          </a:p>
+        </p:txBody>
+      </p:sp>
+      <p:sp>
+        <p:nvSpPr>
+          <p:cNvPr id="44" name="Left Brace 43"/>
+          <p:cNvSpPr/>
+          <p:nvPr/>
+        </p:nvSpPr>
+        <p:spPr>
+          <a:xfrm>
+            <a:off x="1865427" y="2329730"/>
+            <a:ext cx="147099" cy="1082704"/>
+          </a:xfrm>
+          <a:prstGeom prst="leftBrace">
+            <a:avLst/>
+          </a:prstGeom>
+          <a:ln>
+            <a:solidFill>
+              <a:schemeClr val="tx1"/>
+            </a:solidFill>
+          </a:ln>
+        </p:spPr>
+        <p:style>
+          <a:lnRef idx="1">
+            <a:schemeClr val="accent1"/>
+          </a:lnRef>
+          <a:fillRef idx="0">
+            <a:schemeClr val="accent1"/>
+          </a:fillRef>
+          <a:effectRef idx="0">
+            <a:schemeClr val="accent1"/>
+          </a:effectRef>
+          <a:fontRef idx="minor">
+            <a:schemeClr val="tx1"/>
+          </a:fontRef>
+        </p:style>
+        <p:txBody>
+          <a:bodyPr rtlCol="0" anchor="ctr"/>
+          <a:lstStyle/>
+          <a:p>
+            <a:pPr algn="ctr"/>
+            <a:endParaRPr lang="en-US"/>
+          </a:p>
+        </p:txBody>
+      </p:sp>
+      <p:sp>
+        <p:nvSpPr>
+          <p:cNvPr id="45" name="TextBox 44"/>
+          <p:cNvSpPr txBox="1"/>
+          <p:nvPr/>
+        </p:nvSpPr>
+        <p:spPr>
+          <a:xfrm>
+            <a:off x="1002357" y="2732582"/>
+            <a:ext cx="898003" cy="276999"/>
+          </a:xfrm>
+          <a:prstGeom prst="rect">
+            <a:avLst/>
+          </a:prstGeom>
+          <a:noFill/>
+        </p:spPr>
+        <p:txBody>
+          <a:bodyPr wrap="none" rtlCol="0">
+            <a:spAutoFit/>
+          </a:bodyPr>
+          <a:lstStyle/>
+          <a:p>
+            <a:r>
+              <a:rPr lang="ro-MD" sz="1200" dirty="0" smtClean="0"/>
+              <a:t>Linii vizibile</a:t>
+            </a:r>
+            <a:endParaRPr lang="en-US" sz="1200" dirty="0"/>
+          </a:p>
+        </p:txBody>
+      </p:sp>
+      <p:sp>
+        <p:nvSpPr>
+          <p:cNvPr id="46" name="Left Brace 45"/>
+          <p:cNvSpPr/>
+          <p:nvPr/>
+        </p:nvSpPr>
+        <p:spPr>
+          <a:xfrm>
+            <a:off x="1865426" y="3412434"/>
+            <a:ext cx="147099" cy="788503"/>
+          </a:xfrm>
+          <a:prstGeom prst="leftBrace">
+            <a:avLst/>
+          </a:prstGeom>
+          <a:ln>
+            <a:solidFill>
+              <a:schemeClr val="tx1"/>
+            </a:solidFill>
+          </a:ln>
+        </p:spPr>
+        <p:style>
+          <a:lnRef idx="1">
+            <a:schemeClr val="accent1"/>
+          </a:lnRef>
+          <a:fillRef idx="0">
+            <a:schemeClr val="accent1"/>
+          </a:fillRef>
+          <a:effectRef idx="0">
+            <a:schemeClr val="accent1"/>
+          </a:effectRef>
+          <a:fontRef idx="minor">
+            <a:schemeClr val="tx1"/>
+          </a:fontRef>
+        </p:style>
+        <p:txBody>
+          <a:bodyPr rtlCol="0" anchor="ctr"/>
+          <a:lstStyle/>
+          <a:p>
+            <a:pPr algn="ctr"/>
+            <a:endParaRPr lang="en-US"/>
+          </a:p>
+        </p:txBody>
+      </p:sp>
+      <p:sp>
+        <p:nvSpPr>
+          <p:cNvPr id="47" name="TextBox 46"/>
+          <p:cNvSpPr txBox="1"/>
+          <p:nvPr/>
+        </p:nvSpPr>
+        <p:spPr>
+          <a:xfrm>
+            <a:off x="874729" y="3676786"/>
+            <a:ext cx="1028487" cy="276999"/>
+          </a:xfrm>
+          <a:prstGeom prst="rect">
+            <a:avLst/>
+          </a:prstGeom>
+          <a:noFill/>
+        </p:spPr>
+        <p:txBody>
+          <a:bodyPr wrap="none" rtlCol="0">
+            <a:spAutoFit/>
+          </a:bodyPr>
+          <a:lstStyle/>
+          <a:p>
+            <a:r>
+              <a:rPr lang="ro-MD" sz="1200" dirty="0" smtClean="0"/>
+              <a:t>Vertical </a:t>
+            </a:r>
+            <a:r>
+              <a:rPr lang="ro-MD" sz="1200" dirty="0" err="1" smtClean="0"/>
+              <a:t>blank</a:t>
+            </a:r>
+            <a:endParaRPr lang="en-US" sz="1200" dirty="0"/>
+          </a:p>
+        </p:txBody>
+      </p:sp>
+      <p:cxnSp>
+        <p:nvCxnSpPr>
+          <p:cNvPr id="49" name="Straight Connector 48"/>
+          <p:cNvCxnSpPr/>
+          <p:nvPr/>
+        </p:nvCxnSpPr>
+        <p:spPr>
+          <a:xfrm>
+            <a:off x="1804757" y="3412434"/>
+            <a:ext cx="684000" cy="0"/>
+          </a:xfrm>
+          <a:prstGeom prst="line">
+            <a:avLst/>
+          </a:prstGeom>
+          <a:ln>
+            <a:solidFill>
+              <a:schemeClr val="tx1"/>
+            </a:solidFill>
+          </a:ln>
+        </p:spPr>
+        <p:style>
+          <a:lnRef idx="1">
+            <a:schemeClr val="accent1"/>
+          </a:lnRef>
+          <a:fillRef idx="0">
+            <a:schemeClr val="accent1"/>
+          </a:fillRef>
+          <a:effectRef idx="0">
+            <a:schemeClr val="accent1"/>
+          </a:effectRef>
+          <a:fontRef idx="minor">
+            <a:schemeClr val="tx1"/>
+          </a:fontRef>
+        </p:style>
+      </p:cxnSp>
+      <p:sp>
+        <p:nvSpPr>
+          <p:cNvPr id="50" name="TextBox 49"/>
+          <p:cNvSpPr txBox="1"/>
+          <p:nvPr/>
+        </p:nvSpPr>
+        <p:spPr>
+          <a:xfrm>
+            <a:off x="828014" y="3268317"/>
+            <a:ext cx="1072345" cy="276999"/>
+          </a:xfrm>
+          <a:prstGeom prst="rect">
+            <a:avLst/>
+          </a:prstGeom>
+          <a:noFill/>
+        </p:spPr>
+        <p:txBody>
+          <a:bodyPr wrap="none" rtlCol="0">
+            <a:spAutoFit/>
+          </a:bodyPr>
+          <a:lstStyle/>
+          <a:p>
+            <a:r>
+              <a:rPr lang="ro-MD" sz="1200" dirty="0" smtClean="0"/>
+              <a:t>Generare NMI</a:t>
+            </a:r>
+            <a:endParaRPr lang="en-US" sz="1200" dirty="0"/>
+          </a:p>
+        </p:txBody>
+      </p:sp>
+    </p:spTree>
+    <p:extLst>
+      <p:ext uri="{BB962C8B-B14F-4D97-AF65-F5344CB8AC3E}">
+        <p14:creationId xmlns:p14="http://schemas.microsoft.com/office/powerpoint/2010/main" val="2546997859"/>
       </p:ext>
     </p:extLst>
   </p:cSld>

--- a/Scheme/Scheme.pptx
+++ b/Scheme/Scheme.pptx
@@ -5,7 +5,7 @@
     <p:sldMasterId id="2147483660" r:id="rId1"/>
   </p:sldMasterIdLst>
   <p:notesMasterIdLst>
-    <p:notesMasterId r:id="rId11"/>
+    <p:notesMasterId r:id="rId12"/>
   </p:notesMasterIdLst>
   <p:sldIdLst>
     <p:sldId id="256" r:id="rId2"/>
@@ -17,6 +17,7 @@
     <p:sldId id="263" r:id="rId8"/>
     <p:sldId id="264" r:id="rId9"/>
     <p:sldId id="265" r:id="rId10"/>
+    <p:sldId id="266" r:id="rId11"/>
   </p:sldIdLst>
   <p:sldSz cx="9144000" cy="6858000" type="screen4x3"/>
   <p:notesSz cx="6858000" cy="9144000"/>
@@ -205,7 +206,7 @@
           <a:p>
             <a:fld id="{5DE9CCF9-CE14-4118-B675-AC72CDF038E6}" type="datetimeFigureOut">
               <a:rPr lang="en-US" smtClean="0"/>
-              <a:t>4/17/2019</a:t>
+              <a:t>4/18/2019</a:t>
             </a:fld>
             <a:endParaRPr lang="en-US"/>
           </a:p>
@@ -604,7 +605,7 @@
           <a:p>
             <a:fld id="{6149BA01-7448-4321-80DC-7E91E834C80B}" type="datetimeFigureOut">
               <a:rPr lang="en-US" smtClean="0"/>
-              <a:t>4/17/2019</a:t>
+              <a:t>4/18/2019</a:t>
             </a:fld>
             <a:endParaRPr lang="en-US"/>
           </a:p>
@@ -774,7 +775,7 @@
           <a:p>
             <a:fld id="{6149BA01-7448-4321-80DC-7E91E834C80B}" type="datetimeFigureOut">
               <a:rPr lang="en-US" smtClean="0"/>
-              <a:t>4/17/2019</a:t>
+              <a:t>4/18/2019</a:t>
             </a:fld>
             <a:endParaRPr lang="en-US"/>
           </a:p>
@@ -954,7 +955,7 @@
           <a:p>
             <a:fld id="{6149BA01-7448-4321-80DC-7E91E834C80B}" type="datetimeFigureOut">
               <a:rPr lang="en-US" smtClean="0"/>
-              <a:t>4/17/2019</a:t>
+              <a:t>4/18/2019</a:t>
             </a:fld>
             <a:endParaRPr lang="en-US"/>
           </a:p>
@@ -1124,7 +1125,7 @@
           <a:p>
             <a:fld id="{6149BA01-7448-4321-80DC-7E91E834C80B}" type="datetimeFigureOut">
               <a:rPr lang="en-US" smtClean="0"/>
-              <a:t>4/17/2019</a:t>
+              <a:t>4/18/2019</a:t>
             </a:fld>
             <a:endParaRPr lang="en-US"/>
           </a:p>
@@ -1368,7 +1369,7 @@
           <a:p>
             <a:fld id="{6149BA01-7448-4321-80DC-7E91E834C80B}" type="datetimeFigureOut">
               <a:rPr lang="en-US" smtClean="0"/>
-              <a:t>4/17/2019</a:t>
+              <a:t>4/18/2019</a:t>
             </a:fld>
             <a:endParaRPr lang="en-US"/>
           </a:p>
@@ -1600,7 +1601,7 @@
           <a:p>
             <a:fld id="{6149BA01-7448-4321-80DC-7E91E834C80B}" type="datetimeFigureOut">
               <a:rPr lang="en-US" smtClean="0"/>
-              <a:t>4/17/2019</a:t>
+              <a:t>4/18/2019</a:t>
             </a:fld>
             <a:endParaRPr lang="en-US"/>
           </a:p>
@@ -1967,7 +1968,7 @@
           <a:p>
             <a:fld id="{6149BA01-7448-4321-80DC-7E91E834C80B}" type="datetimeFigureOut">
               <a:rPr lang="en-US" smtClean="0"/>
-              <a:t>4/17/2019</a:t>
+              <a:t>4/18/2019</a:t>
             </a:fld>
             <a:endParaRPr lang="en-US"/>
           </a:p>
@@ -2085,7 +2086,7 @@
           <a:p>
             <a:fld id="{6149BA01-7448-4321-80DC-7E91E834C80B}" type="datetimeFigureOut">
               <a:rPr lang="en-US" smtClean="0"/>
-              <a:t>4/17/2019</a:t>
+              <a:t>4/18/2019</a:t>
             </a:fld>
             <a:endParaRPr lang="en-US"/>
           </a:p>
@@ -2180,7 +2181,7 @@
           <a:p>
             <a:fld id="{6149BA01-7448-4321-80DC-7E91E834C80B}" type="datetimeFigureOut">
               <a:rPr lang="en-US" smtClean="0"/>
-              <a:t>4/17/2019</a:t>
+              <a:t>4/18/2019</a:t>
             </a:fld>
             <a:endParaRPr lang="en-US"/>
           </a:p>
@@ -2457,7 +2458,7 @@
           <a:p>
             <a:fld id="{6149BA01-7448-4321-80DC-7E91E834C80B}" type="datetimeFigureOut">
               <a:rPr lang="en-US" smtClean="0"/>
-              <a:t>4/17/2019</a:t>
+              <a:t>4/18/2019</a:t>
             </a:fld>
             <a:endParaRPr lang="en-US"/>
           </a:p>
@@ -2714,7 +2715,7 @@
           <a:p>
             <a:fld id="{6149BA01-7448-4321-80DC-7E91E834C80B}" type="datetimeFigureOut">
               <a:rPr lang="en-US" smtClean="0"/>
-              <a:t>4/17/2019</a:t>
+              <a:t>4/18/2019</a:t>
             </a:fld>
             <a:endParaRPr lang="en-US"/>
           </a:p>
@@ -2927,7 +2928,7 @@
           <a:p>
             <a:fld id="{6149BA01-7448-4321-80DC-7E91E834C80B}" type="datetimeFigureOut">
               <a:rPr lang="en-US" smtClean="0"/>
-              <a:t>4/17/2019</a:t>
+              <a:t>4/18/2019</a:t>
             </a:fld>
             <a:endParaRPr lang="en-US"/>
           </a:p>
@@ -5468,6 +5469,1295 @@
     <p:extLst>
       <p:ext uri="{BB962C8B-B14F-4D97-AF65-F5344CB8AC3E}">
         <p14:creationId xmlns:p14="http://schemas.microsoft.com/office/powerpoint/2010/main" val="369599920"/>
+      </p:ext>
+    </p:extLst>
+  </p:cSld>
+  <p:clrMapOvr>
+    <a:masterClrMapping/>
+  </p:clrMapOvr>
+</p:sld>
+</file>
+
+<file path=ppt/slides/slide10.xml><?xml version="1.0" encoding="utf-8"?>
+<p:sld xmlns:a="http://schemas.openxmlformats.org/drawingml/2006/main" xmlns:r="http://schemas.openxmlformats.org/officeDocument/2006/relationships" xmlns:p="http://schemas.openxmlformats.org/presentationml/2006/main">
+  <p:cSld>
+    <p:spTree>
+      <p:nvGrpSpPr>
+        <p:cNvPr id="1" name=""/>
+        <p:cNvGrpSpPr/>
+        <p:nvPr/>
+      </p:nvGrpSpPr>
+      <p:grpSpPr>
+        <a:xfrm>
+          <a:off x="0" y="0"/>
+          <a:ext cx="0" cy="0"/>
+          <a:chOff x="0" y="0"/>
+          <a:chExt cx="0" cy="0"/>
+        </a:xfrm>
+      </p:grpSpPr>
+      <p:sp>
+        <p:nvSpPr>
+          <p:cNvPr id="8" name="Flowchart: Merge 7"/>
+          <p:cNvSpPr/>
+          <p:nvPr/>
+        </p:nvSpPr>
+        <p:spPr>
+          <a:xfrm>
+            <a:off x="3171825" y="2676525"/>
+            <a:ext cx="269081" cy="326231"/>
+          </a:xfrm>
+          <a:prstGeom prst="flowChartMerge">
+            <a:avLst/>
+          </a:prstGeom>
+          <a:ln>
+            <a:noFill/>
+          </a:ln>
+        </p:spPr>
+        <p:style>
+          <a:lnRef idx="2">
+            <a:schemeClr val="accent1">
+              <a:shade val="50000"/>
+            </a:schemeClr>
+          </a:lnRef>
+          <a:fillRef idx="1">
+            <a:schemeClr val="accent1"/>
+          </a:fillRef>
+          <a:effectRef idx="0">
+            <a:schemeClr val="accent1"/>
+          </a:effectRef>
+          <a:fontRef idx="minor">
+            <a:schemeClr val="lt1"/>
+          </a:fontRef>
+        </p:style>
+        <p:txBody>
+          <a:bodyPr rtlCol="0" anchor="ctr"/>
+          <a:lstStyle/>
+          <a:p>
+            <a:pPr algn="ctr"/>
+            <a:endParaRPr lang="en-US"/>
+          </a:p>
+        </p:txBody>
+      </p:sp>
+      <p:sp>
+        <p:nvSpPr>
+          <p:cNvPr id="6" name="Flowchart: Merge 5"/>
+          <p:cNvSpPr/>
+          <p:nvPr/>
+        </p:nvSpPr>
+        <p:spPr>
+          <a:xfrm>
+            <a:off x="2257426" y="2676526"/>
+            <a:ext cx="269081" cy="326231"/>
+          </a:xfrm>
+          <a:prstGeom prst="flowChartMerge">
+            <a:avLst/>
+          </a:prstGeom>
+          <a:ln>
+            <a:noFill/>
+          </a:ln>
+        </p:spPr>
+        <p:style>
+          <a:lnRef idx="2">
+            <a:schemeClr val="accent1">
+              <a:shade val="50000"/>
+            </a:schemeClr>
+          </a:lnRef>
+          <a:fillRef idx="1">
+            <a:schemeClr val="accent1"/>
+          </a:fillRef>
+          <a:effectRef idx="0">
+            <a:schemeClr val="accent1"/>
+          </a:effectRef>
+          <a:fontRef idx="minor">
+            <a:schemeClr val="lt1"/>
+          </a:fontRef>
+        </p:style>
+        <p:txBody>
+          <a:bodyPr rtlCol="0" anchor="ctr"/>
+          <a:lstStyle/>
+          <a:p>
+            <a:pPr algn="ctr"/>
+            <a:endParaRPr lang="en-US"/>
+          </a:p>
+        </p:txBody>
+      </p:sp>
+      <p:sp>
+        <p:nvSpPr>
+          <p:cNvPr id="7" name="Rectangle 6"/>
+          <p:cNvSpPr/>
+          <p:nvPr/>
+        </p:nvSpPr>
+        <p:spPr>
+          <a:xfrm>
+            <a:off x="2391966" y="2676526"/>
+            <a:ext cx="914400" cy="326231"/>
+          </a:xfrm>
+          <a:prstGeom prst="rect">
+            <a:avLst/>
+          </a:prstGeom>
+          <a:ln>
+            <a:noFill/>
+          </a:ln>
+        </p:spPr>
+        <p:style>
+          <a:lnRef idx="2">
+            <a:schemeClr val="accent1">
+              <a:shade val="50000"/>
+            </a:schemeClr>
+          </a:lnRef>
+          <a:fillRef idx="1">
+            <a:schemeClr val="accent1"/>
+          </a:fillRef>
+          <a:effectRef idx="0">
+            <a:schemeClr val="accent1"/>
+          </a:effectRef>
+          <a:fontRef idx="minor">
+            <a:schemeClr val="lt1"/>
+          </a:fontRef>
+        </p:style>
+        <p:txBody>
+          <a:bodyPr rtlCol="0" anchor="ctr"/>
+          <a:lstStyle/>
+          <a:p>
+            <a:pPr algn="ctr"/>
+            <a:r>
+              <a:rPr lang="ro-MD" sz="900" dirty="0" err="1" smtClean="0"/>
+              <a:t>Sprite</a:t>
+            </a:r>
+            <a:r>
+              <a:rPr lang="ro-MD" sz="900" dirty="0" smtClean="0"/>
+              <a:t> </a:t>
+            </a:r>
+            <a:r>
+              <a:rPr lang="ro-MD" sz="900" dirty="0" err="1" smtClean="0"/>
+              <a:t>priority</a:t>
+            </a:r>
+            <a:r>
+              <a:rPr lang="ro-MD" sz="900" dirty="0" smtClean="0"/>
+              <a:t> </a:t>
+            </a:r>
+            <a:r>
+              <a:rPr lang="ro-MD" sz="900" dirty="0" err="1" smtClean="0"/>
+              <a:t>mux</a:t>
+            </a:r>
+            <a:endParaRPr lang="en-US" sz="900" dirty="0"/>
+          </a:p>
+        </p:txBody>
+      </p:sp>
+      <p:cxnSp>
+        <p:nvCxnSpPr>
+          <p:cNvPr id="10" name="Straight Connector 9"/>
+          <p:cNvCxnSpPr/>
+          <p:nvPr/>
+        </p:nvCxnSpPr>
+        <p:spPr>
+          <a:xfrm>
+            <a:off x="2391966" y="2424525"/>
+            <a:ext cx="0" cy="252000"/>
+          </a:xfrm>
+          <a:prstGeom prst="line">
+            <a:avLst/>
+          </a:prstGeom>
+        </p:spPr>
+        <p:style>
+          <a:lnRef idx="1">
+            <a:schemeClr val="accent1"/>
+          </a:lnRef>
+          <a:fillRef idx="0">
+            <a:schemeClr val="accent1"/>
+          </a:fillRef>
+          <a:effectRef idx="0">
+            <a:schemeClr val="accent1"/>
+          </a:effectRef>
+          <a:fontRef idx="minor">
+            <a:schemeClr val="tx1"/>
+          </a:fontRef>
+        </p:style>
+      </p:cxnSp>
+      <p:cxnSp>
+        <p:nvCxnSpPr>
+          <p:cNvPr id="11" name="Straight Connector 10"/>
+          <p:cNvCxnSpPr/>
+          <p:nvPr/>
+        </p:nvCxnSpPr>
+        <p:spPr>
+          <a:xfrm>
+            <a:off x="3306365" y="2424525"/>
+            <a:ext cx="0" cy="252000"/>
+          </a:xfrm>
+          <a:prstGeom prst="line">
+            <a:avLst/>
+          </a:prstGeom>
+        </p:spPr>
+        <p:style>
+          <a:lnRef idx="1">
+            <a:schemeClr val="accent1"/>
+          </a:lnRef>
+          <a:fillRef idx="0">
+            <a:schemeClr val="accent1"/>
+          </a:fillRef>
+          <a:effectRef idx="0">
+            <a:schemeClr val="accent1"/>
+          </a:effectRef>
+          <a:fontRef idx="minor">
+            <a:schemeClr val="tx1"/>
+          </a:fontRef>
+        </p:style>
+      </p:cxnSp>
+      <p:cxnSp>
+        <p:nvCxnSpPr>
+          <p:cNvPr id="14" name="Straight Connector 13"/>
+          <p:cNvCxnSpPr/>
+          <p:nvPr/>
+        </p:nvCxnSpPr>
+        <p:spPr>
+          <a:xfrm>
+            <a:off x="2522594" y="2424525"/>
+            <a:ext cx="0" cy="252000"/>
+          </a:xfrm>
+          <a:prstGeom prst="line">
+            <a:avLst/>
+          </a:prstGeom>
+        </p:spPr>
+        <p:style>
+          <a:lnRef idx="1">
+            <a:schemeClr val="accent1"/>
+          </a:lnRef>
+          <a:fillRef idx="0">
+            <a:schemeClr val="accent1"/>
+          </a:fillRef>
+          <a:effectRef idx="0">
+            <a:schemeClr val="accent1"/>
+          </a:effectRef>
+          <a:fontRef idx="minor">
+            <a:schemeClr val="tx1"/>
+          </a:fontRef>
+        </p:style>
+      </p:cxnSp>
+      <p:cxnSp>
+        <p:nvCxnSpPr>
+          <p:cNvPr id="15" name="Straight Connector 14"/>
+          <p:cNvCxnSpPr/>
+          <p:nvPr/>
+        </p:nvCxnSpPr>
+        <p:spPr>
+          <a:xfrm>
+            <a:off x="2653222" y="2424525"/>
+            <a:ext cx="0" cy="252000"/>
+          </a:xfrm>
+          <a:prstGeom prst="line">
+            <a:avLst/>
+          </a:prstGeom>
+        </p:spPr>
+        <p:style>
+          <a:lnRef idx="1">
+            <a:schemeClr val="accent1"/>
+          </a:lnRef>
+          <a:fillRef idx="0">
+            <a:schemeClr val="accent1"/>
+          </a:fillRef>
+          <a:effectRef idx="0">
+            <a:schemeClr val="accent1"/>
+          </a:effectRef>
+          <a:fontRef idx="minor">
+            <a:schemeClr val="tx1"/>
+          </a:fontRef>
+        </p:style>
+      </p:cxnSp>
+      <p:cxnSp>
+        <p:nvCxnSpPr>
+          <p:cNvPr id="16" name="Straight Connector 15"/>
+          <p:cNvCxnSpPr/>
+          <p:nvPr/>
+        </p:nvCxnSpPr>
+        <p:spPr>
+          <a:xfrm>
+            <a:off x="2783850" y="2424525"/>
+            <a:ext cx="0" cy="252000"/>
+          </a:xfrm>
+          <a:prstGeom prst="line">
+            <a:avLst/>
+          </a:prstGeom>
+        </p:spPr>
+        <p:style>
+          <a:lnRef idx="1">
+            <a:schemeClr val="accent1"/>
+          </a:lnRef>
+          <a:fillRef idx="0">
+            <a:schemeClr val="accent1"/>
+          </a:fillRef>
+          <a:effectRef idx="0">
+            <a:schemeClr val="accent1"/>
+          </a:effectRef>
+          <a:fontRef idx="minor">
+            <a:schemeClr val="tx1"/>
+          </a:fontRef>
+        </p:style>
+      </p:cxnSp>
+      <p:cxnSp>
+        <p:nvCxnSpPr>
+          <p:cNvPr id="17" name="Straight Connector 16"/>
+          <p:cNvCxnSpPr/>
+          <p:nvPr/>
+        </p:nvCxnSpPr>
+        <p:spPr>
+          <a:xfrm>
+            <a:off x="2914478" y="2424525"/>
+            <a:ext cx="0" cy="252000"/>
+          </a:xfrm>
+          <a:prstGeom prst="line">
+            <a:avLst/>
+          </a:prstGeom>
+        </p:spPr>
+        <p:style>
+          <a:lnRef idx="1">
+            <a:schemeClr val="accent1"/>
+          </a:lnRef>
+          <a:fillRef idx="0">
+            <a:schemeClr val="accent1"/>
+          </a:fillRef>
+          <a:effectRef idx="0">
+            <a:schemeClr val="accent1"/>
+          </a:effectRef>
+          <a:fontRef idx="minor">
+            <a:schemeClr val="tx1"/>
+          </a:fontRef>
+        </p:style>
+      </p:cxnSp>
+      <p:cxnSp>
+        <p:nvCxnSpPr>
+          <p:cNvPr id="18" name="Straight Connector 17"/>
+          <p:cNvCxnSpPr/>
+          <p:nvPr/>
+        </p:nvCxnSpPr>
+        <p:spPr>
+          <a:xfrm>
+            <a:off x="3045106" y="2424525"/>
+            <a:ext cx="0" cy="252000"/>
+          </a:xfrm>
+          <a:prstGeom prst="line">
+            <a:avLst/>
+          </a:prstGeom>
+        </p:spPr>
+        <p:style>
+          <a:lnRef idx="1">
+            <a:schemeClr val="accent1"/>
+          </a:lnRef>
+          <a:fillRef idx="0">
+            <a:schemeClr val="accent1"/>
+          </a:fillRef>
+          <a:effectRef idx="0">
+            <a:schemeClr val="accent1"/>
+          </a:effectRef>
+          <a:fontRef idx="minor">
+            <a:schemeClr val="tx1"/>
+          </a:fontRef>
+        </p:style>
+      </p:cxnSp>
+      <p:cxnSp>
+        <p:nvCxnSpPr>
+          <p:cNvPr id="19" name="Straight Connector 18"/>
+          <p:cNvCxnSpPr/>
+          <p:nvPr/>
+        </p:nvCxnSpPr>
+        <p:spPr>
+          <a:xfrm>
+            <a:off x="3175734" y="2424525"/>
+            <a:ext cx="0" cy="252000"/>
+          </a:xfrm>
+          <a:prstGeom prst="line">
+            <a:avLst/>
+          </a:prstGeom>
+        </p:spPr>
+        <p:style>
+          <a:lnRef idx="1">
+            <a:schemeClr val="accent1"/>
+          </a:lnRef>
+          <a:fillRef idx="0">
+            <a:schemeClr val="accent1"/>
+          </a:fillRef>
+          <a:effectRef idx="0">
+            <a:schemeClr val="accent1"/>
+          </a:effectRef>
+          <a:fontRef idx="minor">
+            <a:schemeClr val="tx1"/>
+          </a:fontRef>
+        </p:style>
+      </p:cxnSp>
+      <p:sp>
+        <p:nvSpPr>
+          <p:cNvPr id="20" name="TextBox 19"/>
+          <p:cNvSpPr txBox="1"/>
+          <p:nvPr/>
+        </p:nvSpPr>
+        <p:spPr>
+          <a:xfrm rot="16200000">
+            <a:off x="2195872" y="2428701"/>
+            <a:ext cx="341760" cy="153888"/>
+          </a:xfrm>
+          <a:prstGeom prst="rect">
+            <a:avLst/>
+          </a:prstGeom>
+          <a:noFill/>
+        </p:spPr>
+        <p:txBody>
+          <a:bodyPr wrap="none" rtlCol="0">
+            <a:spAutoFit/>
+          </a:bodyPr>
+          <a:lstStyle/>
+          <a:p>
+            <a:r>
+              <a:rPr lang="ro-MD" sz="400" dirty="0" err="1" smtClean="0"/>
+              <a:t>sprite</a:t>
+            </a:r>
+            <a:r>
+              <a:rPr lang="ro-MD" sz="400" dirty="0" smtClean="0"/>
+              <a:t> 0</a:t>
+            </a:r>
+            <a:endParaRPr lang="en-US" sz="400" dirty="0"/>
+          </a:p>
+        </p:txBody>
+      </p:sp>
+      <p:sp>
+        <p:nvSpPr>
+          <p:cNvPr id="21" name="TextBox 20"/>
+          <p:cNvSpPr txBox="1"/>
+          <p:nvPr/>
+        </p:nvSpPr>
+        <p:spPr>
+          <a:xfrm rot="16200000">
+            <a:off x="2327123" y="2429945"/>
+            <a:ext cx="341760" cy="153888"/>
+          </a:xfrm>
+          <a:prstGeom prst="rect">
+            <a:avLst/>
+          </a:prstGeom>
+          <a:noFill/>
+        </p:spPr>
+        <p:txBody>
+          <a:bodyPr wrap="none" rtlCol="0">
+            <a:spAutoFit/>
+          </a:bodyPr>
+          <a:lstStyle/>
+          <a:p>
+            <a:r>
+              <a:rPr lang="ro-MD" sz="400" dirty="0" err="1" smtClean="0"/>
+              <a:t>sprite</a:t>
+            </a:r>
+            <a:r>
+              <a:rPr lang="ro-MD" sz="400" dirty="0" smtClean="0"/>
+              <a:t> 1</a:t>
+            </a:r>
+            <a:endParaRPr lang="en-US" sz="400" dirty="0"/>
+          </a:p>
+        </p:txBody>
+      </p:sp>
+      <p:sp>
+        <p:nvSpPr>
+          <p:cNvPr id="22" name="TextBox 21"/>
+          <p:cNvSpPr txBox="1"/>
+          <p:nvPr/>
+        </p:nvSpPr>
+        <p:spPr>
+          <a:xfrm rot="16200000">
+            <a:off x="2459372" y="2428701"/>
+            <a:ext cx="341760" cy="153888"/>
+          </a:xfrm>
+          <a:prstGeom prst="rect">
+            <a:avLst/>
+          </a:prstGeom>
+          <a:noFill/>
+        </p:spPr>
+        <p:txBody>
+          <a:bodyPr wrap="none" rtlCol="0">
+            <a:spAutoFit/>
+          </a:bodyPr>
+          <a:lstStyle/>
+          <a:p>
+            <a:r>
+              <a:rPr lang="ro-MD" sz="400" dirty="0" err="1" smtClean="0"/>
+              <a:t>sprite</a:t>
+            </a:r>
+            <a:r>
+              <a:rPr lang="ro-MD" sz="400" dirty="0" smtClean="0"/>
+              <a:t> 2</a:t>
+            </a:r>
+            <a:endParaRPr lang="en-US" sz="400" dirty="0"/>
+          </a:p>
+        </p:txBody>
+      </p:sp>
+      <p:sp>
+        <p:nvSpPr>
+          <p:cNvPr id="23" name="TextBox 22"/>
+          <p:cNvSpPr txBox="1"/>
+          <p:nvPr/>
+        </p:nvSpPr>
+        <p:spPr>
+          <a:xfrm rot="16200000">
+            <a:off x="2589896" y="2428699"/>
+            <a:ext cx="341760" cy="153888"/>
+          </a:xfrm>
+          <a:prstGeom prst="rect">
+            <a:avLst/>
+          </a:prstGeom>
+          <a:noFill/>
+        </p:spPr>
+        <p:txBody>
+          <a:bodyPr wrap="none" rtlCol="0">
+            <a:spAutoFit/>
+          </a:bodyPr>
+          <a:lstStyle/>
+          <a:p>
+            <a:r>
+              <a:rPr lang="ro-MD" sz="400" dirty="0" err="1" smtClean="0"/>
+              <a:t>sprite</a:t>
+            </a:r>
+            <a:r>
+              <a:rPr lang="ro-MD" sz="400" dirty="0" smtClean="0"/>
+              <a:t> 3</a:t>
+            </a:r>
+            <a:endParaRPr lang="en-US" sz="400" dirty="0"/>
+          </a:p>
+        </p:txBody>
+      </p:sp>
+      <p:sp>
+        <p:nvSpPr>
+          <p:cNvPr id="24" name="TextBox 23"/>
+          <p:cNvSpPr txBox="1"/>
+          <p:nvPr/>
+        </p:nvSpPr>
+        <p:spPr>
+          <a:xfrm rot="16200000">
+            <a:off x="2718616" y="2428699"/>
+            <a:ext cx="341760" cy="153888"/>
+          </a:xfrm>
+          <a:prstGeom prst="rect">
+            <a:avLst/>
+          </a:prstGeom>
+          <a:noFill/>
+        </p:spPr>
+        <p:txBody>
+          <a:bodyPr wrap="none" rtlCol="0">
+            <a:spAutoFit/>
+          </a:bodyPr>
+          <a:lstStyle/>
+          <a:p>
+            <a:r>
+              <a:rPr lang="ro-MD" sz="400" dirty="0" err="1" smtClean="0"/>
+              <a:t>sprite</a:t>
+            </a:r>
+            <a:r>
+              <a:rPr lang="ro-MD" sz="400" dirty="0" smtClean="0"/>
+              <a:t> 4</a:t>
+            </a:r>
+            <a:endParaRPr lang="en-US" sz="400" dirty="0"/>
+          </a:p>
+        </p:txBody>
+      </p:sp>
+      <p:sp>
+        <p:nvSpPr>
+          <p:cNvPr id="25" name="TextBox 24"/>
+          <p:cNvSpPr txBox="1"/>
+          <p:nvPr/>
+        </p:nvSpPr>
+        <p:spPr>
+          <a:xfrm rot="16200000">
+            <a:off x="2849012" y="2428695"/>
+            <a:ext cx="341760" cy="153888"/>
+          </a:xfrm>
+          <a:prstGeom prst="rect">
+            <a:avLst/>
+          </a:prstGeom>
+          <a:noFill/>
+        </p:spPr>
+        <p:txBody>
+          <a:bodyPr wrap="none" rtlCol="0">
+            <a:spAutoFit/>
+          </a:bodyPr>
+          <a:lstStyle/>
+          <a:p>
+            <a:r>
+              <a:rPr lang="ro-MD" sz="400" dirty="0" err="1" smtClean="0"/>
+              <a:t>sprite</a:t>
+            </a:r>
+            <a:r>
+              <a:rPr lang="ro-MD" sz="400" dirty="0" smtClean="0"/>
+              <a:t> 5</a:t>
+            </a:r>
+            <a:endParaRPr lang="en-US" sz="400" dirty="0"/>
+          </a:p>
+        </p:txBody>
+      </p:sp>
+      <p:sp>
+        <p:nvSpPr>
+          <p:cNvPr id="26" name="TextBox 25"/>
+          <p:cNvSpPr txBox="1"/>
+          <p:nvPr/>
+        </p:nvSpPr>
+        <p:spPr>
+          <a:xfrm rot="16200000">
+            <a:off x="2981413" y="2428695"/>
+            <a:ext cx="341760" cy="153888"/>
+          </a:xfrm>
+          <a:prstGeom prst="rect">
+            <a:avLst/>
+          </a:prstGeom>
+          <a:noFill/>
+        </p:spPr>
+        <p:txBody>
+          <a:bodyPr wrap="none" rtlCol="0">
+            <a:spAutoFit/>
+          </a:bodyPr>
+          <a:lstStyle/>
+          <a:p>
+            <a:r>
+              <a:rPr lang="ro-MD" sz="400" dirty="0" err="1" smtClean="0"/>
+              <a:t>sprite</a:t>
+            </a:r>
+            <a:r>
+              <a:rPr lang="ro-MD" sz="400" dirty="0" smtClean="0"/>
+              <a:t> 6</a:t>
+            </a:r>
+            <a:endParaRPr lang="en-US" sz="400" dirty="0"/>
+          </a:p>
+        </p:txBody>
+      </p:sp>
+      <p:sp>
+        <p:nvSpPr>
+          <p:cNvPr id="27" name="TextBox 26"/>
+          <p:cNvSpPr txBox="1"/>
+          <p:nvPr/>
+        </p:nvSpPr>
+        <p:spPr>
+          <a:xfrm rot="16200000">
+            <a:off x="3108131" y="2428695"/>
+            <a:ext cx="341760" cy="153888"/>
+          </a:xfrm>
+          <a:prstGeom prst="rect">
+            <a:avLst/>
+          </a:prstGeom>
+          <a:noFill/>
+        </p:spPr>
+        <p:txBody>
+          <a:bodyPr wrap="none" rtlCol="0">
+            <a:spAutoFit/>
+          </a:bodyPr>
+          <a:lstStyle/>
+          <a:p>
+            <a:r>
+              <a:rPr lang="ro-MD" sz="400" dirty="0" err="1" smtClean="0"/>
+              <a:t>sprite</a:t>
+            </a:r>
+            <a:r>
+              <a:rPr lang="ro-MD" sz="400" dirty="0" smtClean="0"/>
+              <a:t> 7</a:t>
+            </a:r>
+            <a:endParaRPr lang="en-US" sz="400" dirty="0"/>
+          </a:p>
+        </p:txBody>
+      </p:sp>
+      <p:sp>
+        <p:nvSpPr>
+          <p:cNvPr id="37" name="Flowchart: Merge 36"/>
+          <p:cNvSpPr/>
+          <p:nvPr/>
+        </p:nvSpPr>
+        <p:spPr>
+          <a:xfrm>
+            <a:off x="3568779" y="3254755"/>
+            <a:ext cx="269081" cy="326231"/>
+          </a:xfrm>
+          <a:prstGeom prst="flowChartMerge">
+            <a:avLst/>
+          </a:prstGeom>
+          <a:ln>
+            <a:noFill/>
+          </a:ln>
+        </p:spPr>
+        <p:style>
+          <a:lnRef idx="2">
+            <a:schemeClr val="accent1">
+              <a:shade val="50000"/>
+            </a:schemeClr>
+          </a:lnRef>
+          <a:fillRef idx="1">
+            <a:schemeClr val="accent1"/>
+          </a:fillRef>
+          <a:effectRef idx="0">
+            <a:schemeClr val="accent1"/>
+          </a:effectRef>
+          <a:fontRef idx="minor">
+            <a:schemeClr val="lt1"/>
+          </a:fontRef>
+        </p:style>
+        <p:txBody>
+          <a:bodyPr rtlCol="0" anchor="ctr"/>
+          <a:lstStyle/>
+          <a:p>
+            <a:pPr algn="ctr"/>
+            <a:endParaRPr lang="en-US"/>
+          </a:p>
+        </p:txBody>
+      </p:sp>
+      <p:sp>
+        <p:nvSpPr>
+          <p:cNvPr id="38" name="Flowchart: Merge 37"/>
+          <p:cNvSpPr/>
+          <p:nvPr/>
+        </p:nvSpPr>
+        <p:spPr>
+          <a:xfrm>
+            <a:off x="2719806" y="3254755"/>
+            <a:ext cx="269081" cy="326231"/>
+          </a:xfrm>
+          <a:prstGeom prst="flowChartMerge">
+            <a:avLst/>
+          </a:prstGeom>
+          <a:ln>
+            <a:noFill/>
+          </a:ln>
+        </p:spPr>
+        <p:style>
+          <a:lnRef idx="2">
+            <a:schemeClr val="accent1">
+              <a:shade val="50000"/>
+            </a:schemeClr>
+          </a:lnRef>
+          <a:fillRef idx="1">
+            <a:schemeClr val="accent1"/>
+          </a:fillRef>
+          <a:effectRef idx="0">
+            <a:schemeClr val="accent1"/>
+          </a:effectRef>
+          <a:fontRef idx="minor">
+            <a:schemeClr val="lt1"/>
+          </a:fontRef>
+        </p:style>
+        <p:txBody>
+          <a:bodyPr rtlCol="0" anchor="ctr"/>
+          <a:lstStyle/>
+          <a:p>
+            <a:pPr algn="ctr"/>
+            <a:endParaRPr lang="en-US"/>
+          </a:p>
+        </p:txBody>
+      </p:sp>
+      <p:sp>
+        <p:nvSpPr>
+          <p:cNvPr id="39" name="Rectangle 38"/>
+          <p:cNvSpPr/>
+          <p:nvPr/>
+        </p:nvSpPr>
+        <p:spPr>
+          <a:xfrm>
+            <a:off x="2854346" y="3254755"/>
+            <a:ext cx="848974" cy="326231"/>
+          </a:xfrm>
+          <a:prstGeom prst="rect">
+            <a:avLst/>
+          </a:prstGeom>
+          <a:ln>
+            <a:noFill/>
+          </a:ln>
+        </p:spPr>
+        <p:style>
+          <a:lnRef idx="2">
+            <a:schemeClr val="accent1">
+              <a:shade val="50000"/>
+            </a:schemeClr>
+          </a:lnRef>
+          <a:fillRef idx="1">
+            <a:schemeClr val="accent1"/>
+          </a:fillRef>
+          <a:effectRef idx="0">
+            <a:schemeClr val="accent1"/>
+          </a:effectRef>
+          <a:fontRef idx="minor">
+            <a:schemeClr val="lt1"/>
+          </a:fontRef>
+        </p:style>
+        <p:txBody>
+          <a:bodyPr rtlCol="0" anchor="ctr"/>
+          <a:lstStyle/>
+          <a:p>
+            <a:pPr algn="ctr"/>
+            <a:r>
+              <a:rPr lang="ro-MD" sz="900" dirty="0" smtClean="0"/>
+              <a:t>Pixel </a:t>
+            </a:r>
+            <a:r>
+              <a:rPr lang="ro-MD" sz="900" dirty="0" err="1" smtClean="0"/>
+              <a:t>priority</a:t>
+            </a:r>
+            <a:r>
+              <a:rPr lang="ro-MD" sz="900" dirty="0" smtClean="0"/>
+              <a:t> </a:t>
+            </a:r>
+            <a:r>
+              <a:rPr lang="ro-MD" sz="900" dirty="0" err="1" smtClean="0"/>
+              <a:t>mux</a:t>
+            </a:r>
+            <a:endParaRPr lang="en-US" sz="900" dirty="0"/>
+          </a:p>
+        </p:txBody>
+      </p:sp>
+      <p:cxnSp>
+        <p:nvCxnSpPr>
+          <p:cNvPr id="58" name="Straight Connector 57"/>
+          <p:cNvCxnSpPr/>
+          <p:nvPr/>
+        </p:nvCxnSpPr>
+        <p:spPr>
+          <a:xfrm>
+            <a:off x="2849166" y="3002756"/>
+            <a:ext cx="0" cy="252000"/>
+          </a:xfrm>
+          <a:prstGeom prst="line">
+            <a:avLst/>
+          </a:prstGeom>
+        </p:spPr>
+        <p:style>
+          <a:lnRef idx="1">
+            <a:schemeClr val="accent1"/>
+          </a:lnRef>
+          <a:fillRef idx="0">
+            <a:schemeClr val="accent1"/>
+          </a:fillRef>
+          <a:effectRef idx="0">
+            <a:schemeClr val="accent1"/>
+          </a:effectRef>
+          <a:fontRef idx="minor">
+            <a:schemeClr val="tx1"/>
+          </a:fontRef>
+        </p:style>
+      </p:cxnSp>
+      <p:cxnSp>
+        <p:nvCxnSpPr>
+          <p:cNvPr id="60" name="Elbow Connector 59"/>
+          <p:cNvCxnSpPr>
+            <a:stCxn id="37" idx="0"/>
+          </p:cNvCxnSpPr>
+          <p:nvPr/>
+        </p:nvCxnSpPr>
+        <p:spPr>
+          <a:xfrm rot="5400000" flipH="1" flipV="1">
+            <a:off x="3986386" y="2845691"/>
+            <a:ext cx="125999" cy="692130"/>
+          </a:xfrm>
+          <a:prstGeom prst="bentConnector2">
+            <a:avLst/>
+          </a:prstGeom>
+        </p:spPr>
+        <p:style>
+          <a:lnRef idx="1">
+            <a:schemeClr val="accent1"/>
+          </a:lnRef>
+          <a:fillRef idx="0">
+            <a:schemeClr val="accent1"/>
+          </a:fillRef>
+          <a:effectRef idx="0">
+            <a:schemeClr val="accent1"/>
+          </a:effectRef>
+          <a:fontRef idx="minor">
+            <a:schemeClr val="tx1"/>
+          </a:fontRef>
+        </p:style>
+      </p:cxnSp>
+      <p:sp>
+        <p:nvSpPr>
+          <p:cNvPr id="61" name="TextBox 60"/>
+          <p:cNvSpPr txBox="1"/>
+          <p:nvPr/>
+        </p:nvSpPr>
+        <p:spPr>
+          <a:xfrm rot="16200000">
+            <a:off x="2693567" y="3021034"/>
+            <a:ext cx="304892" cy="215444"/>
+          </a:xfrm>
+          <a:prstGeom prst="rect">
+            <a:avLst/>
+          </a:prstGeom>
+          <a:noFill/>
+        </p:spPr>
+        <p:txBody>
+          <a:bodyPr wrap="none" rtlCol="0">
+            <a:spAutoFit/>
+          </a:bodyPr>
+          <a:lstStyle/>
+          <a:p>
+            <a:pPr algn="ctr"/>
+            <a:r>
+              <a:rPr lang="ro-MD" sz="400" dirty="0" err="1"/>
+              <a:t>s</a:t>
+            </a:r>
+            <a:r>
+              <a:rPr lang="ro-MD" sz="400" dirty="0" err="1" smtClean="0"/>
+              <a:t>prite</a:t>
+            </a:r>
+            <a:endParaRPr lang="ro-MD" sz="400" dirty="0"/>
+          </a:p>
+          <a:p>
+            <a:pPr algn="ctr"/>
+            <a:r>
+              <a:rPr lang="ro-MD" sz="400" dirty="0" smtClean="0"/>
+              <a:t>pixel</a:t>
+            </a:r>
+            <a:endParaRPr lang="en-US" sz="400" dirty="0"/>
+          </a:p>
+        </p:txBody>
+      </p:sp>
+      <p:sp>
+        <p:nvSpPr>
+          <p:cNvPr id="62" name="TextBox 61"/>
+          <p:cNvSpPr txBox="1"/>
+          <p:nvPr/>
+        </p:nvSpPr>
+        <p:spPr>
+          <a:xfrm>
+            <a:off x="4054902" y="3021033"/>
+            <a:ext cx="433132" cy="215444"/>
+          </a:xfrm>
+          <a:prstGeom prst="rect">
+            <a:avLst/>
+          </a:prstGeom>
+          <a:noFill/>
+        </p:spPr>
+        <p:txBody>
+          <a:bodyPr wrap="none" rtlCol="0">
+            <a:spAutoFit/>
+          </a:bodyPr>
+          <a:lstStyle/>
+          <a:p>
+            <a:pPr algn="ctr"/>
+            <a:r>
+              <a:rPr lang="ro-MD" sz="400" dirty="0" smtClean="0"/>
+              <a:t>background</a:t>
+            </a:r>
+            <a:endParaRPr lang="ro-MD" sz="400" dirty="0"/>
+          </a:p>
+          <a:p>
+            <a:pPr algn="ctr"/>
+            <a:r>
+              <a:rPr lang="ro-MD" sz="400" dirty="0" smtClean="0"/>
+              <a:t>pixel</a:t>
+            </a:r>
+            <a:endParaRPr lang="en-US" sz="400" dirty="0"/>
+          </a:p>
+        </p:txBody>
+      </p:sp>
+      <p:sp>
+        <p:nvSpPr>
+          <p:cNvPr id="63" name="Flowchart: Merge 62"/>
+          <p:cNvSpPr/>
+          <p:nvPr/>
+        </p:nvSpPr>
+        <p:spPr>
+          <a:xfrm>
+            <a:off x="3144291" y="3832986"/>
+            <a:ext cx="269081" cy="326231"/>
+          </a:xfrm>
+          <a:prstGeom prst="flowChartMerge">
+            <a:avLst/>
+          </a:prstGeom>
+          <a:ln>
+            <a:noFill/>
+          </a:ln>
+        </p:spPr>
+        <p:style>
+          <a:lnRef idx="2">
+            <a:schemeClr val="accent1">
+              <a:shade val="50000"/>
+            </a:schemeClr>
+          </a:lnRef>
+          <a:fillRef idx="1">
+            <a:schemeClr val="accent1"/>
+          </a:fillRef>
+          <a:effectRef idx="0">
+            <a:schemeClr val="accent1"/>
+          </a:effectRef>
+          <a:fontRef idx="minor">
+            <a:schemeClr val="lt1"/>
+          </a:fontRef>
+        </p:style>
+        <p:txBody>
+          <a:bodyPr rtlCol="0" anchor="ctr"/>
+          <a:lstStyle/>
+          <a:p>
+            <a:pPr algn="ctr"/>
+            <a:endParaRPr lang="en-US"/>
+          </a:p>
+        </p:txBody>
+      </p:sp>
+      <p:sp>
+        <p:nvSpPr>
+          <p:cNvPr id="64" name="Flowchart: Merge 63"/>
+          <p:cNvSpPr/>
+          <p:nvPr/>
+        </p:nvSpPr>
+        <p:spPr>
+          <a:xfrm>
+            <a:off x="2295318" y="3832986"/>
+            <a:ext cx="269081" cy="326231"/>
+          </a:xfrm>
+          <a:prstGeom prst="flowChartMerge">
+            <a:avLst/>
+          </a:prstGeom>
+          <a:ln>
+            <a:noFill/>
+          </a:ln>
+        </p:spPr>
+        <p:style>
+          <a:lnRef idx="2">
+            <a:schemeClr val="accent1">
+              <a:shade val="50000"/>
+            </a:schemeClr>
+          </a:lnRef>
+          <a:fillRef idx="1">
+            <a:schemeClr val="accent1"/>
+          </a:fillRef>
+          <a:effectRef idx="0">
+            <a:schemeClr val="accent1"/>
+          </a:effectRef>
+          <a:fontRef idx="minor">
+            <a:schemeClr val="lt1"/>
+          </a:fontRef>
+        </p:style>
+        <p:txBody>
+          <a:bodyPr rtlCol="0" anchor="ctr"/>
+          <a:lstStyle/>
+          <a:p>
+            <a:pPr algn="ctr"/>
+            <a:endParaRPr lang="en-US"/>
+          </a:p>
+        </p:txBody>
+      </p:sp>
+      <p:sp>
+        <p:nvSpPr>
+          <p:cNvPr id="65" name="Rectangle 64"/>
+          <p:cNvSpPr/>
+          <p:nvPr/>
+        </p:nvSpPr>
+        <p:spPr>
+          <a:xfrm>
+            <a:off x="2429859" y="3832986"/>
+            <a:ext cx="848974" cy="326231"/>
+          </a:xfrm>
+          <a:prstGeom prst="rect">
+            <a:avLst/>
+          </a:prstGeom>
+          <a:ln>
+            <a:noFill/>
+          </a:ln>
+        </p:spPr>
+        <p:style>
+          <a:lnRef idx="2">
+            <a:schemeClr val="accent1">
+              <a:shade val="50000"/>
+            </a:schemeClr>
+          </a:lnRef>
+          <a:fillRef idx="1">
+            <a:schemeClr val="accent1"/>
+          </a:fillRef>
+          <a:effectRef idx="0">
+            <a:schemeClr val="accent1"/>
+          </a:effectRef>
+          <a:fontRef idx="minor">
+            <a:schemeClr val="lt1"/>
+          </a:fontRef>
+        </p:style>
+        <p:txBody>
+          <a:bodyPr rtlCol="0" anchor="ctr"/>
+          <a:lstStyle/>
+          <a:p>
+            <a:pPr algn="ctr"/>
+            <a:r>
+              <a:rPr lang="ro-MD" sz="900" dirty="0" err="1" smtClean="0"/>
+              <a:t>Transparency</a:t>
+            </a:r>
+            <a:r>
+              <a:rPr lang="ro-MD" sz="900" dirty="0" smtClean="0"/>
+              <a:t> </a:t>
+            </a:r>
+            <a:r>
+              <a:rPr lang="ro-MD" sz="900" dirty="0" err="1" smtClean="0"/>
+              <a:t>mux</a:t>
+            </a:r>
+            <a:endParaRPr lang="en-US" sz="900" dirty="0"/>
+          </a:p>
+        </p:txBody>
+      </p:sp>
+      <p:cxnSp>
+        <p:nvCxnSpPr>
+          <p:cNvPr id="66" name="Straight Connector 65"/>
+          <p:cNvCxnSpPr/>
+          <p:nvPr/>
+        </p:nvCxnSpPr>
+        <p:spPr>
+          <a:xfrm>
+            <a:off x="3278832" y="3580986"/>
+            <a:ext cx="0" cy="252000"/>
+          </a:xfrm>
+          <a:prstGeom prst="line">
+            <a:avLst/>
+          </a:prstGeom>
+        </p:spPr>
+        <p:style>
+          <a:lnRef idx="1">
+            <a:schemeClr val="accent1"/>
+          </a:lnRef>
+          <a:fillRef idx="0">
+            <a:schemeClr val="accent1"/>
+          </a:fillRef>
+          <a:effectRef idx="0">
+            <a:schemeClr val="accent1"/>
+          </a:effectRef>
+          <a:fontRef idx="minor">
+            <a:schemeClr val="tx1"/>
+          </a:fontRef>
+        </p:style>
+      </p:cxnSp>
+      <p:cxnSp>
+        <p:nvCxnSpPr>
+          <p:cNvPr id="67" name="Elbow Connector 66"/>
+          <p:cNvCxnSpPr>
+            <a:stCxn id="64" idx="0"/>
+          </p:cNvCxnSpPr>
+          <p:nvPr/>
+        </p:nvCxnSpPr>
+        <p:spPr>
+          <a:xfrm rot="16200000" flipV="1">
+            <a:off x="1979414" y="3382541"/>
+            <a:ext cx="126000" cy="774890"/>
+          </a:xfrm>
+          <a:prstGeom prst="bentConnector2">
+            <a:avLst/>
+          </a:prstGeom>
+        </p:spPr>
+        <p:style>
+          <a:lnRef idx="1">
+            <a:schemeClr val="accent1"/>
+          </a:lnRef>
+          <a:fillRef idx="0">
+            <a:schemeClr val="accent1"/>
+          </a:fillRef>
+          <a:effectRef idx="0">
+            <a:schemeClr val="accent1"/>
+          </a:effectRef>
+          <a:fontRef idx="minor">
+            <a:schemeClr val="tx1"/>
+          </a:fontRef>
+        </p:style>
+      </p:cxnSp>
+      <p:sp>
+        <p:nvSpPr>
+          <p:cNvPr id="70" name="TextBox 69"/>
+          <p:cNvSpPr txBox="1"/>
+          <p:nvPr/>
+        </p:nvSpPr>
+        <p:spPr>
+          <a:xfrm>
+            <a:off x="1561735" y="3599264"/>
+            <a:ext cx="433131" cy="215444"/>
+          </a:xfrm>
+          <a:prstGeom prst="rect">
+            <a:avLst/>
+          </a:prstGeom>
+          <a:noFill/>
+        </p:spPr>
+        <p:txBody>
+          <a:bodyPr wrap="none" rtlCol="0">
+            <a:spAutoFit/>
+          </a:bodyPr>
+          <a:lstStyle/>
+          <a:p>
+            <a:pPr algn="ctr"/>
+            <a:r>
+              <a:rPr lang="ro-MD" sz="400" dirty="0" smtClean="0"/>
+              <a:t>universal</a:t>
+            </a:r>
+          </a:p>
+          <a:p>
+            <a:pPr algn="ctr"/>
+            <a:r>
+              <a:rPr lang="ro-MD" sz="400" dirty="0" smtClean="0"/>
+              <a:t>background</a:t>
+            </a:r>
+            <a:endParaRPr lang="en-US" sz="400" dirty="0"/>
+          </a:p>
+        </p:txBody>
+      </p:sp>
+      <p:cxnSp>
+        <p:nvCxnSpPr>
+          <p:cNvPr id="71" name="Straight Connector 70"/>
+          <p:cNvCxnSpPr/>
+          <p:nvPr/>
+        </p:nvCxnSpPr>
+        <p:spPr>
+          <a:xfrm>
+            <a:off x="2854346" y="4159217"/>
+            <a:ext cx="0" cy="252000"/>
+          </a:xfrm>
+          <a:prstGeom prst="line">
+            <a:avLst/>
+          </a:prstGeom>
+        </p:spPr>
+        <p:style>
+          <a:lnRef idx="1">
+            <a:schemeClr val="accent1"/>
+          </a:lnRef>
+          <a:fillRef idx="0">
+            <a:schemeClr val="accent1"/>
+          </a:fillRef>
+          <a:effectRef idx="0">
+            <a:schemeClr val="accent1"/>
+          </a:effectRef>
+          <a:fontRef idx="minor">
+            <a:schemeClr val="tx1"/>
+          </a:fontRef>
+        </p:style>
+      </p:cxnSp>
+      <p:sp>
+        <p:nvSpPr>
+          <p:cNvPr id="73" name="TextBox 72"/>
+          <p:cNvSpPr txBox="1"/>
+          <p:nvPr/>
+        </p:nvSpPr>
+        <p:spPr>
+          <a:xfrm>
+            <a:off x="2789266" y="4239820"/>
+            <a:ext cx="328937" cy="215444"/>
+          </a:xfrm>
+          <a:prstGeom prst="rect">
+            <a:avLst/>
+          </a:prstGeom>
+          <a:noFill/>
+        </p:spPr>
+        <p:txBody>
+          <a:bodyPr wrap="none" rtlCol="0">
+            <a:spAutoFit/>
+          </a:bodyPr>
+          <a:lstStyle/>
+          <a:p>
+            <a:pPr algn="ctr"/>
+            <a:r>
+              <a:rPr lang="ro-MD" sz="400" dirty="0" smtClean="0"/>
+              <a:t>pixel</a:t>
+            </a:r>
+          </a:p>
+          <a:p>
+            <a:pPr algn="ctr"/>
+            <a:r>
+              <a:rPr lang="ro-MD" sz="400" dirty="0" smtClean="0"/>
+              <a:t>output</a:t>
+            </a:r>
+            <a:endParaRPr lang="en-US" sz="400" dirty="0"/>
+          </a:p>
+        </p:txBody>
+      </p:sp>
+    </p:spTree>
+    <p:extLst>
+      <p:ext uri="{BB962C8B-B14F-4D97-AF65-F5344CB8AC3E}">
+        <p14:creationId xmlns:p14="http://schemas.microsoft.com/office/powerpoint/2010/main" val="1500426574"/>
       </p:ext>
     </p:extLst>
   </p:cSld>

--- a/Scheme/Scheme.pptx
+++ b/Scheme/Scheme.pptx
@@ -5,7 +5,7 @@
     <p:sldMasterId id="2147483660" r:id="rId1"/>
   </p:sldMasterIdLst>
   <p:notesMasterIdLst>
-    <p:notesMasterId r:id="rId12"/>
+    <p:notesMasterId r:id="rId13"/>
   </p:notesMasterIdLst>
   <p:sldIdLst>
     <p:sldId id="256" r:id="rId2"/>
@@ -18,6 +18,7 @@
     <p:sldId id="264" r:id="rId9"/>
     <p:sldId id="265" r:id="rId10"/>
     <p:sldId id="266" r:id="rId11"/>
+    <p:sldId id="267" r:id="rId12"/>
   </p:sldIdLst>
   <p:sldSz cx="9144000" cy="6858000" type="screen4x3"/>
   <p:notesSz cx="6858000" cy="9144000"/>
@@ -124,6 +125,3046 @@
 </p:presentation>
 </file>
 
+<file path=ppt/charts/chart1.xml><?xml version="1.0" encoding="utf-8"?>
+<c:chartSpace xmlns:c="http://schemas.openxmlformats.org/drawingml/2006/chart" xmlns:a="http://schemas.openxmlformats.org/drawingml/2006/main" xmlns:r="http://schemas.openxmlformats.org/officeDocument/2006/relationships" xmlns:c16r2="http://schemas.microsoft.com/office/drawing/2015/06/chart">
+  <c:date1904 val="0"/>
+  <c:lang val="en-US"/>
+  <c:roundedCorners val="0"/>
+  <mc:AlternateContent xmlns:mc="http://schemas.openxmlformats.org/markup-compatibility/2006">
+    <mc:Choice xmlns:c14="http://schemas.microsoft.com/office/drawing/2007/8/2/chart" Requires="c14">
+      <c14:style val="101"/>
+    </mc:Choice>
+    <mc:Fallback>
+      <c:style val="1"/>
+    </mc:Fallback>
+  </mc:AlternateContent>
+  <c:chart>
+    <c:autoTitleDeleted val="1"/>
+    <c:plotArea>
+      <c:layout/>
+      <c:scatterChart>
+        <c:scatterStyle val="lineMarker"/>
+        <c:varyColors val="0"/>
+        <c:ser>
+          <c:idx val="0"/>
+          <c:order val="0"/>
+          <c:tx>
+            <c:strRef>
+              <c:f>Sheet1!$B$1</c:f>
+              <c:strCache>
+                <c:ptCount val="1"/>
+                <c:pt idx="0">
+                  <c:v>Y-Values</c:v>
+                </c:pt>
+              </c:strCache>
+            </c:strRef>
+          </c:tx>
+          <c:spPr>
+            <a:ln w="19050" cap="rnd">
+              <a:solidFill>
+                <a:schemeClr val="dk1">
+                  <a:tint val="88500"/>
+                </a:schemeClr>
+              </a:solidFill>
+              <a:round/>
+            </a:ln>
+            <a:effectLst/>
+          </c:spPr>
+          <c:marker>
+            <c:symbol val="none"/>
+          </c:marker>
+          <c:xVal>
+            <c:numRef>
+              <c:f>Sheet1!$A$2:$A$12</c:f>
+              <c:numCache>
+                <c:formatCode>General</c:formatCode>
+                <c:ptCount val="11"/>
+                <c:pt idx="0">
+                  <c:v>0</c:v>
+                </c:pt>
+                <c:pt idx="1">
+                  <c:v>1</c:v>
+                </c:pt>
+                <c:pt idx="2">
+                  <c:v>1</c:v>
+                </c:pt>
+                <c:pt idx="3">
+                  <c:v>2</c:v>
+                </c:pt>
+                <c:pt idx="4">
+                  <c:v>2</c:v>
+                </c:pt>
+                <c:pt idx="5">
+                  <c:v>3</c:v>
+                </c:pt>
+                <c:pt idx="6">
+                  <c:v>4</c:v>
+                </c:pt>
+                <c:pt idx="7">
+                  <c:v>5</c:v>
+                </c:pt>
+                <c:pt idx="8">
+                  <c:v>6</c:v>
+                </c:pt>
+                <c:pt idx="9">
+                  <c:v>7</c:v>
+                </c:pt>
+                <c:pt idx="10">
+                  <c:v>8</c:v>
+                </c:pt>
+              </c:numCache>
+            </c:numRef>
+          </c:xVal>
+          <c:yVal>
+            <c:numRef>
+              <c:f>Sheet1!$B$2:$B$12</c:f>
+              <c:numCache>
+                <c:formatCode>General</c:formatCode>
+                <c:ptCount val="11"/>
+                <c:pt idx="0">
+                  <c:v>0</c:v>
+                </c:pt>
+                <c:pt idx="1">
+                  <c:v>0</c:v>
+                </c:pt>
+                <c:pt idx="2">
+                  <c:v>1</c:v>
+                </c:pt>
+                <c:pt idx="3">
+                  <c:v>1</c:v>
+                </c:pt>
+                <c:pt idx="4">
+                  <c:v>0</c:v>
+                </c:pt>
+                <c:pt idx="5">
+                  <c:v>0</c:v>
+                </c:pt>
+                <c:pt idx="6">
+                  <c:v>0</c:v>
+                </c:pt>
+                <c:pt idx="7">
+                  <c:v>0</c:v>
+                </c:pt>
+                <c:pt idx="8">
+                  <c:v>0</c:v>
+                </c:pt>
+                <c:pt idx="9">
+                  <c:v>0</c:v>
+                </c:pt>
+                <c:pt idx="10">
+                  <c:v>0</c:v>
+                </c:pt>
+              </c:numCache>
+            </c:numRef>
+          </c:yVal>
+          <c:smooth val="0"/>
+          <c:extLst>
+            <c:ext xmlns:c16="http://schemas.microsoft.com/office/drawing/2014/chart" uri="{C3380CC4-5D6E-409C-BE32-E72D297353CC}">
+              <c16:uniqueId val="{00000000-43AB-4CAA-8CF7-6A39CBA26326}"/>
+            </c:ext>
+          </c:extLst>
+        </c:ser>
+        <c:dLbls>
+          <c:showLegendKey val="0"/>
+          <c:showVal val="0"/>
+          <c:showCatName val="0"/>
+          <c:showSerName val="0"/>
+          <c:showPercent val="0"/>
+          <c:showBubbleSize val="0"/>
+        </c:dLbls>
+        <c:axId val="1579741711"/>
+        <c:axId val="1579753359"/>
+      </c:scatterChart>
+      <c:valAx>
+        <c:axId val="1579741711"/>
+        <c:scaling>
+          <c:orientation val="minMax"/>
+        </c:scaling>
+        <c:delete val="1"/>
+        <c:axPos val="b"/>
+        <c:numFmt formatCode="General" sourceLinked="1"/>
+        <c:majorTickMark val="none"/>
+        <c:minorTickMark val="none"/>
+        <c:tickLblPos val="nextTo"/>
+        <c:crossAx val="1579753359"/>
+        <c:crosses val="autoZero"/>
+        <c:crossBetween val="midCat"/>
+      </c:valAx>
+      <c:valAx>
+        <c:axId val="1579753359"/>
+        <c:scaling>
+          <c:orientation val="minMax"/>
+        </c:scaling>
+        <c:delete val="1"/>
+        <c:axPos val="l"/>
+        <c:numFmt formatCode="General" sourceLinked="1"/>
+        <c:majorTickMark val="none"/>
+        <c:minorTickMark val="none"/>
+        <c:tickLblPos val="nextTo"/>
+        <c:crossAx val="1579741711"/>
+        <c:crosses val="autoZero"/>
+        <c:crossBetween val="midCat"/>
+      </c:valAx>
+      <c:spPr>
+        <a:noFill/>
+        <a:ln>
+          <a:noFill/>
+        </a:ln>
+        <a:effectLst/>
+      </c:spPr>
+    </c:plotArea>
+    <c:plotVisOnly val="1"/>
+    <c:dispBlanksAs val="gap"/>
+    <c:showDLblsOverMax val="0"/>
+  </c:chart>
+  <c:spPr>
+    <a:solidFill>
+      <a:schemeClr val="bg1"/>
+    </a:solidFill>
+    <a:ln>
+      <a:noFill/>
+    </a:ln>
+    <a:effectLst/>
+  </c:spPr>
+  <c:txPr>
+    <a:bodyPr/>
+    <a:lstStyle/>
+    <a:p>
+      <a:pPr>
+        <a:defRPr/>
+      </a:pPr>
+      <a:endParaRPr lang="en-US"/>
+    </a:p>
+  </c:txPr>
+  <c:externalData r:id="rId3">
+    <c:autoUpdate val="0"/>
+  </c:externalData>
+</c:chartSpace>
+</file>
+
+<file path=ppt/charts/chart2.xml><?xml version="1.0" encoding="utf-8"?>
+<c:chartSpace xmlns:c="http://schemas.openxmlformats.org/drawingml/2006/chart" xmlns:a="http://schemas.openxmlformats.org/drawingml/2006/main" xmlns:r="http://schemas.openxmlformats.org/officeDocument/2006/relationships" xmlns:c16r2="http://schemas.microsoft.com/office/drawing/2015/06/chart">
+  <c:date1904 val="0"/>
+  <c:lang val="en-US"/>
+  <c:roundedCorners val="0"/>
+  <mc:AlternateContent xmlns:mc="http://schemas.openxmlformats.org/markup-compatibility/2006">
+    <mc:Choice xmlns:c14="http://schemas.microsoft.com/office/drawing/2007/8/2/chart" Requires="c14">
+      <c14:style val="101"/>
+    </mc:Choice>
+    <mc:Fallback>
+      <c:style val="1"/>
+    </mc:Fallback>
+  </mc:AlternateContent>
+  <c:chart>
+    <c:autoTitleDeleted val="1"/>
+    <c:plotArea>
+      <c:layout/>
+      <c:scatterChart>
+        <c:scatterStyle val="lineMarker"/>
+        <c:varyColors val="0"/>
+        <c:ser>
+          <c:idx val="0"/>
+          <c:order val="0"/>
+          <c:tx>
+            <c:strRef>
+              <c:f>Sheet1!$B$1</c:f>
+              <c:strCache>
+                <c:ptCount val="1"/>
+                <c:pt idx="0">
+                  <c:v>Y-Values</c:v>
+                </c:pt>
+              </c:strCache>
+            </c:strRef>
+          </c:tx>
+          <c:spPr>
+            <a:ln w="19050" cap="rnd">
+              <a:solidFill>
+                <a:schemeClr val="dk1">
+                  <a:tint val="88500"/>
+                </a:schemeClr>
+              </a:solidFill>
+              <a:round/>
+            </a:ln>
+            <a:effectLst/>
+          </c:spPr>
+          <c:marker>
+            <c:symbol val="none"/>
+          </c:marker>
+          <c:xVal>
+            <c:numRef>
+              <c:f>Sheet1!$A$2:$A$12</c:f>
+              <c:numCache>
+                <c:formatCode>General</c:formatCode>
+                <c:ptCount val="11"/>
+                <c:pt idx="0">
+                  <c:v>0</c:v>
+                </c:pt>
+                <c:pt idx="1">
+                  <c:v>1</c:v>
+                </c:pt>
+                <c:pt idx="2">
+                  <c:v>1</c:v>
+                </c:pt>
+                <c:pt idx="3">
+                  <c:v>2</c:v>
+                </c:pt>
+                <c:pt idx="4">
+                  <c:v>3</c:v>
+                </c:pt>
+                <c:pt idx="5">
+                  <c:v>3</c:v>
+                </c:pt>
+                <c:pt idx="6">
+                  <c:v>4</c:v>
+                </c:pt>
+                <c:pt idx="7">
+                  <c:v>5</c:v>
+                </c:pt>
+                <c:pt idx="8">
+                  <c:v>6</c:v>
+                </c:pt>
+                <c:pt idx="9">
+                  <c:v>7</c:v>
+                </c:pt>
+                <c:pt idx="10">
+                  <c:v>8</c:v>
+                </c:pt>
+              </c:numCache>
+            </c:numRef>
+          </c:xVal>
+          <c:yVal>
+            <c:numRef>
+              <c:f>Sheet1!$B$2:$B$12</c:f>
+              <c:numCache>
+                <c:formatCode>General</c:formatCode>
+                <c:ptCount val="11"/>
+                <c:pt idx="0">
+                  <c:v>0</c:v>
+                </c:pt>
+                <c:pt idx="1">
+                  <c:v>0</c:v>
+                </c:pt>
+                <c:pt idx="2">
+                  <c:v>1</c:v>
+                </c:pt>
+                <c:pt idx="3">
+                  <c:v>1</c:v>
+                </c:pt>
+                <c:pt idx="4">
+                  <c:v>1</c:v>
+                </c:pt>
+                <c:pt idx="5">
+                  <c:v>0</c:v>
+                </c:pt>
+                <c:pt idx="6">
+                  <c:v>0</c:v>
+                </c:pt>
+                <c:pt idx="7">
+                  <c:v>0</c:v>
+                </c:pt>
+                <c:pt idx="8">
+                  <c:v>0</c:v>
+                </c:pt>
+                <c:pt idx="9">
+                  <c:v>0</c:v>
+                </c:pt>
+                <c:pt idx="10">
+                  <c:v>0</c:v>
+                </c:pt>
+              </c:numCache>
+            </c:numRef>
+          </c:yVal>
+          <c:smooth val="0"/>
+          <c:extLst>
+            <c:ext xmlns:c16="http://schemas.microsoft.com/office/drawing/2014/chart" uri="{C3380CC4-5D6E-409C-BE32-E72D297353CC}">
+              <c16:uniqueId val="{00000000-8DF3-4D2C-928D-40044B2B3098}"/>
+            </c:ext>
+          </c:extLst>
+        </c:ser>
+        <c:dLbls>
+          <c:showLegendKey val="0"/>
+          <c:showVal val="0"/>
+          <c:showCatName val="0"/>
+          <c:showSerName val="0"/>
+          <c:showPercent val="0"/>
+          <c:showBubbleSize val="0"/>
+        </c:dLbls>
+        <c:axId val="1579741711"/>
+        <c:axId val="1579753359"/>
+      </c:scatterChart>
+      <c:valAx>
+        <c:axId val="1579741711"/>
+        <c:scaling>
+          <c:orientation val="minMax"/>
+        </c:scaling>
+        <c:delete val="1"/>
+        <c:axPos val="b"/>
+        <c:numFmt formatCode="General" sourceLinked="1"/>
+        <c:majorTickMark val="none"/>
+        <c:minorTickMark val="none"/>
+        <c:tickLblPos val="nextTo"/>
+        <c:crossAx val="1579753359"/>
+        <c:crosses val="autoZero"/>
+        <c:crossBetween val="midCat"/>
+      </c:valAx>
+      <c:valAx>
+        <c:axId val="1579753359"/>
+        <c:scaling>
+          <c:orientation val="minMax"/>
+        </c:scaling>
+        <c:delete val="1"/>
+        <c:axPos val="l"/>
+        <c:numFmt formatCode="General" sourceLinked="1"/>
+        <c:majorTickMark val="none"/>
+        <c:minorTickMark val="none"/>
+        <c:tickLblPos val="nextTo"/>
+        <c:crossAx val="1579741711"/>
+        <c:crosses val="autoZero"/>
+        <c:crossBetween val="midCat"/>
+      </c:valAx>
+      <c:spPr>
+        <a:noFill/>
+        <a:ln>
+          <a:noFill/>
+        </a:ln>
+        <a:effectLst/>
+      </c:spPr>
+    </c:plotArea>
+    <c:plotVisOnly val="1"/>
+    <c:dispBlanksAs val="gap"/>
+    <c:showDLblsOverMax val="0"/>
+  </c:chart>
+  <c:spPr>
+    <a:solidFill>
+      <a:schemeClr val="bg1"/>
+    </a:solidFill>
+    <a:ln>
+      <a:noFill/>
+    </a:ln>
+    <a:effectLst/>
+  </c:spPr>
+  <c:txPr>
+    <a:bodyPr/>
+    <a:lstStyle/>
+    <a:p>
+      <a:pPr>
+        <a:defRPr/>
+      </a:pPr>
+      <a:endParaRPr lang="en-US"/>
+    </a:p>
+  </c:txPr>
+  <c:externalData r:id="rId3">
+    <c:autoUpdate val="0"/>
+  </c:externalData>
+</c:chartSpace>
+</file>
+
+<file path=ppt/charts/chart3.xml><?xml version="1.0" encoding="utf-8"?>
+<c:chartSpace xmlns:c="http://schemas.openxmlformats.org/drawingml/2006/chart" xmlns:a="http://schemas.openxmlformats.org/drawingml/2006/main" xmlns:r="http://schemas.openxmlformats.org/officeDocument/2006/relationships" xmlns:c16r2="http://schemas.microsoft.com/office/drawing/2015/06/chart">
+  <c:date1904 val="0"/>
+  <c:lang val="en-US"/>
+  <c:roundedCorners val="0"/>
+  <mc:AlternateContent xmlns:mc="http://schemas.openxmlformats.org/markup-compatibility/2006">
+    <mc:Choice xmlns:c14="http://schemas.microsoft.com/office/drawing/2007/8/2/chart" Requires="c14">
+      <c14:style val="101"/>
+    </mc:Choice>
+    <mc:Fallback>
+      <c:style val="1"/>
+    </mc:Fallback>
+  </mc:AlternateContent>
+  <c:chart>
+    <c:autoTitleDeleted val="1"/>
+    <c:plotArea>
+      <c:layout/>
+      <c:scatterChart>
+        <c:scatterStyle val="lineMarker"/>
+        <c:varyColors val="0"/>
+        <c:ser>
+          <c:idx val="0"/>
+          <c:order val="0"/>
+          <c:tx>
+            <c:strRef>
+              <c:f>Sheet1!$B$1</c:f>
+              <c:strCache>
+                <c:ptCount val="1"/>
+                <c:pt idx="0">
+                  <c:v>Y-Values</c:v>
+                </c:pt>
+              </c:strCache>
+            </c:strRef>
+          </c:tx>
+          <c:spPr>
+            <a:ln w="19050" cap="rnd">
+              <a:solidFill>
+                <a:schemeClr val="dk1">
+                  <a:tint val="88500"/>
+                </a:schemeClr>
+              </a:solidFill>
+              <a:round/>
+            </a:ln>
+            <a:effectLst/>
+          </c:spPr>
+          <c:marker>
+            <c:symbol val="none"/>
+          </c:marker>
+          <c:xVal>
+            <c:numRef>
+              <c:f>Sheet1!$A$2:$A$12</c:f>
+              <c:numCache>
+                <c:formatCode>General</c:formatCode>
+                <c:ptCount val="11"/>
+                <c:pt idx="0">
+                  <c:v>0</c:v>
+                </c:pt>
+                <c:pt idx="1">
+                  <c:v>1</c:v>
+                </c:pt>
+                <c:pt idx="2">
+                  <c:v>1</c:v>
+                </c:pt>
+                <c:pt idx="3">
+                  <c:v>2</c:v>
+                </c:pt>
+                <c:pt idx="4">
+                  <c:v>3</c:v>
+                </c:pt>
+                <c:pt idx="5">
+                  <c:v>4</c:v>
+                </c:pt>
+                <c:pt idx="6">
+                  <c:v>5</c:v>
+                </c:pt>
+                <c:pt idx="7">
+                  <c:v>5</c:v>
+                </c:pt>
+                <c:pt idx="8">
+                  <c:v>6</c:v>
+                </c:pt>
+                <c:pt idx="9">
+                  <c:v>7</c:v>
+                </c:pt>
+                <c:pt idx="10">
+                  <c:v>8</c:v>
+                </c:pt>
+              </c:numCache>
+            </c:numRef>
+          </c:xVal>
+          <c:yVal>
+            <c:numRef>
+              <c:f>Sheet1!$B$2:$B$12</c:f>
+              <c:numCache>
+                <c:formatCode>General</c:formatCode>
+                <c:ptCount val="11"/>
+                <c:pt idx="0">
+                  <c:v>0</c:v>
+                </c:pt>
+                <c:pt idx="1">
+                  <c:v>0</c:v>
+                </c:pt>
+                <c:pt idx="2">
+                  <c:v>1</c:v>
+                </c:pt>
+                <c:pt idx="3">
+                  <c:v>1</c:v>
+                </c:pt>
+                <c:pt idx="4">
+                  <c:v>1</c:v>
+                </c:pt>
+                <c:pt idx="5">
+                  <c:v>1</c:v>
+                </c:pt>
+                <c:pt idx="6">
+                  <c:v>1</c:v>
+                </c:pt>
+                <c:pt idx="7">
+                  <c:v>0</c:v>
+                </c:pt>
+                <c:pt idx="8">
+                  <c:v>0</c:v>
+                </c:pt>
+                <c:pt idx="9">
+                  <c:v>0</c:v>
+                </c:pt>
+                <c:pt idx="10">
+                  <c:v>0</c:v>
+                </c:pt>
+              </c:numCache>
+            </c:numRef>
+          </c:yVal>
+          <c:smooth val="0"/>
+          <c:extLst>
+            <c:ext xmlns:c16="http://schemas.microsoft.com/office/drawing/2014/chart" uri="{C3380CC4-5D6E-409C-BE32-E72D297353CC}">
+              <c16:uniqueId val="{00000000-1A40-4A8D-B693-B12598AC0CB5}"/>
+            </c:ext>
+          </c:extLst>
+        </c:ser>
+        <c:dLbls>
+          <c:showLegendKey val="0"/>
+          <c:showVal val="0"/>
+          <c:showCatName val="0"/>
+          <c:showSerName val="0"/>
+          <c:showPercent val="0"/>
+          <c:showBubbleSize val="0"/>
+        </c:dLbls>
+        <c:axId val="1579741711"/>
+        <c:axId val="1579753359"/>
+      </c:scatterChart>
+      <c:valAx>
+        <c:axId val="1579741711"/>
+        <c:scaling>
+          <c:orientation val="minMax"/>
+        </c:scaling>
+        <c:delete val="1"/>
+        <c:axPos val="b"/>
+        <c:numFmt formatCode="General" sourceLinked="1"/>
+        <c:majorTickMark val="none"/>
+        <c:minorTickMark val="none"/>
+        <c:tickLblPos val="nextTo"/>
+        <c:crossAx val="1579753359"/>
+        <c:crosses val="autoZero"/>
+        <c:crossBetween val="midCat"/>
+      </c:valAx>
+      <c:valAx>
+        <c:axId val="1579753359"/>
+        <c:scaling>
+          <c:orientation val="minMax"/>
+        </c:scaling>
+        <c:delete val="1"/>
+        <c:axPos val="l"/>
+        <c:numFmt formatCode="General" sourceLinked="1"/>
+        <c:majorTickMark val="none"/>
+        <c:minorTickMark val="none"/>
+        <c:tickLblPos val="nextTo"/>
+        <c:crossAx val="1579741711"/>
+        <c:crosses val="autoZero"/>
+        <c:crossBetween val="midCat"/>
+      </c:valAx>
+      <c:spPr>
+        <a:noFill/>
+        <a:ln>
+          <a:noFill/>
+        </a:ln>
+        <a:effectLst/>
+      </c:spPr>
+    </c:plotArea>
+    <c:plotVisOnly val="1"/>
+    <c:dispBlanksAs val="gap"/>
+    <c:showDLblsOverMax val="0"/>
+  </c:chart>
+  <c:spPr>
+    <a:solidFill>
+      <a:schemeClr val="bg1"/>
+    </a:solidFill>
+    <a:ln>
+      <a:noFill/>
+    </a:ln>
+    <a:effectLst/>
+  </c:spPr>
+  <c:txPr>
+    <a:bodyPr/>
+    <a:lstStyle/>
+    <a:p>
+      <a:pPr>
+        <a:defRPr/>
+      </a:pPr>
+      <a:endParaRPr lang="en-US"/>
+    </a:p>
+  </c:txPr>
+  <c:externalData r:id="rId3">
+    <c:autoUpdate val="0"/>
+  </c:externalData>
+</c:chartSpace>
+</file>
+
+<file path=ppt/charts/chart4.xml><?xml version="1.0" encoding="utf-8"?>
+<c:chartSpace xmlns:c="http://schemas.openxmlformats.org/drawingml/2006/chart" xmlns:a="http://schemas.openxmlformats.org/drawingml/2006/main" xmlns:r="http://schemas.openxmlformats.org/officeDocument/2006/relationships" xmlns:c16r2="http://schemas.microsoft.com/office/drawing/2015/06/chart">
+  <c:date1904 val="0"/>
+  <c:lang val="en-US"/>
+  <c:roundedCorners val="0"/>
+  <mc:AlternateContent xmlns:mc="http://schemas.openxmlformats.org/markup-compatibility/2006">
+    <mc:Choice xmlns:c14="http://schemas.microsoft.com/office/drawing/2007/8/2/chart" Requires="c14">
+      <c14:style val="101"/>
+    </mc:Choice>
+    <mc:Fallback>
+      <c:style val="1"/>
+    </mc:Fallback>
+  </mc:AlternateContent>
+  <c:chart>
+    <c:autoTitleDeleted val="1"/>
+    <c:plotArea>
+      <c:layout/>
+      <c:scatterChart>
+        <c:scatterStyle val="lineMarker"/>
+        <c:varyColors val="0"/>
+        <c:ser>
+          <c:idx val="0"/>
+          <c:order val="0"/>
+          <c:tx>
+            <c:strRef>
+              <c:f>Sheet1!$B$1</c:f>
+              <c:strCache>
+                <c:ptCount val="1"/>
+                <c:pt idx="0">
+                  <c:v>Y-Values</c:v>
+                </c:pt>
+              </c:strCache>
+            </c:strRef>
+          </c:tx>
+          <c:spPr>
+            <a:ln w="19050" cap="rnd">
+              <a:solidFill>
+                <a:schemeClr val="dk1">
+                  <a:tint val="88500"/>
+                </a:schemeClr>
+              </a:solidFill>
+              <a:round/>
+            </a:ln>
+            <a:effectLst/>
+          </c:spPr>
+          <c:marker>
+            <c:symbol val="none"/>
+          </c:marker>
+          <c:xVal>
+            <c:numRef>
+              <c:f>Sheet1!$A$2:$A$12</c:f>
+              <c:numCache>
+                <c:formatCode>General</c:formatCode>
+                <c:ptCount val="11"/>
+                <c:pt idx="0">
+                  <c:v>0</c:v>
+                </c:pt>
+                <c:pt idx="1">
+                  <c:v>1</c:v>
+                </c:pt>
+                <c:pt idx="2">
+                  <c:v>1</c:v>
+                </c:pt>
+                <c:pt idx="3">
+                  <c:v>2</c:v>
+                </c:pt>
+                <c:pt idx="4">
+                  <c:v>3</c:v>
+                </c:pt>
+                <c:pt idx="5">
+                  <c:v>3</c:v>
+                </c:pt>
+                <c:pt idx="6">
+                  <c:v>4</c:v>
+                </c:pt>
+                <c:pt idx="7">
+                  <c:v>5</c:v>
+                </c:pt>
+                <c:pt idx="8">
+                  <c:v>6</c:v>
+                </c:pt>
+                <c:pt idx="9">
+                  <c:v>7</c:v>
+                </c:pt>
+                <c:pt idx="10">
+                  <c:v>8</c:v>
+                </c:pt>
+              </c:numCache>
+            </c:numRef>
+          </c:xVal>
+          <c:yVal>
+            <c:numRef>
+              <c:f>Sheet1!$B$2:$B$12</c:f>
+              <c:numCache>
+                <c:formatCode>General</c:formatCode>
+                <c:ptCount val="11"/>
+                <c:pt idx="0">
+                  <c:v>1</c:v>
+                </c:pt>
+                <c:pt idx="1">
+                  <c:v>1</c:v>
+                </c:pt>
+                <c:pt idx="2">
+                  <c:v>0</c:v>
+                </c:pt>
+                <c:pt idx="3">
+                  <c:v>0</c:v>
+                </c:pt>
+                <c:pt idx="4">
+                  <c:v>0</c:v>
+                </c:pt>
+                <c:pt idx="5">
+                  <c:v>1</c:v>
+                </c:pt>
+                <c:pt idx="6">
+                  <c:v>1</c:v>
+                </c:pt>
+                <c:pt idx="7">
+                  <c:v>1</c:v>
+                </c:pt>
+                <c:pt idx="8">
+                  <c:v>1</c:v>
+                </c:pt>
+                <c:pt idx="9">
+                  <c:v>1</c:v>
+                </c:pt>
+                <c:pt idx="10">
+                  <c:v>1</c:v>
+                </c:pt>
+              </c:numCache>
+            </c:numRef>
+          </c:yVal>
+          <c:smooth val="0"/>
+          <c:extLst>
+            <c:ext xmlns:c16="http://schemas.microsoft.com/office/drawing/2014/chart" uri="{C3380CC4-5D6E-409C-BE32-E72D297353CC}">
+              <c16:uniqueId val="{00000000-13AD-4751-A494-6AFB58717FC2}"/>
+            </c:ext>
+          </c:extLst>
+        </c:ser>
+        <c:dLbls>
+          <c:showLegendKey val="0"/>
+          <c:showVal val="0"/>
+          <c:showCatName val="0"/>
+          <c:showSerName val="0"/>
+          <c:showPercent val="0"/>
+          <c:showBubbleSize val="0"/>
+        </c:dLbls>
+        <c:axId val="1579741711"/>
+        <c:axId val="1579753359"/>
+      </c:scatterChart>
+      <c:valAx>
+        <c:axId val="1579741711"/>
+        <c:scaling>
+          <c:orientation val="minMax"/>
+        </c:scaling>
+        <c:delete val="1"/>
+        <c:axPos val="b"/>
+        <c:numFmt formatCode="General" sourceLinked="1"/>
+        <c:majorTickMark val="none"/>
+        <c:minorTickMark val="none"/>
+        <c:tickLblPos val="nextTo"/>
+        <c:crossAx val="1579753359"/>
+        <c:crosses val="autoZero"/>
+        <c:crossBetween val="midCat"/>
+      </c:valAx>
+      <c:valAx>
+        <c:axId val="1579753359"/>
+        <c:scaling>
+          <c:orientation val="minMax"/>
+        </c:scaling>
+        <c:delete val="1"/>
+        <c:axPos val="l"/>
+        <c:numFmt formatCode="General" sourceLinked="1"/>
+        <c:majorTickMark val="none"/>
+        <c:minorTickMark val="none"/>
+        <c:tickLblPos val="nextTo"/>
+        <c:crossAx val="1579741711"/>
+        <c:crosses val="autoZero"/>
+        <c:crossBetween val="midCat"/>
+      </c:valAx>
+      <c:spPr>
+        <a:noFill/>
+        <a:ln>
+          <a:noFill/>
+        </a:ln>
+        <a:effectLst/>
+      </c:spPr>
+    </c:plotArea>
+    <c:plotVisOnly val="1"/>
+    <c:dispBlanksAs val="gap"/>
+    <c:showDLblsOverMax val="0"/>
+  </c:chart>
+  <c:spPr>
+    <a:solidFill>
+      <a:schemeClr val="bg1"/>
+    </a:solidFill>
+    <a:ln>
+      <a:noFill/>
+    </a:ln>
+    <a:effectLst/>
+  </c:spPr>
+  <c:txPr>
+    <a:bodyPr/>
+    <a:lstStyle/>
+    <a:p>
+      <a:pPr>
+        <a:defRPr/>
+      </a:pPr>
+      <a:endParaRPr lang="en-US"/>
+    </a:p>
+  </c:txPr>
+  <c:externalData r:id="rId3">
+    <c:autoUpdate val="0"/>
+  </c:externalData>
+</c:chartSpace>
+</file>
+
+<file path=ppt/charts/colors1.xml><?xml version="1.0" encoding="utf-8"?>
+<cs:colorStyle xmlns:cs="http://schemas.microsoft.com/office/drawing/2012/chartStyle" xmlns:a="http://schemas.openxmlformats.org/drawingml/2006/main" meth="cycle" id="20">
+  <a:schemeClr val="dk1"/>
+  <cs:variation>
+    <a:tint val="88500"/>
+  </cs:variation>
+  <cs:variation>
+    <a:tint val="55000"/>
+  </cs:variation>
+  <cs:variation>
+    <a:tint val="75000"/>
+  </cs:variation>
+  <cs:variation>
+    <a:tint val="98500"/>
+  </cs:variation>
+  <cs:variation>
+    <a:tint val="30000"/>
+  </cs:variation>
+  <cs:variation>
+    <a:tint val="60000"/>
+  </cs:variation>
+  <cs:variation>
+    <a:tint val="80000"/>
+  </cs:variation>
+</cs:colorStyle>
+</file>
+
+<file path=ppt/charts/colors2.xml><?xml version="1.0" encoding="utf-8"?>
+<cs:colorStyle xmlns:cs="http://schemas.microsoft.com/office/drawing/2012/chartStyle" xmlns:a="http://schemas.openxmlformats.org/drawingml/2006/main" meth="cycle" id="20">
+  <a:schemeClr val="dk1"/>
+  <cs:variation>
+    <a:tint val="88500"/>
+  </cs:variation>
+  <cs:variation>
+    <a:tint val="55000"/>
+  </cs:variation>
+  <cs:variation>
+    <a:tint val="75000"/>
+  </cs:variation>
+  <cs:variation>
+    <a:tint val="98500"/>
+  </cs:variation>
+  <cs:variation>
+    <a:tint val="30000"/>
+  </cs:variation>
+  <cs:variation>
+    <a:tint val="60000"/>
+  </cs:variation>
+  <cs:variation>
+    <a:tint val="80000"/>
+  </cs:variation>
+</cs:colorStyle>
+</file>
+
+<file path=ppt/charts/colors3.xml><?xml version="1.0" encoding="utf-8"?>
+<cs:colorStyle xmlns:cs="http://schemas.microsoft.com/office/drawing/2012/chartStyle" xmlns:a="http://schemas.openxmlformats.org/drawingml/2006/main" meth="cycle" id="20">
+  <a:schemeClr val="dk1"/>
+  <cs:variation>
+    <a:tint val="88500"/>
+  </cs:variation>
+  <cs:variation>
+    <a:tint val="55000"/>
+  </cs:variation>
+  <cs:variation>
+    <a:tint val="75000"/>
+  </cs:variation>
+  <cs:variation>
+    <a:tint val="98500"/>
+  </cs:variation>
+  <cs:variation>
+    <a:tint val="30000"/>
+  </cs:variation>
+  <cs:variation>
+    <a:tint val="60000"/>
+  </cs:variation>
+  <cs:variation>
+    <a:tint val="80000"/>
+  </cs:variation>
+</cs:colorStyle>
+</file>
+
+<file path=ppt/charts/colors4.xml><?xml version="1.0" encoding="utf-8"?>
+<cs:colorStyle xmlns:cs="http://schemas.microsoft.com/office/drawing/2012/chartStyle" xmlns:a="http://schemas.openxmlformats.org/drawingml/2006/main" meth="cycle" id="20">
+  <a:schemeClr val="dk1"/>
+  <cs:variation>
+    <a:tint val="88500"/>
+  </cs:variation>
+  <cs:variation>
+    <a:tint val="55000"/>
+  </cs:variation>
+  <cs:variation>
+    <a:tint val="75000"/>
+  </cs:variation>
+  <cs:variation>
+    <a:tint val="98500"/>
+  </cs:variation>
+  <cs:variation>
+    <a:tint val="30000"/>
+  </cs:variation>
+  <cs:variation>
+    <a:tint val="60000"/>
+  </cs:variation>
+  <cs:variation>
+    <a:tint val="80000"/>
+  </cs:variation>
+</cs:colorStyle>
+</file>
+
+<file path=ppt/charts/style1.xml><?xml version="1.0" encoding="utf-8"?>
+<cs:chartStyle xmlns:cs="http://schemas.microsoft.com/office/drawing/2012/chartStyle" xmlns:a="http://schemas.openxmlformats.org/drawingml/2006/main" id="240">
+  <cs:axisTitle>
+    <cs:lnRef idx="0"/>
+    <cs:fillRef idx="0"/>
+    <cs:effectRef idx="0"/>
+    <cs:fontRef idx="minor">
+      <a:schemeClr val="tx1">
+        <a:lumMod val="65000"/>
+        <a:lumOff val="35000"/>
+      </a:schemeClr>
+    </cs:fontRef>
+    <cs:defRPr sz="1330" kern="1200"/>
+  </cs:axisTitle>
+  <cs:categoryAxis>
+    <cs:lnRef idx="0"/>
+    <cs:fillRef idx="0"/>
+    <cs:effectRef idx="0"/>
+    <cs:fontRef idx="minor">
+      <a:schemeClr val="tx1">
+        <a:lumMod val="65000"/>
+        <a:lumOff val="35000"/>
+      </a:schemeClr>
+    </cs:fontRef>
+    <cs:spPr>
+      <a:ln w="9525" cap="flat" cmpd="sng" algn="ctr">
+        <a:solidFill>
+          <a:schemeClr val="tx1">
+            <a:lumMod val="25000"/>
+            <a:lumOff val="75000"/>
+          </a:schemeClr>
+        </a:solidFill>
+        <a:round/>
+      </a:ln>
+    </cs:spPr>
+    <cs:defRPr sz="1197" kern="1200"/>
+  </cs:categoryAxis>
+  <cs:chartArea mods="allowNoFillOverride allowNoLineOverride">
+    <cs:lnRef idx="0"/>
+    <cs:fillRef idx="0"/>
+    <cs:effectRef idx="0"/>
+    <cs:fontRef idx="minor">
+      <a:schemeClr val="tx1"/>
+    </cs:fontRef>
+    <cs:spPr>
+      <a:solidFill>
+        <a:schemeClr val="bg1"/>
+      </a:solidFill>
+      <a:ln w="9525" cap="flat" cmpd="sng" algn="ctr">
+        <a:solidFill>
+          <a:schemeClr val="tx1">
+            <a:lumMod val="15000"/>
+            <a:lumOff val="85000"/>
+          </a:schemeClr>
+        </a:solidFill>
+        <a:round/>
+      </a:ln>
+    </cs:spPr>
+    <cs:defRPr sz="1330" kern="1200"/>
+  </cs:chartArea>
+  <cs:dataLabel>
+    <cs:lnRef idx="0"/>
+    <cs:fillRef idx="0"/>
+    <cs:effectRef idx="0"/>
+    <cs:fontRef idx="minor">
+      <a:schemeClr val="tx1">
+        <a:lumMod val="75000"/>
+        <a:lumOff val="25000"/>
+      </a:schemeClr>
+    </cs:fontRef>
+    <cs:defRPr sz="1197" kern="1200"/>
+  </cs:dataLabel>
+  <cs:dataLabelCallout>
+    <cs:lnRef idx="0"/>
+    <cs:fillRef idx="0"/>
+    <cs:effectRef idx="0"/>
+    <cs:fontRef idx="minor">
+      <a:schemeClr val="dk1">
+        <a:lumMod val="65000"/>
+        <a:lumOff val="35000"/>
+      </a:schemeClr>
+    </cs:fontRef>
+    <cs:spPr>
+      <a:solidFill>
+        <a:schemeClr val="lt1"/>
+      </a:solidFill>
+      <a:ln>
+        <a:solidFill>
+          <a:schemeClr val="dk1">
+            <a:lumMod val="25000"/>
+            <a:lumOff val="75000"/>
+          </a:schemeClr>
+        </a:solidFill>
+      </a:ln>
+    </cs:spPr>
+    <cs:defRPr sz="1197" kern="1200"/>
+    <cs:bodyPr rot="0" spcFirstLastPara="1" vertOverflow="clip" horzOverflow="clip" vert="horz" wrap="square" lIns="36576" tIns="18288" rIns="36576" bIns="18288" anchor="ctr" anchorCtr="1">
+      <a:spAutoFit/>
+    </cs:bodyPr>
+  </cs:dataLabelCallout>
+  <cs:dataPoint>
+    <cs:lnRef idx="0"/>
+    <cs:fillRef idx="1">
+      <cs:styleClr val="auto"/>
+    </cs:fillRef>
+    <cs:effectRef idx="0"/>
+    <cs:fontRef idx="minor">
+      <a:schemeClr val="tx1"/>
+    </cs:fontRef>
+  </cs:dataPoint>
+  <cs:dataPoint3D>
+    <cs:lnRef idx="0"/>
+    <cs:fillRef idx="1">
+      <cs:styleClr val="auto"/>
+    </cs:fillRef>
+    <cs:effectRef idx="0"/>
+    <cs:fontRef idx="minor">
+      <a:schemeClr val="tx1"/>
+    </cs:fontRef>
+  </cs:dataPoint3D>
+  <cs:dataPointLine>
+    <cs:lnRef idx="0">
+      <cs:styleClr val="auto"/>
+    </cs:lnRef>
+    <cs:fillRef idx="1"/>
+    <cs:effectRef idx="0"/>
+    <cs:fontRef idx="minor">
+      <a:schemeClr val="tx1"/>
+    </cs:fontRef>
+    <cs:spPr>
+      <a:ln w="19050" cap="rnd">
+        <a:solidFill>
+          <a:schemeClr val="phClr"/>
+        </a:solidFill>
+        <a:round/>
+      </a:ln>
+    </cs:spPr>
+  </cs:dataPointLine>
+  <cs:dataPointMarker>
+    <cs:lnRef idx="0">
+      <cs:styleClr val="auto"/>
+    </cs:lnRef>
+    <cs:fillRef idx="1">
+      <cs:styleClr val="auto"/>
+    </cs:fillRef>
+    <cs:effectRef idx="0"/>
+    <cs:fontRef idx="minor">
+      <a:schemeClr val="tx1"/>
+    </cs:fontRef>
+    <cs:spPr>
+      <a:ln w="9525">
+        <a:solidFill>
+          <a:schemeClr val="phClr"/>
+        </a:solidFill>
+      </a:ln>
+    </cs:spPr>
+  </cs:dataPointMarker>
+  <cs:dataPointMarkerLayout symbol="circle" size="5"/>
+  <cs:dataPointWireframe>
+    <cs:lnRef idx="0">
+      <cs:styleClr val="auto"/>
+    </cs:lnRef>
+    <cs:fillRef idx="0"/>
+    <cs:effectRef idx="0"/>
+    <cs:fontRef idx="minor">
+      <a:schemeClr val="dk1"/>
+    </cs:fontRef>
+    <cs:spPr>
+      <a:ln w="9525" cap="rnd">
+        <a:solidFill>
+          <a:schemeClr val="phClr"/>
+        </a:solidFill>
+        <a:round/>
+      </a:ln>
+    </cs:spPr>
+  </cs:dataPointWireframe>
+  <cs:dataTable>
+    <cs:lnRef idx="0"/>
+    <cs:fillRef idx="0"/>
+    <cs:effectRef idx="0"/>
+    <cs:fontRef idx="minor">
+      <a:schemeClr val="tx1">
+        <a:lumMod val="65000"/>
+        <a:lumOff val="35000"/>
+      </a:schemeClr>
+    </cs:fontRef>
+    <cs:spPr>
+      <a:noFill/>
+      <a:ln w="9525" cap="flat" cmpd="sng" algn="ctr">
+        <a:solidFill>
+          <a:schemeClr val="tx1">
+            <a:lumMod val="15000"/>
+            <a:lumOff val="85000"/>
+          </a:schemeClr>
+        </a:solidFill>
+        <a:round/>
+      </a:ln>
+    </cs:spPr>
+    <cs:defRPr sz="1197" kern="1200"/>
+  </cs:dataTable>
+  <cs:downBar>
+    <cs:lnRef idx="0"/>
+    <cs:fillRef idx="0"/>
+    <cs:effectRef idx="0"/>
+    <cs:fontRef idx="minor">
+      <a:schemeClr val="tx1"/>
+    </cs:fontRef>
+    <cs:spPr>
+      <a:solidFill>
+        <a:schemeClr val="dk1">
+          <a:lumMod val="75000"/>
+          <a:lumOff val="25000"/>
+        </a:schemeClr>
+      </a:solidFill>
+      <a:ln w="9525" cap="flat" cmpd="sng" algn="ctr">
+        <a:solidFill>
+          <a:schemeClr val="tx1">
+            <a:lumMod val="65000"/>
+            <a:lumOff val="35000"/>
+          </a:schemeClr>
+        </a:solidFill>
+        <a:round/>
+      </a:ln>
+    </cs:spPr>
+  </cs:downBar>
+  <cs:dropLine>
+    <cs:lnRef idx="0"/>
+    <cs:fillRef idx="0"/>
+    <cs:effectRef idx="0"/>
+    <cs:fontRef idx="minor">
+      <a:schemeClr val="tx1"/>
+    </cs:fontRef>
+    <cs:spPr>
+      <a:ln w="9525" cap="flat" cmpd="sng" algn="ctr">
+        <a:solidFill>
+          <a:schemeClr val="tx1">
+            <a:lumMod val="35000"/>
+            <a:lumOff val="65000"/>
+          </a:schemeClr>
+        </a:solidFill>
+        <a:round/>
+      </a:ln>
+    </cs:spPr>
+  </cs:dropLine>
+  <cs:errorBar>
+    <cs:lnRef idx="0"/>
+    <cs:fillRef idx="0"/>
+    <cs:effectRef idx="0"/>
+    <cs:fontRef idx="minor">
+      <a:schemeClr val="tx1"/>
+    </cs:fontRef>
+    <cs:spPr>
+      <a:ln w="9525" cap="flat" cmpd="sng" algn="ctr">
+        <a:solidFill>
+          <a:schemeClr val="tx1">
+            <a:lumMod val="65000"/>
+            <a:lumOff val="35000"/>
+          </a:schemeClr>
+        </a:solidFill>
+        <a:round/>
+      </a:ln>
+    </cs:spPr>
+  </cs:errorBar>
+  <cs:floor>
+    <cs:lnRef idx="0"/>
+    <cs:fillRef idx="0"/>
+    <cs:effectRef idx="0"/>
+    <cs:fontRef idx="minor">
+      <a:schemeClr val="tx1"/>
+    </cs:fontRef>
+    <cs:spPr>
+      <a:noFill/>
+      <a:ln>
+        <a:noFill/>
+      </a:ln>
+    </cs:spPr>
+  </cs:floor>
+  <cs:gridlineMajor>
+    <cs:lnRef idx="0"/>
+    <cs:fillRef idx="0"/>
+    <cs:effectRef idx="0"/>
+    <cs:fontRef idx="minor">
+      <a:schemeClr val="tx1"/>
+    </cs:fontRef>
+    <cs:spPr>
+      <a:ln w="9525" cap="flat" cmpd="sng" algn="ctr">
+        <a:solidFill>
+          <a:schemeClr val="tx1">
+            <a:lumMod val="15000"/>
+            <a:lumOff val="85000"/>
+          </a:schemeClr>
+        </a:solidFill>
+        <a:round/>
+      </a:ln>
+    </cs:spPr>
+  </cs:gridlineMajor>
+  <cs:gridlineMinor>
+    <cs:lnRef idx="0"/>
+    <cs:fillRef idx="0"/>
+    <cs:effectRef idx="0"/>
+    <cs:fontRef idx="minor">
+      <a:schemeClr val="tx1"/>
+    </cs:fontRef>
+    <cs:spPr>
+      <a:ln w="9525" cap="flat" cmpd="sng" algn="ctr">
+        <a:solidFill>
+          <a:schemeClr val="tx1">
+            <a:lumMod val="5000"/>
+            <a:lumOff val="95000"/>
+          </a:schemeClr>
+        </a:solidFill>
+        <a:round/>
+      </a:ln>
+    </cs:spPr>
+  </cs:gridlineMinor>
+  <cs:hiLoLine>
+    <cs:lnRef idx="0"/>
+    <cs:fillRef idx="0"/>
+    <cs:effectRef idx="0"/>
+    <cs:fontRef idx="minor">
+      <a:schemeClr val="tx1"/>
+    </cs:fontRef>
+    <cs:spPr>
+      <a:ln w="9525" cap="flat" cmpd="sng" algn="ctr">
+        <a:solidFill>
+          <a:schemeClr val="tx1">
+            <a:lumMod val="50000"/>
+            <a:lumOff val="50000"/>
+          </a:schemeClr>
+        </a:solidFill>
+        <a:round/>
+      </a:ln>
+    </cs:spPr>
+  </cs:hiLoLine>
+  <cs:leaderLine>
+    <cs:lnRef idx="0"/>
+    <cs:fillRef idx="0"/>
+    <cs:effectRef idx="0"/>
+    <cs:fontRef idx="minor">
+      <a:schemeClr val="tx1"/>
+    </cs:fontRef>
+    <cs:spPr>
+      <a:ln w="9525" cap="flat" cmpd="sng" algn="ctr">
+        <a:solidFill>
+          <a:schemeClr val="tx1">
+            <a:lumMod val="35000"/>
+            <a:lumOff val="65000"/>
+          </a:schemeClr>
+        </a:solidFill>
+        <a:round/>
+      </a:ln>
+    </cs:spPr>
+  </cs:leaderLine>
+  <cs:legend>
+    <cs:lnRef idx="0"/>
+    <cs:fillRef idx="0"/>
+    <cs:effectRef idx="0"/>
+    <cs:fontRef idx="minor">
+      <a:schemeClr val="tx1">
+        <a:lumMod val="65000"/>
+        <a:lumOff val="35000"/>
+      </a:schemeClr>
+    </cs:fontRef>
+    <cs:defRPr sz="1197" kern="1200"/>
+  </cs:legend>
+  <cs:plotArea mods="allowNoFillOverride allowNoLineOverride">
+    <cs:lnRef idx="0"/>
+    <cs:fillRef idx="0"/>
+    <cs:effectRef idx="0"/>
+    <cs:fontRef idx="minor">
+      <a:schemeClr val="tx1"/>
+    </cs:fontRef>
+  </cs:plotArea>
+  <cs:plotArea3D mods="allowNoFillOverride allowNoLineOverride">
+    <cs:lnRef idx="0"/>
+    <cs:fillRef idx="0"/>
+    <cs:effectRef idx="0"/>
+    <cs:fontRef idx="minor">
+      <a:schemeClr val="tx1"/>
+    </cs:fontRef>
+  </cs:plotArea3D>
+  <cs:seriesAxis>
+    <cs:lnRef idx="0"/>
+    <cs:fillRef idx="0"/>
+    <cs:effectRef idx="0"/>
+    <cs:fontRef idx="minor">
+      <a:schemeClr val="tx1">
+        <a:lumMod val="65000"/>
+        <a:lumOff val="35000"/>
+      </a:schemeClr>
+    </cs:fontRef>
+    <cs:defRPr sz="1197" kern="1200"/>
+  </cs:seriesAxis>
+  <cs:seriesLine>
+    <cs:lnRef idx="0"/>
+    <cs:fillRef idx="0"/>
+    <cs:effectRef idx="0"/>
+    <cs:fontRef idx="minor">
+      <a:schemeClr val="tx1"/>
+    </cs:fontRef>
+    <cs:spPr>
+      <a:ln w="9525" cap="flat" cmpd="sng" algn="ctr">
+        <a:solidFill>
+          <a:schemeClr val="tx1">
+            <a:lumMod val="35000"/>
+            <a:lumOff val="65000"/>
+          </a:schemeClr>
+        </a:solidFill>
+        <a:round/>
+      </a:ln>
+    </cs:spPr>
+  </cs:seriesLine>
+  <cs:title>
+    <cs:lnRef idx="0"/>
+    <cs:fillRef idx="0"/>
+    <cs:effectRef idx="0"/>
+    <cs:fontRef idx="minor">
+      <a:schemeClr val="tx1">
+        <a:lumMod val="65000"/>
+        <a:lumOff val="35000"/>
+      </a:schemeClr>
+    </cs:fontRef>
+    <cs:defRPr sz="1862" b="0" kern="1200" spc="0" baseline="0"/>
+  </cs:title>
+  <cs:trendline>
+    <cs:lnRef idx="0">
+      <cs:styleClr val="auto"/>
+    </cs:lnRef>
+    <cs:fillRef idx="0"/>
+    <cs:effectRef idx="0"/>
+    <cs:fontRef idx="minor">
+      <a:schemeClr val="tx1"/>
+    </cs:fontRef>
+    <cs:spPr>
+      <a:ln w="19050" cap="rnd">
+        <a:solidFill>
+          <a:schemeClr val="phClr"/>
+        </a:solidFill>
+        <a:prstDash val="sysDot"/>
+      </a:ln>
+    </cs:spPr>
+  </cs:trendline>
+  <cs:trendlineLabel>
+    <cs:lnRef idx="0"/>
+    <cs:fillRef idx="0"/>
+    <cs:effectRef idx="0"/>
+    <cs:fontRef idx="minor">
+      <a:schemeClr val="tx1">
+        <a:lumMod val="65000"/>
+        <a:lumOff val="35000"/>
+      </a:schemeClr>
+    </cs:fontRef>
+    <cs:defRPr sz="1197" kern="1200"/>
+  </cs:trendlineLabel>
+  <cs:upBar>
+    <cs:lnRef idx="0"/>
+    <cs:fillRef idx="0"/>
+    <cs:effectRef idx="0"/>
+    <cs:fontRef idx="minor">
+      <a:schemeClr val="tx1"/>
+    </cs:fontRef>
+    <cs:spPr>
+      <a:solidFill>
+        <a:schemeClr val="lt1"/>
+      </a:solidFill>
+      <a:ln w="9525" cap="flat" cmpd="sng" algn="ctr">
+        <a:solidFill>
+          <a:schemeClr val="tx1">
+            <a:lumMod val="65000"/>
+            <a:lumOff val="35000"/>
+          </a:schemeClr>
+        </a:solidFill>
+        <a:round/>
+      </a:ln>
+    </cs:spPr>
+  </cs:upBar>
+  <cs:valueAxis>
+    <cs:lnRef idx="0"/>
+    <cs:fillRef idx="0"/>
+    <cs:effectRef idx="0"/>
+    <cs:fontRef idx="minor">
+      <a:schemeClr val="tx1">
+        <a:lumMod val="65000"/>
+        <a:lumOff val="35000"/>
+      </a:schemeClr>
+    </cs:fontRef>
+    <cs:spPr>
+      <a:ln w="9525" cap="flat" cmpd="sng" algn="ctr">
+        <a:solidFill>
+          <a:schemeClr val="tx1">
+            <a:lumMod val="25000"/>
+            <a:lumOff val="75000"/>
+          </a:schemeClr>
+        </a:solidFill>
+        <a:round/>
+      </a:ln>
+    </cs:spPr>
+    <cs:defRPr sz="1197" kern="1200"/>
+  </cs:valueAxis>
+  <cs:wall>
+    <cs:lnRef idx="0"/>
+    <cs:fillRef idx="0"/>
+    <cs:effectRef idx="0"/>
+    <cs:fontRef idx="minor">
+      <a:schemeClr val="tx1"/>
+    </cs:fontRef>
+    <cs:spPr>
+      <a:noFill/>
+      <a:ln>
+        <a:noFill/>
+      </a:ln>
+    </cs:spPr>
+  </cs:wall>
+</cs:chartStyle>
+</file>
+
+<file path=ppt/charts/style2.xml><?xml version="1.0" encoding="utf-8"?>
+<cs:chartStyle xmlns:cs="http://schemas.microsoft.com/office/drawing/2012/chartStyle" xmlns:a="http://schemas.openxmlformats.org/drawingml/2006/main" id="240">
+  <cs:axisTitle>
+    <cs:lnRef idx="0"/>
+    <cs:fillRef idx="0"/>
+    <cs:effectRef idx="0"/>
+    <cs:fontRef idx="minor">
+      <a:schemeClr val="tx1">
+        <a:lumMod val="65000"/>
+        <a:lumOff val="35000"/>
+      </a:schemeClr>
+    </cs:fontRef>
+    <cs:defRPr sz="1330" kern="1200"/>
+  </cs:axisTitle>
+  <cs:categoryAxis>
+    <cs:lnRef idx="0"/>
+    <cs:fillRef idx="0"/>
+    <cs:effectRef idx="0"/>
+    <cs:fontRef idx="minor">
+      <a:schemeClr val="tx1">
+        <a:lumMod val="65000"/>
+        <a:lumOff val="35000"/>
+      </a:schemeClr>
+    </cs:fontRef>
+    <cs:spPr>
+      <a:ln w="9525" cap="flat" cmpd="sng" algn="ctr">
+        <a:solidFill>
+          <a:schemeClr val="tx1">
+            <a:lumMod val="25000"/>
+            <a:lumOff val="75000"/>
+          </a:schemeClr>
+        </a:solidFill>
+        <a:round/>
+      </a:ln>
+    </cs:spPr>
+    <cs:defRPr sz="1197" kern="1200"/>
+  </cs:categoryAxis>
+  <cs:chartArea mods="allowNoFillOverride allowNoLineOverride">
+    <cs:lnRef idx="0"/>
+    <cs:fillRef idx="0"/>
+    <cs:effectRef idx="0"/>
+    <cs:fontRef idx="minor">
+      <a:schemeClr val="tx1"/>
+    </cs:fontRef>
+    <cs:spPr>
+      <a:solidFill>
+        <a:schemeClr val="bg1"/>
+      </a:solidFill>
+      <a:ln w="9525" cap="flat" cmpd="sng" algn="ctr">
+        <a:solidFill>
+          <a:schemeClr val="tx1">
+            <a:lumMod val="15000"/>
+            <a:lumOff val="85000"/>
+          </a:schemeClr>
+        </a:solidFill>
+        <a:round/>
+      </a:ln>
+    </cs:spPr>
+    <cs:defRPr sz="1330" kern="1200"/>
+  </cs:chartArea>
+  <cs:dataLabel>
+    <cs:lnRef idx="0"/>
+    <cs:fillRef idx="0"/>
+    <cs:effectRef idx="0"/>
+    <cs:fontRef idx="minor">
+      <a:schemeClr val="tx1">
+        <a:lumMod val="75000"/>
+        <a:lumOff val="25000"/>
+      </a:schemeClr>
+    </cs:fontRef>
+    <cs:defRPr sz="1197" kern="1200"/>
+  </cs:dataLabel>
+  <cs:dataLabelCallout>
+    <cs:lnRef idx="0"/>
+    <cs:fillRef idx="0"/>
+    <cs:effectRef idx="0"/>
+    <cs:fontRef idx="minor">
+      <a:schemeClr val="dk1">
+        <a:lumMod val="65000"/>
+        <a:lumOff val="35000"/>
+      </a:schemeClr>
+    </cs:fontRef>
+    <cs:spPr>
+      <a:solidFill>
+        <a:schemeClr val="lt1"/>
+      </a:solidFill>
+      <a:ln>
+        <a:solidFill>
+          <a:schemeClr val="dk1">
+            <a:lumMod val="25000"/>
+            <a:lumOff val="75000"/>
+          </a:schemeClr>
+        </a:solidFill>
+      </a:ln>
+    </cs:spPr>
+    <cs:defRPr sz="1197" kern="1200"/>
+    <cs:bodyPr rot="0" spcFirstLastPara="1" vertOverflow="clip" horzOverflow="clip" vert="horz" wrap="square" lIns="36576" tIns="18288" rIns="36576" bIns="18288" anchor="ctr" anchorCtr="1">
+      <a:spAutoFit/>
+    </cs:bodyPr>
+  </cs:dataLabelCallout>
+  <cs:dataPoint>
+    <cs:lnRef idx="0"/>
+    <cs:fillRef idx="1">
+      <cs:styleClr val="auto"/>
+    </cs:fillRef>
+    <cs:effectRef idx="0"/>
+    <cs:fontRef idx="minor">
+      <a:schemeClr val="tx1"/>
+    </cs:fontRef>
+  </cs:dataPoint>
+  <cs:dataPoint3D>
+    <cs:lnRef idx="0"/>
+    <cs:fillRef idx="1">
+      <cs:styleClr val="auto"/>
+    </cs:fillRef>
+    <cs:effectRef idx="0"/>
+    <cs:fontRef idx="minor">
+      <a:schemeClr val="tx1"/>
+    </cs:fontRef>
+  </cs:dataPoint3D>
+  <cs:dataPointLine>
+    <cs:lnRef idx="0">
+      <cs:styleClr val="auto"/>
+    </cs:lnRef>
+    <cs:fillRef idx="1"/>
+    <cs:effectRef idx="0"/>
+    <cs:fontRef idx="minor">
+      <a:schemeClr val="tx1"/>
+    </cs:fontRef>
+    <cs:spPr>
+      <a:ln w="19050" cap="rnd">
+        <a:solidFill>
+          <a:schemeClr val="phClr"/>
+        </a:solidFill>
+        <a:round/>
+      </a:ln>
+    </cs:spPr>
+  </cs:dataPointLine>
+  <cs:dataPointMarker>
+    <cs:lnRef idx="0">
+      <cs:styleClr val="auto"/>
+    </cs:lnRef>
+    <cs:fillRef idx="1">
+      <cs:styleClr val="auto"/>
+    </cs:fillRef>
+    <cs:effectRef idx="0"/>
+    <cs:fontRef idx="minor">
+      <a:schemeClr val="tx1"/>
+    </cs:fontRef>
+    <cs:spPr>
+      <a:ln w="9525">
+        <a:solidFill>
+          <a:schemeClr val="phClr"/>
+        </a:solidFill>
+      </a:ln>
+    </cs:spPr>
+  </cs:dataPointMarker>
+  <cs:dataPointMarkerLayout symbol="circle" size="5"/>
+  <cs:dataPointWireframe>
+    <cs:lnRef idx="0">
+      <cs:styleClr val="auto"/>
+    </cs:lnRef>
+    <cs:fillRef idx="0"/>
+    <cs:effectRef idx="0"/>
+    <cs:fontRef idx="minor">
+      <a:schemeClr val="dk1"/>
+    </cs:fontRef>
+    <cs:spPr>
+      <a:ln w="9525" cap="rnd">
+        <a:solidFill>
+          <a:schemeClr val="phClr"/>
+        </a:solidFill>
+        <a:round/>
+      </a:ln>
+    </cs:spPr>
+  </cs:dataPointWireframe>
+  <cs:dataTable>
+    <cs:lnRef idx="0"/>
+    <cs:fillRef idx="0"/>
+    <cs:effectRef idx="0"/>
+    <cs:fontRef idx="minor">
+      <a:schemeClr val="tx1">
+        <a:lumMod val="65000"/>
+        <a:lumOff val="35000"/>
+      </a:schemeClr>
+    </cs:fontRef>
+    <cs:spPr>
+      <a:noFill/>
+      <a:ln w="9525" cap="flat" cmpd="sng" algn="ctr">
+        <a:solidFill>
+          <a:schemeClr val="tx1">
+            <a:lumMod val="15000"/>
+            <a:lumOff val="85000"/>
+          </a:schemeClr>
+        </a:solidFill>
+        <a:round/>
+      </a:ln>
+    </cs:spPr>
+    <cs:defRPr sz="1197" kern="1200"/>
+  </cs:dataTable>
+  <cs:downBar>
+    <cs:lnRef idx="0"/>
+    <cs:fillRef idx="0"/>
+    <cs:effectRef idx="0"/>
+    <cs:fontRef idx="minor">
+      <a:schemeClr val="tx1"/>
+    </cs:fontRef>
+    <cs:spPr>
+      <a:solidFill>
+        <a:schemeClr val="dk1">
+          <a:lumMod val="75000"/>
+          <a:lumOff val="25000"/>
+        </a:schemeClr>
+      </a:solidFill>
+      <a:ln w="9525" cap="flat" cmpd="sng" algn="ctr">
+        <a:solidFill>
+          <a:schemeClr val="tx1">
+            <a:lumMod val="65000"/>
+            <a:lumOff val="35000"/>
+          </a:schemeClr>
+        </a:solidFill>
+        <a:round/>
+      </a:ln>
+    </cs:spPr>
+  </cs:downBar>
+  <cs:dropLine>
+    <cs:lnRef idx="0"/>
+    <cs:fillRef idx="0"/>
+    <cs:effectRef idx="0"/>
+    <cs:fontRef idx="minor">
+      <a:schemeClr val="tx1"/>
+    </cs:fontRef>
+    <cs:spPr>
+      <a:ln w="9525" cap="flat" cmpd="sng" algn="ctr">
+        <a:solidFill>
+          <a:schemeClr val="tx1">
+            <a:lumMod val="35000"/>
+            <a:lumOff val="65000"/>
+          </a:schemeClr>
+        </a:solidFill>
+        <a:round/>
+      </a:ln>
+    </cs:spPr>
+  </cs:dropLine>
+  <cs:errorBar>
+    <cs:lnRef idx="0"/>
+    <cs:fillRef idx="0"/>
+    <cs:effectRef idx="0"/>
+    <cs:fontRef idx="minor">
+      <a:schemeClr val="tx1"/>
+    </cs:fontRef>
+    <cs:spPr>
+      <a:ln w="9525" cap="flat" cmpd="sng" algn="ctr">
+        <a:solidFill>
+          <a:schemeClr val="tx1">
+            <a:lumMod val="65000"/>
+            <a:lumOff val="35000"/>
+          </a:schemeClr>
+        </a:solidFill>
+        <a:round/>
+      </a:ln>
+    </cs:spPr>
+  </cs:errorBar>
+  <cs:floor>
+    <cs:lnRef idx="0"/>
+    <cs:fillRef idx="0"/>
+    <cs:effectRef idx="0"/>
+    <cs:fontRef idx="minor">
+      <a:schemeClr val="tx1"/>
+    </cs:fontRef>
+    <cs:spPr>
+      <a:noFill/>
+      <a:ln>
+        <a:noFill/>
+      </a:ln>
+    </cs:spPr>
+  </cs:floor>
+  <cs:gridlineMajor>
+    <cs:lnRef idx="0"/>
+    <cs:fillRef idx="0"/>
+    <cs:effectRef idx="0"/>
+    <cs:fontRef idx="minor">
+      <a:schemeClr val="tx1"/>
+    </cs:fontRef>
+    <cs:spPr>
+      <a:ln w="9525" cap="flat" cmpd="sng" algn="ctr">
+        <a:solidFill>
+          <a:schemeClr val="tx1">
+            <a:lumMod val="15000"/>
+            <a:lumOff val="85000"/>
+          </a:schemeClr>
+        </a:solidFill>
+        <a:round/>
+      </a:ln>
+    </cs:spPr>
+  </cs:gridlineMajor>
+  <cs:gridlineMinor>
+    <cs:lnRef idx="0"/>
+    <cs:fillRef idx="0"/>
+    <cs:effectRef idx="0"/>
+    <cs:fontRef idx="minor">
+      <a:schemeClr val="tx1"/>
+    </cs:fontRef>
+    <cs:spPr>
+      <a:ln w="9525" cap="flat" cmpd="sng" algn="ctr">
+        <a:solidFill>
+          <a:schemeClr val="tx1">
+            <a:lumMod val="5000"/>
+            <a:lumOff val="95000"/>
+          </a:schemeClr>
+        </a:solidFill>
+        <a:round/>
+      </a:ln>
+    </cs:spPr>
+  </cs:gridlineMinor>
+  <cs:hiLoLine>
+    <cs:lnRef idx="0"/>
+    <cs:fillRef idx="0"/>
+    <cs:effectRef idx="0"/>
+    <cs:fontRef idx="minor">
+      <a:schemeClr val="tx1"/>
+    </cs:fontRef>
+    <cs:spPr>
+      <a:ln w="9525" cap="flat" cmpd="sng" algn="ctr">
+        <a:solidFill>
+          <a:schemeClr val="tx1">
+            <a:lumMod val="50000"/>
+            <a:lumOff val="50000"/>
+          </a:schemeClr>
+        </a:solidFill>
+        <a:round/>
+      </a:ln>
+    </cs:spPr>
+  </cs:hiLoLine>
+  <cs:leaderLine>
+    <cs:lnRef idx="0"/>
+    <cs:fillRef idx="0"/>
+    <cs:effectRef idx="0"/>
+    <cs:fontRef idx="minor">
+      <a:schemeClr val="tx1"/>
+    </cs:fontRef>
+    <cs:spPr>
+      <a:ln w="9525" cap="flat" cmpd="sng" algn="ctr">
+        <a:solidFill>
+          <a:schemeClr val="tx1">
+            <a:lumMod val="35000"/>
+            <a:lumOff val="65000"/>
+          </a:schemeClr>
+        </a:solidFill>
+        <a:round/>
+      </a:ln>
+    </cs:spPr>
+  </cs:leaderLine>
+  <cs:legend>
+    <cs:lnRef idx="0"/>
+    <cs:fillRef idx="0"/>
+    <cs:effectRef idx="0"/>
+    <cs:fontRef idx="minor">
+      <a:schemeClr val="tx1">
+        <a:lumMod val="65000"/>
+        <a:lumOff val="35000"/>
+      </a:schemeClr>
+    </cs:fontRef>
+    <cs:defRPr sz="1197" kern="1200"/>
+  </cs:legend>
+  <cs:plotArea mods="allowNoFillOverride allowNoLineOverride">
+    <cs:lnRef idx="0"/>
+    <cs:fillRef idx="0"/>
+    <cs:effectRef idx="0"/>
+    <cs:fontRef idx="minor">
+      <a:schemeClr val="tx1"/>
+    </cs:fontRef>
+  </cs:plotArea>
+  <cs:plotArea3D mods="allowNoFillOverride allowNoLineOverride">
+    <cs:lnRef idx="0"/>
+    <cs:fillRef idx="0"/>
+    <cs:effectRef idx="0"/>
+    <cs:fontRef idx="minor">
+      <a:schemeClr val="tx1"/>
+    </cs:fontRef>
+  </cs:plotArea3D>
+  <cs:seriesAxis>
+    <cs:lnRef idx="0"/>
+    <cs:fillRef idx="0"/>
+    <cs:effectRef idx="0"/>
+    <cs:fontRef idx="minor">
+      <a:schemeClr val="tx1">
+        <a:lumMod val="65000"/>
+        <a:lumOff val="35000"/>
+      </a:schemeClr>
+    </cs:fontRef>
+    <cs:defRPr sz="1197" kern="1200"/>
+  </cs:seriesAxis>
+  <cs:seriesLine>
+    <cs:lnRef idx="0"/>
+    <cs:fillRef idx="0"/>
+    <cs:effectRef idx="0"/>
+    <cs:fontRef idx="minor">
+      <a:schemeClr val="tx1"/>
+    </cs:fontRef>
+    <cs:spPr>
+      <a:ln w="9525" cap="flat" cmpd="sng" algn="ctr">
+        <a:solidFill>
+          <a:schemeClr val="tx1">
+            <a:lumMod val="35000"/>
+            <a:lumOff val="65000"/>
+          </a:schemeClr>
+        </a:solidFill>
+        <a:round/>
+      </a:ln>
+    </cs:spPr>
+  </cs:seriesLine>
+  <cs:title>
+    <cs:lnRef idx="0"/>
+    <cs:fillRef idx="0"/>
+    <cs:effectRef idx="0"/>
+    <cs:fontRef idx="minor">
+      <a:schemeClr val="tx1">
+        <a:lumMod val="65000"/>
+        <a:lumOff val="35000"/>
+      </a:schemeClr>
+    </cs:fontRef>
+    <cs:defRPr sz="1862" b="0" kern="1200" spc="0" baseline="0"/>
+  </cs:title>
+  <cs:trendline>
+    <cs:lnRef idx="0">
+      <cs:styleClr val="auto"/>
+    </cs:lnRef>
+    <cs:fillRef idx="0"/>
+    <cs:effectRef idx="0"/>
+    <cs:fontRef idx="minor">
+      <a:schemeClr val="tx1"/>
+    </cs:fontRef>
+    <cs:spPr>
+      <a:ln w="19050" cap="rnd">
+        <a:solidFill>
+          <a:schemeClr val="phClr"/>
+        </a:solidFill>
+        <a:prstDash val="sysDot"/>
+      </a:ln>
+    </cs:spPr>
+  </cs:trendline>
+  <cs:trendlineLabel>
+    <cs:lnRef idx="0"/>
+    <cs:fillRef idx="0"/>
+    <cs:effectRef idx="0"/>
+    <cs:fontRef idx="minor">
+      <a:schemeClr val="tx1">
+        <a:lumMod val="65000"/>
+        <a:lumOff val="35000"/>
+      </a:schemeClr>
+    </cs:fontRef>
+    <cs:defRPr sz="1197" kern="1200"/>
+  </cs:trendlineLabel>
+  <cs:upBar>
+    <cs:lnRef idx="0"/>
+    <cs:fillRef idx="0"/>
+    <cs:effectRef idx="0"/>
+    <cs:fontRef idx="minor">
+      <a:schemeClr val="tx1"/>
+    </cs:fontRef>
+    <cs:spPr>
+      <a:solidFill>
+        <a:schemeClr val="lt1"/>
+      </a:solidFill>
+      <a:ln w="9525" cap="flat" cmpd="sng" algn="ctr">
+        <a:solidFill>
+          <a:schemeClr val="tx1">
+            <a:lumMod val="65000"/>
+            <a:lumOff val="35000"/>
+          </a:schemeClr>
+        </a:solidFill>
+        <a:round/>
+      </a:ln>
+    </cs:spPr>
+  </cs:upBar>
+  <cs:valueAxis>
+    <cs:lnRef idx="0"/>
+    <cs:fillRef idx="0"/>
+    <cs:effectRef idx="0"/>
+    <cs:fontRef idx="minor">
+      <a:schemeClr val="tx1">
+        <a:lumMod val="65000"/>
+        <a:lumOff val="35000"/>
+      </a:schemeClr>
+    </cs:fontRef>
+    <cs:spPr>
+      <a:ln w="9525" cap="flat" cmpd="sng" algn="ctr">
+        <a:solidFill>
+          <a:schemeClr val="tx1">
+            <a:lumMod val="25000"/>
+            <a:lumOff val="75000"/>
+          </a:schemeClr>
+        </a:solidFill>
+        <a:round/>
+      </a:ln>
+    </cs:spPr>
+    <cs:defRPr sz="1197" kern="1200"/>
+  </cs:valueAxis>
+  <cs:wall>
+    <cs:lnRef idx="0"/>
+    <cs:fillRef idx="0"/>
+    <cs:effectRef idx="0"/>
+    <cs:fontRef idx="minor">
+      <a:schemeClr val="tx1"/>
+    </cs:fontRef>
+    <cs:spPr>
+      <a:noFill/>
+      <a:ln>
+        <a:noFill/>
+      </a:ln>
+    </cs:spPr>
+  </cs:wall>
+</cs:chartStyle>
+</file>
+
+<file path=ppt/charts/style3.xml><?xml version="1.0" encoding="utf-8"?>
+<cs:chartStyle xmlns:cs="http://schemas.microsoft.com/office/drawing/2012/chartStyle" xmlns:a="http://schemas.openxmlformats.org/drawingml/2006/main" id="240">
+  <cs:axisTitle>
+    <cs:lnRef idx="0"/>
+    <cs:fillRef idx="0"/>
+    <cs:effectRef idx="0"/>
+    <cs:fontRef idx="minor">
+      <a:schemeClr val="tx1">
+        <a:lumMod val="65000"/>
+        <a:lumOff val="35000"/>
+      </a:schemeClr>
+    </cs:fontRef>
+    <cs:defRPr sz="1330" kern="1200"/>
+  </cs:axisTitle>
+  <cs:categoryAxis>
+    <cs:lnRef idx="0"/>
+    <cs:fillRef idx="0"/>
+    <cs:effectRef idx="0"/>
+    <cs:fontRef idx="minor">
+      <a:schemeClr val="tx1">
+        <a:lumMod val="65000"/>
+        <a:lumOff val="35000"/>
+      </a:schemeClr>
+    </cs:fontRef>
+    <cs:spPr>
+      <a:ln w="9525" cap="flat" cmpd="sng" algn="ctr">
+        <a:solidFill>
+          <a:schemeClr val="tx1">
+            <a:lumMod val="25000"/>
+            <a:lumOff val="75000"/>
+          </a:schemeClr>
+        </a:solidFill>
+        <a:round/>
+      </a:ln>
+    </cs:spPr>
+    <cs:defRPr sz="1197" kern="1200"/>
+  </cs:categoryAxis>
+  <cs:chartArea mods="allowNoFillOverride allowNoLineOverride">
+    <cs:lnRef idx="0"/>
+    <cs:fillRef idx="0"/>
+    <cs:effectRef idx="0"/>
+    <cs:fontRef idx="minor">
+      <a:schemeClr val="tx1"/>
+    </cs:fontRef>
+    <cs:spPr>
+      <a:solidFill>
+        <a:schemeClr val="bg1"/>
+      </a:solidFill>
+      <a:ln w="9525" cap="flat" cmpd="sng" algn="ctr">
+        <a:solidFill>
+          <a:schemeClr val="tx1">
+            <a:lumMod val="15000"/>
+            <a:lumOff val="85000"/>
+          </a:schemeClr>
+        </a:solidFill>
+        <a:round/>
+      </a:ln>
+    </cs:spPr>
+    <cs:defRPr sz="1330" kern="1200"/>
+  </cs:chartArea>
+  <cs:dataLabel>
+    <cs:lnRef idx="0"/>
+    <cs:fillRef idx="0"/>
+    <cs:effectRef idx="0"/>
+    <cs:fontRef idx="minor">
+      <a:schemeClr val="tx1">
+        <a:lumMod val="75000"/>
+        <a:lumOff val="25000"/>
+      </a:schemeClr>
+    </cs:fontRef>
+    <cs:defRPr sz="1197" kern="1200"/>
+  </cs:dataLabel>
+  <cs:dataLabelCallout>
+    <cs:lnRef idx="0"/>
+    <cs:fillRef idx="0"/>
+    <cs:effectRef idx="0"/>
+    <cs:fontRef idx="minor">
+      <a:schemeClr val="dk1">
+        <a:lumMod val="65000"/>
+        <a:lumOff val="35000"/>
+      </a:schemeClr>
+    </cs:fontRef>
+    <cs:spPr>
+      <a:solidFill>
+        <a:schemeClr val="lt1"/>
+      </a:solidFill>
+      <a:ln>
+        <a:solidFill>
+          <a:schemeClr val="dk1">
+            <a:lumMod val="25000"/>
+            <a:lumOff val="75000"/>
+          </a:schemeClr>
+        </a:solidFill>
+      </a:ln>
+    </cs:spPr>
+    <cs:defRPr sz="1197" kern="1200"/>
+    <cs:bodyPr rot="0" spcFirstLastPara="1" vertOverflow="clip" horzOverflow="clip" vert="horz" wrap="square" lIns="36576" tIns="18288" rIns="36576" bIns="18288" anchor="ctr" anchorCtr="1">
+      <a:spAutoFit/>
+    </cs:bodyPr>
+  </cs:dataLabelCallout>
+  <cs:dataPoint>
+    <cs:lnRef idx="0"/>
+    <cs:fillRef idx="1">
+      <cs:styleClr val="auto"/>
+    </cs:fillRef>
+    <cs:effectRef idx="0"/>
+    <cs:fontRef idx="minor">
+      <a:schemeClr val="tx1"/>
+    </cs:fontRef>
+  </cs:dataPoint>
+  <cs:dataPoint3D>
+    <cs:lnRef idx="0"/>
+    <cs:fillRef idx="1">
+      <cs:styleClr val="auto"/>
+    </cs:fillRef>
+    <cs:effectRef idx="0"/>
+    <cs:fontRef idx="minor">
+      <a:schemeClr val="tx1"/>
+    </cs:fontRef>
+  </cs:dataPoint3D>
+  <cs:dataPointLine>
+    <cs:lnRef idx="0">
+      <cs:styleClr val="auto"/>
+    </cs:lnRef>
+    <cs:fillRef idx="1"/>
+    <cs:effectRef idx="0"/>
+    <cs:fontRef idx="minor">
+      <a:schemeClr val="tx1"/>
+    </cs:fontRef>
+    <cs:spPr>
+      <a:ln w="19050" cap="rnd">
+        <a:solidFill>
+          <a:schemeClr val="phClr"/>
+        </a:solidFill>
+        <a:round/>
+      </a:ln>
+    </cs:spPr>
+  </cs:dataPointLine>
+  <cs:dataPointMarker>
+    <cs:lnRef idx="0">
+      <cs:styleClr val="auto"/>
+    </cs:lnRef>
+    <cs:fillRef idx="1">
+      <cs:styleClr val="auto"/>
+    </cs:fillRef>
+    <cs:effectRef idx="0"/>
+    <cs:fontRef idx="minor">
+      <a:schemeClr val="tx1"/>
+    </cs:fontRef>
+    <cs:spPr>
+      <a:ln w="9525">
+        <a:solidFill>
+          <a:schemeClr val="phClr"/>
+        </a:solidFill>
+      </a:ln>
+    </cs:spPr>
+  </cs:dataPointMarker>
+  <cs:dataPointMarkerLayout symbol="circle" size="5"/>
+  <cs:dataPointWireframe>
+    <cs:lnRef idx="0">
+      <cs:styleClr val="auto"/>
+    </cs:lnRef>
+    <cs:fillRef idx="0"/>
+    <cs:effectRef idx="0"/>
+    <cs:fontRef idx="minor">
+      <a:schemeClr val="dk1"/>
+    </cs:fontRef>
+    <cs:spPr>
+      <a:ln w="9525" cap="rnd">
+        <a:solidFill>
+          <a:schemeClr val="phClr"/>
+        </a:solidFill>
+        <a:round/>
+      </a:ln>
+    </cs:spPr>
+  </cs:dataPointWireframe>
+  <cs:dataTable>
+    <cs:lnRef idx="0"/>
+    <cs:fillRef idx="0"/>
+    <cs:effectRef idx="0"/>
+    <cs:fontRef idx="minor">
+      <a:schemeClr val="tx1">
+        <a:lumMod val="65000"/>
+        <a:lumOff val="35000"/>
+      </a:schemeClr>
+    </cs:fontRef>
+    <cs:spPr>
+      <a:noFill/>
+      <a:ln w="9525" cap="flat" cmpd="sng" algn="ctr">
+        <a:solidFill>
+          <a:schemeClr val="tx1">
+            <a:lumMod val="15000"/>
+            <a:lumOff val="85000"/>
+          </a:schemeClr>
+        </a:solidFill>
+        <a:round/>
+      </a:ln>
+    </cs:spPr>
+    <cs:defRPr sz="1197" kern="1200"/>
+  </cs:dataTable>
+  <cs:downBar>
+    <cs:lnRef idx="0"/>
+    <cs:fillRef idx="0"/>
+    <cs:effectRef idx="0"/>
+    <cs:fontRef idx="minor">
+      <a:schemeClr val="tx1"/>
+    </cs:fontRef>
+    <cs:spPr>
+      <a:solidFill>
+        <a:schemeClr val="dk1">
+          <a:lumMod val="75000"/>
+          <a:lumOff val="25000"/>
+        </a:schemeClr>
+      </a:solidFill>
+      <a:ln w="9525" cap="flat" cmpd="sng" algn="ctr">
+        <a:solidFill>
+          <a:schemeClr val="tx1">
+            <a:lumMod val="65000"/>
+            <a:lumOff val="35000"/>
+          </a:schemeClr>
+        </a:solidFill>
+        <a:round/>
+      </a:ln>
+    </cs:spPr>
+  </cs:downBar>
+  <cs:dropLine>
+    <cs:lnRef idx="0"/>
+    <cs:fillRef idx="0"/>
+    <cs:effectRef idx="0"/>
+    <cs:fontRef idx="minor">
+      <a:schemeClr val="tx1"/>
+    </cs:fontRef>
+    <cs:spPr>
+      <a:ln w="9525" cap="flat" cmpd="sng" algn="ctr">
+        <a:solidFill>
+          <a:schemeClr val="tx1">
+            <a:lumMod val="35000"/>
+            <a:lumOff val="65000"/>
+          </a:schemeClr>
+        </a:solidFill>
+        <a:round/>
+      </a:ln>
+    </cs:spPr>
+  </cs:dropLine>
+  <cs:errorBar>
+    <cs:lnRef idx="0"/>
+    <cs:fillRef idx="0"/>
+    <cs:effectRef idx="0"/>
+    <cs:fontRef idx="minor">
+      <a:schemeClr val="tx1"/>
+    </cs:fontRef>
+    <cs:spPr>
+      <a:ln w="9525" cap="flat" cmpd="sng" algn="ctr">
+        <a:solidFill>
+          <a:schemeClr val="tx1">
+            <a:lumMod val="65000"/>
+            <a:lumOff val="35000"/>
+          </a:schemeClr>
+        </a:solidFill>
+        <a:round/>
+      </a:ln>
+    </cs:spPr>
+  </cs:errorBar>
+  <cs:floor>
+    <cs:lnRef idx="0"/>
+    <cs:fillRef idx="0"/>
+    <cs:effectRef idx="0"/>
+    <cs:fontRef idx="minor">
+      <a:schemeClr val="tx1"/>
+    </cs:fontRef>
+    <cs:spPr>
+      <a:noFill/>
+      <a:ln>
+        <a:noFill/>
+      </a:ln>
+    </cs:spPr>
+  </cs:floor>
+  <cs:gridlineMajor>
+    <cs:lnRef idx="0"/>
+    <cs:fillRef idx="0"/>
+    <cs:effectRef idx="0"/>
+    <cs:fontRef idx="minor">
+      <a:schemeClr val="tx1"/>
+    </cs:fontRef>
+    <cs:spPr>
+      <a:ln w="9525" cap="flat" cmpd="sng" algn="ctr">
+        <a:solidFill>
+          <a:schemeClr val="tx1">
+            <a:lumMod val="15000"/>
+            <a:lumOff val="85000"/>
+          </a:schemeClr>
+        </a:solidFill>
+        <a:round/>
+      </a:ln>
+    </cs:spPr>
+  </cs:gridlineMajor>
+  <cs:gridlineMinor>
+    <cs:lnRef idx="0"/>
+    <cs:fillRef idx="0"/>
+    <cs:effectRef idx="0"/>
+    <cs:fontRef idx="minor">
+      <a:schemeClr val="tx1"/>
+    </cs:fontRef>
+    <cs:spPr>
+      <a:ln w="9525" cap="flat" cmpd="sng" algn="ctr">
+        <a:solidFill>
+          <a:schemeClr val="tx1">
+            <a:lumMod val="5000"/>
+            <a:lumOff val="95000"/>
+          </a:schemeClr>
+        </a:solidFill>
+        <a:round/>
+      </a:ln>
+    </cs:spPr>
+  </cs:gridlineMinor>
+  <cs:hiLoLine>
+    <cs:lnRef idx="0"/>
+    <cs:fillRef idx="0"/>
+    <cs:effectRef idx="0"/>
+    <cs:fontRef idx="minor">
+      <a:schemeClr val="tx1"/>
+    </cs:fontRef>
+    <cs:spPr>
+      <a:ln w="9525" cap="flat" cmpd="sng" algn="ctr">
+        <a:solidFill>
+          <a:schemeClr val="tx1">
+            <a:lumMod val="50000"/>
+            <a:lumOff val="50000"/>
+          </a:schemeClr>
+        </a:solidFill>
+        <a:round/>
+      </a:ln>
+    </cs:spPr>
+  </cs:hiLoLine>
+  <cs:leaderLine>
+    <cs:lnRef idx="0"/>
+    <cs:fillRef idx="0"/>
+    <cs:effectRef idx="0"/>
+    <cs:fontRef idx="minor">
+      <a:schemeClr val="tx1"/>
+    </cs:fontRef>
+    <cs:spPr>
+      <a:ln w="9525" cap="flat" cmpd="sng" algn="ctr">
+        <a:solidFill>
+          <a:schemeClr val="tx1">
+            <a:lumMod val="35000"/>
+            <a:lumOff val="65000"/>
+          </a:schemeClr>
+        </a:solidFill>
+        <a:round/>
+      </a:ln>
+    </cs:spPr>
+  </cs:leaderLine>
+  <cs:legend>
+    <cs:lnRef idx="0"/>
+    <cs:fillRef idx="0"/>
+    <cs:effectRef idx="0"/>
+    <cs:fontRef idx="minor">
+      <a:schemeClr val="tx1">
+        <a:lumMod val="65000"/>
+        <a:lumOff val="35000"/>
+      </a:schemeClr>
+    </cs:fontRef>
+    <cs:defRPr sz="1197" kern="1200"/>
+  </cs:legend>
+  <cs:plotArea mods="allowNoFillOverride allowNoLineOverride">
+    <cs:lnRef idx="0"/>
+    <cs:fillRef idx="0"/>
+    <cs:effectRef idx="0"/>
+    <cs:fontRef idx="minor">
+      <a:schemeClr val="tx1"/>
+    </cs:fontRef>
+  </cs:plotArea>
+  <cs:plotArea3D mods="allowNoFillOverride allowNoLineOverride">
+    <cs:lnRef idx="0"/>
+    <cs:fillRef idx="0"/>
+    <cs:effectRef idx="0"/>
+    <cs:fontRef idx="minor">
+      <a:schemeClr val="tx1"/>
+    </cs:fontRef>
+  </cs:plotArea3D>
+  <cs:seriesAxis>
+    <cs:lnRef idx="0"/>
+    <cs:fillRef idx="0"/>
+    <cs:effectRef idx="0"/>
+    <cs:fontRef idx="minor">
+      <a:schemeClr val="tx1">
+        <a:lumMod val="65000"/>
+        <a:lumOff val="35000"/>
+      </a:schemeClr>
+    </cs:fontRef>
+    <cs:defRPr sz="1197" kern="1200"/>
+  </cs:seriesAxis>
+  <cs:seriesLine>
+    <cs:lnRef idx="0"/>
+    <cs:fillRef idx="0"/>
+    <cs:effectRef idx="0"/>
+    <cs:fontRef idx="minor">
+      <a:schemeClr val="tx1"/>
+    </cs:fontRef>
+    <cs:spPr>
+      <a:ln w="9525" cap="flat" cmpd="sng" algn="ctr">
+        <a:solidFill>
+          <a:schemeClr val="tx1">
+            <a:lumMod val="35000"/>
+            <a:lumOff val="65000"/>
+          </a:schemeClr>
+        </a:solidFill>
+        <a:round/>
+      </a:ln>
+    </cs:spPr>
+  </cs:seriesLine>
+  <cs:title>
+    <cs:lnRef idx="0"/>
+    <cs:fillRef idx="0"/>
+    <cs:effectRef idx="0"/>
+    <cs:fontRef idx="minor">
+      <a:schemeClr val="tx1">
+        <a:lumMod val="65000"/>
+        <a:lumOff val="35000"/>
+      </a:schemeClr>
+    </cs:fontRef>
+    <cs:defRPr sz="1862" b="0" kern="1200" spc="0" baseline="0"/>
+  </cs:title>
+  <cs:trendline>
+    <cs:lnRef idx="0">
+      <cs:styleClr val="auto"/>
+    </cs:lnRef>
+    <cs:fillRef idx="0"/>
+    <cs:effectRef idx="0"/>
+    <cs:fontRef idx="minor">
+      <a:schemeClr val="tx1"/>
+    </cs:fontRef>
+    <cs:spPr>
+      <a:ln w="19050" cap="rnd">
+        <a:solidFill>
+          <a:schemeClr val="phClr"/>
+        </a:solidFill>
+        <a:prstDash val="sysDot"/>
+      </a:ln>
+    </cs:spPr>
+  </cs:trendline>
+  <cs:trendlineLabel>
+    <cs:lnRef idx="0"/>
+    <cs:fillRef idx="0"/>
+    <cs:effectRef idx="0"/>
+    <cs:fontRef idx="minor">
+      <a:schemeClr val="tx1">
+        <a:lumMod val="65000"/>
+        <a:lumOff val="35000"/>
+      </a:schemeClr>
+    </cs:fontRef>
+    <cs:defRPr sz="1197" kern="1200"/>
+  </cs:trendlineLabel>
+  <cs:upBar>
+    <cs:lnRef idx="0"/>
+    <cs:fillRef idx="0"/>
+    <cs:effectRef idx="0"/>
+    <cs:fontRef idx="minor">
+      <a:schemeClr val="tx1"/>
+    </cs:fontRef>
+    <cs:spPr>
+      <a:solidFill>
+        <a:schemeClr val="lt1"/>
+      </a:solidFill>
+      <a:ln w="9525" cap="flat" cmpd="sng" algn="ctr">
+        <a:solidFill>
+          <a:schemeClr val="tx1">
+            <a:lumMod val="65000"/>
+            <a:lumOff val="35000"/>
+          </a:schemeClr>
+        </a:solidFill>
+        <a:round/>
+      </a:ln>
+    </cs:spPr>
+  </cs:upBar>
+  <cs:valueAxis>
+    <cs:lnRef idx="0"/>
+    <cs:fillRef idx="0"/>
+    <cs:effectRef idx="0"/>
+    <cs:fontRef idx="minor">
+      <a:schemeClr val="tx1">
+        <a:lumMod val="65000"/>
+        <a:lumOff val="35000"/>
+      </a:schemeClr>
+    </cs:fontRef>
+    <cs:spPr>
+      <a:ln w="9525" cap="flat" cmpd="sng" algn="ctr">
+        <a:solidFill>
+          <a:schemeClr val="tx1">
+            <a:lumMod val="25000"/>
+            <a:lumOff val="75000"/>
+          </a:schemeClr>
+        </a:solidFill>
+        <a:round/>
+      </a:ln>
+    </cs:spPr>
+    <cs:defRPr sz="1197" kern="1200"/>
+  </cs:valueAxis>
+  <cs:wall>
+    <cs:lnRef idx="0"/>
+    <cs:fillRef idx="0"/>
+    <cs:effectRef idx="0"/>
+    <cs:fontRef idx="minor">
+      <a:schemeClr val="tx1"/>
+    </cs:fontRef>
+    <cs:spPr>
+      <a:noFill/>
+      <a:ln>
+        <a:noFill/>
+      </a:ln>
+    </cs:spPr>
+  </cs:wall>
+</cs:chartStyle>
+</file>
+
+<file path=ppt/charts/style4.xml><?xml version="1.0" encoding="utf-8"?>
+<cs:chartStyle xmlns:cs="http://schemas.microsoft.com/office/drawing/2012/chartStyle" xmlns:a="http://schemas.openxmlformats.org/drawingml/2006/main" id="240">
+  <cs:axisTitle>
+    <cs:lnRef idx="0"/>
+    <cs:fillRef idx="0"/>
+    <cs:effectRef idx="0"/>
+    <cs:fontRef idx="minor">
+      <a:schemeClr val="tx1">
+        <a:lumMod val="65000"/>
+        <a:lumOff val="35000"/>
+      </a:schemeClr>
+    </cs:fontRef>
+    <cs:defRPr sz="1330" kern="1200"/>
+  </cs:axisTitle>
+  <cs:categoryAxis>
+    <cs:lnRef idx="0"/>
+    <cs:fillRef idx="0"/>
+    <cs:effectRef idx="0"/>
+    <cs:fontRef idx="minor">
+      <a:schemeClr val="tx1">
+        <a:lumMod val="65000"/>
+        <a:lumOff val="35000"/>
+      </a:schemeClr>
+    </cs:fontRef>
+    <cs:spPr>
+      <a:ln w="9525" cap="flat" cmpd="sng" algn="ctr">
+        <a:solidFill>
+          <a:schemeClr val="tx1">
+            <a:lumMod val="25000"/>
+            <a:lumOff val="75000"/>
+          </a:schemeClr>
+        </a:solidFill>
+        <a:round/>
+      </a:ln>
+    </cs:spPr>
+    <cs:defRPr sz="1197" kern="1200"/>
+  </cs:categoryAxis>
+  <cs:chartArea mods="allowNoFillOverride allowNoLineOverride">
+    <cs:lnRef idx="0"/>
+    <cs:fillRef idx="0"/>
+    <cs:effectRef idx="0"/>
+    <cs:fontRef idx="minor">
+      <a:schemeClr val="tx1"/>
+    </cs:fontRef>
+    <cs:spPr>
+      <a:solidFill>
+        <a:schemeClr val="bg1"/>
+      </a:solidFill>
+      <a:ln w="9525" cap="flat" cmpd="sng" algn="ctr">
+        <a:solidFill>
+          <a:schemeClr val="tx1">
+            <a:lumMod val="15000"/>
+            <a:lumOff val="85000"/>
+          </a:schemeClr>
+        </a:solidFill>
+        <a:round/>
+      </a:ln>
+    </cs:spPr>
+    <cs:defRPr sz="1330" kern="1200"/>
+  </cs:chartArea>
+  <cs:dataLabel>
+    <cs:lnRef idx="0"/>
+    <cs:fillRef idx="0"/>
+    <cs:effectRef idx="0"/>
+    <cs:fontRef idx="minor">
+      <a:schemeClr val="tx1">
+        <a:lumMod val="75000"/>
+        <a:lumOff val="25000"/>
+      </a:schemeClr>
+    </cs:fontRef>
+    <cs:defRPr sz="1197" kern="1200"/>
+  </cs:dataLabel>
+  <cs:dataLabelCallout>
+    <cs:lnRef idx="0"/>
+    <cs:fillRef idx="0"/>
+    <cs:effectRef idx="0"/>
+    <cs:fontRef idx="minor">
+      <a:schemeClr val="dk1">
+        <a:lumMod val="65000"/>
+        <a:lumOff val="35000"/>
+      </a:schemeClr>
+    </cs:fontRef>
+    <cs:spPr>
+      <a:solidFill>
+        <a:schemeClr val="lt1"/>
+      </a:solidFill>
+      <a:ln>
+        <a:solidFill>
+          <a:schemeClr val="dk1">
+            <a:lumMod val="25000"/>
+            <a:lumOff val="75000"/>
+          </a:schemeClr>
+        </a:solidFill>
+      </a:ln>
+    </cs:spPr>
+    <cs:defRPr sz="1197" kern="1200"/>
+    <cs:bodyPr rot="0" spcFirstLastPara="1" vertOverflow="clip" horzOverflow="clip" vert="horz" wrap="square" lIns="36576" tIns="18288" rIns="36576" bIns="18288" anchor="ctr" anchorCtr="1">
+      <a:spAutoFit/>
+    </cs:bodyPr>
+  </cs:dataLabelCallout>
+  <cs:dataPoint>
+    <cs:lnRef idx="0"/>
+    <cs:fillRef idx="1">
+      <cs:styleClr val="auto"/>
+    </cs:fillRef>
+    <cs:effectRef idx="0"/>
+    <cs:fontRef idx="minor">
+      <a:schemeClr val="tx1"/>
+    </cs:fontRef>
+  </cs:dataPoint>
+  <cs:dataPoint3D>
+    <cs:lnRef idx="0"/>
+    <cs:fillRef idx="1">
+      <cs:styleClr val="auto"/>
+    </cs:fillRef>
+    <cs:effectRef idx="0"/>
+    <cs:fontRef idx="minor">
+      <a:schemeClr val="tx1"/>
+    </cs:fontRef>
+  </cs:dataPoint3D>
+  <cs:dataPointLine>
+    <cs:lnRef idx="0">
+      <cs:styleClr val="auto"/>
+    </cs:lnRef>
+    <cs:fillRef idx="1"/>
+    <cs:effectRef idx="0"/>
+    <cs:fontRef idx="minor">
+      <a:schemeClr val="tx1"/>
+    </cs:fontRef>
+    <cs:spPr>
+      <a:ln w="19050" cap="rnd">
+        <a:solidFill>
+          <a:schemeClr val="phClr"/>
+        </a:solidFill>
+        <a:round/>
+      </a:ln>
+    </cs:spPr>
+  </cs:dataPointLine>
+  <cs:dataPointMarker>
+    <cs:lnRef idx="0">
+      <cs:styleClr val="auto"/>
+    </cs:lnRef>
+    <cs:fillRef idx="1">
+      <cs:styleClr val="auto"/>
+    </cs:fillRef>
+    <cs:effectRef idx="0"/>
+    <cs:fontRef idx="minor">
+      <a:schemeClr val="tx1"/>
+    </cs:fontRef>
+    <cs:spPr>
+      <a:ln w="9525">
+        <a:solidFill>
+          <a:schemeClr val="phClr"/>
+        </a:solidFill>
+      </a:ln>
+    </cs:spPr>
+  </cs:dataPointMarker>
+  <cs:dataPointMarkerLayout symbol="circle" size="5"/>
+  <cs:dataPointWireframe>
+    <cs:lnRef idx="0">
+      <cs:styleClr val="auto"/>
+    </cs:lnRef>
+    <cs:fillRef idx="0"/>
+    <cs:effectRef idx="0"/>
+    <cs:fontRef idx="minor">
+      <a:schemeClr val="dk1"/>
+    </cs:fontRef>
+    <cs:spPr>
+      <a:ln w="9525" cap="rnd">
+        <a:solidFill>
+          <a:schemeClr val="phClr"/>
+        </a:solidFill>
+        <a:round/>
+      </a:ln>
+    </cs:spPr>
+  </cs:dataPointWireframe>
+  <cs:dataTable>
+    <cs:lnRef idx="0"/>
+    <cs:fillRef idx="0"/>
+    <cs:effectRef idx="0"/>
+    <cs:fontRef idx="minor">
+      <a:schemeClr val="tx1">
+        <a:lumMod val="65000"/>
+        <a:lumOff val="35000"/>
+      </a:schemeClr>
+    </cs:fontRef>
+    <cs:spPr>
+      <a:noFill/>
+      <a:ln w="9525" cap="flat" cmpd="sng" algn="ctr">
+        <a:solidFill>
+          <a:schemeClr val="tx1">
+            <a:lumMod val="15000"/>
+            <a:lumOff val="85000"/>
+          </a:schemeClr>
+        </a:solidFill>
+        <a:round/>
+      </a:ln>
+    </cs:spPr>
+    <cs:defRPr sz="1197" kern="1200"/>
+  </cs:dataTable>
+  <cs:downBar>
+    <cs:lnRef idx="0"/>
+    <cs:fillRef idx="0"/>
+    <cs:effectRef idx="0"/>
+    <cs:fontRef idx="minor">
+      <a:schemeClr val="tx1"/>
+    </cs:fontRef>
+    <cs:spPr>
+      <a:solidFill>
+        <a:schemeClr val="dk1">
+          <a:lumMod val="75000"/>
+          <a:lumOff val="25000"/>
+        </a:schemeClr>
+      </a:solidFill>
+      <a:ln w="9525" cap="flat" cmpd="sng" algn="ctr">
+        <a:solidFill>
+          <a:schemeClr val="tx1">
+            <a:lumMod val="65000"/>
+            <a:lumOff val="35000"/>
+          </a:schemeClr>
+        </a:solidFill>
+        <a:round/>
+      </a:ln>
+    </cs:spPr>
+  </cs:downBar>
+  <cs:dropLine>
+    <cs:lnRef idx="0"/>
+    <cs:fillRef idx="0"/>
+    <cs:effectRef idx="0"/>
+    <cs:fontRef idx="minor">
+      <a:schemeClr val="tx1"/>
+    </cs:fontRef>
+    <cs:spPr>
+      <a:ln w="9525" cap="flat" cmpd="sng" algn="ctr">
+        <a:solidFill>
+          <a:schemeClr val="tx1">
+            <a:lumMod val="35000"/>
+            <a:lumOff val="65000"/>
+          </a:schemeClr>
+        </a:solidFill>
+        <a:round/>
+      </a:ln>
+    </cs:spPr>
+  </cs:dropLine>
+  <cs:errorBar>
+    <cs:lnRef idx="0"/>
+    <cs:fillRef idx="0"/>
+    <cs:effectRef idx="0"/>
+    <cs:fontRef idx="minor">
+      <a:schemeClr val="tx1"/>
+    </cs:fontRef>
+    <cs:spPr>
+      <a:ln w="9525" cap="flat" cmpd="sng" algn="ctr">
+        <a:solidFill>
+          <a:schemeClr val="tx1">
+            <a:lumMod val="65000"/>
+            <a:lumOff val="35000"/>
+          </a:schemeClr>
+        </a:solidFill>
+        <a:round/>
+      </a:ln>
+    </cs:spPr>
+  </cs:errorBar>
+  <cs:floor>
+    <cs:lnRef idx="0"/>
+    <cs:fillRef idx="0"/>
+    <cs:effectRef idx="0"/>
+    <cs:fontRef idx="minor">
+      <a:schemeClr val="tx1"/>
+    </cs:fontRef>
+    <cs:spPr>
+      <a:noFill/>
+      <a:ln>
+        <a:noFill/>
+      </a:ln>
+    </cs:spPr>
+  </cs:floor>
+  <cs:gridlineMajor>
+    <cs:lnRef idx="0"/>
+    <cs:fillRef idx="0"/>
+    <cs:effectRef idx="0"/>
+    <cs:fontRef idx="minor">
+      <a:schemeClr val="tx1"/>
+    </cs:fontRef>
+    <cs:spPr>
+      <a:ln w="9525" cap="flat" cmpd="sng" algn="ctr">
+        <a:solidFill>
+          <a:schemeClr val="tx1">
+            <a:lumMod val="15000"/>
+            <a:lumOff val="85000"/>
+          </a:schemeClr>
+        </a:solidFill>
+        <a:round/>
+      </a:ln>
+    </cs:spPr>
+  </cs:gridlineMajor>
+  <cs:gridlineMinor>
+    <cs:lnRef idx="0"/>
+    <cs:fillRef idx="0"/>
+    <cs:effectRef idx="0"/>
+    <cs:fontRef idx="minor">
+      <a:schemeClr val="tx1"/>
+    </cs:fontRef>
+    <cs:spPr>
+      <a:ln w="9525" cap="flat" cmpd="sng" algn="ctr">
+        <a:solidFill>
+          <a:schemeClr val="tx1">
+            <a:lumMod val="5000"/>
+            <a:lumOff val="95000"/>
+          </a:schemeClr>
+        </a:solidFill>
+        <a:round/>
+      </a:ln>
+    </cs:spPr>
+  </cs:gridlineMinor>
+  <cs:hiLoLine>
+    <cs:lnRef idx="0"/>
+    <cs:fillRef idx="0"/>
+    <cs:effectRef idx="0"/>
+    <cs:fontRef idx="minor">
+      <a:schemeClr val="tx1"/>
+    </cs:fontRef>
+    <cs:spPr>
+      <a:ln w="9525" cap="flat" cmpd="sng" algn="ctr">
+        <a:solidFill>
+          <a:schemeClr val="tx1">
+            <a:lumMod val="50000"/>
+            <a:lumOff val="50000"/>
+          </a:schemeClr>
+        </a:solidFill>
+        <a:round/>
+      </a:ln>
+    </cs:spPr>
+  </cs:hiLoLine>
+  <cs:leaderLine>
+    <cs:lnRef idx="0"/>
+    <cs:fillRef idx="0"/>
+    <cs:effectRef idx="0"/>
+    <cs:fontRef idx="minor">
+      <a:schemeClr val="tx1"/>
+    </cs:fontRef>
+    <cs:spPr>
+      <a:ln w="9525" cap="flat" cmpd="sng" algn="ctr">
+        <a:solidFill>
+          <a:schemeClr val="tx1">
+            <a:lumMod val="35000"/>
+            <a:lumOff val="65000"/>
+          </a:schemeClr>
+        </a:solidFill>
+        <a:round/>
+      </a:ln>
+    </cs:spPr>
+  </cs:leaderLine>
+  <cs:legend>
+    <cs:lnRef idx="0"/>
+    <cs:fillRef idx="0"/>
+    <cs:effectRef idx="0"/>
+    <cs:fontRef idx="minor">
+      <a:schemeClr val="tx1">
+        <a:lumMod val="65000"/>
+        <a:lumOff val="35000"/>
+      </a:schemeClr>
+    </cs:fontRef>
+    <cs:defRPr sz="1197" kern="1200"/>
+  </cs:legend>
+  <cs:plotArea mods="allowNoFillOverride allowNoLineOverride">
+    <cs:lnRef idx="0"/>
+    <cs:fillRef idx="0"/>
+    <cs:effectRef idx="0"/>
+    <cs:fontRef idx="minor">
+      <a:schemeClr val="tx1"/>
+    </cs:fontRef>
+  </cs:plotArea>
+  <cs:plotArea3D mods="allowNoFillOverride allowNoLineOverride">
+    <cs:lnRef idx="0"/>
+    <cs:fillRef idx="0"/>
+    <cs:effectRef idx="0"/>
+    <cs:fontRef idx="minor">
+      <a:schemeClr val="tx1"/>
+    </cs:fontRef>
+  </cs:plotArea3D>
+  <cs:seriesAxis>
+    <cs:lnRef idx="0"/>
+    <cs:fillRef idx="0"/>
+    <cs:effectRef idx="0"/>
+    <cs:fontRef idx="minor">
+      <a:schemeClr val="tx1">
+        <a:lumMod val="65000"/>
+        <a:lumOff val="35000"/>
+      </a:schemeClr>
+    </cs:fontRef>
+    <cs:defRPr sz="1197" kern="1200"/>
+  </cs:seriesAxis>
+  <cs:seriesLine>
+    <cs:lnRef idx="0"/>
+    <cs:fillRef idx="0"/>
+    <cs:effectRef idx="0"/>
+    <cs:fontRef idx="minor">
+      <a:schemeClr val="tx1"/>
+    </cs:fontRef>
+    <cs:spPr>
+      <a:ln w="9525" cap="flat" cmpd="sng" algn="ctr">
+        <a:solidFill>
+          <a:schemeClr val="tx1">
+            <a:lumMod val="35000"/>
+            <a:lumOff val="65000"/>
+          </a:schemeClr>
+        </a:solidFill>
+        <a:round/>
+      </a:ln>
+    </cs:spPr>
+  </cs:seriesLine>
+  <cs:title>
+    <cs:lnRef idx="0"/>
+    <cs:fillRef idx="0"/>
+    <cs:effectRef idx="0"/>
+    <cs:fontRef idx="minor">
+      <a:schemeClr val="tx1">
+        <a:lumMod val="65000"/>
+        <a:lumOff val="35000"/>
+      </a:schemeClr>
+    </cs:fontRef>
+    <cs:defRPr sz="1862" b="0" kern="1200" spc="0" baseline="0"/>
+  </cs:title>
+  <cs:trendline>
+    <cs:lnRef idx="0">
+      <cs:styleClr val="auto"/>
+    </cs:lnRef>
+    <cs:fillRef idx="0"/>
+    <cs:effectRef idx="0"/>
+    <cs:fontRef idx="minor">
+      <a:schemeClr val="tx1"/>
+    </cs:fontRef>
+    <cs:spPr>
+      <a:ln w="19050" cap="rnd">
+        <a:solidFill>
+          <a:schemeClr val="phClr"/>
+        </a:solidFill>
+        <a:prstDash val="sysDot"/>
+      </a:ln>
+    </cs:spPr>
+  </cs:trendline>
+  <cs:trendlineLabel>
+    <cs:lnRef idx="0"/>
+    <cs:fillRef idx="0"/>
+    <cs:effectRef idx="0"/>
+    <cs:fontRef idx="minor">
+      <a:schemeClr val="tx1">
+        <a:lumMod val="65000"/>
+        <a:lumOff val="35000"/>
+      </a:schemeClr>
+    </cs:fontRef>
+    <cs:defRPr sz="1197" kern="1200"/>
+  </cs:trendlineLabel>
+  <cs:upBar>
+    <cs:lnRef idx="0"/>
+    <cs:fillRef idx="0"/>
+    <cs:effectRef idx="0"/>
+    <cs:fontRef idx="minor">
+      <a:schemeClr val="tx1"/>
+    </cs:fontRef>
+    <cs:spPr>
+      <a:solidFill>
+        <a:schemeClr val="lt1"/>
+      </a:solidFill>
+      <a:ln w="9525" cap="flat" cmpd="sng" algn="ctr">
+        <a:solidFill>
+          <a:schemeClr val="tx1">
+            <a:lumMod val="65000"/>
+            <a:lumOff val="35000"/>
+          </a:schemeClr>
+        </a:solidFill>
+        <a:round/>
+      </a:ln>
+    </cs:spPr>
+  </cs:upBar>
+  <cs:valueAxis>
+    <cs:lnRef idx="0"/>
+    <cs:fillRef idx="0"/>
+    <cs:effectRef idx="0"/>
+    <cs:fontRef idx="minor">
+      <a:schemeClr val="tx1">
+        <a:lumMod val="65000"/>
+        <a:lumOff val="35000"/>
+      </a:schemeClr>
+    </cs:fontRef>
+    <cs:spPr>
+      <a:ln w="9525" cap="flat" cmpd="sng" algn="ctr">
+        <a:solidFill>
+          <a:schemeClr val="tx1">
+            <a:lumMod val="25000"/>
+            <a:lumOff val="75000"/>
+          </a:schemeClr>
+        </a:solidFill>
+        <a:round/>
+      </a:ln>
+    </cs:spPr>
+    <cs:defRPr sz="1197" kern="1200"/>
+  </cs:valueAxis>
+  <cs:wall>
+    <cs:lnRef idx="0"/>
+    <cs:fillRef idx="0"/>
+    <cs:effectRef idx="0"/>
+    <cs:fontRef idx="minor">
+      <a:schemeClr val="tx1"/>
+    </cs:fontRef>
+    <cs:spPr>
+      <a:noFill/>
+      <a:ln>
+        <a:noFill/>
+      </a:ln>
+    </cs:spPr>
+  </cs:wall>
+</cs:chartStyle>
+</file>
+
 <file path=ppt/notesMasters/notesMaster1.xml><?xml version="1.0" encoding="utf-8"?>
 <p:notesMaster xmlns:a="http://schemas.openxmlformats.org/drawingml/2006/main" xmlns:r="http://schemas.openxmlformats.org/officeDocument/2006/relationships" xmlns:p="http://schemas.openxmlformats.org/presentationml/2006/main">
   <p:cSld>
@@ -206,7 +3247,7 @@
           <a:p>
             <a:fld id="{5DE9CCF9-CE14-4118-B675-AC72CDF038E6}" type="datetimeFigureOut">
               <a:rPr lang="en-US" smtClean="0"/>
-              <a:t>4/18/2019</a:t>
+              <a:t>5/6/2019</a:t>
             </a:fld>
             <a:endParaRPr lang="en-US"/>
           </a:p>
@@ -605,7 +3646,7 @@
           <a:p>
             <a:fld id="{6149BA01-7448-4321-80DC-7E91E834C80B}" type="datetimeFigureOut">
               <a:rPr lang="en-US" smtClean="0"/>
-              <a:t>4/18/2019</a:t>
+              <a:t>5/6/2019</a:t>
             </a:fld>
             <a:endParaRPr lang="en-US"/>
           </a:p>
@@ -775,7 +3816,7 @@
           <a:p>
             <a:fld id="{6149BA01-7448-4321-80DC-7E91E834C80B}" type="datetimeFigureOut">
               <a:rPr lang="en-US" smtClean="0"/>
-              <a:t>4/18/2019</a:t>
+              <a:t>5/6/2019</a:t>
             </a:fld>
             <a:endParaRPr lang="en-US"/>
           </a:p>
@@ -955,7 +3996,7 @@
           <a:p>
             <a:fld id="{6149BA01-7448-4321-80DC-7E91E834C80B}" type="datetimeFigureOut">
               <a:rPr lang="en-US" smtClean="0"/>
-              <a:t>4/18/2019</a:t>
+              <a:t>5/6/2019</a:t>
             </a:fld>
             <a:endParaRPr lang="en-US"/>
           </a:p>
@@ -1125,7 +4166,7 @@
           <a:p>
             <a:fld id="{6149BA01-7448-4321-80DC-7E91E834C80B}" type="datetimeFigureOut">
               <a:rPr lang="en-US" smtClean="0"/>
-              <a:t>4/18/2019</a:t>
+              <a:t>5/6/2019</a:t>
             </a:fld>
             <a:endParaRPr lang="en-US"/>
           </a:p>
@@ -1369,7 +4410,7 @@
           <a:p>
             <a:fld id="{6149BA01-7448-4321-80DC-7E91E834C80B}" type="datetimeFigureOut">
               <a:rPr lang="en-US" smtClean="0"/>
-              <a:t>4/18/2019</a:t>
+              <a:t>5/6/2019</a:t>
             </a:fld>
             <a:endParaRPr lang="en-US"/>
           </a:p>
@@ -1601,7 +4642,7 @@
           <a:p>
             <a:fld id="{6149BA01-7448-4321-80DC-7E91E834C80B}" type="datetimeFigureOut">
               <a:rPr lang="en-US" smtClean="0"/>
-              <a:t>4/18/2019</a:t>
+              <a:t>5/6/2019</a:t>
             </a:fld>
             <a:endParaRPr lang="en-US"/>
           </a:p>
@@ -1968,7 +5009,7 @@
           <a:p>
             <a:fld id="{6149BA01-7448-4321-80DC-7E91E834C80B}" type="datetimeFigureOut">
               <a:rPr lang="en-US" smtClean="0"/>
-              <a:t>4/18/2019</a:t>
+              <a:t>5/6/2019</a:t>
             </a:fld>
             <a:endParaRPr lang="en-US"/>
           </a:p>
@@ -2086,7 +5127,7 @@
           <a:p>
             <a:fld id="{6149BA01-7448-4321-80DC-7E91E834C80B}" type="datetimeFigureOut">
               <a:rPr lang="en-US" smtClean="0"/>
-              <a:t>4/18/2019</a:t>
+              <a:t>5/6/2019</a:t>
             </a:fld>
             <a:endParaRPr lang="en-US"/>
           </a:p>
@@ -2181,7 +5222,7 @@
           <a:p>
             <a:fld id="{6149BA01-7448-4321-80DC-7E91E834C80B}" type="datetimeFigureOut">
               <a:rPr lang="en-US" smtClean="0"/>
-              <a:t>4/18/2019</a:t>
+              <a:t>5/6/2019</a:t>
             </a:fld>
             <a:endParaRPr lang="en-US"/>
           </a:p>
@@ -2458,7 +5499,7 @@
           <a:p>
             <a:fld id="{6149BA01-7448-4321-80DC-7E91E834C80B}" type="datetimeFigureOut">
               <a:rPr lang="en-US" smtClean="0"/>
-              <a:t>4/18/2019</a:t>
+              <a:t>5/6/2019</a:t>
             </a:fld>
             <a:endParaRPr lang="en-US"/>
           </a:p>
@@ -2715,7 +5756,7 @@
           <a:p>
             <a:fld id="{6149BA01-7448-4321-80DC-7E91E834C80B}" type="datetimeFigureOut">
               <a:rPr lang="en-US" smtClean="0"/>
-              <a:t>4/18/2019</a:t>
+              <a:t>5/6/2019</a:t>
             </a:fld>
             <a:endParaRPr lang="en-US"/>
           </a:p>
@@ -2928,7 +5969,7 @@
           <a:p>
             <a:fld id="{6149BA01-7448-4321-80DC-7E91E834C80B}" type="datetimeFigureOut">
               <a:rPr lang="en-US" smtClean="0"/>
-              <a:t>4/18/2019</a:t>
+              <a:t>5/6/2019</a:t>
             </a:fld>
             <a:endParaRPr lang="en-US"/>
           </a:p>
@@ -6758,6 +9799,124 @@
     <p:extLst>
       <p:ext uri="{BB962C8B-B14F-4D97-AF65-F5344CB8AC3E}">
         <p14:creationId xmlns:p14="http://schemas.microsoft.com/office/powerpoint/2010/main" val="1500426574"/>
+      </p:ext>
+    </p:extLst>
+  </p:cSld>
+  <p:clrMapOvr>
+    <a:masterClrMapping/>
+  </p:clrMapOvr>
+</p:sld>
+</file>
+
+<file path=ppt/slides/slide11.xml><?xml version="1.0" encoding="utf-8"?>
+<p:sld xmlns:a="http://schemas.openxmlformats.org/drawingml/2006/main" xmlns:r="http://schemas.openxmlformats.org/officeDocument/2006/relationships" xmlns:p="http://schemas.openxmlformats.org/presentationml/2006/main">
+  <p:cSld>
+    <p:spTree>
+      <p:nvGrpSpPr>
+        <p:cNvPr id="1" name=""/>
+        <p:cNvGrpSpPr/>
+        <p:nvPr/>
+      </p:nvGrpSpPr>
+      <p:grpSpPr>
+        <a:xfrm>
+          <a:off x="0" y="0"/>
+          <a:ext cx="0" cy="0"/>
+          <a:chOff x="0" y="0"/>
+          <a:chExt cx="0" cy="0"/>
+        </a:xfrm>
+      </p:grpSpPr>
+      <p:graphicFrame>
+        <p:nvGraphicFramePr>
+          <p:cNvPr id="17" name="Chart 16"/>
+          <p:cNvGraphicFramePr/>
+          <p:nvPr>
+            <p:extLst>
+              <p:ext uri="{D42A27DB-BD31-4B8C-83A1-F6EECF244321}">
+                <p14:modId xmlns:p14="http://schemas.microsoft.com/office/powerpoint/2010/main" val="869379389"/>
+              </p:ext>
+            </p:extLst>
+          </p:nvPr>
+        </p:nvGraphicFramePr>
+        <p:xfrm>
+          <a:off x="1440873" y="707043"/>
+          <a:ext cx="1801091" cy="581429"/>
+        </p:xfrm>
+        <a:graphic>
+          <a:graphicData uri="http://schemas.openxmlformats.org/drawingml/2006/chart">
+            <c:chart xmlns:c="http://schemas.openxmlformats.org/drawingml/2006/chart" xmlns:r="http://schemas.openxmlformats.org/officeDocument/2006/relationships" r:id="rId2"/>
+          </a:graphicData>
+        </a:graphic>
+      </p:graphicFrame>
+      <p:graphicFrame>
+        <p:nvGraphicFramePr>
+          <p:cNvPr id="18" name="Chart 17"/>
+          <p:cNvGraphicFramePr/>
+          <p:nvPr>
+            <p:extLst>
+              <p:ext uri="{D42A27DB-BD31-4B8C-83A1-F6EECF244321}">
+                <p14:modId xmlns:p14="http://schemas.microsoft.com/office/powerpoint/2010/main" val="94139949"/>
+              </p:ext>
+            </p:extLst>
+          </p:nvPr>
+        </p:nvGraphicFramePr>
+        <p:xfrm>
+          <a:off x="1440872" y="1216891"/>
+          <a:ext cx="1801091" cy="581429"/>
+        </p:xfrm>
+        <a:graphic>
+          <a:graphicData uri="http://schemas.openxmlformats.org/drawingml/2006/chart">
+            <c:chart xmlns:c="http://schemas.openxmlformats.org/drawingml/2006/chart" xmlns:r="http://schemas.openxmlformats.org/officeDocument/2006/relationships" r:id="rId3"/>
+          </a:graphicData>
+        </a:graphic>
+      </p:graphicFrame>
+      <p:graphicFrame>
+        <p:nvGraphicFramePr>
+          <p:cNvPr id="19" name="Chart 18"/>
+          <p:cNvGraphicFramePr/>
+          <p:nvPr>
+            <p:extLst>
+              <p:ext uri="{D42A27DB-BD31-4B8C-83A1-F6EECF244321}">
+                <p14:modId xmlns:p14="http://schemas.microsoft.com/office/powerpoint/2010/main" val="2958978687"/>
+              </p:ext>
+            </p:extLst>
+          </p:nvPr>
+        </p:nvGraphicFramePr>
+        <p:xfrm>
+          <a:off x="1440871" y="1798320"/>
+          <a:ext cx="1801091" cy="581429"/>
+        </p:xfrm>
+        <a:graphic>
+          <a:graphicData uri="http://schemas.openxmlformats.org/drawingml/2006/chart">
+            <c:chart xmlns:c="http://schemas.openxmlformats.org/drawingml/2006/chart" xmlns:r="http://schemas.openxmlformats.org/officeDocument/2006/relationships" r:id="rId4"/>
+          </a:graphicData>
+        </a:graphic>
+      </p:graphicFrame>
+      <p:graphicFrame>
+        <p:nvGraphicFramePr>
+          <p:cNvPr id="20" name="Chart 19"/>
+          <p:cNvGraphicFramePr/>
+          <p:nvPr>
+            <p:extLst>
+              <p:ext uri="{D42A27DB-BD31-4B8C-83A1-F6EECF244321}">
+                <p14:modId xmlns:p14="http://schemas.microsoft.com/office/powerpoint/2010/main" val="1570294445"/>
+              </p:ext>
+            </p:extLst>
+          </p:nvPr>
+        </p:nvGraphicFramePr>
+        <p:xfrm>
+          <a:off x="1440871" y="2308168"/>
+          <a:ext cx="1801091" cy="581429"/>
+        </p:xfrm>
+        <a:graphic>
+          <a:graphicData uri="http://schemas.openxmlformats.org/drawingml/2006/chart">
+            <c:chart xmlns:c="http://schemas.openxmlformats.org/drawingml/2006/chart" xmlns:r="http://schemas.openxmlformats.org/officeDocument/2006/relationships" r:id="rId5"/>
+          </a:graphicData>
+        </a:graphic>
+      </p:graphicFrame>
+    </p:spTree>
+    <p:extLst>
+      <p:ext uri="{BB962C8B-B14F-4D97-AF65-F5344CB8AC3E}">
+        <p14:creationId xmlns:p14="http://schemas.microsoft.com/office/powerpoint/2010/main" val="151036855"/>
       </p:ext>
     </p:extLst>
   </p:cSld>

--- a/Scheme/Scheme.pptx
+++ b/Scheme/Scheme.pptx
@@ -5,7 +5,7 @@
     <p:sldMasterId id="2147483660" r:id="rId1"/>
   </p:sldMasterIdLst>
   <p:notesMasterIdLst>
-    <p:notesMasterId r:id="rId13"/>
+    <p:notesMasterId r:id="rId14"/>
   </p:notesMasterIdLst>
   <p:sldIdLst>
     <p:sldId id="256" r:id="rId2"/>
@@ -19,6 +19,7 @@
     <p:sldId id="265" r:id="rId10"/>
     <p:sldId id="266" r:id="rId11"/>
     <p:sldId id="267" r:id="rId12"/>
+    <p:sldId id="268" r:id="rId13"/>
   </p:sldIdLst>
   <p:sldSz cx="9144000" cy="6858000" type="screen4x3"/>
   <p:notesSz cx="6858000" cy="9144000"/>
@@ -3247,7 +3248,7 @@
           <a:p>
             <a:fld id="{5DE9CCF9-CE14-4118-B675-AC72CDF038E6}" type="datetimeFigureOut">
               <a:rPr lang="en-US" smtClean="0"/>
-              <a:t>5/6/2019</a:t>
+              <a:t>5/17/2019</a:t>
             </a:fld>
             <a:endParaRPr lang="en-US"/>
           </a:p>
@@ -3646,7 +3647,7 @@
           <a:p>
             <a:fld id="{6149BA01-7448-4321-80DC-7E91E834C80B}" type="datetimeFigureOut">
               <a:rPr lang="en-US" smtClean="0"/>
-              <a:t>5/6/2019</a:t>
+              <a:t>5/17/2019</a:t>
             </a:fld>
             <a:endParaRPr lang="en-US"/>
           </a:p>
@@ -3816,7 +3817,7 @@
           <a:p>
             <a:fld id="{6149BA01-7448-4321-80DC-7E91E834C80B}" type="datetimeFigureOut">
               <a:rPr lang="en-US" smtClean="0"/>
-              <a:t>5/6/2019</a:t>
+              <a:t>5/17/2019</a:t>
             </a:fld>
             <a:endParaRPr lang="en-US"/>
           </a:p>
@@ -3996,7 +3997,7 @@
           <a:p>
             <a:fld id="{6149BA01-7448-4321-80DC-7E91E834C80B}" type="datetimeFigureOut">
               <a:rPr lang="en-US" smtClean="0"/>
-              <a:t>5/6/2019</a:t>
+              <a:t>5/17/2019</a:t>
             </a:fld>
             <a:endParaRPr lang="en-US"/>
           </a:p>
@@ -4166,7 +4167,7 @@
           <a:p>
             <a:fld id="{6149BA01-7448-4321-80DC-7E91E834C80B}" type="datetimeFigureOut">
               <a:rPr lang="en-US" smtClean="0"/>
-              <a:t>5/6/2019</a:t>
+              <a:t>5/17/2019</a:t>
             </a:fld>
             <a:endParaRPr lang="en-US"/>
           </a:p>
@@ -4410,7 +4411,7 @@
           <a:p>
             <a:fld id="{6149BA01-7448-4321-80DC-7E91E834C80B}" type="datetimeFigureOut">
               <a:rPr lang="en-US" smtClean="0"/>
-              <a:t>5/6/2019</a:t>
+              <a:t>5/17/2019</a:t>
             </a:fld>
             <a:endParaRPr lang="en-US"/>
           </a:p>
@@ -4642,7 +4643,7 @@
           <a:p>
             <a:fld id="{6149BA01-7448-4321-80DC-7E91E834C80B}" type="datetimeFigureOut">
               <a:rPr lang="en-US" smtClean="0"/>
-              <a:t>5/6/2019</a:t>
+              <a:t>5/17/2019</a:t>
             </a:fld>
             <a:endParaRPr lang="en-US"/>
           </a:p>
@@ -5009,7 +5010,7 @@
           <a:p>
             <a:fld id="{6149BA01-7448-4321-80DC-7E91E834C80B}" type="datetimeFigureOut">
               <a:rPr lang="en-US" smtClean="0"/>
-              <a:t>5/6/2019</a:t>
+              <a:t>5/17/2019</a:t>
             </a:fld>
             <a:endParaRPr lang="en-US"/>
           </a:p>
@@ -5127,7 +5128,7 @@
           <a:p>
             <a:fld id="{6149BA01-7448-4321-80DC-7E91E834C80B}" type="datetimeFigureOut">
               <a:rPr lang="en-US" smtClean="0"/>
-              <a:t>5/6/2019</a:t>
+              <a:t>5/17/2019</a:t>
             </a:fld>
             <a:endParaRPr lang="en-US"/>
           </a:p>
@@ -5222,7 +5223,7 @@
           <a:p>
             <a:fld id="{6149BA01-7448-4321-80DC-7E91E834C80B}" type="datetimeFigureOut">
               <a:rPr lang="en-US" smtClean="0"/>
-              <a:t>5/6/2019</a:t>
+              <a:t>5/17/2019</a:t>
             </a:fld>
             <a:endParaRPr lang="en-US"/>
           </a:p>
@@ -5499,7 +5500,7 @@
           <a:p>
             <a:fld id="{6149BA01-7448-4321-80DC-7E91E834C80B}" type="datetimeFigureOut">
               <a:rPr lang="en-US" smtClean="0"/>
-              <a:t>5/6/2019</a:t>
+              <a:t>5/17/2019</a:t>
             </a:fld>
             <a:endParaRPr lang="en-US"/>
           </a:p>
@@ -5756,7 +5757,7 @@
           <a:p>
             <a:fld id="{6149BA01-7448-4321-80DC-7E91E834C80B}" type="datetimeFigureOut">
               <a:rPr lang="en-US" smtClean="0"/>
-              <a:t>5/6/2019</a:t>
+              <a:t>5/17/2019</a:t>
             </a:fld>
             <a:endParaRPr lang="en-US"/>
           </a:p>
@@ -5969,7 +5970,7 @@
           <a:p>
             <a:fld id="{6149BA01-7448-4321-80DC-7E91E834C80B}" type="datetimeFigureOut">
               <a:rPr lang="en-US" smtClean="0"/>
-              <a:t>5/6/2019</a:t>
+              <a:t>5/17/2019</a:t>
             </a:fld>
             <a:endParaRPr lang="en-US"/>
           </a:p>
@@ -9917,6 +9918,75 @@
     <p:extLst>
       <p:ext uri="{BB962C8B-B14F-4D97-AF65-F5344CB8AC3E}">
         <p14:creationId xmlns:p14="http://schemas.microsoft.com/office/powerpoint/2010/main" val="151036855"/>
+      </p:ext>
+    </p:extLst>
+  </p:cSld>
+  <p:clrMapOvr>
+    <a:masterClrMapping/>
+  </p:clrMapOvr>
+</p:sld>
+</file>
+
+<file path=ppt/slides/slide12.xml><?xml version="1.0" encoding="utf-8"?>
+<p:sld xmlns:a="http://schemas.openxmlformats.org/drawingml/2006/main" xmlns:r="http://schemas.openxmlformats.org/officeDocument/2006/relationships" xmlns:p="http://schemas.openxmlformats.org/presentationml/2006/main">
+  <p:cSld>
+    <p:spTree>
+      <p:nvGrpSpPr>
+        <p:cNvPr id="1" name=""/>
+        <p:cNvGrpSpPr/>
+        <p:nvPr/>
+      </p:nvGrpSpPr>
+      <p:grpSpPr>
+        <a:xfrm>
+          <a:off x="0" y="0"/>
+          <a:ext cx="0" cy="0"/>
+          <a:chOff x="0" y="0"/>
+          <a:chExt cx="0" cy="0"/>
+        </a:xfrm>
+      </p:grpSpPr>
+      <p:pic>
+        <p:nvPicPr>
+          <p:cNvPr id="1026" name="Picture 2" descr="File:Nintendo-Entertainment-System-NES-Controller-FL.jpg"/>
+          <p:cNvPicPr>
+            <a:picLocks noChangeAspect="1" noChangeArrowheads="1"/>
+          </p:cNvPicPr>
+          <p:nvPr/>
+        </p:nvPicPr>
+        <p:blipFill rotWithShape="1">
+          <a:blip r:embed="rId2">
+            <a:extLst>
+              <a:ext uri="{28A0092B-C50C-407E-A947-70E740481C1C}">
+                <a14:useLocalDpi xmlns:a14="http://schemas.microsoft.com/office/drawing/2010/main" val="0"/>
+              </a:ext>
+            </a:extLst>
+          </a:blip>
+          <a:srcRect l="6414" t="6882" r="6260" b="8157"/>
+          <a:stretch/>
+        </p:blipFill>
+        <p:spPr bwMode="auto">
+          <a:xfrm rot="20255687">
+            <a:off x="1212342" y="1090681"/>
+            <a:ext cx="6654238" cy="4701794"/>
+          </a:xfrm>
+          <a:prstGeom prst="rect">
+            <a:avLst/>
+          </a:prstGeom>
+          <a:noFill/>
+          <a:extLst>
+            <a:ext uri="{909E8E84-426E-40DD-AFC4-6F175D3DCCD1}">
+              <a14:hiddenFill xmlns:a14="http://schemas.microsoft.com/office/drawing/2010/main">
+                <a:solidFill>
+                  <a:srgbClr val="FFFFFF"/>
+                </a:solidFill>
+              </a14:hiddenFill>
+            </a:ext>
+          </a:extLst>
+        </p:spPr>
+      </p:pic>
+    </p:spTree>
+    <p:extLst>
+      <p:ext uri="{BB962C8B-B14F-4D97-AF65-F5344CB8AC3E}">
+        <p14:creationId xmlns:p14="http://schemas.microsoft.com/office/powerpoint/2010/main" val="1307336609"/>
       </p:ext>
     </p:extLst>
   </p:cSld>

--- a/Scheme/Scheme.pptx
+++ b/Scheme/Scheme.pptx
@@ -5,7 +5,7 @@
     <p:sldMasterId id="2147483660" r:id="rId1"/>
   </p:sldMasterIdLst>
   <p:notesMasterIdLst>
-    <p:notesMasterId r:id="rId14"/>
+    <p:notesMasterId r:id="rId15"/>
   </p:notesMasterIdLst>
   <p:sldIdLst>
     <p:sldId id="256" r:id="rId2"/>
@@ -20,6 +20,7 @@
     <p:sldId id="266" r:id="rId11"/>
     <p:sldId id="267" r:id="rId12"/>
     <p:sldId id="268" r:id="rId13"/>
+    <p:sldId id="269" r:id="rId14"/>
   </p:sldIdLst>
   <p:sldSz cx="9144000" cy="6858000" type="screen4x3"/>
   <p:notesSz cx="6858000" cy="9144000"/>
@@ -3248,7 +3249,7 @@
           <a:p>
             <a:fld id="{5DE9CCF9-CE14-4118-B675-AC72CDF038E6}" type="datetimeFigureOut">
               <a:rPr lang="en-US" smtClean="0"/>
-              <a:t>5/17/2019</a:t>
+              <a:t>5/19/2019</a:t>
             </a:fld>
             <a:endParaRPr lang="en-US"/>
           </a:p>
@@ -3647,7 +3648,7 @@
           <a:p>
             <a:fld id="{6149BA01-7448-4321-80DC-7E91E834C80B}" type="datetimeFigureOut">
               <a:rPr lang="en-US" smtClean="0"/>
-              <a:t>5/17/2019</a:t>
+              <a:t>5/19/2019</a:t>
             </a:fld>
             <a:endParaRPr lang="en-US"/>
           </a:p>
@@ -3817,7 +3818,7 @@
           <a:p>
             <a:fld id="{6149BA01-7448-4321-80DC-7E91E834C80B}" type="datetimeFigureOut">
               <a:rPr lang="en-US" smtClean="0"/>
-              <a:t>5/17/2019</a:t>
+              <a:t>5/19/2019</a:t>
             </a:fld>
             <a:endParaRPr lang="en-US"/>
           </a:p>
@@ -3997,7 +3998,7 @@
           <a:p>
             <a:fld id="{6149BA01-7448-4321-80DC-7E91E834C80B}" type="datetimeFigureOut">
               <a:rPr lang="en-US" smtClean="0"/>
-              <a:t>5/17/2019</a:t>
+              <a:t>5/19/2019</a:t>
             </a:fld>
             <a:endParaRPr lang="en-US"/>
           </a:p>
@@ -4167,7 +4168,7 @@
           <a:p>
             <a:fld id="{6149BA01-7448-4321-80DC-7E91E834C80B}" type="datetimeFigureOut">
               <a:rPr lang="en-US" smtClean="0"/>
-              <a:t>5/17/2019</a:t>
+              <a:t>5/19/2019</a:t>
             </a:fld>
             <a:endParaRPr lang="en-US"/>
           </a:p>
@@ -4411,7 +4412,7 @@
           <a:p>
             <a:fld id="{6149BA01-7448-4321-80DC-7E91E834C80B}" type="datetimeFigureOut">
               <a:rPr lang="en-US" smtClean="0"/>
-              <a:t>5/17/2019</a:t>
+              <a:t>5/19/2019</a:t>
             </a:fld>
             <a:endParaRPr lang="en-US"/>
           </a:p>
@@ -4643,7 +4644,7 @@
           <a:p>
             <a:fld id="{6149BA01-7448-4321-80DC-7E91E834C80B}" type="datetimeFigureOut">
               <a:rPr lang="en-US" smtClean="0"/>
-              <a:t>5/17/2019</a:t>
+              <a:t>5/19/2019</a:t>
             </a:fld>
             <a:endParaRPr lang="en-US"/>
           </a:p>
@@ -5010,7 +5011,7 @@
           <a:p>
             <a:fld id="{6149BA01-7448-4321-80DC-7E91E834C80B}" type="datetimeFigureOut">
               <a:rPr lang="en-US" smtClean="0"/>
-              <a:t>5/17/2019</a:t>
+              <a:t>5/19/2019</a:t>
             </a:fld>
             <a:endParaRPr lang="en-US"/>
           </a:p>
@@ -5128,7 +5129,7 @@
           <a:p>
             <a:fld id="{6149BA01-7448-4321-80DC-7E91E834C80B}" type="datetimeFigureOut">
               <a:rPr lang="en-US" smtClean="0"/>
-              <a:t>5/17/2019</a:t>
+              <a:t>5/19/2019</a:t>
             </a:fld>
             <a:endParaRPr lang="en-US"/>
           </a:p>
@@ -5223,7 +5224,7 @@
           <a:p>
             <a:fld id="{6149BA01-7448-4321-80DC-7E91E834C80B}" type="datetimeFigureOut">
               <a:rPr lang="en-US" smtClean="0"/>
-              <a:t>5/17/2019</a:t>
+              <a:t>5/19/2019</a:t>
             </a:fld>
             <a:endParaRPr lang="en-US"/>
           </a:p>
@@ -5500,7 +5501,7 @@
           <a:p>
             <a:fld id="{6149BA01-7448-4321-80DC-7E91E834C80B}" type="datetimeFigureOut">
               <a:rPr lang="en-US" smtClean="0"/>
-              <a:t>5/17/2019</a:t>
+              <a:t>5/19/2019</a:t>
             </a:fld>
             <a:endParaRPr lang="en-US"/>
           </a:p>
@@ -5757,7 +5758,7 @@
           <a:p>
             <a:fld id="{6149BA01-7448-4321-80DC-7E91E834C80B}" type="datetimeFigureOut">
               <a:rPr lang="en-US" smtClean="0"/>
-              <a:t>5/17/2019</a:t>
+              <a:t>5/19/2019</a:t>
             </a:fld>
             <a:endParaRPr lang="en-US"/>
           </a:p>
@@ -5970,7 +5971,7 @@
           <a:p>
             <a:fld id="{6149BA01-7448-4321-80DC-7E91E834C80B}" type="datetimeFigureOut">
               <a:rPr lang="en-US" smtClean="0"/>
-              <a:t>5/17/2019</a:t>
+              <a:t>5/19/2019</a:t>
             </a:fld>
             <a:endParaRPr lang="en-US"/>
           </a:p>
@@ -9987,6 +9988,1368 @@
     <p:extLst>
       <p:ext uri="{BB962C8B-B14F-4D97-AF65-F5344CB8AC3E}">
         <p14:creationId xmlns:p14="http://schemas.microsoft.com/office/powerpoint/2010/main" val="1307336609"/>
+      </p:ext>
+    </p:extLst>
+  </p:cSld>
+  <p:clrMapOvr>
+    <a:masterClrMapping/>
+  </p:clrMapOvr>
+</p:sld>
+</file>
+
+<file path=ppt/slides/slide13.xml><?xml version="1.0" encoding="utf-8"?>
+<p:sld xmlns:a="http://schemas.openxmlformats.org/drawingml/2006/main" xmlns:r="http://schemas.openxmlformats.org/officeDocument/2006/relationships" xmlns:p="http://schemas.openxmlformats.org/presentationml/2006/main">
+  <p:cSld>
+    <p:spTree>
+      <p:nvGrpSpPr>
+        <p:cNvPr id="1" name=""/>
+        <p:cNvGrpSpPr/>
+        <p:nvPr/>
+      </p:nvGrpSpPr>
+      <p:grpSpPr>
+        <a:xfrm>
+          <a:off x="0" y="0"/>
+          <a:ext cx="0" cy="0"/>
+          <a:chOff x="0" y="0"/>
+          <a:chExt cx="0" cy="0"/>
+        </a:xfrm>
+      </p:grpSpPr>
+      <p:sp>
+        <p:nvSpPr>
+          <p:cNvPr id="2" name="Rounded Rectangle 1"/>
+          <p:cNvSpPr/>
+          <p:nvPr/>
+        </p:nvSpPr>
+        <p:spPr>
+          <a:xfrm>
+            <a:off x="507072" y="947651"/>
+            <a:ext cx="914400" cy="914400"/>
+          </a:xfrm>
+          <a:prstGeom prst="roundRect">
+            <a:avLst/>
+          </a:prstGeom>
+          <a:solidFill>
+            <a:schemeClr val="bg1"/>
+          </a:solidFill>
+        </p:spPr>
+        <p:style>
+          <a:lnRef idx="2">
+            <a:schemeClr val="accent1">
+              <a:shade val="50000"/>
+            </a:schemeClr>
+          </a:lnRef>
+          <a:fillRef idx="1">
+            <a:schemeClr val="accent1"/>
+          </a:fillRef>
+          <a:effectRef idx="0">
+            <a:schemeClr val="accent1"/>
+          </a:effectRef>
+          <a:fontRef idx="minor">
+            <a:schemeClr val="lt1"/>
+          </a:fontRef>
+        </p:style>
+        <p:txBody>
+          <a:bodyPr wrap="none" rtlCol="0" anchor="ctr"/>
+          <a:lstStyle/>
+          <a:p>
+            <a:pPr algn="ctr"/>
+            <a:r>
+              <a:rPr lang="ro-MD" sz="1400" dirty="0" smtClean="0">
+                <a:solidFill>
+                  <a:srgbClr val="41719C"/>
+                </a:solidFill>
+                <a:latin typeface="Courier New" panose="02070309020205020404" pitchFamily="49" charset="0"/>
+                <a:cs typeface="Courier New" panose="02070309020205020404" pitchFamily="49" charset="0"/>
+              </a:rPr>
+              <a:t>16K</a:t>
+            </a:r>
+          </a:p>
+          <a:p>
+            <a:pPr algn="ctr"/>
+            <a:r>
+              <a:rPr lang="ro-MD" sz="1400" dirty="0" err="1" smtClean="0">
+                <a:solidFill>
+                  <a:srgbClr val="41719C"/>
+                </a:solidFill>
+                <a:latin typeface="Courier New" panose="02070309020205020404" pitchFamily="49" charset="0"/>
+                <a:cs typeface="Courier New" panose="02070309020205020404" pitchFamily="49" charset="0"/>
+              </a:rPr>
+              <a:t>block</a:t>
+            </a:r>
+            <a:r>
+              <a:rPr lang="ro-MD" sz="1400" dirty="0" smtClean="0">
+                <a:solidFill>
+                  <a:srgbClr val="41719C"/>
+                </a:solidFill>
+                <a:latin typeface="Courier New" panose="02070309020205020404" pitchFamily="49" charset="0"/>
+                <a:cs typeface="Courier New" panose="02070309020205020404" pitchFamily="49" charset="0"/>
+              </a:rPr>
+              <a:t> 0</a:t>
+            </a:r>
+            <a:endParaRPr lang="en-US" sz="1400" dirty="0">
+              <a:solidFill>
+                <a:srgbClr val="41719C"/>
+              </a:solidFill>
+              <a:latin typeface="Courier New" panose="02070309020205020404" pitchFamily="49" charset="0"/>
+              <a:cs typeface="Courier New" panose="02070309020205020404" pitchFamily="49" charset="0"/>
+            </a:endParaRPr>
+          </a:p>
+        </p:txBody>
+      </p:sp>
+      <p:sp>
+        <p:nvSpPr>
+          <p:cNvPr id="3" name="Rounded Rectangle 2"/>
+          <p:cNvSpPr/>
+          <p:nvPr/>
+        </p:nvSpPr>
+        <p:spPr>
+          <a:xfrm>
+            <a:off x="507072" y="1961803"/>
+            <a:ext cx="914400" cy="914400"/>
+          </a:xfrm>
+          <a:prstGeom prst="roundRect">
+            <a:avLst/>
+          </a:prstGeom>
+          <a:solidFill>
+            <a:schemeClr val="bg1"/>
+          </a:solidFill>
+        </p:spPr>
+        <p:style>
+          <a:lnRef idx="2">
+            <a:schemeClr val="accent1">
+              <a:shade val="50000"/>
+            </a:schemeClr>
+          </a:lnRef>
+          <a:fillRef idx="1">
+            <a:schemeClr val="accent1"/>
+          </a:fillRef>
+          <a:effectRef idx="0">
+            <a:schemeClr val="accent1"/>
+          </a:effectRef>
+          <a:fontRef idx="minor">
+            <a:schemeClr val="lt1"/>
+          </a:fontRef>
+        </p:style>
+        <p:txBody>
+          <a:bodyPr wrap="none" rtlCol="0" anchor="ctr"/>
+          <a:lstStyle/>
+          <a:p>
+            <a:pPr algn="ctr"/>
+            <a:r>
+              <a:rPr lang="ro-MD" sz="1400" dirty="0" smtClean="0">
+                <a:solidFill>
+                  <a:srgbClr val="41719C"/>
+                </a:solidFill>
+                <a:latin typeface="Courier New" panose="02070309020205020404" pitchFamily="49" charset="0"/>
+                <a:cs typeface="Courier New" panose="02070309020205020404" pitchFamily="49" charset="0"/>
+              </a:rPr>
+              <a:t>16K</a:t>
+            </a:r>
+          </a:p>
+          <a:p>
+            <a:pPr algn="ctr"/>
+            <a:r>
+              <a:rPr lang="ro-MD" sz="1400" dirty="0" err="1" smtClean="0">
+                <a:solidFill>
+                  <a:srgbClr val="41719C"/>
+                </a:solidFill>
+                <a:latin typeface="Courier New" panose="02070309020205020404" pitchFamily="49" charset="0"/>
+                <a:cs typeface="Courier New" panose="02070309020205020404" pitchFamily="49" charset="0"/>
+              </a:rPr>
+              <a:t>block</a:t>
+            </a:r>
+            <a:r>
+              <a:rPr lang="ro-MD" sz="1400" dirty="0" smtClean="0">
+                <a:solidFill>
+                  <a:srgbClr val="41719C"/>
+                </a:solidFill>
+                <a:latin typeface="Courier New" panose="02070309020205020404" pitchFamily="49" charset="0"/>
+                <a:cs typeface="Courier New" panose="02070309020205020404" pitchFamily="49" charset="0"/>
+              </a:rPr>
+              <a:t> 1</a:t>
+            </a:r>
+            <a:endParaRPr lang="en-US" sz="1400" dirty="0">
+              <a:solidFill>
+                <a:srgbClr val="41719C"/>
+              </a:solidFill>
+              <a:latin typeface="Courier New" panose="02070309020205020404" pitchFamily="49" charset="0"/>
+              <a:cs typeface="Courier New" panose="02070309020205020404" pitchFamily="49" charset="0"/>
+            </a:endParaRPr>
+          </a:p>
+        </p:txBody>
+      </p:sp>
+      <p:sp>
+        <p:nvSpPr>
+          <p:cNvPr id="4" name="Rounded Rectangle 3"/>
+          <p:cNvSpPr/>
+          <p:nvPr/>
+        </p:nvSpPr>
+        <p:spPr>
+          <a:xfrm>
+            <a:off x="507072" y="3990107"/>
+            <a:ext cx="914400" cy="914400"/>
+          </a:xfrm>
+          <a:prstGeom prst="roundRect">
+            <a:avLst/>
+          </a:prstGeom>
+          <a:solidFill>
+            <a:schemeClr val="bg1"/>
+          </a:solidFill>
+        </p:spPr>
+        <p:style>
+          <a:lnRef idx="2">
+            <a:schemeClr val="accent1">
+              <a:shade val="50000"/>
+            </a:schemeClr>
+          </a:lnRef>
+          <a:fillRef idx="1">
+            <a:schemeClr val="accent1"/>
+          </a:fillRef>
+          <a:effectRef idx="0">
+            <a:schemeClr val="accent1"/>
+          </a:effectRef>
+          <a:fontRef idx="minor">
+            <a:schemeClr val="lt1"/>
+          </a:fontRef>
+        </p:style>
+        <p:txBody>
+          <a:bodyPr wrap="none" rtlCol="0" anchor="ctr"/>
+          <a:lstStyle/>
+          <a:p>
+            <a:pPr algn="ctr"/>
+            <a:r>
+              <a:rPr lang="ro-MD" sz="1400" dirty="0" smtClean="0">
+                <a:solidFill>
+                  <a:srgbClr val="41719C"/>
+                </a:solidFill>
+                <a:latin typeface="Courier New" panose="02070309020205020404" pitchFamily="49" charset="0"/>
+                <a:cs typeface="Courier New" panose="02070309020205020404" pitchFamily="49" charset="0"/>
+              </a:rPr>
+              <a:t>16K</a:t>
+            </a:r>
+          </a:p>
+          <a:p>
+            <a:pPr algn="ctr"/>
+            <a:r>
+              <a:rPr lang="ro-MD" sz="1400" dirty="0" err="1" smtClean="0">
+                <a:solidFill>
+                  <a:srgbClr val="41719C"/>
+                </a:solidFill>
+                <a:latin typeface="Courier New" panose="02070309020205020404" pitchFamily="49" charset="0"/>
+                <a:cs typeface="Courier New" panose="02070309020205020404" pitchFamily="49" charset="0"/>
+              </a:rPr>
+              <a:t>block</a:t>
+            </a:r>
+            <a:r>
+              <a:rPr lang="ro-MD" sz="1400" dirty="0" smtClean="0">
+                <a:solidFill>
+                  <a:srgbClr val="41719C"/>
+                </a:solidFill>
+                <a:latin typeface="Courier New" panose="02070309020205020404" pitchFamily="49" charset="0"/>
+                <a:cs typeface="Courier New" panose="02070309020205020404" pitchFamily="49" charset="0"/>
+              </a:rPr>
+              <a:t> 3</a:t>
+            </a:r>
+            <a:endParaRPr lang="en-US" sz="1400" dirty="0">
+              <a:solidFill>
+                <a:srgbClr val="41719C"/>
+              </a:solidFill>
+              <a:latin typeface="Courier New" panose="02070309020205020404" pitchFamily="49" charset="0"/>
+              <a:cs typeface="Courier New" panose="02070309020205020404" pitchFamily="49" charset="0"/>
+            </a:endParaRPr>
+          </a:p>
+        </p:txBody>
+      </p:sp>
+      <p:sp>
+        <p:nvSpPr>
+          <p:cNvPr id="5" name="Rounded Rectangle 4"/>
+          <p:cNvSpPr/>
+          <p:nvPr/>
+        </p:nvSpPr>
+        <p:spPr>
+          <a:xfrm>
+            <a:off x="507072" y="2975955"/>
+            <a:ext cx="914400" cy="914400"/>
+          </a:xfrm>
+          <a:prstGeom prst="roundRect">
+            <a:avLst/>
+          </a:prstGeom>
+          <a:solidFill>
+            <a:schemeClr val="bg1"/>
+          </a:solidFill>
+        </p:spPr>
+        <p:style>
+          <a:lnRef idx="2">
+            <a:schemeClr val="accent1">
+              <a:shade val="50000"/>
+            </a:schemeClr>
+          </a:lnRef>
+          <a:fillRef idx="1">
+            <a:schemeClr val="accent1"/>
+          </a:fillRef>
+          <a:effectRef idx="0">
+            <a:schemeClr val="accent1"/>
+          </a:effectRef>
+          <a:fontRef idx="minor">
+            <a:schemeClr val="lt1"/>
+          </a:fontRef>
+        </p:style>
+        <p:txBody>
+          <a:bodyPr wrap="none" rtlCol="0" anchor="ctr"/>
+          <a:lstStyle/>
+          <a:p>
+            <a:pPr algn="ctr"/>
+            <a:r>
+              <a:rPr lang="ro-MD" sz="1400" dirty="0" smtClean="0">
+                <a:solidFill>
+                  <a:srgbClr val="41719C"/>
+                </a:solidFill>
+                <a:latin typeface="Courier New" panose="02070309020205020404" pitchFamily="49" charset="0"/>
+                <a:cs typeface="Courier New" panose="02070309020205020404" pitchFamily="49" charset="0"/>
+              </a:rPr>
+              <a:t>16K</a:t>
+            </a:r>
+          </a:p>
+          <a:p>
+            <a:pPr algn="ctr"/>
+            <a:r>
+              <a:rPr lang="ro-MD" sz="1400" dirty="0" err="1" smtClean="0">
+                <a:solidFill>
+                  <a:srgbClr val="41719C"/>
+                </a:solidFill>
+                <a:latin typeface="Courier New" panose="02070309020205020404" pitchFamily="49" charset="0"/>
+                <a:cs typeface="Courier New" panose="02070309020205020404" pitchFamily="49" charset="0"/>
+              </a:rPr>
+              <a:t>block</a:t>
+            </a:r>
+            <a:r>
+              <a:rPr lang="ro-MD" sz="1400" dirty="0" smtClean="0">
+                <a:solidFill>
+                  <a:srgbClr val="41719C"/>
+                </a:solidFill>
+                <a:latin typeface="Courier New" panose="02070309020205020404" pitchFamily="49" charset="0"/>
+                <a:cs typeface="Courier New" panose="02070309020205020404" pitchFamily="49" charset="0"/>
+              </a:rPr>
+              <a:t> 2</a:t>
+            </a:r>
+            <a:endParaRPr lang="en-US" sz="1400" dirty="0">
+              <a:solidFill>
+                <a:srgbClr val="41719C"/>
+              </a:solidFill>
+              <a:latin typeface="Courier New" panose="02070309020205020404" pitchFamily="49" charset="0"/>
+              <a:cs typeface="Courier New" panose="02070309020205020404" pitchFamily="49" charset="0"/>
+            </a:endParaRPr>
+          </a:p>
+        </p:txBody>
+      </p:sp>
+      <p:cxnSp>
+        <p:nvCxnSpPr>
+          <p:cNvPr id="9" name="Straight Connector 8"/>
+          <p:cNvCxnSpPr/>
+          <p:nvPr/>
+        </p:nvCxnSpPr>
+        <p:spPr>
+          <a:xfrm>
+            <a:off x="3300149" y="2219955"/>
+            <a:ext cx="0" cy="756000"/>
+          </a:xfrm>
+          <a:prstGeom prst="line">
+            <a:avLst/>
+          </a:prstGeom>
+          <a:ln>
+            <a:headEnd type="diamond" w="lg" len="med"/>
+            <a:tailEnd type="diamond" w="lg" len="med"/>
+          </a:ln>
+        </p:spPr>
+        <p:style>
+          <a:lnRef idx="1">
+            <a:schemeClr val="accent1"/>
+          </a:lnRef>
+          <a:fillRef idx="0">
+            <a:schemeClr val="accent1"/>
+          </a:fillRef>
+          <a:effectRef idx="0">
+            <a:schemeClr val="accent1"/>
+          </a:effectRef>
+          <a:fontRef idx="minor">
+            <a:schemeClr val="tx1"/>
+          </a:fontRef>
+        </p:style>
+      </p:cxnSp>
+      <p:cxnSp>
+        <p:nvCxnSpPr>
+          <p:cNvPr id="10" name="Straight Connector 9"/>
+          <p:cNvCxnSpPr/>
+          <p:nvPr/>
+        </p:nvCxnSpPr>
+        <p:spPr>
+          <a:xfrm>
+            <a:off x="3300149" y="2975955"/>
+            <a:ext cx="0" cy="756000"/>
+          </a:xfrm>
+          <a:prstGeom prst="line">
+            <a:avLst/>
+          </a:prstGeom>
+          <a:ln>
+            <a:headEnd type="diamond" w="lg" len="med"/>
+            <a:tailEnd type="diamond" w="lg" len="med"/>
+          </a:ln>
+        </p:spPr>
+        <p:style>
+          <a:lnRef idx="1">
+            <a:schemeClr val="accent1"/>
+          </a:lnRef>
+          <a:fillRef idx="0">
+            <a:schemeClr val="accent1"/>
+          </a:fillRef>
+          <a:effectRef idx="0">
+            <a:schemeClr val="accent1"/>
+          </a:effectRef>
+          <a:fontRef idx="minor">
+            <a:schemeClr val="tx1"/>
+          </a:fontRef>
+        </p:style>
+      </p:cxnSp>
+      <p:sp>
+        <p:nvSpPr>
+          <p:cNvPr id="11" name="TextBox 10"/>
+          <p:cNvSpPr txBox="1"/>
+          <p:nvPr/>
+        </p:nvSpPr>
+        <p:spPr>
+          <a:xfrm rot="16200000">
+            <a:off x="2920326" y="2714345"/>
+            <a:ext cx="1476686" cy="523220"/>
+          </a:xfrm>
+          <a:prstGeom prst="rect">
+            <a:avLst/>
+          </a:prstGeom>
+          <a:noFill/>
+        </p:spPr>
+        <p:txBody>
+          <a:bodyPr wrap="none" rtlCol="0">
+            <a:spAutoFit/>
+          </a:bodyPr>
+          <a:lstStyle/>
+          <a:p>
+            <a:pPr algn="ctr"/>
+            <a:r>
+              <a:rPr lang="ro-MD" sz="1400" dirty="0" smtClean="0">
+                <a:latin typeface="Consolas" panose="020B0609020204030204" pitchFamily="49" charset="0"/>
+              </a:rPr>
+              <a:t>32K CPU</a:t>
+            </a:r>
+          </a:p>
+          <a:p>
+            <a:pPr algn="ctr"/>
+            <a:r>
+              <a:rPr lang="ro-MD" sz="1400" dirty="0" err="1">
+                <a:latin typeface="Consolas" panose="020B0609020204030204" pitchFamily="49" charset="0"/>
+              </a:rPr>
+              <a:t>a</a:t>
+            </a:r>
+            <a:r>
+              <a:rPr lang="ro-MD" sz="1400" dirty="0" err="1" smtClean="0">
+                <a:latin typeface="Consolas" panose="020B0609020204030204" pitchFamily="49" charset="0"/>
+              </a:rPr>
+              <a:t>ddress</a:t>
+            </a:r>
+            <a:r>
+              <a:rPr lang="ro-MD" sz="1400" dirty="0" smtClean="0">
+                <a:latin typeface="Consolas" panose="020B0609020204030204" pitchFamily="49" charset="0"/>
+              </a:rPr>
+              <a:t> </a:t>
+            </a:r>
+            <a:r>
+              <a:rPr lang="ro-MD" sz="1400" dirty="0" err="1" smtClean="0">
+                <a:latin typeface="Consolas" panose="020B0609020204030204" pitchFamily="49" charset="0"/>
+              </a:rPr>
+              <a:t>space</a:t>
+            </a:r>
+            <a:endParaRPr lang="en-US" sz="1400" dirty="0">
+              <a:latin typeface="Consolas" panose="020B0609020204030204" pitchFamily="49" charset="0"/>
+            </a:endParaRPr>
+          </a:p>
+        </p:txBody>
+      </p:sp>
+      <p:cxnSp>
+        <p:nvCxnSpPr>
+          <p:cNvPr id="13" name="Straight Connector 12"/>
+          <p:cNvCxnSpPr/>
+          <p:nvPr/>
+        </p:nvCxnSpPr>
+        <p:spPr>
+          <a:xfrm flipV="1">
+            <a:off x="1305093" y="3731955"/>
+            <a:ext cx="1995056" cy="1172552"/>
+          </a:xfrm>
+          <a:prstGeom prst="line">
+            <a:avLst/>
+          </a:prstGeom>
+          <a:ln w="12700">
+            <a:solidFill>
+              <a:schemeClr val="accent6"/>
+            </a:solidFill>
+          </a:ln>
+        </p:spPr>
+        <p:style>
+          <a:lnRef idx="1">
+            <a:schemeClr val="accent1"/>
+          </a:lnRef>
+          <a:fillRef idx="0">
+            <a:schemeClr val="accent1"/>
+          </a:fillRef>
+          <a:effectRef idx="0">
+            <a:schemeClr val="accent1"/>
+          </a:effectRef>
+          <a:fontRef idx="minor">
+            <a:schemeClr val="tx1"/>
+          </a:fontRef>
+        </p:style>
+      </p:cxnSp>
+      <p:cxnSp>
+        <p:nvCxnSpPr>
+          <p:cNvPr id="15" name="Straight Connector 14"/>
+          <p:cNvCxnSpPr/>
+          <p:nvPr/>
+        </p:nvCxnSpPr>
+        <p:spPr>
+          <a:xfrm flipV="1">
+            <a:off x="1305094" y="2975955"/>
+            <a:ext cx="1995055" cy="1014152"/>
+          </a:xfrm>
+          <a:prstGeom prst="line">
+            <a:avLst/>
+          </a:prstGeom>
+          <a:ln w="12700">
+            <a:solidFill>
+              <a:schemeClr val="accent6"/>
+            </a:solidFill>
+          </a:ln>
+        </p:spPr>
+        <p:style>
+          <a:lnRef idx="1">
+            <a:schemeClr val="accent1"/>
+          </a:lnRef>
+          <a:fillRef idx="0">
+            <a:schemeClr val="accent1"/>
+          </a:fillRef>
+          <a:effectRef idx="0">
+            <a:schemeClr val="accent1"/>
+          </a:effectRef>
+          <a:fontRef idx="minor">
+            <a:schemeClr val="tx1"/>
+          </a:fontRef>
+        </p:style>
+      </p:cxnSp>
+      <p:cxnSp>
+        <p:nvCxnSpPr>
+          <p:cNvPr id="18" name="Straight Connector 17"/>
+          <p:cNvCxnSpPr/>
+          <p:nvPr/>
+        </p:nvCxnSpPr>
+        <p:spPr>
+          <a:xfrm>
+            <a:off x="1305094" y="947651"/>
+            <a:ext cx="1995055" cy="1272304"/>
+          </a:xfrm>
+          <a:prstGeom prst="line">
+            <a:avLst/>
+          </a:prstGeom>
+          <a:ln w="12700">
+            <a:solidFill>
+              <a:schemeClr val="accent6"/>
+            </a:solidFill>
+          </a:ln>
+        </p:spPr>
+        <p:style>
+          <a:lnRef idx="1">
+            <a:schemeClr val="accent1"/>
+          </a:lnRef>
+          <a:fillRef idx="0">
+            <a:schemeClr val="accent1"/>
+          </a:fillRef>
+          <a:effectRef idx="0">
+            <a:schemeClr val="accent1"/>
+          </a:effectRef>
+          <a:fontRef idx="minor">
+            <a:schemeClr val="tx1"/>
+          </a:fontRef>
+        </p:style>
+      </p:cxnSp>
+      <p:cxnSp>
+        <p:nvCxnSpPr>
+          <p:cNvPr id="22" name="Straight Connector 21"/>
+          <p:cNvCxnSpPr/>
+          <p:nvPr/>
+        </p:nvCxnSpPr>
+        <p:spPr>
+          <a:xfrm>
+            <a:off x="1305092" y="1862051"/>
+            <a:ext cx="1995057" cy="1113904"/>
+          </a:xfrm>
+          <a:prstGeom prst="line">
+            <a:avLst/>
+          </a:prstGeom>
+          <a:ln w="12700">
+            <a:solidFill>
+              <a:schemeClr val="accent6"/>
+            </a:solidFill>
+          </a:ln>
+        </p:spPr>
+        <p:style>
+          <a:lnRef idx="1">
+            <a:schemeClr val="accent1"/>
+          </a:lnRef>
+          <a:fillRef idx="0">
+            <a:schemeClr val="accent1"/>
+          </a:fillRef>
+          <a:effectRef idx="0">
+            <a:schemeClr val="accent1"/>
+          </a:effectRef>
+          <a:fontRef idx="minor">
+            <a:schemeClr val="tx1"/>
+          </a:fontRef>
+        </p:style>
+      </p:cxnSp>
+      <p:sp>
+        <p:nvSpPr>
+          <p:cNvPr id="36" name="Rounded Rectangle 35"/>
+          <p:cNvSpPr/>
+          <p:nvPr/>
+        </p:nvSpPr>
+        <p:spPr>
+          <a:xfrm>
+            <a:off x="5178826" y="947651"/>
+            <a:ext cx="914400" cy="914400"/>
+          </a:xfrm>
+          <a:prstGeom prst="roundRect">
+            <a:avLst/>
+          </a:prstGeom>
+          <a:solidFill>
+            <a:schemeClr val="bg1"/>
+          </a:solidFill>
+        </p:spPr>
+        <p:style>
+          <a:lnRef idx="2">
+            <a:schemeClr val="accent1">
+              <a:shade val="50000"/>
+            </a:schemeClr>
+          </a:lnRef>
+          <a:fillRef idx="1">
+            <a:schemeClr val="accent1"/>
+          </a:fillRef>
+          <a:effectRef idx="0">
+            <a:schemeClr val="accent1"/>
+          </a:effectRef>
+          <a:fontRef idx="minor">
+            <a:schemeClr val="lt1"/>
+          </a:fontRef>
+        </p:style>
+        <p:txBody>
+          <a:bodyPr wrap="none" rtlCol="0" anchor="ctr"/>
+          <a:lstStyle/>
+          <a:p>
+            <a:pPr algn="ctr"/>
+            <a:r>
+              <a:rPr lang="ro-MD" sz="1400" dirty="0" smtClean="0">
+                <a:solidFill>
+                  <a:srgbClr val="41719C"/>
+                </a:solidFill>
+                <a:latin typeface="Courier New" panose="02070309020205020404" pitchFamily="49" charset="0"/>
+                <a:cs typeface="Courier New" panose="02070309020205020404" pitchFamily="49" charset="0"/>
+              </a:rPr>
+              <a:t>16K</a:t>
+            </a:r>
+          </a:p>
+          <a:p>
+            <a:pPr algn="ctr"/>
+            <a:r>
+              <a:rPr lang="ro-MD" sz="1400" dirty="0" err="1" smtClean="0">
+                <a:solidFill>
+                  <a:srgbClr val="41719C"/>
+                </a:solidFill>
+                <a:latin typeface="Courier New" panose="02070309020205020404" pitchFamily="49" charset="0"/>
+                <a:cs typeface="Courier New" panose="02070309020205020404" pitchFamily="49" charset="0"/>
+              </a:rPr>
+              <a:t>block</a:t>
+            </a:r>
+            <a:r>
+              <a:rPr lang="ro-MD" sz="1400" dirty="0" smtClean="0">
+                <a:solidFill>
+                  <a:srgbClr val="41719C"/>
+                </a:solidFill>
+                <a:latin typeface="Courier New" panose="02070309020205020404" pitchFamily="49" charset="0"/>
+                <a:cs typeface="Courier New" panose="02070309020205020404" pitchFamily="49" charset="0"/>
+              </a:rPr>
+              <a:t> 0</a:t>
+            </a:r>
+            <a:endParaRPr lang="en-US" sz="1400" dirty="0">
+              <a:solidFill>
+                <a:srgbClr val="41719C"/>
+              </a:solidFill>
+              <a:latin typeface="Courier New" panose="02070309020205020404" pitchFamily="49" charset="0"/>
+              <a:cs typeface="Courier New" panose="02070309020205020404" pitchFamily="49" charset="0"/>
+            </a:endParaRPr>
+          </a:p>
+        </p:txBody>
+      </p:sp>
+      <p:sp>
+        <p:nvSpPr>
+          <p:cNvPr id="37" name="Rounded Rectangle 36"/>
+          <p:cNvSpPr/>
+          <p:nvPr/>
+        </p:nvSpPr>
+        <p:spPr>
+          <a:xfrm>
+            <a:off x="5178826" y="1961803"/>
+            <a:ext cx="914400" cy="914400"/>
+          </a:xfrm>
+          <a:prstGeom prst="roundRect">
+            <a:avLst/>
+          </a:prstGeom>
+          <a:solidFill>
+            <a:schemeClr val="bg1"/>
+          </a:solidFill>
+        </p:spPr>
+        <p:style>
+          <a:lnRef idx="2">
+            <a:schemeClr val="accent1">
+              <a:shade val="50000"/>
+            </a:schemeClr>
+          </a:lnRef>
+          <a:fillRef idx="1">
+            <a:schemeClr val="accent1"/>
+          </a:fillRef>
+          <a:effectRef idx="0">
+            <a:schemeClr val="accent1"/>
+          </a:effectRef>
+          <a:fontRef idx="minor">
+            <a:schemeClr val="lt1"/>
+          </a:fontRef>
+        </p:style>
+        <p:txBody>
+          <a:bodyPr wrap="none" rtlCol="0" anchor="ctr"/>
+          <a:lstStyle/>
+          <a:p>
+            <a:pPr algn="ctr"/>
+            <a:r>
+              <a:rPr lang="ro-MD" sz="1400" dirty="0" smtClean="0">
+                <a:solidFill>
+                  <a:srgbClr val="41719C"/>
+                </a:solidFill>
+                <a:latin typeface="Courier New" panose="02070309020205020404" pitchFamily="49" charset="0"/>
+                <a:cs typeface="Courier New" panose="02070309020205020404" pitchFamily="49" charset="0"/>
+              </a:rPr>
+              <a:t>16K</a:t>
+            </a:r>
+          </a:p>
+          <a:p>
+            <a:pPr algn="ctr"/>
+            <a:r>
+              <a:rPr lang="ro-MD" sz="1400" dirty="0" err="1" smtClean="0">
+                <a:solidFill>
+                  <a:srgbClr val="41719C"/>
+                </a:solidFill>
+                <a:latin typeface="Courier New" panose="02070309020205020404" pitchFamily="49" charset="0"/>
+                <a:cs typeface="Courier New" panose="02070309020205020404" pitchFamily="49" charset="0"/>
+              </a:rPr>
+              <a:t>block</a:t>
+            </a:r>
+            <a:r>
+              <a:rPr lang="ro-MD" sz="1400" dirty="0" smtClean="0">
+                <a:solidFill>
+                  <a:srgbClr val="41719C"/>
+                </a:solidFill>
+                <a:latin typeface="Courier New" panose="02070309020205020404" pitchFamily="49" charset="0"/>
+                <a:cs typeface="Courier New" panose="02070309020205020404" pitchFamily="49" charset="0"/>
+              </a:rPr>
+              <a:t> 1</a:t>
+            </a:r>
+            <a:endParaRPr lang="en-US" sz="1400" dirty="0">
+              <a:solidFill>
+                <a:srgbClr val="41719C"/>
+              </a:solidFill>
+              <a:latin typeface="Courier New" panose="02070309020205020404" pitchFamily="49" charset="0"/>
+              <a:cs typeface="Courier New" panose="02070309020205020404" pitchFamily="49" charset="0"/>
+            </a:endParaRPr>
+          </a:p>
+        </p:txBody>
+      </p:sp>
+      <p:sp>
+        <p:nvSpPr>
+          <p:cNvPr id="38" name="Rounded Rectangle 37"/>
+          <p:cNvSpPr/>
+          <p:nvPr/>
+        </p:nvSpPr>
+        <p:spPr>
+          <a:xfrm>
+            <a:off x="5178826" y="3990107"/>
+            <a:ext cx="914400" cy="914400"/>
+          </a:xfrm>
+          <a:prstGeom prst="roundRect">
+            <a:avLst/>
+          </a:prstGeom>
+          <a:solidFill>
+            <a:schemeClr val="bg1"/>
+          </a:solidFill>
+        </p:spPr>
+        <p:style>
+          <a:lnRef idx="2">
+            <a:schemeClr val="accent1">
+              <a:shade val="50000"/>
+            </a:schemeClr>
+          </a:lnRef>
+          <a:fillRef idx="1">
+            <a:schemeClr val="accent1"/>
+          </a:fillRef>
+          <a:effectRef idx="0">
+            <a:schemeClr val="accent1"/>
+          </a:effectRef>
+          <a:fontRef idx="minor">
+            <a:schemeClr val="lt1"/>
+          </a:fontRef>
+        </p:style>
+        <p:txBody>
+          <a:bodyPr wrap="none" rtlCol="0" anchor="ctr"/>
+          <a:lstStyle/>
+          <a:p>
+            <a:pPr algn="ctr"/>
+            <a:r>
+              <a:rPr lang="ro-MD" sz="1400" dirty="0" smtClean="0">
+                <a:solidFill>
+                  <a:srgbClr val="41719C"/>
+                </a:solidFill>
+                <a:latin typeface="Courier New" panose="02070309020205020404" pitchFamily="49" charset="0"/>
+                <a:cs typeface="Courier New" panose="02070309020205020404" pitchFamily="49" charset="0"/>
+              </a:rPr>
+              <a:t>16K</a:t>
+            </a:r>
+          </a:p>
+          <a:p>
+            <a:pPr algn="ctr"/>
+            <a:r>
+              <a:rPr lang="ro-MD" sz="1400" dirty="0" err="1" smtClean="0">
+                <a:solidFill>
+                  <a:srgbClr val="41719C"/>
+                </a:solidFill>
+                <a:latin typeface="Courier New" panose="02070309020205020404" pitchFamily="49" charset="0"/>
+                <a:cs typeface="Courier New" panose="02070309020205020404" pitchFamily="49" charset="0"/>
+              </a:rPr>
+              <a:t>block</a:t>
+            </a:r>
+            <a:r>
+              <a:rPr lang="ro-MD" sz="1400" dirty="0" smtClean="0">
+                <a:solidFill>
+                  <a:srgbClr val="41719C"/>
+                </a:solidFill>
+                <a:latin typeface="Courier New" panose="02070309020205020404" pitchFamily="49" charset="0"/>
+                <a:cs typeface="Courier New" panose="02070309020205020404" pitchFamily="49" charset="0"/>
+              </a:rPr>
+              <a:t> 3</a:t>
+            </a:r>
+            <a:endParaRPr lang="en-US" sz="1400" dirty="0">
+              <a:solidFill>
+                <a:srgbClr val="41719C"/>
+              </a:solidFill>
+              <a:latin typeface="Courier New" panose="02070309020205020404" pitchFamily="49" charset="0"/>
+              <a:cs typeface="Courier New" panose="02070309020205020404" pitchFamily="49" charset="0"/>
+            </a:endParaRPr>
+          </a:p>
+        </p:txBody>
+      </p:sp>
+      <p:sp>
+        <p:nvSpPr>
+          <p:cNvPr id="39" name="Rounded Rectangle 38"/>
+          <p:cNvSpPr/>
+          <p:nvPr/>
+        </p:nvSpPr>
+        <p:spPr>
+          <a:xfrm>
+            <a:off x="5178826" y="2975955"/>
+            <a:ext cx="914400" cy="914400"/>
+          </a:xfrm>
+          <a:prstGeom prst="roundRect">
+            <a:avLst/>
+          </a:prstGeom>
+          <a:solidFill>
+            <a:schemeClr val="bg1"/>
+          </a:solidFill>
+        </p:spPr>
+        <p:style>
+          <a:lnRef idx="2">
+            <a:schemeClr val="accent1">
+              <a:shade val="50000"/>
+            </a:schemeClr>
+          </a:lnRef>
+          <a:fillRef idx="1">
+            <a:schemeClr val="accent1"/>
+          </a:fillRef>
+          <a:effectRef idx="0">
+            <a:schemeClr val="accent1"/>
+          </a:effectRef>
+          <a:fontRef idx="minor">
+            <a:schemeClr val="lt1"/>
+          </a:fontRef>
+        </p:style>
+        <p:txBody>
+          <a:bodyPr wrap="none" rtlCol="0" anchor="ctr"/>
+          <a:lstStyle/>
+          <a:p>
+            <a:pPr algn="ctr"/>
+            <a:r>
+              <a:rPr lang="ro-MD" sz="1400" dirty="0" smtClean="0">
+                <a:solidFill>
+                  <a:srgbClr val="41719C"/>
+                </a:solidFill>
+                <a:latin typeface="Courier New" panose="02070309020205020404" pitchFamily="49" charset="0"/>
+                <a:cs typeface="Courier New" panose="02070309020205020404" pitchFamily="49" charset="0"/>
+              </a:rPr>
+              <a:t>16K</a:t>
+            </a:r>
+          </a:p>
+          <a:p>
+            <a:pPr algn="ctr"/>
+            <a:r>
+              <a:rPr lang="ro-MD" sz="1400" dirty="0" err="1" smtClean="0">
+                <a:solidFill>
+                  <a:srgbClr val="41719C"/>
+                </a:solidFill>
+                <a:latin typeface="Courier New" panose="02070309020205020404" pitchFamily="49" charset="0"/>
+                <a:cs typeface="Courier New" panose="02070309020205020404" pitchFamily="49" charset="0"/>
+              </a:rPr>
+              <a:t>block</a:t>
+            </a:r>
+            <a:r>
+              <a:rPr lang="ro-MD" sz="1400" dirty="0" smtClean="0">
+                <a:solidFill>
+                  <a:srgbClr val="41719C"/>
+                </a:solidFill>
+                <a:latin typeface="Courier New" panose="02070309020205020404" pitchFamily="49" charset="0"/>
+                <a:cs typeface="Courier New" panose="02070309020205020404" pitchFamily="49" charset="0"/>
+              </a:rPr>
+              <a:t> 2</a:t>
+            </a:r>
+            <a:endParaRPr lang="en-US" sz="1400" dirty="0">
+              <a:solidFill>
+                <a:srgbClr val="41719C"/>
+              </a:solidFill>
+              <a:latin typeface="Courier New" panose="02070309020205020404" pitchFamily="49" charset="0"/>
+              <a:cs typeface="Courier New" panose="02070309020205020404" pitchFamily="49" charset="0"/>
+            </a:endParaRPr>
+          </a:p>
+        </p:txBody>
+      </p:sp>
+      <p:cxnSp>
+        <p:nvCxnSpPr>
+          <p:cNvPr id="40" name="Straight Connector 39"/>
+          <p:cNvCxnSpPr/>
+          <p:nvPr/>
+        </p:nvCxnSpPr>
+        <p:spPr>
+          <a:xfrm>
+            <a:off x="7971903" y="2219955"/>
+            <a:ext cx="0" cy="756000"/>
+          </a:xfrm>
+          <a:prstGeom prst="line">
+            <a:avLst/>
+          </a:prstGeom>
+          <a:ln>
+            <a:headEnd type="diamond" w="lg" len="med"/>
+            <a:tailEnd type="diamond" w="lg" len="med"/>
+          </a:ln>
+        </p:spPr>
+        <p:style>
+          <a:lnRef idx="1">
+            <a:schemeClr val="accent1"/>
+          </a:lnRef>
+          <a:fillRef idx="0">
+            <a:schemeClr val="accent1"/>
+          </a:fillRef>
+          <a:effectRef idx="0">
+            <a:schemeClr val="accent1"/>
+          </a:effectRef>
+          <a:fontRef idx="minor">
+            <a:schemeClr val="tx1"/>
+          </a:fontRef>
+        </p:style>
+      </p:cxnSp>
+      <p:cxnSp>
+        <p:nvCxnSpPr>
+          <p:cNvPr id="41" name="Straight Connector 40"/>
+          <p:cNvCxnSpPr/>
+          <p:nvPr/>
+        </p:nvCxnSpPr>
+        <p:spPr>
+          <a:xfrm>
+            <a:off x="7971903" y="2975955"/>
+            <a:ext cx="0" cy="756000"/>
+          </a:xfrm>
+          <a:prstGeom prst="line">
+            <a:avLst/>
+          </a:prstGeom>
+          <a:ln>
+            <a:headEnd type="diamond" w="lg" len="med"/>
+            <a:tailEnd type="diamond" w="lg" len="med"/>
+          </a:ln>
+        </p:spPr>
+        <p:style>
+          <a:lnRef idx="1">
+            <a:schemeClr val="accent1"/>
+          </a:lnRef>
+          <a:fillRef idx="0">
+            <a:schemeClr val="accent1"/>
+          </a:fillRef>
+          <a:effectRef idx="0">
+            <a:schemeClr val="accent1"/>
+          </a:effectRef>
+          <a:fontRef idx="minor">
+            <a:schemeClr val="tx1"/>
+          </a:fontRef>
+        </p:style>
+      </p:cxnSp>
+      <p:sp>
+        <p:nvSpPr>
+          <p:cNvPr id="42" name="TextBox 41"/>
+          <p:cNvSpPr txBox="1"/>
+          <p:nvPr/>
+        </p:nvSpPr>
+        <p:spPr>
+          <a:xfrm rot="16200000">
+            <a:off x="7592080" y="2714345"/>
+            <a:ext cx="1476686" cy="523220"/>
+          </a:xfrm>
+          <a:prstGeom prst="rect">
+            <a:avLst/>
+          </a:prstGeom>
+          <a:noFill/>
+        </p:spPr>
+        <p:txBody>
+          <a:bodyPr wrap="none" rtlCol="0">
+            <a:spAutoFit/>
+          </a:bodyPr>
+          <a:lstStyle/>
+          <a:p>
+            <a:pPr algn="ctr"/>
+            <a:r>
+              <a:rPr lang="ro-MD" sz="1400" dirty="0" smtClean="0">
+                <a:latin typeface="Consolas" panose="020B0609020204030204" pitchFamily="49" charset="0"/>
+              </a:rPr>
+              <a:t>32K CPU</a:t>
+            </a:r>
+          </a:p>
+          <a:p>
+            <a:pPr algn="ctr"/>
+            <a:r>
+              <a:rPr lang="ro-MD" sz="1400" dirty="0" err="1">
+                <a:latin typeface="Consolas" panose="020B0609020204030204" pitchFamily="49" charset="0"/>
+              </a:rPr>
+              <a:t>a</a:t>
+            </a:r>
+            <a:r>
+              <a:rPr lang="ro-MD" sz="1400" dirty="0" err="1" smtClean="0">
+                <a:latin typeface="Consolas" panose="020B0609020204030204" pitchFamily="49" charset="0"/>
+              </a:rPr>
+              <a:t>ddress</a:t>
+            </a:r>
+            <a:r>
+              <a:rPr lang="ro-MD" sz="1400" dirty="0" smtClean="0">
+                <a:latin typeface="Consolas" panose="020B0609020204030204" pitchFamily="49" charset="0"/>
+              </a:rPr>
+              <a:t> </a:t>
+            </a:r>
+            <a:r>
+              <a:rPr lang="ro-MD" sz="1400" dirty="0" err="1" smtClean="0">
+                <a:latin typeface="Consolas" panose="020B0609020204030204" pitchFamily="49" charset="0"/>
+              </a:rPr>
+              <a:t>space</a:t>
+            </a:r>
+            <a:endParaRPr lang="en-US" sz="1400" dirty="0">
+              <a:latin typeface="Consolas" panose="020B0609020204030204" pitchFamily="49" charset="0"/>
+            </a:endParaRPr>
+          </a:p>
+        </p:txBody>
+      </p:sp>
+      <p:cxnSp>
+        <p:nvCxnSpPr>
+          <p:cNvPr id="43" name="Straight Connector 42"/>
+          <p:cNvCxnSpPr/>
+          <p:nvPr/>
+        </p:nvCxnSpPr>
+        <p:spPr>
+          <a:xfrm flipV="1">
+            <a:off x="5976847" y="3731955"/>
+            <a:ext cx="1995056" cy="1172552"/>
+          </a:xfrm>
+          <a:prstGeom prst="line">
+            <a:avLst/>
+          </a:prstGeom>
+          <a:ln w="12700">
+            <a:solidFill>
+              <a:schemeClr val="accent6"/>
+            </a:solidFill>
+          </a:ln>
+        </p:spPr>
+        <p:style>
+          <a:lnRef idx="1">
+            <a:schemeClr val="accent1"/>
+          </a:lnRef>
+          <a:fillRef idx="0">
+            <a:schemeClr val="accent1"/>
+          </a:fillRef>
+          <a:effectRef idx="0">
+            <a:schemeClr val="accent1"/>
+          </a:effectRef>
+          <a:fontRef idx="minor">
+            <a:schemeClr val="tx1"/>
+          </a:fontRef>
+        </p:style>
+      </p:cxnSp>
+      <p:cxnSp>
+        <p:nvCxnSpPr>
+          <p:cNvPr id="44" name="Straight Connector 43"/>
+          <p:cNvCxnSpPr/>
+          <p:nvPr/>
+        </p:nvCxnSpPr>
+        <p:spPr>
+          <a:xfrm flipV="1">
+            <a:off x="5976848" y="2975955"/>
+            <a:ext cx="1995055" cy="1014152"/>
+          </a:xfrm>
+          <a:prstGeom prst="line">
+            <a:avLst/>
+          </a:prstGeom>
+          <a:ln w="12700">
+            <a:solidFill>
+              <a:schemeClr val="accent6"/>
+            </a:solidFill>
+          </a:ln>
+        </p:spPr>
+        <p:style>
+          <a:lnRef idx="1">
+            <a:schemeClr val="accent1"/>
+          </a:lnRef>
+          <a:fillRef idx="0">
+            <a:schemeClr val="accent1"/>
+          </a:fillRef>
+          <a:effectRef idx="0">
+            <a:schemeClr val="accent1"/>
+          </a:effectRef>
+          <a:fontRef idx="minor">
+            <a:schemeClr val="tx1"/>
+          </a:fontRef>
+        </p:style>
+      </p:cxnSp>
+      <p:cxnSp>
+        <p:nvCxnSpPr>
+          <p:cNvPr id="45" name="Straight Connector 44"/>
+          <p:cNvCxnSpPr/>
+          <p:nvPr/>
+        </p:nvCxnSpPr>
+        <p:spPr>
+          <a:xfrm>
+            <a:off x="5976847" y="1961803"/>
+            <a:ext cx="1995056" cy="258152"/>
+          </a:xfrm>
+          <a:prstGeom prst="line">
+            <a:avLst/>
+          </a:prstGeom>
+          <a:ln w="12700">
+            <a:solidFill>
+              <a:schemeClr val="accent6"/>
+            </a:solidFill>
+          </a:ln>
+        </p:spPr>
+        <p:style>
+          <a:lnRef idx="1">
+            <a:schemeClr val="accent1"/>
+          </a:lnRef>
+          <a:fillRef idx="0">
+            <a:schemeClr val="accent1"/>
+          </a:fillRef>
+          <a:effectRef idx="0">
+            <a:schemeClr val="accent1"/>
+          </a:effectRef>
+          <a:fontRef idx="minor">
+            <a:schemeClr val="tx1"/>
+          </a:fontRef>
+        </p:style>
+      </p:cxnSp>
+      <p:cxnSp>
+        <p:nvCxnSpPr>
+          <p:cNvPr id="46" name="Straight Connector 45"/>
+          <p:cNvCxnSpPr/>
+          <p:nvPr/>
+        </p:nvCxnSpPr>
+        <p:spPr>
+          <a:xfrm>
+            <a:off x="5976847" y="2876203"/>
+            <a:ext cx="1995056" cy="99752"/>
+          </a:xfrm>
+          <a:prstGeom prst="line">
+            <a:avLst/>
+          </a:prstGeom>
+          <a:ln w="12700">
+            <a:solidFill>
+              <a:schemeClr val="accent6"/>
+            </a:solidFill>
+          </a:ln>
+        </p:spPr>
+        <p:style>
+          <a:lnRef idx="1">
+            <a:schemeClr val="accent1"/>
+          </a:lnRef>
+          <a:fillRef idx="0">
+            <a:schemeClr val="accent1"/>
+          </a:fillRef>
+          <a:effectRef idx="0">
+            <a:schemeClr val="accent1"/>
+          </a:effectRef>
+          <a:fontRef idx="minor">
+            <a:schemeClr val="tx1"/>
+          </a:fontRef>
+        </p:style>
+      </p:cxnSp>
+      <p:sp>
+        <p:nvSpPr>
+          <p:cNvPr id="49" name="TextBox 48"/>
+          <p:cNvSpPr txBox="1"/>
+          <p:nvPr/>
+        </p:nvSpPr>
+        <p:spPr>
+          <a:xfrm>
+            <a:off x="3162743" y="1991390"/>
+            <a:ext cx="537327" cy="246221"/>
+          </a:xfrm>
+          <a:prstGeom prst="rect">
+            <a:avLst/>
+          </a:prstGeom>
+          <a:noFill/>
+        </p:spPr>
+        <p:txBody>
+          <a:bodyPr wrap="none" rtlCol="0">
+            <a:spAutoFit/>
+          </a:bodyPr>
+          <a:lstStyle/>
+          <a:p>
+            <a:r>
+              <a:rPr lang="ro-MD" sz="1000" dirty="0" smtClean="0">
+                <a:latin typeface="Consolas" panose="020B0609020204030204" pitchFamily="49" charset="0"/>
+              </a:rPr>
+              <a:t>$8000</a:t>
+            </a:r>
+            <a:endParaRPr lang="en-US" sz="1000" dirty="0">
+              <a:latin typeface="Consolas" panose="020B0609020204030204" pitchFamily="49" charset="0"/>
+            </a:endParaRPr>
+          </a:p>
+        </p:txBody>
+      </p:sp>
+      <p:sp>
+        <p:nvSpPr>
+          <p:cNvPr id="50" name="TextBox 49"/>
+          <p:cNvSpPr txBox="1"/>
+          <p:nvPr/>
+        </p:nvSpPr>
+        <p:spPr>
+          <a:xfrm>
+            <a:off x="3162743" y="3743289"/>
+            <a:ext cx="537327" cy="246221"/>
+          </a:xfrm>
+          <a:prstGeom prst="rect">
+            <a:avLst/>
+          </a:prstGeom>
+          <a:noFill/>
+        </p:spPr>
+        <p:txBody>
+          <a:bodyPr wrap="none" rtlCol="0">
+            <a:spAutoFit/>
+          </a:bodyPr>
+          <a:lstStyle/>
+          <a:p>
+            <a:r>
+              <a:rPr lang="ro-MD" sz="1000" dirty="0" smtClean="0">
+                <a:latin typeface="Consolas" panose="020B0609020204030204" pitchFamily="49" charset="0"/>
+              </a:rPr>
+              <a:t>$FFFF</a:t>
+            </a:r>
+            <a:endParaRPr lang="en-US" sz="1000" dirty="0">
+              <a:latin typeface="Consolas" panose="020B0609020204030204" pitchFamily="49" charset="0"/>
+            </a:endParaRPr>
+          </a:p>
+        </p:txBody>
+      </p:sp>
+      <p:sp>
+        <p:nvSpPr>
+          <p:cNvPr id="51" name="TextBox 50"/>
+          <p:cNvSpPr txBox="1"/>
+          <p:nvPr/>
+        </p:nvSpPr>
+        <p:spPr>
+          <a:xfrm>
+            <a:off x="7833400" y="1991390"/>
+            <a:ext cx="537327" cy="246221"/>
+          </a:xfrm>
+          <a:prstGeom prst="rect">
+            <a:avLst/>
+          </a:prstGeom>
+          <a:noFill/>
+        </p:spPr>
+        <p:txBody>
+          <a:bodyPr wrap="none" rtlCol="0">
+            <a:spAutoFit/>
+          </a:bodyPr>
+          <a:lstStyle/>
+          <a:p>
+            <a:r>
+              <a:rPr lang="ro-MD" sz="1000" dirty="0" smtClean="0">
+                <a:latin typeface="Consolas" panose="020B0609020204030204" pitchFamily="49" charset="0"/>
+              </a:rPr>
+              <a:t>$8000</a:t>
+            </a:r>
+            <a:endParaRPr lang="en-US" sz="1000" dirty="0">
+              <a:latin typeface="Consolas" panose="020B0609020204030204" pitchFamily="49" charset="0"/>
+            </a:endParaRPr>
+          </a:p>
+        </p:txBody>
+      </p:sp>
+      <p:sp>
+        <p:nvSpPr>
+          <p:cNvPr id="52" name="TextBox 51"/>
+          <p:cNvSpPr txBox="1"/>
+          <p:nvPr/>
+        </p:nvSpPr>
+        <p:spPr>
+          <a:xfrm>
+            <a:off x="7833400" y="3743289"/>
+            <a:ext cx="537327" cy="246221"/>
+          </a:xfrm>
+          <a:prstGeom prst="rect">
+            <a:avLst/>
+          </a:prstGeom>
+          <a:noFill/>
+        </p:spPr>
+        <p:txBody>
+          <a:bodyPr wrap="none" rtlCol="0">
+            <a:spAutoFit/>
+          </a:bodyPr>
+          <a:lstStyle/>
+          <a:p>
+            <a:r>
+              <a:rPr lang="ro-MD" sz="1000" dirty="0" smtClean="0">
+                <a:latin typeface="Consolas" panose="020B0609020204030204" pitchFamily="49" charset="0"/>
+              </a:rPr>
+              <a:t>$FFFF</a:t>
+            </a:r>
+            <a:endParaRPr lang="en-US" sz="1000" dirty="0">
+              <a:latin typeface="Consolas" panose="020B0609020204030204" pitchFamily="49" charset="0"/>
+            </a:endParaRPr>
+          </a:p>
+        </p:txBody>
+      </p:sp>
+    </p:spTree>
+    <p:extLst>
+      <p:ext uri="{BB962C8B-B14F-4D97-AF65-F5344CB8AC3E}">
+        <p14:creationId xmlns:p14="http://schemas.microsoft.com/office/powerpoint/2010/main" val="468101501"/>
       </p:ext>
     </p:extLst>
   </p:cSld>

--- a/Scheme/Scheme.pptx
+++ b/Scheme/Scheme.pptx
@@ -5,7 +5,7 @@
     <p:sldMasterId id="2147483660" r:id="rId1"/>
   </p:sldMasterIdLst>
   <p:notesMasterIdLst>
-    <p:notesMasterId r:id="rId15"/>
+    <p:notesMasterId r:id="rId16"/>
   </p:notesMasterIdLst>
   <p:sldIdLst>
     <p:sldId id="256" r:id="rId2"/>
@@ -21,6 +21,7 @@
     <p:sldId id="267" r:id="rId12"/>
     <p:sldId id="268" r:id="rId13"/>
     <p:sldId id="269" r:id="rId14"/>
+    <p:sldId id="270" r:id="rId15"/>
   </p:sldIdLst>
   <p:sldSz cx="9144000" cy="6858000" type="screen4x3"/>
   <p:notesSz cx="6858000" cy="9144000"/>
@@ -3249,7 +3250,7 @@
           <a:p>
             <a:fld id="{5DE9CCF9-CE14-4118-B675-AC72CDF038E6}" type="datetimeFigureOut">
               <a:rPr lang="en-US" smtClean="0"/>
-              <a:t>5/19/2019</a:t>
+              <a:t>6/13/2019</a:t>
             </a:fld>
             <a:endParaRPr lang="en-US"/>
           </a:p>
@@ -3648,7 +3649,7 @@
           <a:p>
             <a:fld id="{6149BA01-7448-4321-80DC-7E91E834C80B}" type="datetimeFigureOut">
               <a:rPr lang="en-US" smtClean="0"/>
-              <a:t>5/19/2019</a:t>
+              <a:t>6/13/2019</a:t>
             </a:fld>
             <a:endParaRPr lang="en-US"/>
           </a:p>
@@ -3818,7 +3819,7 @@
           <a:p>
             <a:fld id="{6149BA01-7448-4321-80DC-7E91E834C80B}" type="datetimeFigureOut">
               <a:rPr lang="en-US" smtClean="0"/>
-              <a:t>5/19/2019</a:t>
+              <a:t>6/13/2019</a:t>
             </a:fld>
             <a:endParaRPr lang="en-US"/>
           </a:p>
@@ -3998,7 +3999,7 @@
           <a:p>
             <a:fld id="{6149BA01-7448-4321-80DC-7E91E834C80B}" type="datetimeFigureOut">
               <a:rPr lang="en-US" smtClean="0"/>
-              <a:t>5/19/2019</a:t>
+              <a:t>6/13/2019</a:t>
             </a:fld>
             <a:endParaRPr lang="en-US"/>
           </a:p>
@@ -4168,7 +4169,7 @@
           <a:p>
             <a:fld id="{6149BA01-7448-4321-80DC-7E91E834C80B}" type="datetimeFigureOut">
               <a:rPr lang="en-US" smtClean="0"/>
-              <a:t>5/19/2019</a:t>
+              <a:t>6/13/2019</a:t>
             </a:fld>
             <a:endParaRPr lang="en-US"/>
           </a:p>
@@ -4412,7 +4413,7 @@
           <a:p>
             <a:fld id="{6149BA01-7448-4321-80DC-7E91E834C80B}" type="datetimeFigureOut">
               <a:rPr lang="en-US" smtClean="0"/>
-              <a:t>5/19/2019</a:t>
+              <a:t>6/13/2019</a:t>
             </a:fld>
             <a:endParaRPr lang="en-US"/>
           </a:p>
@@ -4644,7 +4645,7 @@
           <a:p>
             <a:fld id="{6149BA01-7448-4321-80DC-7E91E834C80B}" type="datetimeFigureOut">
               <a:rPr lang="en-US" smtClean="0"/>
-              <a:t>5/19/2019</a:t>
+              <a:t>6/13/2019</a:t>
             </a:fld>
             <a:endParaRPr lang="en-US"/>
           </a:p>
@@ -5011,7 +5012,7 @@
           <a:p>
             <a:fld id="{6149BA01-7448-4321-80DC-7E91E834C80B}" type="datetimeFigureOut">
               <a:rPr lang="en-US" smtClean="0"/>
-              <a:t>5/19/2019</a:t>
+              <a:t>6/13/2019</a:t>
             </a:fld>
             <a:endParaRPr lang="en-US"/>
           </a:p>
@@ -5129,7 +5130,7 @@
           <a:p>
             <a:fld id="{6149BA01-7448-4321-80DC-7E91E834C80B}" type="datetimeFigureOut">
               <a:rPr lang="en-US" smtClean="0"/>
-              <a:t>5/19/2019</a:t>
+              <a:t>6/13/2019</a:t>
             </a:fld>
             <a:endParaRPr lang="en-US"/>
           </a:p>
@@ -5224,7 +5225,7 @@
           <a:p>
             <a:fld id="{6149BA01-7448-4321-80DC-7E91E834C80B}" type="datetimeFigureOut">
               <a:rPr lang="en-US" smtClean="0"/>
-              <a:t>5/19/2019</a:t>
+              <a:t>6/13/2019</a:t>
             </a:fld>
             <a:endParaRPr lang="en-US"/>
           </a:p>
@@ -5501,7 +5502,7 @@
           <a:p>
             <a:fld id="{6149BA01-7448-4321-80DC-7E91E834C80B}" type="datetimeFigureOut">
               <a:rPr lang="en-US" smtClean="0"/>
-              <a:t>5/19/2019</a:t>
+              <a:t>6/13/2019</a:t>
             </a:fld>
             <a:endParaRPr lang="en-US"/>
           </a:p>
@@ -5758,7 +5759,7 @@
           <a:p>
             <a:fld id="{6149BA01-7448-4321-80DC-7E91E834C80B}" type="datetimeFigureOut">
               <a:rPr lang="en-US" smtClean="0"/>
-              <a:t>5/19/2019</a:t>
+              <a:t>6/13/2019</a:t>
             </a:fld>
             <a:endParaRPr lang="en-US"/>
           </a:p>
@@ -5971,7 +5972,7 @@
           <a:p>
             <a:fld id="{6149BA01-7448-4321-80DC-7E91E834C80B}" type="datetimeFigureOut">
               <a:rPr lang="en-US" smtClean="0"/>
-              <a:t>5/19/2019</a:t>
+              <a:t>6/13/2019</a:t>
             </a:fld>
             <a:endParaRPr lang="en-US"/>
           </a:p>
@@ -11350,6 +11351,256 @@
     <p:extLst>
       <p:ext uri="{BB962C8B-B14F-4D97-AF65-F5344CB8AC3E}">
         <p14:creationId xmlns:p14="http://schemas.microsoft.com/office/powerpoint/2010/main" val="468101501"/>
+      </p:ext>
+    </p:extLst>
+  </p:cSld>
+  <p:clrMapOvr>
+    <a:masterClrMapping/>
+  </p:clrMapOvr>
+</p:sld>
+</file>
+
+<file path=ppt/slides/slide14.xml><?xml version="1.0" encoding="utf-8"?>
+<p:sld xmlns:a="http://schemas.openxmlformats.org/drawingml/2006/main" xmlns:r="http://schemas.openxmlformats.org/officeDocument/2006/relationships" xmlns:p="http://schemas.openxmlformats.org/presentationml/2006/main">
+  <p:cSld>
+    <p:spTree>
+      <p:nvGrpSpPr>
+        <p:cNvPr id="1" name=""/>
+        <p:cNvGrpSpPr/>
+        <p:nvPr/>
+      </p:nvGrpSpPr>
+      <p:grpSpPr>
+        <a:xfrm>
+          <a:off x="0" y="0"/>
+          <a:ext cx="0" cy="0"/>
+          <a:chOff x="0" y="0"/>
+          <a:chExt cx="0" cy="0"/>
+        </a:xfrm>
+      </p:grpSpPr>
+      <p:sp>
+        <p:nvSpPr>
+          <p:cNvPr id="2" name="Rectangle 1"/>
+          <p:cNvSpPr/>
+          <p:nvPr/>
+        </p:nvSpPr>
+        <p:spPr>
+          <a:xfrm>
+            <a:off x="423949" y="1820487"/>
+            <a:ext cx="1188720" cy="507077"/>
+          </a:xfrm>
+          <a:prstGeom prst="rect">
+            <a:avLst/>
+          </a:prstGeom>
+          <a:solidFill>
+            <a:schemeClr val="bg1"/>
+          </a:solidFill>
+          <a:ln w="19050">
+            <a:solidFill>
+              <a:schemeClr val="tx1"/>
+            </a:solidFill>
+          </a:ln>
+        </p:spPr>
+        <p:style>
+          <a:lnRef idx="2">
+            <a:schemeClr val="accent1">
+              <a:shade val="50000"/>
+            </a:schemeClr>
+          </a:lnRef>
+          <a:fillRef idx="1">
+            <a:schemeClr val="accent1"/>
+          </a:fillRef>
+          <a:effectRef idx="0">
+            <a:schemeClr val="accent1"/>
+          </a:effectRef>
+          <a:fontRef idx="minor">
+            <a:schemeClr val="lt1"/>
+          </a:fontRef>
+        </p:style>
+        <p:txBody>
+          <a:bodyPr rtlCol="0" anchor="ctr"/>
+          <a:lstStyle/>
+          <a:p>
+            <a:pPr algn="ctr"/>
+            <a:r>
+              <a:rPr lang="ro-MD" sz="1200" dirty="0" smtClean="0">
+                <a:solidFill>
+                  <a:schemeClr val="tx1"/>
+                </a:solidFill>
+              </a:rPr>
+              <a:t>16byte </a:t>
+            </a:r>
+            <a:r>
+              <a:rPr lang="ro-MD" sz="1200" dirty="0" err="1" smtClean="0">
+                <a:solidFill>
+                  <a:schemeClr val="tx1"/>
+                </a:solidFill>
+              </a:rPr>
+              <a:t>header</a:t>
+            </a:r>
+            <a:endParaRPr lang="en-US" sz="1200" dirty="0">
+              <a:solidFill>
+                <a:schemeClr val="tx1"/>
+              </a:solidFill>
+            </a:endParaRPr>
+          </a:p>
+        </p:txBody>
+      </p:sp>
+      <p:sp>
+        <p:nvSpPr>
+          <p:cNvPr id="3" name="Rectangle 2"/>
+          <p:cNvSpPr/>
+          <p:nvPr/>
+        </p:nvSpPr>
+        <p:spPr>
+          <a:xfrm>
+            <a:off x="1612669" y="1820486"/>
+            <a:ext cx="3674226" cy="507077"/>
+          </a:xfrm>
+          <a:prstGeom prst="rect">
+            <a:avLst/>
+          </a:prstGeom>
+          <a:solidFill>
+            <a:schemeClr val="bg1"/>
+          </a:solidFill>
+          <a:ln w="19050">
+            <a:solidFill>
+              <a:schemeClr val="tx1"/>
+            </a:solidFill>
+          </a:ln>
+        </p:spPr>
+        <p:style>
+          <a:lnRef idx="2">
+            <a:schemeClr val="accent1">
+              <a:shade val="50000"/>
+            </a:schemeClr>
+          </a:lnRef>
+          <a:fillRef idx="1">
+            <a:schemeClr val="accent1"/>
+          </a:fillRef>
+          <a:effectRef idx="0">
+            <a:schemeClr val="accent1"/>
+          </a:effectRef>
+          <a:fontRef idx="minor">
+            <a:schemeClr val="lt1"/>
+          </a:fontRef>
+        </p:style>
+        <p:txBody>
+          <a:bodyPr rtlCol="0" anchor="ctr"/>
+          <a:lstStyle/>
+          <a:p>
+            <a:pPr algn="ctr"/>
+            <a:r>
+              <a:rPr lang="ro-MD" sz="1200" dirty="0" smtClean="0">
+                <a:solidFill>
+                  <a:schemeClr val="tx1"/>
+                </a:solidFill>
+              </a:rPr>
+              <a:t>16KB*n PRG </a:t>
+            </a:r>
+            <a:r>
+              <a:rPr lang="ro-MD" sz="1200" dirty="0" err="1" smtClean="0">
+                <a:solidFill>
+                  <a:schemeClr val="tx1"/>
+                </a:solidFill>
+              </a:rPr>
+              <a:t>memory</a:t>
+            </a:r>
+            <a:r>
+              <a:rPr lang="ro-MD" sz="1200" dirty="0" smtClean="0">
+                <a:solidFill>
+                  <a:schemeClr val="tx1"/>
+                </a:solidFill>
+              </a:rPr>
+              <a:t> (n ≥ 1)</a:t>
+            </a:r>
+            <a:endParaRPr lang="en-US" sz="1200" dirty="0">
+              <a:solidFill>
+                <a:schemeClr val="tx1"/>
+              </a:solidFill>
+            </a:endParaRPr>
+          </a:p>
+        </p:txBody>
+      </p:sp>
+      <p:sp>
+        <p:nvSpPr>
+          <p:cNvPr id="5" name="Rectangle 4"/>
+          <p:cNvSpPr/>
+          <p:nvPr/>
+        </p:nvSpPr>
+        <p:spPr>
+          <a:xfrm>
+            <a:off x="5286895" y="1820486"/>
+            <a:ext cx="3241963" cy="507077"/>
+          </a:xfrm>
+          <a:prstGeom prst="rect">
+            <a:avLst/>
+          </a:prstGeom>
+          <a:solidFill>
+            <a:schemeClr val="bg1"/>
+          </a:solidFill>
+          <a:ln w="19050">
+            <a:solidFill>
+              <a:schemeClr val="tx1"/>
+            </a:solidFill>
+          </a:ln>
+        </p:spPr>
+        <p:style>
+          <a:lnRef idx="2">
+            <a:schemeClr val="accent1">
+              <a:shade val="50000"/>
+            </a:schemeClr>
+          </a:lnRef>
+          <a:fillRef idx="1">
+            <a:schemeClr val="accent1"/>
+          </a:fillRef>
+          <a:effectRef idx="0">
+            <a:schemeClr val="accent1"/>
+          </a:effectRef>
+          <a:fontRef idx="minor">
+            <a:schemeClr val="lt1"/>
+          </a:fontRef>
+        </p:style>
+        <p:txBody>
+          <a:bodyPr rtlCol="0" anchor="ctr"/>
+          <a:lstStyle/>
+          <a:p>
+            <a:pPr algn="ctr"/>
+            <a:r>
+              <a:rPr lang="ro-MD" sz="1200" dirty="0" smtClean="0">
+                <a:solidFill>
+                  <a:schemeClr val="tx1"/>
+                </a:solidFill>
+              </a:rPr>
+              <a:t>8KB*m CHR </a:t>
+            </a:r>
+            <a:r>
+              <a:rPr lang="ro-MD" sz="1200" dirty="0" err="1" smtClean="0">
+                <a:solidFill>
+                  <a:schemeClr val="tx1"/>
+                </a:solidFill>
+              </a:rPr>
+              <a:t>memory</a:t>
+            </a:r>
+            <a:r>
+              <a:rPr lang="ro-MD" sz="1200" dirty="0" smtClean="0">
+                <a:solidFill>
+                  <a:schemeClr val="tx1"/>
+                </a:solidFill>
+              </a:rPr>
+              <a:t> (m ≥ 0)</a:t>
+            </a:r>
+            <a:endParaRPr lang="en-US" sz="1200" dirty="0">
+              <a:solidFill>
+                <a:schemeClr val="tx1"/>
+              </a:solidFill>
+            </a:endParaRPr>
+          </a:p>
+        </p:txBody>
+      </p:sp>
+    </p:spTree>
+    <p:extLst>
+      <p:ext uri="{BB962C8B-B14F-4D97-AF65-F5344CB8AC3E}">
+        <p14:creationId xmlns:p14="http://schemas.microsoft.com/office/powerpoint/2010/main" val="1123413224"/>
       </p:ext>
     </p:extLst>
   </p:cSld>

--- a/Scheme/Scheme.pptx
+++ b/Scheme/Scheme.pptx
@@ -5,7 +5,7 @@
     <p:sldMasterId id="2147483660" r:id="rId1"/>
   </p:sldMasterIdLst>
   <p:notesMasterIdLst>
-    <p:notesMasterId r:id="rId16"/>
+    <p:notesMasterId r:id="rId17"/>
   </p:notesMasterIdLst>
   <p:sldIdLst>
     <p:sldId id="256" r:id="rId2"/>
@@ -22,6 +22,7 @@
     <p:sldId id="268" r:id="rId13"/>
     <p:sldId id="269" r:id="rId14"/>
     <p:sldId id="270" r:id="rId15"/>
+    <p:sldId id="271" r:id="rId16"/>
   </p:sldIdLst>
   <p:sldSz cx="9144000" cy="6858000" type="screen4x3"/>
   <p:notesSz cx="6858000" cy="9144000"/>
@@ -3250,7 +3251,7 @@
           <a:p>
             <a:fld id="{5DE9CCF9-CE14-4118-B675-AC72CDF038E6}" type="datetimeFigureOut">
               <a:rPr lang="en-US" smtClean="0"/>
-              <a:t>6/13/2019</a:t>
+              <a:t>6/23/2019</a:t>
             </a:fld>
             <a:endParaRPr lang="en-US"/>
           </a:p>
@@ -3649,7 +3650,7 @@
           <a:p>
             <a:fld id="{6149BA01-7448-4321-80DC-7E91E834C80B}" type="datetimeFigureOut">
               <a:rPr lang="en-US" smtClean="0"/>
-              <a:t>6/13/2019</a:t>
+              <a:t>6/23/2019</a:t>
             </a:fld>
             <a:endParaRPr lang="en-US"/>
           </a:p>
@@ -3819,7 +3820,7 @@
           <a:p>
             <a:fld id="{6149BA01-7448-4321-80DC-7E91E834C80B}" type="datetimeFigureOut">
               <a:rPr lang="en-US" smtClean="0"/>
-              <a:t>6/13/2019</a:t>
+              <a:t>6/23/2019</a:t>
             </a:fld>
             <a:endParaRPr lang="en-US"/>
           </a:p>
@@ -3999,7 +4000,7 @@
           <a:p>
             <a:fld id="{6149BA01-7448-4321-80DC-7E91E834C80B}" type="datetimeFigureOut">
               <a:rPr lang="en-US" smtClean="0"/>
-              <a:t>6/13/2019</a:t>
+              <a:t>6/23/2019</a:t>
             </a:fld>
             <a:endParaRPr lang="en-US"/>
           </a:p>
@@ -4169,7 +4170,7 @@
           <a:p>
             <a:fld id="{6149BA01-7448-4321-80DC-7E91E834C80B}" type="datetimeFigureOut">
               <a:rPr lang="en-US" smtClean="0"/>
-              <a:t>6/13/2019</a:t>
+              <a:t>6/23/2019</a:t>
             </a:fld>
             <a:endParaRPr lang="en-US"/>
           </a:p>
@@ -4413,7 +4414,7 @@
           <a:p>
             <a:fld id="{6149BA01-7448-4321-80DC-7E91E834C80B}" type="datetimeFigureOut">
               <a:rPr lang="en-US" smtClean="0"/>
-              <a:t>6/13/2019</a:t>
+              <a:t>6/23/2019</a:t>
             </a:fld>
             <a:endParaRPr lang="en-US"/>
           </a:p>
@@ -4645,7 +4646,7 @@
           <a:p>
             <a:fld id="{6149BA01-7448-4321-80DC-7E91E834C80B}" type="datetimeFigureOut">
               <a:rPr lang="en-US" smtClean="0"/>
-              <a:t>6/13/2019</a:t>
+              <a:t>6/23/2019</a:t>
             </a:fld>
             <a:endParaRPr lang="en-US"/>
           </a:p>
@@ -5012,7 +5013,7 @@
           <a:p>
             <a:fld id="{6149BA01-7448-4321-80DC-7E91E834C80B}" type="datetimeFigureOut">
               <a:rPr lang="en-US" smtClean="0"/>
-              <a:t>6/13/2019</a:t>
+              <a:t>6/23/2019</a:t>
             </a:fld>
             <a:endParaRPr lang="en-US"/>
           </a:p>
@@ -5130,7 +5131,7 @@
           <a:p>
             <a:fld id="{6149BA01-7448-4321-80DC-7E91E834C80B}" type="datetimeFigureOut">
               <a:rPr lang="en-US" smtClean="0"/>
-              <a:t>6/13/2019</a:t>
+              <a:t>6/23/2019</a:t>
             </a:fld>
             <a:endParaRPr lang="en-US"/>
           </a:p>
@@ -5225,7 +5226,7 @@
           <a:p>
             <a:fld id="{6149BA01-7448-4321-80DC-7E91E834C80B}" type="datetimeFigureOut">
               <a:rPr lang="en-US" smtClean="0"/>
-              <a:t>6/13/2019</a:t>
+              <a:t>6/23/2019</a:t>
             </a:fld>
             <a:endParaRPr lang="en-US"/>
           </a:p>
@@ -5502,7 +5503,7 @@
           <a:p>
             <a:fld id="{6149BA01-7448-4321-80DC-7E91E834C80B}" type="datetimeFigureOut">
               <a:rPr lang="en-US" smtClean="0"/>
-              <a:t>6/13/2019</a:t>
+              <a:t>6/23/2019</a:t>
             </a:fld>
             <a:endParaRPr lang="en-US"/>
           </a:p>
@@ -5759,7 +5760,7 @@
           <a:p>
             <a:fld id="{6149BA01-7448-4321-80DC-7E91E834C80B}" type="datetimeFigureOut">
               <a:rPr lang="en-US" smtClean="0"/>
-              <a:t>6/13/2019</a:t>
+              <a:t>6/23/2019</a:t>
             </a:fld>
             <a:endParaRPr lang="en-US"/>
           </a:p>
@@ -5972,7 +5973,7 @@
           <a:p>
             <a:fld id="{6149BA01-7448-4321-80DC-7E91E834C80B}" type="datetimeFigureOut">
               <a:rPr lang="en-US" smtClean="0"/>
-              <a:t>6/13/2019</a:t>
+              <a:t>6/23/2019</a:t>
             </a:fld>
             <a:endParaRPr lang="en-US"/>
           </a:p>
@@ -11601,6 +11602,3648 @@
     <p:extLst>
       <p:ext uri="{BB962C8B-B14F-4D97-AF65-F5344CB8AC3E}">
         <p14:creationId xmlns:p14="http://schemas.microsoft.com/office/powerpoint/2010/main" val="1123413224"/>
+      </p:ext>
+    </p:extLst>
+  </p:cSld>
+  <p:clrMapOvr>
+    <a:masterClrMapping/>
+  </p:clrMapOvr>
+</p:sld>
+</file>
+
+<file path=ppt/slides/slide15.xml><?xml version="1.0" encoding="utf-8"?>
+<p:sld xmlns:a="http://schemas.openxmlformats.org/drawingml/2006/main" xmlns:r="http://schemas.openxmlformats.org/officeDocument/2006/relationships" xmlns:p="http://schemas.openxmlformats.org/presentationml/2006/main">
+  <p:cSld>
+    <p:spTree>
+      <p:nvGrpSpPr>
+        <p:cNvPr id="1" name=""/>
+        <p:cNvGrpSpPr/>
+        <p:nvPr/>
+      </p:nvGrpSpPr>
+      <p:grpSpPr>
+        <a:xfrm>
+          <a:off x="0" y="0"/>
+          <a:ext cx="0" cy="0"/>
+          <a:chOff x="0" y="0"/>
+          <a:chExt cx="0" cy="0"/>
+        </a:xfrm>
+      </p:grpSpPr>
+      <p:sp>
+        <p:nvSpPr>
+          <p:cNvPr id="2" name="Rectangle 1"/>
+          <p:cNvSpPr/>
+          <p:nvPr/>
+        </p:nvSpPr>
+        <p:spPr>
+          <a:xfrm>
+            <a:off x="1138844" y="1321723"/>
+            <a:ext cx="396000" cy="396000"/>
+          </a:xfrm>
+          <a:prstGeom prst="rect">
+            <a:avLst/>
+          </a:prstGeom>
+          <a:solidFill>
+            <a:schemeClr val="bg1"/>
+          </a:solidFill>
+          <a:ln w="31750">
+            <a:solidFill>
+              <a:schemeClr val="tx1"/>
+            </a:solidFill>
+          </a:ln>
+        </p:spPr>
+        <p:style>
+          <a:lnRef idx="2">
+            <a:schemeClr val="accent1">
+              <a:shade val="50000"/>
+            </a:schemeClr>
+          </a:lnRef>
+          <a:fillRef idx="1">
+            <a:schemeClr val="accent1"/>
+          </a:fillRef>
+          <a:effectRef idx="0">
+            <a:schemeClr val="accent1"/>
+          </a:effectRef>
+          <a:fontRef idx="minor">
+            <a:schemeClr val="lt1"/>
+          </a:fontRef>
+        </p:style>
+        <p:txBody>
+          <a:bodyPr rtlCol="0" anchor="ctr"/>
+          <a:lstStyle/>
+          <a:p>
+            <a:pPr algn="ctr"/>
+            <a:endParaRPr lang="en-US"/>
+          </a:p>
+        </p:txBody>
+      </p:sp>
+      <p:sp>
+        <p:nvSpPr>
+          <p:cNvPr id="3" name="Rectangle 2"/>
+          <p:cNvSpPr/>
+          <p:nvPr/>
+        </p:nvSpPr>
+        <p:spPr>
+          <a:xfrm>
+            <a:off x="1673629" y="1321723"/>
+            <a:ext cx="396000" cy="396000"/>
+          </a:xfrm>
+          <a:prstGeom prst="rect">
+            <a:avLst/>
+          </a:prstGeom>
+          <a:solidFill>
+            <a:schemeClr val="bg1"/>
+          </a:solidFill>
+          <a:ln w="31750">
+            <a:solidFill>
+              <a:schemeClr val="tx1"/>
+            </a:solidFill>
+          </a:ln>
+        </p:spPr>
+        <p:style>
+          <a:lnRef idx="2">
+            <a:schemeClr val="accent1">
+              <a:shade val="50000"/>
+            </a:schemeClr>
+          </a:lnRef>
+          <a:fillRef idx="1">
+            <a:schemeClr val="accent1"/>
+          </a:fillRef>
+          <a:effectRef idx="0">
+            <a:schemeClr val="accent1"/>
+          </a:effectRef>
+          <a:fontRef idx="minor">
+            <a:schemeClr val="lt1"/>
+          </a:fontRef>
+        </p:style>
+        <p:txBody>
+          <a:bodyPr rtlCol="0" anchor="ctr"/>
+          <a:lstStyle/>
+          <a:p>
+            <a:pPr algn="ctr"/>
+            <a:endParaRPr lang="en-US"/>
+          </a:p>
+        </p:txBody>
+      </p:sp>
+      <p:sp>
+        <p:nvSpPr>
+          <p:cNvPr id="4" name="Rectangle 3"/>
+          <p:cNvSpPr/>
+          <p:nvPr/>
+        </p:nvSpPr>
+        <p:spPr>
+          <a:xfrm>
+            <a:off x="2208414" y="1321723"/>
+            <a:ext cx="396000" cy="396000"/>
+          </a:xfrm>
+          <a:prstGeom prst="rect">
+            <a:avLst/>
+          </a:prstGeom>
+          <a:solidFill>
+            <a:schemeClr val="bg1"/>
+          </a:solidFill>
+          <a:ln w="31750">
+            <a:solidFill>
+              <a:schemeClr val="tx1"/>
+            </a:solidFill>
+          </a:ln>
+        </p:spPr>
+        <p:style>
+          <a:lnRef idx="2">
+            <a:schemeClr val="accent1">
+              <a:shade val="50000"/>
+            </a:schemeClr>
+          </a:lnRef>
+          <a:fillRef idx="1">
+            <a:schemeClr val="accent1"/>
+          </a:fillRef>
+          <a:effectRef idx="0">
+            <a:schemeClr val="accent1"/>
+          </a:effectRef>
+          <a:fontRef idx="minor">
+            <a:schemeClr val="lt1"/>
+          </a:fontRef>
+        </p:style>
+        <p:txBody>
+          <a:bodyPr rtlCol="0" anchor="ctr"/>
+          <a:lstStyle/>
+          <a:p>
+            <a:pPr algn="ctr"/>
+            <a:endParaRPr lang="en-US"/>
+          </a:p>
+        </p:txBody>
+      </p:sp>
+      <p:sp>
+        <p:nvSpPr>
+          <p:cNvPr id="5" name="Rectangle 4"/>
+          <p:cNvSpPr/>
+          <p:nvPr/>
+        </p:nvSpPr>
+        <p:spPr>
+          <a:xfrm>
+            <a:off x="2743199" y="1321723"/>
+            <a:ext cx="396000" cy="396000"/>
+          </a:xfrm>
+          <a:prstGeom prst="rect">
+            <a:avLst/>
+          </a:prstGeom>
+          <a:solidFill>
+            <a:schemeClr val="bg1"/>
+          </a:solidFill>
+          <a:ln w="31750">
+            <a:solidFill>
+              <a:schemeClr val="tx1"/>
+            </a:solidFill>
+          </a:ln>
+        </p:spPr>
+        <p:style>
+          <a:lnRef idx="2">
+            <a:schemeClr val="accent1">
+              <a:shade val="50000"/>
+            </a:schemeClr>
+          </a:lnRef>
+          <a:fillRef idx="1">
+            <a:schemeClr val="accent1"/>
+          </a:fillRef>
+          <a:effectRef idx="0">
+            <a:schemeClr val="accent1"/>
+          </a:effectRef>
+          <a:fontRef idx="minor">
+            <a:schemeClr val="lt1"/>
+          </a:fontRef>
+        </p:style>
+        <p:txBody>
+          <a:bodyPr rtlCol="0" anchor="ctr"/>
+          <a:lstStyle/>
+          <a:p>
+            <a:pPr algn="ctr"/>
+            <a:endParaRPr lang="en-US"/>
+          </a:p>
+        </p:txBody>
+      </p:sp>
+      <p:sp>
+        <p:nvSpPr>
+          <p:cNvPr id="6" name="Rectangle 5"/>
+          <p:cNvSpPr/>
+          <p:nvPr/>
+        </p:nvSpPr>
+        <p:spPr>
+          <a:xfrm>
+            <a:off x="3277984" y="1321723"/>
+            <a:ext cx="396000" cy="396000"/>
+          </a:xfrm>
+          <a:prstGeom prst="rect">
+            <a:avLst/>
+          </a:prstGeom>
+          <a:solidFill>
+            <a:schemeClr val="bg1"/>
+          </a:solidFill>
+          <a:ln w="31750">
+            <a:solidFill>
+              <a:schemeClr val="tx1"/>
+            </a:solidFill>
+          </a:ln>
+        </p:spPr>
+        <p:style>
+          <a:lnRef idx="2">
+            <a:schemeClr val="accent1">
+              <a:shade val="50000"/>
+            </a:schemeClr>
+          </a:lnRef>
+          <a:fillRef idx="1">
+            <a:schemeClr val="accent1"/>
+          </a:fillRef>
+          <a:effectRef idx="0">
+            <a:schemeClr val="accent1"/>
+          </a:effectRef>
+          <a:fontRef idx="minor">
+            <a:schemeClr val="lt1"/>
+          </a:fontRef>
+        </p:style>
+        <p:txBody>
+          <a:bodyPr rtlCol="0" anchor="ctr"/>
+          <a:lstStyle/>
+          <a:p>
+            <a:pPr algn="ctr"/>
+            <a:endParaRPr lang="en-US"/>
+          </a:p>
+        </p:txBody>
+      </p:sp>
+      <p:sp>
+        <p:nvSpPr>
+          <p:cNvPr id="7" name="Rectangle 6"/>
+          <p:cNvSpPr/>
+          <p:nvPr/>
+        </p:nvSpPr>
+        <p:spPr>
+          <a:xfrm>
+            <a:off x="3812769" y="1321723"/>
+            <a:ext cx="396000" cy="396000"/>
+          </a:xfrm>
+          <a:prstGeom prst="rect">
+            <a:avLst/>
+          </a:prstGeom>
+          <a:solidFill>
+            <a:schemeClr val="bg1"/>
+          </a:solidFill>
+          <a:ln w="31750">
+            <a:solidFill>
+              <a:schemeClr val="tx1"/>
+            </a:solidFill>
+          </a:ln>
+        </p:spPr>
+        <p:style>
+          <a:lnRef idx="2">
+            <a:schemeClr val="accent1">
+              <a:shade val="50000"/>
+            </a:schemeClr>
+          </a:lnRef>
+          <a:fillRef idx="1">
+            <a:schemeClr val="accent1"/>
+          </a:fillRef>
+          <a:effectRef idx="0">
+            <a:schemeClr val="accent1"/>
+          </a:effectRef>
+          <a:fontRef idx="minor">
+            <a:schemeClr val="lt1"/>
+          </a:fontRef>
+        </p:style>
+        <p:txBody>
+          <a:bodyPr rtlCol="0" anchor="ctr"/>
+          <a:lstStyle/>
+          <a:p>
+            <a:pPr algn="ctr"/>
+            <a:endParaRPr lang="en-US"/>
+          </a:p>
+        </p:txBody>
+      </p:sp>
+      <p:sp>
+        <p:nvSpPr>
+          <p:cNvPr id="8" name="Rectangle 7"/>
+          <p:cNvSpPr/>
+          <p:nvPr/>
+        </p:nvSpPr>
+        <p:spPr>
+          <a:xfrm>
+            <a:off x="4347554" y="1321723"/>
+            <a:ext cx="396000" cy="396000"/>
+          </a:xfrm>
+          <a:prstGeom prst="rect">
+            <a:avLst/>
+          </a:prstGeom>
+          <a:solidFill>
+            <a:schemeClr val="bg1"/>
+          </a:solidFill>
+          <a:ln w="31750">
+            <a:solidFill>
+              <a:schemeClr val="tx1"/>
+            </a:solidFill>
+          </a:ln>
+        </p:spPr>
+        <p:style>
+          <a:lnRef idx="2">
+            <a:schemeClr val="accent1">
+              <a:shade val="50000"/>
+            </a:schemeClr>
+          </a:lnRef>
+          <a:fillRef idx="1">
+            <a:schemeClr val="accent1"/>
+          </a:fillRef>
+          <a:effectRef idx="0">
+            <a:schemeClr val="accent1"/>
+          </a:effectRef>
+          <a:fontRef idx="minor">
+            <a:schemeClr val="lt1"/>
+          </a:fontRef>
+        </p:style>
+        <p:txBody>
+          <a:bodyPr rtlCol="0" anchor="ctr"/>
+          <a:lstStyle/>
+          <a:p>
+            <a:pPr algn="ctr"/>
+            <a:endParaRPr lang="en-US"/>
+          </a:p>
+        </p:txBody>
+      </p:sp>
+      <p:sp>
+        <p:nvSpPr>
+          <p:cNvPr id="9" name="Rectangle 8"/>
+          <p:cNvSpPr/>
+          <p:nvPr/>
+        </p:nvSpPr>
+        <p:spPr>
+          <a:xfrm>
+            <a:off x="7342909" y="1321723"/>
+            <a:ext cx="396000" cy="396000"/>
+          </a:xfrm>
+          <a:prstGeom prst="rect">
+            <a:avLst/>
+          </a:prstGeom>
+          <a:solidFill>
+            <a:schemeClr val="bg1"/>
+          </a:solidFill>
+          <a:ln w="31750">
+            <a:solidFill>
+              <a:schemeClr val="tx1"/>
+            </a:solidFill>
+          </a:ln>
+        </p:spPr>
+        <p:style>
+          <a:lnRef idx="2">
+            <a:schemeClr val="accent1">
+              <a:shade val="50000"/>
+            </a:schemeClr>
+          </a:lnRef>
+          <a:fillRef idx="1">
+            <a:schemeClr val="accent1"/>
+          </a:fillRef>
+          <a:effectRef idx="0">
+            <a:schemeClr val="accent1"/>
+          </a:effectRef>
+          <a:fontRef idx="minor">
+            <a:schemeClr val="lt1"/>
+          </a:fontRef>
+        </p:style>
+        <p:txBody>
+          <a:bodyPr rtlCol="0" anchor="ctr"/>
+          <a:lstStyle/>
+          <a:p>
+            <a:pPr algn="ctr"/>
+            <a:endParaRPr lang="en-US"/>
+          </a:p>
+        </p:txBody>
+      </p:sp>
+      <p:sp>
+        <p:nvSpPr>
+          <p:cNvPr id="10" name="Rectangle 9"/>
+          <p:cNvSpPr/>
+          <p:nvPr/>
+        </p:nvSpPr>
+        <p:spPr>
+          <a:xfrm>
+            <a:off x="1138844" y="1848196"/>
+            <a:ext cx="396000" cy="396000"/>
+          </a:xfrm>
+          <a:prstGeom prst="rect">
+            <a:avLst/>
+          </a:prstGeom>
+          <a:solidFill>
+            <a:schemeClr val="bg1"/>
+          </a:solidFill>
+          <a:ln w="31750">
+            <a:solidFill>
+              <a:schemeClr val="tx1"/>
+            </a:solidFill>
+          </a:ln>
+        </p:spPr>
+        <p:style>
+          <a:lnRef idx="2">
+            <a:schemeClr val="accent1">
+              <a:shade val="50000"/>
+            </a:schemeClr>
+          </a:lnRef>
+          <a:fillRef idx="1">
+            <a:schemeClr val="accent1"/>
+          </a:fillRef>
+          <a:effectRef idx="0">
+            <a:schemeClr val="accent1"/>
+          </a:effectRef>
+          <a:fontRef idx="minor">
+            <a:schemeClr val="lt1"/>
+          </a:fontRef>
+        </p:style>
+        <p:txBody>
+          <a:bodyPr rtlCol="0" anchor="ctr"/>
+          <a:lstStyle/>
+          <a:p>
+            <a:pPr algn="ctr"/>
+            <a:endParaRPr lang="en-US"/>
+          </a:p>
+        </p:txBody>
+      </p:sp>
+      <p:sp>
+        <p:nvSpPr>
+          <p:cNvPr id="11" name="Rectangle 10"/>
+          <p:cNvSpPr/>
+          <p:nvPr/>
+        </p:nvSpPr>
+        <p:spPr>
+          <a:xfrm>
+            <a:off x="1673629" y="1848196"/>
+            <a:ext cx="396000" cy="396000"/>
+          </a:xfrm>
+          <a:prstGeom prst="rect">
+            <a:avLst/>
+          </a:prstGeom>
+          <a:solidFill>
+            <a:schemeClr val="bg1"/>
+          </a:solidFill>
+          <a:ln w="31750">
+            <a:solidFill>
+              <a:schemeClr val="tx1"/>
+            </a:solidFill>
+          </a:ln>
+        </p:spPr>
+        <p:style>
+          <a:lnRef idx="2">
+            <a:schemeClr val="accent1">
+              <a:shade val="50000"/>
+            </a:schemeClr>
+          </a:lnRef>
+          <a:fillRef idx="1">
+            <a:schemeClr val="accent1"/>
+          </a:fillRef>
+          <a:effectRef idx="0">
+            <a:schemeClr val="accent1"/>
+          </a:effectRef>
+          <a:fontRef idx="minor">
+            <a:schemeClr val="lt1"/>
+          </a:fontRef>
+        </p:style>
+        <p:txBody>
+          <a:bodyPr rtlCol="0" anchor="ctr"/>
+          <a:lstStyle/>
+          <a:p>
+            <a:pPr algn="ctr"/>
+            <a:endParaRPr lang="en-US"/>
+          </a:p>
+        </p:txBody>
+      </p:sp>
+      <p:sp>
+        <p:nvSpPr>
+          <p:cNvPr id="12" name="Rectangle 11"/>
+          <p:cNvSpPr/>
+          <p:nvPr/>
+        </p:nvSpPr>
+        <p:spPr>
+          <a:xfrm>
+            <a:off x="2208414" y="1848196"/>
+            <a:ext cx="396000" cy="396000"/>
+          </a:xfrm>
+          <a:prstGeom prst="rect">
+            <a:avLst/>
+          </a:prstGeom>
+          <a:solidFill>
+            <a:schemeClr val="bg1"/>
+          </a:solidFill>
+          <a:ln w="31750">
+            <a:solidFill>
+              <a:schemeClr val="tx1"/>
+            </a:solidFill>
+          </a:ln>
+        </p:spPr>
+        <p:style>
+          <a:lnRef idx="2">
+            <a:schemeClr val="accent1">
+              <a:shade val="50000"/>
+            </a:schemeClr>
+          </a:lnRef>
+          <a:fillRef idx="1">
+            <a:schemeClr val="accent1"/>
+          </a:fillRef>
+          <a:effectRef idx="0">
+            <a:schemeClr val="accent1"/>
+          </a:effectRef>
+          <a:fontRef idx="minor">
+            <a:schemeClr val="lt1"/>
+          </a:fontRef>
+        </p:style>
+        <p:txBody>
+          <a:bodyPr rtlCol="0" anchor="ctr"/>
+          <a:lstStyle/>
+          <a:p>
+            <a:pPr algn="ctr"/>
+            <a:endParaRPr lang="en-US"/>
+          </a:p>
+        </p:txBody>
+      </p:sp>
+      <p:sp>
+        <p:nvSpPr>
+          <p:cNvPr id="13" name="Rectangle 12"/>
+          <p:cNvSpPr/>
+          <p:nvPr/>
+        </p:nvSpPr>
+        <p:spPr>
+          <a:xfrm>
+            <a:off x="2743199" y="1848196"/>
+            <a:ext cx="396000" cy="396000"/>
+          </a:xfrm>
+          <a:prstGeom prst="rect">
+            <a:avLst/>
+          </a:prstGeom>
+          <a:solidFill>
+            <a:schemeClr val="bg1"/>
+          </a:solidFill>
+          <a:ln w="31750">
+            <a:solidFill>
+              <a:schemeClr val="tx1"/>
+            </a:solidFill>
+          </a:ln>
+        </p:spPr>
+        <p:style>
+          <a:lnRef idx="2">
+            <a:schemeClr val="accent1">
+              <a:shade val="50000"/>
+            </a:schemeClr>
+          </a:lnRef>
+          <a:fillRef idx="1">
+            <a:schemeClr val="accent1"/>
+          </a:fillRef>
+          <a:effectRef idx="0">
+            <a:schemeClr val="accent1"/>
+          </a:effectRef>
+          <a:fontRef idx="minor">
+            <a:schemeClr val="lt1"/>
+          </a:fontRef>
+        </p:style>
+        <p:txBody>
+          <a:bodyPr rtlCol="0" anchor="ctr"/>
+          <a:lstStyle/>
+          <a:p>
+            <a:pPr algn="ctr"/>
+            <a:endParaRPr lang="en-US"/>
+          </a:p>
+        </p:txBody>
+      </p:sp>
+      <p:sp>
+        <p:nvSpPr>
+          <p:cNvPr id="14" name="Rectangle 13"/>
+          <p:cNvSpPr/>
+          <p:nvPr/>
+        </p:nvSpPr>
+        <p:spPr>
+          <a:xfrm>
+            <a:off x="3277984" y="1848196"/>
+            <a:ext cx="396000" cy="396000"/>
+          </a:xfrm>
+          <a:prstGeom prst="rect">
+            <a:avLst/>
+          </a:prstGeom>
+          <a:solidFill>
+            <a:schemeClr val="bg1"/>
+          </a:solidFill>
+          <a:ln w="31750">
+            <a:solidFill>
+              <a:schemeClr val="tx1"/>
+            </a:solidFill>
+          </a:ln>
+        </p:spPr>
+        <p:style>
+          <a:lnRef idx="2">
+            <a:schemeClr val="accent1">
+              <a:shade val="50000"/>
+            </a:schemeClr>
+          </a:lnRef>
+          <a:fillRef idx="1">
+            <a:schemeClr val="accent1"/>
+          </a:fillRef>
+          <a:effectRef idx="0">
+            <a:schemeClr val="accent1"/>
+          </a:effectRef>
+          <a:fontRef idx="minor">
+            <a:schemeClr val="lt1"/>
+          </a:fontRef>
+        </p:style>
+        <p:txBody>
+          <a:bodyPr rtlCol="0" anchor="ctr"/>
+          <a:lstStyle/>
+          <a:p>
+            <a:pPr algn="ctr"/>
+            <a:endParaRPr lang="en-US"/>
+          </a:p>
+        </p:txBody>
+      </p:sp>
+      <p:sp>
+        <p:nvSpPr>
+          <p:cNvPr id="15" name="Rectangle 14"/>
+          <p:cNvSpPr/>
+          <p:nvPr/>
+        </p:nvSpPr>
+        <p:spPr>
+          <a:xfrm>
+            <a:off x="3812769" y="1848196"/>
+            <a:ext cx="396000" cy="396000"/>
+          </a:xfrm>
+          <a:prstGeom prst="rect">
+            <a:avLst/>
+          </a:prstGeom>
+          <a:solidFill>
+            <a:schemeClr val="bg1"/>
+          </a:solidFill>
+          <a:ln w="31750">
+            <a:solidFill>
+              <a:schemeClr val="tx1"/>
+            </a:solidFill>
+          </a:ln>
+        </p:spPr>
+        <p:style>
+          <a:lnRef idx="2">
+            <a:schemeClr val="accent1">
+              <a:shade val="50000"/>
+            </a:schemeClr>
+          </a:lnRef>
+          <a:fillRef idx="1">
+            <a:schemeClr val="accent1"/>
+          </a:fillRef>
+          <a:effectRef idx="0">
+            <a:schemeClr val="accent1"/>
+          </a:effectRef>
+          <a:fontRef idx="minor">
+            <a:schemeClr val="lt1"/>
+          </a:fontRef>
+        </p:style>
+        <p:txBody>
+          <a:bodyPr rtlCol="0" anchor="ctr"/>
+          <a:lstStyle/>
+          <a:p>
+            <a:pPr algn="ctr"/>
+            <a:endParaRPr lang="en-US"/>
+          </a:p>
+        </p:txBody>
+      </p:sp>
+      <p:sp>
+        <p:nvSpPr>
+          <p:cNvPr id="16" name="Rectangle 15"/>
+          <p:cNvSpPr/>
+          <p:nvPr/>
+        </p:nvSpPr>
+        <p:spPr>
+          <a:xfrm>
+            <a:off x="4347554" y="1848196"/>
+            <a:ext cx="396000" cy="396000"/>
+          </a:xfrm>
+          <a:prstGeom prst="rect">
+            <a:avLst/>
+          </a:prstGeom>
+          <a:solidFill>
+            <a:schemeClr val="bg1"/>
+          </a:solidFill>
+          <a:ln w="31750">
+            <a:solidFill>
+              <a:schemeClr val="tx1"/>
+            </a:solidFill>
+          </a:ln>
+        </p:spPr>
+        <p:style>
+          <a:lnRef idx="2">
+            <a:schemeClr val="accent1">
+              <a:shade val="50000"/>
+            </a:schemeClr>
+          </a:lnRef>
+          <a:fillRef idx="1">
+            <a:schemeClr val="accent1"/>
+          </a:fillRef>
+          <a:effectRef idx="0">
+            <a:schemeClr val="accent1"/>
+          </a:effectRef>
+          <a:fontRef idx="minor">
+            <a:schemeClr val="lt1"/>
+          </a:fontRef>
+        </p:style>
+        <p:txBody>
+          <a:bodyPr rtlCol="0" anchor="ctr"/>
+          <a:lstStyle/>
+          <a:p>
+            <a:pPr algn="ctr"/>
+            <a:endParaRPr lang="en-US"/>
+          </a:p>
+        </p:txBody>
+      </p:sp>
+      <p:sp>
+        <p:nvSpPr>
+          <p:cNvPr id="17" name="Rectangle 16"/>
+          <p:cNvSpPr/>
+          <p:nvPr/>
+        </p:nvSpPr>
+        <p:spPr>
+          <a:xfrm>
+            <a:off x="7342909" y="1848196"/>
+            <a:ext cx="396000" cy="396000"/>
+          </a:xfrm>
+          <a:prstGeom prst="rect">
+            <a:avLst/>
+          </a:prstGeom>
+          <a:solidFill>
+            <a:schemeClr val="bg1"/>
+          </a:solidFill>
+          <a:ln w="31750">
+            <a:solidFill>
+              <a:schemeClr val="tx1"/>
+            </a:solidFill>
+          </a:ln>
+        </p:spPr>
+        <p:style>
+          <a:lnRef idx="2">
+            <a:schemeClr val="accent1">
+              <a:shade val="50000"/>
+            </a:schemeClr>
+          </a:lnRef>
+          <a:fillRef idx="1">
+            <a:schemeClr val="accent1"/>
+          </a:fillRef>
+          <a:effectRef idx="0">
+            <a:schemeClr val="accent1"/>
+          </a:effectRef>
+          <a:fontRef idx="minor">
+            <a:schemeClr val="lt1"/>
+          </a:fontRef>
+        </p:style>
+        <p:txBody>
+          <a:bodyPr rtlCol="0" anchor="ctr"/>
+          <a:lstStyle/>
+          <a:p>
+            <a:pPr algn="ctr"/>
+            <a:endParaRPr lang="en-US"/>
+          </a:p>
+        </p:txBody>
+      </p:sp>
+      <p:sp>
+        <p:nvSpPr>
+          <p:cNvPr id="18" name="Rectangle 17"/>
+          <p:cNvSpPr/>
+          <p:nvPr/>
+        </p:nvSpPr>
+        <p:spPr>
+          <a:xfrm>
+            <a:off x="1138844" y="2374669"/>
+            <a:ext cx="396000" cy="396000"/>
+          </a:xfrm>
+          <a:prstGeom prst="rect">
+            <a:avLst/>
+          </a:prstGeom>
+          <a:solidFill>
+            <a:schemeClr val="bg1"/>
+          </a:solidFill>
+          <a:ln w="31750">
+            <a:solidFill>
+              <a:schemeClr val="tx1"/>
+            </a:solidFill>
+          </a:ln>
+        </p:spPr>
+        <p:style>
+          <a:lnRef idx="2">
+            <a:schemeClr val="accent1">
+              <a:shade val="50000"/>
+            </a:schemeClr>
+          </a:lnRef>
+          <a:fillRef idx="1">
+            <a:schemeClr val="accent1"/>
+          </a:fillRef>
+          <a:effectRef idx="0">
+            <a:schemeClr val="accent1"/>
+          </a:effectRef>
+          <a:fontRef idx="minor">
+            <a:schemeClr val="lt1"/>
+          </a:fontRef>
+        </p:style>
+        <p:txBody>
+          <a:bodyPr rtlCol="0" anchor="ctr"/>
+          <a:lstStyle/>
+          <a:p>
+            <a:pPr algn="ctr"/>
+            <a:endParaRPr lang="en-US"/>
+          </a:p>
+        </p:txBody>
+      </p:sp>
+      <p:sp>
+        <p:nvSpPr>
+          <p:cNvPr id="19" name="Rectangle 18"/>
+          <p:cNvSpPr/>
+          <p:nvPr/>
+        </p:nvSpPr>
+        <p:spPr>
+          <a:xfrm>
+            <a:off x="1673629" y="2374669"/>
+            <a:ext cx="396000" cy="396000"/>
+          </a:xfrm>
+          <a:prstGeom prst="rect">
+            <a:avLst/>
+          </a:prstGeom>
+          <a:solidFill>
+            <a:schemeClr val="bg1"/>
+          </a:solidFill>
+          <a:ln w="31750">
+            <a:solidFill>
+              <a:schemeClr val="tx1"/>
+            </a:solidFill>
+          </a:ln>
+        </p:spPr>
+        <p:style>
+          <a:lnRef idx="2">
+            <a:schemeClr val="accent1">
+              <a:shade val="50000"/>
+            </a:schemeClr>
+          </a:lnRef>
+          <a:fillRef idx="1">
+            <a:schemeClr val="accent1"/>
+          </a:fillRef>
+          <a:effectRef idx="0">
+            <a:schemeClr val="accent1"/>
+          </a:effectRef>
+          <a:fontRef idx="minor">
+            <a:schemeClr val="lt1"/>
+          </a:fontRef>
+        </p:style>
+        <p:txBody>
+          <a:bodyPr rtlCol="0" anchor="ctr"/>
+          <a:lstStyle/>
+          <a:p>
+            <a:pPr algn="ctr"/>
+            <a:endParaRPr lang="en-US"/>
+          </a:p>
+        </p:txBody>
+      </p:sp>
+      <p:sp>
+        <p:nvSpPr>
+          <p:cNvPr id="20" name="Rectangle 19"/>
+          <p:cNvSpPr/>
+          <p:nvPr/>
+        </p:nvSpPr>
+        <p:spPr>
+          <a:xfrm>
+            <a:off x="2208414" y="2374669"/>
+            <a:ext cx="396000" cy="396000"/>
+          </a:xfrm>
+          <a:prstGeom prst="rect">
+            <a:avLst/>
+          </a:prstGeom>
+          <a:solidFill>
+            <a:schemeClr val="bg1"/>
+          </a:solidFill>
+          <a:ln w="31750">
+            <a:solidFill>
+              <a:schemeClr val="tx1"/>
+            </a:solidFill>
+          </a:ln>
+        </p:spPr>
+        <p:style>
+          <a:lnRef idx="2">
+            <a:schemeClr val="accent1">
+              <a:shade val="50000"/>
+            </a:schemeClr>
+          </a:lnRef>
+          <a:fillRef idx="1">
+            <a:schemeClr val="accent1"/>
+          </a:fillRef>
+          <a:effectRef idx="0">
+            <a:schemeClr val="accent1"/>
+          </a:effectRef>
+          <a:fontRef idx="minor">
+            <a:schemeClr val="lt1"/>
+          </a:fontRef>
+        </p:style>
+        <p:txBody>
+          <a:bodyPr rtlCol="0" anchor="ctr"/>
+          <a:lstStyle/>
+          <a:p>
+            <a:pPr algn="ctr"/>
+            <a:endParaRPr lang="en-US"/>
+          </a:p>
+        </p:txBody>
+      </p:sp>
+      <p:sp>
+        <p:nvSpPr>
+          <p:cNvPr id="21" name="Rectangle 20"/>
+          <p:cNvSpPr/>
+          <p:nvPr/>
+        </p:nvSpPr>
+        <p:spPr>
+          <a:xfrm>
+            <a:off x="2743199" y="2374669"/>
+            <a:ext cx="396000" cy="396000"/>
+          </a:xfrm>
+          <a:prstGeom prst="rect">
+            <a:avLst/>
+          </a:prstGeom>
+          <a:solidFill>
+            <a:schemeClr val="bg1"/>
+          </a:solidFill>
+          <a:ln w="31750">
+            <a:solidFill>
+              <a:schemeClr val="tx1"/>
+            </a:solidFill>
+          </a:ln>
+        </p:spPr>
+        <p:style>
+          <a:lnRef idx="2">
+            <a:schemeClr val="accent1">
+              <a:shade val="50000"/>
+            </a:schemeClr>
+          </a:lnRef>
+          <a:fillRef idx="1">
+            <a:schemeClr val="accent1"/>
+          </a:fillRef>
+          <a:effectRef idx="0">
+            <a:schemeClr val="accent1"/>
+          </a:effectRef>
+          <a:fontRef idx="minor">
+            <a:schemeClr val="lt1"/>
+          </a:fontRef>
+        </p:style>
+        <p:txBody>
+          <a:bodyPr rtlCol="0" anchor="ctr"/>
+          <a:lstStyle/>
+          <a:p>
+            <a:pPr algn="ctr"/>
+            <a:endParaRPr lang="en-US"/>
+          </a:p>
+        </p:txBody>
+      </p:sp>
+      <p:sp>
+        <p:nvSpPr>
+          <p:cNvPr id="22" name="Rectangle 21"/>
+          <p:cNvSpPr/>
+          <p:nvPr/>
+        </p:nvSpPr>
+        <p:spPr>
+          <a:xfrm>
+            <a:off x="3277984" y="2374669"/>
+            <a:ext cx="396000" cy="396000"/>
+          </a:xfrm>
+          <a:prstGeom prst="rect">
+            <a:avLst/>
+          </a:prstGeom>
+          <a:solidFill>
+            <a:schemeClr val="bg1"/>
+          </a:solidFill>
+          <a:ln w="31750">
+            <a:solidFill>
+              <a:schemeClr val="tx1"/>
+            </a:solidFill>
+          </a:ln>
+        </p:spPr>
+        <p:style>
+          <a:lnRef idx="2">
+            <a:schemeClr val="accent1">
+              <a:shade val="50000"/>
+            </a:schemeClr>
+          </a:lnRef>
+          <a:fillRef idx="1">
+            <a:schemeClr val="accent1"/>
+          </a:fillRef>
+          <a:effectRef idx="0">
+            <a:schemeClr val="accent1"/>
+          </a:effectRef>
+          <a:fontRef idx="minor">
+            <a:schemeClr val="lt1"/>
+          </a:fontRef>
+        </p:style>
+        <p:txBody>
+          <a:bodyPr rtlCol="0" anchor="ctr"/>
+          <a:lstStyle/>
+          <a:p>
+            <a:pPr algn="ctr"/>
+            <a:endParaRPr lang="en-US"/>
+          </a:p>
+        </p:txBody>
+      </p:sp>
+      <p:sp>
+        <p:nvSpPr>
+          <p:cNvPr id="23" name="Rectangle 22"/>
+          <p:cNvSpPr/>
+          <p:nvPr/>
+        </p:nvSpPr>
+        <p:spPr>
+          <a:xfrm>
+            <a:off x="3812769" y="2374669"/>
+            <a:ext cx="396000" cy="396000"/>
+          </a:xfrm>
+          <a:prstGeom prst="rect">
+            <a:avLst/>
+          </a:prstGeom>
+          <a:solidFill>
+            <a:schemeClr val="bg1"/>
+          </a:solidFill>
+          <a:ln w="31750">
+            <a:solidFill>
+              <a:schemeClr val="tx1"/>
+            </a:solidFill>
+          </a:ln>
+        </p:spPr>
+        <p:style>
+          <a:lnRef idx="2">
+            <a:schemeClr val="accent1">
+              <a:shade val="50000"/>
+            </a:schemeClr>
+          </a:lnRef>
+          <a:fillRef idx="1">
+            <a:schemeClr val="accent1"/>
+          </a:fillRef>
+          <a:effectRef idx="0">
+            <a:schemeClr val="accent1"/>
+          </a:effectRef>
+          <a:fontRef idx="minor">
+            <a:schemeClr val="lt1"/>
+          </a:fontRef>
+        </p:style>
+        <p:txBody>
+          <a:bodyPr rtlCol="0" anchor="ctr"/>
+          <a:lstStyle/>
+          <a:p>
+            <a:pPr algn="ctr"/>
+            <a:endParaRPr lang="en-US"/>
+          </a:p>
+        </p:txBody>
+      </p:sp>
+      <p:sp>
+        <p:nvSpPr>
+          <p:cNvPr id="24" name="Rectangle 23"/>
+          <p:cNvSpPr/>
+          <p:nvPr/>
+        </p:nvSpPr>
+        <p:spPr>
+          <a:xfrm>
+            <a:off x="4347554" y="2374669"/>
+            <a:ext cx="396000" cy="396000"/>
+          </a:xfrm>
+          <a:prstGeom prst="rect">
+            <a:avLst/>
+          </a:prstGeom>
+          <a:solidFill>
+            <a:schemeClr val="bg1"/>
+          </a:solidFill>
+          <a:ln w="31750">
+            <a:solidFill>
+              <a:schemeClr val="tx1"/>
+            </a:solidFill>
+          </a:ln>
+        </p:spPr>
+        <p:style>
+          <a:lnRef idx="2">
+            <a:schemeClr val="accent1">
+              <a:shade val="50000"/>
+            </a:schemeClr>
+          </a:lnRef>
+          <a:fillRef idx="1">
+            <a:schemeClr val="accent1"/>
+          </a:fillRef>
+          <a:effectRef idx="0">
+            <a:schemeClr val="accent1"/>
+          </a:effectRef>
+          <a:fontRef idx="minor">
+            <a:schemeClr val="lt1"/>
+          </a:fontRef>
+        </p:style>
+        <p:txBody>
+          <a:bodyPr rtlCol="0" anchor="ctr"/>
+          <a:lstStyle/>
+          <a:p>
+            <a:pPr algn="ctr"/>
+            <a:endParaRPr lang="en-US"/>
+          </a:p>
+        </p:txBody>
+      </p:sp>
+      <p:sp>
+        <p:nvSpPr>
+          <p:cNvPr id="25" name="Rectangle 24"/>
+          <p:cNvSpPr/>
+          <p:nvPr/>
+        </p:nvSpPr>
+        <p:spPr>
+          <a:xfrm>
+            <a:off x="7342909" y="2374669"/>
+            <a:ext cx="396000" cy="396000"/>
+          </a:xfrm>
+          <a:prstGeom prst="rect">
+            <a:avLst/>
+          </a:prstGeom>
+          <a:solidFill>
+            <a:schemeClr val="bg1"/>
+          </a:solidFill>
+          <a:ln w="31750">
+            <a:solidFill>
+              <a:schemeClr val="tx1"/>
+            </a:solidFill>
+          </a:ln>
+        </p:spPr>
+        <p:style>
+          <a:lnRef idx="2">
+            <a:schemeClr val="accent1">
+              <a:shade val="50000"/>
+            </a:schemeClr>
+          </a:lnRef>
+          <a:fillRef idx="1">
+            <a:schemeClr val="accent1"/>
+          </a:fillRef>
+          <a:effectRef idx="0">
+            <a:schemeClr val="accent1"/>
+          </a:effectRef>
+          <a:fontRef idx="minor">
+            <a:schemeClr val="lt1"/>
+          </a:fontRef>
+        </p:style>
+        <p:txBody>
+          <a:bodyPr rtlCol="0" anchor="ctr"/>
+          <a:lstStyle/>
+          <a:p>
+            <a:pPr algn="ctr"/>
+            <a:endParaRPr lang="en-US"/>
+          </a:p>
+        </p:txBody>
+      </p:sp>
+      <p:sp>
+        <p:nvSpPr>
+          <p:cNvPr id="26" name="Rectangle 25"/>
+          <p:cNvSpPr/>
+          <p:nvPr/>
+        </p:nvSpPr>
+        <p:spPr>
+          <a:xfrm>
+            <a:off x="1138844" y="2901142"/>
+            <a:ext cx="396000" cy="396000"/>
+          </a:xfrm>
+          <a:prstGeom prst="rect">
+            <a:avLst/>
+          </a:prstGeom>
+          <a:solidFill>
+            <a:schemeClr val="bg1"/>
+          </a:solidFill>
+          <a:ln w="31750">
+            <a:solidFill>
+              <a:schemeClr val="tx1"/>
+            </a:solidFill>
+          </a:ln>
+        </p:spPr>
+        <p:style>
+          <a:lnRef idx="2">
+            <a:schemeClr val="accent1">
+              <a:shade val="50000"/>
+            </a:schemeClr>
+          </a:lnRef>
+          <a:fillRef idx="1">
+            <a:schemeClr val="accent1"/>
+          </a:fillRef>
+          <a:effectRef idx="0">
+            <a:schemeClr val="accent1"/>
+          </a:effectRef>
+          <a:fontRef idx="minor">
+            <a:schemeClr val="lt1"/>
+          </a:fontRef>
+        </p:style>
+        <p:txBody>
+          <a:bodyPr rtlCol="0" anchor="ctr"/>
+          <a:lstStyle/>
+          <a:p>
+            <a:pPr algn="ctr"/>
+            <a:endParaRPr lang="en-US"/>
+          </a:p>
+        </p:txBody>
+      </p:sp>
+      <p:sp>
+        <p:nvSpPr>
+          <p:cNvPr id="27" name="Rectangle 26"/>
+          <p:cNvSpPr/>
+          <p:nvPr/>
+        </p:nvSpPr>
+        <p:spPr>
+          <a:xfrm>
+            <a:off x="1673629" y="2901142"/>
+            <a:ext cx="396000" cy="396000"/>
+          </a:xfrm>
+          <a:prstGeom prst="rect">
+            <a:avLst/>
+          </a:prstGeom>
+          <a:solidFill>
+            <a:schemeClr val="bg1"/>
+          </a:solidFill>
+          <a:ln w="31750">
+            <a:solidFill>
+              <a:schemeClr val="tx1"/>
+            </a:solidFill>
+          </a:ln>
+        </p:spPr>
+        <p:style>
+          <a:lnRef idx="2">
+            <a:schemeClr val="accent1">
+              <a:shade val="50000"/>
+            </a:schemeClr>
+          </a:lnRef>
+          <a:fillRef idx="1">
+            <a:schemeClr val="accent1"/>
+          </a:fillRef>
+          <a:effectRef idx="0">
+            <a:schemeClr val="accent1"/>
+          </a:effectRef>
+          <a:fontRef idx="minor">
+            <a:schemeClr val="lt1"/>
+          </a:fontRef>
+        </p:style>
+        <p:txBody>
+          <a:bodyPr rtlCol="0" anchor="ctr"/>
+          <a:lstStyle/>
+          <a:p>
+            <a:pPr algn="ctr"/>
+            <a:endParaRPr lang="en-US"/>
+          </a:p>
+        </p:txBody>
+      </p:sp>
+      <p:sp>
+        <p:nvSpPr>
+          <p:cNvPr id="28" name="Rectangle 27"/>
+          <p:cNvSpPr/>
+          <p:nvPr/>
+        </p:nvSpPr>
+        <p:spPr>
+          <a:xfrm>
+            <a:off x="2208414" y="2901142"/>
+            <a:ext cx="396000" cy="396000"/>
+          </a:xfrm>
+          <a:prstGeom prst="rect">
+            <a:avLst/>
+          </a:prstGeom>
+          <a:solidFill>
+            <a:schemeClr val="bg1"/>
+          </a:solidFill>
+          <a:ln w="31750">
+            <a:solidFill>
+              <a:schemeClr val="tx1"/>
+            </a:solidFill>
+          </a:ln>
+        </p:spPr>
+        <p:style>
+          <a:lnRef idx="2">
+            <a:schemeClr val="accent1">
+              <a:shade val="50000"/>
+            </a:schemeClr>
+          </a:lnRef>
+          <a:fillRef idx="1">
+            <a:schemeClr val="accent1"/>
+          </a:fillRef>
+          <a:effectRef idx="0">
+            <a:schemeClr val="accent1"/>
+          </a:effectRef>
+          <a:fontRef idx="minor">
+            <a:schemeClr val="lt1"/>
+          </a:fontRef>
+        </p:style>
+        <p:txBody>
+          <a:bodyPr rtlCol="0" anchor="ctr"/>
+          <a:lstStyle/>
+          <a:p>
+            <a:pPr algn="ctr"/>
+            <a:endParaRPr lang="en-US"/>
+          </a:p>
+        </p:txBody>
+      </p:sp>
+      <p:sp>
+        <p:nvSpPr>
+          <p:cNvPr id="29" name="Rectangle 28"/>
+          <p:cNvSpPr/>
+          <p:nvPr/>
+        </p:nvSpPr>
+        <p:spPr>
+          <a:xfrm>
+            <a:off x="2743199" y="2901142"/>
+            <a:ext cx="396000" cy="396000"/>
+          </a:xfrm>
+          <a:prstGeom prst="rect">
+            <a:avLst/>
+          </a:prstGeom>
+          <a:solidFill>
+            <a:schemeClr val="bg1"/>
+          </a:solidFill>
+          <a:ln w="31750">
+            <a:solidFill>
+              <a:schemeClr val="tx1"/>
+            </a:solidFill>
+          </a:ln>
+        </p:spPr>
+        <p:style>
+          <a:lnRef idx="2">
+            <a:schemeClr val="accent1">
+              <a:shade val="50000"/>
+            </a:schemeClr>
+          </a:lnRef>
+          <a:fillRef idx="1">
+            <a:schemeClr val="accent1"/>
+          </a:fillRef>
+          <a:effectRef idx="0">
+            <a:schemeClr val="accent1"/>
+          </a:effectRef>
+          <a:fontRef idx="minor">
+            <a:schemeClr val="lt1"/>
+          </a:fontRef>
+        </p:style>
+        <p:txBody>
+          <a:bodyPr rtlCol="0" anchor="ctr"/>
+          <a:lstStyle/>
+          <a:p>
+            <a:pPr algn="ctr"/>
+            <a:endParaRPr lang="en-US"/>
+          </a:p>
+        </p:txBody>
+      </p:sp>
+      <p:sp>
+        <p:nvSpPr>
+          <p:cNvPr id="30" name="Rectangle 29"/>
+          <p:cNvSpPr/>
+          <p:nvPr/>
+        </p:nvSpPr>
+        <p:spPr>
+          <a:xfrm>
+            <a:off x="3277984" y="2901142"/>
+            <a:ext cx="396000" cy="396000"/>
+          </a:xfrm>
+          <a:prstGeom prst="rect">
+            <a:avLst/>
+          </a:prstGeom>
+          <a:solidFill>
+            <a:schemeClr val="bg1"/>
+          </a:solidFill>
+          <a:ln w="31750">
+            <a:solidFill>
+              <a:schemeClr val="tx1"/>
+            </a:solidFill>
+          </a:ln>
+        </p:spPr>
+        <p:style>
+          <a:lnRef idx="2">
+            <a:schemeClr val="accent1">
+              <a:shade val="50000"/>
+            </a:schemeClr>
+          </a:lnRef>
+          <a:fillRef idx="1">
+            <a:schemeClr val="accent1"/>
+          </a:fillRef>
+          <a:effectRef idx="0">
+            <a:schemeClr val="accent1"/>
+          </a:effectRef>
+          <a:fontRef idx="minor">
+            <a:schemeClr val="lt1"/>
+          </a:fontRef>
+        </p:style>
+        <p:txBody>
+          <a:bodyPr rtlCol="0" anchor="ctr"/>
+          <a:lstStyle/>
+          <a:p>
+            <a:pPr algn="ctr"/>
+            <a:endParaRPr lang="en-US"/>
+          </a:p>
+        </p:txBody>
+      </p:sp>
+      <p:sp>
+        <p:nvSpPr>
+          <p:cNvPr id="31" name="Rectangle 30"/>
+          <p:cNvSpPr/>
+          <p:nvPr/>
+        </p:nvSpPr>
+        <p:spPr>
+          <a:xfrm>
+            <a:off x="3812769" y="2901142"/>
+            <a:ext cx="396000" cy="396000"/>
+          </a:xfrm>
+          <a:prstGeom prst="rect">
+            <a:avLst/>
+          </a:prstGeom>
+          <a:solidFill>
+            <a:schemeClr val="bg1"/>
+          </a:solidFill>
+          <a:ln w="31750">
+            <a:solidFill>
+              <a:schemeClr val="tx1"/>
+            </a:solidFill>
+          </a:ln>
+        </p:spPr>
+        <p:style>
+          <a:lnRef idx="2">
+            <a:schemeClr val="accent1">
+              <a:shade val="50000"/>
+            </a:schemeClr>
+          </a:lnRef>
+          <a:fillRef idx="1">
+            <a:schemeClr val="accent1"/>
+          </a:fillRef>
+          <a:effectRef idx="0">
+            <a:schemeClr val="accent1"/>
+          </a:effectRef>
+          <a:fontRef idx="minor">
+            <a:schemeClr val="lt1"/>
+          </a:fontRef>
+        </p:style>
+        <p:txBody>
+          <a:bodyPr rtlCol="0" anchor="ctr"/>
+          <a:lstStyle/>
+          <a:p>
+            <a:pPr algn="ctr"/>
+            <a:endParaRPr lang="en-US"/>
+          </a:p>
+        </p:txBody>
+      </p:sp>
+      <p:sp>
+        <p:nvSpPr>
+          <p:cNvPr id="32" name="Rectangle 31"/>
+          <p:cNvSpPr/>
+          <p:nvPr/>
+        </p:nvSpPr>
+        <p:spPr>
+          <a:xfrm>
+            <a:off x="4347554" y="2901142"/>
+            <a:ext cx="396000" cy="396000"/>
+          </a:xfrm>
+          <a:prstGeom prst="rect">
+            <a:avLst/>
+          </a:prstGeom>
+          <a:solidFill>
+            <a:schemeClr val="bg1"/>
+          </a:solidFill>
+          <a:ln w="31750">
+            <a:solidFill>
+              <a:schemeClr val="tx1"/>
+            </a:solidFill>
+          </a:ln>
+        </p:spPr>
+        <p:style>
+          <a:lnRef idx="2">
+            <a:schemeClr val="accent1">
+              <a:shade val="50000"/>
+            </a:schemeClr>
+          </a:lnRef>
+          <a:fillRef idx="1">
+            <a:schemeClr val="accent1"/>
+          </a:fillRef>
+          <a:effectRef idx="0">
+            <a:schemeClr val="accent1"/>
+          </a:effectRef>
+          <a:fontRef idx="minor">
+            <a:schemeClr val="lt1"/>
+          </a:fontRef>
+        </p:style>
+        <p:txBody>
+          <a:bodyPr rtlCol="0" anchor="ctr"/>
+          <a:lstStyle/>
+          <a:p>
+            <a:pPr algn="ctr"/>
+            <a:endParaRPr lang="en-US"/>
+          </a:p>
+        </p:txBody>
+      </p:sp>
+      <p:sp>
+        <p:nvSpPr>
+          <p:cNvPr id="33" name="Rectangle 32"/>
+          <p:cNvSpPr/>
+          <p:nvPr/>
+        </p:nvSpPr>
+        <p:spPr>
+          <a:xfrm>
+            <a:off x="7342909" y="2901142"/>
+            <a:ext cx="396000" cy="396000"/>
+          </a:xfrm>
+          <a:prstGeom prst="rect">
+            <a:avLst/>
+          </a:prstGeom>
+          <a:solidFill>
+            <a:schemeClr val="bg1"/>
+          </a:solidFill>
+          <a:ln w="31750">
+            <a:solidFill>
+              <a:schemeClr val="tx1"/>
+            </a:solidFill>
+          </a:ln>
+        </p:spPr>
+        <p:style>
+          <a:lnRef idx="2">
+            <a:schemeClr val="accent1">
+              <a:shade val="50000"/>
+            </a:schemeClr>
+          </a:lnRef>
+          <a:fillRef idx="1">
+            <a:schemeClr val="accent1"/>
+          </a:fillRef>
+          <a:effectRef idx="0">
+            <a:schemeClr val="accent1"/>
+          </a:effectRef>
+          <a:fontRef idx="minor">
+            <a:schemeClr val="lt1"/>
+          </a:fontRef>
+        </p:style>
+        <p:txBody>
+          <a:bodyPr rtlCol="0" anchor="ctr"/>
+          <a:lstStyle/>
+          <a:p>
+            <a:pPr algn="ctr"/>
+            <a:endParaRPr lang="en-US"/>
+          </a:p>
+        </p:txBody>
+      </p:sp>
+      <p:sp>
+        <p:nvSpPr>
+          <p:cNvPr id="34" name="Rectangle 33"/>
+          <p:cNvSpPr/>
+          <p:nvPr/>
+        </p:nvSpPr>
+        <p:spPr>
+          <a:xfrm>
+            <a:off x="1138844" y="3427615"/>
+            <a:ext cx="396000" cy="396000"/>
+          </a:xfrm>
+          <a:prstGeom prst="rect">
+            <a:avLst/>
+          </a:prstGeom>
+          <a:solidFill>
+            <a:schemeClr val="bg1"/>
+          </a:solidFill>
+          <a:ln w="31750">
+            <a:solidFill>
+              <a:schemeClr val="tx1"/>
+            </a:solidFill>
+          </a:ln>
+        </p:spPr>
+        <p:style>
+          <a:lnRef idx="2">
+            <a:schemeClr val="accent1">
+              <a:shade val="50000"/>
+            </a:schemeClr>
+          </a:lnRef>
+          <a:fillRef idx="1">
+            <a:schemeClr val="accent1"/>
+          </a:fillRef>
+          <a:effectRef idx="0">
+            <a:schemeClr val="accent1"/>
+          </a:effectRef>
+          <a:fontRef idx="minor">
+            <a:schemeClr val="lt1"/>
+          </a:fontRef>
+        </p:style>
+        <p:txBody>
+          <a:bodyPr rtlCol="0" anchor="ctr"/>
+          <a:lstStyle/>
+          <a:p>
+            <a:pPr algn="ctr"/>
+            <a:endParaRPr lang="en-US"/>
+          </a:p>
+        </p:txBody>
+      </p:sp>
+      <p:sp>
+        <p:nvSpPr>
+          <p:cNvPr id="35" name="Rectangle 34"/>
+          <p:cNvSpPr/>
+          <p:nvPr/>
+        </p:nvSpPr>
+        <p:spPr>
+          <a:xfrm>
+            <a:off x="1673629" y="3427615"/>
+            <a:ext cx="396000" cy="396000"/>
+          </a:xfrm>
+          <a:prstGeom prst="rect">
+            <a:avLst/>
+          </a:prstGeom>
+          <a:solidFill>
+            <a:schemeClr val="bg1"/>
+          </a:solidFill>
+          <a:ln w="31750">
+            <a:solidFill>
+              <a:schemeClr val="tx1"/>
+            </a:solidFill>
+          </a:ln>
+        </p:spPr>
+        <p:style>
+          <a:lnRef idx="2">
+            <a:schemeClr val="accent1">
+              <a:shade val="50000"/>
+            </a:schemeClr>
+          </a:lnRef>
+          <a:fillRef idx="1">
+            <a:schemeClr val="accent1"/>
+          </a:fillRef>
+          <a:effectRef idx="0">
+            <a:schemeClr val="accent1"/>
+          </a:effectRef>
+          <a:fontRef idx="minor">
+            <a:schemeClr val="lt1"/>
+          </a:fontRef>
+        </p:style>
+        <p:txBody>
+          <a:bodyPr rtlCol="0" anchor="ctr"/>
+          <a:lstStyle/>
+          <a:p>
+            <a:pPr algn="ctr"/>
+            <a:endParaRPr lang="en-US"/>
+          </a:p>
+        </p:txBody>
+      </p:sp>
+      <p:sp>
+        <p:nvSpPr>
+          <p:cNvPr id="36" name="Rectangle 35"/>
+          <p:cNvSpPr/>
+          <p:nvPr/>
+        </p:nvSpPr>
+        <p:spPr>
+          <a:xfrm>
+            <a:off x="2208414" y="3427615"/>
+            <a:ext cx="396000" cy="396000"/>
+          </a:xfrm>
+          <a:prstGeom prst="rect">
+            <a:avLst/>
+          </a:prstGeom>
+          <a:solidFill>
+            <a:schemeClr val="bg1"/>
+          </a:solidFill>
+          <a:ln w="31750">
+            <a:solidFill>
+              <a:schemeClr val="tx1"/>
+            </a:solidFill>
+          </a:ln>
+        </p:spPr>
+        <p:style>
+          <a:lnRef idx="2">
+            <a:schemeClr val="accent1">
+              <a:shade val="50000"/>
+            </a:schemeClr>
+          </a:lnRef>
+          <a:fillRef idx="1">
+            <a:schemeClr val="accent1"/>
+          </a:fillRef>
+          <a:effectRef idx="0">
+            <a:schemeClr val="accent1"/>
+          </a:effectRef>
+          <a:fontRef idx="minor">
+            <a:schemeClr val="lt1"/>
+          </a:fontRef>
+        </p:style>
+        <p:txBody>
+          <a:bodyPr rtlCol="0" anchor="ctr"/>
+          <a:lstStyle/>
+          <a:p>
+            <a:pPr algn="ctr"/>
+            <a:endParaRPr lang="en-US"/>
+          </a:p>
+        </p:txBody>
+      </p:sp>
+      <p:sp>
+        <p:nvSpPr>
+          <p:cNvPr id="37" name="Rectangle 36"/>
+          <p:cNvSpPr/>
+          <p:nvPr/>
+        </p:nvSpPr>
+        <p:spPr>
+          <a:xfrm>
+            <a:off x="2743199" y="3427615"/>
+            <a:ext cx="396000" cy="396000"/>
+          </a:xfrm>
+          <a:prstGeom prst="rect">
+            <a:avLst/>
+          </a:prstGeom>
+          <a:solidFill>
+            <a:schemeClr val="bg1"/>
+          </a:solidFill>
+          <a:ln w="31750">
+            <a:solidFill>
+              <a:schemeClr val="tx1"/>
+            </a:solidFill>
+          </a:ln>
+        </p:spPr>
+        <p:style>
+          <a:lnRef idx="2">
+            <a:schemeClr val="accent1">
+              <a:shade val="50000"/>
+            </a:schemeClr>
+          </a:lnRef>
+          <a:fillRef idx="1">
+            <a:schemeClr val="accent1"/>
+          </a:fillRef>
+          <a:effectRef idx="0">
+            <a:schemeClr val="accent1"/>
+          </a:effectRef>
+          <a:fontRef idx="minor">
+            <a:schemeClr val="lt1"/>
+          </a:fontRef>
+        </p:style>
+        <p:txBody>
+          <a:bodyPr rtlCol="0" anchor="ctr"/>
+          <a:lstStyle/>
+          <a:p>
+            <a:pPr algn="ctr"/>
+            <a:endParaRPr lang="en-US"/>
+          </a:p>
+        </p:txBody>
+      </p:sp>
+      <p:sp>
+        <p:nvSpPr>
+          <p:cNvPr id="38" name="Rectangle 37"/>
+          <p:cNvSpPr/>
+          <p:nvPr/>
+        </p:nvSpPr>
+        <p:spPr>
+          <a:xfrm>
+            <a:off x="3277984" y="3427615"/>
+            <a:ext cx="396000" cy="396000"/>
+          </a:xfrm>
+          <a:prstGeom prst="rect">
+            <a:avLst/>
+          </a:prstGeom>
+          <a:solidFill>
+            <a:schemeClr val="bg1"/>
+          </a:solidFill>
+          <a:ln w="31750">
+            <a:solidFill>
+              <a:schemeClr val="tx1"/>
+            </a:solidFill>
+          </a:ln>
+        </p:spPr>
+        <p:style>
+          <a:lnRef idx="2">
+            <a:schemeClr val="accent1">
+              <a:shade val="50000"/>
+            </a:schemeClr>
+          </a:lnRef>
+          <a:fillRef idx="1">
+            <a:schemeClr val="accent1"/>
+          </a:fillRef>
+          <a:effectRef idx="0">
+            <a:schemeClr val="accent1"/>
+          </a:effectRef>
+          <a:fontRef idx="minor">
+            <a:schemeClr val="lt1"/>
+          </a:fontRef>
+        </p:style>
+        <p:txBody>
+          <a:bodyPr rtlCol="0" anchor="ctr"/>
+          <a:lstStyle/>
+          <a:p>
+            <a:pPr algn="ctr"/>
+            <a:endParaRPr lang="en-US"/>
+          </a:p>
+        </p:txBody>
+      </p:sp>
+      <p:sp>
+        <p:nvSpPr>
+          <p:cNvPr id="39" name="Rectangle 38"/>
+          <p:cNvSpPr/>
+          <p:nvPr/>
+        </p:nvSpPr>
+        <p:spPr>
+          <a:xfrm>
+            <a:off x="3812769" y="3427615"/>
+            <a:ext cx="396000" cy="396000"/>
+          </a:xfrm>
+          <a:prstGeom prst="rect">
+            <a:avLst/>
+          </a:prstGeom>
+          <a:solidFill>
+            <a:schemeClr val="bg1"/>
+          </a:solidFill>
+          <a:ln w="31750">
+            <a:solidFill>
+              <a:schemeClr val="tx1"/>
+            </a:solidFill>
+          </a:ln>
+        </p:spPr>
+        <p:style>
+          <a:lnRef idx="2">
+            <a:schemeClr val="accent1">
+              <a:shade val="50000"/>
+            </a:schemeClr>
+          </a:lnRef>
+          <a:fillRef idx="1">
+            <a:schemeClr val="accent1"/>
+          </a:fillRef>
+          <a:effectRef idx="0">
+            <a:schemeClr val="accent1"/>
+          </a:effectRef>
+          <a:fontRef idx="minor">
+            <a:schemeClr val="lt1"/>
+          </a:fontRef>
+        </p:style>
+        <p:txBody>
+          <a:bodyPr rtlCol="0" anchor="ctr"/>
+          <a:lstStyle/>
+          <a:p>
+            <a:pPr algn="ctr"/>
+            <a:endParaRPr lang="en-US"/>
+          </a:p>
+        </p:txBody>
+      </p:sp>
+      <p:sp>
+        <p:nvSpPr>
+          <p:cNvPr id="40" name="Rectangle 39"/>
+          <p:cNvSpPr/>
+          <p:nvPr/>
+        </p:nvSpPr>
+        <p:spPr>
+          <a:xfrm>
+            <a:off x="4347554" y="3427615"/>
+            <a:ext cx="396000" cy="396000"/>
+          </a:xfrm>
+          <a:prstGeom prst="rect">
+            <a:avLst/>
+          </a:prstGeom>
+          <a:solidFill>
+            <a:schemeClr val="bg1"/>
+          </a:solidFill>
+          <a:ln w="31750">
+            <a:solidFill>
+              <a:schemeClr val="tx1"/>
+            </a:solidFill>
+          </a:ln>
+        </p:spPr>
+        <p:style>
+          <a:lnRef idx="2">
+            <a:schemeClr val="accent1">
+              <a:shade val="50000"/>
+            </a:schemeClr>
+          </a:lnRef>
+          <a:fillRef idx="1">
+            <a:schemeClr val="accent1"/>
+          </a:fillRef>
+          <a:effectRef idx="0">
+            <a:schemeClr val="accent1"/>
+          </a:effectRef>
+          <a:fontRef idx="minor">
+            <a:schemeClr val="lt1"/>
+          </a:fontRef>
+        </p:style>
+        <p:txBody>
+          <a:bodyPr rtlCol="0" anchor="ctr"/>
+          <a:lstStyle/>
+          <a:p>
+            <a:pPr algn="ctr"/>
+            <a:endParaRPr lang="en-US"/>
+          </a:p>
+        </p:txBody>
+      </p:sp>
+      <p:sp>
+        <p:nvSpPr>
+          <p:cNvPr id="41" name="Rectangle 40"/>
+          <p:cNvSpPr/>
+          <p:nvPr/>
+        </p:nvSpPr>
+        <p:spPr>
+          <a:xfrm>
+            <a:off x="7342909" y="3427615"/>
+            <a:ext cx="396000" cy="396000"/>
+          </a:xfrm>
+          <a:prstGeom prst="rect">
+            <a:avLst/>
+          </a:prstGeom>
+          <a:solidFill>
+            <a:schemeClr val="bg1"/>
+          </a:solidFill>
+          <a:ln w="31750">
+            <a:solidFill>
+              <a:schemeClr val="tx1"/>
+            </a:solidFill>
+          </a:ln>
+        </p:spPr>
+        <p:style>
+          <a:lnRef idx="2">
+            <a:schemeClr val="accent1">
+              <a:shade val="50000"/>
+            </a:schemeClr>
+          </a:lnRef>
+          <a:fillRef idx="1">
+            <a:schemeClr val="accent1"/>
+          </a:fillRef>
+          <a:effectRef idx="0">
+            <a:schemeClr val="accent1"/>
+          </a:effectRef>
+          <a:fontRef idx="minor">
+            <a:schemeClr val="lt1"/>
+          </a:fontRef>
+        </p:style>
+        <p:txBody>
+          <a:bodyPr rtlCol="0" anchor="ctr"/>
+          <a:lstStyle/>
+          <a:p>
+            <a:pPr algn="ctr"/>
+            <a:endParaRPr lang="en-US"/>
+          </a:p>
+        </p:txBody>
+      </p:sp>
+      <p:sp>
+        <p:nvSpPr>
+          <p:cNvPr id="42" name="Rectangle 41"/>
+          <p:cNvSpPr/>
+          <p:nvPr/>
+        </p:nvSpPr>
+        <p:spPr>
+          <a:xfrm>
+            <a:off x="1138844" y="5198225"/>
+            <a:ext cx="396000" cy="396000"/>
+          </a:xfrm>
+          <a:prstGeom prst="rect">
+            <a:avLst/>
+          </a:prstGeom>
+          <a:solidFill>
+            <a:schemeClr val="bg1"/>
+          </a:solidFill>
+          <a:ln w="31750">
+            <a:solidFill>
+              <a:schemeClr val="tx1"/>
+            </a:solidFill>
+          </a:ln>
+        </p:spPr>
+        <p:style>
+          <a:lnRef idx="2">
+            <a:schemeClr val="accent1">
+              <a:shade val="50000"/>
+            </a:schemeClr>
+          </a:lnRef>
+          <a:fillRef idx="1">
+            <a:schemeClr val="accent1"/>
+          </a:fillRef>
+          <a:effectRef idx="0">
+            <a:schemeClr val="accent1"/>
+          </a:effectRef>
+          <a:fontRef idx="minor">
+            <a:schemeClr val="lt1"/>
+          </a:fontRef>
+        </p:style>
+        <p:txBody>
+          <a:bodyPr rtlCol="0" anchor="ctr"/>
+          <a:lstStyle/>
+          <a:p>
+            <a:pPr algn="ctr"/>
+            <a:endParaRPr lang="en-US"/>
+          </a:p>
+        </p:txBody>
+      </p:sp>
+      <p:sp>
+        <p:nvSpPr>
+          <p:cNvPr id="43" name="Rectangle 42"/>
+          <p:cNvSpPr/>
+          <p:nvPr/>
+        </p:nvSpPr>
+        <p:spPr>
+          <a:xfrm>
+            <a:off x="1673629" y="5198225"/>
+            <a:ext cx="396000" cy="396000"/>
+          </a:xfrm>
+          <a:prstGeom prst="rect">
+            <a:avLst/>
+          </a:prstGeom>
+          <a:solidFill>
+            <a:schemeClr val="bg1"/>
+          </a:solidFill>
+          <a:ln w="31750">
+            <a:solidFill>
+              <a:schemeClr val="tx1"/>
+            </a:solidFill>
+          </a:ln>
+        </p:spPr>
+        <p:style>
+          <a:lnRef idx="2">
+            <a:schemeClr val="accent1">
+              <a:shade val="50000"/>
+            </a:schemeClr>
+          </a:lnRef>
+          <a:fillRef idx="1">
+            <a:schemeClr val="accent1"/>
+          </a:fillRef>
+          <a:effectRef idx="0">
+            <a:schemeClr val="accent1"/>
+          </a:effectRef>
+          <a:fontRef idx="minor">
+            <a:schemeClr val="lt1"/>
+          </a:fontRef>
+        </p:style>
+        <p:txBody>
+          <a:bodyPr rtlCol="0" anchor="ctr"/>
+          <a:lstStyle/>
+          <a:p>
+            <a:pPr algn="ctr"/>
+            <a:endParaRPr lang="en-US"/>
+          </a:p>
+        </p:txBody>
+      </p:sp>
+      <p:sp>
+        <p:nvSpPr>
+          <p:cNvPr id="44" name="Rectangle 43"/>
+          <p:cNvSpPr/>
+          <p:nvPr/>
+        </p:nvSpPr>
+        <p:spPr>
+          <a:xfrm>
+            <a:off x="2208414" y="5198225"/>
+            <a:ext cx="396000" cy="396000"/>
+          </a:xfrm>
+          <a:prstGeom prst="rect">
+            <a:avLst/>
+          </a:prstGeom>
+          <a:solidFill>
+            <a:schemeClr val="bg1"/>
+          </a:solidFill>
+          <a:ln w="31750">
+            <a:solidFill>
+              <a:schemeClr val="tx1"/>
+            </a:solidFill>
+          </a:ln>
+        </p:spPr>
+        <p:style>
+          <a:lnRef idx="2">
+            <a:schemeClr val="accent1">
+              <a:shade val="50000"/>
+            </a:schemeClr>
+          </a:lnRef>
+          <a:fillRef idx="1">
+            <a:schemeClr val="accent1"/>
+          </a:fillRef>
+          <a:effectRef idx="0">
+            <a:schemeClr val="accent1"/>
+          </a:effectRef>
+          <a:fontRef idx="minor">
+            <a:schemeClr val="lt1"/>
+          </a:fontRef>
+        </p:style>
+        <p:txBody>
+          <a:bodyPr rtlCol="0" anchor="ctr"/>
+          <a:lstStyle/>
+          <a:p>
+            <a:pPr algn="ctr"/>
+            <a:endParaRPr lang="en-US"/>
+          </a:p>
+        </p:txBody>
+      </p:sp>
+      <p:sp>
+        <p:nvSpPr>
+          <p:cNvPr id="45" name="Rectangle 44"/>
+          <p:cNvSpPr/>
+          <p:nvPr/>
+        </p:nvSpPr>
+        <p:spPr>
+          <a:xfrm>
+            <a:off x="2743199" y="5198225"/>
+            <a:ext cx="396000" cy="396000"/>
+          </a:xfrm>
+          <a:prstGeom prst="rect">
+            <a:avLst/>
+          </a:prstGeom>
+          <a:solidFill>
+            <a:schemeClr val="bg1"/>
+          </a:solidFill>
+          <a:ln w="31750">
+            <a:solidFill>
+              <a:schemeClr val="tx1"/>
+            </a:solidFill>
+          </a:ln>
+        </p:spPr>
+        <p:style>
+          <a:lnRef idx="2">
+            <a:schemeClr val="accent1">
+              <a:shade val="50000"/>
+            </a:schemeClr>
+          </a:lnRef>
+          <a:fillRef idx="1">
+            <a:schemeClr val="accent1"/>
+          </a:fillRef>
+          <a:effectRef idx="0">
+            <a:schemeClr val="accent1"/>
+          </a:effectRef>
+          <a:fontRef idx="minor">
+            <a:schemeClr val="lt1"/>
+          </a:fontRef>
+        </p:style>
+        <p:txBody>
+          <a:bodyPr rtlCol="0" anchor="ctr"/>
+          <a:lstStyle/>
+          <a:p>
+            <a:pPr algn="ctr"/>
+            <a:endParaRPr lang="en-US"/>
+          </a:p>
+        </p:txBody>
+      </p:sp>
+      <p:sp>
+        <p:nvSpPr>
+          <p:cNvPr id="46" name="Rectangle 45"/>
+          <p:cNvSpPr/>
+          <p:nvPr/>
+        </p:nvSpPr>
+        <p:spPr>
+          <a:xfrm>
+            <a:off x="3277984" y="5198225"/>
+            <a:ext cx="396000" cy="396000"/>
+          </a:xfrm>
+          <a:prstGeom prst="rect">
+            <a:avLst/>
+          </a:prstGeom>
+          <a:solidFill>
+            <a:schemeClr val="bg1"/>
+          </a:solidFill>
+          <a:ln w="31750">
+            <a:solidFill>
+              <a:schemeClr val="tx1"/>
+            </a:solidFill>
+          </a:ln>
+        </p:spPr>
+        <p:style>
+          <a:lnRef idx="2">
+            <a:schemeClr val="accent1">
+              <a:shade val="50000"/>
+            </a:schemeClr>
+          </a:lnRef>
+          <a:fillRef idx="1">
+            <a:schemeClr val="accent1"/>
+          </a:fillRef>
+          <a:effectRef idx="0">
+            <a:schemeClr val="accent1"/>
+          </a:effectRef>
+          <a:fontRef idx="minor">
+            <a:schemeClr val="lt1"/>
+          </a:fontRef>
+        </p:style>
+        <p:txBody>
+          <a:bodyPr rtlCol="0" anchor="ctr"/>
+          <a:lstStyle/>
+          <a:p>
+            <a:pPr algn="ctr"/>
+            <a:endParaRPr lang="en-US"/>
+          </a:p>
+        </p:txBody>
+      </p:sp>
+      <p:sp>
+        <p:nvSpPr>
+          <p:cNvPr id="47" name="Rectangle 46"/>
+          <p:cNvSpPr/>
+          <p:nvPr/>
+        </p:nvSpPr>
+        <p:spPr>
+          <a:xfrm>
+            <a:off x="3812769" y="5198225"/>
+            <a:ext cx="396000" cy="396000"/>
+          </a:xfrm>
+          <a:prstGeom prst="rect">
+            <a:avLst/>
+          </a:prstGeom>
+          <a:solidFill>
+            <a:schemeClr val="bg1"/>
+          </a:solidFill>
+          <a:ln w="31750">
+            <a:solidFill>
+              <a:schemeClr val="tx1"/>
+            </a:solidFill>
+          </a:ln>
+        </p:spPr>
+        <p:style>
+          <a:lnRef idx="2">
+            <a:schemeClr val="accent1">
+              <a:shade val="50000"/>
+            </a:schemeClr>
+          </a:lnRef>
+          <a:fillRef idx="1">
+            <a:schemeClr val="accent1"/>
+          </a:fillRef>
+          <a:effectRef idx="0">
+            <a:schemeClr val="accent1"/>
+          </a:effectRef>
+          <a:fontRef idx="minor">
+            <a:schemeClr val="lt1"/>
+          </a:fontRef>
+        </p:style>
+        <p:txBody>
+          <a:bodyPr rtlCol="0" anchor="ctr"/>
+          <a:lstStyle/>
+          <a:p>
+            <a:pPr algn="ctr"/>
+            <a:endParaRPr lang="en-US"/>
+          </a:p>
+        </p:txBody>
+      </p:sp>
+      <p:sp>
+        <p:nvSpPr>
+          <p:cNvPr id="48" name="Rectangle 47"/>
+          <p:cNvSpPr/>
+          <p:nvPr/>
+        </p:nvSpPr>
+        <p:spPr>
+          <a:xfrm>
+            <a:off x="4347554" y="5198225"/>
+            <a:ext cx="396000" cy="396000"/>
+          </a:xfrm>
+          <a:prstGeom prst="rect">
+            <a:avLst/>
+          </a:prstGeom>
+          <a:solidFill>
+            <a:schemeClr val="bg1"/>
+          </a:solidFill>
+          <a:ln w="31750">
+            <a:solidFill>
+              <a:schemeClr val="tx1"/>
+            </a:solidFill>
+          </a:ln>
+        </p:spPr>
+        <p:style>
+          <a:lnRef idx="2">
+            <a:schemeClr val="accent1">
+              <a:shade val="50000"/>
+            </a:schemeClr>
+          </a:lnRef>
+          <a:fillRef idx="1">
+            <a:schemeClr val="accent1"/>
+          </a:fillRef>
+          <a:effectRef idx="0">
+            <a:schemeClr val="accent1"/>
+          </a:effectRef>
+          <a:fontRef idx="minor">
+            <a:schemeClr val="lt1"/>
+          </a:fontRef>
+        </p:style>
+        <p:txBody>
+          <a:bodyPr rtlCol="0" anchor="ctr"/>
+          <a:lstStyle/>
+          <a:p>
+            <a:pPr algn="ctr"/>
+            <a:endParaRPr lang="en-US"/>
+          </a:p>
+        </p:txBody>
+      </p:sp>
+      <p:sp>
+        <p:nvSpPr>
+          <p:cNvPr id="49" name="Rectangle 48"/>
+          <p:cNvSpPr/>
+          <p:nvPr/>
+        </p:nvSpPr>
+        <p:spPr>
+          <a:xfrm>
+            <a:off x="7342909" y="5198225"/>
+            <a:ext cx="396000" cy="396000"/>
+          </a:xfrm>
+          <a:prstGeom prst="rect">
+            <a:avLst/>
+          </a:prstGeom>
+          <a:solidFill>
+            <a:schemeClr val="bg1"/>
+          </a:solidFill>
+          <a:ln w="31750">
+            <a:solidFill>
+              <a:schemeClr val="tx1"/>
+            </a:solidFill>
+          </a:ln>
+        </p:spPr>
+        <p:style>
+          <a:lnRef idx="2">
+            <a:schemeClr val="accent1">
+              <a:shade val="50000"/>
+            </a:schemeClr>
+          </a:lnRef>
+          <a:fillRef idx="1">
+            <a:schemeClr val="accent1"/>
+          </a:fillRef>
+          <a:effectRef idx="0">
+            <a:schemeClr val="accent1"/>
+          </a:effectRef>
+          <a:fontRef idx="minor">
+            <a:schemeClr val="lt1"/>
+          </a:fontRef>
+        </p:style>
+        <p:txBody>
+          <a:bodyPr rtlCol="0" anchor="ctr"/>
+          <a:lstStyle/>
+          <a:p>
+            <a:pPr algn="ctr"/>
+            <a:endParaRPr lang="en-US"/>
+          </a:p>
+        </p:txBody>
+      </p:sp>
+      <p:sp>
+        <p:nvSpPr>
+          <p:cNvPr id="50" name="Isosceles Triangle 49"/>
+          <p:cNvSpPr/>
+          <p:nvPr/>
+        </p:nvSpPr>
+        <p:spPr>
+          <a:xfrm>
+            <a:off x="1117353" y="1288692"/>
+            <a:ext cx="1512000" cy="1512000"/>
+          </a:xfrm>
+          <a:prstGeom prst="triangle">
+            <a:avLst>
+              <a:gd name="adj" fmla="val 100000"/>
+            </a:avLst>
+          </a:prstGeom>
+          <a:noFill/>
+          <a:ln>
+            <a:solidFill>
+              <a:srgbClr val="FF0000"/>
+            </a:solidFill>
+          </a:ln>
+        </p:spPr>
+        <p:style>
+          <a:lnRef idx="2">
+            <a:schemeClr val="accent1">
+              <a:shade val="50000"/>
+            </a:schemeClr>
+          </a:lnRef>
+          <a:fillRef idx="1">
+            <a:schemeClr val="accent1"/>
+          </a:fillRef>
+          <a:effectRef idx="0">
+            <a:schemeClr val="accent1"/>
+          </a:effectRef>
+          <a:fontRef idx="minor">
+            <a:schemeClr val="lt1"/>
+          </a:fontRef>
+        </p:style>
+        <p:txBody>
+          <a:bodyPr rtlCol="0" anchor="ctr"/>
+          <a:lstStyle/>
+          <a:p>
+            <a:pPr algn="ctr"/>
+            <a:endParaRPr lang="en-US"/>
+          </a:p>
+        </p:txBody>
+      </p:sp>
+      <p:sp>
+        <p:nvSpPr>
+          <p:cNvPr id="51" name="Isosceles Triangle 50"/>
+          <p:cNvSpPr/>
+          <p:nvPr/>
+        </p:nvSpPr>
+        <p:spPr>
+          <a:xfrm rot="10800000">
+            <a:off x="1117353" y="1288692"/>
+            <a:ext cx="1512000" cy="1512000"/>
+          </a:xfrm>
+          <a:prstGeom prst="triangle">
+            <a:avLst>
+              <a:gd name="adj" fmla="val 100000"/>
+            </a:avLst>
+          </a:prstGeom>
+          <a:noFill/>
+          <a:ln>
+            <a:solidFill>
+              <a:srgbClr val="FF0000"/>
+            </a:solidFill>
+          </a:ln>
+        </p:spPr>
+        <p:style>
+          <a:lnRef idx="2">
+            <a:schemeClr val="accent1">
+              <a:shade val="50000"/>
+            </a:schemeClr>
+          </a:lnRef>
+          <a:fillRef idx="1">
+            <a:schemeClr val="accent1"/>
+          </a:fillRef>
+          <a:effectRef idx="0">
+            <a:schemeClr val="accent1"/>
+          </a:effectRef>
+          <a:fontRef idx="minor">
+            <a:schemeClr val="lt1"/>
+          </a:fontRef>
+        </p:style>
+        <p:txBody>
+          <a:bodyPr rtlCol="0" anchor="ctr"/>
+          <a:lstStyle/>
+          <a:p>
+            <a:pPr algn="ctr"/>
+            <a:endParaRPr lang="en-US"/>
+          </a:p>
+        </p:txBody>
+      </p:sp>
+      <p:sp>
+        <p:nvSpPr>
+          <p:cNvPr id="52" name="Isosceles Triangle 51"/>
+          <p:cNvSpPr/>
+          <p:nvPr/>
+        </p:nvSpPr>
+        <p:spPr>
+          <a:xfrm>
+            <a:off x="2713154" y="1288692"/>
+            <a:ext cx="1512000" cy="1512000"/>
+          </a:xfrm>
+          <a:prstGeom prst="triangle">
+            <a:avLst>
+              <a:gd name="adj" fmla="val 100000"/>
+            </a:avLst>
+          </a:prstGeom>
+          <a:noFill/>
+          <a:ln>
+            <a:solidFill>
+              <a:srgbClr val="FF0000"/>
+            </a:solidFill>
+          </a:ln>
+        </p:spPr>
+        <p:style>
+          <a:lnRef idx="2">
+            <a:schemeClr val="accent1">
+              <a:shade val="50000"/>
+            </a:schemeClr>
+          </a:lnRef>
+          <a:fillRef idx="1">
+            <a:schemeClr val="accent1"/>
+          </a:fillRef>
+          <a:effectRef idx="0">
+            <a:schemeClr val="accent1"/>
+          </a:effectRef>
+          <a:fontRef idx="minor">
+            <a:schemeClr val="lt1"/>
+          </a:fontRef>
+        </p:style>
+        <p:txBody>
+          <a:bodyPr rtlCol="0" anchor="ctr"/>
+          <a:lstStyle/>
+          <a:p>
+            <a:pPr algn="ctr"/>
+            <a:endParaRPr lang="en-US"/>
+          </a:p>
+        </p:txBody>
+      </p:sp>
+      <p:sp>
+        <p:nvSpPr>
+          <p:cNvPr id="53" name="Isosceles Triangle 52"/>
+          <p:cNvSpPr/>
+          <p:nvPr/>
+        </p:nvSpPr>
+        <p:spPr>
+          <a:xfrm rot="10800000">
+            <a:off x="2713154" y="1288692"/>
+            <a:ext cx="1512000" cy="1512000"/>
+          </a:xfrm>
+          <a:prstGeom prst="triangle">
+            <a:avLst>
+              <a:gd name="adj" fmla="val 100000"/>
+            </a:avLst>
+          </a:prstGeom>
+          <a:noFill/>
+          <a:ln>
+            <a:solidFill>
+              <a:srgbClr val="FF0000"/>
+            </a:solidFill>
+          </a:ln>
+        </p:spPr>
+        <p:style>
+          <a:lnRef idx="2">
+            <a:schemeClr val="accent1">
+              <a:shade val="50000"/>
+            </a:schemeClr>
+          </a:lnRef>
+          <a:fillRef idx="1">
+            <a:schemeClr val="accent1"/>
+          </a:fillRef>
+          <a:effectRef idx="0">
+            <a:schemeClr val="accent1"/>
+          </a:effectRef>
+          <a:fontRef idx="minor">
+            <a:schemeClr val="lt1"/>
+          </a:fontRef>
+        </p:style>
+        <p:txBody>
+          <a:bodyPr rtlCol="0" anchor="ctr"/>
+          <a:lstStyle/>
+          <a:p>
+            <a:pPr algn="ctr"/>
+            <a:endParaRPr lang="en-US"/>
+          </a:p>
+        </p:txBody>
+      </p:sp>
+      <p:sp>
+        <p:nvSpPr>
+          <p:cNvPr id="58" name="Isosceles Triangle 57"/>
+          <p:cNvSpPr/>
+          <p:nvPr/>
+        </p:nvSpPr>
+        <p:spPr>
+          <a:xfrm>
+            <a:off x="4314402" y="1288692"/>
+            <a:ext cx="1512000" cy="1512000"/>
+          </a:xfrm>
+          <a:prstGeom prst="triangle">
+            <a:avLst>
+              <a:gd name="adj" fmla="val 100000"/>
+            </a:avLst>
+          </a:prstGeom>
+          <a:noFill/>
+          <a:ln>
+            <a:solidFill>
+              <a:srgbClr val="FF0000"/>
+            </a:solidFill>
+          </a:ln>
+        </p:spPr>
+        <p:style>
+          <a:lnRef idx="2">
+            <a:schemeClr val="accent1">
+              <a:shade val="50000"/>
+            </a:schemeClr>
+          </a:lnRef>
+          <a:fillRef idx="1">
+            <a:schemeClr val="accent1"/>
+          </a:fillRef>
+          <a:effectRef idx="0">
+            <a:schemeClr val="accent1"/>
+          </a:effectRef>
+          <a:fontRef idx="minor">
+            <a:schemeClr val="lt1"/>
+          </a:fontRef>
+        </p:style>
+        <p:txBody>
+          <a:bodyPr rtlCol="0" anchor="ctr"/>
+          <a:lstStyle/>
+          <a:p>
+            <a:pPr algn="ctr"/>
+            <a:endParaRPr lang="en-US"/>
+          </a:p>
+        </p:txBody>
+      </p:sp>
+      <p:sp>
+        <p:nvSpPr>
+          <p:cNvPr id="59" name="Isosceles Triangle 58"/>
+          <p:cNvSpPr/>
+          <p:nvPr/>
+        </p:nvSpPr>
+        <p:spPr>
+          <a:xfrm rot="10800000">
+            <a:off x="4314402" y="1288692"/>
+            <a:ext cx="1512000" cy="1512000"/>
+          </a:xfrm>
+          <a:prstGeom prst="triangle">
+            <a:avLst>
+              <a:gd name="adj" fmla="val 100000"/>
+            </a:avLst>
+          </a:prstGeom>
+          <a:noFill/>
+          <a:ln>
+            <a:solidFill>
+              <a:srgbClr val="FF0000"/>
+            </a:solidFill>
+          </a:ln>
+        </p:spPr>
+        <p:style>
+          <a:lnRef idx="2">
+            <a:schemeClr val="accent1">
+              <a:shade val="50000"/>
+            </a:schemeClr>
+          </a:lnRef>
+          <a:fillRef idx="1">
+            <a:schemeClr val="accent1"/>
+          </a:fillRef>
+          <a:effectRef idx="0">
+            <a:schemeClr val="accent1"/>
+          </a:effectRef>
+          <a:fontRef idx="minor">
+            <a:schemeClr val="lt1"/>
+          </a:fontRef>
+        </p:style>
+        <p:txBody>
+          <a:bodyPr rtlCol="0" anchor="ctr"/>
+          <a:lstStyle/>
+          <a:p>
+            <a:pPr algn="ctr"/>
+            <a:endParaRPr lang="en-US"/>
+          </a:p>
+        </p:txBody>
+      </p:sp>
+      <p:sp>
+        <p:nvSpPr>
+          <p:cNvPr id="60" name="Isosceles Triangle 59"/>
+          <p:cNvSpPr/>
+          <p:nvPr/>
+        </p:nvSpPr>
+        <p:spPr>
+          <a:xfrm>
+            <a:off x="6269048" y="1288692"/>
+            <a:ext cx="1512000" cy="1512000"/>
+          </a:xfrm>
+          <a:prstGeom prst="triangle">
+            <a:avLst>
+              <a:gd name="adj" fmla="val 100000"/>
+            </a:avLst>
+          </a:prstGeom>
+          <a:noFill/>
+          <a:ln>
+            <a:solidFill>
+              <a:srgbClr val="FF0000"/>
+            </a:solidFill>
+          </a:ln>
+        </p:spPr>
+        <p:style>
+          <a:lnRef idx="2">
+            <a:schemeClr val="accent1">
+              <a:shade val="50000"/>
+            </a:schemeClr>
+          </a:lnRef>
+          <a:fillRef idx="1">
+            <a:schemeClr val="accent1"/>
+          </a:fillRef>
+          <a:effectRef idx="0">
+            <a:schemeClr val="accent1"/>
+          </a:effectRef>
+          <a:fontRef idx="minor">
+            <a:schemeClr val="lt1"/>
+          </a:fontRef>
+        </p:style>
+        <p:txBody>
+          <a:bodyPr rtlCol="0" anchor="ctr"/>
+          <a:lstStyle/>
+          <a:p>
+            <a:pPr algn="ctr"/>
+            <a:endParaRPr lang="en-US"/>
+          </a:p>
+        </p:txBody>
+      </p:sp>
+      <p:sp>
+        <p:nvSpPr>
+          <p:cNvPr id="61" name="Isosceles Triangle 60"/>
+          <p:cNvSpPr/>
+          <p:nvPr/>
+        </p:nvSpPr>
+        <p:spPr>
+          <a:xfrm rot="10800000">
+            <a:off x="6269048" y="1288692"/>
+            <a:ext cx="1512000" cy="1512000"/>
+          </a:xfrm>
+          <a:prstGeom prst="triangle">
+            <a:avLst>
+              <a:gd name="adj" fmla="val 100000"/>
+            </a:avLst>
+          </a:prstGeom>
+          <a:noFill/>
+          <a:ln>
+            <a:solidFill>
+              <a:srgbClr val="FF0000"/>
+            </a:solidFill>
+          </a:ln>
+        </p:spPr>
+        <p:style>
+          <a:lnRef idx="2">
+            <a:schemeClr val="accent1">
+              <a:shade val="50000"/>
+            </a:schemeClr>
+          </a:lnRef>
+          <a:fillRef idx="1">
+            <a:schemeClr val="accent1"/>
+          </a:fillRef>
+          <a:effectRef idx="0">
+            <a:schemeClr val="accent1"/>
+          </a:effectRef>
+          <a:fontRef idx="minor">
+            <a:schemeClr val="lt1"/>
+          </a:fontRef>
+        </p:style>
+        <p:txBody>
+          <a:bodyPr rtlCol="0" anchor="ctr"/>
+          <a:lstStyle/>
+          <a:p>
+            <a:pPr algn="ctr"/>
+            <a:endParaRPr lang="en-US"/>
+          </a:p>
+        </p:txBody>
+      </p:sp>
+      <p:sp>
+        <p:nvSpPr>
+          <p:cNvPr id="62" name="Isosceles Triangle 61"/>
+          <p:cNvSpPr/>
+          <p:nvPr/>
+        </p:nvSpPr>
+        <p:spPr>
+          <a:xfrm>
+            <a:off x="1109039" y="2871119"/>
+            <a:ext cx="1512000" cy="1512000"/>
+          </a:xfrm>
+          <a:prstGeom prst="triangle">
+            <a:avLst>
+              <a:gd name="adj" fmla="val 100000"/>
+            </a:avLst>
+          </a:prstGeom>
+          <a:noFill/>
+          <a:ln>
+            <a:solidFill>
+              <a:srgbClr val="FF0000"/>
+            </a:solidFill>
+          </a:ln>
+        </p:spPr>
+        <p:style>
+          <a:lnRef idx="2">
+            <a:schemeClr val="accent1">
+              <a:shade val="50000"/>
+            </a:schemeClr>
+          </a:lnRef>
+          <a:fillRef idx="1">
+            <a:schemeClr val="accent1"/>
+          </a:fillRef>
+          <a:effectRef idx="0">
+            <a:schemeClr val="accent1"/>
+          </a:effectRef>
+          <a:fontRef idx="minor">
+            <a:schemeClr val="lt1"/>
+          </a:fontRef>
+        </p:style>
+        <p:txBody>
+          <a:bodyPr rtlCol="0" anchor="ctr"/>
+          <a:lstStyle/>
+          <a:p>
+            <a:pPr algn="ctr"/>
+            <a:endParaRPr lang="en-US"/>
+          </a:p>
+        </p:txBody>
+      </p:sp>
+      <p:sp>
+        <p:nvSpPr>
+          <p:cNvPr id="63" name="Isosceles Triangle 62"/>
+          <p:cNvSpPr/>
+          <p:nvPr/>
+        </p:nvSpPr>
+        <p:spPr>
+          <a:xfrm rot="10800000">
+            <a:off x="1109039" y="2871119"/>
+            <a:ext cx="1512000" cy="1512000"/>
+          </a:xfrm>
+          <a:prstGeom prst="triangle">
+            <a:avLst>
+              <a:gd name="adj" fmla="val 100000"/>
+            </a:avLst>
+          </a:prstGeom>
+          <a:noFill/>
+          <a:ln>
+            <a:solidFill>
+              <a:srgbClr val="FF0000"/>
+            </a:solidFill>
+          </a:ln>
+        </p:spPr>
+        <p:style>
+          <a:lnRef idx="2">
+            <a:schemeClr val="accent1">
+              <a:shade val="50000"/>
+            </a:schemeClr>
+          </a:lnRef>
+          <a:fillRef idx="1">
+            <a:schemeClr val="accent1"/>
+          </a:fillRef>
+          <a:effectRef idx="0">
+            <a:schemeClr val="accent1"/>
+          </a:effectRef>
+          <a:fontRef idx="minor">
+            <a:schemeClr val="lt1"/>
+          </a:fontRef>
+        </p:style>
+        <p:txBody>
+          <a:bodyPr rtlCol="0" anchor="ctr"/>
+          <a:lstStyle/>
+          <a:p>
+            <a:pPr algn="ctr"/>
+            <a:endParaRPr lang="en-US"/>
+          </a:p>
+        </p:txBody>
+      </p:sp>
+      <p:sp>
+        <p:nvSpPr>
+          <p:cNvPr id="64" name="Isosceles Triangle 63"/>
+          <p:cNvSpPr/>
+          <p:nvPr/>
+        </p:nvSpPr>
+        <p:spPr>
+          <a:xfrm>
+            <a:off x="2721708" y="2871119"/>
+            <a:ext cx="1512000" cy="1512000"/>
+          </a:xfrm>
+          <a:prstGeom prst="triangle">
+            <a:avLst>
+              <a:gd name="adj" fmla="val 100000"/>
+            </a:avLst>
+          </a:prstGeom>
+          <a:noFill/>
+          <a:ln>
+            <a:solidFill>
+              <a:srgbClr val="FF0000"/>
+            </a:solidFill>
+          </a:ln>
+        </p:spPr>
+        <p:style>
+          <a:lnRef idx="2">
+            <a:schemeClr val="accent1">
+              <a:shade val="50000"/>
+            </a:schemeClr>
+          </a:lnRef>
+          <a:fillRef idx="1">
+            <a:schemeClr val="accent1"/>
+          </a:fillRef>
+          <a:effectRef idx="0">
+            <a:schemeClr val="accent1"/>
+          </a:effectRef>
+          <a:fontRef idx="minor">
+            <a:schemeClr val="lt1"/>
+          </a:fontRef>
+        </p:style>
+        <p:txBody>
+          <a:bodyPr rtlCol="0" anchor="ctr"/>
+          <a:lstStyle/>
+          <a:p>
+            <a:pPr algn="ctr"/>
+            <a:endParaRPr lang="en-US"/>
+          </a:p>
+        </p:txBody>
+      </p:sp>
+      <p:sp>
+        <p:nvSpPr>
+          <p:cNvPr id="65" name="Isosceles Triangle 64"/>
+          <p:cNvSpPr/>
+          <p:nvPr/>
+        </p:nvSpPr>
+        <p:spPr>
+          <a:xfrm rot="10800000">
+            <a:off x="2721708" y="2871119"/>
+            <a:ext cx="1512000" cy="1512000"/>
+          </a:xfrm>
+          <a:prstGeom prst="triangle">
+            <a:avLst>
+              <a:gd name="adj" fmla="val 100000"/>
+            </a:avLst>
+          </a:prstGeom>
+          <a:noFill/>
+          <a:ln>
+            <a:solidFill>
+              <a:srgbClr val="FF0000"/>
+            </a:solidFill>
+          </a:ln>
+        </p:spPr>
+        <p:style>
+          <a:lnRef idx="2">
+            <a:schemeClr val="accent1">
+              <a:shade val="50000"/>
+            </a:schemeClr>
+          </a:lnRef>
+          <a:fillRef idx="1">
+            <a:schemeClr val="accent1"/>
+          </a:fillRef>
+          <a:effectRef idx="0">
+            <a:schemeClr val="accent1"/>
+          </a:effectRef>
+          <a:fontRef idx="minor">
+            <a:schemeClr val="lt1"/>
+          </a:fontRef>
+        </p:style>
+        <p:txBody>
+          <a:bodyPr rtlCol="0" anchor="ctr"/>
+          <a:lstStyle/>
+          <a:p>
+            <a:pPr algn="ctr"/>
+            <a:endParaRPr lang="en-US"/>
+          </a:p>
+        </p:txBody>
+      </p:sp>
+      <p:sp>
+        <p:nvSpPr>
+          <p:cNvPr id="66" name="Isosceles Triangle 65"/>
+          <p:cNvSpPr/>
+          <p:nvPr/>
+        </p:nvSpPr>
+        <p:spPr>
+          <a:xfrm>
+            <a:off x="4314402" y="2871119"/>
+            <a:ext cx="1512000" cy="1512000"/>
+          </a:xfrm>
+          <a:prstGeom prst="triangle">
+            <a:avLst>
+              <a:gd name="adj" fmla="val 100000"/>
+            </a:avLst>
+          </a:prstGeom>
+          <a:noFill/>
+          <a:ln>
+            <a:solidFill>
+              <a:srgbClr val="FF0000"/>
+            </a:solidFill>
+          </a:ln>
+        </p:spPr>
+        <p:style>
+          <a:lnRef idx="2">
+            <a:schemeClr val="accent1">
+              <a:shade val="50000"/>
+            </a:schemeClr>
+          </a:lnRef>
+          <a:fillRef idx="1">
+            <a:schemeClr val="accent1"/>
+          </a:fillRef>
+          <a:effectRef idx="0">
+            <a:schemeClr val="accent1"/>
+          </a:effectRef>
+          <a:fontRef idx="minor">
+            <a:schemeClr val="lt1"/>
+          </a:fontRef>
+        </p:style>
+        <p:txBody>
+          <a:bodyPr rtlCol="0" anchor="ctr"/>
+          <a:lstStyle/>
+          <a:p>
+            <a:pPr algn="ctr"/>
+            <a:endParaRPr lang="en-US"/>
+          </a:p>
+        </p:txBody>
+      </p:sp>
+      <p:sp>
+        <p:nvSpPr>
+          <p:cNvPr id="67" name="Isosceles Triangle 66"/>
+          <p:cNvSpPr/>
+          <p:nvPr/>
+        </p:nvSpPr>
+        <p:spPr>
+          <a:xfrm rot="10800000">
+            <a:off x="4314402" y="2871119"/>
+            <a:ext cx="1512000" cy="1512000"/>
+          </a:xfrm>
+          <a:prstGeom prst="triangle">
+            <a:avLst>
+              <a:gd name="adj" fmla="val 100000"/>
+            </a:avLst>
+          </a:prstGeom>
+          <a:noFill/>
+          <a:ln>
+            <a:solidFill>
+              <a:srgbClr val="FF0000"/>
+            </a:solidFill>
+          </a:ln>
+        </p:spPr>
+        <p:style>
+          <a:lnRef idx="2">
+            <a:schemeClr val="accent1">
+              <a:shade val="50000"/>
+            </a:schemeClr>
+          </a:lnRef>
+          <a:fillRef idx="1">
+            <a:schemeClr val="accent1"/>
+          </a:fillRef>
+          <a:effectRef idx="0">
+            <a:schemeClr val="accent1"/>
+          </a:effectRef>
+          <a:fontRef idx="minor">
+            <a:schemeClr val="lt1"/>
+          </a:fontRef>
+        </p:style>
+        <p:txBody>
+          <a:bodyPr rtlCol="0" anchor="ctr"/>
+          <a:lstStyle/>
+          <a:p>
+            <a:pPr algn="ctr"/>
+            <a:endParaRPr lang="en-US"/>
+          </a:p>
+        </p:txBody>
+      </p:sp>
+      <p:sp>
+        <p:nvSpPr>
+          <p:cNvPr id="68" name="Isosceles Triangle 67"/>
+          <p:cNvSpPr/>
+          <p:nvPr/>
+        </p:nvSpPr>
+        <p:spPr>
+          <a:xfrm>
+            <a:off x="6269048" y="2871119"/>
+            <a:ext cx="1512000" cy="1512000"/>
+          </a:xfrm>
+          <a:prstGeom prst="triangle">
+            <a:avLst>
+              <a:gd name="adj" fmla="val 100000"/>
+            </a:avLst>
+          </a:prstGeom>
+          <a:noFill/>
+          <a:ln>
+            <a:solidFill>
+              <a:srgbClr val="FF0000"/>
+            </a:solidFill>
+          </a:ln>
+        </p:spPr>
+        <p:style>
+          <a:lnRef idx="2">
+            <a:schemeClr val="accent1">
+              <a:shade val="50000"/>
+            </a:schemeClr>
+          </a:lnRef>
+          <a:fillRef idx="1">
+            <a:schemeClr val="accent1"/>
+          </a:fillRef>
+          <a:effectRef idx="0">
+            <a:schemeClr val="accent1"/>
+          </a:effectRef>
+          <a:fontRef idx="minor">
+            <a:schemeClr val="lt1"/>
+          </a:fontRef>
+        </p:style>
+        <p:txBody>
+          <a:bodyPr rtlCol="0" anchor="ctr"/>
+          <a:lstStyle/>
+          <a:p>
+            <a:pPr algn="ctr"/>
+            <a:endParaRPr lang="en-US"/>
+          </a:p>
+        </p:txBody>
+      </p:sp>
+      <p:sp>
+        <p:nvSpPr>
+          <p:cNvPr id="69" name="Isosceles Triangle 68"/>
+          <p:cNvSpPr/>
+          <p:nvPr/>
+        </p:nvSpPr>
+        <p:spPr>
+          <a:xfrm rot="10800000">
+            <a:off x="6269048" y="2871119"/>
+            <a:ext cx="1512000" cy="1512000"/>
+          </a:xfrm>
+          <a:prstGeom prst="triangle">
+            <a:avLst>
+              <a:gd name="adj" fmla="val 100000"/>
+            </a:avLst>
+          </a:prstGeom>
+          <a:noFill/>
+          <a:ln>
+            <a:solidFill>
+              <a:srgbClr val="FF0000"/>
+            </a:solidFill>
+          </a:ln>
+        </p:spPr>
+        <p:style>
+          <a:lnRef idx="2">
+            <a:schemeClr val="accent1">
+              <a:shade val="50000"/>
+            </a:schemeClr>
+          </a:lnRef>
+          <a:fillRef idx="1">
+            <a:schemeClr val="accent1"/>
+          </a:fillRef>
+          <a:effectRef idx="0">
+            <a:schemeClr val="accent1"/>
+          </a:effectRef>
+          <a:fontRef idx="minor">
+            <a:schemeClr val="lt1"/>
+          </a:fontRef>
+        </p:style>
+        <p:txBody>
+          <a:bodyPr rtlCol="0" anchor="ctr"/>
+          <a:lstStyle/>
+          <a:p>
+            <a:pPr algn="ctr"/>
+            <a:endParaRPr lang="en-US"/>
+          </a:p>
+        </p:txBody>
+      </p:sp>
+      <p:sp>
+        <p:nvSpPr>
+          <p:cNvPr id="70" name="Isosceles Triangle 69"/>
+          <p:cNvSpPr/>
+          <p:nvPr/>
+        </p:nvSpPr>
+        <p:spPr>
+          <a:xfrm>
+            <a:off x="1117353" y="4109476"/>
+            <a:ext cx="1512000" cy="1512000"/>
+          </a:xfrm>
+          <a:prstGeom prst="triangle">
+            <a:avLst>
+              <a:gd name="adj" fmla="val 100000"/>
+            </a:avLst>
+          </a:prstGeom>
+          <a:noFill/>
+          <a:ln>
+            <a:solidFill>
+              <a:srgbClr val="FF0000"/>
+            </a:solidFill>
+          </a:ln>
+        </p:spPr>
+        <p:style>
+          <a:lnRef idx="2">
+            <a:schemeClr val="accent1">
+              <a:shade val="50000"/>
+            </a:schemeClr>
+          </a:lnRef>
+          <a:fillRef idx="1">
+            <a:schemeClr val="accent1"/>
+          </a:fillRef>
+          <a:effectRef idx="0">
+            <a:schemeClr val="accent1"/>
+          </a:effectRef>
+          <a:fontRef idx="minor">
+            <a:schemeClr val="lt1"/>
+          </a:fontRef>
+        </p:style>
+        <p:txBody>
+          <a:bodyPr rtlCol="0" anchor="ctr"/>
+          <a:lstStyle/>
+          <a:p>
+            <a:pPr algn="ctr"/>
+            <a:endParaRPr lang="en-US"/>
+          </a:p>
+        </p:txBody>
+      </p:sp>
+      <p:sp>
+        <p:nvSpPr>
+          <p:cNvPr id="71" name="Isosceles Triangle 70"/>
+          <p:cNvSpPr/>
+          <p:nvPr/>
+        </p:nvSpPr>
+        <p:spPr>
+          <a:xfrm rot="10800000">
+            <a:off x="1117353" y="4109476"/>
+            <a:ext cx="1512000" cy="1512000"/>
+          </a:xfrm>
+          <a:prstGeom prst="triangle">
+            <a:avLst>
+              <a:gd name="adj" fmla="val 100000"/>
+            </a:avLst>
+          </a:prstGeom>
+          <a:noFill/>
+          <a:ln>
+            <a:solidFill>
+              <a:srgbClr val="FF0000"/>
+            </a:solidFill>
+          </a:ln>
+        </p:spPr>
+        <p:style>
+          <a:lnRef idx="2">
+            <a:schemeClr val="accent1">
+              <a:shade val="50000"/>
+            </a:schemeClr>
+          </a:lnRef>
+          <a:fillRef idx="1">
+            <a:schemeClr val="accent1"/>
+          </a:fillRef>
+          <a:effectRef idx="0">
+            <a:schemeClr val="accent1"/>
+          </a:effectRef>
+          <a:fontRef idx="minor">
+            <a:schemeClr val="lt1"/>
+          </a:fontRef>
+        </p:style>
+        <p:txBody>
+          <a:bodyPr rtlCol="0" anchor="ctr"/>
+          <a:lstStyle/>
+          <a:p>
+            <a:pPr algn="ctr"/>
+            <a:endParaRPr lang="en-US"/>
+          </a:p>
+        </p:txBody>
+      </p:sp>
+      <p:sp>
+        <p:nvSpPr>
+          <p:cNvPr id="72" name="Isosceles Triangle 71"/>
+          <p:cNvSpPr/>
+          <p:nvPr/>
+        </p:nvSpPr>
+        <p:spPr>
+          <a:xfrm>
+            <a:off x="2716840" y="4109476"/>
+            <a:ext cx="1512000" cy="1512000"/>
+          </a:xfrm>
+          <a:prstGeom prst="triangle">
+            <a:avLst>
+              <a:gd name="adj" fmla="val 100000"/>
+            </a:avLst>
+          </a:prstGeom>
+          <a:noFill/>
+          <a:ln>
+            <a:solidFill>
+              <a:srgbClr val="FF0000"/>
+            </a:solidFill>
+          </a:ln>
+        </p:spPr>
+        <p:style>
+          <a:lnRef idx="2">
+            <a:schemeClr val="accent1">
+              <a:shade val="50000"/>
+            </a:schemeClr>
+          </a:lnRef>
+          <a:fillRef idx="1">
+            <a:schemeClr val="accent1"/>
+          </a:fillRef>
+          <a:effectRef idx="0">
+            <a:schemeClr val="accent1"/>
+          </a:effectRef>
+          <a:fontRef idx="minor">
+            <a:schemeClr val="lt1"/>
+          </a:fontRef>
+        </p:style>
+        <p:txBody>
+          <a:bodyPr rtlCol="0" anchor="ctr"/>
+          <a:lstStyle/>
+          <a:p>
+            <a:pPr algn="ctr"/>
+            <a:endParaRPr lang="en-US"/>
+          </a:p>
+        </p:txBody>
+      </p:sp>
+      <p:sp>
+        <p:nvSpPr>
+          <p:cNvPr id="73" name="Isosceles Triangle 72"/>
+          <p:cNvSpPr/>
+          <p:nvPr/>
+        </p:nvSpPr>
+        <p:spPr>
+          <a:xfrm rot="10800000">
+            <a:off x="2716840" y="4109476"/>
+            <a:ext cx="1512000" cy="1512000"/>
+          </a:xfrm>
+          <a:prstGeom prst="triangle">
+            <a:avLst>
+              <a:gd name="adj" fmla="val 100000"/>
+            </a:avLst>
+          </a:prstGeom>
+          <a:noFill/>
+          <a:ln>
+            <a:solidFill>
+              <a:srgbClr val="FF0000"/>
+            </a:solidFill>
+          </a:ln>
+        </p:spPr>
+        <p:style>
+          <a:lnRef idx="2">
+            <a:schemeClr val="accent1">
+              <a:shade val="50000"/>
+            </a:schemeClr>
+          </a:lnRef>
+          <a:fillRef idx="1">
+            <a:schemeClr val="accent1"/>
+          </a:fillRef>
+          <a:effectRef idx="0">
+            <a:schemeClr val="accent1"/>
+          </a:effectRef>
+          <a:fontRef idx="minor">
+            <a:schemeClr val="lt1"/>
+          </a:fontRef>
+        </p:style>
+        <p:txBody>
+          <a:bodyPr rtlCol="0" anchor="ctr"/>
+          <a:lstStyle/>
+          <a:p>
+            <a:pPr algn="ctr"/>
+            <a:endParaRPr lang="en-US"/>
+          </a:p>
+        </p:txBody>
+      </p:sp>
+      <p:sp>
+        <p:nvSpPr>
+          <p:cNvPr id="74" name="Isosceles Triangle 73"/>
+          <p:cNvSpPr/>
+          <p:nvPr/>
+        </p:nvSpPr>
+        <p:spPr>
+          <a:xfrm>
+            <a:off x="4322715" y="4109476"/>
+            <a:ext cx="1512000" cy="1512000"/>
+          </a:xfrm>
+          <a:prstGeom prst="triangle">
+            <a:avLst>
+              <a:gd name="adj" fmla="val 100000"/>
+            </a:avLst>
+          </a:prstGeom>
+          <a:noFill/>
+          <a:ln>
+            <a:solidFill>
+              <a:srgbClr val="FF0000"/>
+            </a:solidFill>
+          </a:ln>
+        </p:spPr>
+        <p:style>
+          <a:lnRef idx="2">
+            <a:schemeClr val="accent1">
+              <a:shade val="50000"/>
+            </a:schemeClr>
+          </a:lnRef>
+          <a:fillRef idx="1">
+            <a:schemeClr val="accent1"/>
+          </a:fillRef>
+          <a:effectRef idx="0">
+            <a:schemeClr val="accent1"/>
+          </a:effectRef>
+          <a:fontRef idx="minor">
+            <a:schemeClr val="lt1"/>
+          </a:fontRef>
+        </p:style>
+        <p:txBody>
+          <a:bodyPr rtlCol="0" anchor="ctr"/>
+          <a:lstStyle/>
+          <a:p>
+            <a:pPr algn="ctr"/>
+            <a:endParaRPr lang="en-US"/>
+          </a:p>
+        </p:txBody>
+      </p:sp>
+      <p:sp>
+        <p:nvSpPr>
+          <p:cNvPr id="75" name="Isosceles Triangle 74"/>
+          <p:cNvSpPr/>
+          <p:nvPr/>
+        </p:nvSpPr>
+        <p:spPr>
+          <a:xfrm rot="10800000">
+            <a:off x="4322715" y="4109476"/>
+            <a:ext cx="1512000" cy="1512000"/>
+          </a:xfrm>
+          <a:prstGeom prst="triangle">
+            <a:avLst>
+              <a:gd name="adj" fmla="val 100000"/>
+            </a:avLst>
+          </a:prstGeom>
+          <a:noFill/>
+          <a:ln>
+            <a:solidFill>
+              <a:srgbClr val="FF0000"/>
+            </a:solidFill>
+          </a:ln>
+        </p:spPr>
+        <p:style>
+          <a:lnRef idx="2">
+            <a:schemeClr val="accent1">
+              <a:shade val="50000"/>
+            </a:schemeClr>
+          </a:lnRef>
+          <a:fillRef idx="1">
+            <a:schemeClr val="accent1"/>
+          </a:fillRef>
+          <a:effectRef idx="0">
+            <a:schemeClr val="accent1"/>
+          </a:effectRef>
+          <a:fontRef idx="minor">
+            <a:schemeClr val="lt1"/>
+          </a:fontRef>
+        </p:style>
+        <p:txBody>
+          <a:bodyPr rtlCol="0" anchor="ctr"/>
+          <a:lstStyle/>
+          <a:p>
+            <a:pPr algn="ctr"/>
+            <a:endParaRPr lang="en-US"/>
+          </a:p>
+        </p:txBody>
+      </p:sp>
+      <p:sp>
+        <p:nvSpPr>
+          <p:cNvPr id="76" name="Isosceles Triangle 75"/>
+          <p:cNvSpPr/>
+          <p:nvPr/>
+        </p:nvSpPr>
+        <p:spPr>
+          <a:xfrm>
+            <a:off x="6271584" y="4103946"/>
+            <a:ext cx="1512000" cy="1512000"/>
+          </a:xfrm>
+          <a:prstGeom prst="triangle">
+            <a:avLst>
+              <a:gd name="adj" fmla="val 100000"/>
+            </a:avLst>
+          </a:prstGeom>
+          <a:noFill/>
+          <a:ln>
+            <a:solidFill>
+              <a:srgbClr val="FF0000"/>
+            </a:solidFill>
+          </a:ln>
+        </p:spPr>
+        <p:style>
+          <a:lnRef idx="2">
+            <a:schemeClr val="accent1">
+              <a:shade val="50000"/>
+            </a:schemeClr>
+          </a:lnRef>
+          <a:fillRef idx="1">
+            <a:schemeClr val="accent1"/>
+          </a:fillRef>
+          <a:effectRef idx="0">
+            <a:schemeClr val="accent1"/>
+          </a:effectRef>
+          <a:fontRef idx="minor">
+            <a:schemeClr val="lt1"/>
+          </a:fontRef>
+        </p:style>
+        <p:txBody>
+          <a:bodyPr rtlCol="0" anchor="ctr"/>
+          <a:lstStyle/>
+          <a:p>
+            <a:pPr algn="ctr"/>
+            <a:endParaRPr lang="en-US"/>
+          </a:p>
+        </p:txBody>
+      </p:sp>
+      <p:sp>
+        <p:nvSpPr>
+          <p:cNvPr id="77" name="Isosceles Triangle 76"/>
+          <p:cNvSpPr/>
+          <p:nvPr/>
+        </p:nvSpPr>
+        <p:spPr>
+          <a:xfrm rot="10800000">
+            <a:off x="6271584" y="4103946"/>
+            <a:ext cx="1512000" cy="1512000"/>
+          </a:xfrm>
+          <a:prstGeom prst="triangle">
+            <a:avLst>
+              <a:gd name="adj" fmla="val 100000"/>
+            </a:avLst>
+          </a:prstGeom>
+          <a:noFill/>
+          <a:ln>
+            <a:solidFill>
+              <a:srgbClr val="FF0000"/>
+            </a:solidFill>
+          </a:ln>
+        </p:spPr>
+        <p:style>
+          <a:lnRef idx="2">
+            <a:schemeClr val="accent1">
+              <a:shade val="50000"/>
+            </a:schemeClr>
+          </a:lnRef>
+          <a:fillRef idx="1">
+            <a:schemeClr val="accent1"/>
+          </a:fillRef>
+          <a:effectRef idx="0">
+            <a:schemeClr val="accent1"/>
+          </a:effectRef>
+          <a:fontRef idx="minor">
+            <a:schemeClr val="lt1"/>
+          </a:fontRef>
+        </p:style>
+        <p:txBody>
+          <a:bodyPr rtlCol="0" anchor="ctr"/>
+          <a:lstStyle/>
+          <a:p>
+            <a:pPr algn="ctr"/>
+            <a:endParaRPr lang="en-US"/>
+          </a:p>
+        </p:txBody>
+      </p:sp>
+      <p:sp>
+        <p:nvSpPr>
+          <p:cNvPr id="78" name="Rectangle 77"/>
+          <p:cNvSpPr/>
+          <p:nvPr/>
+        </p:nvSpPr>
+        <p:spPr>
+          <a:xfrm>
+            <a:off x="4841815" y="605323"/>
+            <a:ext cx="2412000" cy="5462968"/>
+          </a:xfrm>
+          <a:prstGeom prst="rect">
+            <a:avLst/>
+          </a:prstGeom>
+          <a:solidFill>
+            <a:schemeClr val="bg1"/>
+          </a:solidFill>
+          <a:ln>
+            <a:solidFill>
+              <a:schemeClr val="bg1"/>
+            </a:solidFill>
+          </a:ln>
+        </p:spPr>
+        <p:style>
+          <a:lnRef idx="2">
+            <a:schemeClr val="accent1">
+              <a:shade val="50000"/>
+            </a:schemeClr>
+          </a:lnRef>
+          <a:fillRef idx="1">
+            <a:schemeClr val="accent1"/>
+          </a:fillRef>
+          <a:effectRef idx="0">
+            <a:schemeClr val="accent1"/>
+          </a:effectRef>
+          <a:fontRef idx="minor">
+            <a:schemeClr val="lt1"/>
+          </a:fontRef>
+        </p:style>
+        <p:txBody>
+          <a:bodyPr rtlCol="0" anchor="ctr"/>
+          <a:lstStyle/>
+          <a:p>
+            <a:pPr algn="ctr"/>
+            <a:endParaRPr lang="en-US"/>
+          </a:p>
+        </p:txBody>
+      </p:sp>
+      <p:sp>
+        <p:nvSpPr>
+          <p:cNvPr id="79" name="Rectangle 78"/>
+          <p:cNvSpPr/>
+          <p:nvPr/>
+        </p:nvSpPr>
+        <p:spPr>
+          <a:xfrm>
+            <a:off x="1082674" y="3882044"/>
+            <a:ext cx="7013921" cy="1244825"/>
+          </a:xfrm>
+          <a:prstGeom prst="rect">
+            <a:avLst/>
+          </a:prstGeom>
+          <a:solidFill>
+            <a:schemeClr val="bg1"/>
+          </a:solidFill>
+          <a:ln>
+            <a:solidFill>
+              <a:schemeClr val="bg1"/>
+            </a:solidFill>
+          </a:ln>
+        </p:spPr>
+        <p:style>
+          <a:lnRef idx="2">
+            <a:schemeClr val="accent1">
+              <a:shade val="50000"/>
+            </a:schemeClr>
+          </a:lnRef>
+          <a:fillRef idx="1">
+            <a:schemeClr val="accent1"/>
+          </a:fillRef>
+          <a:effectRef idx="0">
+            <a:schemeClr val="accent1"/>
+          </a:effectRef>
+          <a:fontRef idx="minor">
+            <a:schemeClr val="lt1"/>
+          </a:fontRef>
+        </p:style>
+        <p:txBody>
+          <a:bodyPr rtlCol="0" anchor="ctr"/>
+          <a:lstStyle/>
+          <a:p>
+            <a:pPr algn="ctr"/>
+            <a:endParaRPr lang="en-US"/>
+          </a:p>
+        </p:txBody>
+      </p:sp>
+      <p:sp>
+        <p:nvSpPr>
+          <p:cNvPr id="80" name="TextBox 79"/>
+          <p:cNvSpPr txBox="1"/>
+          <p:nvPr/>
+        </p:nvSpPr>
+        <p:spPr>
+          <a:xfrm>
+            <a:off x="5330363" y="2389973"/>
+            <a:ext cx="1396536" cy="369332"/>
+          </a:xfrm>
+          <a:prstGeom prst="rect">
+            <a:avLst/>
+          </a:prstGeom>
+          <a:noFill/>
+        </p:spPr>
+        <p:txBody>
+          <a:bodyPr wrap="none" rtlCol="0">
+            <a:spAutoFit/>
+          </a:bodyPr>
+          <a:lstStyle/>
+          <a:p>
+            <a:r>
+              <a:rPr lang="ro-MD" dirty="0" smtClean="0"/>
+              <a:t>.....................</a:t>
+            </a:r>
+            <a:endParaRPr lang="en-US" dirty="0"/>
+          </a:p>
+        </p:txBody>
+      </p:sp>
+      <p:sp>
+        <p:nvSpPr>
+          <p:cNvPr id="81" name="TextBox 80"/>
+          <p:cNvSpPr txBox="1"/>
+          <p:nvPr/>
+        </p:nvSpPr>
+        <p:spPr>
+          <a:xfrm rot="5400000">
+            <a:off x="2667617" y="4328926"/>
+            <a:ext cx="934871" cy="369332"/>
+          </a:xfrm>
+          <a:prstGeom prst="rect">
+            <a:avLst/>
+          </a:prstGeom>
+          <a:noFill/>
+        </p:spPr>
+        <p:txBody>
+          <a:bodyPr wrap="none" rtlCol="0">
+            <a:spAutoFit/>
+          </a:bodyPr>
+          <a:lstStyle/>
+          <a:p>
+            <a:r>
+              <a:rPr lang="ro-MD" dirty="0" smtClean="0"/>
+              <a:t>.............</a:t>
+            </a:r>
+            <a:endParaRPr lang="en-US" dirty="0"/>
+          </a:p>
+        </p:txBody>
+      </p:sp>
+    </p:spTree>
+    <p:extLst>
+      <p:ext uri="{BB962C8B-B14F-4D97-AF65-F5344CB8AC3E}">
+        <p14:creationId xmlns:p14="http://schemas.microsoft.com/office/powerpoint/2010/main" val="2387041121"/>
       </p:ext>
     </p:extLst>
   </p:cSld>
